--- a/_Administratie/Presentatie GIP.pptx
+++ b/_Administratie/Presentatie GIP.pptx
@@ -5,21 +5,22 @@
     <p:sldMasterId id="2147483695" r:id="rId1"/>
   </p:sldMasterIdLst>
   <p:notesMasterIdLst>
-    <p:notesMasterId r:id="rId14"/>
+    <p:notesMasterId r:id="rId15"/>
   </p:notesMasterIdLst>
   <p:sldIdLst>
     <p:sldId id="256" r:id="rId2"/>
-    <p:sldId id="257" r:id="rId3"/>
-    <p:sldId id="270" r:id="rId4"/>
-    <p:sldId id="269" r:id="rId5"/>
-    <p:sldId id="271" r:id="rId6"/>
-    <p:sldId id="272" r:id="rId7"/>
-    <p:sldId id="275" r:id="rId8"/>
-    <p:sldId id="276" r:id="rId9"/>
-    <p:sldId id="274" r:id="rId10"/>
-    <p:sldId id="273" r:id="rId11"/>
-    <p:sldId id="277" r:id="rId12"/>
-    <p:sldId id="278" r:id="rId13"/>
+    <p:sldId id="279" r:id="rId3"/>
+    <p:sldId id="257" r:id="rId4"/>
+    <p:sldId id="270" r:id="rId5"/>
+    <p:sldId id="269" r:id="rId6"/>
+    <p:sldId id="271" r:id="rId7"/>
+    <p:sldId id="272" r:id="rId8"/>
+    <p:sldId id="275" r:id="rId9"/>
+    <p:sldId id="276" r:id="rId10"/>
+    <p:sldId id="274" r:id="rId11"/>
+    <p:sldId id="273" r:id="rId12"/>
+    <p:sldId id="277" r:id="rId13"/>
+    <p:sldId id="278" r:id="rId14"/>
   </p:sldIdLst>
   <p:sldSz cx="12192000" cy="6858000"/>
   <p:notesSz cx="6858000" cy="9144000"/>
@@ -208,7 +209,7 @@
           <a:p>
             <a:fld id="{301D66A4-ABC3-4C44-A698-86811F34C74C}" type="datetimeFigureOut">
               <a:rPr lang="nl-NL" smtClean="0"/>
-              <a:t>9-5-2019</a:t>
+              <a:t>13-5-2019</a:t>
             </a:fld>
             <a:endParaRPr lang="nl-NL"/>
           </a:p>
@@ -642,7 +643,7 @@
           <a:p>
             <a:fld id="{B1914E6F-C347-4F2C-9B55-B862DB75823B}" type="slidenum">
               <a:rPr lang="nl-NL" smtClean="0"/>
-              <a:t>10</a:t>
+              <a:t>11</a:t>
             </a:fld>
             <a:endParaRPr lang="nl-NL"/>
           </a:p>
@@ -763,7 +764,7 @@
           <a:p>
             <a:fld id="{B1914E6F-C347-4F2C-9B55-B862DB75823B}" type="slidenum">
               <a:rPr lang="nl-NL" smtClean="0"/>
-              <a:t>11</a:t>
+              <a:t>12</a:t>
             </a:fld>
             <a:endParaRPr lang="nl-NL"/>
           </a:p>
@@ -847,7 +848,7 @@
           <a:p>
             <a:fld id="{B1914E6F-C347-4F2C-9B55-B862DB75823B}" type="slidenum">
               <a:rPr lang="nl-NL" smtClean="0"/>
-              <a:t>12</a:t>
+              <a:t>13</a:t>
             </a:fld>
             <a:endParaRPr lang="nl-NL"/>
           </a:p>
@@ -934,7 +935,7 @@
           <a:p>
             <a:fld id="{B1914E6F-C347-4F2C-9B55-B862DB75823B}" type="slidenum">
               <a:rPr lang="nl-NL" smtClean="0"/>
-              <a:t>2</a:t>
+              <a:t>3</a:t>
             </a:fld>
             <a:endParaRPr lang="nl-NL"/>
           </a:p>
@@ -1021,7 +1022,7 @@
           <a:p>
             <a:fld id="{B1914E6F-C347-4F2C-9B55-B862DB75823B}" type="slidenum">
               <a:rPr lang="nl-NL" smtClean="0"/>
-              <a:t>3</a:t>
+              <a:t>4</a:t>
             </a:fld>
             <a:endParaRPr lang="nl-NL"/>
           </a:p>
@@ -1105,7 +1106,7 @@
           <a:p>
             <a:fld id="{B1914E6F-C347-4F2C-9B55-B862DB75823B}" type="slidenum">
               <a:rPr lang="nl-NL" smtClean="0"/>
-              <a:t>4</a:t>
+              <a:t>5</a:t>
             </a:fld>
             <a:endParaRPr lang="nl-NL"/>
           </a:p>
@@ -1192,7 +1193,7 @@
           <a:p>
             <a:fld id="{B1914E6F-C347-4F2C-9B55-B862DB75823B}" type="slidenum">
               <a:rPr lang="nl-NL" smtClean="0"/>
-              <a:t>5</a:t>
+              <a:t>6</a:t>
             </a:fld>
             <a:endParaRPr lang="nl-NL"/>
           </a:p>
@@ -1295,7 +1296,7 @@
           <a:p>
             <a:fld id="{B1914E6F-C347-4F2C-9B55-B862DB75823B}" type="slidenum">
               <a:rPr lang="nl-NL" smtClean="0"/>
-              <a:t>6</a:t>
+              <a:t>7</a:t>
             </a:fld>
             <a:endParaRPr lang="nl-NL"/>
           </a:p>
@@ -1379,7 +1380,7 @@
           <a:p>
             <a:fld id="{B1914E6F-C347-4F2C-9B55-B862DB75823B}" type="slidenum">
               <a:rPr lang="nl-NL" smtClean="0"/>
-              <a:t>7</a:t>
+              <a:t>8</a:t>
             </a:fld>
             <a:endParaRPr lang="nl-NL"/>
           </a:p>
@@ -1463,7 +1464,7 @@
           <a:p>
             <a:fld id="{B1914E6F-C347-4F2C-9B55-B862DB75823B}" type="slidenum">
               <a:rPr lang="nl-NL" smtClean="0"/>
-              <a:t>8</a:t>
+              <a:t>9</a:t>
             </a:fld>
             <a:endParaRPr lang="nl-NL"/>
           </a:p>
@@ -1547,7 +1548,7 @@
           <a:p>
             <a:fld id="{B1914E6F-C347-4F2C-9B55-B862DB75823B}" type="slidenum">
               <a:rPr lang="nl-NL" smtClean="0"/>
-              <a:t>9</a:t>
+              <a:t>10</a:t>
             </a:fld>
             <a:endParaRPr lang="nl-NL"/>
           </a:p>
@@ -1752,7 +1753,7 @@
           <a:p>
             <a:fld id="{12F0C58C-007D-453E-BDD8-6C2CB8665497}" type="datetimeFigureOut">
               <a:rPr lang="nl-NL" smtClean="0"/>
-              <a:t>9-5-2019</a:t>
+              <a:t>13-5-2019</a:t>
             </a:fld>
             <a:endParaRPr lang="nl-NL"/>
           </a:p>
@@ -2027,7 +2028,7 @@
           <a:p>
             <a:fld id="{12F0C58C-007D-453E-BDD8-6C2CB8665497}" type="datetimeFigureOut">
               <a:rPr lang="nl-NL" smtClean="0"/>
-              <a:t>9-5-2019</a:t>
+              <a:t>13-5-2019</a:t>
             </a:fld>
             <a:endParaRPr lang="nl-NL"/>
           </a:p>
@@ -2221,7 +2222,7 @@
           <a:p>
             <a:fld id="{12F0C58C-007D-453E-BDD8-6C2CB8665497}" type="datetimeFigureOut">
               <a:rPr lang="nl-NL" smtClean="0"/>
-              <a:t>9-5-2019</a:t>
+              <a:t>13-5-2019</a:t>
             </a:fld>
             <a:endParaRPr lang="nl-NL"/>
           </a:p>
@@ -2494,7 +2495,7 @@
           <a:p>
             <a:fld id="{12F0C58C-007D-453E-BDD8-6C2CB8665497}" type="datetimeFigureOut">
               <a:rPr lang="nl-NL" smtClean="0"/>
-              <a:t>9-5-2019</a:t>
+              <a:t>13-5-2019</a:t>
             </a:fld>
             <a:endParaRPr lang="nl-NL"/>
           </a:p>
@@ -2835,7 +2836,7 @@
           <a:p>
             <a:fld id="{12F0C58C-007D-453E-BDD8-6C2CB8665497}" type="datetimeFigureOut">
               <a:rPr lang="nl-NL" smtClean="0"/>
-              <a:t>9-5-2019</a:t>
+              <a:t>13-5-2019</a:t>
             </a:fld>
             <a:endParaRPr lang="nl-NL"/>
           </a:p>
@@ -3458,7 +3459,7 @@
           <a:p>
             <a:fld id="{12F0C58C-007D-453E-BDD8-6C2CB8665497}" type="datetimeFigureOut">
               <a:rPr lang="nl-NL" smtClean="0"/>
-              <a:t>9-5-2019</a:t>
+              <a:t>13-5-2019</a:t>
             </a:fld>
             <a:endParaRPr lang="nl-NL"/>
           </a:p>
@@ -4318,7 +4319,7 @@
           <a:p>
             <a:fld id="{12F0C58C-007D-453E-BDD8-6C2CB8665497}" type="datetimeFigureOut">
               <a:rPr lang="nl-NL" smtClean="0"/>
-              <a:t>9-5-2019</a:t>
+              <a:t>13-5-2019</a:t>
             </a:fld>
             <a:endParaRPr lang="nl-NL"/>
           </a:p>
@@ -4488,7 +4489,7 @@
           <a:p>
             <a:fld id="{12F0C58C-007D-453E-BDD8-6C2CB8665497}" type="datetimeFigureOut">
               <a:rPr lang="nl-NL" smtClean="0"/>
-              <a:t>9-5-2019</a:t>
+              <a:t>13-5-2019</a:t>
             </a:fld>
             <a:endParaRPr lang="nl-NL"/>
           </a:p>
@@ -4668,7 +4669,7 @@
           <a:p>
             <a:fld id="{12F0C58C-007D-453E-BDD8-6C2CB8665497}" type="datetimeFigureOut">
               <a:rPr lang="nl-NL" smtClean="0"/>
-              <a:t>9-5-2019</a:t>
+              <a:t>13-5-2019</a:t>
             </a:fld>
             <a:endParaRPr lang="nl-NL"/>
           </a:p>
@@ -4838,7 +4839,7 @@
           <a:p>
             <a:fld id="{12F0C58C-007D-453E-BDD8-6C2CB8665497}" type="datetimeFigureOut">
               <a:rPr lang="nl-NL" smtClean="0"/>
-              <a:t>9-5-2019</a:t>
+              <a:t>13-5-2019</a:t>
             </a:fld>
             <a:endParaRPr lang="nl-NL"/>
           </a:p>
@@ -5085,7 +5086,7 @@
           <a:p>
             <a:fld id="{12F0C58C-007D-453E-BDD8-6C2CB8665497}" type="datetimeFigureOut">
               <a:rPr lang="nl-NL" smtClean="0"/>
-              <a:t>9-5-2019</a:t>
+              <a:t>13-5-2019</a:t>
             </a:fld>
             <a:endParaRPr lang="nl-NL"/>
           </a:p>
@@ -5377,7 +5378,7 @@
           <a:p>
             <a:fld id="{12F0C58C-007D-453E-BDD8-6C2CB8665497}" type="datetimeFigureOut">
               <a:rPr lang="nl-NL" smtClean="0"/>
-              <a:t>9-5-2019</a:t>
+              <a:t>13-5-2019</a:t>
             </a:fld>
             <a:endParaRPr lang="nl-NL"/>
           </a:p>
@@ -5821,7 +5822,7 @@
           <a:p>
             <a:fld id="{12F0C58C-007D-453E-BDD8-6C2CB8665497}" type="datetimeFigureOut">
               <a:rPr lang="nl-NL" smtClean="0"/>
-              <a:t>9-5-2019</a:t>
+              <a:t>13-5-2019</a:t>
             </a:fld>
             <a:endParaRPr lang="nl-NL"/>
           </a:p>
@@ -5939,7 +5940,7 @@
           <a:p>
             <a:fld id="{12F0C58C-007D-453E-BDD8-6C2CB8665497}" type="datetimeFigureOut">
               <a:rPr lang="nl-NL" smtClean="0"/>
-              <a:t>9-5-2019</a:t>
+              <a:t>13-5-2019</a:t>
             </a:fld>
             <a:endParaRPr lang="nl-NL"/>
           </a:p>
@@ -6034,7 +6035,7 @@
           <a:p>
             <a:fld id="{12F0C58C-007D-453E-BDD8-6C2CB8665497}" type="datetimeFigureOut">
               <a:rPr lang="nl-NL" smtClean="0"/>
-              <a:t>9-5-2019</a:t>
+              <a:t>13-5-2019</a:t>
             </a:fld>
             <a:endParaRPr lang="nl-NL"/>
           </a:p>
@@ -6313,7 +6314,7 @@
           <a:p>
             <a:fld id="{12F0C58C-007D-453E-BDD8-6C2CB8665497}" type="datetimeFigureOut">
               <a:rPr lang="nl-NL" smtClean="0"/>
-              <a:t>9-5-2019</a:t>
+              <a:t>13-5-2019</a:t>
             </a:fld>
             <a:endParaRPr lang="nl-NL"/>
           </a:p>
@@ -6588,7 +6589,7 @@
           <a:p>
             <a:fld id="{12F0C58C-007D-453E-BDD8-6C2CB8665497}" type="datetimeFigureOut">
               <a:rPr lang="nl-NL" smtClean="0"/>
-              <a:t>9-5-2019</a:t>
+              <a:t>13-5-2019</a:t>
             </a:fld>
             <a:endParaRPr lang="nl-NL"/>
           </a:p>
@@ -7017,7 +7018,7 @@
           <a:p>
             <a:fld id="{12F0C58C-007D-453E-BDD8-6C2CB8665497}" type="datetimeFigureOut">
               <a:rPr lang="nl-NL" smtClean="0"/>
-              <a:t>9-5-2019</a:t>
+              <a:t>13-5-2019</a:t>
             </a:fld>
             <a:endParaRPr lang="nl-NL"/>
           </a:p>
@@ -7618,18 +7619,6 @@
                   </a:schemeClr>
                 </a:solidFill>
               </a:rPr>
-              <a:t>Led kubus</a:t>
-            </a:r>
-          </a:p>
-          <a:p>
-            <a:r>
-              <a:rPr lang="nl-NL" dirty="0">
-                <a:solidFill>
-                  <a:schemeClr val="tx1">
-                    <a:lumMod val="95000"/>
-                  </a:schemeClr>
-                </a:solidFill>
-              </a:rPr>
               <a:t>Sebastiaan Sillis</a:t>
             </a:r>
           </a:p>
@@ -7652,6 +7641,1796 @@
 </file>
 
 <file path=ppt/slides/slide10.xml><?xml version="1.0" encoding="utf-8"?>
+<p:sld xmlns:a="http://schemas.openxmlformats.org/drawingml/2006/main" xmlns:r="http://schemas.openxmlformats.org/officeDocument/2006/relationships" xmlns:p="http://schemas.openxmlformats.org/presentationml/2006/main">
+  <p:cSld>
+    <p:spTree>
+      <p:nvGrpSpPr>
+        <p:cNvPr id="1" name=""/>
+        <p:cNvGrpSpPr/>
+        <p:nvPr/>
+      </p:nvGrpSpPr>
+      <p:grpSpPr>
+        <a:xfrm>
+          <a:off x="0" y="0"/>
+          <a:ext cx="0" cy="0"/>
+          <a:chOff x="0" y="0"/>
+          <a:chExt cx="0" cy="0"/>
+        </a:xfrm>
+      </p:grpSpPr>
+      <p:sp>
+        <p:nvSpPr>
+          <p:cNvPr id="2" name="Titel 1"/>
+          <p:cNvSpPr>
+            <a:spLocks noGrp="1"/>
+          </p:cNvSpPr>
+          <p:nvPr>
+            <p:ph type="title"/>
+          </p:nvPr>
+        </p:nvSpPr>
+        <p:spPr/>
+        <p:txBody>
+          <a:bodyPr/>
+          <a:lstStyle/>
+          <a:p>
+            <a:r>
+              <a:rPr lang="nl-NL" sz="1800" dirty="0"/>
+              <a:t>Arp </a:t>
+            </a:r>
+            <a:r>
+              <a:rPr lang="nl-NL" sz="1800" dirty="0" err="1"/>
+              <a:t>Spoofing</a:t>
+            </a:r>
+            <a:endParaRPr lang="nl-NL" sz="1800" dirty="0"/>
+          </a:p>
+        </p:txBody>
+      </p:sp>
+      <p:grpSp>
+        <p:nvGrpSpPr>
+          <p:cNvPr id="13" name="Groep 12">
+            <a:extLst>
+              <a:ext uri="{FF2B5EF4-FFF2-40B4-BE49-F238E27FC236}">
+                <a16:creationId xmlns:a16="http://schemas.microsoft.com/office/drawing/2014/main" id="{EF8FA028-9C3F-403C-8BB0-1E5E5D5629A6}"/>
+              </a:ext>
+            </a:extLst>
+          </p:cNvPr>
+          <p:cNvGrpSpPr/>
+          <p:nvPr/>
+        </p:nvGrpSpPr>
+        <p:grpSpPr>
+          <a:xfrm>
+            <a:off x="1693185" y="1174800"/>
+            <a:ext cx="2251836" cy="1400530"/>
+            <a:chOff x="2667000" y="1143000"/>
+            <a:chExt cx="6858000" cy="4572000"/>
+          </a:xfrm>
+        </p:grpSpPr>
+        <p:pic>
+          <p:nvPicPr>
+            <p:cNvPr id="1026" name="Picture 2" descr="Afbeeldingsresultaat voor computer razerblade">
+              <a:extLst>
+                <a:ext uri="{FF2B5EF4-FFF2-40B4-BE49-F238E27FC236}">
+                  <a16:creationId xmlns:a16="http://schemas.microsoft.com/office/drawing/2014/main" id="{A8BBE771-0BF0-4657-87DF-B46171A91763}"/>
+                </a:ext>
+              </a:extLst>
+            </p:cNvPr>
+            <p:cNvPicPr>
+              <a:picLocks noChangeAspect="1" noChangeArrowheads="1"/>
+            </p:cNvPicPr>
+            <p:nvPr/>
+          </p:nvPicPr>
+          <p:blipFill>
+            <a:blip r:embed="rId3" cstate="print">
+              <a:duotone>
+                <a:prstClr val="black"/>
+                <a:srgbClr val="FF0000">
+                  <a:tint val="45000"/>
+                  <a:satMod val="400000"/>
+                </a:srgbClr>
+              </a:duotone>
+              <a:extLst>
+                <a:ext uri="{BEBA8EAE-BF5A-486C-A8C5-ECC9F3942E4B}">
+                  <a14:imgProps xmlns:a14="http://schemas.microsoft.com/office/drawing/2010/main">
+                    <a14:imgLayer r:embed="rId4">
+                      <a14:imgEffect>
+                        <a14:backgroundRemoval t="8958" b="90000" l="10000" r="90000">
+                          <a14:foregroundMark x1="28472" y1="50417" x2="15139" y2="88750"/>
+                          <a14:foregroundMark x1="15139" y1="88750" x2="37083" y2="91458"/>
+                          <a14:foregroundMark x1="37083" y1="91458" x2="51806" y2="88542"/>
+                          <a14:foregroundMark x1="51806" y1="88542" x2="77083" y2="90417"/>
+                          <a14:foregroundMark x1="77083" y1="90417" x2="84167" y2="88958"/>
+                          <a14:foregroundMark x1="84167" y1="88958" x2="84444" y2="77292"/>
+                          <a14:foregroundMark x1="84444" y1="77292" x2="79306" y2="67292"/>
+                          <a14:foregroundMark x1="79306" y1="67292" x2="74861" y2="27083"/>
+                          <a14:foregroundMark x1="74861" y1="27083" x2="74722" y2="16250"/>
+                          <a14:foregroundMark x1="74722" y1="16250" x2="68611" y2="11042"/>
+                          <a14:foregroundMark x1="68611" y1="11042" x2="61667" y2="8958"/>
+                          <a14:foregroundMark x1="61667" y1="8958" x2="39444" y2="12083"/>
+                          <a14:foregroundMark x1="39444" y1="12083" x2="29861" y2="10000"/>
+                        </a14:backgroundRemoval>
+                      </a14:imgEffect>
+                    </a14:imgLayer>
+                  </a14:imgProps>
+                </a:ext>
+                <a:ext uri="{28A0092B-C50C-407E-A947-70E740481C1C}">
+                  <a14:useLocalDpi xmlns:a14="http://schemas.microsoft.com/office/drawing/2010/main" val="0"/>
+                </a:ext>
+              </a:extLst>
+            </a:blip>
+            <a:srcRect/>
+            <a:stretch>
+              <a:fillRect/>
+            </a:stretch>
+          </p:blipFill>
+          <p:spPr bwMode="auto">
+            <a:xfrm>
+              <a:off x="2667000" y="1143000"/>
+              <a:ext cx="6858000" cy="4572000"/>
+            </a:xfrm>
+            <a:prstGeom prst="rect">
+              <a:avLst/>
+            </a:prstGeom>
+            <a:noFill/>
+            <a:extLst>
+              <a:ext uri="{909E8E84-426E-40DD-AFC4-6F175D3DCCD1}">
+                <a14:hiddenFill xmlns:a14="http://schemas.microsoft.com/office/drawing/2010/main">
+                  <a:solidFill>
+                    <a:srgbClr val="FFFFFF"/>
+                  </a:solidFill>
+                </a14:hiddenFill>
+              </a:ext>
+            </a:extLst>
+          </p:spPr>
+        </p:pic>
+        <p:sp>
+          <p:nvSpPr>
+            <p:cNvPr id="12" name="Rechthoek 11">
+              <a:extLst>
+                <a:ext uri="{FF2B5EF4-FFF2-40B4-BE49-F238E27FC236}">
+                  <a16:creationId xmlns:a16="http://schemas.microsoft.com/office/drawing/2014/main" id="{E92C533C-2713-426B-933C-69C055F20E83}"/>
+                </a:ext>
+              </a:extLst>
+            </p:cNvPr>
+            <p:cNvSpPr/>
+            <p:nvPr/>
+          </p:nvSpPr>
+          <p:spPr>
+            <a:xfrm>
+              <a:off x="4109662" y="1530849"/>
+              <a:ext cx="4027471" cy="2393879"/>
+            </a:xfrm>
+            <a:prstGeom prst="rect">
+              <a:avLst/>
+            </a:prstGeom>
+          </p:spPr>
+          <p:style>
+            <a:lnRef idx="2">
+              <a:schemeClr val="dk1">
+                <a:shade val="50000"/>
+              </a:schemeClr>
+            </a:lnRef>
+            <a:fillRef idx="1">
+              <a:schemeClr val="dk1"/>
+            </a:fillRef>
+            <a:effectRef idx="0">
+              <a:schemeClr val="dk1"/>
+            </a:effectRef>
+            <a:fontRef idx="minor">
+              <a:schemeClr val="lt1"/>
+            </a:fontRef>
+          </p:style>
+          <p:txBody>
+            <a:bodyPr rtlCol="0" anchor="ctr"/>
+            <a:lstStyle/>
+            <a:p>
+              <a:pPr algn="ctr"/>
+              <a:r>
+                <a:rPr lang="nl-NL" sz="2000" b="1" dirty="0">
+                  <a:solidFill>
+                    <a:srgbClr val="FF0000"/>
+                  </a:solidFill>
+                </a:rPr>
+                <a:t>HACKER</a:t>
+              </a:r>
+            </a:p>
+          </p:txBody>
+        </p:sp>
+      </p:grpSp>
+      <p:grpSp>
+        <p:nvGrpSpPr>
+          <p:cNvPr id="16" name="Groep 15">
+            <a:extLst>
+              <a:ext uri="{FF2B5EF4-FFF2-40B4-BE49-F238E27FC236}">
+                <a16:creationId xmlns:a16="http://schemas.microsoft.com/office/drawing/2014/main" id="{A0751BA8-8259-43A6-9062-78FE902E1DE6}"/>
+              </a:ext>
+            </a:extLst>
+          </p:cNvPr>
+          <p:cNvGrpSpPr/>
+          <p:nvPr/>
+        </p:nvGrpSpPr>
+        <p:grpSpPr>
+          <a:xfrm>
+            <a:off x="1153090" y="4977992"/>
+            <a:ext cx="2559333" cy="1233836"/>
+            <a:chOff x="5546977" y="2557328"/>
+            <a:chExt cx="3463459" cy="1877195"/>
+          </a:xfrm>
+        </p:grpSpPr>
+        <p:pic>
+          <p:nvPicPr>
+            <p:cNvPr id="14" name="Afbeelding 13">
+              <a:extLst>
+                <a:ext uri="{FF2B5EF4-FFF2-40B4-BE49-F238E27FC236}">
+                  <a16:creationId xmlns:a16="http://schemas.microsoft.com/office/drawing/2014/main" id="{54884391-9763-4752-9596-B2017AB49B9F}"/>
+                </a:ext>
+              </a:extLst>
+            </p:cNvPr>
+            <p:cNvPicPr>
+              <a:picLocks noChangeAspect="1"/>
+            </p:cNvPicPr>
+            <p:nvPr/>
+          </p:nvPicPr>
+          <p:blipFill>
+            <a:blip r:embed="rId5">
+              <a:extLst>
+                <a:ext uri="{BEBA8EAE-BF5A-486C-A8C5-ECC9F3942E4B}">
+                  <a14:imgProps xmlns:a14="http://schemas.microsoft.com/office/drawing/2010/main">
+                    <a14:imgLayer r:embed="rId6">
+                      <a14:imgEffect>
+                        <a14:backgroundRemoval t="0" b="97048" l="3800" r="90000">
+                          <a14:foregroundMark x1="24600" y1="16605" x2="17600" y2="11439"/>
+                          <a14:foregroundMark x1="17600" y1="16974" x2="18400" y2="52399"/>
+                          <a14:foregroundMark x1="16800" y1="11439" x2="25800" y2="3690"/>
+                          <a14:foregroundMark x1="25800" y1="3690" x2="48600" y2="0"/>
+                          <a14:foregroundMark x1="48600" y1="0" x2="64600" y2="738"/>
+                          <a14:foregroundMark x1="64600" y1="738" x2="66600" y2="2952"/>
+                          <a14:foregroundMark x1="44200" y1="59041" x2="44200" y2="59041"/>
+                          <a14:foregroundMark x1="47000" y1="59410" x2="67800" y2="57565"/>
+                          <a14:foregroundMark x1="67800" y1="57565" x2="69600" y2="2583"/>
+                          <a14:foregroundMark x1="48400" y1="57565" x2="18600" y2="54613"/>
+                          <a14:foregroundMark x1="34600" y1="59041" x2="34600" y2="59041"/>
+                          <a14:foregroundMark x1="34200" y1="59779" x2="30200" y2="61255"/>
+                          <a14:foregroundMark x1="29600" y1="61255" x2="28200" y2="61255"/>
+                          <a14:foregroundMark x1="25800" y1="59779" x2="25800" y2="59779"/>
+                          <a14:foregroundMark x1="24400" y1="59779" x2="23800" y2="59779"/>
+                          <a14:foregroundMark x1="22800" y1="59041" x2="22000" y2="58303"/>
+                          <a14:foregroundMark x1="17400" y1="10701" x2="25200" y2="369"/>
+                          <a14:foregroundMark x1="34600" y1="57934" x2="44800" y2="58672"/>
+                          <a14:foregroundMark x1="44800" y1="58672" x2="46400" y2="58303"/>
+                          <a14:foregroundMark x1="69200" y1="26199" x2="68400" y2="59779"/>
+                          <a14:foregroundMark x1="12400" y1="90037" x2="22800" y2="92989"/>
+                          <a14:foregroundMark x1="22800" y1="92989" x2="45600" y2="86716"/>
+                          <a14:foregroundMark x1="45600" y1="86716" x2="56600" y2="86716"/>
+                          <a14:foregroundMark x1="56600" y1="86716" x2="66200" y2="84871"/>
+                          <a14:foregroundMark x1="22000" y1="85609" x2="10800" y2="91144"/>
+                          <a14:foregroundMark x1="12200" y1="90775" x2="17400" y2="85240"/>
+                          <a14:foregroundMark x1="12600" y1="90406" x2="9000" y2="83395"/>
+                          <a14:foregroundMark x1="10200" y1="82657" x2="10200" y2="82657"/>
+                          <a14:foregroundMark x1="10200" y1="82657" x2="11600" y2="82657"/>
+                          <a14:foregroundMark x1="13600" y1="83395" x2="13600" y2="83395"/>
+                          <a14:foregroundMark x1="15200" y1="83764" x2="15800" y2="83764"/>
+                          <a14:foregroundMark x1="16800" y1="83764" x2="16800" y2="83764"/>
+                          <a14:foregroundMark x1="17200" y1="83764" x2="17200" y2="83764"/>
+                          <a14:foregroundMark x1="17000" y1="82288" x2="15000" y2="82288"/>
+                          <a14:foregroundMark x1="7200" y1="88192" x2="7600" y2="90775"/>
+                          <a14:foregroundMark x1="8200" y1="93358" x2="8200" y2="93358"/>
+                          <a14:foregroundMark x1="8200" y1="93358" x2="8200" y2="93358"/>
+                          <a14:foregroundMark x1="7800" y1="93358" x2="8600" y2="92989"/>
+                          <a14:foregroundMark x1="42600" y1="97048" x2="42600" y2="97048"/>
+                          <a14:foregroundMark x1="40000" y1="96679" x2="40000" y2="96679"/>
+                          <a14:foregroundMark x1="34400" y1="97048" x2="30800" y2="97048"/>
+                          <a14:foregroundMark x1="7800" y1="96679" x2="7800" y2="96679"/>
+                          <a14:foregroundMark x1="11800" y1="94834" x2="21800" y2="95941"/>
+                          <a14:foregroundMark x1="21800" y1="95941" x2="28600" y2="95203"/>
+                          <a14:foregroundMark x1="5400" y1="94834" x2="3800" y2="96310"/>
+                        </a14:backgroundRemoval>
+                      </a14:imgEffect>
+                    </a14:imgLayer>
+                  </a14:imgProps>
+                </a:ext>
+              </a:extLst>
+            </a:blip>
+            <a:stretch>
+              <a:fillRect/>
+            </a:stretch>
+          </p:blipFill>
+          <p:spPr>
+            <a:xfrm>
+              <a:off x="5546977" y="2557328"/>
+              <a:ext cx="3463459" cy="1877195"/>
+            </a:xfrm>
+            <a:prstGeom prst="rect">
+              <a:avLst/>
+            </a:prstGeom>
+          </p:spPr>
+        </p:pic>
+        <p:sp>
+          <p:nvSpPr>
+            <p:cNvPr id="15" name="Rechthoek 14">
+              <a:extLst>
+                <a:ext uri="{FF2B5EF4-FFF2-40B4-BE49-F238E27FC236}">
+                  <a16:creationId xmlns:a16="http://schemas.microsoft.com/office/drawing/2014/main" id="{E42915D5-BA79-46A9-A908-D57DF97E86F8}"/>
+                </a:ext>
+              </a:extLst>
+            </p:cNvPr>
+            <p:cNvSpPr/>
+            <p:nvPr/>
+          </p:nvSpPr>
+          <p:spPr>
+            <a:xfrm>
+              <a:off x="6185043" y="2557329"/>
+              <a:ext cx="1743184" cy="1110546"/>
+            </a:xfrm>
+            <a:prstGeom prst="rect">
+              <a:avLst/>
+            </a:prstGeom>
+          </p:spPr>
+          <p:style>
+            <a:lnRef idx="2">
+              <a:schemeClr val="dk1">
+                <a:shade val="50000"/>
+              </a:schemeClr>
+            </a:lnRef>
+            <a:fillRef idx="1">
+              <a:schemeClr val="dk1"/>
+            </a:fillRef>
+            <a:effectRef idx="0">
+              <a:schemeClr val="dk1"/>
+            </a:effectRef>
+            <a:fontRef idx="minor">
+              <a:schemeClr val="lt1"/>
+            </a:fontRef>
+          </p:style>
+          <p:txBody>
+            <a:bodyPr rtlCol="0" anchor="ctr"/>
+            <a:lstStyle/>
+            <a:p>
+              <a:pPr algn="ctr"/>
+              <a:r>
+                <a:rPr lang="nl-NL" sz="2400" b="1" dirty="0"/>
+                <a:t>Doelwit</a:t>
+              </a:r>
+            </a:p>
+          </p:txBody>
+        </p:sp>
+      </p:grpSp>
+      <p:pic>
+        <p:nvPicPr>
+          <p:cNvPr id="17" name="Afbeelding 16">
+            <a:extLst>
+              <a:ext uri="{FF2B5EF4-FFF2-40B4-BE49-F238E27FC236}">
+                <a16:creationId xmlns:a16="http://schemas.microsoft.com/office/drawing/2014/main" id="{7D0B8662-4BC1-4E5B-91FA-1F844390027C}"/>
+              </a:ext>
+            </a:extLst>
+          </p:cNvPr>
+          <p:cNvPicPr>
+            <a:picLocks noChangeAspect="1"/>
+          </p:cNvPicPr>
+          <p:nvPr/>
+        </p:nvPicPr>
+        <p:blipFill>
+          <a:blip r:embed="rId7">
+            <a:extLst>
+              <a:ext uri="{BEBA8EAE-BF5A-486C-A8C5-ECC9F3942E4B}">
+                <a14:imgProps xmlns:a14="http://schemas.microsoft.com/office/drawing/2010/main">
+                  <a14:imgLayer r:embed="rId8">
+                    <a14:imgEffect>
+                      <a14:backgroundRemoval t="3077" b="97179" l="5450" r="94313">
+                        <a14:foregroundMark x1="12559" y1="24103" x2="6635" y2="10000"/>
+                        <a14:foregroundMark x1="50000" y1="12564" x2="50000" y2="3077"/>
+                        <a14:foregroundMark x1="73697" y1="51538" x2="76540" y2="38462"/>
+                        <a14:foregroundMark x1="76540" y1="38462" x2="94313" y2="9231"/>
+                        <a14:foregroundMark x1="74645" y1="86410" x2="63033" y2="90256"/>
+                        <a14:foregroundMark x1="63033" y1="90256" x2="50474" y2="89744"/>
+                        <a14:foregroundMark x1="50474" y1="89744" x2="38389" y2="92564"/>
+                        <a14:foregroundMark x1="38389" y1="92564" x2="30095" y2="92051"/>
+                        <a14:foregroundMark x1="50711" y1="97179" x2="50711" y2="97179"/>
+                        <a14:foregroundMark x1="50474" y1="97179" x2="48578" y2="96923"/>
+                        <a14:foregroundMark x1="48578" y1="96923" x2="46445" y2="96410"/>
+                      </a14:backgroundRemoval>
+                    </a14:imgEffect>
+                  </a14:imgLayer>
+                </a14:imgProps>
+              </a:ext>
+            </a:extLst>
+          </a:blip>
+          <a:stretch>
+            <a:fillRect/>
+          </a:stretch>
+        </p:blipFill>
+        <p:spPr>
+          <a:xfrm>
+            <a:off x="7213417" y="2174286"/>
+            <a:ext cx="1875652" cy="1733422"/>
+          </a:xfrm>
+          <a:prstGeom prst="rect">
+            <a:avLst/>
+          </a:prstGeom>
+        </p:spPr>
+      </p:pic>
+      <p:pic>
+        <p:nvPicPr>
+          <p:cNvPr id="18" name="Afbeelding 17">
+            <a:extLst>
+              <a:ext uri="{FF2B5EF4-FFF2-40B4-BE49-F238E27FC236}">
+                <a16:creationId xmlns:a16="http://schemas.microsoft.com/office/drawing/2014/main" id="{9567991A-A0CF-48D8-A804-0B8A7FEA6765}"/>
+              </a:ext>
+            </a:extLst>
+          </p:cNvPr>
+          <p:cNvPicPr>
+            <a:picLocks noChangeAspect="1"/>
+          </p:cNvPicPr>
+          <p:nvPr/>
+        </p:nvPicPr>
+        <p:blipFill>
+          <a:blip r:embed="rId9">
+            <a:extLst>
+              <a:ext uri="{BEBA8EAE-BF5A-486C-A8C5-ECC9F3942E4B}">
+                <a14:imgProps xmlns:a14="http://schemas.microsoft.com/office/drawing/2010/main">
+                  <a14:imgLayer r:embed="rId10">
+                    <a14:imgEffect>
+                      <a14:backgroundRemoval t="10000" b="90000" l="10000" r="90000">
+                        <a14:foregroundMark x1="10547" y1="36230" x2="10742" y2="28809"/>
+                        <a14:foregroundMark x1="10742" y1="28809" x2="15625" y2="23242"/>
+                        <a14:foregroundMark x1="15625" y1="23242" x2="21875" y2="19434"/>
+                        <a14:foregroundMark x1="21875" y1="19434" x2="25879" y2="18555"/>
+                        <a14:foregroundMark x1="24512" y1="19629" x2="21191" y2="16016"/>
+                        <a14:foregroundMark x1="25098" y1="18262" x2="25098" y2="17871"/>
+                      </a14:backgroundRemoval>
+                    </a14:imgEffect>
+                  </a14:imgLayer>
+                </a14:imgProps>
+              </a:ext>
+            </a:extLst>
+          </a:blip>
+          <a:stretch>
+            <a:fillRect/>
+          </a:stretch>
+        </p:blipFill>
+        <p:spPr>
+          <a:xfrm>
+            <a:off x="10845436" y="2082436"/>
+            <a:ext cx="2693128" cy="2693128"/>
+          </a:xfrm>
+          <a:prstGeom prst="rect">
+            <a:avLst/>
+          </a:prstGeom>
+        </p:spPr>
+      </p:pic>
+      <p:cxnSp>
+        <p:nvCxnSpPr>
+          <p:cNvPr id="8" name="Rechte verbindingslijn met pijl 7">
+            <a:extLst>
+              <a:ext uri="{FF2B5EF4-FFF2-40B4-BE49-F238E27FC236}">
+                <a16:creationId xmlns:a16="http://schemas.microsoft.com/office/drawing/2014/main" id="{D59D01F2-51A9-4BDE-9711-45D2F22DA41A}"/>
+              </a:ext>
+            </a:extLst>
+          </p:cNvPr>
+          <p:cNvCxnSpPr>
+            <a:endCxn id="18" idx="1"/>
+          </p:cNvCxnSpPr>
+          <p:nvPr/>
+        </p:nvCxnSpPr>
+        <p:spPr>
+          <a:xfrm>
+            <a:off x="9089069" y="3429000"/>
+            <a:ext cx="1756367" cy="0"/>
+          </a:xfrm>
+          <a:prstGeom prst="straightConnector1">
+            <a:avLst/>
+          </a:prstGeom>
+          <a:ln w="76200">
+            <a:solidFill>
+              <a:srgbClr val="0070C0"/>
+            </a:solidFill>
+            <a:headEnd type="triangle"/>
+            <a:tailEnd type="triangle"/>
+          </a:ln>
+        </p:spPr>
+        <p:style>
+          <a:lnRef idx="3">
+            <a:schemeClr val="dk1"/>
+          </a:lnRef>
+          <a:fillRef idx="0">
+            <a:schemeClr val="dk1"/>
+          </a:fillRef>
+          <a:effectRef idx="2">
+            <a:schemeClr val="dk1"/>
+          </a:effectRef>
+          <a:fontRef idx="minor">
+            <a:schemeClr val="tx1"/>
+          </a:fontRef>
+        </p:style>
+      </p:cxnSp>
+      <p:sp>
+        <p:nvSpPr>
+          <p:cNvPr id="26" name="Vrije vorm: vorm 25">
+            <a:extLst>
+              <a:ext uri="{FF2B5EF4-FFF2-40B4-BE49-F238E27FC236}">
+                <a16:creationId xmlns:a16="http://schemas.microsoft.com/office/drawing/2014/main" id="{18F3C64D-A28E-420D-AF14-0FCA32378C1C}"/>
+              </a:ext>
+            </a:extLst>
+          </p:cNvPr>
+          <p:cNvSpPr/>
+          <p:nvPr/>
+        </p:nvSpPr>
+        <p:spPr>
+          <a:xfrm>
+            <a:off x="4098876" y="2174286"/>
+            <a:ext cx="2897312" cy="924674"/>
+          </a:xfrm>
+          <a:custGeom>
+            <a:avLst/>
+            <a:gdLst>
+              <a:gd name="connsiteX0" fmla="*/ 2897312 w 2897312"/>
+              <a:gd name="connsiteY0" fmla="*/ 924674 h 924674"/>
+              <a:gd name="connsiteX1" fmla="*/ 1643865 w 2897312"/>
+              <a:gd name="connsiteY1" fmla="*/ 184935 h 924674"/>
+              <a:gd name="connsiteX2" fmla="*/ 0 w 2897312"/>
+              <a:gd name="connsiteY2" fmla="*/ 0 h 924674"/>
+            </a:gdLst>
+            <a:ahLst/>
+            <a:cxnLst>
+              <a:cxn ang="0">
+                <a:pos x="connsiteX0" y="connsiteY0"/>
+              </a:cxn>
+              <a:cxn ang="0">
+                <a:pos x="connsiteX1" y="connsiteY1"/>
+              </a:cxn>
+              <a:cxn ang="0">
+                <a:pos x="connsiteX2" y="connsiteY2"/>
+              </a:cxn>
+            </a:cxnLst>
+            <a:rect l="l" t="t" r="r" b="b"/>
+            <a:pathLst>
+              <a:path w="2897312" h="924674">
+                <a:moveTo>
+                  <a:pt x="2897312" y="924674"/>
+                </a:moveTo>
+                <a:cubicBezTo>
+                  <a:pt x="2512031" y="631860"/>
+                  <a:pt x="2126750" y="339047"/>
+                  <a:pt x="1643865" y="184935"/>
+                </a:cubicBezTo>
+                <a:cubicBezTo>
+                  <a:pt x="1160980" y="30823"/>
+                  <a:pt x="251717" y="27398"/>
+                  <a:pt x="0" y="0"/>
+                </a:cubicBezTo>
+              </a:path>
+            </a:pathLst>
+          </a:custGeom>
+          <a:noFill/>
+          <a:ln w="28575">
+            <a:solidFill>
+              <a:schemeClr val="tx1"/>
+            </a:solidFill>
+            <a:headEnd type="none" w="med" len="med"/>
+            <a:tailEnd type="arrow" w="med" len="med"/>
+          </a:ln>
+        </p:spPr>
+        <p:style>
+          <a:lnRef idx="2">
+            <a:schemeClr val="accent1">
+              <a:shade val="50000"/>
+            </a:schemeClr>
+          </a:lnRef>
+          <a:fillRef idx="1">
+            <a:schemeClr val="accent1"/>
+          </a:fillRef>
+          <a:effectRef idx="0">
+            <a:schemeClr val="accent1"/>
+          </a:effectRef>
+          <a:fontRef idx="minor">
+            <a:schemeClr val="lt1"/>
+          </a:fontRef>
+        </p:style>
+        <p:txBody>
+          <a:bodyPr rtlCol="0" anchor="ctr"/>
+          <a:lstStyle/>
+          <a:p>
+            <a:pPr algn="ctr"/>
+            <a:endParaRPr lang="nl-NL"/>
+          </a:p>
+        </p:txBody>
+      </p:sp>
+      <p:sp>
+        <p:nvSpPr>
+          <p:cNvPr id="28" name="Vrije vorm: vorm 27">
+            <a:extLst>
+              <a:ext uri="{FF2B5EF4-FFF2-40B4-BE49-F238E27FC236}">
+                <a16:creationId xmlns:a16="http://schemas.microsoft.com/office/drawing/2014/main" id="{68E98539-0C13-47FC-984D-9CB49D9B6EEF}"/>
+              </a:ext>
+            </a:extLst>
+          </p:cNvPr>
+          <p:cNvSpPr/>
+          <p:nvPr/>
+        </p:nvSpPr>
+        <p:spPr>
+          <a:xfrm rot="10800000">
+            <a:off x="4098876" y="2499575"/>
+            <a:ext cx="2897312" cy="924674"/>
+          </a:xfrm>
+          <a:custGeom>
+            <a:avLst/>
+            <a:gdLst>
+              <a:gd name="connsiteX0" fmla="*/ 2897312 w 2897312"/>
+              <a:gd name="connsiteY0" fmla="*/ 924674 h 924674"/>
+              <a:gd name="connsiteX1" fmla="*/ 1643865 w 2897312"/>
+              <a:gd name="connsiteY1" fmla="*/ 184935 h 924674"/>
+              <a:gd name="connsiteX2" fmla="*/ 0 w 2897312"/>
+              <a:gd name="connsiteY2" fmla="*/ 0 h 924674"/>
+              <a:gd name="connsiteX0" fmla="*/ 2897312 w 2897312"/>
+              <a:gd name="connsiteY0" fmla="*/ 924674 h 924674"/>
+              <a:gd name="connsiteX1" fmla="*/ 1613042 w 2897312"/>
+              <a:gd name="connsiteY1" fmla="*/ 297951 h 924674"/>
+              <a:gd name="connsiteX2" fmla="*/ 0 w 2897312"/>
+              <a:gd name="connsiteY2" fmla="*/ 0 h 924674"/>
+            </a:gdLst>
+            <a:ahLst/>
+            <a:cxnLst>
+              <a:cxn ang="0">
+                <a:pos x="connsiteX0" y="connsiteY0"/>
+              </a:cxn>
+              <a:cxn ang="0">
+                <a:pos x="connsiteX1" y="connsiteY1"/>
+              </a:cxn>
+              <a:cxn ang="0">
+                <a:pos x="connsiteX2" y="connsiteY2"/>
+              </a:cxn>
+            </a:cxnLst>
+            <a:rect l="l" t="t" r="r" b="b"/>
+            <a:pathLst>
+              <a:path w="2897312" h="924674">
+                <a:moveTo>
+                  <a:pt x="2897312" y="924674"/>
+                </a:moveTo>
+                <a:cubicBezTo>
+                  <a:pt x="2512031" y="631860"/>
+                  <a:pt x="2095927" y="452063"/>
+                  <a:pt x="1613042" y="297951"/>
+                </a:cubicBezTo>
+                <a:cubicBezTo>
+                  <a:pt x="1130157" y="143839"/>
+                  <a:pt x="251717" y="27398"/>
+                  <a:pt x="0" y="0"/>
+                </a:cubicBezTo>
+              </a:path>
+            </a:pathLst>
+          </a:custGeom>
+          <a:noFill/>
+          <a:ln w="28575">
+            <a:solidFill>
+              <a:schemeClr val="tx1"/>
+            </a:solidFill>
+            <a:headEnd type="none" w="med" len="med"/>
+            <a:tailEnd type="arrow" w="med" len="med"/>
+          </a:ln>
+        </p:spPr>
+        <p:style>
+          <a:lnRef idx="2">
+            <a:schemeClr val="accent1">
+              <a:shade val="50000"/>
+            </a:schemeClr>
+          </a:lnRef>
+          <a:fillRef idx="1">
+            <a:schemeClr val="accent1"/>
+          </a:fillRef>
+          <a:effectRef idx="0">
+            <a:schemeClr val="accent1"/>
+          </a:effectRef>
+          <a:fontRef idx="minor">
+            <a:schemeClr val="lt1"/>
+          </a:fontRef>
+        </p:style>
+        <p:txBody>
+          <a:bodyPr rtlCol="0" anchor="ctr"/>
+          <a:lstStyle/>
+          <a:p>
+            <a:pPr algn="ctr"/>
+            <a:endParaRPr lang="nl-NL"/>
+          </a:p>
+        </p:txBody>
+      </p:sp>
+      <p:sp>
+        <p:nvSpPr>
+          <p:cNvPr id="31" name="Vrije vorm: vorm 30">
+            <a:extLst>
+              <a:ext uri="{FF2B5EF4-FFF2-40B4-BE49-F238E27FC236}">
+                <a16:creationId xmlns:a16="http://schemas.microsoft.com/office/drawing/2014/main" id="{B7B74615-70DA-4A07-9FE4-22D7EB832CDC}"/>
+              </a:ext>
+            </a:extLst>
+          </p:cNvPr>
+          <p:cNvSpPr/>
+          <p:nvPr/>
+        </p:nvSpPr>
+        <p:spPr>
+          <a:xfrm rot="19292124" flipV="1">
+            <a:off x="2163366" y="2950808"/>
+            <a:ext cx="1619079" cy="1570768"/>
+          </a:xfrm>
+          <a:custGeom>
+            <a:avLst/>
+            <a:gdLst>
+              <a:gd name="connsiteX0" fmla="*/ 2897312 w 2897312"/>
+              <a:gd name="connsiteY0" fmla="*/ 924674 h 924674"/>
+              <a:gd name="connsiteX1" fmla="*/ 1643865 w 2897312"/>
+              <a:gd name="connsiteY1" fmla="*/ 184935 h 924674"/>
+              <a:gd name="connsiteX2" fmla="*/ 0 w 2897312"/>
+              <a:gd name="connsiteY2" fmla="*/ 0 h 924674"/>
+              <a:gd name="connsiteX0" fmla="*/ 2897312 w 2897312"/>
+              <a:gd name="connsiteY0" fmla="*/ 924674 h 924674"/>
+              <a:gd name="connsiteX1" fmla="*/ 1869193 w 2897312"/>
+              <a:gd name="connsiteY1" fmla="*/ 353534 h 924674"/>
+              <a:gd name="connsiteX2" fmla="*/ 0 w 2897312"/>
+              <a:gd name="connsiteY2" fmla="*/ 0 h 924674"/>
+              <a:gd name="connsiteX0" fmla="*/ 2727468 w 2727468"/>
+              <a:gd name="connsiteY0" fmla="*/ 881270 h 881270"/>
+              <a:gd name="connsiteX1" fmla="*/ 1699349 w 2727468"/>
+              <a:gd name="connsiteY1" fmla="*/ 310130 h 881270"/>
+              <a:gd name="connsiteX2" fmla="*/ 0 w 2727468"/>
+              <a:gd name="connsiteY2" fmla="*/ 0 h 881270"/>
+            </a:gdLst>
+            <a:ahLst/>
+            <a:cxnLst>
+              <a:cxn ang="0">
+                <a:pos x="connsiteX0" y="connsiteY0"/>
+              </a:cxn>
+              <a:cxn ang="0">
+                <a:pos x="connsiteX1" y="connsiteY1"/>
+              </a:cxn>
+              <a:cxn ang="0">
+                <a:pos x="connsiteX2" y="connsiteY2"/>
+              </a:cxn>
+            </a:cxnLst>
+            <a:rect l="l" t="t" r="r" b="b"/>
+            <a:pathLst>
+              <a:path w="2727468" h="881270">
+                <a:moveTo>
+                  <a:pt x="2727468" y="881270"/>
+                </a:moveTo>
+                <a:cubicBezTo>
+                  <a:pt x="2342187" y="588456"/>
+                  <a:pt x="2153927" y="457008"/>
+                  <a:pt x="1699349" y="310130"/>
+                </a:cubicBezTo>
+                <a:cubicBezTo>
+                  <a:pt x="1244771" y="163252"/>
+                  <a:pt x="251717" y="27398"/>
+                  <a:pt x="0" y="0"/>
+                </a:cubicBezTo>
+              </a:path>
+            </a:pathLst>
+          </a:custGeom>
+          <a:noFill/>
+          <a:ln w="28575">
+            <a:solidFill>
+              <a:schemeClr val="tx1"/>
+            </a:solidFill>
+            <a:headEnd type="none" w="med" len="med"/>
+            <a:tailEnd type="arrow" w="med" len="med"/>
+          </a:ln>
+        </p:spPr>
+        <p:style>
+          <a:lnRef idx="2">
+            <a:schemeClr val="accent1">
+              <a:shade val="50000"/>
+            </a:schemeClr>
+          </a:lnRef>
+          <a:fillRef idx="1">
+            <a:schemeClr val="accent1"/>
+          </a:fillRef>
+          <a:effectRef idx="0">
+            <a:schemeClr val="accent1"/>
+          </a:effectRef>
+          <a:fontRef idx="minor">
+            <a:schemeClr val="lt1"/>
+          </a:fontRef>
+        </p:style>
+        <p:txBody>
+          <a:bodyPr rtlCol="0" anchor="ctr"/>
+          <a:lstStyle/>
+          <a:p>
+            <a:pPr algn="ctr"/>
+            <a:endParaRPr lang="nl-NL"/>
+          </a:p>
+        </p:txBody>
+      </p:sp>
+      <p:sp>
+        <p:nvSpPr>
+          <p:cNvPr id="27" name="Tekstvak 26">
+            <a:extLst>
+              <a:ext uri="{FF2B5EF4-FFF2-40B4-BE49-F238E27FC236}">
+                <a16:creationId xmlns:a16="http://schemas.microsoft.com/office/drawing/2014/main" id="{27175844-C59F-45C6-A1AF-4CB47336CCFE}"/>
+              </a:ext>
+            </a:extLst>
+          </p:cNvPr>
+          <p:cNvSpPr txBox="1"/>
+          <p:nvPr/>
+        </p:nvSpPr>
+        <p:spPr>
+          <a:xfrm rot="1216658">
+            <a:off x="4664254" y="3117271"/>
+            <a:ext cx="1633591" cy="400110"/>
+          </a:xfrm>
+          <a:prstGeom prst="rect">
+            <a:avLst/>
+          </a:prstGeom>
+          <a:noFill/>
+        </p:spPr>
+        <p:txBody>
+          <a:bodyPr wrap="square" rtlCol="0">
+            <a:spAutoFit/>
+          </a:bodyPr>
+          <a:lstStyle/>
+          <a:p>
+            <a:r>
+              <a:rPr lang="nl-NL" sz="2000" b="1" dirty="0">
+                <a:solidFill>
+                  <a:srgbClr val="00B0F0"/>
+                </a:solidFill>
+                <a:effectLst>
+                  <a:outerShdw blurRad="38100" dist="38100" dir="2700000" algn="tl">
+                    <a:srgbClr val="000000">
+                      <a:alpha val="43137"/>
+                    </a:srgbClr>
+                  </a:outerShdw>
+                </a:effectLst>
+              </a:rPr>
+              <a:t>Verzoek</a:t>
+            </a:r>
+          </a:p>
+        </p:txBody>
+      </p:sp>
+      <p:sp>
+        <p:nvSpPr>
+          <p:cNvPr id="33" name="Tekstvak 32">
+            <a:extLst>
+              <a:ext uri="{FF2B5EF4-FFF2-40B4-BE49-F238E27FC236}">
+                <a16:creationId xmlns:a16="http://schemas.microsoft.com/office/drawing/2014/main" id="{D6B27B67-3C7E-43B0-9867-49C38FC1DA6D}"/>
+              </a:ext>
+            </a:extLst>
+          </p:cNvPr>
+          <p:cNvSpPr txBox="1"/>
+          <p:nvPr/>
+        </p:nvSpPr>
+        <p:spPr>
+          <a:xfrm rot="5400000">
+            <a:off x="1005506" y="3723824"/>
+            <a:ext cx="1633591" cy="400110"/>
+          </a:xfrm>
+          <a:prstGeom prst="rect">
+            <a:avLst/>
+          </a:prstGeom>
+          <a:noFill/>
+        </p:spPr>
+        <p:txBody>
+          <a:bodyPr wrap="square" rtlCol="0">
+            <a:spAutoFit/>
+          </a:bodyPr>
+          <a:lstStyle/>
+          <a:p>
+            <a:r>
+              <a:rPr lang="nl-NL" sz="2000" b="1" dirty="0">
+                <a:solidFill>
+                  <a:srgbClr val="00B0F0"/>
+                </a:solidFill>
+                <a:effectLst>
+                  <a:outerShdw blurRad="38100" dist="38100" dir="2700000" algn="tl">
+                    <a:srgbClr val="000000">
+                      <a:alpha val="43137"/>
+                    </a:srgbClr>
+                  </a:outerShdw>
+                </a:effectLst>
+              </a:rPr>
+              <a:t>Verzoek</a:t>
+            </a:r>
+          </a:p>
+        </p:txBody>
+      </p:sp>
+      <p:sp>
+        <p:nvSpPr>
+          <p:cNvPr id="34" name="Tekstvak 33">
+            <a:extLst>
+              <a:ext uri="{FF2B5EF4-FFF2-40B4-BE49-F238E27FC236}">
+                <a16:creationId xmlns:a16="http://schemas.microsoft.com/office/drawing/2014/main" id="{9A830D31-1DA9-46E4-BEA0-02FD1E9E2A3F}"/>
+              </a:ext>
+            </a:extLst>
+          </p:cNvPr>
+          <p:cNvSpPr txBox="1"/>
+          <p:nvPr/>
+        </p:nvSpPr>
+        <p:spPr>
+          <a:xfrm rot="5400000">
+            <a:off x="2680548" y="3635468"/>
+            <a:ext cx="1633591" cy="400110"/>
+          </a:xfrm>
+          <a:prstGeom prst="rect">
+            <a:avLst/>
+          </a:prstGeom>
+          <a:noFill/>
+        </p:spPr>
+        <p:txBody>
+          <a:bodyPr wrap="square" rtlCol="0">
+            <a:spAutoFit/>
+          </a:bodyPr>
+          <a:lstStyle/>
+          <a:p>
+            <a:r>
+              <a:rPr lang="nl-NL" sz="2000" b="1" dirty="0">
+                <a:solidFill>
+                  <a:srgbClr val="FFC000"/>
+                </a:solidFill>
+                <a:effectLst>
+                  <a:outerShdw blurRad="38100" dist="38100" dir="2700000" algn="tl">
+                    <a:srgbClr val="000000">
+                      <a:alpha val="43137"/>
+                    </a:srgbClr>
+                  </a:outerShdw>
+                </a:effectLst>
+              </a:rPr>
+              <a:t>Antwoord</a:t>
+            </a:r>
+          </a:p>
+        </p:txBody>
+      </p:sp>
+      <p:sp>
+        <p:nvSpPr>
+          <p:cNvPr id="35" name="Tekstvak 34">
+            <a:extLst>
+              <a:ext uri="{FF2B5EF4-FFF2-40B4-BE49-F238E27FC236}">
+                <a16:creationId xmlns:a16="http://schemas.microsoft.com/office/drawing/2014/main" id="{951EFBEE-2BCB-484A-B32D-3EEED844577C}"/>
+              </a:ext>
+            </a:extLst>
+          </p:cNvPr>
+          <p:cNvSpPr txBox="1"/>
+          <p:nvPr/>
+        </p:nvSpPr>
+        <p:spPr>
+          <a:xfrm rot="1002512">
+            <a:off x="5108365" y="2035410"/>
+            <a:ext cx="1633591" cy="400110"/>
+          </a:xfrm>
+          <a:prstGeom prst="rect">
+            <a:avLst/>
+          </a:prstGeom>
+          <a:noFill/>
+        </p:spPr>
+        <p:txBody>
+          <a:bodyPr wrap="square" rtlCol="0">
+            <a:spAutoFit/>
+          </a:bodyPr>
+          <a:lstStyle/>
+          <a:p>
+            <a:r>
+              <a:rPr lang="nl-NL" sz="2000" b="1" dirty="0">
+                <a:solidFill>
+                  <a:srgbClr val="FFC000"/>
+                </a:solidFill>
+                <a:effectLst>
+                  <a:outerShdw blurRad="38100" dist="38100" dir="2700000" algn="tl">
+                    <a:srgbClr val="000000">
+                      <a:alpha val="43137"/>
+                    </a:srgbClr>
+                  </a:outerShdw>
+                </a:effectLst>
+              </a:rPr>
+              <a:t>Antwoord</a:t>
+            </a:r>
+          </a:p>
+        </p:txBody>
+      </p:sp>
+      <p:sp>
+        <p:nvSpPr>
+          <p:cNvPr id="3" name="Vrije vorm: vorm 2">
+            <a:extLst>
+              <a:ext uri="{FF2B5EF4-FFF2-40B4-BE49-F238E27FC236}">
+                <a16:creationId xmlns:a16="http://schemas.microsoft.com/office/drawing/2014/main" id="{08760AC4-088A-49DC-8DB8-684C27E24F0D}"/>
+              </a:ext>
+            </a:extLst>
+          </p:cNvPr>
+          <p:cNvSpPr/>
+          <p:nvPr/>
+        </p:nvSpPr>
+        <p:spPr>
+          <a:xfrm>
+            <a:off x="2020099" y="2609636"/>
+            <a:ext cx="342957" cy="2188395"/>
+          </a:xfrm>
+          <a:custGeom>
+            <a:avLst/>
+            <a:gdLst>
+              <a:gd name="connsiteX0" fmla="*/ 188845 w 342957"/>
+              <a:gd name="connsiteY0" fmla="*/ 2188395 h 2188395"/>
+              <a:gd name="connsiteX1" fmla="*/ 3910 w 342957"/>
+              <a:gd name="connsiteY1" fmla="*/ 1047964 h 2188395"/>
+              <a:gd name="connsiteX2" fmla="*/ 342957 w 342957"/>
+              <a:gd name="connsiteY2" fmla="*/ 0 h 2188395"/>
+            </a:gdLst>
+            <a:ahLst/>
+            <a:cxnLst>
+              <a:cxn ang="0">
+                <a:pos x="connsiteX0" y="connsiteY0"/>
+              </a:cxn>
+              <a:cxn ang="0">
+                <a:pos x="connsiteX1" y="connsiteY1"/>
+              </a:cxn>
+              <a:cxn ang="0">
+                <a:pos x="connsiteX2" y="connsiteY2"/>
+              </a:cxn>
+            </a:cxnLst>
+            <a:rect l="l" t="t" r="r" b="b"/>
+            <a:pathLst>
+              <a:path w="342957" h="2188395">
+                <a:moveTo>
+                  <a:pt x="188845" y="2188395"/>
+                </a:moveTo>
+                <a:cubicBezTo>
+                  <a:pt x="83535" y="1800545"/>
+                  <a:pt x="-21775" y="1412696"/>
+                  <a:pt x="3910" y="1047964"/>
+                </a:cubicBezTo>
+                <a:cubicBezTo>
+                  <a:pt x="29595" y="683232"/>
+                  <a:pt x="277887" y="195209"/>
+                  <a:pt x="342957" y="0"/>
+                </a:cubicBezTo>
+              </a:path>
+            </a:pathLst>
+          </a:custGeom>
+          <a:noFill/>
+          <a:ln w="28575">
+            <a:solidFill>
+              <a:schemeClr val="tx1"/>
+            </a:solidFill>
+            <a:headEnd type="none" w="med" len="med"/>
+            <a:tailEnd type="arrow" w="med" len="med"/>
+          </a:ln>
+        </p:spPr>
+        <p:style>
+          <a:lnRef idx="2">
+            <a:schemeClr val="accent1">
+              <a:shade val="50000"/>
+            </a:schemeClr>
+          </a:lnRef>
+          <a:fillRef idx="1">
+            <a:schemeClr val="accent1"/>
+          </a:fillRef>
+          <a:effectRef idx="0">
+            <a:schemeClr val="accent1"/>
+          </a:effectRef>
+          <a:fontRef idx="minor">
+            <a:schemeClr val="lt1"/>
+          </a:fontRef>
+        </p:style>
+        <p:txBody>
+          <a:bodyPr rtlCol="0" anchor="ctr"/>
+          <a:lstStyle/>
+          <a:p>
+            <a:pPr algn="ctr"/>
+            <a:endParaRPr lang="nl-NL"/>
+          </a:p>
+        </p:txBody>
+      </p:sp>
+    </p:spTree>
+    <p:extLst>
+      <p:ext uri="{BB962C8B-B14F-4D97-AF65-F5344CB8AC3E}">
+        <p14:creationId xmlns:p14="http://schemas.microsoft.com/office/powerpoint/2010/main" val="2478428771"/>
+      </p:ext>
+    </p:extLst>
+  </p:cSld>
+  <p:clrMapOvr>
+    <a:masterClrMapping/>
+  </p:clrMapOvr>
+  <p:transition spd="slow">
+    <p:wipe/>
+  </p:transition>
+  <p:timing>
+    <p:tnLst>
+      <p:par>
+        <p:cTn id="1" dur="indefinite" restart="never" nodeType="tmRoot">
+          <p:childTnLst>
+            <p:seq concurrent="1" nextAc="seek">
+              <p:cTn id="2" dur="indefinite" nodeType="mainSeq">
+                <p:childTnLst>
+                  <p:par>
+                    <p:cTn id="3" fill="hold">
+                      <p:stCondLst>
+                        <p:cond delay="indefinite"/>
+                      </p:stCondLst>
+                      <p:childTnLst>
+                        <p:par>
+                          <p:cTn id="4" fill="hold">
+                            <p:stCondLst>
+                              <p:cond delay="0"/>
+                            </p:stCondLst>
+                            <p:childTnLst>
+                              <p:par>
+                                <p:cTn id="5" presetID="10" presetClass="entr" presetSubtype="0" fill="hold" grpId="0" nodeType="clickEffect">
+                                  <p:stCondLst>
+                                    <p:cond delay="0"/>
+                                  </p:stCondLst>
+                                  <p:childTnLst>
+                                    <p:set>
+                                      <p:cBhvr>
+                                        <p:cTn id="6" dur="1" fill="hold">
+                                          <p:stCondLst>
+                                            <p:cond delay="0"/>
+                                          </p:stCondLst>
+                                        </p:cTn>
+                                        <p:tgtEl>
+                                          <p:spTgt spid="2"/>
+                                        </p:tgtEl>
+                                        <p:attrNameLst>
+                                          <p:attrName>style.visibility</p:attrName>
+                                        </p:attrNameLst>
+                                      </p:cBhvr>
+                                      <p:to>
+                                        <p:strVal val="visible"/>
+                                      </p:to>
+                                    </p:set>
+                                    <p:animEffect transition="in" filter="fade">
+                                      <p:cBhvr>
+                                        <p:cTn id="7" dur="500"/>
+                                        <p:tgtEl>
+                                          <p:spTgt spid="2"/>
+                                        </p:tgtEl>
+                                      </p:cBhvr>
+                                    </p:animEffect>
+                                  </p:childTnLst>
+                                </p:cTn>
+                              </p:par>
+                              <p:par>
+                                <p:cTn id="8" presetID="24" presetClass="emph" presetSubtype="0" fill="hold" grpId="1" nodeType="withEffect">
+                                  <p:stCondLst>
+                                    <p:cond delay="0"/>
+                                  </p:stCondLst>
+                                  <p:childTnLst>
+                                    <p:animClr clrSpc="hsl" dir="cw">
+                                      <p:cBhvr override="childStyle">
+                                        <p:cTn id="9" dur="1000" fill="hold"/>
+                                        <p:tgtEl>
+                                          <p:spTgt spid="2"/>
+                                        </p:tgtEl>
+                                        <p:attrNameLst>
+                                          <p:attrName>style.color</p:attrName>
+                                        </p:attrNameLst>
+                                      </p:cBhvr>
+                                      <p:by>
+                                        <p:hsl h="0" s="-12549" l="-25098"/>
+                                      </p:by>
+                                    </p:animClr>
+                                    <p:animClr clrSpc="hsl" dir="cw">
+                                      <p:cBhvr>
+                                        <p:cTn id="10" dur="1000" fill="hold"/>
+                                        <p:tgtEl>
+                                          <p:spTgt spid="2"/>
+                                        </p:tgtEl>
+                                        <p:attrNameLst>
+                                          <p:attrName>fillcolor</p:attrName>
+                                        </p:attrNameLst>
+                                      </p:cBhvr>
+                                      <p:by>
+                                        <p:hsl h="0" s="-12549" l="-25098"/>
+                                      </p:by>
+                                    </p:animClr>
+                                    <p:animClr clrSpc="hsl" dir="cw">
+                                      <p:cBhvr>
+                                        <p:cTn id="11" dur="1000" fill="hold"/>
+                                        <p:tgtEl>
+                                          <p:spTgt spid="2"/>
+                                        </p:tgtEl>
+                                        <p:attrNameLst>
+                                          <p:attrName>stroke.color</p:attrName>
+                                        </p:attrNameLst>
+                                      </p:cBhvr>
+                                      <p:by>
+                                        <p:hsl h="0" s="-12549" l="-25098"/>
+                                      </p:by>
+                                    </p:animClr>
+                                    <p:set>
+                                      <p:cBhvr>
+                                        <p:cTn id="12" dur="1000" fill="hold"/>
+                                        <p:tgtEl>
+                                          <p:spTgt spid="2"/>
+                                        </p:tgtEl>
+                                        <p:attrNameLst>
+                                          <p:attrName>fill.type</p:attrName>
+                                        </p:attrNameLst>
+                                      </p:cBhvr>
+                                      <p:to>
+                                        <p:strVal val="solid"/>
+                                      </p:to>
+                                    </p:set>
+                                  </p:childTnLst>
+                                  <p:subTnLst>
+                                    <p:animClr clrSpc="rgb" dir="cw">
+                                      <p:cBhvr override="childStyle">
+                                        <p:cTn dur="1" fill="hold" display="0" masterRel="nextClick" afterEffect="1"/>
+                                        <p:tgtEl>
+                                          <p:spTgt spid="2"/>
+                                        </p:tgtEl>
+                                        <p:attrNameLst>
+                                          <p:attrName>ppt_c</p:attrName>
+                                        </p:attrNameLst>
+                                      </p:cBhvr>
+                                      <p:to>
+                                        <a:schemeClr val="folHlink"/>
+                                      </p:to>
+                                    </p:animClr>
+                                  </p:subTnLst>
+                                </p:cTn>
+                              </p:par>
+                              <p:par>
+                                <p:cTn id="13" presetID="10" presetClass="entr" presetSubtype="0" fill="hold" nodeType="withEffect">
+                                  <p:stCondLst>
+                                    <p:cond delay="0"/>
+                                  </p:stCondLst>
+                                  <p:childTnLst>
+                                    <p:set>
+                                      <p:cBhvr>
+                                        <p:cTn id="14" dur="1" fill="hold">
+                                          <p:stCondLst>
+                                            <p:cond delay="0"/>
+                                          </p:stCondLst>
+                                        </p:cTn>
+                                        <p:tgtEl>
+                                          <p:spTgt spid="17"/>
+                                        </p:tgtEl>
+                                        <p:attrNameLst>
+                                          <p:attrName>style.visibility</p:attrName>
+                                        </p:attrNameLst>
+                                      </p:cBhvr>
+                                      <p:to>
+                                        <p:strVal val="visible"/>
+                                      </p:to>
+                                    </p:set>
+                                    <p:animEffect transition="in" filter="fade">
+                                      <p:cBhvr>
+                                        <p:cTn id="15" dur="500"/>
+                                        <p:tgtEl>
+                                          <p:spTgt spid="17"/>
+                                        </p:tgtEl>
+                                      </p:cBhvr>
+                                    </p:animEffect>
+                                  </p:childTnLst>
+                                </p:cTn>
+                              </p:par>
+                              <p:par>
+                                <p:cTn id="16" presetID="10" presetClass="entr" presetSubtype="0" fill="hold" nodeType="withEffect">
+                                  <p:stCondLst>
+                                    <p:cond delay="0"/>
+                                  </p:stCondLst>
+                                  <p:childTnLst>
+                                    <p:set>
+                                      <p:cBhvr>
+                                        <p:cTn id="17" dur="1" fill="hold">
+                                          <p:stCondLst>
+                                            <p:cond delay="0"/>
+                                          </p:stCondLst>
+                                        </p:cTn>
+                                        <p:tgtEl>
+                                          <p:spTgt spid="13"/>
+                                        </p:tgtEl>
+                                        <p:attrNameLst>
+                                          <p:attrName>style.visibility</p:attrName>
+                                        </p:attrNameLst>
+                                      </p:cBhvr>
+                                      <p:to>
+                                        <p:strVal val="visible"/>
+                                      </p:to>
+                                    </p:set>
+                                    <p:animEffect transition="in" filter="fade">
+                                      <p:cBhvr>
+                                        <p:cTn id="18" dur="500"/>
+                                        <p:tgtEl>
+                                          <p:spTgt spid="13"/>
+                                        </p:tgtEl>
+                                      </p:cBhvr>
+                                    </p:animEffect>
+                                  </p:childTnLst>
+                                </p:cTn>
+                              </p:par>
+                              <p:par>
+                                <p:cTn id="19" presetID="10" presetClass="entr" presetSubtype="0" fill="hold" nodeType="withEffect">
+                                  <p:stCondLst>
+                                    <p:cond delay="0"/>
+                                  </p:stCondLst>
+                                  <p:childTnLst>
+                                    <p:set>
+                                      <p:cBhvr>
+                                        <p:cTn id="20" dur="1" fill="hold">
+                                          <p:stCondLst>
+                                            <p:cond delay="0"/>
+                                          </p:stCondLst>
+                                        </p:cTn>
+                                        <p:tgtEl>
+                                          <p:spTgt spid="16"/>
+                                        </p:tgtEl>
+                                        <p:attrNameLst>
+                                          <p:attrName>style.visibility</p:attrName>
+                                        </p:attrNameLst>
+                                      </p:cBhvr>
+                                      <p:to>
+                                        <p:strVal val="visible"/>
+                                      </p:to>
+                                    </p:set>
+                                    <p:animEffect transition="in" filter="fade">
+                                      <p:cBhvr>
+                                        <p:cTn id="21" dur="500"/>
+                                        <p:tgtEl>
+                                          <p:spTgt spid="16"/>
+                                        </p:tgtEl>
+                                      </p:cBhvr>
+                                    </p:animEffect>
+                                  </p:childTnLst>
+                                </p:cTn>
+                              </p:par>
+                              <p:par>
+                                <p:cTn id="22" presetID="10" presetClass="entr" presetSubtype="0" fill="hold" nodeType="withEffect">
+                                  <p:stCondLst>
+                                    <p:cond delay="0"/>
+                                  </p:stCondLst>
+                                  <p:childTnLst>
+                                    <p:set>
+                                      <p:cBhvr>
+                                        <p:cTn id="23" dur="1" fill="hold">
+                                          <p:stCondLst>
+                                            <p:cond delay="0"/>
+                                          </p:stCondLst>
+                                        </p:cTn>
+                                        <p:tgtEl>
+                                          <p:spTgt spid="18"/>
+                                        </p:tgtEl>
+                                        <p:attrNameLst>
+                                          <p:attrName>style.visibility</p:attrName>
+                                        </p:attrNameLst>
+                                      </p:cBhvr>
+                                      <p:to>
+                                        <p:strVal val="visible"/>
+                                      </p:to>
+                                    </p:set>
+                                    <p:animEffect transition="in" filter="fade">
+                                      <p:cBhvr>
+                                        <p:cTn id="24" dur="500"/>
+                                        <p:tgtEl>
+                                          <p:spTgt spid="18"/>
+                                        </p:tgtEl>
+                                      </p:cBhvr>
+                                    </p:animEffect>
+                                  </p:childTnLst>
+                                </p:cTn>
+                              </p:par>
+                              <p:par>
+                                <p:cTn id="25" presetID="10" presetClass="entr" presetSubtype="0" fill="hold" nodeType="withEffect">
+                                  <p:stCondLst>
+                                    <p:cond delay="0"/>
+                                  </p:stCondLst>
+                                  <p:childTnLst>
+                                    <p:set>
+                                      <p:cBhvr>
+                                        <p:cTn id="26" dur="1" fill="hold">
+                                          <p:stCondLst>
+                                            <p:cond delay="0"/>
+                                          </p:stCondLst>
+                                        </p:cTn>
+                                        <p:tgtEl>
+                                          <p:spTgt spid="8"/>
+                                        </p:tgtEl>
+                                        <p:attrNameLst>
+                                          <p:attrName>style.visibility</p:attrName>
+                                        </p:attrNameLst>
+                                      </p:cBhvr>
+                                      <p:to>
+                                        <p:strVal val="visible"/>
+                                      </p:to>
+                                    </p:set>
+                                    <p:animEffect transition="in" filter="fade">
+                                      <p:cBhvr>
+                                        <p:cTn id="27" dur="500"/>
+                                        <p:tgtEl>
+                                          <p:spTgt spid="8"/>
+                                        </p:tgtEl>
+                                      </p:cBhvr>
+                                    </p:animEffect>
+                                  </p:childTnLst>
+                                </p:cTn>
+                              </p:par>
+                            </p:childTnLst>
+                          </p:cTn>
+                        </p:par>
+                      </p:childTnLst>
+                    </p:cTn>
+                  </p:par>
+                  <p:par>
+                    <p:cTn id="28" fill="hold">
+                      <p:stCondLst>
+                        <p:cond delay="indefinite"/>
+                      </p:stCondLst>
+                      <p:childTnLst>
+                        <p:par>
+                          <p:cTn id="29" fill="hold">
+                            <p:stCondLst>
+                              <p:cond delay="0"/>
+                            </p:stCondLst>
+                            <p:childTnLst>
+                              <p:par>
+                                <p:cTn id="30" presetID="10" presetClass="entr" presetSubtype="0" fill="hold" grpId="0" nodeType="clickEffect">
+                                  <p:stCondLst>
+                                    <p:cond delay="0"/>
+                                  </p:stCondLst>
+                                  <p:childTnLst>
+                                    <p:set>
+                                      <p:cBhvr>
+                                        <p:cTn id="31" dur="1" fill="hold">
+                                          <p:stCondLst>
+                                            <p:cond delay="0"/>
+                                          </p:stCondLst>
+                                        </p:cTn>
+                                        <p:tgtEl>
+                                          <p:spTgt spid="3"/>
+                                        </p:tgtEl>
+                                        <p:attrNameLst>
+                                          <p:attrName>style.visibility</p:attrName>
+                                        </p:attrNameLst>
+                                      </p:cBhvr>
+                                      <p:to>
+                                        <p:strVal val="visible"/>
+                                      </p:to>
+                                    </p:set>
+                                    <p:animEffect transition="in" filter="fade">
+                                      <p:cBhvr>
+                                        <p:cTn id="32" dur="500"/>
+                                        <p:tgtEl>
+                                          <p:spTgt spid="3"/>
+                                        </p:tgtEl>
+                                      </p:cBhvr>
+                                    </p:animEffect>
+                                  </p:childTnLst>
+                                </p:cTn>
+                              </p:par>
+                              <p:par>
+                                <p:cTn id="33" presetID="10" presetClass="entr" presetSubtype="0" fill="hold" grpId="0" nodeType="withEffect">
+                                  <p:stCondLst>
+                                    <p:cond delay="0"/>
+                                  </p:stCondLst>
+                                  <p:childTnLst>
+                                    <p:set>
+                                      <p:cBhvr>
+                                        <p:cTn id="34" dur="1" fill="hold">
+                                          <p:stCondLst>
+                                            <p:cond delay="0"/>
+                                          </p:stCondLst>
+                                        </p:cTn>
+                                        <p:tgtEl>
+                                          <p:spTgt spid="33"/>
+                                        </p:tgtEl>
+                                        <p:attrNameLst>
+                                          <p:attrName>style.visibility</p:attrName>
+                                        </p:attrNameLst>
+                                      </p:cBhvr>
+                                      <p:to>
+                                        <p:strVal val="visible"/>
+                                      </p:to>
+                                    </p:set>
+                                    <p:animEffect transition="in" filter="fade">
+                                      <p:cBhvr>
+                                        <p:cTn id="35" dur="500"/>
+                                        <p:tgtEl>
+                                          <p:spTgt spid="33"/>
+                                        </p:tgtEl>
+                                      </p:cBhvr>
+                                    </p:animEffect>
+                                  </p:childTnLst>
+                                </p:cTn>
+                              </p:par>
+                            </p:childTnLst>
+                          </p:cTn>
+                        </p:par>
+                      </p:childTnLst>
+                    </p:cTn>
+                  </p:par>
+                  <p:par>
+                    <p:cTn id="36" fill="hold">
+                      <p:stCondLst>
+                        <p:cond delay="indefinite"/>
+                      </p:stCondLst>
+                      <p:childTnLst>
+                        <p:par>
+                          <p:cTn id="37" fill="hold">
+                            <p:stCondLst>
+                              <p:cond delay="0"/>
+                            </p:stCondLst>
+                            <p:childTnLst>
+                              <p:par>
+                                <p:cTn id="38" presetID="10" presetClass="entr" presetSubtype="0" fill="hold" grpId="0" nodeType="clickEffect">
+                                  <p:stCondLst>
+                                    <p:cond delay="0"/>
+                                  </p:stCondLst>
+                                  <p:childTnLst>
+                                    <p:set>
+                                      <p:cBhvr>
+                                        <p:cTn id="39" dur="1" fill="hold">
+                                          <p:stCondLst>
+                                            <p:cond delay="0"/>
+                                          </p:stCondLst>
+                                        </p:cTn>
+                                        <p:tgtEl>
+                                          <p:spTgt spid="27"/>
+                                        </p:tgtEl>
+                                        <p:attrNameLst>
+                                          <p:attrName>style.visibility</p:attrName>
+                                        </p:attrNameLst>
+                                      </p:cBhvr>
+                                      <p:to>
+                                        <p:strVal val="visible"/>
+                                      </p:to>
+                                    </p:set>
+                                    <p:animEffect transition="in" filter="fade">
+                                      <p:cBhvr>
+                                        <p:cTn id="40" dur="500"/>
+                                        <p:tgtEl>
+                                          <p:spTgt spid="27"/>
+                                        </p:tgtEl>
+                                      </p:cBhvr>
+                                    </p:animEffect>
+                                  </p:childTnLst>
+                                </p:cTn>
+                              </p:par>
+                              <p:par>
+                                <p:cTn id="41" presetID="10" presetClass="entr" presetSubtype="0" fill="hold" grpId="0" nodeType="withEffect">
+                                  <p:stCondLst>
+                                    <p:cond delay="0"/>
+                                  </p:stCondLst>
+                                  <p:childTnLst>
+                                    <p:set>
+                                      <p:cBhvr>
+                                        <p:cTn id="42" dur="1" fill="hold">
+                                          <p:stCondLst>
+                                            <p:cond delay="0"/>
+                                          </p:stCondLst>
+                                        </p:cTn>
+                                        <p:tgtEl>
+                                          <p:spTgt spid="28"/>
+                                        </p:tgtEl>
+                                        <p:attrNameLst>
+                                          <p:attrName>style.visibility</p:attrName>
+                                        </p:attrNameLst>
+                                      </p:cBhvr>
+                                      <p:to>
+                                        <p:strVal val="visible"/>
+                                      </p:to>
+                                    </p:set>
+                                    <p:animEffect transition="in" filter="fade">
+                                      <p:cBhvr>
+                                        <p:cTn id="43" dur="500"/>
+                                        <p:tgtEl>
+                                          <p:spTgt spid="28"/>
+                                        </p:tgtEl>
+                                      </p:cBhvr>
+                                    </p:animEffect>
+                                  </p:childTnLst>
+                                </p:cTn>
+                              </p:par>
+                            </p:childTnLst>
+                          </p:cTn>
+                        </p:par>
+                      </p:childTnLst>
+                    </p:cTn>
+                  </p:par>
+                  <p:par>
+                    <p:cTn id="44" fill="hold">
+                      <p:stCondLst>
+                        <p:cond delay="indefinite"/>
+                      </p:stCondLst>
+                      <p:childTnLst>
+                        <p:par>
+                          <p:cTn id="45" fill="hold">
+                            <p:stCondLst>
+                              <p:cond delay="0"/>
+                            </p:stCondLst>
+                            <p:childTnLst>
+                              <p:par>
+                                <p:cTn id="46" presetID="10" presetClass="entr" presetSubtype="0" fill="hold" grpId="0" nodeType="clickEffect">
+                                  <p:stCondLst>
+                                    <p:cond delay="0"/>
+                                  </p:stCondLst>
+                                  <p:childTnLst>
+                                    <p:set>
+                                      <p:cBhvr>
+                                        <p:cTn id="47" dur="1" fill="hold">
+                                          <p:stCondLst>
+                                            <p:cond delay="0"/>
+                                          </p:stCondLst>
+                                        </p:cTn>
+                                        <p:tgtEl>
+                                          <p:spTgt spid="26"/>
+                                        </p:tgtEl>
+                                        <p:attrNameLst>
+                                          <p:attrName>style.visibility</p:attrName>
+                                        </p:attrNameLst>
+                                      </p:cBhvr>
+                                      <p:to>
+                                        <p:strVal val="visible"/>
+                                      </p:to>
+                                    </p:set>
+                                    <p:animEffect transition="in" filter="fade">
+                                      <p:cBhvr>
+                                        <p:cTn id="48" dur="500"/>
+                                        <p:tgtEl>
+                                          <p:spTgt spid="26"/>
+                                        </p:tgtEl>
+                                      </p:cBhvr>
+                                    </p:animEffect>
+                                  </p:childTnLst>
+                                </p:cTn>
+                              </p:par>
+                              <p:par>
+                                <p:cTn id="49" presetID="10" presetClass="entr" presetSubtype="0" fill="hold" grpId="0" nodeType="withEffect">
+                                  <p:stCondLst>
+                                    <p:cond delay="0"/>
+                                  </p:stCondLst>
+                                  <p:childTnLst>
+                                    <p:set>
+                                      <p:cBhvr>
+                                        <p:cTn id="50" dur="1" fill="hold">
+                                          <p:stCondLst>
+                                            <p:cond delay="0"/>
+                                          </p:stCondLst>
+                                        </p:cTn>
+                                        <p:tgtEl>
+                                          <p:spTgt spid="35"/>
+                                        </p:tgtEl>
+                                        <p:attrNameLst>
+                                          <p:attrName>style.visibility</p:attrName>
+                                        </p:attrNameLst>
+                                      </p:cBhvr>
+                                      <p:to>
+                                        <p:strVal val="visible"/>
+                                      </p:to>
+                                    </p:set>
+                                    <p:animEffect transition="in" filter="fade">
+                                      <p:cBhvr>
+                                        <p:cTn id="51" dur="500"/>
+                                        <p:tgtEl>
+                                          <p:spTgt spid="35"/>
+                                        </p:tgtEl>
+                                      </p:cBhvr>
+                                    </p:animEffect>
+                                  </p:childTnLst>
+                                </p:cTn>
+                              </p:par>
+                            </p:childTnLst>
+                          </p:cTn>
+                        </p:par>
+                      </p:childTnLst>
+                    </p:cTn>
+                  </p:par>
+                  <p:par>
+                    <p:cTn id="52" fill="hold">
+                      <p:stCondLst>
+                        <p:cond delay="indefinite"/>
+                      </p:stCondLst>
+                      <p:childTnLst>
+                        <p:par>
+                          <p:cTn id="53" fill="hold">
+                            <p:stCondLst>
+                              <p:cond delay="0"/>
+                            </p:stCondLst>
+                            <p:childTnLst>
+                              <p:par>
+                                <p:cTn id="54" presetID="10" presetClass="entr" presetSubtype="0" fill="hold" grpId="0" nodeType="clickEffect">
+                                  <p:stCondLst>
+                                    <p:cond delay="0"/>
+                                  </p:stCondLst>
+                                  <p:childTnLst>
+                                    <p:set>
+                                      <p:cBhvr>
+                                        <p:cTn id="55" dur="1" fill="hold">
+                                          <p:stCondLst>
+                                            <p:cond delay="0"/>
+                                          </p:stCondLst>
+                                        </p:cTn>
+                                        <p:tgtEl>
+                                          <p:spTgt spid="31"/>
+                                        </p:tgtEl>
+                                        <p:attrNameLst>
+                                          <p:attrName>style.visibility</p:attrName>
+                                        </p:attrNameLst>
+                                      </p:cBhvr>
+                                      <p:to>
+                                        <p:strVal val="visible"/>
+                                      </p:to>
+                                    </p:set>
+                                    <p:animEffect transition="in" filter="fade">
+                                      <p:cBhvr>
+                                        <p:cTn id="56" dur="500"/>
+                                        <p:tgtEl>
+                                          <p:spTgt spid="31"/>
+                                        </p:tgtEl>
+                                      </p:cBhvr>
+                                    </p:animEffect>
+                                  </p:childTnLst>
+                                </p:cTn>
+                              </p:par>
+                              <p:par>
+                                <p:cTn id="57" presetID="10" presetClass="entr" presetSubtype="0" fill="hold" grpId="0" nodeType="withEffect">
+                                  <p:stCondLst>
+                                    <p:cond delay="0"/>
+                                  </p:stCondLst>
+                                  <p:childTnLst>
+                                    <p:set>
+                                      <p:cBhvr>
+                                        <p:cTn id="58" dur="1" fill="hold">
+                                          <p:stCondLst>
+                                            <p:cond delay="0"/>
+                                          </p:stCondLst>
+                                        </p:cTn>
+                                        <p:tgtEl>
+                                          <p:spTgt spid="34"/>
+                                        </p:tgtEl>
+                                        <p:attrNameLst>
+                                          <p:attrName>style.visibility</p:attrName>
+                                        </p:attrNameLst>
+                                      </p:cBhvr>
+                                      <p:to>
+                                        <p:strVal val="visible"/>
+                                      </p:to>
+                                    </p:set>
+                                    <p:animEffect transition="in" filter="fade">
+                                      <p:cBhvr>
+                                        <p:cTn id="59" dur="500"/>
+                                        <p:tgtEl>
+                                          <p:spTgt spid="34"/>
+                                        </p:tgtEl>
+                                      </p:cBhvr>
+                                    </p:animEffect>
+                                  </p:childTnLst>
+                                </p:cTn>
+                              </p:par>
+                            </p:childTnLst>
+                          </p:cTn>
+                        </p:par>
+                      </p:childTnLst>
+                    </p:cTn>
+                  </p:par>
+                </p:childTnLst>
+              </p:cTn>
+              <p:prevCondLst>
+                <p:cond evt="onPrev" delay="0">
+                  <p:tgtEl>
+                    <p:sldTgt/>
+                  </p:tgtEl>
+                </p:cond>
+              </p:prevCondLst>
+              <p:nextCondLst>
+                <p:cond evt="onNext" delay="0">
+                  <p:tgtEl>
+                    <p:sldTgt/>
+                  </p:tgtEl>
+                </p:cond>
+              </p:nextCondLst>
+            </p:seq>
+          </p:childTnLst>
+        </p:cTn>
+      </p:par>
+    </p:tnLst>
+    <p:bldLst>
+      <p:bldP spid="2" grpId="0"/>
+      <p:bldP spid="2" grpId="1"/>
+      <p:bldP spid="26" grpId="0" animBg="1"/>
+      <p:bldP spid="28" grpId="0" animBg="1"/>
+      <p:bldP spid="31" grpId="0" animBg="1"/>
+      <p:bldP spid="27" grpId="0"/>
+      <p:bldP spid="33" grpId="0"/>
+      <p:bldP spid="34" grpId="0"/>
+      <p:bldP spid="35" grpId="0"/>
+      <p:bldP spid="3" grpId="0" animBg="1"/>
+    </p:bldLst>
+  </p:timing>
+</p:sld>
+</file>
+
+<file path=ppt/slides/slide11.xml><?xml version="1.0" encoding="utf-8"?>
 <p:sld xmlns:a="http://schemas.openxmlformats.org/drawingml/2006/main" xmlns:r="http://schemas.openxmlformats.org/officeDocument/2006/relationships" xmlns:p="http://schemas.openxmlformats.org/presentationml/2006/main">
   <p:cSld>
     <p:spTree>
@@ -8183,7 +9962,7 @@
 </p:sld>
 </file>
 
-<file path=ppt/slides/slide11.xml><?xml version="1.0" encoding="utf-8"?>
+<file path=ppt/slides/slide12.xml><?xml version="1.0" encoding="utf-8"?>
 <p:sld xmlns:a="http://schemas.openxmlformats.org/drawingml/2006/main" xmlns:r="http://schemas.openxmlformats.org/officeDocument/2006/relationships" xmlns:p="http://schemas.openxmlformats.org/presentationml/2006/main">
   <p:cSld>
     <p:spTree>
@@ -9355,7 +11134,7 @@
 </p:sld>
 </file>
 
-<file path=ppt/slides/slide12.xml><?xml version="1.0" encoding="utf-8"?>
+<file path=ppt/slides/slide13.xml><?xml version="1.0" encoding="utf-8"?>
 <p:sld xmlns:a="http://schemas.openxmlformats.org/drawingml/2006/main" xmlns:r="http://schemas.openxmlformats.org/officeDocument/2006/relationships" xmlns:p="http://schemas.openxmlformats.org/presentationml/2006/main">
   <p:cSld>
     <p:spTree>
@@ -10870,6 +12649,90 @@
       </p:grpSpPr>
       <p:sp>
         <p:nvSpPr>
+          <p:cNvPr id="2" name="Titel 1">
+            <a:extLst>
+              <a:ext uri="{FF2B5EF4-FFF2-40B4-BE49-F238E27FC236}">
+                <a16:creationId xmlns:a16="http://schemas.microsoft.com/office/drawing/2014/main" id="{5FD6672A-C938-48C3-A9BA-953500E8744E}"/>
+              </a:ext>
+            </a:extLst>
+          </p:cNvPr>
+          <p:cNvSpPr>
+            <a:spLocks noGrp="1"/>
+          </p:cNvSpPr>
+          <p:nvPr>
+            <p:ph type="title"/>
+          </p:nvPr>
+        </p:nvSpPr>
+        <p:spPr/>
+        <p:txBody>
+          <a:bodyPr/>
+          <a:lstStyle/>
+          <a:p>
+            <a:r>
+              <a:rPr lang="nl-NL" dirty="0" err="1"/>
+              <a:t>Itissues</a:t>
+            </a:r>
+            <a:endParaRPr lang="nl-NL" dirty="0"/>
+          </a:p>
+        </p:txBody>
+      </p:sp>
+      <p:sp>
+        <p:nvSpPr>
+          <p:cNvPr id="3" name="Tijdelijke aanduiding voor inhoud 2">
+            <a:extLst>
+              <a:ext uri="{FF2B5EF4-FFF2-40B4-BE49-F238E27FC236}">
+                <a16:creationId xmlns:a16="http://schemas.microsoft.com/office/drawing/2014/main" id="{8F347ADC-AF28-48AE-9283-323690C6FF9B}"/>
+              </a:ext>
+            </a:extLst>
+          </p:cNvPr>
+          <p:cNvSpPr>
+            <a:spLocks noGrp="1"/>
+          </p:cNvSpPr>
+          <p:nvPr>
+            <p:ph idx="1"/>
+          </p:nvPr>
+        </p:nvSpPr>
+        <p:spPr/>
+        <p:txBody>
+          <a:bodyPr/>
+          <a:lstStyle/>
+          <a:p>
+            <a:endParaRPr lang="nl-NL"/>
+          </a:p>
+        </p:txBody>
+      </p:sp>
+    </p:spTree>
+    <p:extLst>
+      <p:ext uri="{BB962C8B-B14F-4D97-AF65-F5344CB8AC3E}">
+        <p14:creationId xmlns:p14="http://schemas.microsoft.com/office/powerpoint/2010/main" val="1624732826"/>
+      </p:ext>
+    </p:extLst>
+  </p:cSld>
+  <p:clrMapOvr>
+    <a:masterClrMapping/>
+  </p:clrMapOvr>
+</p:sld>
+</file>
+
+<file path=ppt/slides/slide3.xml><?xml version="1.0" encoding="utf-8"?>
+<p:sld xmlns:a="http://schemas.openxmlformats.org/drawingml/2006/main" xmlns:r="http://schemas.openxmlformats.org/officeDocument/2006/relationships" xmlns:p="http://schemas.openxmlformats.org/presentationml/2006/main">
+  <p:cSld>
+    <p:spTree>
+      <p:nvGrpSpPr>
+        <p:cNvPr id="1" name=""/>
+        <p:cNvGrpSpPr/>
+        <p:nvPr/>
+      </p:nvGrpSpPr>
+      <p:grpSpPr>
+        <a:xfrm>
+          <a:off x="0" y="0"/>
+          <a:ext cx="0" cy="0"/>
+          <a:chOff x="0" y="0"/>
+          <a:chExt cx="0" cy="0"/>
+        </a:xfrm>
+      </p:grpSpPr>
+      <p:sp>
+        <p:nvSpPr>
           <p:cNvPr id="2" name="Titel 1"/>
           <p:cNvSpPr>
             <a:spLocks noGrp="1"/>
@@ -12146,7 +14009,7 @@
 </p:sld>
 </file>
 
-<file path=ppt/slides/slide3.xml><?xml version="1.0" encoding="utf-8"?>
+<file path=ppt/slides/slide4.xml><?xml version="1.0" encoding="utf-8"?>
 <p:sld xmlns:a="http://schemas.openxmlformats.org/drawingml/2006/main" xmlns:r="http://schemas.openxmlformats.org/officeDocument/2006/relationships" xmlns:p="http://schemas.openxmlformats.org/presentationml/2006/main">
   <p:cSld>
     <p:spTree>
@@ -13020,7 +14883,7 @@
 </p:sld>
 </file>
 
-<file path=ppt/slides/slide4.xml><?xml version="1.0" encoding="utf-8"?>
+<file path=ppt/slides/slide5.xml><?xml version="1.0" encoding="utf-8"?>
 <p:sld xmlns:a="http://schemas.openxmlformats.org/drawingml/2006/main" xmlns:r="http://schemas.openxmlformats.org/officeDocument/2006/relationships" xmlns:p="http://schemas.openxmlformats.org/presentationml/2006/main">
   <p:cSld>
     <p:spTree>
@@ -13910,7 +15773,7 @@
 </p:sld>
 </file>
 
-<file path=ppt/slides/slide5.xml><?xml version="1.0" encoding="utf-8"?>
+<file path=ppt/slides/slide6.xml><?xml version="1.0" encoding="utf-8"?>
 <p:sld xmlns:a="http://schemas.openxmlformats.org/drawingml/2006/main" xmlns:r="http://schemas.openxmlformats.org/officeDocument/2006/relationships" xmlns:p="http://schemas.openxmlformats.org/presentationml/2006/main">
   <p:cSld>
     <p:spTree>
@@ -15672,7 +17535,7 @@
 </p:sld>
 </file>
 
-<file path=ppt/slides/slide6.xml><?xml version="1.0" encoding="utf-8"?>
+<file path=ppt/slides/slide7.xml><?xml version="1.0" encoding="utf-8"?>
 <p:sld xmlns:a="http://schemas.openxmlformats.org/drawingml/2006/main" xmlns:r="http://schemas.openxmlformats.org/officeDocument/2006/relationships" xmlns:p="http://schemas.openxmlformats.org/presentationml/2006/main">
   <p:cSld>
     <p:spTree>
@@ -17468,7 +19331,7 @@
 </p:sld>
 </file>
 
-<file path=ppt/slides/slide7.xml><?xml version="1.0" encoding="utf-8"?>
+<file path=ppt/slides/slide8.xml><?xml version="1.0" encoding="utf-8"?>
 <p:sld xmlns:a="http://schemas.openxmlformats.org/drawingml/2006/main" xmlns:r="http://schemas.openxmlformats.org/officeDocument/2006/relationships" xmlns:p="http://schemas.openxmlformats.org/presentationml/2006/main">
   <p:cSld>
     <p:spTree>
@@ -18478,7 +20341,7 @@
 </p:sld>
 </file>
 
-<file path=ppt/slides/slide8.xml><?xml version="1.0" encoding="utf-8"?>
+<file path=ppt/slides/slide9.xml><?xml version="1.0" encoding="utf-8"?>
 <p:sld xmlns:a="http://schemas.openxmlformats.org/drawingml/2006/main" xmlns:r="http://schemas.openxmlformats.org/officeDocument/2006/relationships" xmlns:p="http://schemas.openxmlformats.org/presentationml/2006/main">
   <p:cSld>
     <p:spTree>
@@ -20445,1796 +22308,6 @@
 </p:sld>
 </file>
 
-<file path=ppt/slides/slide9.xml><?xml version="1.0" encoding="utf-8"?>
-<p:sld xmlns:a="http://schemas.openxmlformats.org/drawingml/2006/main" xmlns:r="http://schemas.openxmlformats.org/officeDocument/2006/relationships" xmlns:p="http://schemas.openxmlformats.org/presentationml/2006/main">
-  <p:cSld>
-    <p:spTree>
-      <p:nvGrpSpPr>
-        <p:cNvPr id="1" name=""/>
-        <p:cNvGrpSpPr/>
-        <p:nvPr/>
-      </p:nvGrpSpPr>
-      <p:grpSpPr>
-        <a:xfrm>
-          <a:off x="0" y="0"/>
-          <a:ext cx="0" cy="0"/>
-          <a:chOff x="0" y="0"/>
-          <a:chExt cx="0" cy="0"/>
-        </a:xfrm>
-      </p:grpSpPr>
-      <p:sp>
-        <p:nvSpPr>
-          <p:cNvPr id="2" name="Titel 1"/>
-          <p:cNvSpPr>
-            <a:spLocks noGrp="1"/>
-          </p:cNvSpPr>
-          <p:nvPr>
-            <p:ph type="title"/>
-          </p:nvPr>
-        </p:nvSpPr>
-        <p:spPr/>
-        <p:txBody>
-          <a:bodyPr/>
-          <a:lstStyle/>
-          <a:p>
-            <a:r>
-              <a:rPr lang="nl-NL" sz="1800" dirty="0"/>
-              <a:t>Arp </a:t>
-            </a:r>
-            <a:r>
-              <a:rPr lang="nl-NL" sz="1800" dirty="0" err="1"/>
-              <a:t>Spoofing</a:t>
-            </a:r>
-            <a:endParaRPr lang="nl-NL" sz="1800" dirty="0"/>
-          </a:p>
-        </p:txBody>
-      </p:sp>
-      <p:grpSp>
-        <p:nvGrpSpPr>
-          <p:cNvPr id="13" name="Groep 12">
-            <a:extLst>
-              <a:ext uri="{FF2B5EF4-FFF2-40B4-BE49-F238E27FC236}">
-                <a16:creationId xmlns:a16="http://schemas.microsoft.com/office/drawing/2014/main" id="{EF8FA028-9C3F-403C-8BB0-1E5E5D5629A6}"/>
-              </a:ext>
-            </a:extLst>
-          </p:cNvPr>
-          <p:cNvGrpSpPr/>
-          <p:nvPr/>
-        </p:nvGrpSpPr>
-        <p:grpSpPr>
-          <a:xfrm>
-            <a:off x="1693185" y="1174800"/>
-            <a:ext cx="2251836" cy="1400530"/>
-            <a:chOff x="2667000" y="1143000"/>
-            <a:chExt cx="6858000" cy="4572000"/>
-          </a:xfrm>
-        </p:grpSpPr>
-        <p:pic>
-          <p:nvPicPr>
-            <p:cNvPr id="1026" name="Picture 2" descr="Afbeeldingsresultaat voor computer razerblade">
-              <a:extLst>
-                <a:ext uri="{FF2B5EF4-FFF2-40B4-BE49-F238E27FC236}">
-                  <a16:creationId xmlns:a16="http://schemas.microsoft.com/office/drawing/2014/main" id="{A8BBE771-0BF0-4657-87DF-B46171A91763}"/>
-                </a:ext>
-              </a:extLst>
-            </p:cNvPr>
-            <p:cNvPicPr>
-              <a:picLocks noChangeAspect="1" noChangeArrowheads="1"/>
-            </p:cNvPicPr>
-            <p:nvPr/>
-          </p:nvPicPr>
-          <p:blipFill>
-            <a:blip r:embed="rId3" cstate="print">
-              <a:duotone>
-                <a:prstClr val="black"/>
-                <a:srgbClr val="FF0000">
-                  <a:tint val="45000"/>
-                  <a:satMod val="400000"/>
-                </a:srgbClr>
-              </a:duotone>
-              <a:extLst>
-                <a:ext uri="{BEBA8EAE-BF5A-486C-A8C5-ECC9F3942E4B}">
-                  <a14:imgProps xmlns:a14="http://schemas.microsoft.com/office/drawing/2010/main">
-                    <a14:imgLayer r:embed="rId4">
-                      <a14:imgEffect>
-                        <a14:backgroundRemoval t="8958" b="90000" l="10000" r="90000">
-                          <a14:foregroundMark x1="28472" y1="50417" x2="15139" y2="88750"/>
-                          <a14:foregroundMark x1="15139" y1="88750" x2="37083" y2="91458"/>
-                          <a14:foregroundMark x1="37083" y1="91458" x2="51806" y2="88542"/>
-                          <a14:foregroundMark x1="51806" y1="88542" x2="77083" y2="90417"/>
-                          <a14:foregroundMark x1="77083" y1="90417" x2="84167" y2="88958"/>
-                          <a14:foregroundMark x1="84167" y1="88958" x2="84444" y2="77292"/>
-                          <a14:foregroundMark x1="84444" y1="77292" x2="79306" y2="67292"/>
-                          <a14:foregroundMark x1="79306" y1="67292" x2="74861" y2="27083"/>
-                          <a14:foregroundMark x1="74861" y1="27083" x2="74722" y2="16250"/>
-                          <a14:foregroundMark x1="74722" y1="16250" x2="68611" y2="11042"/>
-                          <a14:foregroundMark x1="68611" y1="11042" x2="61667" y2="8958"/>
-                          <a14:foregroundMark x1="61667" y1="8958" x2="39444" y2="12083"/>
-                          <a14:foregroundMark x1="39444" y1="12083" x2="29861" y2="10000"/>
-                        </a14:backgroundRemoval>
-                      </a14:imgEffect>
-                    </a14:imgLayer>
-                  </a14:imgProps>
-                </a:ext>
-                <a:ext uri="{28A0092B-C50C-407E-A947-70E740481C1C}">
-                  <a14:useLocalDpi xmlns:a14="http://schemas.microsoft.com/office/drawing/2010/main" val="0"/>
-                </a:ext>
-              </a:extLst>
-            </a:blip>
-            <a:srcRect/>
-            <a:stretch>
-              <a:fillRect/>
-            </a:stretch>
-          </p:blipFill>
-          <p:spPr bwMode="auto">
-            <a:xfrm>
-              <a:off x="2667000" y="1143000"/>
-              <a:ext cx="6858000" cy="4572000"/>
-            </a:xfrm>
-            <a:prstGeom prst="rect">
-              <a:avLst/>
-            </a:prstGeom>
-            <a:noFill/>
-            <a:extLst>
-              <a:ext uri="{909E8E84-426E-40DD-AFC4-6F175D3DCCD1}">
-                <a14:hiddenFill xmlns:a14="http://schemas.microsoft.com/office/drawing/2010/main">
-                  <a:solidFill>
-                    <a:srgbClr val="FFFFFF"/>
-                  </a:solidFill>
-                </a14:hiddenFill>
-              </a:ext>
-            </a:extLst>
-          </p:spPr>
-        </p:pic>
-        <p:sp>
-          <p:nvSpPr>
-            <p:cNvPr id="12" name="Rechthoek 11">
-              <a:extLst>
-                <a:ext uri="{FF2B5EF4-FFF2-40B4-BE49-F238E27FC236}">
-                  <a16:creationId xmlns:a16="http://schemas.microsoft.com/office/drawing/2014/main" id="{E92C533C-2713-426B-933C-69C055F20E83}"/>
-                </a:ext>
-              </a:extLst>
-            </p:cNvPr>
-            <p:cNvSpPr/>
-            <p:nvPr/>
-          </p:nvSpPr>
-          <p:spPr>
-            <a:xfrm>
-              <a:off x="4109662" y="1530849"/>
-              <a:ext cx="4027471" cy="2393879"/>
-            </a:xfrm>
-            <a:prstGeom prst="rect">
-              <a:avLst/>
-            </a:prstGeom>
-          </p:spPr>
-          <p:style>
-            <a:lnRef idx="2">
-              <a:schemeClr val="dk1">
-                <a:shade val="50000"/>
-              </a:schemeClr>
-            </a:lnRef>
-            <a:fillRef idx="1">
-              <a:schemeClr val="dk1"/>
-            </a:fillRef>
-            <a:effectRef idx="0">
-              <a:schemeClr val="dk1"/>
-            </a:effectRef>
-            <a:fontRef idx="minor">
-              <a:schemeClr val="lt1"/>
-            </a:fontRef>
-          </p:style>
-          <p:txBody>
-            <a:bodyPr rtlCol="0" anchor="ctr"/>
-            <a:lstStyle/>
-            <a:p>
-              <a:pPr algn="ctr"/>
-              <a:r>
-                <a:rPr lang="nl-NL" sz="2000" b="1" dirty="0">
-                  <a:solidFill>
-                    <a:srgbClr val="FF0000"/>
-                  </a:solidFill>
-                </a:rPr>
-                <a:t>HACKER</a:t>
-              </a:r>
-            </a:p>
-          </p:txBody>
-        </p:sp>
-      </p:grpSp>
-      <p:grpSp>
-        <p:nvGrpSpPr>
-          <p:cNvPr id="16" name="Groep 15">
-            <a:extLst>
-              <a:ext uri="{FF2B5EF4-FFF2-40B4-BE49-F238E27FC236}">
-                <a16:creationId xmlns:a16="http://schemas.microsoft.com/office/drawing/2014/main" id="{A0751BA8-8259-43A6-9062-78FE902E1DE6}"/>
-              </a:ext>
-            </a:extLst>
-          </p:cNvPr>
-          <p:cNvGrpSpPr/>
-          <p:nvPr/>
-        </p:nvGrpSpPr>
-        <p:grpSpPr>
-          <a:xfrm>
-            <a:off x="1153090" y="4977992"/>
-            <a:ext cx="2559333" cy="1233836"/>
-            <a:chOff x="5546977" y="2557328"/>
-            <a:chExt cx="3463459" cy="1877195"/>
-          </a:xfrm>
-        </p:grpSpPr>
-        <p:pic>
-          <p:nvPicPr>
-            <p:cNvPr id="14" name="Afbeelding 13">
-              <a:extLst>
-                <a:ext uri="{FF2B5EF4-FFF2-40B4-BE49-F238E27FC236}">
-                  <a16:creationId xmlns:a16="http://schemas.microsoft.com/office/drawing/2014/main" id="{54884391-9763-4752-9596-B2017AB49B9F}"/>
-                </a:ext>
-              </a:extLst>
-            </p:cNvPr>
-            <p:cNvPicPr>
-              <a:picLocks noChangeAspect="1"/>
-            </p:cNvPicPr>
-            <p:nvPr/>
-          </p:nvPicPr>
-          <p:blipFill>
-            <a:blip r:embed="rId5">
-              <a:extLst>
-                <a:ext uri="{BEBA8EAE-BF5A-486C-A8C5-ECC9F3942E4B}">
-                  <a14:imgProps xmlns:a14="http://schemas.microsoft.com/office/drawing/2010/main">
-                    <a14:imgLayer r:embed="rId6">
-                      <a14:imgEffect>
-                        <a14:backgroundRemoval t="0" b="97048" l="3800" r="90000">
-                          <a14:foregroundMark x1="24600" y1="16605" x2="17600" y2="11439"/>
-                          <a14:foregroundMark x1="17600" y1="16974" x2="18400" y2="52399"/>
-                          <a14:foregroundMark x1="16800" y1="11439" x2="25800" y2="3690"/>
-                          <a14:foregroundMark x1="25800" y1="3690" x2="48600" y2="0"/>
-                          <a14:foregroundMark x1="48600" y1="0" x2="64600" y2="738"/>
-                          <a14:foregroundMark x1="64600" y1="738" x2="66600" y2="2952"/>
-                          <a14:foregroundMark x1="44200" y1="59041" x2="44200" y2="59041"/>
-                          <a14:foregroundMark x1="47000" y1="59410" x2="67800" y2="57565"/>
-                          <a14:foregroundMark x1="67800" y1="57565" x2="69600" y2="2583"/>
-                          <a14:foregroundMark x1="48400" y1="57565" x2="18600" y2="54613"/>
-                          <a14:foregroundMark x1="34600" y1="59041" x2="34600" y2="59041"/>
-                          <a14:foregroundMark x1="34200" y1="59779" x2="30200" y2="61255"/>
-                          <a14:foregroundMark x1="29600" y1="61255" x2="28200" y2="61255"/>
-                          <a14:foregroundMark x1="25800" y1="59779" x2="25800" y2="59779"/>
-                          <a14:foregroundMark x1="24400" y1="59779" x2="23800" y2="59779"/>
-                          <a14:foregroundMark x1="22800" y1="59041" x2="22000" y2="58303"/>
-                          <a14:foregroundMark x1="17400" y1="10701" x2="25200" y2="369"/>
-                          <a14:foregroundMark x1="34600" y1="57934" x2="44800" y2="58672"/>
-                          <a14:foregroundMark x1="44800" y1="58672" x2="46400" y2="58303"/>
-                          <a14:foregroundMark x1="69200" y1="26199" x2="68400" y2="59779"/>
-                          <a14:foregroundMark x1="12400" y1="90037" x2="22800" y2="92989"/>
-                          <a14:foregroundMark x1="22800" y1="92989" x2="45600" y2="86716"/>
-                          <a14:foregroundMark x1="45600" y1="86716" x2="56600" y2="86716"/>
-                          <a14:foregroundMark x1="56600" y1="86716" x2="66200" y2="84871"/>
-                          <a14:foregroundMark x1="22000" y1="85609" x2="10800" y2="91144"/>
-                          <a14:foregroundMark x1="12200" y1="90775" x2="17400" y2="85240"/>
-                          <a14:foregroundMark x1="12600" y1="90406" x2="9000" y2="83395"/>
-                          <a14:foregroundMark x1="10200" y1="82657" x2="10200" y2="82657"/>
-                          <a14:foregroundMark x1="10200" y1="82657" x2="11600" y2="82657"/>
-                          <a14:foregroundMark x1="13600" y1="83395" x2="13600" y2="83395"/>
-                          <a14:foregroundMark x1="15200" y1="83764" x2="15800" y2="83764"/>
-                          <a14:foregroundMark x1="16800" y1="83764" x2="16800" y2="83764"/>
-                          <a14:foregroundMark x1="17200" y1="83764" x2="17200" y2="83764"/>
-                          <a14:foregroundMark x1="17000" y1="82288" x2="15000" y2="82288"/>
-                          <a14:foregroundMark x1="7200" y1="88192" x2="7600" y2="90775"/>
-                          <a14:foregroundMark x1="8200" y1="93358" x2="8200" y2="93358"/>
-                          <a14:foregroundMark x1="8200" y1="93358" x2="8200" y2="93358"/>
-                          <a14:foregroundMark x1="7800" y1="93358" x2="8600" y2="92989"/>
-                          <a14:foregroundMark x1="42600" y1="97048" x2="42600" y2="97048"/>
-                          <a14:foregroundMark x1="40000" y1="96679" x2="40000" y2="96679"/>
-                          <a14:foregroundMark x1="34400" y1="97048" x2="30800" y2="97048"/>
-                          <a14:foregroundMark x1="7800" y1="96679" x2="7800" y2="96679"/>
-                          <a14:foregroundMark x1="11800" y1="94834" x2="21800" y2="95941"/>
-                          <a14:foregroundMark x1="21800" y1="95941" x2="28600" y2="95203"/>
-                          <a14:foregroundMark x1="5400" y1="94834" x2="3800" y2="96310"/>
-                        </a14:backgroundRemoval>
-                      </a14:imgEffect>
-                    </a14:imgLayer>
-                  </a14:imgProps>
-                </a:ext>
-              </a:extLst>
-            </a:blip>
-            <a:stretch>
-              <a:fillRect/>
-            </a:stretch>
-          </p:blipFill>
-          <p:spPr>
-            <a:xfrm>
-              <a:off x="5546977" y="2557328"/>
-              <a:ext cx="3463459" cy="1877195"/>
-            </a:xfrm>
-            <a:prstGeom prst="rect">
-              <a:avLst/>
-            </a:prstGeom>
-          </p:spPr>
-        </p:pic>
-        <p:sp>
-          <p:nvSpPr>
-            <p:cNvPr id="15" name="Rechthoek 14">
-              <a:extLst>
-                <a:ext uri="{FF2B5EF4-FFF2-40B4-BE49-F238E27FC236}">
-                  <a16:creationId xmlns:a16="http://schemas.microsoft.com/office/drawing/2014/main" id="{E42915D5-BA79-46A9-A908-D57DF97E86F8}"/>
-                </a:ext>
-              </a:extLst>
-            </p:cNvPr>
-            <p:cNvSpPr/>
-            <p:nvPr/>
-          </p:nvSpPr>
-          <p:spPr>
-            <a:xfrm>
-              <a:off x="6185043" y="2557329"/>
-              <a:ext cx="1743184" cy="1110546"/>
-            </a:xfrm>
-            <a:prstGeom prst="rect">
-              <a:avLst/>
-            </a:prstGeom>
-          </p:spPr>
-          <p:style>
-            <a:lnRef idx="2">
-              <a:schemeClr val="dk1">
-                <a:shade val="50000"/>
-              </a:schemeClr>
-            </a:lnRef>
-            <a:fillRef idx="1">
-              <a:schemeClr val="dk1"/>
-            </a:fillRef>
-            <a:effectRef idx="0">
-              <a:schemeClr val="dk1"/>
-            </a:effectRef>
-            <a:fontRef idx="minor">
-              <a:schemeClr val="lt1"/>
-            </a:fontRef>
-          </p:style>
-          <p:txBody>
-            <a:bodyPr rtlCol="0" anchor="ctr"/>
-            <a:lstStyle/>
-            <a:p>
-              <a:pPr algn="ctr"/>
-              <a:r>
-                <a:rPr lang="nl-NL" sz="2400" b="1" dirty="0"/>
-                <a:t>Doelwit</a:t>
-              </a:r>
-            </a:p>
-          </p:txBody>
-        </p:sp>
-      </p:grpSp>
-      <p:pic>
-        <p:nvPicPr>
-          <p:cNvPr id="17" name="Afbeelding 16">
-            <a:extLst>
-              <a:ext uri="{FF2B5EF4-FFF2-40B4-BE49-F238E27FC236}">
-                <a16:creationId xmlns:a16="http://schemas.microsoft.com/office/drawing/2014/main" id="{7D0B8662-4BC1-4E5B-91FA-1F844390027C}"/>
-              </a:ext>
-            </a:extLst>
-          </p:cNvPr>
-          <p:cNvPicPr>
-            <a:picLocks noChangeAspect="1"/>
-          </p:cNvPicPr>
-          <p:nvPr/>
-        </p:nvPicPr>
-        <p:blipFill>
-          <a:blip r:embed="rId7">
-            <a:extLst>
-              <a:ext uri="{BEBA8EAE-BF5A-486C-A8C5-ECC9F3942E4B}">
-                <a14:imgProps xmlns:a14="http://schemas.microsoft.com/office/drawing/2010/main">
-                  <a14:imgLayer r:embed="rId8">
-                    <a14:imgEffect>
-                      <a14:backgroundRemoval t="3077" b="97179" l="5450" r="94313">
-                        <a14:foregroundMark x1="12559" y1="24103" x2="6635" y2="10000"/>
-                        <a14:foregroundMark x1="50000" y1="12564" x2="50000" y2="3077"/>
-                        <a14:foregroundMark x1="73697" y1="51538" x2="76540" y2="38462"/>
-                        <a14:foregroundMark x1="76540" y1="38462" x2="94313" y2="9231"/>
-                        <a14:foregroundMark x1="74645" y1="86410" x2="63033" y2="90256"/>
-                        <a14:foregroundMark x1="63033" y1="90256" x2="50474" y2="89744"/>
-                        <a14:foregroundMark x1="50474" y1="89744" x2="38389" y2="92564"/>
-                        <a14:foregroundMark x1="38389" y1="92564" x2="30095" y2="92051"/>
-                        <a14:foregroundMark x1="50711" y1="97179" x2="50711" y2="97179"/>
-                        <a14:foregroundMark x1="50474" y1="97179" x2="48578" y2="96923"/>
-                        <a14:foregroundMark x1="48578" y1="96923" x2="46445" y2="96410"/>
-                      </a14:backgroundRemoval>
-                    </a14:imgEffect>
-                  </a14:imgLayer>
-                </a14:imgProps>
-              </a:ext>
-            </a:extLst>
-          </a:blip>
-          <a:stretch>
-            <a:fillRect/>
-          </a:stretch>
-        </p:blipFill>
-        <p:spPr>
-          <a:xfrm>
-            <a:off x="7213417" y="2174286"/>
-            <a:ext cx="1875652" cy="1733422"/>
-          </a:xfrm>
-          <a:prstGeom prst="rect">
-            <a:avLst/>
-          </a:prstGeom>
-        </p:spPr>
-      </p:pic>
-      <p:pic>
-        <p:nvPicPr>
-          <p:cNvPr id="18" name="Afbeelding 17">
-            <a:extLst>
-              <a:ext uri="{FF2B5EF4-FFF2-40B4-BE49-F238E27FC236}">
-                <a16:creationId xmlns:a16="http://schemas.microsoft.com/office/drawing/2014/main" id="{9567991A-A0CF-48D8-A804-0B8A7FEA6765}"/>
-              </a:ext>
-            </a:extLst>
-          </p:cNvPr>
-          <p:cNvPicPr>
-            <a:picLocks noChangeAspect="1"/>
-          </p:cNvPicPr>
-          <p:nvPr/>
-        </p:nvPicPr>
-        <p:blipFill>
-          <a:blip r:embed="rId9">
-            <a:extLst>
-              <a:ext uri="{BEBA8EAE-BF5A-486C-A8C5-ECC9F3942E4B}">
-                <a14:imgProps xmlns:a14="http://schemas.microsoft.com/office/drawing/2010/main">
-                  <a14:imgLayer r:embed="rId10">
-                    <a14:imgEffect>
-                      <a14:backgroundRemoval t="10000" b="90000" l="10000" r="90000">
-                        <a14:foregroundMark x1="10547" y1="36230" x2="10742" y2="28809"/>
-                        <a14:foregroundMark x1="10742" y1="28809" x2="15625" y2="23242"/>
-                        <a14:foregroundMark x1="15625" y1="23242" x2="21875" y2="19434"/>
-                        <a14:foregroundMark x1="21875" y1="19434" x2="25879" y2="18555"/>
-                        <a14:foregroundMark x1="24512" y1="19629" x2="21191" y2="16016"/>
-                        <a14:foregroundMark x1="25098" y1="18262" x2="25098" y2="17871"/>
-                      </a14:backgroundRemoval>
-                    </a14:imgEffect>
-                  </a14:imgLayer>
-                </a14:imgProps>
-              </a:ext>
-            </a:extLst>
-          </a:blip>
-          <a:stretch>
-            <a:fillRect/>
-          </a:stretch>
-        </p:blipFill>
-        <p:spPr>
-          <a:xfrm>
-            <a:off x="10845436" y="2082436"/>
-            <a:ext cx="2693128" cy="2693128"/>
-          </a:xfrm>
-          <a:prstGeom prst="rect">
-            <a:avLst/>
-          </a:prstGeom>
-        </p:spPr>
-      </p:pic>
-      <p:cxnSp>
-        <p:nvCxnSpPr>
-          <p:cNvPr id="8" name="Rechte verbindingslijn met pijl 7">
-            <a:extLst>
-              <a:ext uri="{FF2B5EF4-FFF2-40B4-BE49-F238E27FC236}">
-                <a16:creationId xmlns:a16="http://schemas.microsoft.com/office/drawing/2014/main" id="{D59D01F2-51A9-4BDE-9711-45D2F22DA41A}"/>
-              </a:ext>
-            </a:extLst>
-          </p:cNvPr>
-          <p:cNvCxnSpPr>
-            <a:endCxn id="18" idx="1"/>
-          </p:cNvCxnSpPr>
-          <p:nvPr/>
-        </p:nvCxnSpPr>
-        <p:spPr>
-          <a:xfrm>
-            <a:off x="9089069" y="3429000"/>
-            <a:ext cx="1756367" cy="0"/>
-          </a:xfrm>
-          <a:prstGeom prst="straightConnector1">
-            <a:avLst/>
-          </a:prstGeom>
-          <a:ln w="76200">
-            <a:solidFill>
-              <a:srgbClr val="0070C0"/>
-            </a:solidFill>
-            <a:headEnd type="triangle"/>
-            <a:tailEnd type="triangle"/>
-          </a:ln>
-        </p:spPr>
-        <p:style>
-          <a:lnRef idx="3">
-            <a:schemeClr val="dk1"/>
-          </a:lnRef>
-          <a:fillRef idx="0">
-            <a:schemeClr val="dk1"/>
-          </a:fillRef>
-          <a:effectRef idx="2">
-            <a:schemeClr val="dk1"/>
-          </a:effectRef>
-          <a:fontRef idx="minor">
-            <a:schemeClr val="tx1"/>
-          </a:fontRef>
-        </p:style>
-      </p:cxnSp>
-      <p:sp>
-        <p:nvSpPr>
-          <p:cNvPr id="26" name="Vrije vorm: vorm 25">
-            <a:extLst>
-              <a:ext uri="{FF2B5EF4-FFF2-40B4-BE49-F238E27FC236}">
-                <a16:creationId xmlns:a16="http://schemas.microsoft.com/office/drawing/2014/main" id="{18F3C64D-A28E-420D-AF14-0FCA32378C1C}"/>
-              </a:ext>
-            </a:extLst>
-          </p:cNvPr>
-          <p:cNvSpPr/>
-          <p:nvPr/>
-        </p:nvSpPr>
-        <p:spPr>
-          <a:xfrm>
-            <a:off x="4098876" y="2174286"/>
-            <a:ext cx="2897312" cy="924674"/>
-          </a:xfrm>
-          <a:custGeom>
-            <a:avLst/>
-            <a:gdLst>
-              <a:gd name="connsiteX0" fmla="*/ 2897312 w 2897312"/>
-              <a:gd name="connsiteY0" fmla="*/ 924674 h 924674"/>
-              <a:gd name="connsiteX1" fmla="*/ 1643865 w 2897312"/>
-              <a:gd name="connsiteY1" fmla="*/ 184935 h 924674"/>
-              <a:gd name="connsiteX2" fmla="*/ 0 w 2897312"/>
-              <a:gd name="connsiteY2" fmla="*/ 0 h 924674"/>
-            </a:gdLst>
-            <a:ahLst/>
-            <a:cxnLst>
-              <a:cxn ang="0">
-                <a:pos x="connsiteX0" y="connsiteY0"/>
-              </a:cxn>
-              <a:cxn ang="0">
-                <a:pos x="connsiteX1" y="connsiteY1"/>
-              </a:cxn>
-              <a:cxn ang="0">
-                <a:pos x="connsiteX2" y="connsiteY2"/>
-              </a:cxn>
-            </a:cxnLst>
-            <a:rect l="l" t="t" r="r" b="b"/>
-            <a:pathLst>
-              <a:path w="2897312" h="924674">
-                <a:moveTo>
-                  <a:pt x="2897312" y="924674"/>
-                </a:moveTo>
-                <a:cubicBezTo>
-                  <a:pt x="2512031" y="631860"/>
-                  <a:pt x="2126750" y="339047"/>
-                  <a:pt x="1643865" y="184935"/>
-                </a:cubicBezTo>
-                <a:cubicBezTo>
-                  <a:pt x="1160980" y="30823"/>
-                  <a:pt x="251717" y="27398"/>
-                  <a:pt x="0" y="0"/>
-                </a:cubicBezTo>
-              </a:path>
-            </a:pathLst>
-          </a:custGeom>
-          <a:noFill/>
-          <a:ln w="28575">
-            <a:solidFill>
-              <a:schemeClr val="tx1"/>
-            </a:solidFill>
-            <a:headEnd type="none" w="med" len="med"/>
-            <a:tailEnd type="arrow" w="med" len="med"/>
-          </a:ln>
-        </p:spPr>
-        <p:style>
-          <a:lnRef idx="2">
-            <a:schemeClr val="accent1">
-              <a:shade val="50000"/>
-            </a:schemeClr>
-          </a:lnRef>
-          <a:fillRef idx="1">
-            <a:schemeClr val="accent1"/>
-          </a:fillRef>
-          <a:effectRef idx="0">
-            <a:schemeClr val="accent1"/>
-          </a:effectRef>
-          <a:fontRef idx="minor">
-            <a:schemeClr val="lt1"/>
-          </a:fontRef>
-        </p:style>
-        <p:txBody>
-          <a:bodyPr rtlCol="0" anchor="ctr"/>
-          <a:lstStyle/>
-          <a:p>
-            <a:pPr algn="ctr"/>
-            <a:endParaRPr lang="nl-NL"/>
-          </a:p>
-        </p:txBody>
-      </p:sp>
-      <p:sp>
-        <p:nvSpPr>
-          <p:cNvPr id="28" name="Vrije vorm: vorm 27">
-            <a:extLst>
-              <a:ext uri="{FF2B5EF4-FFF2-40B4-BE49-F238E27FC236}">
-                <a16:creationId xmlns:a16="http://schemas.microsoft.com/office/drawing/2014/main" id="{68E98539-0C13-47FC-984D-9CB49D9B6EEF}"/>
-              </a:ext>
-            </a:extLst>
-          </p:cNvPr>
-          <p:cNvSpPr/>
-          <p:nvPr/>
-        </p:nvSpPr>
-        <p:spPr>
-          <a:xfrm rot="10800000">
-            <a:off x="4098876" y="2499575"/>
-            <a:ext cx="2897312" cy="924674"/>
-          </a:xfrm>
-          <a:custGeom>
-            <a:avLst/>
-            <a:gdLst>
-              <a:gd name="connsiteX0" fmla="*/ 2897312 w 2897312"/>
-              <a:gd name="connsiteY0" fmla="*/ 924674 h 924674"/>
-              <a:gd name="connsiteX1" fmla="*/ 1643865 w 2897312"/>
-              <a:gd name="connsiteY1" fmla="*/ 184935 h 924674"/>
-              <a:gd name="connsiteX2" fmla="*/ 0 w 2897312"/>
-              <a:gd name="connsiteY2" fmla="*/ 0 h 924674"/>
-              <a:gd name="connsiteX0" fmla="*/ 2897312 w 2897312"/>
-              <a:gd name="connsiteY0" fmla="*/ 924674 h 924674"/>
-              <a:gd name="connsiteX1" fmla="*/ 1613042 w 2897312"/>
-              <a:gd name="connsiteY1" fmla="*/ 297951 h 924674"/>
-              <a:gd name="connsiteX2" fmla="*/ 0 w 2897312"/>
-              <a:gd name="connsiteY2" fmla="*/ 0 h 924674"/>
-            </a:gdLst>
-            <a:ahLst/>
-            <a:cxnLst>
-              <a:cxn ang="0">
-                <a:pos x="connsiteX0" y="connsiteY0"/>
-              </a:cxn>
-              <a:cxn ang="0">
-                <a:pos x="connsiteX1" y="connsiteY1"/>
-              </a:cxn>
-              <a:cxn ang="0">
-                <a:pos x="connsiteX2" y="connsiteY2"/>
-              </a:cxn>
-            </a:cxnLst>
-            <a:rect l="l" t="t" r="r" b="b"/>
-            <a:pathLst>
-              <a:path w="2897312" h="924674">
-                <a:moveTo>
-                  <a:pt x="2897312" y="924674"/>
-                </a:moveTo>
-                <a:cubicBezTo>
-                  <a:pt x="2512031" y="631860"/>
-                  <a:pt x="2095927" y="452063"/>
-                  <a:pt x="1613042" y="297951"/>
-                </a:cubicBezTo>
-                <a:cubicBezTo>
-                  <a:pt x="1130157" y="143839"/>
-                  <a:pt x="251717" y="27398"/>
-                  <a:pt x="0" y="0"/>
-                </a:cubicBezTo>
-              </a:path>
-            </a:pathLst>
-          </a:custGeom>
-          <a:noFill/>
-          <a:ln w="28575">
-            <a:solidFill>
-              <a:schemeClr val="tx1"/>
-            </a:solidFill>
-            <a:headEnd type="none" w="med" len="med"/>
-            <a:tailEnd type="arrow" w="med" len="med"/>
-          </a:ln>
-        </p:spPr>
-        <p:style>
-          <a:lnRef idx="2">
-            <a:schemeClr val="accent1">
-              <a:shade val="50000"/>
-            </a:schemeClr>
-          </a:lnRef>
-          <a:fillRef idx="1">
-            <a:schemeClr val="accent1"/>
-          </a:fillRef>
-          <a:effectRef idx="0">
-            <a:schemeClr val="accent1"/>
-          </a:effectRef>
-          <a:fontRef idx="minor">
-            <a:schemeClr val="lt1"/>
-          </a:fontRef>
-        </p:style>
-        <p:txBody>
-          <a:bodyPr rtlCol="0" anchor="ctr"/>
-          <a:lstStyle/>
-          <a:p>
-            <a:pPr algn="ctr"/>
-            <a:endParaRPr lang="nl-NL"/>
-          </a:p>
-        </p:txBody>
-      </p:sp>
-      <p:sp>
-        <p:nvSpPr>
-          <p:cNvPr id="31" name="Vrije vorm: vorm 30">
-            <a:extLst>
-              <a:ext uri="{FF2B5EF4-FFF2-40B4-BE49-F238E27FC236}">
-                <a16:creationId xmlns:a16="http://schemas.microsoft.com/office/drawing/2014/main" id="{B7B74615-70DA-4A07-9FE4-22D7EB832CDC}"/>
-              </a:ext>
-            </a:extLst>
-          </p:cNvPr>
-          <p:cNvSpPr/>
-          <p:nvPr/>
-        </p:nvSpPr>
-        <p:spPr>
-          <a:xfrm rot="19292124" flipV="1">
-            <a:off x="2163366" y="2950808"/>
-            <a:ext cx="1619079" cy="1570768"/>
-          </a:xfrm>
-          <a:custGeom>
-            <a:avLst/>
-            <a:gdLst>
-              <a:gd name="connsiteX0" fmla="*/ 2897312 w 2897312"/>
-              <a:gd name="connsiteY0" fmla="*/ 924674 h 924674"/>
-              <a:gd name="connsiteX1" fmla="*/ 1643865 w 2897312"/>
-              <a:gd name="connsiteY1" fmla="*/ 184935 h 924674"/>
-              <a:gd name="connsiteX2" fmla="*/ 0 w 2897312"/>
-              <a:gd name="connsiteY2" fmla="*/ 0 h 924674"/>
-              <a:gd name="connsiteX0" fmla="*/ 2897312 w 2897312"/>
-              <a:gd name="connsiteY0" fmla="*/ 924674 h 924674"/>
-              <a:gd name="connsiteX1" fmla="*/ 1869193 w 2897312"/>
-              <a:gd name="connsiteY1" fmla="*/ 353534 h 924674"/>
-              <a:gd name="connsiteX2" fmla="*/ 0 w 2897312"/>
-              <a:gd name="connsiteY2" fmla="*/ 0 h 924674"/>
-              <a:gd name="connsiteX0" fmla="*/ 2727468 w 2727468"/>
-              <a:gd name="connsiteY0" fmla="*/ 881270 h 881270"/>
-              <a:gd name="connsiteX1" fmla="*/ 1699349 w 2727468"/>
-              <a:gd name="connsiteY1" fmla="*/ 310130 h 881270"/>
-              <a:gd name="connsiteX2" fmla="*/ 0 w 2727468"/>
-              <a:gd name="connsiteY2" fmla="*/ 0 h 881270"/>
-            </a:gdLst>
-            <a:ahLst/>
-            <a:cxnLst>
-              <a:cxn ang="0">
-                <a:pos x="connsiteX0" y="connsiteY0"/>
-              </a:cxn>
-              <a:cxn ang="0">
-                <a:pos x="connsiteX1" y="connsiteY1"/>
-              </a:cxn>
-              <a:cxn ang="0">
-                <a:pos x="connsiteX2" y="connsiteY2"/>
-              </a:cxn>
-            </a:cxnLst>
-            <a:rect l="l" t="t" r="r" b="b"/>
-            <a:pathLst>
-              <a:path w="2727468" h="881270">
-                <a:moveTo>
-                  <a:pt x="2727468" y="881270"/>
-                </a:moveTo>
-                <a:cubicBezTo>
-                  <a:pt x="2342187" y="588456"/>
-                  <a:pt x="2153927" y="457008"/>
-                  <a:pt x="1699349" y="310130"/>
-                </a:cubicBezTo>
-                <a:cubicBezTo>
-                  <a:pt x="1244771" y="163252"/>
-                  <a:pt x="251717" y="27398"/>
-                  <a:pt x="0" y="0"/>
-                </a:cubicBezTo>
-              </a:path>
-            </a:pathLst>
-          </a:custGeom>
-          <a:noFill/>
-          <a:ln w="28575">
-            <a:solidFill>
-              <a:schemeClr val="tx1"/>
-            </a:solidFill>
-            <a:headEnd type="none" w="med" len="med"/>
-            <a:tailEnd type="arrow" w="med" len="med"/>
-          </a:ln>
-        </p:spPr>
-        <p:style>
-          <a:lnRef idx="2">
-            <a:schemeClr val="accent1">
-              <a:shade val="50000"/>
-            </a:schemeClr>
-          </a:lnRef>
-          <a:fillRef idx="1">
-            <a:schemeClr val="accent1"/>
-          </a:fillRef>
-          <a:effectRef idx="0">
-            <a:schemeClr val="accent1"/>
-          </a:effectRef>
-          <a:fontRef idx="minor">
-            <a:schemeClr val="lt1"/>
-          </a:fontRef>
-        </p:style>
-        <p:txBody>
-          <a:bodyPr rtlCol="0" anchor="ctr"/>
-          <a:lstStyle/>
-          <a:p>
-            <a:pPr algn="ctr"/>
-            <a:endParaRPr lang="nl-NL"/>
-          </a:p>
-        </p:txBody>
-      </p:sp>
-      <p:sp>
-        <p:nvSpPr>
-          <p:cNvPr id="27" name="Tekstvak 26">
-            <a:extLst>
-              <a:ext uri="{FF2B5EF4-FFF2-40B4-BE49-F238E27FC236}">
-                <a16:creationId xmlns:a16="http://schemas.microsoft.com/office/drawing/2014/main" id="{27175844-C59F-45C6-A1AF-4CB47336CCFE}"/>
-              </a:ext>
-            </a:extLst>
-          </p:cNvPr>
-          <p:cNvSpPr txBox="1"/>
-          <p:nvPr/>
-        </p:nvSpPr>
-        <p:spPr>
-          <a:xfrm rot="1216658">
-            <a:off x="4664254" y="3117271"/>
-            <a:ext cx="1633591" cy="400110"/>
-          </a:xfrm>
-          <a:prstGeom prst="rect">
-            <a:avLst/>
-          </a:prstGeom>
-          <a:noFill/>
-        </p:spPr>
-        <p:txBody>
-          <a:bodyPr wrap="square" rtlCol="0">
-            <a:spAutoFit/>
-          </a:bodyPr>
-          <a:lstStyle/>
-          <a:p>
-            <a:r>
-              <a:rPr lang="nl-NL" sz="2000" b="1" dirty="0">
-                <a:solidFill>
-                  <a:srgbClr val="00B0F0"/>
-                </a:solidFill>
-                <a:effectLst>
-                  <a:outerShdw blurRad="38100" dist="38100" dir="2700000" algn="tl">
-                    <a:srgbClr val="000000">
-                      <a:alpha val="43137"/>
-                    </a:srgbClr>
-                  </a:outerShdw>
-                </a:effectLst>
-              </a:rPr>
-              <a:t>Verzoek</a:t>
-            </a:r>
-          </a:p>
-        </p:txBody>
-      </p:sp>
-      <p:sp>
-        <p:nvSpPr>
-          <p:cNvPr id="33" name="Tekstvak 32">
-            <a:extLst>
-              <a:ext uri="{FF2B5EF4-FFF2-40B4-BE49-F238E27FC236}">
-                <a16:creationId xmlns:a16="http://schemas.microsoft.com/office/drawing/2014/main" id="{D6B27B67-3C7E-43B0-9867-49C38FC1DA6D}"/>
-              </a:ext>
-            </a:extLst>
-          </p:cNvPr>
-          <p:cNvSpPr txBox="1"/>
-          <p:nvPr/>
-        </p:nvSpPr>
-        <p:spPr>
-          <a:xfrm rot="5400000">
-            <a:off x="1005506" y="3723824"/>
-            <a:ext cx="1633591" cy="400110"/>
-          </a:xfrm>
-          <a:prstGeom prst="rect">
-            <a:avLst/>
-          </a:prstGeom>
-          <a:noFill/>
-        </p:spPr>
-        <p:txBody>
-          <a:bodyPr wrap="square" rtlCol="0">
-            <a:spAutoFit/>
-          </a:bodyPr>
-          <a:lstStyle/>
-          <a:p>
-            <a:r>
-              <a:rPr lang="nl-NL" sz="2000" b="1" dirty="0">
-                <a:solidFill>
-                  <a:srgbClr val="00B0F0"/>
-                </a:solidFill>
-                <a:effectLst>
-                  <a:outerShdw blurRad="38100" dist="38100" dir="2700000" algn="tl">
-                    <a:srgbClr val="000000">
-                      <a:alpha val="43137"/>
-                    </a:srgbClr>
-                  </a:outerShdw>
-                </a:effectLst>
-              </a:rPr>
-              <a:t>Verzoek</a:t>
-            </a:r>
-          </a:p>
-        </p:txBody>
-      </p:sp>
-      <p:sp>
-        <p:nvSpPr>
-          <p:cNvPr id="34" name="Tekstvak 33">
-            <a:extLst>
-              <a:ext uri="{FF2B5EF4-FFF2-40B4-BE49-F238E27FC236}">
-                <a16:creationId xmlns:a16="http://schemas.microsoft.com/office/drawing/2014/main" id="{9A830D31-1DA9-46E4-BEA0-02FD1E9E2A3F}"/>
-              </a:ext>
-            </a:extLst>
-          </p:cNvPr>
-          <p:cNvSpPr txBox="1"/>
-          <p:nvPr/>
-        </p:nvSpPr>
-        <p:spPr>
-          <a:xfrm rot="5400000">
-            <a:off x="2680548" y="3635468"/>
-            <a:ext cx="1633591" cy="400110"/>
-          </a:xfrm>
-          <a:prstGeom prst="rect">
-            <a:avLst/>
-          </a:prstGeom>
-          <a:noFill/>
-        </p:spPr>
-        <p:txBody>
-          <a:bodyPr wrap="square" rtlCol="0">
-            <a:spAutoFit/>
-          </a:bodyPr>
-          <a:lstStyle/>
-          <a:p>
-            <a:r>
-              <a:rPr lang="nl-NL" sz="2000" b="1" dirty="0">
-                <a:solidFill>
-                  <a:srgbClr val="FFC000"/>
-                </a:solidFill>
-                <a:effectLst>
-                  <a:outerShdw blurRad="38100" dist="38100" dir="2700000" algn="tl">
-                    <a:srgbClr val="000000">
-                      <a:alpha val="43137"/>
-                    </a:srgbClr>
-                  </a:outerShdw>
-                </a:effectLst>
-              </a:rPr>
-              <a:t>Antwoord</a:t>
-            </a:r>
-          </a:p>
-        </p:txBody>
-      </p:sp>
-      <p:sp>
-        <p:nvSpPr>
-          <p:cNvPr id="35" name="Tekstvak 34">
-            <a:extLst>
-              <a:ext uri="{FF2B5EF4-FFF2-40B4-BE49-F238E27FC236}">
-                <a16:creationId xmlns:a16="http://schemas.microsoft.com/office/drawing/2014/main" id="{951EFBEE-2BCB-484A-B32D-3EEED844577C}"/>
-              </a:ext>
-            </a:extLst>
-          </p:cNvPr>
-          <p:cNvSpPr txBox="1"/>
-          <p:nvPr/>
-        </p:nvSpPr>
-        <p:spPr>
-          <a:xfrm rot="1002512">
-            <a:off x="5108365" y="2035410"/>
-            <a:ext cx="1633591" cy="400110"/>
-          </a:xfrm>
-          <a:prstGeom prst="rect">
-            <a:avLst/>
-          </a:prstGeom>
-          <a:noFill/>
-        </p:spPr>
-        <p:txBody>
-          <a:bodyPr wrap="square" rtlCol="0">
-            <a:spAutoFit/>
-          </a:bodyPr>
-          <a:lstStyle/>
-          <a:p>
-            <a:r>
-              <a:rPr lang="nl-NL" sz="2000" b="1" dirty="0">
-                <a:solidFill>
-                  <a:srgbClr val="FFC000"/>
-                </a:solidFill>
-                <a:effectLst>
-                  <a:outerShdw blurRad="38100" dist="38100" dir="2700000" algn="tl">
-                    <a:srgbClr val="000000">
-                      <a:alpha val="43137"/>
-                    </a:srgbClr>
-                  </a:outerShdw>
-                </a:effectLst>
-              </a:rPr>
-              <a:t>Antwoord</a:t>
-            </a:r>
-          </a:p>
-        </p:txBody>
-      </p:sp>
-      <p:sp>
-        <p:nvSpPr>
-          <p:cNvPr id="3" name="Vrije vorm: vorm 2">
-            <a:extLst>
-              <a:ext uri="{FF2B5EF4-FFF2-40B4-BE49-F238E27FC236}">
-                <a16:creationId xmlns:a16="http://schemas.microsoft.com/office/drawing/2014/main" id="{08760AC4-088A-49DC-8DB8-684C27E24F0D}"/>
-              </a:ext>
-            </a:extLst>
-          </p:cNvPr>
-          <p:cNvSpPr/>
-          <p:nvPr/>
-        </p:nvSpPr>
-        <p:spPr>
-          <a:xfrm>
-            <a:off x="2020099" y="2609636"/>
-            <a:ext cx="342957" cy="2188395"/>
-          </a:xfrm>
-          <a:custGeom>
-            <a:avLst/>
-            <a:gdLst>
-              <a:gd name="connsiteX0" fmla="*/ 188845 w 342957"/>
-              <a:gd name="connsiteY0" fmla="*/ 2188395 h 2188395"/>
-              <a:gd name="connsiteX1" fmla="*/ 3910 w 342957"/>
-              <a:gd name="connsiteY1" fmla="*/ 1047964 h 2188395"/>
-              <a:gd name="connsiteX2" fmla="*/ 342957 w 342957"/>
-              <a:gd name="connsiteY2" fmla="*/ 0 h 2188395"/>
-            </a:gdLst>
-            <a:ahLst/>
-            <a:cxnLst>
-              <a:cxn ang="0">
-                <a:pos x="connsiteX0" y="connsiteY0"/>
-              </a:cxn>
-              <a:cxn ang="0">
-                <a:pos x="connsiteX1" y="connsiteY1"/>
-              </a:cxn>
-              <a:cxn ang="0">
-                <a:pos x="connsiteX2" y="connsiteY2"/>
-              </a:cxn>
-            </a:cxnLst>
-            <a:rect l="l" t="t" r="r" b="b"/>
-            <a:pathLst>
-              <a:path w="342957" h="2188395">
-                <a:moveTo>
-                  <a:pt x="188845" y="2188395"/>
-                </a:moveTo>
-                <a:cubicBezTo>
-                  <a:pt x="83535" y="1800545"/>
-                  <a:pt x="-21775" y="1412696"/>
-                  <a:pt x="3910" y="1047964"/>
-                </a:cubicBezTo>
-                <a:cubicBezTo>
-                  <a:pt x="29595" y="683232"/>
-                  <a:pt x="277887" y="195209"/>
-                  <a:pt x="342957" y="0"/>
-                </a:cubicBezTo>
-              </a:path>
-            </a:pathLst>
-          </a:custGeom>
-          <a:noFill/>
-          <a:ln w="28575">
-            <a:solidFill>
-              <a:schemeClr val="tx1"/>
-            </a:solidFill>
-            <a:headEnd type="none" w="med" len="med"/>
-            <a:tailEnd type="arrow" w="med" len="med"/>
-          </a:ln>
-        </p:spPr>
-        <p:style>
-          <a:lnRef idx="2">
-            <a:schemeClr val="accent1">
-              <a:shade val="50000"/>
-            </a:schemeClr>
-          </a:lnRef>
-          <a:fillRef idx="1">
-            <a:schemeClr val="accent1"/>
-          </a:fillRef>
-          <a:effectRef idx="0">
-            <a:schemeClr val="accent1"/>
-          </a:effectRef>
-          <a:fontRef idx="minor">
-            <a:schemeClr val="lt1"/>
-          </a:fontRef>
-        </p:style>
-        <p:txBody>
-          <a:bodyPr rtlCol="0" anchor="ctr"/>
-          <a:lstStyle/>
-          <a:p>
-            <a:pPr algn="ctr"/>
-            <a:endParaRPr lang="nl-NL"/>
-          </a:p>
-        </p:txBody>
-      </p:sp>
-    </p:spTree>
-    <p:extLst>
-      <p:ext uri="{BB962C8B-B14F-4D97-AF65-F5344CB8AC3E}">
-        <p14:creationId xmlns:p14="http://schemas.microsoft.com/office/powerpoint/2010/main" val="2478428771"/>
-      </p:ext>
-    </p:extLst>
-  </p:cSld>
-  <p:clrMapOvr>
-    <a:masterClrMapping/>
-  </p:clrMapOvr>
-  <p:transition spd="slow">
-    <p:wipe/>
-  </p:transition>
-  <p:timing>
-    <p:tnLst>
-      <p:par>
-        <p:cTn id="1" dur="indefinite" restart="never" nodeType="tmRoot">
-          <p:childTnLst>
-            <p:seq concurrent="1" nextAc="seek">
-              <p:cTn id="2" dur="indefinite" nodeType="mainSeq">
-                <p:childTnLst>
-                  <p:par>
-                    <p:cTn id="3" fill="hold">
-                      <p:stCondLst>
-                        <p:cond delay="indefinite"/>
-                      </p:stCondLst>
-                      <p:childTnLst>
-                        <p:par>
-                          <p:cTn id="4" fill="hold">
-                            <p:stCondLst>
-                              <p:cond delay="0"/>
-                            </p:stCondLst>
-                            <p:childTnLst>
-                              <p:par>
-                                <p:cTn id="5" presetID="10" presetClass="entr" presetSubtype="0" fill="hold" grpId="0" nodeType="clickEffect">
-                                  <p:stCondLst>
-                                    <p:cond delay="0"/>
-                                  </p:stCondLst>
-                                  <p:childTnLst>
-                                    <p:set>
-                                      <p:cBhvr>
-                                        <p:cTn id="6" dur="1" fill="hold">
-                                          <p:stCondLst>
-                                            <p:cond delay="0"/>
-                                          </p:stCondLst>
-                                        </p:cTn>
-                                        <p:tgtEl>
-                                          <p:spTgt spid="2"/>
-                                        </p:tgtEl>
-                                        <p:attrNameLst>
-                                          <p:attrName>style.visibility</p:attrName>
-                                        </p:attrNameLst>
-                                      </p:cBhvr>
-                                      <p:to>
-                                        <p:strVal val="visible"/>
-                                      </p:to>
-                                    </p:set>
-                                    <p:animEffect transition="in" filter="fade">
-                                      <p:cBhvr>
-                                        <p:cTn id="7" dur="500"/>
-                                        <p:tgtEl>
-                                          <p:spTgt spid="2"/>
-                                        </p:tgtEl>
-                                      </p:cBhvr>
-                                    </p:animEffect>
-                                  </p:childTnLst>
-                                </p:cTn>
-                              </p:par>
-                              <p:par>
-                                <p:cTn id="8" presetID="24" presetClass="emph" presetSubtype="0" fill="hold" grpId="1" nodeType="withEffect">
-                                  <p:stCondLst>
-                                    <p:cond delay="0"/>
-                                  </p:stCondLst>
-                                  <p:childTnLst>
-                                    <p:animClr clrSpc="hsl" dir="cw">
-                                      <p:cBhvr override="childStyle">
-                                        <p:cTn id="9" dur="1000" fill="hold"/>
-                                        <p:tgtEl>
-                                          <p:spTgt spid="2"/>
-                                        </p:tgtEl>
-                                        <p:attrNameLst>
-                                          <p:attrName>style.color</p:attrName>
-                                        </p:attrNameLst>
-                                      </p:cBhvr>
-                                      <p:by>
-                                        <p:hsl h="0" s="-12549" l="-25098"/>
-                                      </p:by>
-                                    </p:animClr>
-                                    <p:animClr clrSpc="hsl" dir="cw">
-                                      <p:cBhvr>
-                                        <p:cTn id="10" dur="1000" fill="hold"/>
-                                        <p:tgtEl>
-                                          <p:spTgt spid="2"/>
-                                        </p:tgtEl>
-                                        <p:attrNameLst>
-                                          <p:attrName>fillcolor</p:attrName>
-                                        </p:attrNameLst>
-                                      </p:cBhvr>
-                                      <p:by>
-                                        <p:hsl h="0" s="-12549" l="-25098"/>
-                                      </p:by>
-                                    </p:animClr>
-                                    <p:animClr clrSpc="hsl" dir="cw">
-                                      <p:cBhvr>
-                                        <p:cTn id="11" dur="1000" fill="hold"/>
-                                        <p:tgtEl>
-                                          <p:spTgt spid="2"/>
-                                        </p:tgtEl>
-                                        <p:attrNameLst>
-                                          <p:attrName>stroke.color</p:attrName>
-                                        </p:attrNameLst>
-                                      </p:cBhvr>
-                                      <p:by>
-                                        <p:hsl h="0" s="-12549" l="-25098"/>
-                                      </p:by>
-                                    </p:animClr>
-                                    <p:set>
-                                      <p:cBhvr>
-                                        <p:cTn id="12" dur="1000" fill="hold"/>
-                                        <p:tgtEl>
-                                          <p:spTgt spid="2"/>
-                                        </p:tgtEl>
-                                        <p:attrNameLst>
-                                          <p:attrName>fill.type</p:attrName>
-                                        </p:attrNameLst>
-                                      </p:cBhvr>
-                                      <p:to>
-                                        <p:strVal val="solid"/>
-                                      </p:to>
-                                    </p:set>
-                                  </p:childTnLst>
-                                  <p:subTnLst>
-                                    <p:animClr clrSpc="rgb" dir="cw">
-                                      <p:cBhvr override="childStyle">
-                                        <p:cTn dur="1" fill="hold" display="0" masterRel="nextClick" afterEffect="1"/>
-                                        <p:tgtEl>
-                                          <p:spTgt spid="2"/>
-                                        </p:tgtEl>
-                                        <p:attrNameLst>
-                                          <p:attrName>ppt_c</p:attrName>
-                                        </p:attrNameLst>
-                                      </p:cBhvr>
-                                      <p:to>
-                                        <a:schemeClr val="folHlink"/>
-                                      </p:to>
-                                    </p:animClr>
-                                  </p:subTnLst>
-                                </p:cTn>
-                              </p:par>
-                              <p:par>
-                                <p:cTn id="13" presetID="10" presetClass="entr" presetSubtype="0" fill="hold" nodeType="withEffect">
-                                  <p:stCondLst>
-                                    <p:cond delay="0"/>
-                                  </p:stCondLst>
-                                  <p:childTnLst>
-                                    <p:set>
-                                      <p:cBhvr>
-                                        <p:cTn id="14" dur="1" fill="hold">
-                                          <p:stCondLst>
-                                            <p:cond delay="0"/>
-                                          </p:stCondLst>
-                                        </p:cTn>
-                                        <p:tgtEl>
-                                          <p:spTgt spid="17"/>
-                                        </p:tgtEl>
-                                        <p:attrNameLst>
-                                          <p:attrName>style.visibility</p:attrName>
-                                        </p:attrNameLst>
-                                      </p:cBhvr>
-                                      <p:to>
-                                        <p:strVal val="visible"/>
-                                      </p:to>
-                                    </p:set>
-                                    <p:animEffect transition="in" filter="fade">
-                                      <p:cBhvr>
-                                        <p:cTn id="15" dur="500"/>
-                                        <p:tgtEl>
-                                          <p:spTgt spid="17"/>
-                                        </p:tgtEl>
-                                      </p:cBhvr>
-                                    </p:animEffect>
-                                  </p:childTnLst>
-                                </p:cTn>
-                              </p:par>
-                              <p:par>
-                                <p:cTn id="16" presetID="10" presetClass="entr" presetSubtype="0" fill="hold" nodeType="withEffect">
-                                  <p:stCondLst>
-                                    <p:cond delay="0"/>
-                                  </p:stCondLst>
-                                  <p:childTnLst>
-                                    <p:set>
-                                      <p:cBhvr>
-                                        <p:cTn id="17" dur="1" fill="hold">
-                                          <p:stCondLst>
-                                            <p:cond delay="0"/>
-                                          </p:stCondLst>
-                                        </p:cTn>
-                                        <p:tgtEl>
-                                          <p:spTgt spid="13"/>
-                                        </p:tgtEl>
-                                        <p:attrNameLst>
-                                          <p:attrName>style.visibility</p:attrName>
-                                        </p:attrNameLst>
-                                      </p:cBhvr>
-                                      <p:to>
-                                        <p:strVal val="visible"/>
-                                      </p:to>
-                                    </p:set>
-                                    <p:animEffect transition="in" filter="fade">
-                                      <p:cBhvr>
-                                        <p:cTn id="18" dur="500"/>
-                                        <p:tgtEl>
-                                          <p:spTgt spid="13"/>
-                                        </p:tgtEl>
-                                      </p:cBhvr>
-                                    </p:animEffect>
-                                  </p:childTnLst>
-                                </p:cTn>
-                              </p:par>
-                              <p:par>
-                                <p:cTn id="19" presetID="10" presetClass="entr" presetSubtype="0" fill="hold" nodeType="withEffect">
-                                  <p:stCondLst>
-                                    <p:cond delay="0"/>
-                                  </p:stCondLst>
-                                  <p:childTnLst>
-                                    <p:set>
-                                      <p:cBhvr>
-                                        <p:cTn id="20" dur="1" fill="hold">
-                                          <p:stCondLst>
-                                            <p:cond delay="0"/>
-                                          </p:stCondLst>
-                                        </p:cTn>
-                                        <p:tgtEl>
-                                          <p:spTgt spid="16"/>
-                                        </p:tgtEl>
-                                        <p:attrNameLst>
-                                          <p:attrName>style.visibility</p:attrName>
-                                        </p:attrNameLst>
-                                      </p:cBhvr>
-                                      <p:to>
-                                        <p:strVal val="visible"/>
-                                      </p:to>
-                                    </p:set>
-                                    <p:animEffect transition="in" filter="fade">
-                                      <p:cBhvr>
-                                        <p:cTn id="21" dur="500"/>
-                                        <p:tgtEl>
-                                          <p:spTgt spid="16"/>
-                                        </p:tgtEl>
-                                      </p:cBhvr>
-                                    </p:animEffect>
-                                  </p:childTnLst>
-                                </p:cTn>
-                              </p:par>
-                              <p:par>
-                                <p:cTn id="22" presetID="10" presetClass="entr" presetSubtype="0" fill="hold" nodeType="withEffect">
-                                  <p:stCondLst>
-                                    <p:cond delay="0"/>
-                                  </p:stCondLst>
-                                  <p:childTnLst>
-                                    <p:set>
-                                      <p:cBhvr>
-                                        <p:cTn id="23" dur="1" fill="hold">
-                                          <p:stCondLst>
-                                            <p:cond delay="0"/>
-                                          </p:stCondLst>
-                                        </p:cTn>
-                                        <p:tgtEl>
-                                          <p:spTgt spid="18"/>
-                                        </p:tgtEl>
-                                        <p:attrNameLst>
-                                          <p:attrName>style.visibility</p:attrName>
-                                        </p:attrNameLst>
-                                      </p:cBhvr>
-                                      <p:to>
-                                        <p:strVal val="visible"/>
-                                      </p:to>
-                                    </p:set>
-                                    <p:animEffect transition="in" filter="fade">
-                                      <p:cBhvr>
-                                        <p:cTn id="24" dur="500"/>
-                                        <p:tgtEl>
-                                          <p:spTgt spid="18"/>
-                                        </p:tgtEl>
-                                      </p:cBhvr>
-                                    </p:animEffect>
-                                  </p:childTnLst>
-                                </p:cTn>
-                              </p:par>
-                              <p:par>
-                                <p:cTn id="25" presetID="10" presetClass="entr" presetSubtype="0" fill="hold" nodeType="withEffect">
-                                  <p:stCondLst>
-                                    <p:cond delay="0"/>
-                                  </p:stCondLst>
-                                  <p:childTnLst>
-                                    <p:set>
-                                      <p:cBhvr>
-                                        <p:cTn id="26" dur="1" fill="hold">
-                                          <p:stCondLst>
-                                            <p:cond delay="0"/>
-                                          </p:stCondLst>
-                                        </p:cTn>
-                                        <p:tgtEl>
-                                          <p:spTgt spid="8"/>
-                                        </p:tgtEl>
-                                        <p:attrNameLst>
-                                          <p:attrName>style.visibility</p:attrName>
-                                        </p:attrNameLst>
-                                      </p:cBhvr>
-                                      <p:to>
-                                        <p:strVal val="visible"/>
-                                      </p:to>
-                                    </p:set>
-                                    <p:animEffect transition="in" filter="fade">
-                                      <p:cBhvr>
-                                        <p:cTn id="27" dur="500"/>
-                                        <p:tgtEl>
-                                          <p:spTgt spid="8"/>
-                                        </p:tgtEl>
-                                      </p:cBhvr>
-                                    </p:animEffect>
-                                  </p:childTnLst>
-                                </p:cTn>
-                              </p:par>
-                            </p:childTnLst>
-                          </p:cTn>
-                        </p:par>
-                      </p:childTnLst>
-                    </p:cTn>
-                  </p:par>
-                  <p:par>
-                    <p:cTn id="28" fill="hold">
-                      <p:stCondLst>
-                        <p:cond delay="indefinite"/>
-                      </p:stCondLst>
-                      <p:childTnLst>
-                        <p:par>
-                          <p:cTn id="29" fill="hold">
-                            <p:stCondLst>
-                              <p:cond delay="0"/>
-                            </p:stCondLst>
-                            <p:childTnLst>
-                              <p:par>
-                                <p:cTn id="30" presetID="10" presetClass="entr" presetSubtype="0" fill="hold" grpId="0" nodeType="clickEffect">
-                                  <p:stCondLst>
-                                    <p:cond delay="0"/>
-                                  </p:stCondLst>
-                                  <p:childTnLst>
-                                    <p:set>
-                                      <p:cBhvr>
-                                        <p:cTn id="31" dur="1" fill="hold">
-                                          <p:stCondLst>
-                                            <p:cond delay="0"/>
-                                          </p:stCondLst>
-                                        </p:cTn>
-                                        <p:tgtEl>
-                                          <p:spTgt spid="3"/>
-                                        </p:tgtEl>
-                                        <p:attrNameLst>
-                                          <p:attrName>style.visibility</p:attrName>
-                                        </p:attrNameLst>
-                                      </p:cBhvr>
-                                      <p:to>
-                                        <p:strVal val="visible"/>
-                                      </p:to>
-                                    </p:set>
-                                    <p:animEffect transition="in" filter="fade">
-                                      <p:cBhvr>
-                                        <p:cTn id="32" dur="500"/>
-                                        <p:tgtEl>
-                                          <p:spTgt spid="3"/>
-                                        </p:tgtEl>
-                                      </p:cBhvr>
-                                    </p:animEffect>
-                                  </p:childTnLst>
-                                </p:cTn>
-                              </p:par>
-                              <p:par>
-                                <p:cTn id="33" presetID="10" presetClass="entr" presetSubtype="0" fill="hold" grpId="0" nodeType="withEffect">
-                                  <p:stCondLst>
-                                    <p:cond delay="0"/>
-                                  </p:stCondLst>
-                                  <p:childTnLst>
-                                    <p:set>
-                                      <p:cBhvr>
-                                        <p:cTn id="34" dur="1" fill="hold">
-                                          <p:stCondLst>
-                                            <p:cond delay="0"/>
-                                          </p:stCondLst>
-                                        </p:cTn>
-                                        <p:tgtEl>
-                                          <p:spTgt spid="33"/>
-                                        </p:tgtEl>
-                                        <p:attrNameLst>
-                                          <p:attrName>style.visibility</p:attrName>
-                                        </p:attrNameLst>
-                                      </p:cBhvr>
-                                      <p:to>
-                                        <p:strVal val="visible"/>
-                                      </p:to>
-                                    </p:set>
-                                    <p:animEffect transition="in" filter="fade">
-                                      <p:cBhvr>
-                                        <p:cTn id="35" dur="500"/>
-                                        <p:tgtEl>
-                                          <p:spTgt spid="33"/>
-                                        </p:tgtEl>
-                                      </p:cBhvr>
-                                    </p:animEffect>
-                                  </p:childTnLst>
-                                </p:cTn>
-                              </p:par>
-                            </p:childTnLst>
-                          </p:cTn>
-                        </p:par>
-                      </p:childTnLst>
-                    </p:cTn>
-                  </p:par>
-                  <p:par>
-                    <p:cTn id="36" fill="hold">
-                      <p:stCondLst>
-                        <p:cond delay="indefinite"/>
-                      </p:stCondLst>
-                      <p:childTnLst>
-                        <p:par>
-                          <p:cTn id="37" fill="hold">
-                            <p:stCondLst>
-                              <p:cond delay="0"/>
-                            </p:stCondLst>
-                            <p:childTnLst>
-                              <p:par>
-                                <p:cTn id="38" presetID="10" presetClass="entr" presetSubtype="0" fill="hold" grpId="0" nodeType="clickEffect">
-                                  <p:stCondLst>
-                                    <p:cond delay="0"/>
-                                  </p:stCondLst>
-                                  <p:childTnLst>
-                                    <p:set>
-                                      <p:cBhvr>
-                                        <p:cTn id="39" dur="1" fill="hold">
-                                          <p:stCondLst>
-                                            <p:cond delay="0"/>
-                                          </p:stCondLst>
-                                        </p:cTn>
-                                        <p:tgtEl>
-                                          <p:spTgt spid="27"/>
-                                        </p:tgtEl>
-                                        <p:attrNameLst>
-                                          <p:attrName>style.visibility</p:attrName>
-                                        </p:attrNameLst>
-                                      </p:cBhvr>
-                                      <p:to>
-                                        <p:strVal val="visible"/>
-                                      </p:to>
-                                    </p:set>
-                                    <p:animEffect transition="in" filter="fade">
-                                      <p:cBhvr>
-                                        <p:cTn id="40" dur="500"/>
-                                        <p:tgtEl>
-                                          <p:spTgt spid="27"/>
-                                        </p:tgtEl>
-                                      </p:cBhvr>
-                                    </p:animEffect>
-                                  </p:childTnLst>
-                                </p:cTn>
-                              </p:par>
-                              <p:par>
-                                <p:cTn id="41" presetID="10" presetClass="entr" presetSubtype="0" fill="hold" grpId="0" nodeType="withEffect">
-                                  <p:stCondLst>
-                                    <p:cond delay="0"/>
-                                  </p:stCondLst>
-                                  <p:childTnLst>
-                                    <p:set>
-                                      <p:cBhvr>
-                                        <p:cTn id="42" dur="1" fill="hold">
-                                          <p:stCondLst>
-                                            <p:cond delay="0"/>
-                                          </p:stCondLst>
-                                        </p:cTn>
-                                        <p:tgtEl>
-                                          <p:spTgt spid="28"/>
-                                        </p:tgtEl>
-                                        <p:attrNameLst>
-                                          <p:attrName>style.visibility</p:attrName>
-                                        </p:attrNameLst>
-                                      </p:cBhvr>
-                                      <p:to>
-                                        <p:strVal val="visible"/>
-                                      </p:to>
-                                    </p:set>
-                                    <p:animEffect transition="in" filter="fade">
-                                      <p:cBhvr>
-                                        <p:cTn id="43" dur="500"/>
-                                        <p:tgtEl>
-                                          <p:spTgt spid="28"/>
-                                        </p:tgtEl>
-                                      </p:cBhvr>
-                                    </p:animEffect>
-                                  </p:childTnLst>
-                                </p:cTn>
-                              </p:par>
-                            </p:childTnLst>
-                          </p:cTn>
-                        </p:par>
-                      </p:childTnLst>
-                    </p:cTn>
-                  </p:par>
-                  <p:par>
-                    <p:cTn id="44" fill="hold">
-                      <p:stCondLst>
-                        <p:cond delay="indefinite"/>
-                      </p:stCondLst>
-                      <p:childTnLst>
-                        <p:par>
-                          <p:cTn id="45" fill="hold">
-                            <p:stCondLst>
-                              <p:cond delay="0"/>
-                            </p:stCondLst>
-                            <p:childTnLst>
-                              <p:par>
-                                <p:cTn id="46" presetID="10" presetClass="entr" presetSubtype="0" fill="hold" grpId="0" nodeType="clickEffect">
-                                  <p:stCondLst>
-                                    <p:cond delay="0"/>
-                                  </p:stCondLst>
-                                  <p:childTnLst>
-                                    <p:set>
-                                      <p:cBhvr>
-                                        <p:cTn id="47" dur="1" fill="hold">
-                                          <p:stCondLst>
-                                            <p:cond delay="0"/>
-                                          </p:stCondLst>
-                                        </p:cTn>
-                                        <p:tgtEl>
-                                          <p:spTgt spid="26"/>
-                                        </p:tgtEl>
-                                        <p:attrNameLst>
-                                          <p:attrName>style.visibility</p:attrName>
-                                        </p:attrNameLst>
-                                      </p:cBhvr>
-                                      <p:to>
-                                        <p:strVal val="visible"/>
-                                      </p:to>
-                                    </p:set>
-                                    <p:animEffect transition="in" filter="fade">
-                                      <p:cBhvr>
-                                        <p:cTn id="48" dur="500"/>
-                                        <p:tgtEl>
-                                          <p:spTgt spid="26"/>
-                                        </p:tgtEl>
-                                      </p:cBhvr>
-                                    </p:animEffect>
-                                  </p:childTnLst>
-                                </p:cTn>
-                              </p:par>
-                              <p:par>
-                                <p:cTn id="49" presetID="10" presetClass="entr" presetSubtype="0" fill="hold" grpId="0" nodeType="withEffect">
-                                  <p:stCondLst>
-                                    <p:cond delay="0"/>
-                                  </p:stCondLst>
-                                  <p:childTnLst>
-                                    <p:set>
-                                      <p:cBhvr>
-                                        <p:cTn id="50" dur="1" fill="hold">
-                                          <p:stCondLst>
-                                            <p:cond delay="0"/>
-                                          </p:stCondLst>
-                                        </p:cTn>
-                                        <p:tgtEl>
-                                          <p:spTgt spid="35"/>
-                                        </p:tgtEl>
-                                        <p:attrNameLst>
-                                          <p:attrName>style.visibility</p:attrName>
-                                        </p:attrNameLst>
-                                      </p:cBhvr>
-                                      <p:to>
-                                        <p:strVal val="visible"/>
-                                      </p:to>
-                                    </p:set>
-                                    <p:animEffect transition="in" filter="fade">
-                                      <p:cBhvr>
-                                        <p:cTn id="51" dur="500"/>
-                                        <p:tgtEl>
-                                          <p:spTgt spid="35"/>
-                                        </p:tgtEl>
-                                      </p:cBhvr>
-                                    </p:animEffect>
-                                  </p:childTnLst>
-                                </p:cTn>
-                              </p:par>
-                            </p:childTnLst>
-                          </p:cTn>
-                        </p:par>
-                      </p:childTnLst>
-                    </p:cTn>
-                  </p:par>
-                  <p:par>
-                    <p:cTn id="52" fill="hold">
-                      <p:stCondLst>
-                        <p:cond delay="indefinite"/>
-                      </p:stCondLst>
-                      <p:childTnLst>
-                        <p:par>
-                          <p:cTn id="53" fill="hold">
-                            <p:stCondLst>
-                              <p:cond delay="0"/>
-                            </p:stCondLst>
-                            <p:childTnLst>
-                              <p:par>
-                                <p:cTn id="54" presetID="10" presetClass="entr" presetSubtype="0" fill="hold" grpId="0" nodeType="clickEffect">
-                                  <p:stCondLst>
-                                    <p:cond delay="0"/>
-                                  </p:stCondLst>
-                                  <p:childTnLst>
-                                    <p:set>
-                                      <p:cBhvr>
-                                        <p:cTn id="55" dur="1" fill="hold">
-                                          <p:stCondLst>
-                                            <p:cond delay="0"/>
-                                          </p:stCondLst>
-                                        </p:cTn>
-                                        <p:tgtEl>
-                                          <p:spTgt spid="31"/>
-                                        </p:tgtEl>
-                                        <p:attrNameLst>
-                                          <p:attrName>style.visibility</p:attrName>
-                                        </p:attrNameLst>
-                                      </p:cBhvr>
-                                      <p:to>
-                                        <p:strVal val="visible"/>
-                                      </p:to>
-                                    </p:set>
-                                    <p:animEffect transition="in" filter="fade">
-                                      <p:cBhvr>
-                                        <p:cTn id="56" dur="500"/>
-                                        <p:tgtEl>
-                                          <p:spTgt spid="31"/>
-                                        </p:tgtEl>
-                                      </p:cBhvr>
-                                    </p:animEffect>
-                                  </p:childTnLst>
-                                </p:cTn>
-                              </p:par>
-                              <p:par>
-                                <p:cTn id="57" presetID="10" presetClass="entr" presetSubtype="0" fill="hold" grpId="0" nodeType="withEffect">
-                                  <p:stCondLst>
-                                    <p:cond delay="0"/>
-                                  </p:stCondLst>
-                                  <p:childTnLst>
-                                    <p:set>
-                                      <p:cBhvr>
-                                        <p:cTn id="58" dur="1" fill="hold">
-                                          <p:stCondLst>
-                                            <p:cond delay="0"/>
-                                          </p:stCondLst>
-                                        </p:cTn>
-                                        <p:tgtEl>
-                                          <p:spTgt spid="34"/>
-                                        </p:tgtEl>
-                                        <p:attrNameLst>
-                                          <p:attrName>style.visibility</p:attrName>
-                                        </p:attrNameLst>
-                                      </p:cBhvr>
-                                      <p:to>
-                                        <p:strVal val="visible"/>
-                                      </p:to>
-                                    </p:set>
-                                    <p:animEffect transition="in" filter="fade">
-                                      <p:cBhvr>
-                                        <p:cTn id="59" dur="500"/>
-                                        <p:tgtEl>
-                                          <p:spTgt spid="34"/>
-                                        </p:tgtEl>
-                                      </p:cBhvr>
-                                    </p:animEffect>
-                                  </p:childTnLst>
-                                </p:cTn>
-                              </p:par>
-                            </p:childTnLst>
-                          </p:cTn>
-                        </p:par>
-                      </p:childTnLst>
-                    </p:cTn>
-                  </p:par>
-                </p:childTnLst>
-              </p:cTn>
-              <p:prevCondLst>
-                <p:cond evt="onPrev" delay="0">
-                  <p:tgtEl>
-                    <p:sldTgt/>
-                  </p:tgtEl>
-                </p:cond>
-              </p:prevCondLst>
-              <p:nextCondLst>
-                <p:cond evt="onNext" delay="0">
-                  <p:tgtEl>
-                    <p:sldTgt/>
-                  </p:tgtEl>
-                </p:cond>
-              </p:nextCondLst>
-            </p:seq>
-          </p:childTnLst>
-        </p:cTn>
-      </p:par>
-    </p:tnLst>
-    <p:bldLst>
-      <p:bldP spid="2" grpId="0"/>
-      <p:bldP spid="2" grpId="1"/>
-      <p:bldP spid="26" grpId="0" animBg="1"/>
-      <p:bldP spid="28" grpId="0" animBg="1"/>
-      <p:bldP spid="31" grpId="0" animBg="1"/>
-      <p:bldP spid="27" grpId="0"/>
-      <p:bldP spid="33" grpId="0"/>
-      <p:bldP spid="34" grpId="0"/>
-      <p:bldP spid="35" grpId="0"/>
-      <p:bldP spid="3" grpId="0" animBg="1"/>
-    </p:bldLst>
-  </p:timing>
-</p:sld>
-</file>
-
 <file path=ppt/theme/theme1.xml><?xml version="1.0" encoding="utf-8"?>
 <a:theme xmlns:a="http://schemas.openxmlformats.org/drawingml/2006/main" name="Ion">
   <a:themeElements>

--- a/_Administratie/Presentatie GIP.pptx
+++ b/_Administratie/Presentatie GIP.pptx
@@ -5,21 +5,22 @@
     <p:sldMasterId id="2147483695" r:id="rId1"/>
   </p:sldMasterIdLst>
   <p:notesMasterIdLst>
-    <p:notesMasterId r:id="rId14"/>
+    <p:notesMasterId r:id="rId15"/>
   </p:notesMasterIdLst>
   <p:sldIdLst>
     <p:sldId id="256" r:id="rId2"/>
-    <p:sldId id="257" r:id="rId3"/>
+    <p:sldId id="279" r:id="rId3"/>
     <p:sldId id="270" r:id="rId4"/>
-    <p:sldId id="269" r:id="rId5"/>
-    <p:sldId id="271" r:id="rId6"/>
-    <p:sldId id="272" r:id="rId7"/>
-    <p:sldId id="275" r:id="rId8"/>
-    <p:sldId id="276" r:id="rId9"/>
-    <p:sldId id="274" r:id="rId10"/>
-    <p:sldId id="273" r:id="rId11"/>
-    <p:sldId id="277" r:id="rId12"/>
-    <p:sldId id="278" r:id="rId13"/>
+    <p:sldId id="280" r:id="rId5"/>
+    <p:sldId id="281" r:id="rId6"/>
+    <p:sldId id="269" r:id="rId7"/>
+    <p:sldId id="271" r:id="rId8"/>
+    <p:sldId id="272" r:id="rId9"/>
+    <p:sldId id="275" r:id="rId10"/>
+    <p:sldId id="274" r:id="rId11"/>
+    <p:sldId id="273" r:id="rId12"/>
+    <p:sldId id="277" r:id="rId13"/>
+    <p:sldId id="278" r:id="rId14"/>
   </p:sldIdLst>
   <p:sldSz cx="12192000" cy="6858000"/>
   <p:notesSz cx="6858000" cy="9144000"/>
@@ -208,7 +209,7 @@
           <a:p>
             <a:fld id="{301D66A4-ABC3-4C44-A698-86811F34C74C}" type="datetimeFigureOut">
               <a:rPr lang="nl-NL" smtClean="0"/>
-              <a:t>9-5-2019</a:t>
+              <a:t>14-5-2019</a:t>
             </a:fld>
             <a:endParaRPr lang="nl-NL"/>
           </a:p>
@@ -519,14 +520,7 @@
           <a:bodyPr/>
           <a:lstStyle/>
           <a:p>
-            <a:r>
-              <a:rPr lang="nl-NL" dirty="0" err="1"/>
-              <a:t>Spoofing</a:t>
-            </a:r>
-            <a:r>
-              <a:rPr lang="nl-NL" dirty="0"/>
-              <a:t> = identiteit vervalsen</a:t>
-            </a:r>
+            <a:endParaRPr lang="nl-NL" dirty="0"/>
           </a:p>
         </p:txBody>
       </p:sp>
@@ -610,18 +604,7 @@
           <a:bodyPr/>
           <a:lstStyle/>
           <a:p>
-            <a:r>
-              <a:rPr lang="nl-NL" dirty="0"/>
-              <a:t>Accepteert antwoorden ook al is er geen </a:t>
-            </a:r>
-            <a:r>
-              <a:rPr lang="nl-NL" dirty="0" err="1"/>
-              <a:t>request</a:t>
-            </a:r>
-            <a:r>
-              <a:rPr lang="nl-NL" dirty="0"/>
-              <a:t> tot ARP gestuurd</a:t>
-            </a:r>
+            <a:endParaRPr lang="nl-NL" dirty="0"/>
           </a:p>
         </p:txBody>
       </p:sp>
@@ -651,7 +634,7 @@
     </p:spTree>
     <p:extLst>
       <p:ext uri="{BB962C8B-B14F-4D97-AF65-F5344CB8AC3E}">
-        <p14:creationId xmlns:p14="http://schemas.microsoft.com/office/powerpoint/2010/main" val="3110068714"/>
+        <p14:creationId xmlns:p14="http://schemas.microsoft.com/office/powerpoint/2010/main" val="1171436889"/>
       </p:ext>
     </p:extLst>
   </p:cSld>
@@ -707,41 +690,15 @@
           <a:p>
             <a:r>
               <a:rPr lang="nl-NL" dirty="0"/>
-              <a:t>Pakket filters in firewall</a:t>
-            </a:r>
-          </a:p>
-          <a:p>
-            <a:r>
-              <a:rPr lang="nl-NL" dirty="0"/>
-              <a:t>Arp scanner Detecteert duplicaten in </a:t>
+              <a:t>Accepteert antwoorden ook al is er geen </a:t>
             </a:r>
             <a:r>
               <a:rPr lang="nl-NL" dirty="0" err="1"/>
-              <a:t>mac</a:t>
+              <a:t>request</a:t>
             </a:r>
             <a:r>
               <a:rPr lang="nl-NL" dirty="0"/>
-              <a:t> adressen.</a:t>
-            </a:r>
-          </a:p>
-          <a:p>
-            <a:r>
-              <a:rPr lang="nl-NL" dirty="0"/>
-              <a:t>Wat is de fout in dit netwerk?</a:t>
-            </a:r>
-          </a:p>
-          <a:p>
-            <a:r>
-              <a:rPr lang="nl-NL" dirty="0"/>
-              <a:t>Zelfde </a:t>
-            </a:r>
-            <a:r>
-              <a:rPr lang="nl-NL" dirty="0" err="1"/>
-              <a:t>mac</a:t>
-            </a:r>
-            <a:r>
-              <a:rPr lang="nl-NL" dirty="0"/>
-              <a:t> adressen.</a:t>
+              <a:t> tot ARP gestuurd</a:t>
             </a:r>
           </a:p>
         </p:txBody>
@@ -772,7 +729,7 @@
     </p:spTree>
     <p:extLst>
       <p:ext uri="{BB962C8B-B14F-4D97-AF65-F5344CB8AC3E}">
-        <p14:creationId xmlns:p14="http://schemas.microsoft.com/office/powerpoint/2010/main" val="3166031325"/>
+        <p14:creationId xmlns:p14="http://schemas.microsoft.com/office/powerpoint/2010/main" val="3110068714"/>
       </p:ext>
     </p:extLst>
   </p:cSld>
@@ -826,7 +783,44 @@
           <a:bodyPr/>
           <a:lstStyle/>
           <a:p>
-            <a:endParaRPr lang="nl-NL" dirty="0"/>
+            <a:r>
+              <a:rPr lang="nl-NL" dirty="0"/>
+              <a:t>Pakket filters in firewall</a:t>
+            </a:r>
+          </a:p>
+          <a:p>
+            <a:r>
+              <a:rPr lang="nl-NL" dirty="0"/>
+              <a:t>Arp scanner Detecteert duplicaten in </a:t>
+            </a:r>
+            <a:r>
+              <a:rPr lang="nl-NL" dirty="0" err="1"/>
+              <a:t>mac</a:t>
+            </a:r>
+            <a:r>
+              <a:rPr lang="nl-NL" dirty="0"/>
+              <a:t> adressen.</a:t>
+            </a:r>
+          </a:p>
+          <a:p>
+            <a:r>
+              <a:rPr lang="nl-NL" dirty="0"/>
+              <a:t>Wat is de fout in dit netwerk?</a:t>
+            </a:r>
+          </a:p>
+          <a:p>
+            <a:r>
+              <a:rPr lang="nl-NL" dirty="0"/>
+              <a:t>Zelfde </a:t>
+            </a:r>
+            <a:r>
+              <a:rPr lang="nl-NL" dirty="0" err="1"/>
+              <a:t>mac</a:t>
+            </a:r>
+            <a:r>
+              <a:rPr lang="nl-NL" dirty="0"/>
+              <a:t> adressen.</a:t>
+            </a:r>
           </a:p>
         </p:txBody>
       </p:sp>
@@ -848,6 +842,90 @@
             <a:fld id="{B1914E6F-C347-4F2C-9B55-B862DB75823B}" type="slidenum">
               <a:rPr lang="nl-NL" smtClean="0"/>
               <a:t>12</a:t>
+            </a:fld>
+            <a:endParaRPr lang="nl-NL"/>
+          </a:p>
+        </p:txBody>
+      </p:sp>
+    </p:spTree>
+    <p:extLst>
+      <p:ext uri="{BB962C8B-B14F-4D97-AF65-F5344CB8AC3E}">
+        <p14:creationId xmlns:p14="http://schemas.microsoft.com/office/powerpoint/2010/main" val="3166031325"/>
+      </p:ext>
+    </p:extLst>
+  </p:cSld>
+  <p:clrMapOvr>
+    <a:masterClrMapping/>
+  </p:clrMapOvr>
+</p:notes>
+</file>
+
+<file path=ppt/notesSlides/notesSlide13.xml><?xml version="1.0" encoding="utf-8"?>
+<p:notes xmlns:a="http://schemas.openxmlformats.org/drawingml/2006/main" xmlns:r="http://schemas.openxmlformats.org/officeDocument/2006/relationships" xmlns:p="http://schemas.openxmlformats.org/presentationml/2006/main">
+  <p:cSld>
+    <p:spTree>
+      <p:nvGrpSpPr>
+        <p:cNvPr id="1" name=""/>
+        <p:cNvGrpSpPr/>
+        <p:nvPr/>
+      </p:nvGrpSpPr>
+      <p:grpSpPr>
+        <a:xfrm>
+          <a:off x="0" y="0"/>
+          <a:ext cx="0" cy="0"/>
+          <a:chOff x="0" y="0"/>
+          <a:chExt cx="0" cy="0"/>
+        </a:xfrm>
+      </p:grpSpPr>
+      <p:sp>
+        <p:nvSpPr>
+          <p:cNvPr id="2" name="Tijdelijke aanduiding voor dia-afbeelding 1"/>
+          <p:cNvSpPr>
+            <a:spLocks noGrp="1" noRot="1" noChangeAspect="1"/>
+          </p:cNvSpPr>
+          <p:nvPr>
+            <p:ph type="sldImg"/>
+          </p:nvPr>
+        </p:nvSpPr>
+        <p:spPr/>
+      </p:sp>
+      <p:sp>
+        <p:nvSpPr>
+          <p:cNvPr id="3" name="Tijdelijke aanduiding voor notities 2"/>
+          <p:cNvSpPr>
+            <a:spLocks noGrp="1"/>
+          </p:cNvSpPr>
+          <p:nvPr>
+            <p:ph type="body" idx="1"/>
+          </p:nvPr>
+        </p:nvSpPr>
+        <p:spPr/>
+        <p:txBody>
+          <a:bodyPr/>
+          <a:lstStyle/>
+          <a:p>
+            <a:endParaRPr lang="nl-NL" dirty="0"/>
+          </a:p>
+        </p:txBody>
+      </p:sp>
+      <p:sp>
+        <p:nvSpPr>
+          <p:cNvPr id="4" name="Tijdelijke aanduiding voor dianummer 3"/>
+          <p:cNvSpPr>
+            <a:spLocks noGrp="1"/>
+          </p:cNvSpPr>
+          <p:nvPr>
+            <p:ph type="sldNum" sz="quarter" idx="10"/>
+          </p:nvPr>
+        </p:nvSpPr>
+        <p:spPr/>
+        <p:txBody>
+          <a:bodyPr/>
+          <a:lstStyle/>
+          <a:p>
+            <a:fld id="{B1914E6F-C347-4F2C-9B55-B862DB75823B}" type="slidenum">
+              <a:rPr lang="nl-NL" smtClean="0"/>
+              <a:t>13</a:t>
             </a:fld>
             <a:endParaRPr lang="nl-NL"/>
           </a:p>
@@ -910,10 +988,7 @@
           <a:bodyPr/>
           <a:lstStyle/>
           <a:p>
-            <a:r>
-              <a:rPr lang="nl-NL" dirty="0"/>
-              <a:t>IP = Internet Protocol</a:t>
-            </a:r>
+            <a:endParaRPr lang="nl-NL" dirty="0"/>
           </a:p>
         </p:txBody>
       </p:sp>
@@ -943,7 +1018,7 @@
     </p:spTree>
     <p:extLst>
       <p:ext uri="{BB962C8B-B14F-4D97-AF65-F5344CB8AC3E}">
-        <p14:creationId xmlns:p14="http://schemas.microsoft.com/office/powerpoint/2010/main" val="4091980355"/>
+        <p14:creationId xmlns:p14="http://schemas.microsoft.com/office/powerpoint/2010/main" val="2750227061"/>
       </p:ext>
     </p:extLst>
   </p:cSld>
@@ -997,10 +1072,7 @@
           <a:bodyPr/>
           <a:lstStyle/>
           <a:p>
-            <a:r>
-              <a:rPr lang="nl-NL" dirty="0"/>
-              <a:t>MAC = Media Acces Control</a:t>
-            </a:r>
+            <a:endParaRPr lang="nl-NL" dirty="0"/>
           </a:p>
         </p:txBody>
       </p:sp>
@@ -1114,7 +1186,7 @@
     </p:spTree>
     <p:extLst>
       <p:ext uri="{BB962C8B-B14F-4D97-AF65-F5344CB8AC3E}">
-        <p14:creationId xmlns:p14="http://schemas.microsoft.com/office/powerpoint/2010/main" val="662189135"/>
+        <p14:creationId xmlns:p14="http://schemas.microsoft.com/office/powerpoint/2010/main" val="2583546034"/>
       </p:ext>
     </p:extLst>
   </p:cSld>
@@ -1168,10 +1240,7 @@
           <a:bodyPr/>
           <a:lstStyle/>
           <a:p>
-            <a:r>
-              <a:rPr lang="nl-NL" dirty="0"/>
-              <a:t>Eerst hacker PC</a:t>
-            </a:r>
+            <a:endParaRPr lang="nl-NL" dirty="0"/>
           </a:p>
         </p:txBody>
       </p:sp>
@@ -1201,7 +1270,7 @@
     </p:spTree>
     <p:extLst>
       <p:ext uri="{BB962C8B-B14F-4D97-AF65-F5344CB8AC3E}">
-        <p14:creationId xmlns:p14="http://schemas.microsoft.com/office/powerpoint/2010/main" val="3228311734"/>
+        <p14:creationId xmlns:p14="http://schemas.microsoft.com/office/powerpoint/2010/main" val="620973451"/>
       </p:ext>
     </p:extLst>
   </p:cSld>
@@ -1255,26 +1324,7 @@
           <a:bodyPr/>
           <a:lstStyle/>
           <a:p>
-            <a:r>
-              <a:rPr lang="nl-NL" dirty="0"/>
-              <a:t>ARP = </a:t>
-            </a:r>
-            <a:r>
-              <a:rPr lang="nl-NL" dirty="0" err="1"/>
-              <a:t>Adress</a:t>
-            </a:r>
-            <a:r>
-              <a:rPr lang="nl-NL" dirty="0"/>
-              <a:t> </a:t>
-            </a:r>
-            <a:r>
-              <a:rPr lang="nl-NL" dirty="0" err="1"/>
-              <a:t>Resolution</a:t>
-            </a:r>
-            <a:r>
-              <a:rPr lang="nl-NL" dirty="0"/>
-              <a:t> Protocol</a:t>
-            </a:r>
+            <a:endParaRPr lang="nl-NL" dirty="0"/>
           </a:p>
         </p:txBody>
       </p:sp>
@@ -1304,7 +1354,7 @@
     </p:spTree>
     <p:extLst>
       <p:ext uri="{BB962C8B-B14F-4D97-AF65-F5344CB8AC3E}">
-        <p14:creationId xmlns:p14="http://schemas.microsoft.com/office/powerpoint/2010/main" val="1341348444"/>
+        <p14:creationId xmlns:p14="http://schemas.microsoft.com/office/powerpoint/2010/main" val="662189135"/>
       </p:ext>
     </p:extLst>
   </p:cSld>
@@ -1358,7 +1408,10 @@
           <a:bodyPr/>
           <a:lstStyle/>
           <a:p>
-            <a:endParaRPr lang="nl-NL" dirty="0"/>
+            <a:r>
+              <a:rPr lang="nl-NL" dirty="0"/>
+              <a:t>Eerst hacker PC</a:t>
+            </a:r>
           </a:p>
         </p:txBody>
       </p:sp>
@@ -1388,7 +1441,7 @@
     </p:spTree>
     <p:extLst>
       <p:ext uri="{BB962C8B-B14F-4D97-AF65-F5344CB8AC3E}">
-        <p14:creationId xmlns:p14="http://schemas.microsoft.com/office/powerpoint/2010/main" val="1862060894"/>
+        <p14:creationId xmlns:p14="http://schemas.microsoft.com/office/powerpoint/2010/main" val="3228311734"/>
       </p:ext>
     </p:extLst>
   </p:cSld>
@@ -1442,7 +1495,26 @@
           <a:bodyPr/>
           <a:lstStyle/>
           <a:p>
-            <a:endParaRPr lang="nl-NL" dirty="0"/>
+            <a:r>
+              <a:rPr lang="nl-NL" dirty="0"/>
+              <a:t>ARP = </a:t>
+            </a:r>
+            <a:r>
+              <a:rPr lang="nl-NL" dirty="0" err="1"/>
+              <a:t>Adress</a:t>
+            </a:r>
+            <a:r>
+              <a:rPr lang="nl-NL" dirty="0"/>
+              <a:t> </a:t>
+            </a:r>
+            <a:r>
+              <a:rPr lang="nl-NL" dirty="0" err="1"/>
+              <a:t>Resolution</a:t>
+            </a:r>
+            <a:r>
+              <a:rPr lang="nl-NL" dirty="0"/>
+              <a:t> Protocol</a:t>
+            </a:r>
           </a:p>
         </p:txBody>
       </p:sp>
@@ -1472,7 +1544,7 @@
     </p:spTree>
     <p:extLst>
       <p:ext uri="{BB962C8B-B14F-4D97-AF65-F5344CB8AC3E}">
-        <p14:creationId xmlns:p14="http://schemas.microsoft.com/office/powerpoint/2010/main" val="1123349485"/>
+        <p14:creationId xmlns:p14="http://schemas.microsoft.com/office/powerpoint/2010/main" val="1341348444"/>
       </p:ext>
     </p:extLst>
   </p:cSld>
@@ -1556,7 +1628,7 @@
     </p:spTree>
     <p:extLst>
       <p:ext uri="{BB962C8B-B14F-4D97-AF65-F5344CB8AC3E}">
-        <p14:creationId xmlns:p14="http://schemas.microsoft.com/office/powerpoint/2010/main" val="1171436889"/>
+        <p14:creationId xmlns:p14="http://schemas.microsoft.com/office/powerpoint/2010/main" val="1862060894"/>
       </p:ext>
     </p:extLst>
   </p:cSld>
@@ -1752,7 +1824,7 @@
           <a:p>
             <a:fld id="{12F0C58C-007D-453E-BDD8-6C2CB8665497}" type="datetimeFigureOut">
               <a:rPr lang="nl-NL" smtClean="0"/>
-              <a:t>9-5-2019</a:t>
+              <a:t>14-5-2019</a:t>
             </a:fld>
             <a:endParaRPr lang="nl-NL"/>
           </a:p>
@@ -2027,7 +2099,7 @@
           <a:p>
             <a:fld id="{12F0C58C-007D-453E-BDD8-6C2CB8665497}" type="datetimeFigureOut">
               <a:rPr lang="nl-NL" smtClean="0"/>
-              <a:t>9-5-2019</a:t>
+              <a:t>14-5-2019</a:t>
             </a:fld>
             <a:endParaRPr lang="nl-NL"/>
           </a:p>
@@ -2221,7 +2293,7 @@
           <a:p>
             <a:fld id="{12F0C58C-007D-453E-BDD8-6C2CB8665497}" type="datetimeFigureOut">
               <a:rPr lang="nl-NL" smtClean="0"/>
-              <a:t>9-5-2019</a:t>
+              <a:t>14-5-2019</a:t>
             </a:fld>
             <a:endParaRPr lang="nl-NL"/>
           </a:p>
@@ -2494,7 +2566,7 @@
           <a:p>
             <a:fld id="{12F0C58C-007D-453E-BDD8-6C2CB8665497}" type="datetimeFigureOut">
               <a:rPr lang="nl-NL" smtClean="0"/>
-              <a:t>9-5-2019</a:t>
+              <a:t>14-5-2019</a:t>
             </a:fld>
             <a:endParaRPr lang="nl-NL"/>
           </a:p>
@@ -2835,7 +2907,7 @@
           <a:p>
             <a:fld id="{12F0C58C-007D-453E-BDD8-6C2CB8665497}" type="datetimeFigureOut">
               <a:rPr lang="nl-NL" smtClean="0"/>
-              <a:t>9-5-2019</a:t>
+              <a:t>14-5-2019</a:t>
             </a:fld>
             <a:endParaRPr lang="nl-NL"/>
           </a:p>
@@ -3458,7 +3530,7 @@
           <a:p>
             <a:fld id="{12F0C58C-007D-453E-BDD8-6C2CB8665497}" type="datetimeFigureOut">
               <a:rPr lang="nl-NL" smtClean="0"/>
-              <a:t>9-5-2019</a:t>
+              <a:t>14-5-2019</a:t>
             </a:fld>
             <a:endParaRPr lang="nl-NL"/>
           </a:p>
@@ -4318,7 +4390,7 @@
           <a:p>
             <a:fld id="{12F0C58C-007D-453E-BDD8-6C2CB8665497}" type="datetimeFigureOut">
               <a:rPr lang="nl-NL" smtClean="0"/>
-              <a:t>9-5-2019</a:t>
+              <a:t>14-5-2019</a:t>
             </a:fld>
             <a:endParaRPr lang="nl-NL"/>
           </a:p>
@@ -4488,7 +4560,7 @@
           <a:p>
             <a:fld id="{12F0C58C-007D-453E-BDD8-6C2CB8665497}" type="datetimeFigureOut">
               <a:rPr lang="nl-NL" smtClean="0"/>
-              <a:t>9-5-2019</a:t>
+              <a:t>14-5-2019</a:t>
             </a:fld>
             <a:endParaRPr lang="nl-NL"/>
           </a:p>
@@ -4668,7 +4740,7 @@
           <a:p>
             <a:fld id="{12F0C58C-007D-453E-BDD8-6C2CB8665497}" type="datetimeFigureOut">
               <a:rPr lang="nl-NL" smtClean="0"/>
-              <a:t>9-5-2019</a:t>
+              <a:t>14-5-2019</a:t>
             </a:fld>
             <a:endParaRPr lang="nl-NL"/>
           </a:p>
@@ -4838,7 +4910,7 @@
           <a:p>
             <a:fld id="{12F0C58C-007D-453E-BDD8-6C2CB8665497}" type="datetimeFigureOut">
               <a:rPr lang="nl-NL" smtClean="0"/>
-              <a:t>9-5-2019</a:t>
+              <a:t>14-5-2019</a:t>
             </a:fld>
             <a:endParaRPr lang="nl-NL"/>
           </a:p>
@@ -5085,7 +5157,7 @@
           <a:p>
             <a:fld id="{12F0C58C-007D-453E-BDD8-6C2CB8665497}" type="datetimeFigureOut">
               <a:rPr lang="nl-NL" smtClean="0"/>
-              <a:t>9-5-2019</a:t>
+              <a:t>14-5-2019</a:t>
             </a:fld>
             <a:endParaRPr lang="nl-NL"/>
           </a:p>
@@ -5377,7 +5449,7 @@
           <a:p>
             <a:fld id="{12F0C58C-007D-453E-BDD8-6C2CB8665497}" type="datetimeFigureOut">
               <a:rPr lang="nl-NL" smtClean="0"/>
-              <a:t>9-5-2019</a:t>
+              <a:t>14-5-2019</a:t>
             </a:fld>
             <a:endParaRPr lang="nl-NL"/>
           </a:p>
@@ -5821,7 +5893,7 @@
           <a:p>
             <a:fld id="{12F0C58C-007D-453E-BDD8-6C2CB8665497}" type="datetimeFigureOut">
               <a:rPr lang="nl-NL" smtClean="0"/>
-              <a:t>9-5-2019</a:t>
+              <a:t>14-5-2019</a:t>
             </a:fld>
             <a:endParaRPr lang="nl-NL"/>
           </a:p>
@@ -5939,7 +6011,7 @@
           <a:p>
             <a:fld id="{12F0C58C-007D-453E-BDD8-6C2CB8665497}" type="datetimeFigureOut">
               <a:rPr lang="nl-NL" smtClean="0"/>
-              <a:t>9-5-2019</a:t>
+              <a:t>14-5-2019</a:t>
             </a:fld>
             <a:endParaRPr lang="nl-NL"/>
           </a:p>
@@ -6034,7 +6106,7 @@
           <a:p>
             <a:fld id="{12F0C58C-007D-453E-BDD8-6C2CB8665497}" type="datetimeFigureOut">
               <a:rPr lang="nl-NL" smtClean="0"/>
-              <a:t>9-5-2019</a:t>
+              <a:t>14-5-2019</a:t>
             </a:fld>
             <a:endParaRPr lang="nl-NL"/>
           </a:p>
@@ -6313,7 +6385,7 @@
           <a:p>
             <a:fld id="{12F0C58C-007D-453E-BDD8-6C2CB8665497}" type="datetimeFigureOut">
               <a:rPr lang="nl-NL" smtClean="0"/>
-              <a:t>9-5-2019</a:t>
+              <a:t>14-5-2019</a:t>
             </a:fld>
             <a:endParaRPr lang="nl-NL"/>
           </a:p>
@@ -6588,7 +6660,7 @@
           <a:p>
             <a:fld id="{12F0C58C-007D-453E-BDD8-6C2CB8665497}" type="datetimeFigureOut">
               <a:rPr lang="nl-NL" smtClean="0"/>
-              <a:t>9-5-2019</a:t>
+              <a:t>14-5-2019</a:t>
             </a:fld>
             <a:endParaRPr lang="nl-NL"/>
           </a:p>
@@ -7017,7 +7089,7 @@
           <a:p>
             <a:fld id="{12F0C58C-007D-453E-BDD8-6C2CB8665497}" type="datetimeFigureOut">
               <a:rPr lang="nl-NL" smtClean="0"/>
-              <a:t>9-5-2019</a:t>
+              <a:t>14-5-2019</a:t>
             </a:fld>
             <a:endParaRPr lang="nl-NL"/>
           </a:p>
@@ -7618,19 +7690,178 @@
                   </a:schemeClr>
                 </a:solidFill>
               </a:rPr>
+              <a:t>Sebastiaan Sillis</a:t>
+            </a:r>
+          </a:p>
+        </p:txBody>
+      </p:sp>
+      <p:sp>
+        <p:nvSpPr>
+          <p:cNvPr id="4" name="Rechthoek 3">
+            <a:extLst>
+              <a:ext uri="{FF2B5EF4-FFF2-40B4-BE49-F238E27FC236}">
+                <a16:creationId xmlns:a16="http://schemas.microsoft.com/office/drawing/2014/main" id="{0AAF8AE7-92A9-4B5F-939E-4AE6FAF89A6F}"/>
+              </a:ext>
+            </a:extLst>
+          </p:cNvPr>
+          <p:cNvSpPr/>
+          <p:nvPr/>
+        </p:nvSpPr>
+        <p:spPr>
+          <a:xfrm rot="5400000">
+            <a:off x="-837661" y="1122403"/>
+            <a:ext cx="2037348" cy="362035"/>
+          </a:xfrm>
+          <a:prstGeom prst="rect">
+            <a:avLst/>
+          </a:prstGeom>
+          <a:solidFill>
+            <a:srgbClr val="FFC000"/>
+          </a:solidFill>
+          <a:ln>
+            <a:solidFill>
+              <a:srgbClr val="FFC000"/>
+            </a:solidFill>
+          </a:ln>
+        </p:spPr>
+        <p:style>
+          <a:lnRef idx="2">
+            <a:schemeClr val="accent1">
+              <a:shade val="50000"/>
+            </a:schemeClr>
+          </a:lnRef>
+          <a:fillRef idx="1">
+            <a:schemeClr val="accent1"/>
+          </a:fillRef>
+          <a:effectRef idx="0">
+            <a:schemeClr val="accent1"/>
+          </a:effectRef>
+          <a:fontRef idx="minor">
+            <a:schemeClr val="lt1"/>
+          </a:fontRef>
+        </p:style>
+        <p:txBody>
+          <a:bodyPr rtlCol="0" anchor="ctr"/>
+          <a:lstStyle/>
+          <a:p>
+            <a:pPr algn="ctr"/>
+            <a:r>
+              <a:rPr lang="nl-NL" dirty="0"/>
+              <a:t>Studentenbedrijf</a:t>
+            </a:r>
+          </a:p>
+        </p:txBody>
+      </p:sp>
+      <p:sp>
+        <p:nvSpPr>
+          <p:cNvPr id="5" name="Rechthoek 4">
+            <a:extLst>
+              <a:ext uri="{FF2B5EF4-FFF2-40B4-BE49-F238E27FC236}">
+                <a16:creationId xmlns:a16="http://schemas.microsoft.com/office/drawing/2014/main" id="{CAAF84BD-D140-4EA2-B6B7-26BF6CD18967}"/>
+              </a:ext>
+            </a:extLst>
+          </p:cNvPr>
+          <p:cNvSpPr/>
+          <p:nvPr/>
+        </p:nvSpPr>
+        <p:spPr>
+          <a:xfrm rot="5400000">
+            <a:off x="-831226" y="3342650"/>
+            <a:ext cx="2024476" cy="362036"/>
+          </a:xfrm>
+          <a:prstGeom prst="rect">
+            <a:avLst/>
+          </a:prstGeom>
+          <a:solidFill>
+            <a:srgbClr val="00B0F0"/>
+          </a:solidFill>
+          <a:ln>
+            <a:solidFill>
+              <a:srgbClr val="00B0F0"/>
+            </a:solidFill>
+          </a:ln>
+        </p:spPr>
+        <p:style>
+          <a:lnRef idx="2">
+            <a:schemeClr val="accent1">
+              <a:shade val="50000"/>
+            </a:schemeClr>
+          </a:lnRef>
+          <a:fillRef idx="1">
+            <a:schemeClr val="accent1"/>
+          </a:fillRef>
+          <a:effectRef idx="0">
+            <a:schemeClr val="accent1"/>
+          </a:effectRef>
+          <a:fontRef idx="minor">
+            <a:schemeClr val="lt1"/>
+          </a:fontRef>
+        </p:style>
+        <p:txBody>
+          <a:bodyPr rtlCol="0" anchor="ctr"/>
+          <a:lstStyle/>
+          <a:p>
+            <a:pPr algn="ctr"/>
+            <a:r>
+              <a:rPr lang="nl-NL" dirty="0"/>
               <a:t>Led kubus</a:t>
             </a:r>
           </a:p>
-          <a:p>
+        </p:txBody>
+      </p:sp>
+      <p:sp>
+        <p:nvSpPr>
+          <p:cNvPr id="6" name="Rechthoek 5">
+            <a:extLst>
+              <a:ext uri="{FF2B5EF4-FFF2-40B4-BE49-F238E27FC236}">
+                <a16:creationId xmlns:a16="http://schemas.microsoft.com/office/drawing/2014/main" id="{DB0A785A-CA0E-4129-9830-950A071BA82F}"/>
+              </a:ext>
+            </a:extLst>
+          </p:cNvPr>
+          <p:cNvSpPr/>
+          <p:nvPr/>
+        </p:nvSpPr>
+        <p:spPr>
+          <a:xfrm rot="5400000">
+            <a:off x="-831226" y="5556461"/>
+            <a:ext cx="2024476" cy="362036"/>
+          </a:xfrm>
+          <a:prstGeom prst="rect">
+            <a:avLst/>
+          </a:prstGeom>
+          <a:solidFill>
+            <a:srgbClr val="92D050"/>
+          </a:solidFill>
+          <a:ln>
+            <a:solidFill>
+              <a:srgbClr val="92D050"/>
+            </a:solidFill>
+          </a:ln>
+        </p:spPr>
+        <p:style>
+          <a:lnRef idx="2">
+            <a:schemeClr val="accent1">
+              <a:shade val="50000"/>
+            </a:schemeClr>
+          </a:lnRef>
+          <a:fillRef idx="1">
+            <a:schemeClr val="accent1"/>
+          </a:fillRef>
+          <a:effectRef idx="0">
+            <a:schemeClr val="accent1"/>
+          </a:effectRef>
+          <a:fontRef idx="minor">
+            <a:schemeClr val="lt1"/>
+          </a:fontRef>
+        </p:style>
+        <p:txBody>
+          <a:bodyPr rtlCol="0" anchor="ctr"/>
+          <a:lstStyle/>
+          <a:p>
+            <a:pPr algn="ctr"/>
             <a:r>
-              <a:rPr lang="nl-NL" dirty="0">
-                <a:solidFill>
-                  <a:schemeClr val="tx1">
-                    <a:lumMod val="95000"/>
-                  </a:schemeClr>
-                </a:solidFill>
-              </a:rPr>
-              <a:t>Sebastiaan Sillis</a:t>
+              <a:rPr lang="nl-NL" dirty="0"/>
+              <a:t>Stage</a:t>
             </a:r>
           </a:p>
         </p:txBody>
@@ -7652,6 +7883,1796 @@
 </file>
 
 <file path=ppt/slides/slide10.xml><?xml version="1.0" encoding="utf-8"?>
+<p:sld xmlns:a="http://schemas.openxmlformats.org/drawingml/2006/main" xmlns:r="http://schemas.openxmlformats.org/officeDocument/2006/relationships" xmlns:p="http://schemas.openxmlformats.org/presentationml/2006/main">
+  <p:cSld>
+    <p:spTree>
+      <p:nvGrpSpPr>
+        <p:cNvPr id="1" name=""/>
+        <p:cNvGrpSpPr/>
+        <p:nvPr/>
+      </p:nvGrpSpPr>
+      <p:grpSpPr>
+        <a:xfrm>
+          <a:off x="0" y="0"/>
+          <a:ext cx="0" cy="0"/>
+          <a:chOff x="0" y="0"/>
+          <a:chExt cx="0" cy="0"/>
+        </a:xfrm>
+      </p:grpSpPr>
+      <p:sp>
+        <p:nvSpPr>
+          <p:cNvPr id="2" name="Titel 1"/>
+          <p:cNvSpPr>
+            <a:spLocks noGrp="1"/>
+          </p:cNvSpPr>
+          <p:nvPr>
+            <p:ph type="title"/>
+          </p:nvPr>
+        </p:nvSpPr>
+        <p:spPr/>
+        <p:txBody>
+          <a:bodyPr/>
+          <a:lstStyle/>
+          <a:p>
+            <a:r>
+              <a:rPr lang="nl-NL" sz="1800" dirty="0"/>
+              <a:t>Arp </a:t>
+            </a:r>
+            <a:r>
+              <a:rPr lang="nl-NL" sz="1800" dirty="0" err="1"/>
+              <a:t>Spoofing</a:t>
+            </a:r>
+            <a:endParaRPr lang="nl-NL" sz="1800" dirty="0"/>
+          </a:p>
+        </p:txBody>
+      </p:sp>
+      <p:grpSp>
+        <p:nvGrpSpPr>
+          <p:cNvPr id="13" name="Groep 12">
+            <a:extLst>
+              <a:ext uri="{FF2B5EF4-FFF2-40B4-BE49-F238E27FC236}">
+                <a16:creationId xmlns:a16="http://schemas.microsoft.com/office/drawing/2014/main" id="{EF8FA028-9C3F-403C-8BB0-1E5E5D5629A6}"/>
+              </a:ext>
+            </a:extLst>
+          </p:cNvPr>
+          <p:cNvGrpSpPr/>
+          <p:nvPr/>
+        </p:nvGrpSpPr>
+        <p:grpSpPr>
+          <a:xfrm>
+            <a:off x="1693185" y="1174800"/>
+            <a:ext cx="2251836" cy="1400530"/>
+            <a:chOff x="2667000" y="1143000"/>
+            <a:chExt cx="6858000" cy="4572000"/>
+          </a:xfrm>
+        </p:grpSpPr>
+        <p:pic>
+          <p:nvPicPr>
+            <p:cNvPr id="1026" name="Picture 2" descr="Afbeeldingsresultaat voor computer razerblade">
+              <a:extLst>
+                <a:ext uri="{FF2B5EF4-FFF2-40B4-BE49-F238E27FC236}">
+                  <a16:creationId xmlns:a16="http://schemas.microsoft.com/office/drawing/2014/main" id="{A8BBE771-0BF0-4657-87DF-B46171A91763}"/>
+                </a:ext>
+              </a:extLst>
+            </p:cNvPr>
+            <p:cNvPicPr>
+              <a:picLocks noChangeAspect="1" noChangeArrowheads="1"/>
+            </p:cNvPicPr>
+            <p:nvPr/>
+          </p:nvPicPr>
+          <p:blipFill>
+            <a:blip r:embed="rId3" cstate="print">
+              <a:duotone>
+                <a:prstClr val="black"/>
+                <a:srgbClr val="FF0000">
+                  <a:tint val="45000"/>
+                  <a:satMod val="400000"/>
+                </a:srgbClr>
+              </a:duotone>
+              <a:extLst>
+                <a:ext uri="{BEBA8EAE-BF5A-486C-A8C5-ECC9F3942E4B}">
+                  <a14:imgProps xmlns:a14="http://schemas.microsoft.com/office/drawing/2010/main">
+                    <a14:imgLayer r:embed="rId4">
+                      <a14:imgEffect>
+                        <a14:backgroundRemoval t="8958" b="90000" l="10000" r="90000">
+                          <a14:foregroundMark x1="28472" y1="50417" x2="15139" y2="88750"/>
+                          <a14:foregroundMark x1="15139" y1="88750" x2="37083" y2="91458"/>
+                          <a14:foregroundMark x1="37083" y1="91458" x2="51806" y2="88542"/>
+                          <a14:foregroundMark x1="51806" y1="88542" x2="77083" y2="90417"/>
+                          <a14:foregroundMark x1="77083" y1="90417" x2="84167" y2="88958"/>
+                          <a14:foregroundMark x1="84167" y1="88958" x2="84444" y2="77292"/>
+                          <a14:foregroundMark x1="84444" y1="77292" x2="79306" y2="67292"/>
+                          <a14:foregroundMark x1="79306" y1="67292" x2="74861" y2="27083"/>
+                          <a14:foregroundMark x1="74861" y1="27083" x2="74722" y2="16250"/>
+                          <a14:foregroundMark x1="74722" y1="16250" x2="68611" y2="11042"/>
+                          <a14:foregroundMark x1="68611" y1="11042" x2="61667" y2="8958"/>
+                          <a14:foregroundMark x1="61667" y1="8958" x2="39444" y2="12083"/>
+                          <a14:foregroundMark x1="39444" y1="12083" x2="29861" y2="10000"/>
+                        </a14:backgroundRemoval>
+                      </a14:imgEffect>
+                    </a14:imgLayer>
+                  </a14:imgProps>
+                </a:ext>
+                <a:ext uri="{28A0092B-C50C-407E-A947-70E740481C1C}">
+                  <a14:useLocalDpi xmlns:a14="http://schemas.microsoft.com/office/drawing/2010/main" val="0"/>
+                </a:ext>
+              </a:extLst>
+            </a:blip>
+            <a:srcRect/>
+            <a:stretch>
+              <a:fillRect/>
+            </a:stretch>
+          </p:blipFill>
+          <p:spPr bwMode="auto">
+            <a:xfrm>
+              <a:off x="2667000" y="1143000"/>
+              <a:ext cx="6858000" cy="4572000"/>
+            </a:xfrm>
+            <a:prstGeom prst="rect">
+              <a:avLst/>
+            </a:prstGeom>
+            <a:noFill/>
+            <a:extLst>
+              <a:ext uri="{909E8E84-426E-40DD-AFC4-6F175D3DCCD1}">
+                <a14:hiddenFill xmlns:a14="http://schemas.microsoft.com/office/drawing/2010/main">
+                  <a:solidFill>
+                    <a:srgbClr val="FFFFFF"/>
+                  </a:solidFill>
+                </a14:hiddenFill>
+              </a:ext>
+            </a:extLst>
+          </p:spPr>
+        </p:pic>
+        <p:sp>
+          <p:nvSpPr>
+            <p:cNvPr id="12" name="Rechthoek 11">
+              <a:extLst>
+                <a:ext uri="{FF2B5EF4-FFF2-40B4-BE49-F238E27FC236}">
+                  <a16:creationId xmlns:a16="http://schemas.microsoft.com/office/drawing/2014/main" id="{E92C533C-2713-426B-933C-69C055F20E83}"/>
+                </a:ext>
+              </a:extLst>
+            </p:cNvPr>
+            <p:cNvSpPr/>
+            <p:nvPr/>
+          </p:nvSpPr>
+          <p:spPr>
+            <a:xfrm>
+              <a:off x="4109662" y="1530849"/>
+              <a:ext cx="4027471" cy="2393879"/>
+            </a:xfrm>
+            <a:prstGeom prst="rect">
+              <a:avLst/>
+            </a:prstGeom>
+          </p:spPr>
+          <p:style>
+            <a:lnRef idx="2">
+              <a:schemeClr val="dk1">
+                <a:shade val="50000"/>
+              </a:schemeClr>
+            </a:lnRef>
+            <a:fillRef idx="1">
+              <a:schemeClr val="dk1"/>
+            </a:fillRef>
+            <a:effectRef idx="0">
+              <a:schemeClr val="dk1"/>
+            </a:effectRef>
+            <a:fontRef idx="minor">
+              <a:schemeClr val="lt1"/>
+            </a:fontRef>
+          </p:style>
+          <p:txBody>
+            <a:bodyPr rtlCol="0" anchor="ctr"/>
+            <a:lstStyle/>
+            <a:p>
+              <a:pPr algn="ctr"/>
+              <a:r>
+                <a:rPr lang="nl-NL" sz="2000" b="1" dirty="0">
+                  <a:solidFill>
+                    <a:srgbClr val="FF0000"/>
+                  </a:solidFill>
+                </a:rPr>
+                <a:t>HACKER</a:t>
+              </a:r>
+            </a:p>
+          </p:txBody>
+        </p:sp>
+      </p:grpSp>
+      <p:grpSp>
+        <p:nvGrpSpPr>
+          <p:cNvPr id="16" name="Groep 15">
+            <a:extLst>
+              <a:ext uri="{FF2B5EF4-FFF2-40B4-BE49-F238E27FC236}">
+                <a16:creationId xmlns:a16="http://schemas.microsoft.com/office/drawing/2014/main" id="{A0751BA8-8259-43A6-9062-78FE902E1DE6}"/>
+              </a:ext>
+            </a:extLst>
+          </p:cNvPr>
+          <p:cNvGrpSpPr/>
+          <p:nvPr/>
+        </p:nvGrpSpPr>
+        <p:grpSpPr>
+          <a:xfrm>
+            <a:off x="1153090" y="4977992"/>
+            <a:ext cx="2559333" cy="1233836"/>
+            <a:chOff x="5546977" y="2557328"/>
+            <a:chExt cx="3463459" cy="1877195"/>
+          </a:xfrm>
+        </p:grpSpPr>
+        <p:pic>
+          <p:nvPicPr>
+            <p:cNvPr id="14" name="Afbeelding 13">
+              <a:extLst>
+                <a:ext uri="{FF2B5EF4-FFF2-40B4-BE49-F238E27FC236}">
+                  <a16:creationId xmlns:a16="http://schemas.microsoft.com/office/drawing/2014/main" id="{54884391-9763-4752-9596-B2017AB49B9F}"/>
+                </a:ext>
+              </a:extLst>
+            </p:cNvPr>
+            <p:cNvPicPr>
+              <a:picLocks noChangeAspect="1"/>
+            </p:cNvPicPr>
+            <p:nvPr/>
+          </p:nvPicPr>
+          <p:blipFill>
+            <a:blip r:embed="rId5">
+              <a:extLst>
+                <a:ext uri="{BEBA8EAE-BF5A-486C-A8C5-ECC9F3942E4B}">
+                  <a14:imgProps xmlns:a14="http://schemas.microsoft.com/office/drawing/2010/main">
+                    <a14:imgLayer r:embed="rId6">
+                      <a14:imgEffect>
+                        <a14:backgroundRemoval t="0" b="97048" l="3800" r="90000">
+                          <a14:foregroundMark x1="24600" y1="16605" x2="17600" y2="11439"/>
+                          <a14:foregroundMark x1="17600" y1="16974" x2="18400" y2="52399"/>
+                          <a14:foregroundMark x1="16800" y1="11439" x2="25800" y2="3690"/>
+                          <a14:foregroundMark x1="25800" y1="3690" x2="48600" y2="0"/>
+                          <a14:foregroundMark x1="48600" y1="0" x2="64600" y2="738"/>
+                          <a14:foregroundMark x1="64600" y1="738" x2="66600" y2="2952"/>
+                          <a14:foregroundMark x1="44200" y1="59041" x2="44200" y2="59041"/>
+                          <a14:foregroundMark x1="47000" y1="59410" x2="67800" y2="57565"/>
+                          <a14:foregroundMark x1="67800" y1="57565" x2="69600" y2="2583"/>
+                          <a14:foregroundMark x1="48400" y1="57565" x2="18600" y2="54613"/>
+                          <a14:foregroundMark x1="34600" y1="59041" x2="34600" y2="59041"/>
+                          <a14:foregroundMark x1="34200" y1="59779" x2="30200" y2="61255"/>
+                          <a14:foregroundMark x1="29600" y1="61255" x2="28200" y2="61255"/>
+                          <a14:foregroundMark x1="25800" y1="59779" x2="25800" y2="59779"/>
+                          <a14:foregroundMark x1="24400" y1="59779" x2="23800" y2="59779"/>
+                          <a14:foregroundMark x1="22800" y1="59041" x2="22000" y2="58303"/>
+                          <a14:foregroundMark x1="17400" y1="10701" x2="25200" y2="369"/>
+                          <a14:foregroundMark x1="34600" y1="57934" x2="44800" y2="58672"/>
+                          <a14:foregroundMark x1="44800" y1="58672" x2="46400" y2="58303"/>
+                          <a14:foregroundMark x1="69200" y1="26199" x2="68400" y2="59779"/>
+                          <a14:foregroundMark x1="12400" y1="90037" x2="22800" y2="92989"/>
+                          <a14:foregroundMark x1="22800" y1="92989" x2="45600" y2="86716"/>
+                          <a14:foregroundMark x1="45600" y1="86716" x2="56600" y2="86716"/>
+                          <a14:foregroundMark x1="56600" y1="86716" x2="66200" y2="84871"/>
+                          <a14:foregroundMark x1="22000" y1="85609" x2="10800" y2="91144"/>
+                          <a14:foregroundMark x1="12200" y1="90775" x2="17400" y2="85240"/>
+                          <a14:foregroundMark x1="12600" y1="90406" x2="9000" y2="83395"/>
+                          <a14:foregroundMark x1="10200" y1="82657" x2="10200" y2="82657"/>
+                          <a14:foregroundMark x1="10200" y1="82657" x2="11600" y2="82657"/>
+                          <a14:foregroundMark x1="13600" y1="83395" x2="13600" y2="83395"/>
+                          <a14:foregroundMark x1="15200" y1="83764" x2="15800" y2="83764"/>
+                          <a14:foregroundMark x1="16800" y1="83764" x2="16800" y2="83764"/>
+                          <a14:foregroundMark x1="17200" y1="83764" x2="17200" y2="83764"/>
+                          <a14:foregroundMark x1="17000" y1="82288" x2="15000" y2="82288"/>
+                          <a14:foregroundMark x1="7200" y1="88192" x2="7600" y2="90775"/>
+                          <a14:foregroundMark x1="8200" y1="93358" x2="8200" y2="93358"/>
+                          <a14:foregroundMark x1="8200" y1="93358" x2="8200" y2="93358"/>
+                          <a14:foregroundMark x1="7800" y1="93358" x2="8600" y2="92989"/>
+                          <a14:foregroundMark x1="42600" y1="97048" x2="42600" y2="97048"/>
+                          <a14:foregroundMark x1="40000" y1="96679" x2="40000" y2="96679"/>
+                          <a14:foregroundMark x1="34400" y1="97048" x2="30800" y2="97048"/>
+                          <a14:foregroundMark x1="7800" y1="96679" x2="7800" y2="96679"/>
+                          <a14:foregroundMark x1="11800" y1="94834" x2="21800" y2="95941"/>
+                          <a14:foregroundMark x1="21800" y1="95941" x2="28600" y2="95203"/>
+                          <a14:foregroundMark x1="5400" y1="94834" x2="3800" y2="96310"/>
+                        </a14:backgroundRemoval>
+                      </a14:imgEffect>
+                    </a14:imgLayer>
+                  </a14:imgProps>
+                </a:ext>
+              </a:extLst>
+            </a:blip>
+            <a:stretch>
+              <a:fillRect/>
+            </a:stretch>
+          </p:blipFill>
+          <p:spPr>
+            <a:xfrm>
+              <a:off x="5546977" y="2557328"/>
+              <a:ext cx="3463459" cy="1877195"/>
+            </a:xfrm>
+            <a:prstGeom prst="rect">
+              <a:avLst/>
+            </a:prstGeom>
+          </p:spPr>
+        </p:pic>
+        <p:sp>
+          <p:nvSpPr>
+            <p:cNvPr id="15" name="Rechthoek 14">
+              <a:extLst>
+                <a:ext uri="{FF2B5EF4-FFF2-40B4-BE49-F238E27FC236}">
+                  <a16:creationId xmlns:a16="http://schemas.microsoft.com/office/drawing/2014/main" id="{E42915D5-BA79-46A9-A908-D57DF97E86F8}"/>
+                </a:ext>
+              </a:extLst>
+            </p:cNvPr>
+            <p:cNvSpPr/>
+            <p:nvPr/>
+          </p:nvSpPr>
+          <p:spPr>
+            <a:xfrm>
+              <a:off x="6185043" y="2557329"/>
+              <a:ext cx="1743184" cy="1110546"/>
+            </a:xfrm>
+            <a:prstGeom prst="rect">
+              <a:avLst/>
+            </a:prstGeom>
+          </p:spPr>
+          <p:style>
+            <a:lnRef idx="2">
+              <a:schemeClr val="dk1">
+                <a:shade val="50000"/>
+              </a:schemeClr>
+            </a:lnRef>
+            <a:fillRef idx="1">
+              <a:schemeClr val="dk1"/>
+            </a:fillRef>
+            <a:effectRef idx="0">
+              <a:schemeClr val="dk1"/>
+            </a:effectRef>
+            <a:fontRef idx="minor">
+              <a:schemeClr val="lt1"/>
+            </a:fontRef>
+          </p:style>
+          <p:txBody>
+            <a:bodyPr rtlCol="0" anchor="ctr"/>
+            <a:lstStyle/>
+            <a:p>
+              <a:pPr algn="ctr"/>
+              <a:r>
+                <a:rPr lang="nl-NL" sz="2400" b="1" dirty="0"/>
+                <a:t>Doelwit</a:t>
+              </a:r>
+            </a:p>
+          </p:txBody>
+        </p:sp>
+      </p:grpSp>
+      <p:pic>
+        <p:nvPicPr>
+          <p:cNvPr id="17" name="Afbeelding 16">
+            <a:extLst>
+              <a:ext uri="{FF2B5EF4-FFF2-40B4-BE49-F238E27FC236}">
+                <a16:creationId xmlns:a16="http://schemas.microsoft.com/office/drawing/2014/main" id="{7D0B8662-4BC1-4E5B-91FA-1F844390027C}"/>
+              </a:ext>
+            </a:extLst>
+          </p:cNvPr>
+          <p:cNvPicPr>
+            <a:picLocks noChangeAspect="1"/>
+          </p:cNvPicPr>
+          <p:nvPr/>
+        </p:nvPicPr>
+        <p:blipFill>
+          <a:blip r:embed="rId7">
+            <a:extLst>
+              <a:ext uri="{BEBA8EAE-BF5A-486C-A8C5-ECC9F3942E4B}">
+                <a14:imgProps xmlns:a14="http://schemas.microsoft.com/office/drawing/2010/main">
+                  <a14:imgLayer r:embed="rId8">
+                    <a14:imgEffect>
+                      <a14:backgroundRemoval t="3077" b="97179" l="5450" r="94313">
+                        <a14:foregroundMark x1="12559" y1="24103" x2="6635" y2="10000"/>
+                        <a14:foregroundMark x1="50000" y1="12564" x2="50000" y2="3077"/>
+                        <a14:foregroundMark x1="73697" y1="51538" x2="76540" y2="38462"/>
+                        <a14:foregroundMark x1="76540" y1="38462" x2="94313" y2="9231"/>
+                        <a14:foregroundMark x1="74645" y1="86410" x2="63033" y2="90256"/>
+                        <a14:foregroundMark x1="63033" y1="90256" x2="50474" y2="89744"/>
+                        <a14:foregroundMark x1="50474" y1="89744" x2="38389" y2="92564"/>
+                        <a14:foregroundMark x1="38389" y1="92564" x2="30095" y2="92051"/>
+                        <a14:foregroundMark x1="50711" y1="97179" x2="50711" y2="97179"/>
+                        <a14:foregroundMark x1="50474" y1="97179" x2="48578" y2="96923"/>
+                        <a14:foregroundMark x1="48578" y1="96923" x2="46445" y2="96410"/>
+                      </a14:backgroundRemoval>
+                    </a14:imgEffect>
+                  </a14:imgLayer>
+                </a14:imgProps>
+              </a:ext>
+            </a:extLst>
+          </a:blip>
+          <a:stretch>
+            <a:fillRect/>
+          </a:stretch>
+        </p:blipFill>
+        <p:spPr>
+          <a:xfrm>
+            <a:off x="7213417" y="2174286"/>
+            <a:ext cx="1875652" cy="1733422"/>
+          </a:xfrm>
+          <a:prstGeom prst="rect">
+            <a:avLst/>
+          </a:prstGeom>
+        </p:spPr>
+      </p:pic>
+      <p:pic>
+        <p:nvPicPr>
+          <p:cNvPr id="18" name="Afbeelding 17">
+            <a:extLst>
+              <a:ext uri="{FF2B5EF4-FFF2-40B4-BE49-F238E27FC236}">
+                <a16:creationId xmlns:a16="http://schemas.microsoft.com/office/drawing/2014/main" id="{9567991A-A0CF-48D8-A804-0B8A7FEA6765}"/>
+              </a:ext>
+            </a:extLst>
+          </p:cNvPr>
+          <p:cNvPicPr>
+            <a:picLocks noChangeAspect="1"/>
+          </p:cNvPicPr>
+          <p:nvPr/>
+        </p:nvPicPr>
+        <p:blipFill>
+          <a:blip r:embed="rId9">
+            <a:extLst>
+              <a:ext uri="{BEBA8EAE-BF5A-486C-A8C5-ECC9F3942E4B}">
+                <a14:imgProps xmlns:a14="http://schemas.microsoft.com/office/drawing/2010/main">
+                  <a14:imgLayer r:embed="rId10">
+                    <a14:imgEffect>
+                      <a14:backgroundRemoval t="10000" b="90000" l="10000" r="90000">
+                        <a14:foregroundMark x1="10547" y1="36230" x2="10742" y2="28809"/>
+                        <a14:foregroundMark x1="10742" y1="28809" x2="15625" y2="23242"/>
+                        <a14:foregroundMark x1="15625" y1="23242" x2="21875" y2="19434"/>
+                        <a14:foregroundMark x1="21875" y1="19434" x2="25879" y2="18555"/>
+                        <a14:foregroundMark x1="24512" y1="19629" x2="21191" y2="16016"/>
+                        <a14:foregroundMark x1="25098" y1="18262" x2="25098" y2="17871"/>
+                      </a14:backgroundRemoval>
+                    </a14:imgEffect>
+                  </a14:imgLayer>
+                </a14:imgProps>
+              </a:ext>
+            </a:extLst>
+          </a:blip>
+          <a:stretch>
+            <a:fillRect/>
+          </a:stretch>
+        </p:blipFill>
+        <p:spPr>
+          <a:xfrm>
+            <a:off x="10845436" y="2082436"/>
+            <a:ext cx="2693128" cy="2693128"/>
+          </a:xfrm>
+          <a:prstGeom prst="rect">
+            <a:avLst/>
+          </a:prstGeom>
+        </p:spPr>
+      </p:pic>
+      <p:cxnSp>
+        <p:nvCxnSpPr>
+          <p:cNvPr id="8" name="Rechte verbindingslijn met pijl 7">
+            <a:extLst>
+              <a:ext uri="{FF2B5EF4-FFF2-40B4-BE49-F238E27FC236}">
+                <a16:creationId xmlns:a16="http://schemas.microsoft.com/office/drawing/2014/main" id="{D59D01F2-51A9-4BDE-9711-45D2F22DA41A}"/>
+              </a:ext>
+            </a:extLst>
+          </p:cNvPr>
+          <p:cNvCxnSpPr>
+            <a:endCxn id="18" idx="1"/>
+          </p:cNvCxnSpPr>
+          <p:nvPr/>
+        </p:nvCxnSpPr>
+        <p:spPr>
+          <a:xfrm>
+            <a:off x="9089069" y="3429000"/>
+            <a:ext cx="1756367" cy="0"/>
+          </a:xfrm>
+          <a:prstGeom prst="straightConnector1">
+            <a:avLst/>
+          </a:prstGeom>
+          <a:ln w="76200">
+            <a:solidFill>
+              <a:srgbClr val="0070C0"/>
+            </a:solidFill>
+            <a:headEnd type="triangle"/>
+            <a:tailEnd type="triangle"/>
+          </a:ln>
+        </p:spPr>
+        <p:style>
+          <a:lnRef idx="3">
+            <a:schemeClr val="dk1"/>
+          </a:lnRef>
+          <a:fillRef idx="0">
+            <a:schemeClr val="dk1"/>
+          </a:fillRef>
+          <a:effectRef idx="2">
+            <a:schemeClr val="dk1"/>
+          </a:effectRef>
+          <a:fontRef idx="minor">
+            <a:schemeClr val="tx1"/>
+          </a:fontRef>
+        </p:style>
+      </p:cxnSp>
+      <p:sp>
+        <p:nvSpPr>
+          <p:cNvPr id="26" name="Vrije vorm: vorm 25">
+            <a:extLst>
+              <a:ext uri="{FF2B5EF4-FFF2-40B4-BE49-F238E27FC236}">
+                <a16:creationId xmlns:a16="http://schemas.microsoft.com/office/drawing/2014/main" id="{18F3C64D-A28E-420D-AF14-0FCA32378C1C}"/>
+              </a:ext>
+            </a:extLst>
+          </p:cNvPr>
+          <p:cNvSpPr/>
+          <p:nvPr/>
+        </p:nvSpPr>
+        <p:spPr>
+          <a:xfrm>
+            <a:off x="4098876" y="2174286"/>
+            <a:ext cx="2897312" cy="924674"/>
+          </a:xfrm>
+          <a:custGeom>
+            <a:avLst/>
+            <a:gdLst>
+              <a:gd name="connsiteX0" fmla="*/ 2897312 w 2897312"/>
+              <a:gd name="connsiteY0" fmla="*/ 924674 h 924674"/>
+              <a:gd name="connsiteX1" fmla="*/ 1643865 w 2897312"/>
+              <a:gd name="connsiteY1" fmla="*/ 184935 h 924674"/>
+              <a:gd name="connsiteX2" fmla="*/ 0 w 2897312"/>
+              <a:gd name="connsiteY2" fmla="*/ 0 h 924674"/>
+            </a:gdLst>
+            <a:ahLst/>
+            <a:cxnLst>
+              <a:cxn ang="0">
+                <a:pos x="connsiteX0" y="connsiteY0"/>
+              </a:cxn>
+              <a:cxn ang="0">
+                <a:pos x="connsiteX1" y="connsiteY1"/>
+              </a:cxn>
+              <a:cxn ang="0">
+                <a:pos x="connsiteX2" y="connsiteY2"/>
+              </a:cxn>
+            </a:cxnLst>
+            <a:rect l="l" t="t" r="r" b="b"/>
+            <a:pathLst>
+              <a:path w="2897312" h="924674">
+                <a:moveTo>
+                  <a:pt x="2897312" y="924674"/>
+                </a:moveTo>
+                <a:cubicBezTo>
+                  <a:pt x="2512031" y="631860"/>
+                  <a:pt x="2126750" y="339047"/>
+                  <a:pt x="1643865" y="184935"/>
+                </a:cubicBezTo>
+                <a:cubicBezTo>
+                  <a:pt x="1160980" y="30823"/>
+                  <a:pt x="251717" y="27398"/>
+                  <a:pt x="0" y="0"/>
+                </a:cubicBezTo>
+              </a:path>
+            </a:pathLst>
+          </a:custGeom>
+          <a:noFill/>
+          <a:ln w="28575">
+            <a:solidFill>
+              <a:schemeClr val="tx1"/>
+            </a:solidFill>
+            <a:headEnd type="none" w="med" len="med"/>
+            <a:tailEnd type="arrow" w="med" len="med"/>
+          </a:ln>
+        </p:spPr>
+        <p:style>
+          <a:lnRef idx="2">
+            <a:schemeClr val="accent1">
+              <a:shade val="50000"/>
+            </a:schemeClr>
+          </a:lnRef>
+          <a:fillRef idx="1">
+            <a:schemeClr val="accent1"/>
+          </a:fillRef>
+          <a:effectRef idx="0">
+            <a:schemeClr val="accent1"/>
+          </a:effectRef>
+          <a:fontRef idx="minor">
+            <a:schemeClr val="lt1"/>
+          </a:fontRef>
+        </p:style>
+        <p:txBody>
+          <a:bodyPr rtlCol="0" anchor="ctr"/>
+          <a:lstStyle/>
+          <a:p>
+            <a:pPr algn="ctr"/>
+            <a:endParaRPr lang="nl-NL"/>
+          </a:p>
+        </p:txBody>
+      </p:sp>
+      <p:sp>
+        <p:nvSpPr>
+          <p:cNvPr id="28" name="Vrije vorm: vorm 27">
+            <a:extLst>
+              <a:ext uri="{FF2B5EF4-FFF2-40B4-BE49-F238E27FC236}">
+                <a16:creationId xmlns:a16="http://schemas.microsoft.com/office/drawing/2014/main" id="{68E98539-0C13-47FC-984D-9CB49D9B6EEF}"/>
+              </a:ext>
+            </a:extLst>
+          </p:cNvPr>
+          <p:cNvSpPr/>
+          <p:nvPr/>
+        </p:nvSpPr>
+        <p:spPr>
+          <a:xfrm rot="10800000">
+            <a:off x="4098876" y="2499575"/>
+            <a:ext cx="2897312" cy="924674"/>
+          </a:xfrm>
+          <a:custGeom>
+            <a:avLst/>
+            <a:gdLst>
+              <a:gd name="connsiteX0" fmla="*/ 2897312 w 2897312"/>
+              <a:gd name="connsiteY0" fmla="*/ 924674 h 924674"/>
+              <a:gd name="connsiteX1" fmla="*/ 1643865 w 2897312"/>
+              <a:gd name="connsiteY1" fmla="*/ 184935 h 924674"/>
+              <a:gd name="connsiteX2" fmla="*/ 0 w 2897312"/>
+              <a:gd name="connsiteY2" fmla="*/ 0 h 924674"/>
+              <a:gd name="connsiteX0" fmla="*/ 2897312 w 2897312"/>
+              <a:gd name="connsiteY0" fmla="*/ 924674 h 924674"/>
+              <a:gd name="connsiteX1" fmla="*/ 1613042 w 2897312"/>
+              <a:gd name="connsiteY1" fmla="*/ 297951 h 924674"/>
+              <a:gd name="connsiteX2" fmla="*/ 0 w 2897312"/>
+              <a:gd name="connsiteY2" fmla="*/ 0 h 924674"/>
+            </a:gdLst>
+            <a:ahLst/>
+            <a:cxnLst>
+              <a:cxn ang="0">
+                <a:pos x="connsiteX0" y="connsiteY0"/>
+              </a:cxn>
+              <a:cxn ang="0">
+                <a:pos x="connsiteX1" y="connsiteY1"/>
+              </a:cxn>
+              <a:cxn ang="0">
+                <a:pos x="connsiteX2" y="connsiteY2"/>
+              </a:cxn>
+            </a:cxnLst>
+            <a:rect l="l" t="t" r="r" b="b"/>
+            <a:pathLst>
+              <a:path w="2897312" h="924674">
+                <a:moveTo>
+                  <a:pt x="2897312" y="924674"/>
+                </a:moveTo>
+                <a:cubicBezTo>
+                  <a:pt x="2512031" y="631860"/>
+                  <a:pt x="2095927" y="452063"/>
+                  <a:pt x="1613042" y="297951"/>
+                </a:cubicBezTo>
+                <a:cubicBezTo>
+                  <a:pt x="1130157" y="143839"/>
+                  <a:pt x="251717" y="27398"/>
+                  <a:pt x="0" y="0"/>
+                </a:cubicBezTo>
+              </a:path>
+            </a:pathLst>
+          </a:custGeom>
+          <a:noFill/>
+          <a:ln w="28575">
+            <a:solidFill>
+              <a:schemeClr val="tx1"/>
+            </a:solidFill>
+            <a:headEnd type="none" w="med" len="med"/>
+            <a:tailEnd type="arrow" w="med" len="med"/>
+          </a:ln>
+        </p:spPr>
+        <p:style>
+          <a:lnRef idx="2">
+            <a:schemeClr val="accent1">
+              <a:shade val="50000"/>
+            </a:schemeClr>
+          </a:lnRef>
+          <a:fillRef idx="1">
+            <a:schemeClr val="accent1"/>
+          </a:fillRef>
+          <a:effectRef idx="0">
+            <a:schemeClr val="accent1"/>
+          </a:effectRef>
+          <a:fontRef idx="minor">
+            <a:schemeClr val="lt1"/>
+          </a:fontRef>
+        </p:style>
+        <p:txBody>
+          <a:bodyPr rtlCol="0" anchor="ctr"/>
+          <a:lstStyle/>
+          <a:p>
+            <a:pPr algn="ctr"/>
+            <a:endParaRPr lang="nl-NL"/>
+          </a:p>
+        </p:txBody>
+      </p:sp>
+      <p:sp>
+        <p:nvSpPr>
+          <p:cNvPr id="31" name="Vrije vorm: vorm 30">
+            <a:extLst>
+              <a:ext uri="{FF2B5EF4-FFF2-40B4-BE49-F238E27FC236}">
+                <a16:creationId xmlns:a16="http://schemas.microsoft.com/office/drawing/2014/main" id="{B7B74615-70DA-4A07-9FE4-22D7EB832CDC}"/>
+              </a:ext>
+            </a:extLst>
+          </p:cNvPr>
+          <p:cNvSpPr/>
+          <p:nvPr/>
+        </p:nvSpPr>
+        <p:spPr>
+          <a:xfrm rot="19292124" flipV="1">
+            <a:off x="2163366" y="2950808"/>
+            <a:ext cx="1619079" cy="1570768"/>
+          </a:xfrm>
+          <a:custGeom>
+            <a:avLst/>
+            <a:gdLst>
+              <a:gd name="connsiteX0" fmla="*/ 2897312 w 2897312"/>
+              <a:gd name="connsiteY0" fmla="*/ 924674 h 924674"/>
+              <a:gd name="connsiteX1" fmla="*/ 1643865 w 2897312"/>
+              <a:gd name="connsiteY1" fmla="*/ 184935 h 924674"/>
+              <a:gd name="connsiteX2" fmla="*/ 0 w 2897312"/>
+              <a:gd name="connsiteY2" fmla="*/ 0 h 924674"/>
+              <a:gd name="connsiteX0" fmla="*/ 2897312 w 2897312"/>
+              <a:gd name="connsiteY0" fmla="*/ 924674 h 924674"/>
+              <a:gd name="connsiteX1" fmla="*/ 1869193 w 2897312"/>
+              <a:gd name="connsiteY1" fmla="*/ 353534 h 924674"/>
+              <a:gd name="connsiteX2" fmla="*/ 0 w 2897312"/>
+              <a:gd name="connsiteY2" fmla="*/ 0 h 924674"/>
+              <a:gd name="connsiteX0" fmla="*/ 2727468 w 2727468"/>
+              <a:gd name="connsiteY0" fmla="*/ 881270 h 881270"/>
+              <a:gd name="connsiteX1" fmla="*/ 1699349 w 2727468"/>
+              <a:gd name="connsiteY1" fmla="*/ 310130 h 881270"/>
+              <a:gd name="connsiteX2" fmla="*/ 0 w 2727468"/>
+              <a:gd name="connsiteY2" fmla="*/ 0 h 881270"/>
+            </a:gdLst>
+            <a:ahLst/>
+            <a:cxnLst>
+              <a:cxn ang="0">
+                <a:pos x="connsiteX0" y="connsiteY0"/>
+              </a:cxn>
+              <a:cxn ang="0">
+                <a:pos x="connsiteX1" y="connsiteY1"/>
+              </a:cxn>
+              <a:cxn ang="0">
+                <a:pos x="connsiteX2" y="connsiteY2"/>
+              </a:cxn>
+            </a:cxnLst>
+            <a:rect l="l" t="t" r="r" b="b"/>
+            <a:pathLst>
+              <a:path w="2727468" h="881270">
+                <a:moveTo>
+                  <a:pt x="2727468" y="881270"/>
+                </a:moveTo>
+                <a:cubicBezTo>
+                  <a:pt x="2342187" y="588456"/>
+                  <a:pt x="2153927" y="457008"/>
+                  <a:pt x="1699349" y="310130"/>
+                </a:cubicBezTo>
+                <a:cubicBezTo>
+                  <a:pt x="1244771" y="163252"/>
+                  <a:pt x="251717" y="27398"/>
+                  <a:pt x="0" y="0"/>
+                </a:cubicBezTo>
+              </a:path>
+            </a:pathLst>
+          </a:custGeom>
+          <a:noFill/>
+          <a:ln w="28575">
+            <a:solidFill>
+              <a:schemeClr val="tx1"/>
+            </a:solidFill>
+            <a:headEnd type="none" w="med" len="med"/>
+            <a:tailEnd type="arrow" w="med" len="med"/>
+          </a:ln>
+        </p:spPr>
+        <p:style>
+          <a:lnRef idx="2">
+            <a:schemeClr val="accent1">
+              <a:shade val="50000"/>
+            </a:schemeClr>
+          </a:lnRef>
+          <a:fillRef idx="1">
+            <a:schemeClr val="accent1"/>
+          </a:fillRef>
+          <a:effectRef idx="0">
+            <a:schemeClr val="accent1"/>
+          </a:effectRef>
+          <a:fontRef idx="minor">
+            <a:schemeClr val="lt1"/>
+          </a:fontRef>
+        </p:style>
+        <p:txBody>
+          <a:bodyPr rtlCol="0" anchor="ctr"/>
+          <a:lstStyle/>
+          <a:p>
+            <a:pPr algn="ctr"/>
+            <a:endParaRPr lang="nl-NL"/>
+          </a:p>
+        </p:txBody>
+      </p:sp>
+      <p:sp>
+        <p:nvSpPr>
+          <p:cNvPr id="27" name="Tekstvak 26">
+            <a:extLst>
+              <a:ext uri="{FF2B5EF4-FFF2-40B4-BE49-F238E27FC236}">
+                <a16:creationId xmlns:a16="http://schemas.microsoft.com/office/drawing/2014/main" id="{27175844-C59F-45C6-A1AF-4CB47336CCFE}"/>
+              </a:ext>
+            </a:extLst>
+          </p:cNvPr>
+          <p:cNvSpPr txBox="1"/>
+          <p:nvPr/>
+        </p:nvSpPr>
+        <p:spPr>
+          <a:xfrm rot="1216658">
+            <a:off x="4664254" y="3117271"/>
+            <a:ext cx="1633591" cy="400110"/>
+          </a:xfrm>
+          <a:prstGeom prst="rect">
+            <a:avLst/>
+          </a:prstGeom>
+          <a:noFill/>
+        </p:spPr>
+        <p:txBody>
+          <a:bodyPr wrap="square" rtlCol="0">
+            <a:spAutoFit/>
+          </a:bodyPr>
+          <a:lstStyle/>
+          <a:p>
+            <a:r>
+              <a:rPr lang="nl-NL" sz="2000" b="1" dirty="0">
+                <a:solidFill>
+                  <a:srgbClr val="00B0F0"/>
+                </a:solidFill>
+                <a:effectLst>
+                  <a:outerShdw blurRad="38100" dist="38100" dir="2700000" algn="tl">
+                    <a:srgbClr val="000000">
+                      <a:alpha val="43137"/>
+                    </a:srgbClr>
+                  </a:outerShdw>
+                </a:effectLst>
+              </a:rPr>
+              <a:t>Verzoek</a:t>
+            </a:r>
+          </a:p>
+        </p:txBody>
+      </p:sp>
+      <p:sp>
+        <p:nvSpPr>
+          <p:cNvPr id="33" name="Tekstvak 32">
+            <a:extLst>
+              <a:ext uri="{FF2B5EF4-FFF2-40B4-BE49-F238E27FC236}">
+                <a16:creationId xmlns:a16="http://schemas.microsoft.com/office/drawing/2014/main" id="{D6B27B67-3C7E-43B0-9867-49C38FC1DA6D}"/>
+              </a:ext>
+            </a:extLst>
+          </p:cNvPr>
+          <p:cNvSpPr txBox="1"/>
+          <p:nvPr/>
+        </p:nvSpPr>
+        <p:spPr>
+          <a:xfrm rot="5400000">
+            <a:off x="1005506" y="3723824"/>
+            <a:ext cx="1633591" cy="400110"/>
+          </a:xfrm>
+          <a:prstGeom prst="rect">
+            <a:avLst/>
+          </a:prstGeom>
+          <a:noFill/>
+        </p:spPr>
+        <p:txBody>
+          <a:bodyPr wrap="square" rtlCol="0">
+            <a:spAutoFit/>
+          </a:bodyPr>
+          <a:lstStyle/>
+          <a:p>
+            <a:r>
+              <a:rPr lang="nl-NL" sz="2000" b="1" dirty="0">
+                <a:solidFill>
+                  <a:srgbClr val="00B0F0"/>
+                </a:solidFill>
+                <a:effectLst>
+                  <a:outerShdw blurRad="38100" dist="38100" dir="2700000" algn="tl">
+                    <a:srgbClr val="000000">
+                      <a:alpha val="43137"/>
+                    </a:srgbClr>
+                  </a:outerShdw>
+                </a:effectLst>
+              </a:rPr>
+              <a:t>Verzoek</a:t>
+            </a:r>
+          </a:p>
+        </p:txBody>
+      </p:sp>
+      <p:sp>
+        <p:nvSpPr>
+          <p:cNvPr id="34" name="Tekstvak 33">
+            <a:extLst>
+              <a:ext uri="{FF2B5EF4-FFF2-40B4-BE49-F238E27FC236}">
+                <a16:creationId xmlns:a16="http://schemas.microsoft.com/office/drawing/2014/main" id="{9A830D31-1DA9-46E4-BEA0-02FD1E9E2A3F}"/>
+              </a:ext>
+            </a:extLst>
+          </p:cNvPr>
+          <p:cNvSpPr txBox="1"/>
+          <p:nvPr/>
+        </p:nvSpPr>
+        <p:spPr>
+          <a:xfrm rot="5400000">
+            <a:off x="2680548" y="3635468"/>
+            <a:ext cx="1633591" cy="400110"/>
+          </a:xfrm>
+          <a:prstGeom prst="rect">
+            <a:avLst/>
+          </a:prstGeom>
+          <a:noFill/>
+        </p:spPr>
+        <p:txBody>
+          <a:bodyPr wrap="square" rtlCol="0">
+            <a:spAutoFit/>
+          </a:bodyPr>
+          <a:lstStyle/>
+          <a:p>
+            <a:r>
+              <a:rPr lang="nl-NL" sz="2000" b="1" dirty="0">
+                <a:solidFill>
+                  <a:srgbClr val="FFC000"/>
+                </a:solidFill>
+                <a:effectLst>
+                  <a:outerShdw blurRad="38100" dist="38100" dir="2700000" algn="tl">
+                    <a:srgbClr val="000000">
+                      <a:alpha val="43137"/>
+                    </a:srgbClr>
+                  </a:outerShdw>
+                </a:effectLst>
+              </a:rPr>
+              <a:t>Antwoord</a:t>
+            </a:r>
+          </a:p>
+        </p:txBody>
+      </p:sp>
+      <p:sp>
+        <p:nvSpPr>
+          <p:cNvPr id="35" name="Tekstvak 34">
+            <a:extLst>
+              <a:ext uri="{FF2B5EF4-FFF2-40B4-BE49-F238E27FC236}">
+                <a16:creationId xmlns:a16="http://schemas.microsoft.com/office/drawing/2014/main" id="{951EFBEE-2BCB-484A-B32D-3EEED844577C}"/>
+              </a:ext>
+            </a:extLst>
+          </p:cNvPr>
+          <p:cNvSpPr txBox="1"/>
+          <p:nvPr/>
+        </p:nvSpPr>
+        <p:spPr>
+          <a:xfrm rot="1002512">
+            <a:off x="5108365" y="2035410"/>
+            <a:ext cx="1633591" cy="400110"/>
+          </a:xfrm>
+          <a:prstGeom prst="rect">
+            <a:avLst/>
+          </a:prstGeom>
+          <a:noFill/>
+        </p:spPr>
+        <p:txBody>
+          <a:bodyPr wrap="square" rtlCol="0">
+            <a:spAutoFit/>
+          </a:bodyPr>
+          <a:lstStyle/>
+          <a:p>
+            <a:r>
+              <a:rPr lang="nl-NL" sz="2000" b="1" dirty="0">
+                <a:solidFill>
+                  <a:srgbClr val="FFC000"/>
+                </a:solidFill>
+                <a:effectLst>
+                  <a:outerShdw blurRad="38100" dist="38100" dir="2700000" algn="tl">
+                    <a:srgbClr val="000000">
+                      <a:alpha val="43137"/>
+                    </a:srgbClr>
+                  </a:outerShdw>
+                </a:effectLst>
+              </a:rPr>
+              <a:t>Antwoord</a:t>
+            </a:r>
+          </a:p>
+        </p:txBody>
+      </p:sp>
+      <p:sp>
+        <p:nvSpPr>
+          <p:cNvPr id="3" name="Vrije vorm: vorm 2">
+            <a:extLst>
+              <a:ext uri="{FF2B5EF4-FFF2-40B4-BE49-F238E27FC236}">
+                <a16:creationId xmlns:a16="http://schemas.microsoft.com/office/drawing/2014/main" id="{08760AC4-088A-49DC-8DB8-684C27E24F0D}"/>
+              </a:ext>
+            </a:extLst>
+          </p:cNvPr>
+          <p:cNvSpPr/>
+          <p:nvPr/>
+        </p:nvSpPr>
+        <p:spPr>
+          <a:xfrm>
+            <a:off x="2020099" y="2609636"/>
+            <a:ext cx="342957" cy="2188395"/>
+          </a:xfrm>
+          <a:custGeom>
+            <a:avLst/>
+            <a:gdLst>
+              <a:gd name="connsiteX0" fmla="*/ 188845 w 342957"/>
+              <a:gd name="connsiteY0" fmla="*/ 2188395 h 2188395"/>
+              <a:gd name="connsiteX1" fmla="*/ 3910 w 342957"/>
+              <a:gd name="connsiteY1" fmla="*/ 1047964 h 2188395"/>
+              <a:gd name="connsiteX2" fmla="*/ 342957 w 342957"/>
+              <a:gd name="connsiteY2" fmla="*/ 0 h 2188395"/>
+            </a:gdLst>
+            <a:ahLst/>
+            <a:cxnLst>
+              <a:cxn ang="0">
+                <a:pos x="connsiteX0" y="connsiteY0"/>
+              </a:cxn>
+              <a:cxn ang="0">
+                <a:pos x="connsiteX1" y="connsiteY1"/>
+              </a:cxn>
+              <a:cxn ang="0">
+                <a:pos x="connsiteX2" y="connsiteY2"/>
+              </a:cxn>
+            </a:cxnLst>
+            <a:rect l="l" t="t" r="r" b="b"/>
+            <a:pathLst>
+              <a:path w="342957" h="2188395">
+                <a:moveTo>
+                  <a:pt x="188845" y="2188395"/>
+                </a:moveTo>
+                <a:cubicBezTo>
+                  <a:pt x="83535" y="1800545"/>
+                  <a:pt x="-21775" y="1412696"/>
+                  <a:pt x="3910" y="1047964"/>
+                </a:cubicBezTo>
+                <a:cubicBezTo>
+                  <a:pt x="29595" y="683232"/>
+                  <a:pt x="277887" y="195209"/>
+                  <a:pt x="342957" y="0"/>
+                </a:cubicBezTo>
+              </a:path>
+            </a:pathLst>
+          </a:custGeom>
+          <a:noFill/>
+          <a:ln w="28575">
+            <a:solidFill>
+              <a:schemeClr val="tx1"/>
+            </a:solidFill>
+            <a:headEnd type="none" w="med" len="med"/>
+            <a:tailEnd type="arrow" w="med" len="med"/>
+          </a:ln>
+        </p:spPr>
+        <p:style>
+          <a:lnRef idx="2">
+            <a:schemeClr val="accent1">
+              <a:shade val="50000"/>
+            </a:schemeClr>
+          </a:lnRef>
+          <a:fillRef idx="1">
+            <a:schemeClr val="accent1"/>
+          </a:fillRef>
+          <a:effectRef idx="0">
+            <a:schemeClr val="accent1"/>
+          </a:effectRef>
+          <a:fontRef idx="minor">
+            <a:schemeClr val="lt1"/>
+          </a:fontRef>
+        </p:style>
+        <p:txBody>
+          <a:bodyPr rtlCol="0" anchor="ctr"/>
+          <a:lstStyle/>
+          <a:p>
+            <a:pPr algn="ctr"/>
+            <a:endParaRPr lang="nl-NL"/>
+          </a:p>
+        </p:txBody>
+      </p:sp>
+    </p:spTree>
+    <p:extLst>
+      <p:ext uri="{BB962C8B-B14F-4D97-AF65-F5344CB8AC3E}">
+        <p14:creationId xmlns:p14="http://schemas.microsoft.com/office/powerpoint/2010/main" val="2478428771"/>
+      </p:ext>
+    </p:extLst>
+  </p:cSld>
+  <p:clrMapOvr>
+    <a:masterClrMapping/>
+  </p:clrMapOvr>
+  <p:transition spd="slow">
+    <p:wipe/>
+  </p:transition>
+  <p:timing>
+    <p:tnLst>
+      <p:par>
+        <p:cTn id="1" dur="indefinite" restart="never" nodeType="tmRoot">
+          <p:childTnLst>
+            <p:seq concurrent="1" nextAc="seek">
+              <p:cTn id="2" dur="indefinite" nodeType="mainSeq">
+                <p:childTnLst>
+                  <p:par>
+                    <p:cTn id="3" fill="hold">
+                      <p:stCondLst>
+                        <p:cond delay="indefinite"/>
+                      </p:stCondLst>
+                      <p:childTnLst>
+                        <p:par>
+                          <p:cTn id="4" fill="hold">
+                            <p:stCondLst>
+                              <p:cond delay="0"/>
+                            </p:stCondLst>
+                            <p:childTnLst>
+                              <p:par>
+                                <p:cTn id="5" presetID="10" presetClass="entr" presetSubtype="0" fill="hold" grpId="0" nodeType="clickEffect">
+                                  <p:stCondLst>
+                                    <p:cond delay="0"/>
+                                  </p:stCondLst>
+                                  <p:childTnLst>
+                                    <p:set>
+                                      <p:cBhvr>
+                                        <p:cTn id="6" dur="1" fill="hold">
+                                          <p:stCondLst>
+                                            <p:cond delay="0"/>
+                                          </p:stCondLst>
+                                        </p:cTn>
+                                        <p:tgtEl>
+                                          <p:spTgt spid="2"/>
+                                        </p:tgtEl>
+                                        <p:attrNameLst>
+                                          <p:attrName>style.visibility</p:attrName>
+                                        </p:attrNameLst>
+                                      </p:cBhvr>
+                                      <p:to>
+                                        <p:strVal val="visible"/>
+                                      </p:to>
+                                    </p:set>
+                                    <p:animEffect transition="in" filter="fade">
+                                      <p:cBhvr>
+                                        <p:cTn id="7" dur="500"/>
+                                        <p:tgtEl>
+                                          <p:spTgt spid="2"/>
+                                        </p:tgtEl>
+                                      </p:cBhvr>
+                                    </p:animEffect>
+                                  </p:childTnLst>
+                                </p:cTn>
+                              </p:par>
+                              <p:par>
+                                <p:cTn id="8" presetID="24" presetClass="emph" presetSubtype="0" fill="hold" grpId="1" nodeType="withEffect">
+                                  <p:stCondLst>
+                                    <p:cond delay="0"/>
+                                  </p:stCondLst>
+                                  <p:childTnLst>
+                                    <p:animClr clrSpc="hsl" dir="cw">
+                                      <p:cBhvr override="childStyle">
+                                        <p:cTn id="9" dur="1000" fill="hold"/>
+                                        <p:tgtEl>
+                                          <p:spTgt spid="2"/>
+                                        </p:tgtEl>
+                                        <p:attrNameLst>
+                                          <p:attrName>style.color</p:attrName>
+                                        </p:attrNameLst>
+                                      </p:cBhvr>
+                                      <p:by>
+                                        <p:hsl h="0" s="-12549" l="-25098"/>
+                                      </p:by>
+                                    </p:animClr>
+                                    <p:animClr clrSpc="hsl" dir="cw">
+                                      <p:cBhvr>
+                                        <p:cTn id="10" dur="1000" fill="hold"/>
+                                        <p:tgtEl>
+                                          <p:spTgt spid="2"/>
+                                        </p:tgtEl>
+                                        <p:attrNameLst>
+                                          <p:attrName>fillcolor</p:attrName>
+                                        </p:attrNameLst>
+                                      </p:cBhvr>
+                                      <p:by>
+                                        <p:hsl h="0" s="-12549" l="-25098"/>
+                                      </p:by>
+                                    </p:animClr>
+                                    <p:animClr clrSpc="hsl" dir="cw">
+                                      <p:cBhvr>
+                                        <p:cTn id="11" dur="1000" fill="hold"/>
+                                        <p:tgtEl>
+                                          <p:spTgt spid="2"/>
+                                        </p:tgtEl>
+                                        <p:attrNameLst>
+                                          <p:attrName>stroke.color</p:attrName>
+                                        </p:attrNameLst>
+                                      </p:cBhvr>
+                                      <p:by>
+                                        <p:hsl h="0" s="-12549" l="-25098"/>
+                                      </p:by>
+                                    </p:animClr>
+                                    <p:set>
+                                      <p:cBhvr>
+                                        <p:cTn id="12" dur="1000" fill="hold"/>
+                                        <p:tgtEl>
+                                          <p:spTgt spid="2"/>
+                                        </p:tgtEl>
+                                        <p:attrNameLst>
+                                          <p:attrName>fill.type</p:attrName>
+                                        </p:attrNameLst>
+                                      </p:cBhvr>
+                                      <p:to>
+                                        <p:strVal val="solid"/>
+                                      </p:to>
+                                    </p:set>
+                                  </p:childTnLst>
+                                  <p:subTnLst>
+                                    <p:animClr clrSpc="rgb" dir="cw">
+                                      <p:cBhvr override="childStyle">
+                                        <p:cTn dur="1" fill="hold" display="0" masterRel="nextClick" afterEffect="1"/>
+                                        <p:tgtEl>
+                                          <p:spTgt spid="2"/>
+                                        </p:tgtEl>
+                                        <p:attrNameLst>
+                                          <p:attrName>ppt_c</p:attrName>
+                                        </p:attrNameLst>
+                                      </p:cBhvr>
+                                      <p:to>
+                                        <a:schemeClr val="folHlink"/>
+                                      </p:to>
+                                    </p:animClr>
+                                  </p:subTnLst>
+                                </p:cTn>
+                              </p:par>
+                              <p:par>
+                                <p:cTn id="13" presetID="10" presetClass="entr" presetSubtype="0" fill="hold" nodeType="withEffect">
+                                  <p:stCondLst>
+                                    <p:cond delay="0"/>
+                                  </p:stCondLst>
+                                  <p:childTnLst>
+                                    <p:set>
+                                      <p:cBhvr>
+                                        <p:cTn id="14" dur="1" fill="hold">
+                                          <p:stCondLst>
+                                            <p:cond delay="0"/>
+                                          </p:stCondLst>
+                                        </p:cTn>
+                                        <p:tgtEl>
+                                          <p:spTgt spid="17"/>
+                                        </p:tgtEl>
+                                        <p:attrNameLst>
+                                          <p:attrName>style.visibility</p:attrName>
+                                        </p:attrNameLst>
+                                      </p:cBhvr>
+                                      <p:to>
+                                        <p:strVal val="visible"/>
+                                      </p:to>
+                                    </p:set>
+                                    <p:animEffect transition="in" filter="fade">
+                                      <p:cBhvr>
+                                        <p:cTn id="15" dur="500"/>
+                                        <p:tgtEl>
+                                          <p:spTgt spid="17"/>
+                                        </p:tgtEl>
+                                      </p:cBhvr>
+                                    </p:animEffect>
+                                  </p:childTnLst>
+                                </p:cTn>
+                              </p:par>
+                              <p:par>
+                                <p:cTn id="16" presetID="10" presetClass="entr" presetSubtype="0" fill="hold" nodeType="withEffect">
+                                  <p:stCondLst>
+                                    <p:cond delay="0"/>
+                                  </p:stCondLst>
+                                  <p:childTnLst>
+                                    <p:set>
+                                      <p:cBhvr>
+                                        <p:cTn id="17" dur="1" fill="hold">
+                                          <p:stCondLst>
+                                            <p:cond delay="0"/>
+                                          </p:stCondLst>
+                                        </p:cTn>
+                                        <p:tgtEl>
+                                          <p:spTgt spid="13"/>
+                                        </p:tgtEl>
+                                        <p:attrNameLst>
+                                          <p:attrName>style.visibility</p:attrName>
+                                        </p:attrNameLst>
+                                      </p:cBhvr>
+                                      <p:to>
+                                        <p:strVal val="visible"/>
+                                      </p:to>
+                                    </p:set>
+                                    <p:animEffect transition="in" filter="fade">
+                                      <p:cBhvr>
+                                        <p:cTn id="18" dur="500"/>
+                                        <p:tgtEl>
+                                          <p:spTgt spid="13"/>
+                                        </p:tgtEl>
+                                      </p:cBhvr>
+                                    </p:animEffect>
+                                  </p:childTnLst>
+                                </p:cTn>
+                              </p:par>
+                              <p:par>
+                                <p:cTn id="19" presetID="10" presetClass="entr" presetSubtype="0" fill="hold" nodeType="withEffect">
+                                  <p:stCondLst>
+                                    <p:cond delay="0"/>
+                                  </p:stCondLst>
+                                  <p:childTnLst>
+                                    <p:set>
+                                      <p:cBhvr>
+                                        <p:cTn id="20" dur="1" fill="hold">
+                                          <p:stCondLst>
+                                            <p:cond delay="0"/>
+                                          </p:stCondLst>
+                                        </p:cTn>
+                                        <p:tgtEl>
+                                          <p:spTgt spid="16"/>
+                                        </p:tgtEl>
+                                        <p:attrNameLst>
+                                          <p:attrName>style.visibility</p:attrName>
+                                        </p:attrNameLst>
+                                      </p:cBhvr>
+                                      <p:to>
+                                        <p:strVal val="visible"/>
+                                      </p:to>
+                                    </p:set>
+                                    <p:animEffect transition="in" filter="fade">
+                                      <p:cBhvr>
+                                        <p:cTn id="21" dur="500"/>
+                                        <p:tgtEl>
+                                          <p:spTgt spid="16"/>
+                                        </p:tgtEl>
+                                      </p:cBhvr>
+                                    </p:animEffect>
+                                  </p:childTnLst>
+                                </p:cTn>
+                              </p:par>
+                              <p:par>
+                                <p:cTn id="22" presetID="10" presetClass="entr" presetSubtype="0" fill="hold" nodeType="withEffect">
+                                  <p:stCondLst>
+                                    <p:cond delay="0"/>
+                                  </p:stCondLst>
+                                  <p:childTnLst>
+                                    <p:set>
+                                      <p:cBhvr>
+                                        <p:cTn id="23" dur="1" fill="hold">
+                                          <p:stCondLst>
+                                            <p:cond delay="0"/>
+                                          </p:stCondLst>
+                                        </p:cTn>
+                                        <p:tgtEl>
+                                          <p:spTgt spid="18"/>
+                                        </p:tgtEl>
+                                        <p:attrNameLst>
+                                          <p:attrName>style.visibility</p:attrName>
+                                        </p:attrNameLst>
+                                      </p:cBhvr>
+                                      <p:to>
+                                        <p:strVal val="visible"/>
+                                      </p:to>
+                                    </p:set>
+                                    <p:animEffect transition="in" filter="fade">
+                                      <p:cBhvr>
+                                        <p:cTn id="24" dur="500"/>
+                                        <p:tgtEl>
+                                          <p:spTgt spid="18"/>
+                                        </p:tgtEl>
+                                      </p:cBhvr>
+                                    </p:animEffect>
+                                  </p:childTnLst>
+                                </p:cTn>
+                              </p:par>
+                              <p:par>
+                                <p:cTn id="25" presetID="10" presetClass="entr" presetSubtype="0" fill="hold" nodeType="withEffect">
+                                  <p:stCondLst>
+                                    <p:cond delay="0"/>
+                                  </p:stCondLst>
+                                  <p:childTnLst>
+                                    <p:set>
+                                      <p:cBhvr>
+                                        <p:cTn id="26" dur="1" fill="hold">
+                                          <p:stCondLst>
+                                            <p:cond delay="0"/>
+                                          </p:stCondLst>
+                                        </p:cTn>
+                                        <p:tgtEl>
+                                          <p:spTgt spid="8"/>
+                                        </p:tgtEl>
+                                        <p:attrNameLst>
+                                          <p:attrName>style.visibility</p:attrName>
+                                        </p:attrNameLst>
+                                      </p:cBhvr>
+                                      <p:to>
+                                        <p:strVal val="visible"/>
+                                      </p:to>
+                                    </p:set>
+                                    <p:animEffect transition="in" filter="fade">
+                                      <p:cBhvr>
+                                        <p:cTn id="27" dur="500"/>
+                                        <p:tgtEl>
+                                          <p:spTgt spid="8"/>
+                                        </p:tgtEl>
+                                      </p:cBhvr>
+                                    </p:animEffect>
+                                  </p:childTnLst>
+                                </p:cTn>
+                              </p:par>
+                            </p:childTnLst>
+                          </p:cTn>
+                        </p:par>
+                      </p:childTnLst>
+                    </p:cTn>
+                  </p:par>
+                  <p:par>
+                    <p:cTn id="28" fill="hold">
+                      <p:stCondLst>
+                        <p:cond delay="indefinite"/>
+                      </p:stCondLst>
+                      <p:childTnLst>
+                        <p:par>
+                          <p:cTn id="29" fill="hold">
+                            <p:stCondLst>
+                              <p:cond delay="0"/>
+                            </p:stCondLst>
+                            <p:childTnLst>
+                              <p:par>
+                                <p:cTn id="30" presetID="10" presetClass="entr" presetSubtype="0" fill="hold" grpId="0" nodeType="clickEffect">
+                                  <p:stCondLst>
+                                    <p:cond delay="0"/>
+                                  </p:stCondLst>
+                                  <p:childTnLst>
+                                    <p:set>
+                                      <p:cBhvr>
+                                        <p:cTn id="31" dur="1" fill="hold">
+                                          <p:stCondLst>
+                                            <p:cond delay="0"/>
+                                          </p:stCondLst>
+                                        </p:cTn>
+                                        <p:tgtEl>
+                                          <p:spTgt spid="3"/>
+                                        </p:tgtEl>
+                                        <p:attrNameLst>
+                                          <p:attrName>style.visibility</p:attrName>
+                                        </p:attrNameLst>
+                                      </p:cBhvr>
+                                      <p:to>
+                                        <p:strVal val="visible"/>
+                                      </p:to>
+                                    </p:set>
+                                    <p:animEffect transition="in" filter="fade">
+                                      <p:cBhvr>
+                                        <p:cTn id="32" dur="500"/>
+                                        <p:tgtEl>
+                                          <p:spTgt spid="3"/>
+                                        </p:tgtEl>
+                                      </p:cBhvr>
+                                    </p:animEffect>
+                                  </p:childTnLst>
+                                </p:cTn>
+                              </p:par>
+                              <p:par>
+                                <p:cTn id="33" presetID="10" presetClass="entr" presetSubtype="0" fill="hold" grpId="0" nodeType="withEffect">
+                                  <p:stCondLst>
+                                    <p:cond delay="0"/>
+                                  </p:stCondLst>
+                                  <p:childTnLst>
+                                    <p:set>
+                                      <p:cBhvr>
+                                        <p:cTn id="34" dur="1" fill="hold">
+                                          <p:stCondLst>
+                                            <p:cond delay="0"/>
+                                          </p:stCondLst>
+                                        </p:cTn>
+                                        <p:tgtEl>
+                                          <p:spTgt spid="33"/>
+                                        </p:tgtEl>
+                                        <p:attrNameLst>
+                                          <p:attrName>style.visibility</p:attrName>
+                                        </p:attrNameLst>
+                                      </p:cBhvr>
+                                      <p:to>
+                                        <p:strVal val="visible"/>
+                                      </p:to>
+                                    </p:set>
+                                    <p:animEffect transition="in" filter="fade">
+                                      <p:cBhvr>
+                                        <p:cTn id="35" dur="500"/>
+                                        <p:tgtEl>
+                                          <p:spTgt spid="33"/>
+                                        </p:tgtEl>
+                                      </p:cBhvr>
+                                    </p:animEffect>
+                                  </p:childTnLst>
+                                </p:cTn>
+                              </p:par>
+                            </p:childTnLst>
+                          </p:cTn>
+                        </p:par>
+                      </p:childTnLst>
+                    </p:cTn>
+                  </p:par>
+                  <p:par>
+                    <p:cTn id="36" fill="hold">
+                      <p:stCondLst>
+                        <p:cond delay="indefinite"/>
+                      </p:stCondLst>
+                      <p:childTnLst>
+                        <p:par>
+                          <p:cTn id="37" fill="hold">
+                            <p:stCondLst>
+                              <p:cond delay="0"/>
+                            </p:stCondLst>
+                            <p:childTnLst>
+                              <p:par>
+                                <p:cTn id="38" presetID="10" presetClass="entr" presetSubtype="0" fill="hold" grpId="0" nodeType="clickEffect">
+                                  <p:stCondLst>
+                                    <p:cond delay="0"/>
+                                  </p:stCondLst>
+                                  <p:childTnLst>
+                                    <p:set>
+                                      <p:cBhvr>
+                                        <p:cTn id="39" dur="1" fill="hold">
+                                          <p:stCondLst>
+                                            <p:cond delay="0"/>
+                                          </p:stCondLst>
+                                        </p:cTn>
+                                        <p:tgtEl>
+                                          <p:spTgt spid="27"/>
+                                        </p:tgtEl>
+                                        <p:attrNameLst>
+                                          <p:attrName>style.visibility</p:attrName>
+                                        </p:attrNameLst>
+                                      </p:cBhvr>
+                                      <p:to>
+                                        <p:strVal val="visible"/>
+                                      </p:to>
+                                    </p:set>
+                                    <p:animEffect transition="in" filter="fade">
+                                      <p:cBhvr>
+                                        <p:cTn id="40" dur="500"/>
+                                        <p:tgtEl>
+                                          <p:spTgt spid="27"/>
+                                        </p:tgtEl>
+                                      </p:cBhvr>
+                                    </p:animEffect>
+                                  </p:childTnLst>
+                                </p:cTn>
+                              </p:par>
+                              <p:par>
+                                <p:cTn id="41" presetID="10" presetClass="entr" presetSubtype="0" fill="hold" grpId="0" nodeType="withEffect">
+                                  <p:stCondLst>
+                                    <p:cond delay="0"/>
+                                  </p:stCondLst>
+                                  <p:childTnLst>
+                                    <p:set>
+                                      <p:cBhvr>
+                                        <p:cTn id="42" dur="1" fill="hold">
+                                          <p:stCondLst>
+                                            <p:cond delay="0"/>
+                                          </p:stCondLst>
+                                        </p:cTn>
+                                        <p:tgtEl>
+                                          <p:spTgt spid="28"/>
+                                        </p:tgtEl>
+                                        <p:attrNameLst>
+                                          <p:attrName>style.visibility</p:attrName>
+                                        </p:attrNameLst>
+                                      </p:cBhvr>
+                                      <p:to>
+                                        <p:strVal val="visible"/>
+                                      </p:to>
+                                    </p:set>
+                                    <p:animEffect transition="in" filter="fade">
+                                      <p:cBhvr>
+                                        <p:cTn id="43" dur="500"/>
+                                        <p:tgtEl>
+                                          <p:spTgt spid="28"/>
+                                        </p:tgtEl>
+                                      </p:cBhvr>
+                                    </p:animEffect>
+                                  </p:childTnLst>
+                                </p:cTn>
+                              </p:par>
+                            </p:childTnLst>
+                          </p:cTn>
+                        </p:par>
+                      </p:childTnLst>
+                    </p:cTn>
+                  </p:par>
+                  <p:par>
+                    <p:cTn id="44" fill="hold">
+                      <p:stCondLst>
+                        <p:cond delay="indefinite"/>
+                      </p:stCondLst>
+                      <p:childTnLst>
+                        <p:par>
+                          <p:cTn id="45" fill="hold">
+                            <p:stCondLst>
+                              <p:cond delay="0"/>
+                            </p:stCondLst>
+                            <p:childTnLst>
+                              <p:par>
+                                <p:cTn id="46" presetID="10" presetClass="entr" presetSubtype="0" fill="hold" grpId="0" nodeType="clickEffect">
+                                  <p:stCondLst>
+                                    <p:cond delay="0"/>
+                                  </p:stCondLst>
+                                  <p:childTnLst>
+                                    <p:set>
+                                      <p:cBhvr>
+                                        <p:cTn id="47" dur="1" fill="hold">
+                                          <p:stCondLst>
+                                            <p:cond delay="0"/>
+                                          </p:stCondLst>
+                                        </p:cTn>
+                                        <p:tgtEl>
+                                          <p:spTgt spid="26"/>
+                                        </p:tgtEl>
+                                        <p:attrNameLst>
+                                          <p:attrName>style.visibility</p:attrName>
+                                        </p:attrNameLst>
+                                      </p:cBhvr>
+                                      <p:to>
+                                        <p:strVal val="visible"/>
+                                      </p:to>
+                                    </p:set>
+                                    <p:animEffect transition="in" filter="fade">
+                                      <p:cBhvr>
+                                        <p:cTn id="48" dur="500"/>
+                                        <p:tgtEl>
+                                          <p:spTgt spid="26"/>
+                                        </p:tgtEl>
+                                      </p:cBhvr>
+                                    </p:animEffect>
+                                  </p:childTnLst>
+                                </p:cTn>
+                              </p:par>
+                              <p:par>
+                                <p:cTn id="49" presetID="10" presetClass="entr" presetSubtype="0" fill="hold" grpId="0" nodeType="withEffect">
+                                  <p:stCondLst>
+                                    <p:cond delay="0"/>
+                                  </p:stCondLst>
+                                  <p:childTnLst>
+                                    <p:set>
+                                      <p:cBhvr>
+                                        <p:cTn id="50" dur="1" fill="hold">
+                                          <p:stCondLst>
+                                            <p:cond delay="0"/>
+                                          </p:stCondLst>
+                                        </p:cTn>
+                                        <p:tgtEl>
+                                          <p:spTgt spid="35"/>
+                                        </p:tgtEl>
+                                        <p:attrNameLst>
+                                          <p:attrName>style.visibility</p:attrName>
+                                        </p:attrNameLst>
+                                      </p:cBhvr>
+                                      <p:to>
+                                        <p:strVal val="visible"/>
+                                      </p:to>
+                                    </p:set>
+                                    <p:animEffect transition="in" filter="fade">
+                                      <p:cBhvr>
+                                        <p:cTn id="51" dur="500"/>
+                                        <p:tgtEl>
+                                          <p:spTgt spid="35"/>
+                                        </p:tgtEl>
+                                      </p:cBhvr>
+                                    </p:animEffect>
+                                  </p:childTnLst>
+                                </p:cTn>
+                              </p:par>
+                            </p:childTnLst>
+                          </p:cTn>
+                        </p:par>
+                      </p:childTnLst>
+                    </p:cTn>
+                  </p:par>
+                  <p:par>
+                    <p:cTn id="52" fill="hold">
+                      <p:stCondLst>
+                        <p:cond delay="indefinite"/>
+                      </p:stCondLst>
+                      <p:childTnLst>
+                        <p:par>
+                          <p:cTn id="53" fill="hold">
+                            <p:stCondLst>
+                              <p:cond delay="0"/>
+                            </p:stCondLst>
+                            <p:childTnLst>
+                              <p:par>
+                                <p:cTn id="54" presetID="10" presetClass="entr" presetSubtype="0" fill="hold" grpId="0" nodeType="clickEffect">
+                                  <p:stCondLst>
+                                    <p:cond delay="0"/>
+                                  </p:stCondLst>
+                                  <p:childTnLst>
+                                    <p:set>
+                                      <p:cBhvr>
+                                        <p:cTn id="55" dur="1" fill="hold">
+                                          <p:stCondLst>
+                                            <p:cond delay="0"/>
+                                          </p:stCondLst>
+                                        </p:cTn>
+                                        <p:tgtEl>
+                                          <p:spTgt spid="31"/>
+                                        </p:tgtEl>
+                                        <p:attrNameLst>
+                                          <p:attrName>style.visibility</p:attrName>
+                                        </p:attrNameLst>
+                                      </p:cBhvr>
+                                      <p:to>
+                                        <p:strVal val="visible"/>
+                                      </p:to>
+                                    </p:set>
+                                    <p:animEffect transition="in" filter="fade">
+                                      <p:cBhvr>
+                                        <p:cTn id="56" dur="500"/>
+                                        <p:tgtEl>
+                                          <p:spTgt spid="31"/>
+                                        </p:tgtEl>
+                                      </p:cBhvr>
+                                    </p:animEffect>
+                                  </p:childTnLst>
+                                </p:cTn>
+                              </p:par>
+                              <p:par>
+                                <p:cTn id="57" presetID="10" presetClass="entr" presetSubtype="0" fill="hold" grpId="0" nodeType="withEffect">
+                                  <p:stCondLst>
+                                    <p:cond delay="0"/>
+                                  </p:stCondLst>
+                                  <p:childTnLst>
+                                    <p:set>
+                                      <p:cBhvr>
+                                        <p:cTn id="58" dur="1" fill="hold">
+                                          <p:stCondLst>
+                                            <p:cond delay="0"/>
+                                          </p:stCondLst>
+                                        </p:cTn>
+                                        <p:tgtEl>
+                                          <p:spTgt spid="34"/>
+                                        </p:tgtEl>
+                                        <p:attrNameLst>
+                                          <p:attrName>style.visibility</p:attrName>
+                                        </p:attrNameLst>
+                                      </p:cBhvr>
+                                      <p:to>
+                                        <p:strVal val="visible"/>
+                                      </p:to>
+                                    </p:set>
+                                    <p:animEffect transition="in" filter="fade">
+                                      <p:cBhvr>
+                                        <p:cTn id="59" dur="500"/>
+                                        <p:tgtEl>
+                                          <p:spTgt spid="34"/>
+                                        </p:tgtEl>
+                                      </p:cBhvr>
+                                    </p:animEffect>
+                                  </p:childTnLst>
+                                </p:cTn>
+                              </p:par>
+                            </p:childTnLst>
+                          </p:cTn>
+                        </p:par>
+                      </p:childTnLst>
+                    </p:cTn>
+                  </p:par>
+                </p:childTnLst>
+              </p:cTn>
+              <p:prevCondLst>
+                <p:cond evt="onPrev" delay="0">
+                  <p:tgtEl>
+                    <p:sldTgt/>
+                  </p:tgtEl>
+                </p:cond>
+              </p:prevCondLst>
+              <p:nextCondLst>
+                <p:cond evt="onNext" delay="0">
+                  <p:tgtEl>
+                    <p:sldTgt/>
+                  </p:tgtEl>
+                </p:cond>
+              </p:nextCondLst>
+            </p:seq>
+          </p:childTnLst>
+        </p:cTn>
+      </p:par>
+    </p:tnLst>
+    <p:bldLst>
+      <p:bldP spid="2" grpId="0"/>
+      <p:bldP spid="2" grpId="1"/>
+      <p:bldP spid="26" grpId="0" animBg="1"/>
+      <p:bldP spid="28" grpId="0" animBg="1"/>
+      <p:bldP spid="31" grpId="0" animBg="1"/>
+      <p:bldP spid="27" grpId="0"/>
+      <p:bldP spid="33" grpId="0"/>
+      <p:bldP spid="34" grpId="0"/>
+      <p:bldP spid="35" grpId="0"/>
+      <p:bldP spid="3" grpId="0" animBg="1"/>
+    </p:bldLst>
+  </p:timing>
+</p:sld>
+</file>
+
+<file path=ppt/slides/slide11.xml><?xml version="1.0" encoding="utf-8"?>
 <p:sld xmlns:a="http://schemas.openxmlformats.org/drawingml/2006/main" xmlns:r="http://schemas.openxmlformats.org/officeDocument/2006/relationships" xmlns:p="http://schemas.openxmlformats.org/presentationml/2006/main">
   <p:cSld>
     <p:spTree>
@@ -8183,7 +10204,7 @@
 </p:sld>
 </file>
 
-<file path=ppt/slides/slide11.xml><?xml version="1.0" encoding="utf-8"?>
+<file path=ppt/slides/slide12.xml><?xml version="1.0" encoding="utf-8"?>
 <p:sld xmlns:a="http://schemas.openxmlformats.org/drawingml/2006/main" xmlns:r="http://schemas.openxmlformats.org/officeDocument/2006/relationships" xmlns:p="http://schemas.openxmlformats.org/presentationml/2006/main">
   <p:cSld>
     <p:spTree>
@@ -9355,7 +11376,7 @@
 </p:sld>
 </file>
 
-<file path=ppt/slides/slide12.xml><?xml version="1.0" encoding="utf-8"?>
+<file path=ppt/slides/slide13.xml><?xml version="1.0" encoding="utf-8"?>
 <p:sld xmlns:a="http://schemas.openxmlformats.org/drawingml/2006/main" xmlns:r="http://schemas.openxmlformats.org/officeDocument/2006/relationships" xmlns:p="http://schemas.openxmlformats.org/presentationml/2006/main">
   <p:cSld>
     <p:spTree>
@@ -10883,584 +12904,149 @@
           <a:bodyPr/>
           <a:lstStyle/>
           <a:p>
+            <a:r>
+              <a:rPr lang="nl-NL" sz="1800" dirty="0" err="1"/>
+              <a:t>ITissues</a:t>
+            </a:r>
             <a:endParaRPr lang="nl-NL" sz="1800" dirty="0"/>
           </a:p>
         </p:txBody>
       </p:sp>
-      <p:sp>
-        <p:nvSpPr>
-          <p:cNvPr id="12" name="Tijdelijke aanduiding voor inhoud 2">
+      <p:pic>
+        <p:nvPicPr>
+          <p:cNvPr id="6" name="Tijdelijke aanduiding voor inhoud 4">
             <a:extLst>
               <a:ext uri="{FF2B5EF4-FFF2-40B4-BE49-F238E27FC236}">
-                <a16:creationId xmlns:a16="http://schemas.microsoft.com/office/drawing/2014/main" id="{997AB228-6AA7-4A48-A628-280E3B52893E}"/>
+                <a16:creationId xmlns:a16="http://schemas.microsoft.com/office/drawing/2014/main" id="{D69F5D8B-3D8B-4D52-A157-DB10BAC75E5C}"/>
               </a:ext>
             </a:extLst>
           </p:cNvPr>
-          <p:cNvSpPr txBox="1">
-            <a:spLocks/>
-          </p:cNvSpPr>
+          <p:cNvPicPr>
+            <a:picLocks noChangeAspect="1"/>
+          </p:cNvPicPr>
           <p:nvPr/>
-        </p:nvSpPr>
+        </p:nvPicPr>
+        <p:blipFill rotWithShape="1">
+          <a:blip r:embed="rId3">
+            <a:extLst>
+              <a:ext uri="{28A0092B-C50C-407E-A947-70E740481C1C}">
+                <a14:useLocalDpi xmlns:a14="http://schemas.microsoft.com/office/drawing/2010/main" val="0"/>
+              </a:ext>
+            </a:extLst>
+          </a:blip>
+          <a:srcRect l="8568" r="10333"/>
+          <a:stretch/>
+        </p:blipFill>
         <p:spPr>
           <a:xfrm>
-            <a:off x="1103312" y="2060575"/>
-            <a:ext cx="4396339" cy="4195763"/>
+            <a:off x="6947792" y="2390667"/>
+            <a:ext cx="3669723" cy="2941253"/>
           </a:xfrm>
           <a:prstGeom prst="rect">
             <a:avLst/>
           </a:prstGeom>
         </p:spPr>
-        <p:txBody>
-          <a:bodyPr vert="horz" lIns="91440" tIns="45720" rIns="91440" bIns="45720" rtlCol="0" anchor="ctr">
-            <a:normAutofit/>
-          </a:bodyPr>
-          <a:lstStyle>
-            <a:lvl1pPr marL="0" indent="0" algn="l" defTabSz="457200" rtl="0" eaLnBrk="1" latinLnBrk="0" hangingPunct="1">
-              <a:spcBef>
-                <a:spcPts val="1000"/>
-              </a:spcBef>
-              <a:spcAft>
-                <a:spcPts val="0"/>
-              </a:spcAft>
-              <a:buClr>
-                <a:schemeClr val="bg2">
-                  <a:lumMod val="40000"/>
-                  <a:lumOff val="60000"/>
-                </a:schemeClr>
-              </a:buClr>
-              <a:buSzPct val="80000"/>
-              <a:buFont typeface="Wingdings 3" charset="2"/>
-              <a:buNone/>
-              <a:defRPr sz="2400" b="0" i="0" kern="1200">
-                <a:solidFill>
-                  <a:schemeClr val="bg2">
-                    <a:lumMod val="40000"/>
-                    <a:lumOff val="60000"/>
-                  </a:schemeClr>
-                </a:solidFill>
-                <a:latin typeface="+mj-lt"/>
-                <a:ea typeface="+mj-ea"/>
-                <a:cs typeface="+mj-cs"/>
-              </a:defRPr>
-            </a:lvl1pPr>
-            <a:lvl2pPr marL="457200" indent="0" algn="l" defTabSz="457200" rtl="0" eaLnBrk="1" latinLnBrk="0" hangingPunct="1">
-              <a:spcBef>
-                <a:spcPts val="1000"/>
-              </a:spcBef>
-              <a:spcAft>
-                <a:spcPts val="0"/>
-              </a:spcAft>
-              <a:buClr>
-                <a:schemeClr val="bg2">
-                  <a:lumMod val="40000"/>
-                  <a:lumOff val="60000"/>
-                </a:schemeClr>
-              </a:buClr>
-              <a:buSzPct val="80000"/>
-              <a:buFont typeface="Wingdings 3" charset="2"/>
-              <a:buNone/>
-              <a:defRPr sz="2000" b="1" i="0" kern="1200">
-                <a:solidFill>
-                  <a:schemeClr val="tx1"/>
-                </a:solidFill>
-                <a:latin typeface="+mj-lt"/>
-                <a:ea typeface="+mj-ea"/>
-                <a:cs typeface="+mj-cs"/>
-              </a:defRPr>
-            </a:lvl2pPr>
-            <a:lvl3pPr marL="914400" indent="0" algn="l" defTabSz="457200" rtl="0" eaLnBrk="1" latinLnBrk="0" hangingPunct="1">
-              <a:spcBef>
-                <a:spcPts val="1000"/>
-              </a:spcBef>
-              <a:spcAft>
-                <a:spcPts val="0"/>
-              </a:spcAft>
-              <a:buClr>
-                <a:schemeClr val="bg2">
-                  <a:lumMod val="40000"/>
-                  <a:lumOff val="60000"/>
-                </a:schemeClr>
-              </a:buClr>
-              <a:buSzPct val="80000"/>
-              <a:buFont typeface="Wingdings 3" charset="2"/>
-              <a:buNone/>
-              <a:defRPr sz="1800" b="1" i="0" kern="1200">
-                <a:solidFill>
-                  <a:schemeClr val="tx1"/>
-                </a:solidFill>
-                <a:latin typeface="+mj-lt"/>
-                <a:ea typeface="+mj-ea"/>
-                <a:cs typeface="+mj-cs"/>
-              </a:defRPr>
-            </a:lvl3pPr>
-            <a:lvl4pPr marL="1371600" indent="0" algn="l" defTabSz="457200" rtl="0" eaLnBrk="1" latinLnBrk="0" hangingPunct="1">
-              <a:spcBef>
-                <a:spcPts val="1000"/>
-              </a:spcBef>
-              <a:spcAft>
-                <a:spcPts val="0"/>
-              </a:spcAft>
-              <a:buClr>
-                <a:schemeClr val="bg2">
-                  <a:lumMod val="40000"/>
-                  <a:lumOff val="60000"/>
-                </a:schemeClr>
-              </a:buClr>
-              <a:buSzPct val="80000"/>
-              <a:buFont typeface="Wingdings 3" charset="2"/>
-              <a:buNone/>
-              <a:defRPr sz="1600" b="1" i="0" kern="1200">
-                <a:solidFill>
-                  <a:schemeClr val="tx1"/>
-                </a:solidFill>
-                <a:latin typeface="+mj-lt"/>
-                <a:ea typeface="+mj-ea"/>
-                <a:cs typeface="+mj-cs"/>
-              </a:defRPr>
-            </a:lvl4pPr>
-            <a:lvl5pPr marL="1828800" indent="0" algn="l" defTabSz="457200" rtl="0" eaLnBrk="1" latinLnBrk="0" hangingPunct="1">
-              <a:spcBef>
-                <a:spcPts val="1000"/>
-              </a:spcBef>
-              <a:spcAft>
-                <a:spcPts val="0"/>
-              </a:spcAft>
-              <a:buClr>
-                <a:schemeClr val="bg2">
-                  <a:lumMod val="40000"/>
-                  <a:lumOff val="60000"/>
-                </a:schemeClr>
-              </a:buClr>
-              <a:buSzPct val="80000"/>
-              <a:buFont typeface="Wingdings 3" charset="2"/>
-              <a:buNone/>
-              <a:defRPr sz="1600" b="1" i="0" kern="1200">
-                <a:solidFill>
-                  <a:schemeClr val="tx1"/>
-                </a:solidFill>
-                <a:latin typeface="+mj-lt"/>
-                <a:ea typeface="+mj-ea"/>
-                <a:cs typeface="+mj-cs"/>
-              </a:defRPr>
-            </a:lvl5pPr>
-            <a:lvl6pPr marL="2286000" indent="0" algn="l" defTabSz="457200" rtl="0" eaLnBrk="1" latinLnBrk="0" hangingPunct="1">
-              <a:spcBef>
-                <a:spcPts val="1000"/>
-              </a:spcBef>
-              <a:spcAft>
-                <a:spcPts val="0"/>
-              </a:spcAft>
-              <a:buClr>
-                <a:schemeClr val="bg2">
-                  <a:lumMod val="40000"/>
-                  <a:lumOff val="60000"/>
-                </a:schemeClr>
-              </a:buClr>
-              <a:buSzPct val="80000"/>
-              <a:buFont typeface="Wingdings 3" charset="2"/>
-              <a:buNone/>
-              <a:defRPr sz="1600" b="1" i="0" kern="1200">
-                <a:solidFill>
-                  <a:schemeClr val="tx1"/>
-                </a:solidFill>
-                <a:latin typeface="+mj-lt"/>
-                <a:ea typeface="+mj-ea"/>
-                <a:cs typeface="+mj-cs"/>
-              </a:defRPr>
-            </a:lvl6pPr>
-            <a:lvl7pPr marL="2743200" indent="0" algn="l" defTabSz="457200" rtl="0" eaLnBrk="1" latinLnBrk="0" hangingPunct="1">
-              <a:spcBef>
-                <a:spcPts val="1000"/>
-              </a:spcBef>
-              <a:spcAft>
-                <a:spcPts val="0"/>
-              </a:spcAft>
-              <a:buClr>
-                <a:schemeClr val="bg2">
-                  <a:lumMod val="40000"/>
-                  <a:lumOff val="60000"/>
-                </a:schemeClr>
-              </a:buClr>
-              <a:buSzPct val="80000"/>
-              <a:buFont typeface="Wingdings 3" charset="2"/>
-              <a:buNone/>
-              <a:defRPr sz="1600" b="1" i="0" kern="1200">
-                <a:solidFill>
-                  <a:schemeClr val="tx1"/>
-                </a:solidFill>
-                <a:latin typeface="+mj-lt"/>
-                <a:ea typeface="+mj-ea"/>
-                <a:cs typeface="+mj-cs"/>
-              </a:defRPr>
-            </a:lvl7pPr>
-            <a:lvl8pPr marL="3200400" indent="0" algn="l" defTabSz="457200" rtl="0" eaLnBrk="1" latinLnBrk="0" hangingPunct="1">
-              <a:spcBef>
-                <a:spcPts val="1000"/>
-              </a:spcBef>
-              <a:spcAft>
-                <a:spcPts val="0"/>
-              </a:spcAft>
-              <a:buClr>
-                <a:schemeClr val="bg2">
-                  <a:lumMod val="40000"/>
-                  <a:lumOff val="60000"/>
-                </a:schemeClr>
-              </a:buClr>
-              <a:buSzPct val="80000"/>
-              <a:buFont typeface="Wingdings 3" charset="2"/>
-              <a:buNone/>
-              <a:defRPr sz="1600" b="1" i="0" kern="1200">
-                <a:solidFill>
-                  <a:schemeClr val="tx1"/>
-                </a:solidFill>
-                <a:latin typeface="+mj-lt"/>
-                <a:ea typeface="+mj-ea"/>
-                <a:cs typeface="+mj-cs"/>
-              </a:defRPr>
-            </a:lvl8pPr>
-            <a:lvl9pPr marL="3657600" indent="0" algn="l" defTabSz="457200" rtl="0" eaLnBrk="1" latinLnBrk="0" hangingPunct="1">
-              <a:spcBef>
-                <a:spcPts val="1000"/>
-              </a:spcBef>
-              <a:spcAft>
-                <a:spcPts val="0"/>
-              </a:spcAft>
-              <a:buClr>
-                <a:schemeClr val="bg2">
-                  <a:lumMod val="40000"/>
-                  <a:lumOff val="60000"/>
-                </a:schemeClr>
-              </a:buClr>
-              <a:buSzPct val="80000"/>
-              <a:buFont typeface="Wingdings 3" charset="2"/>
-              <a:buNone/>
-              <a:defRPr sz="1600" b="1" i="0" kern="1200">
-                <a:solidFill>
-                  <a:schemeClr val="tx1"/>
-                </a:solidFill>
-                <a:latin typeface="+mj-lt"/>
-                <a:ea typeface="+mj-ea"/>
-                <a:cs typeface="+mj-cs"/>
-              </a:defRPr>
-            </a:lvl9pPr>
-          </a:lstStyle>
-          <a:p>
-            <a:pPr>
-              <a:lnSpc>
-                <a:spcPct val="200000"/>
-              </a:lnSpc>
-            </a:pPr>
-            <a:r>
-              <a:rPr lang="nl-NL" sz="3600" dirty="0">
-                <a:solidFill>
-                  <a:schemeClr val="tx1"/>
-                </a:solidFill>
-              </a:rPr>
-              <a:t>Adres</a:t>
-            </a:r>
-          </a:p>
-          <a:p>
-            <a:pPr>
-              <a:lnSpc>
-                <a:spcPct val="200000"/>
-              </a:lnSpc>
-            </a:pPr>
-            <a:r>
-              <a:rPr lang="nl-NL" sz="3600" dirty="0">
-                <a:solidFill>
-                  <a:schemeClr val="tx1"/>
-                </a:solidFill>
-              </a:rPr>
-              <a:t>Dataflow</a:t>
-            </a:r>
-          </a:p>
-        </p:txBody>
-      </p:sp>
-      <p:sp>
-        <p:nvSpPr>
-          <p:cNvPr id="13" name="Tijdelijke aanduiding voor inhoud 2">
+      </p:pic>
+      <p:pic>
+        <p:nvPicPr>
+          <p:cNvPr id="1026" name="Picture 2" descr="Decathlon 19-20 okt '16 (hoger) - Vlaamse Jonge Ondernemingen">
             <a:extLst>
               <a:ext uri="{FF2B5EF4-FFF2-40B4-BE49-F238E27FC236}">
-                <a16:creationId xmlns:a16="http://schemas.microsoft.com/office/drawing/2014/main" id="{ABF1017C-A776-4947-804D-B2576C6E9144}"/>
+                <a16:creationId xmlns:a16="http://schemas.microsoft.com/office/drawing/2014/main" id="{B5D06B54-5396-489B-B4B7-8F6521317D8C}"/>
               </a:ext>
             </a:extLst>
           </p:cNvPr>
-          <p:cNvSpPr txBox="1">
-            <a:spLocks/>
-          </p:cNvSpPr>
+          <p:cNvPicPr>
+            <a:picLocks noChangeAspect="1" noChangeArrowheads="1"/>
+          </p:cNvPicPr>
           <p:nvPr/>
-        </p:nvSpPr>
-        <p:spPr>
+        </p:nvPicPr>
+        <p:blipFill>
+          <a:blip r:embed="rId4">
+            <a:extLst>
+              <a:ext uri="{28A0092B-C50C-407E-A947-70E740481C1C}">
+                <a14:useLocalDpi xmlns:a14="http://schemas.microsoft.com/office/drawing/2010/main" val="0"/>
+              </a:ext>
+            </a:extLst>
+          </a:blip>
+          <a:srcRect/>
+          <a:stretch>
+            <a:fillRect/>
+          </a:stretch>
+        </p:blipFill>
+        <p:spPr bwMode="auto">
           <a:xfrm>
-            <a:off x="6692349" y="2060575"/>
-            <a:ext cx="4396339" cy="4195763"/>
+            <a:off x="773079" y="2793241"/>
+            <a:ext cx="3963218" cy="2136107"/>
           </a:xfrm>
           <a:prstGeom prst="rect">
             <a:avLst/>
           </a:prstGeom>
+          <a:noFill/>
+          <a:extLst>
+            <a:ext uri="{909E8E84-426E-40DD-AFC4-6F175D3DCCD1}">
+              <a14:hiddenFill xmlns:a14="http://schemas.microsoft.com/office/drawing/2010/main">
+                <a:solidFill>
+                  <a:srgbClr val="FFFFFF"/>
+                </a:solidFill>
+              </a14:hiddenFill>
+            </a:ext>
+          </a:extLst>
         </p:spPr>
+      </p:pic>
+      <p:sp>
+        <p:nvSpPr>
+          <p:cNvPr id="12" name="Rechthoek 11">
+            <a:extLst>
+              <a:ext uri="{FF2B5EF4-FFF2-40B4-BE49-F238E27FC236}">
+                <a16:creationId xmlns:a16="http://schemas.microsoft.com/office/drawing/2014/main" id="{AE114414-50BF-46FE-BDB6-4FA0B19C835B}"/>
+              </a:ext>
+            </a:extLst>
+          </p:cNvPr>
+          <p:cNvSpPr/>
+          <p:nvPr/>
+        </p:nvSpPr>
+        <p:spPr>
+          <a:xfrm rot="5400000">
+            <a:off x="-837661" y="1122403"/>
+            <a:ext cx="2037348" cy="362035"/>
+          </a:xfrm>
+          <a:prstGeom prst="rect">
+            <a:avLst/>
+          </a:prstGeom>
+          <a:solidFill>
+            <a:srgbClr val="FFC000"/>
+          </a:solidFill>
+          <a:ln>
+            <a:solidFill>
+              <a:srgbClr val="FFC000"/>
+            </a:solidFill>
+          </a:ln>
+        </p:spPr>
+        <p:style>
+          <a:lnRef idx="2">
+            <a:schemeClr val="accent1">
+              <a:shade val="50000"/>
+            </a:schemeClr>
+          </a:lnRef>
+          <a:fillRef idx="1">
+            <a:schemeClr val="accent1"/>
+          </a:fillRef>
+          <a:effectRef idx="0">
+            <a:schemeClr val="accent1"/>
+          </a:effectRef>
+          <a:fontRef idx="minor">
+            <a:schemeClr val="lt1"/>
+          </a:fontRef>
+        </p:style>
         <p:txBody>
-          <a:bodyPr vert="horz" lIns="91440" tIns="45720" rIns="91440" bIns="45720" rtlCol="0" anchor="ctr">
-            <a:normAutofit/>
-          </a:bodyPr>
-          <a:lstStyle>
-            <a:lvl1pPr marL="0" indent="0" algn="l" defTabSz="457200" rtl="0" eaLnBrk="1" latinLnBrk="0" hangingPunct="1">
-              <a:spcBef>
-                <a:spcPts val="1000"/>
-              </a:spcBef>
-              <a:spcAft>
-                <a:spcPts val="0"/>
-              </a:spcAft>
-              <a:buClr>
-                <a:schemeClr val="bg2">
-                  <a:lumMod val="40000"/>
-                  <a:lumOff val="60000"/>
-                </a:schemeClr>
-              </a:buClr>
-              <a:buSzPct val="80000"/>
-              <a:buFont typeface="Wingdings 3" charset="2"/>
-              <a:buNone/>
-              <a:defRPr sz="2400" b="0" i="0" kern="1200">
-                <a:solidFill>
-                  <a:schemeClr val="bg2">
-                    <a:lumMod val="40000"/>
-                    <a:lumOff val="60000"/>
-                  </a:schemeClr>
-                </a:solidFill>
-                <a:latin typeface="+mj-lt"/>
-                <a:ea typeface="+mj-ea"/>
-                <a:cs typeface="+mj-cs"/>
-              </a:defRPr>
-            </a:lvl1pPr>
-            <a:lvl2pPr marL="457200" indent="0" algn="l" defTabSz="457200" rtl="0" eaLnBrk="1" latinLnBrk="0" hangingPunct="1">
-              <a:spcBef>
-                <a:spcPts val="1000"/>
-              </a:spcBef>
-              <a:spcAft>
-                <a:spcPts val="0"/>
-              </a:spcAft>
-              <a:buClr>
-                <a:schemeClr val="bg2">
-                  <a:lumMod val="40000"/>
-                  <a:lumOff val="60000"/>
-                </a:schemeClr>
-              </a:buClr>
-              <a:buSzPct val="80000"/>
-              <a:buFont typeface="Wingdings 3" charset="2"/>
-              <a:buNone/>
-              <a:defRPr sz="2000" b="1" i="0" kern="1200">
-                <a:solidFill>
-                  <a:schemeClr val="tx1"/>
-                </a:solidFill>
-                <a:latin typeface="+mj-lt"/>
-                <a:ea typeface="+mj-ea"/>
-                <a:cs typeface="+mj-cs"/>
-              </a:defRPr>
-            </a:lvl2pPr>
-            <a:lvl3pPr marL="914400" indent="0" algn="l" defTabSz="457200" rtl="0" eaLnBrk="1" latinLnBrk="0" hangingPunct="1">
-              <a:spcBef>
-                <a:spcPts val="1000"/>
-              </a:spcBef>
-              <a:spcAft>
-                <a:spcPts val="0"/>
-              </a:spcAft>
-              <a:buClr>
-                <a:schemeClr val="bg2">
-                  <a:lumMod val="40000"/>
-                  <a:lumOff val="60000"/>
-                </a:schemeClr>
-              </a:buClr>
-              <a:buSzPct val="80000"/>
-              <a:buFont typeface="Wingdings 3" charset="2"/>
-              <a:buNone/>
-              <a:defRPr sz="1800" b="1" i="0" kern="1200">
-                <a:solidFill>
-                  <a:schemeClr val="tx1"/>
-                </a:solidFill>
-                <a:latin typeface="+mj-lt"/>
-                <a:ea typeface="+mj-ea"/>
-                <a:cs typeface="+mj-cs"/>
-              </a:defRPr>
-            </a:lvl3pPr>
-            <a:lvl4pPr marL="1371600" indent="0" algn="l" defTabSz="457200" rtl="0" eaLnBrk="1" latinLnBrk="0" hangingPunct="1">
-              <a:spcBef>
-                <a:spcPts val="1000"/>
-              </a:spcBef>
-              <a:spcAft>
-                <a:spcPts val="0"/>
-              </a:spcAft>
-              <a:buClr>
-                <a:schemeClr val="bg2">
-                  <a:lumMod val="40000"/>
-                  <a:lumOff val="60000"/>
-                </a:schemeClr>
-              </a:buClr>
-              <a:buSzPct val="80000"/>
-              <a:buFont typeface="Wingdings 3" charset="2"/>
-              <a:buNone/>
-              <a:defRPr sz="1600" b="1" i="0" kern="1200">
-                <a:solidFill>
-                  <a:schemeClr val="tx1"/>
-                </a:solidFill>
-                <a:latin typeface="+mj-lt"/>
-                <a:ea typeface="+mj-ea"/>
-                <a:cs typeface="+mj-cs"/>
-              </a:defRPr>
-            </a:lvl4pPr>
-            <a:lvl5pPr marL="1828800" indent="0" algn="l" defTabSz="457200" rtl="0" eaLnBrk="1" latinLnBrk="0" hangingPunct="1">
-              <a:spcBef>
-                <a:spcPts val="1000"/>
-              </a:spcBef>
-              <a:spcAft>
-                <a:spcPts val="0"/>
-              </a:spcAft>
-              <a:buClr>
-                <a:schemeClr val="bg2">
-                  <a:lumMod val="40000"/>
-                  <a:lumOff val="60000"/>
-                </a:schemeClr>
-              </a:buClr>
-              <a:buSzPct val="80000"/>
-              <a:buFont typeface="Wingdings 3" charset="2"/>
-              <a:buNone/>
-              <a:defRPr sz="1600" b="1" i="0" kern="1200">
-                <a:solidFill>
-                  <a:schemeClr val="tx1"/>
-                </a:solidFill>
-                <a:latin typeface="+mj-lt"/>
-                <a:ea typeface="+mj-ea"/>
-                <a:cs typeface="+mj-cs"/>
-              </a:defRPr>
-            </a:lvl5pPr>
-            <a:lvl6pPr marL="2286000" indent="0" algn="l" defTabSz="457200" rtl="0" eaLnBrk="1" latinLnBrk="0" hangingPunct="1">
-              <a:spcBef>
-                <a:spcPts val="1000"/>
-              </a:spcBef>
-              <a:spcAft>
-                <a:spcPts val="0"/>
-              </a:spcAft>
-              <a:buClr>
-                <a:schemeClr val="bg2">
-                  <a:lumMod val="40000"/>
-                  <a:lumOff val="60000"/>
-                </a:schemeClr>
-              </a:buClr>
-              <a:buSzPct val="80000"/>
-              <a:buFont typeface="Wingdings 3" charset="2"/>
-              <a:buNone/>
-              <a:defRPr sz="1600" b="1" i="0" kern="1200">
-                <a:solidFill>
-                  <a:schemeClr val="tx1"/>
-                </a:solidFill>
-                <a:latin typeface="+mj-lt"/>
-                <a:ea typeface="+mj-ea"/>
-                <a:cs typeface="+mj-cs"/>
-              </a:defRPr>
-            </a:lvl6pPr>
-            <a:lvl7pPr marL="2743200" indent="0" algn="l" defTabSz="457200" rtl="0" eaLnBrk="1" latinLnBrk="0" hangingPunct="1">
-              <a:spcBef>
-                <a:spcPts val="1000"/>
-              </a:spcBef>
-              <a:spcAft>
-                <a:spcPts val="0"/>
-              </a:spcAft>
-              <a:buClr>
-                <a:schemeClr val="bg2">
-                  <a:lumMod val="40000"/>
-                  <a:lumOff val="60000"/>
-                </a:schemeClr>
-              </a:buClr>
-              <a:buSzPct val="80000"/>
-              <a:buFont typeface="Wingdings 3" charset="2"/>
-              <a:buNone/>
-              <a:defRPr sz="1600" b="1" i="0" kern="1200">
-                <a:solidFill>
-                  <a:schemeClr val="tx1"/>
-                </a:solidFill>
-                <a:latin typeface="+mj-lt"/>
-                <a:ea typeface="+mj-ea"/>
-                <a:cs typeface="+mj-cs"/>
-              </a:defRPr>
-            </a:lvl7pPr>
-            <a:lvl8pPr marL="3200400" indent="0" algn="l" defTabSz="457200" rtl="0" eaLnBrk="1" latinLnBrk="0" hangingPunct="1">
-              <a:spcBef>
-                <a:spcPts val="1000"/>
-              </a:spcBef>
-              <a:spcAft>
-                <a:spcPts val="0"/>
-              </a:spcAft>
-              <a:buClr>
-                <a:schemeClr val="bg2">
-                  <a:lumMod val="40000"/>
-                  <a:lumOff val="60000"/>
-                </a:schemeClr>
-              </a:buClr>
-              <a:buSzPct val="80000"/>
-              <a:buFont typeface="Wingdings 3" charset="2"/>
-              <a:buNone/>
-              <a:defRPr sz="1600" b="1" i="0" kern="1200">
-                <a:solidFill>
-                  <a:schemeClr val="tx1"/>
-                </a:solidFill>
-                <a:latin typeface="+mj-lt"/>
-                <a:ea typeface="+mj-ea"/>
-                <a:cs typeface="+mj-cs"/>
-              </a:defRPr>
-            </a:lvl8pPr>
-            <a:lvl9pPr marL="3657600" indent="0" algn="l" defTabSz="457200" rtl="0" eaLnBrk="1" latinLnBrk="0" hangingPunct="1">
-              <a:spcBef>
-                <a:spcPts val="1000"/>
-              </a:spcBef>
-              <a:spcAft>
-                <a:spcPts val="0"/>
-              </a:spcAft>
-              <a:buClr>
-                <a:schemeClr val="bg2">
-                  <a:lumMod val="40000"/>
-                  <a:lumOff val="60000"/>
-                </a:schemeClr>
-              </a:buClr>
-              <a:buSzPct val="80000"/>
-              <a:buFont typeface="Wingdings 3" charset="2"/>
-              <a:buNone/>
-              <a:defRPr sz="1600" b="1" i="0" kern="1200">
-                <a:solidFill>
-                  <a:schemeClr val="tx1"/>
-                </a:solidFill>
-                <a:latin typeface="+mj-lt"/>
-                <a:ea typeface="+mj-ea"/>
-                <a:cs typeface="+mj-cs"/>
-              </a:defRPr>
-            </a:lvl9pPr>
-          </a:lstStyle>
-          <a:p>
-            <a:pPr>
-              <a:lnSpc>
-                <a:spcPct val="200000"/>
-              </a:lnSpc>
-            </a:pPr>
+          <a:bodyPr rtlCol="0" anchor="ctr"/>
+          <a:lstStyle/>
+          <a:p>
+            <a:pPr algn="ctr"/>
             <a:r>
-              <a:rPr lang="nl-NL" sz="3600" dirty="0">
-                <a:solidFill>
-                  <a:schemeClr val="tx1"/>
-                </a:solidFill>
-              </a:rPr>
-              <a:t>Flexibiliteit</a:t>
-            </a:r>
-          </a:p>
-          <a:p>
-            <a:pPr>
-              <a:lnSpc>
-                <a:spcPct val="200000"/>
-              </a:lnSpc>
-            </a:pPr>
-            <a:r>
-              <a:rPr lang="nl-NL" sz="3600" dirty="0">
-                <a:solidFill>
-                  <a:schemeClr val="tx1"/>
-                </a:solidFill>
-              </a:rPr>
-              <a:t>192.168.1.1</a:t>
+              <a:rPr lang="nl-NL" dirty="0"/>
+              <a:t>Studentenbedrijf</a:t>
             </a:r>
           </a:p>
         </p:txBody>
@@ -11468,7 +13054,7 @@
     </p:spTree>
     <p:extLst>
       <p:ext uri="{BB962C8B-B14F-4D97-AF65-F5344CB8AC3E}">
-        <p14:creationId xmlns:p14="http://schemas.microsoft.com/office/powerpoint/2010/main" val="1808626621"/>
+        <p14:creationId xmlns:p14="http://schemas.microsoft.com/office/powerpoint/2010/main" val="3572760617"/>
       </p:ext>
     </p:extLst>
   </p:cSld>
@@ -11499,15 +13085,10 @@
                             </p:stCondLst>
                             <p:childTnLst>
                               <p:par>
-                                <p:cTn id="5" presetID="10" presetClass="entr" presetSubtype="0" fill="hold" grpId="0" nodeType="clickEffect" nodePh="1">
+                                <p:cTn id="5" presetID="10" presetClass="entr" presetSubtype="0" fill="hold" grpId="0" nodeType="clickEffect">
                                   <p:stCondLst>
                                     <p:cond delay="0"/>
                                   </p:stCondLst>
-                                  <p:endCondLst>
-                                    <p:cond evt="begin" delay="0">
-                                      <p:tn val="5"/>
-                                    </p:cond>
-                                  </p:endCondLst>
                                   <p:childTnLst>
                                     <p:set>
                                       <p:cBhvr>
@@ -11539,15 +13120,10 @@
                                 </p:cTn>
                               </p:par>
                               <p:par>
-                                <p:cTn id="8" presetID="24" presetClass="emph" presetSubtype="0" fill="hold" grpId="1" nodeType="withEffect" nodePh="1">
+                                <p:cTn id="8" presetID="24" presetClass="emph" presetSubtype="0" fill="hold" grpId="1" nodeType="withEffect">
                                   <p:stCondLst>
                                     <p:cond delay="0"/>
                                   </p:stCondLst>
-                                  <p:endCondLst>
-                                    <p:cond evt="begin" delay="0">
-                                      <p:tn val="8"/>
-                                    </p:cond>
-                                  </p:endCondLst>
                                   <p:childTnLst>
                                     <p:animClr clrSpc="hsl" dir="cw">
                                       <p:cBhvr override="childStyle">
@@ -11622,493 +13198,6 @@
                                       </p:to>
                                     </p:animClr>
                                   </p:subTnLst>
-                                </p:cTn>
-                              </p:par>
-                            </p:childTnLst>
-                          </p:cTn>
-                        </p:par>
-                      </p:childTnLst>
-                    </p:cTn>
-                  </p:par>
-                  <p:par>
-                    <p:cTn id="13" fill="hold">
-                      <p:stCondLst>
-                        <p:cond delay="indefinite"/>
-                      </p:stCondLst>
-                      <p:childTnLst>
-                        <p:par>
-                          <p:cTn id="14" fill="hold">
-                            <p:stCondLst>
-                              <p:cond delay="0"/>
-                            </p:stCondLst>
-                            <p:childTnLst>
-                              <p:par>
-                                <p:cTn id="15" presetID="10" presetClass="entr" presetSubtype="0" fill="hold" nodeType="clickEffect">
-                                  <p:stCondLst>
-                                    <p:cond delay="0"/>
-                                  </p:stCondLst>
-                                  <p:childTnLst>
-                                    <p:set>
-                                      <p:cBhvr>
-                                        <p:cTn id="16" dur="1" fill="hold">
-                                          <p:stCondLst>
-                                            <p:cond delay="0"/>
-                                          </p:stCondLst>
-                                        </p:cTn>
-                                        <p:tgtEl>
-                                          <p:spTgt spid="12">
-                                            <p:txEl>
-                                              <p:pRg st="0" end="0"/>
-                                            </p:txEl>
-                                          </p:spTgt>
-                                        </p:tgtEl>
-                                        <p:attrNameLst>
-                                          <p:attrName>style.visibility</p:attrName>
-                                        </p:attrNameLst>
-                                      </p:cBhvr>
-                                      <p:to>
-                                        <p:strVal val="visible"/>
-                                      </p:to>
-                                    </p:set>
-                                    <p:animEffect transition="in" filter="fade">
-                                      <p:cBhvr>
-                                        <p:cTn id="17" dur="500"/>
-                                        <p:tgtEl>
-                                          <p:spTgt spid="12">
-                                            <p:txEl>
-                                              <p:pRg st="0" end="0"/>
-                                            </p:txEl>
-                                          </p:spTgt>
-                                        </p:tgtEl>
-                                      </p:cBhvr>
-                                    </p:animEffect>
-                                  </p:childTnLst>
-                                </p:cTn>
-                              </p:par>
-                            </p:childTnLst>
-                          </p:cTn>
-                        </p:par>
-                      </p:childTnLst>
-                    </p:cTn>
-                  </p:par>
-                  <p:par>
-                    <p:cTn id="18" fill="hold">
-                      <p:stCondLst>
-                        <p:cond delay="indefinite"/>
-                      </p:stCondLst>
-                      <p:childTnLst>
-                        <p:par>
-                          <p:cTn id="19" fill="hold">
-                            <p:stCondLst>
-                              <p:cond delay="0"/>
-                            </p:stCondLst>
-                            <p:childTnLst>
-                              <p:par>
-                                <p:cTn id="20" presetID="10" presetClass="entr" presetSubtype="0" fill="hold" nodeType="clickEffect">
-                                  <p:stCondLst>
-                                    <p:cond delay="0"/>
-                                  </p:stCondLst>
-                                  <p:childTnLst>
-                                    <p:set>
-                                      <p:cBhvr>
-                                        <p:cTn id="21" dur="1" fill="hold">
-                                          <p:stCondLst>
-                                            <p:cond delay="0"/>
-                                          </p:stCondLst>
-                                        </p:cTn>
-                                        <p:tgtEl>
-                                          <p:spTgt spid="12">
-                                            <p:txEl>
-                                              <p:pRg st="1" end="1"/>
-                                            </p:txEl>
-                                          </p:spTgt>
-                                        </p:tgtEl>
-                                        <p:attrNameLst>
-                                          <p:attrName>style.visibility</p:attrName>
-                                        </p:attrNameLst>
-                                      </p:cBhvr>
-                                      <p:to>
-                                        <p:strVal val="visible"/>
-                                      </p:to>
-                                    </p:set>
-                                    <p:animEffect transition="in" filter="fade">
-                                      <p:cBhvr>
-                                        <p:cTn id="22" dur="500"/>
-                                        <p:tgtEl>
-                                          <p:spTgt spid="12">
-                                            <p:txEl>
-                                              <p:pRg st="1" end="1"/>
-                                            </p:txEl>
-                                          </p:spTgt>
-                                        </p:tgtEl>
-                                      </p:cBhvr>
-                                    </p:animEffect>
-                                  </p:childTnLst>
-                                </p:cTn>
-                              </p:par>
-                              <p:par>
-                                <p:cTn id="23" presetID="24" presetClass="emph" presetSubtype="0" fill="hold" nodeType="withEffect">
-                                  <p:stCondLst>
-                                    <p:cond delay="0"/>
-                                  </p:stCondLst>
-                                  <p:childTnLst>
-                                    <p:animClr clrSpc="hsl" dir="cw">
-                                      <p:cBhvr override="childStyle">
-                                        <p:cTn id="24" dur="500" fill="hold"/>
-                                        <p:tgtEl>
-                                          <p:spTgt spid="12">
-                                            <p:txEl>
-                                              <p:pRg st="0" end="0"/>
-                                            </p:txEl>
-                                          </p:spTgt>
-                                        </p:tgtEl>
-                                        <p:attrNameLst>
-                                          <p:attrName>style.color</p:attrName>
-                                        </p:attrNameLst>
-                                      </p:cBhvr>
-                                      <p:by>
-                                        <p:hsl h="0" s="-12549" l="-25098"/>
-                                      </p:by>
-                                    </p:animClr>
-                                    <p:animClr clrSpc="hsl" dir="cw">
-                                      <p:cBhvr>
-                                        <p:cTn id="25" dur="500" fill="hold"/>
-                                        <p:tgtEl>
-                                          <p:spTgt spid="12">
-                                            <p:txEl>
-                                              <p:pRg st="0" end="0"/>
-                                            </p:txEl>
-                                          </p:spTgt>
-                                        </p:tgtEl>
-                                        <p:attrNameLst>
-                                          <p:attrName>fillcolor</p:attrName>
-                                        </p:attrNameLst>
-                                      </p:cBhvr>
-                                      <p:by>
-                                        <p:hsl h="0" s="-12549" l="-25098"/>
-                                      </p:by>
-                                    </p:animClr>
-                                    <p:animClr clrSpc="hsl" dir="cw">
-                                      <p:cBhvr>
-                                        <p:cTn id="26" dur="500" fill="hold"/>
-                                        <p:tgtEl>
-                                          <p:spTgt spid="12">
-                                            <p:txEl>
-                                              <p:pRg st="0" end="0"/>
-                                            </p:txEl>
-                                          </p:spTgt>
-                                        </p:tgtEl>
-                                        <p:attrNameLst>
-                                          <p:attrName>stroke.color</p:attrName>
-                                        </p:attrNameLst>
-                                      </p:cBhvr>
-                                      <p:by>
-                                        <p:hsl h="0" s="-12549" l="-25098"/>
-                                      </p:by>
-                                    </p:animClr>
-                                    <p:set>
-                                      <p:cBhvr>
-                                        <p:cTn id="27" dur="500" fill="hold"/>
-                                        <p:tgtEl>
-                                          <p:spTgt spid="12">
-                                            <p:txEl>
-                                              <p:pRg st="0" end="0"/>
-                                            </p:txEl>
-                                          </p:spTgt>
-                                        </p:tgtEl>
-                                        <p:attrNameLst>
-                                          <p:attrName>fill.type</p:attrName>
-                                        </p:attrNameLst>
-                                      </p:cBhvr>
-                                      <p:to>
-                                        <p:strVal val="solid"/>
-                                      </p:to>
-                                    </p:set>
-                                  </p:childTnLst>
-                                </p:cTn>
-                              </p:par>
-                            </p:childTnLst>
-                          </p:cTn>
-                        </p:par>
-                      </p:childTnLst>
-                    </p:cTn>
-                  </p:par>
-                  <p:par>
-                    <p:cTn id="28" fill="hold">
-                      <p:stCondLst>
-                        <p:cond delay="indefinite"/>
-                      </p:stCondLst>
-                      <p:childTnLst>
-                        <p:par>
-                          <p:cTn id="29" fill="hold">
-                            <p:stCondLst>
-                              <p:cond delay="0"/>
-                            </p:stCondLst>
-                            <p:childTnLst>
-                              <p:par>
-                                <p:cTn id="30" presetID="10" presetClass="entr" presetSubtype="0" fill="hold" nodeType="clickEffect">
-                                  <p:stCondLst>
-                                    <p:cond delay="0"/>
-                                  </p:stCondLst>
-                                  <p:childTnLst>
-                                    <p:set>
-                                      <p:cBhvr>
-                                        <p:cTn id="31" dur="1" fill="hold">
-                                          <p:stCondLst>
-                                            <p:cond delay="0"/>
-                                          </p:stCondLst>
-                                        </p:cTn>
-                                        <p:tgtEl>
-                                          <p:spTgt spid="13">
-                                            <p:txEl>
-                                              <p:pRg st="0" end="0"/>
-                                            </p:txEl>
-                                          </p:spTgt>
-                                        </p:tgtEl>
-                                        <p:attrNameLst>
-                                          <p:attrName>style.visibility</p:attrName>
-                                        </p:attrNameLst>
-                                      </p:cBhvr>
-                                      <p:to>
-                                        <p:strVal val="visible"/>
-                                      </p:to>
-                                    </p:set>
-                                    <p:animEffect transition="in" filter="fade">
-                                      <p:cBhvr>
-                                        <p:cTn id="32" dur="500"/>
-                                        <p:tgtEl>
-                                          <p:spTgt spid="13">
-                                            <p:txEl>
-                                              <p:pRg st="0" end="0"/>
-                                            </p:txEl>
-                                          </p:spTgt>
-                                        </p:tgtEl>
-                                      </p:cBhvr>
-                                    </p:animEffect>
-                                  </p:childTnLst>
-                                </p:cTn>
-                              </p:par>
-                              <p:par>
-                                <p:cTn id="33" presetID="24" presetClass="emph" presetSubtype="0" fill="hold" nodeType="withEffect">
-                                  <p:stCondLst>
-                                    <p:cond delay="0"/>
-                                  </p:stCondLst>
-                                  <p:childTnLst>
-                                    <p:animClr clrSpc="hsl" dir="cw">
-                                      <p:cBhvr override="childStyle">
-                                        <p:cTn id="34" dur="500" fill="hold"/>
-                                        <p:tgtEl>
-                                          <p:spTgt spid="12">
-                                            <p:txEl>
-                                              <p:pRg st="1" end="1"/>
-                                            </p:txEl>
-                                          </p:spTgt>
-                                        </p:tgtEl>
-                                        <p:attrNameLst>
-                                          <p:attrName>style.color</p:attrName>
-                                        </p:attrNameLst>
-                                      </p:cBhvr>
-                                      <p:by>
-                                        <p:hsl h="0" s="-12549" l="-25098"/>
-                                      </p:by>
-                                    </p:animClr>
-                                    <p:animClr clrSpc="hsl" dir="cw">
-                                      <p:cBhvr>
-                                        <p:cTn id="35" dur="500" fill="hold"/>
-                                        <p:tgtEl>
-                                          <p:spTgt spid="12">
-                                            <p:txEl>
-                                              <p:pRg st="1" end="1"/>
-                                            </p:txEl>
-                                          </p:spTgt>
-                                        </p:tgtEl>
-                                        <p:attrNameLst>
-                                          <p:attrName>fillcolor</p:attrName>
-                                        </p:attrNameLst>
-                                      </p:cBhvr>
-                                      <p:by>
-                                        <p:hsl h="0" s="-12549" l="-25098"/>
-                                      </p:by>
-                                    </p:animClr>
-                                    <p:animClr clrSpc="hsl" dir="cw">
-                                      <p:cBhvr>
-                                        <p:cTn id="36" dur="500" fill="hold"/>
-                                        <p:tgtEl>
-                                          <p:spTgt spid="12">
-                                            <p:txEl>
-                                              <p:pRg st="1" end="1"/>
-                                            </p:txEl>
-                                          </p:spTgt>
-                                        </p:tgtEl>
-                                        <p:attrNameLst>
-                                          <p:attrName>stroke.color</p:attrName>
-                                        </p:attrNameLst>
-                                      </p:cBhvr>
-                                      <p:by>
-                                        <p:hsl h="0" s="-12549" l="-25098"/>
-                                      </p:by>
-                                    </p:animClr>
-                                    <p:set>
-                                      <p:cBhvr>
-                                        <p:cTn id="37" dur="500" fill="hold"/>
-                                        <p:tgtEl>
-                                          <p:spTgt spid="12">
-                                            <p:txEl>
-                                              <p:pRg st="1" end="1"/>
-                                            </p:txEl>
-                                          </p:spTgt>
-                                        </p:tgtEl>
-                                        <p:attrNameLst>
-                                          <p:attrName>fill.type</p:attrName>
-                                        </p:attrNameLst>
-                                      </p:cBhvr>
-                                      <p:to>
-                                        <p:strVal val="solid"/>
-                                      </p:to>
-                                    </p:set>
-                                  </p:childTnLst>
-                                </p:cTn>
-                              </p:par>
-                            </p:childTnLst>
-                          </p:cTn>
-                        </p:par>
-                      </p:childTnLst>
-                    </p:cTn>
-                  </p:par>
-                  <p:par>
-                    <p:cTn id="38" fill="hold">
-                      <p:stCondLst>
-                        <p:cond delay="indefinite"/>
-                      </p:stCondLst>
-                      <p:childTnLst>
-                        <p:par>
-                          <p:cTn id="39" fill="hold">
-                            <p:stCondLst>
-                              <p:cond delay="0"/>
-                            </p:stCondLst>
-                            <p:childTnLst>
-                              <p:par>
-                                <p:cTn id="40" presetID="10" presetClass="entr" presetSubtype="0" fill="hold" nodeType="clickEffect">
-                                  <p:stCondLst>
-                                    <p:cond delay="0"/>
-                                  </p:stCondLst>
-                                  <p:childTnLst>
-                                    <p:set>
-                                      <p:cBhvr>
-                                        <p:cTn id="41" dur="1" fill="hold">
-                                          <p:stCondLst>
-                                            <p:cond delay="0"/>
-                                          </p:stCondLst>
-                                        </p:cTn>
-                                        <p:tgtEl>
-                                          <p:spTgt spid="13">
-                                            <p:txEl>
-                                              <p:pRg st="1" end="1"/>
-                                            </p:txEl>
-                                          </p:spTgt>
-                                        </p:tgtEl>
-                                        <p:attrNameLst>
-                                          <p:attrName>style.visibility</p:attrName>
-                                        </p:attrNameLst>
-                                      </p:cBhvr>
-                                      <p:to>
-                                        <p:strVal val="visible"/>
-                                      </p:to>
-                                    </p:set>
-                                    <p:animEffect transition="in" filter="fade">
-                                      <p:cBhvr>
-                                        <p:cTn id="42" dur="500"/>
-                                        <p:tgtEl>
-                                          <p:spTgt spid="13">
-                                            <p:txEl>
-                                              <p:pRg st="1" end="1"/>
-                                            </p:txEl>
-                                          </p:spTgt>
-                                        </p:tgtEl>
-                                      </p:cBhvr>
-                                    </p:animEffect>
-                                  </p:childTnLst>
-                                </p:cTn>
-                              </p:par>
-                              <p:par>
-                                <p:cTn id="43" presetID="24" presetClass="emph" presetSubtype="0" fill="hold" nodeType="withEffect">
-                                  <p:stCondLst>
-                                    <p:cond delay="0"/>
-                                  </p:stCondLst>
-                                  <p:childTnLst>
-                                    <p:animClr clrSpc="hsl" dir="cw">
-                                      <p:cBhvr override="childStyle">
-                                        <p:cTn id="44" dur="500" fill="hold"/>
-                                        <p:tgtEl>
-                                          <p:spTgt spid="13">
-                                            <p:txEl>
-                                              <p:pRg st="0" end="0"/>
-                                            </p:txEl>
-                                          </p:spTgt>
-                                        </p:tgtEl>
-                                        <p:attrNameLst>
-                                          <p:attrName>style.color</p:attrName>
-                                        </p:attrNameLst>
-                                      </p:cBhvr>
-                                      <p:by>
-                                        <p:hsl h="0" s="-12549" l="-25098"/>
-                                      </p:by>
-                                    </p:animClr>
-                                    <p:animClr clrSpc="hsl" dir="cw">
-                                      <p:cBhvr>
-                                        <p:cTn id="45" dur="500" fill="hold"/>
-                                        <p:tgtEl>
-                                          <p:spTgt spid="13">
-                                            <p:txEl>
-                                              <p:pRg st="0" end="0"/>
-                                            </p:txEl>
-                                          </p:spTgt>
-                                        </p:tgtEl>
-                                        <p:attrNameLst>
-                                          <p:attrName>fillcolor</p:attrName>
-                                        </p:attrNameLst>
-                                      </p:cBhvr>
-                                      <p:by>
-                                        <p:hsl h="0" s="-12549" l="-25098"/>
-                                      </p:by>
-                                    </p:animClr>
-                                    <p:animClr clrSpc="hsl" dir="cw">
-                                      <p:cBhvr>
-                                        <p:cTn id="46" dur="500" fill="hold"/>
-                                        <p:tgtEl>
-                                          <p:spTgt spid="13">
-                                            <p:txEl>
-                                              <p:pRg st="0" end="0"/>
-                                            </p:txEl>
-                                          </p:spTgt>
-                                        </p:tgtEl>
-                                        <p:attrNameLst>
-                                          <p:attrName>stroke.color</p:attrName>
-                                        </p:attrNameLst>
-                                      </p:cBhvr>
-                                      <p:by>
-                                        <p:hsl h="0" s="-12549" l="-25098"/>
-                                      </p:by>
-                                    </p:animClr>
-                                    <p:set>
-                                      <p:cBhvr>
-                                        <p:cTn id="47" dur="500" fill="hold"/>
-                                        <p:tgtEl>
-                                          <p:spTgt spid="13">
-                                            <p:txEl>
-                                              <p:pRg st="0" end="0"/>
-                                            </p:txEl>
-                                          </p:spTgt>
-                                        </p:tgtEl>
-                                        <p:attrNameLst>
-                                          <p:attrName>fill.type</p:attrName>
-                                        </p:attrNameLst>
-                                      </p:cBhvr>
-                                      <p:to>
-                                        <p:strVal val="solid"/>
-                                      </p:to>
-                                    </p:set>
-                                  </p:childTnLst>
                                 </p:cTn>
                               </p:par>
                             </p:childTnLst>
@@ -12179,14 +13268,13 @@
           <a:lstStyle/>
           <a:p>
             <a:r>
-              <a:rPr lang="nl-NL" sz="1800" dirty="0"/>
-              <a:t>Voorbereidend : MAC </a:t>
+              <a:rPr lang="nl-NL" sz="1800" dirty="0" err="1"/>
+              <a:t>Itissues</a:t>
             </a:r>
             <a:r>
-              <a:rPr lang="nl-NL" sz="1800" dirty="0" err="1"/>
-              <a:t>adress</a:t>
+              <a:rPr lang="nl-NL" sz="1800" dirty="0"/>
+              <a:t>: Voorbereiding</a:t>
             </a:r>
-            <a:endParaRPr lang="nl-NL" sz="1800" dirty="0"/>
           </a:p>
         </p:txBody>
       </p:sp>
@@ -12284,36 +13372,63 @@
           </a:p>
         </p:txBody>
       </p:sp>
-      <p:pic>
-        <p:nvPicPr>
-          <p:cNvPr id="5" name="Afbeelding 4">
+      <p:sp>
+        <p:nvSpPr>
+          <p:cNvPr id="9" name="Rechthoek 8">
             <a:extLst>
               <a:ext uri="{FF2B5EF4-FFF2-40B4-BE49-F238E27FC236}">
-                <a16:creationId xmlns:a16="http://schemas.microsoft.com/office/drawing/2014/main" id="{5A39C7C6-8516-45BC-ABDB-359C14F08F77}"/>
+                <a16:creationId xmlns:a16="http://schemas.microsoft.com/office/drawing/2014/main" id="{65F347BA-0DCD-4CD6-9504-4CA1585F651A}"/>
               </a:ext>
             </a:extLst>
           </p:cNvPr>
-          <p:cNvPicPr>
-            <a:picLocks noChangeAspect="1"/>
-          </p:cNvPicPr>
+          <p:cNvSpPr/>
           <p:nvPr/>
-        </p:nvPicPr>
-        <p:blipFill>
-          <a:blip r:embed="rId3"/>
-          <a:stretch>
-            <a:fillRect/>
-          </a:stretch>
-        </p:blipFill>
+        </p:nvSpPr>
         <p:spPr>
-          <a:xfrm>
-            <a:off x="5785845" y="796345"/>
-            <a:ext cx="4133636" cy="2321133"/>
+          <a:xfrm rot="5400000">
+            <a:off x="-837661" y="1122403"/>
+            <a:ext cx="2037348" cy="362035"/>
           </a:xfrm>
           <a:prstGeom prst="rect">
             <a:avLst/>
           </a:prstGeom>
+          <a:solidFill>
+            <a:srgbClr val="FFC000"/>
+          </a:solidFill>
+          <a:ln>
+            <a:solidFill>
+              <a:srgbClr val="FFC000"/>
+            </a:solidFill>
+          </a:ln>
         </p:spPr>
-      </p:pic>
+        <p:style>
+          <a:lnRef idx="2">
+            <a:schemeClr val="accent1">
+              <a:shade val="50000"/>
+            </a:schemeClr>
+          </a:lnRef>
+          <a:fillRef idx="1">
+            <a:schemeClr val="accent1"/>
+          </a:fillRef>
+          <a:effectRef idx="0">
+            <a:schemeClr val="accent1"/>
+          </a:effectRef>
+          <a:fontRef idx="minor">
+            <a:schemeClr val="lt1"/>
+          </a:fontRef>
+        </p:style>
+        <p:txBody>
+          <a:bodyPr rtlCol="0" anchor="ctr"/>
+          <a:lstStyle/>
+          <a:p>
+            <a:pPr algn="ctr"/>
+            <a:r>
+              <a:rPr lang="nl-NL" dirty="0"/>
+              <a:t>Studentenbedrijf</a:t>
+            </a:r>
+          </a:p>
+        </p:txBody>
+      </p:sp>
     </p:spTree>
     <p:extLst>
       <p:ext uri="{BB962C8B-B14F-4D97-AF65-F5344CB8AC3E}">
@@ -12524,41 +13639,6 @@
                                   </p:childTnLst>
                                 </p:cTn>
                               </p:par>
-                              <p:par>
-                                <p:cTn id="18" presetID="10" presetClass="entr" presetSubtype="0" fill="hold" nodeType="withEffect">
-                                  <p:stCondLst>
-                                    <p:cond delay="0"/>
-                                  </p:stCondLst>
-                                  <p:childTnLst>
-                                    <p:set>
-                                      <p:cBhvr>
-                                        <p:cTn id="19" dur="1" fill="hold">
-                                          <p:stCondLst>
-                                            <p:cond delay="0"/>
-                                          </p:stCondLst>
-                                        </p:cTn>
-                                        <p:tgtEl>
-                                          <p:spTgt spid="5"/>
-                                        </p:tgtEl>
-                                        <p:attrNameLst>
-                                          <p:attrName>style.visibility</p:attrName>
-                                        </p:attrNameLst>
-                                      </p:cBhvr>
-                                      <p:to>
-                                        <p:strVal val="visible"/>
-                                      </p:to>
-                                    </p:set>
-                                    <p:animEffect transition="in" filter="fade">
-                                      <p:cBhvr>
-                                        <p:cTn id="20" dur="500"/>
-                                        <p:tgtEl>
-                                          <p:spTgt spid="5"/>
-                                        </p:tgtEl>
-                                      </p:cBhvr>
-                                    </p:animEffect>
-                                  </p:childTnLst>
-                                </p:cTn>
-                              </p:par>
                             </p:childTnLst>
                           </p:cTn>
                         </p:par>
@@ -12566,26 +13646,26 @@
                     </p:cTn>
                   </p:par>
                   <p:par>
-                    <p:cTn id="21" fill="hold">
+                    <p:cTn id="18" fill="hold">
                       <p:stCondLst>
                         <p:cond delay="indefinite"/>
                       </p:stCondLst>
                       <p:childTnLst>
                         <p:par>
-                          <p:cTn id="22" fill="hold">
+                          <p:cTn id="19" fill="hold">
                             <p:stCondLst>
                               <p:cond delay="0"/>
                             </p:stCondLst>
                             <p:childTnLst>
                               <p:par>
-                                <p:cTn id="23" presetID="10" presetClass="entr" presetSubtype="0" fill="hold" nodeType="clickEffect">
+                                <p:cTn id="20" presetID="10" presetClass="entr" presetSubtype="0" fill="hold" nodeType="clickEffect">
                                   <p:stCondLst>
                                     <p:cond delay="0"/>
                                   </p:stCondLst>
                                   <p:childTnLst>
                                     <p:set>
                                       <p:cBhvr>
-                                        <p:cTn id="24" dur="1" fill="hold">
+                                        <p:cTn id="21" dur="1" fill="hold">
                                           <p:stCondLst>
                                             <p:cond delay="0"/>
                                           </p:stCondLst>
@@ -12607,7 +13687,7 @@
                                     </p:set>
                                     <p:animEffect transition="in" filter="fade">
                                       <p:cBhvr>
-                                        <p:cTn id="25" dur="500"/>
+                                        <p:cTn id="22" dur="500"/>
                                         <p:tgtEl>
                                           <p:spTgt spid="3">
                                             <p:txEl>
@@ -12621,14 +13701,14 @@
                                 </p:cTn>
                               </p:par>
                               <p:par>
-                                <p:cTn id="26" presetID="24" presetClass="emph" presetSubtype="0" fill="hold" nodeType="withEffect">
+                                <p:cTn id="23" presetID="24" presetClass="emph" presetSubtype="0" fill="hold" nodeType="withEffect">
                                   <p:stCondLst>
                                     <p:cond delay="0"/>
                                   </p:stCondLst>
                                   <p:childTnLst>
                                     <p:animClr clrSpc="hsl" dir="cw">
                                       <p:cBhvr override="childStyle">
-                                        <p:cTn id="27" dur="500" fill="hold"/>
+                                        <p:cTn id="24" dur="500" fill="hold"/>
                                         <p:tgtEl>
                                           <p:spTgt spid="3">
                                             <p:txEl>
@@ -12646,7 +13726,7 @@
                                     </p:animClr>
                                     <p:animClr clrSpc="hsl" dir="cw">
                                       <p:cBhvr>
-                                        <p:cTn id="28" dur="500" fill="hold"/>
+                                        <p:cTn id="25" dur="500" fill="hold"/>
                                         <p:tgtEl>
                                           <p:spTgt spid="3">
                                             <p:txEl>
@@ -12664,7 +13744,7 @@
                                     </p:animClr>
                                     <p:animClr clrSpc="hsl" dir="cw">
                                       <p:cBhvr>
-                                        <p:cTn id="29" dur="500" fill="hold"/>
+                                        <p:cTn id="26" dur="500" fill="hold"/>
                                         <p:tgtEl>
                                           <p:spTgt spid="3">
                                             <p:txEl>
@@ -12682,7 +13762,7 @@
                                     </p:animClr>
                                     <p:set>
                                       <p:cBhvr>
-                                        <p:cTn id="30" dur="500" fill="hold"/>
+                                        <p:cTn id="27" dur="500" fill="hold"/>
                                         <p:tgtEl>
                                           <p:spTgt spid="3">
                                             <p:txEl>
@@ -12708,26 +13788,26 @@
                     </p:cTn>
                   </p:par>
                   <p:par>
-                    <p:cTn id="31" fill="hold">
+                    <p:cTn id="28" fill="hold">
                       <p:stCondLst>
                         <p:cond delay="indefinite"/>
                       </p:stCondLst>
                       <p:childTnLst>
                         <p:par>
-                          <p:cTn id="32" fill="hold">
+                          <p:cTn id="29" fill="hold">
                             <p:stCondLst>
                               <p:cond delay="0"/>
                             </p:stCondLst>
                             <p:childTnLst>
                               <p:par>
-                                <p:cTn id="33" presetID="10" presetClass="entr" presetSubtype="0" fill="hold" nodeType="clickEffect">
+                                <p:cTn id="30" presetID="10" presetClass="entr" presetSubtype="0" fill="hold" nodeType="clickEffect">
                                   <p:stCondLst>
                                     <p:cond delay="0"/>
                                   </p:stCondLst>
                                   <p:childTnLst>
                                     <p:set>
                                       <p:cBhvr>
-                                        <p:cTn id="34" dur="1" fill="hold">
+                                        <p:cTn id="31" dur="1" fill="hold">
                                           <p:stCondLst>
                                             <p:cond delay="0"/>
                                           </p:stCondLst>
@@ -12749,7 +13829,7 @@
                                     </p:set>
                                     <p:animEffect transition="in" filter="fade">
                                       <p:cBhvr>
-                                        <p:cTn id="35" dur="500"/>
+                                        <p:cTn id="32" dur="500"/>
                                         <p:tgtEl>
                                           <p:spTgt spid="4">
                                             <p:txEl>
@@ -12763,14 +13843,14 @@
                                 </p:cTn>
                               </p:par>
                               <p:par>
-                                <p:cTn id="36" presetID="24" presetClass="emph" presetSubtype="0" fill="hold" nodeType="withEffect">
+                                <p:cTn id="33" presetID="24" presetClass="emph" presetSubtype="0" fill="hold" nodeType="withEffect">
                                   <p:stCondLst>
                                     <p:cond delay="0"/>
                                   </p:stCondLst>
                                   <p:childTnLst>
                                     <p:animClr clrSpc="hsl" dir="cw">
                                       <p:cBhvr override="childStyle">
-                                        <p:cTn id="37" dur="500" fill="hold"/>
+                                        <p:cTn id="34" dur="500" fill="hold"/>
                                         <p:tgtEl>
                                           <p:spTgt spid="3">
                                             <p:txEl>
@@ -12788,7 +13868,7 @@
                                     </p:animClr>
                                     <p:animClr clrSpc="hsl" dir="cw">
                                       <p:cBhvr>
-                                        <p:cTn id="38" dur="500" fill="hold"/>
+                                        <p:cTn id="35" dur="500" fill="hold"/>
                                         <p:tgtEl>
                                           <p:spTgt spid="3">
                                             <p:txEl>
@@ -12806,7 +13886,7 @@
                                     </p:animClr>
                                     <p:animClr clrSpc="hsl" dir="cw">
                                       <p:cBhvr>
-                                        <p:cTn id="39" dur="500" fill="hold"/>
+                                        <p:cTn id="36" dur="500" fill="hold"/>
                                         <p:tgtEl>
                                           <p:spTgt spid="3">
                                             <p:txEl>
@@ -12824,7 +13904,7 @@
                                     </p:animClr>
                                     <p:set>
                                       <p:cBhvr>
-                                        <p:cTn id="40" dur="500" fill="hold"/>
+                                        <p:cTn id="37" dur="500" fill="hold"/>
                                         <p:tgtEl>
                                           <p:spTgt spid="3">
                                             <p:txEl>
@@ -12850,26 +13930,26 @@
                     </p:cTn>
                   </p:par>
                   <p:par>
-                    <p:cTn id="41" fill="hold">
+                    <p:cTn id="38" fill="hold">
                       <p:stCondLst>
                         <p:cond delay="indefinite"/>
                       </p:stCondLst>
                       <p:childTnLst>
                         <p:par>
-                          <p:cTn id="42" fill="hold">
+                          <p:cTn id="39" fill="hold">
                             <p:stCondLst>
                               <p:cond delay="0"/>
                             </p:stCondLst>
                             <p:childTnLst>
                               <p:par>
-                                <p:cTn id="43" presetID="10" presetClass="entr" presetSubtype="0" fill="hold" nodeType="clickEffect">
+                                <p:cTn id="40" presetID="10" presetClass="entr" presetSubtype="0" fill="hold" nodeType="clickEffect">
                                   <p:stCondLst>
                                     <p:cond delay="0"/>
                                   </p:stCondLst>
                                   <p:childTnLst>
                                     <p:set>
                                       <p:cBhvr>
-                                        <p:cTn id="44" dur="1" fill="hold">
+                                        <p:cTn id="41" dur="1" fill="hold">
                                           <p:stCondLst>
                                             <p:cond delay="0"/>
                                           </p:stCondLst>
@@ -12891,7 +13971,7 @@
                                     </p:set>
                                     <p:animEffect transition="in" filter="fade">
                                       <p:cBhvr>
-                                        <p:cTn id="45" dur="500"/>
+                                        <p:cTn id="42" dur="500"/>
                                         <p:tgtEl>
                                           <p:spTgt spid="4">
                                             <p:txEl>
@@ -12905,14 +13985,14 @@
                                 </p:cTn>
                               </p:par>
                               <p:par>
-                                <p:cTn id="46" presetID="24" presetClass="emph" presetSubtype="0" fill="hold" nodeType="withEffect">
+                                <p:cTn id="43" presetID="24" presetClass="emph" presetSubtype="0" fill="hold" nodeType="withEffect">
                                   <p:stCondLst>
                                     <p:cond delay="0"/>
                                   </p:stCondLst>
                                   <p:childTnLst>
                                     <p:animClr clrSpc="hsl" dir="cw">
                                       <p:cBhvr override="childStyle">
-                                        <p:cTn id="47" dur="500" fill="hold"/>
+                                        <p:cTn id="44" dur="500" fill="hold"/>
                                         <p:tgtEl>
                                           <p:spTgt spid="4">
                                             <p:txEl>
@@ -12930,7 +14010,7 @@
                                     </p:animClr>
                                     <p:animClr clrSpc="hsl" dir="cw">
                                       <p:cBhvr>
-                                        <p:cTn id="48" dur="500" fill="hold"/>
+                                        <p:cTn id="45" dur="500" fill="hold"/>
                                         <p:tgtEl>
                                           <p:spTgt spid="4">
                                             <p:txEl>
@@ -12948,7 +14028,7 @@
                                     </p:animClr>
                                     <p:animClr clrSpc="hsl" dir="cw">
                                       <p:cBhvr>
-                                        <p:cTn id="49" dur="500" fill="hold"/>
+                                        <p:cTn id="46" dur="500" fill="hold"/>
                                         <p:tgtEl>
                                           <p:spTgt spid="4">
                                             <p:txEl>
@@ -12966,7 +14046,7 @@
                                     </p:animClr>
                                     <p:set>
                                       <p:cBhvr>
-                                        <p:cTn id="50" dur="500" fill="hold"/>
+                                        <p:cTn id="47" dur="500" fill="hold"/>
                                         <p:tgtEl>
                                           <p:spTgt spid="4">
                                             <p:txEl>
@@ -13021,6 +14101,1736 @@
 </file>
 
 <file path=ppt/slides/slide4.xml><?xml version="1.0" encoding="utf-8"?>
+<p:sld xmlns:a="http://schemas.openxmlformats.org/drawingml/2006/main" xmlns:r="http://schemas.openxmlformats.org/officeDocument/2006/relationships" xmlns:p="http://schemas.openxmlformats.org/presentationml/2006/main">
+  <p:cSld>
+    <p:spTree>
+      <p:nvGrpSpPr>
+        <p:cNvPr id="1" name=""/>
+        <p:cNvGrpSpPr/>
+        <p:nvPr/>
+      </p:nvGrpSpPr>
+      <p:grpSpPr>
+        <a:xfrm>
+          <a:off x="0" y="0"/>
+          <a:ext cx="0" cy="0"/>
+          <a:chOff x="0" y="0"/>
+          <a:chExt cx="0" cy="0"/>
+        </a:xfrm>
+      </p:grpSpPr>
+      <p:sp>
+        <p:nvSpPr>
+          <p:cNvPr id="2" name="Titel 1"/>
+          <p:cNvSpPr>
+            <a:spLocks noGrp="1"/>
+          </p:cNvSpPr>
+          <p:nvPr>
+            <p:ph type="title"/>
+          </p:nvPr>
+        </p:nvSpPr>
+        <p:spPr/>
+        <p:txBody>
+          <a:bodyPr/>
+          <a:lstStyle/>
+          <a:p>
+            <a:r>
+              <a:rPr lang="nl-NL" sz="1800" dirty="0" err="1"/>
+              <a:t>Itissues</a:t>
+            </a:r>
+            <a:r>
+              <a:rPr lang="nl-NL" sz="1800" dirty="0"/>
+              <a:t>: Opstart</a:t>
+            </a:r>
+          </a:p>
+        </p:txBody>
+      </p:sp>
+      <p:sp>
+        <p:nvSpPr>
+          <p:cNvPr id="3" name="Tijdelijke aanduiding voor inhoud 2"/>
+          <p:cNvSpPr>
+            <a:spLocks noGrp="1"/>
+          </p:cNvSpPr>
+          <p:nvPr>
+            <p:ph sz="half" idx="1"/>
+          </p:nvPr>
+        </p:nvSpPr>
+        <p:spPr>
+          <a:xfrm>
+            <a:off x="976046" y="2060575"/>
+            <a:ext cx="4523606" cy="4195763"/>
+          </a:xfrm>
+        </p:spPr>
+        <p:txBody>
+          <a:bodyPr anchor="ctr">
+            <a:normAutofit/>
+          </a:bodyPr>
+          <a:lstStyle/>
+          <a:p>
+            <a:pPr marL="0" indent="0">
+              <a:lnSpc>
+                <a:spcPct val="200000"/>
+              </a:lnSpc>
+              <a:buNone/>
+            </a:pPr>
+            <a:r>
+              <a:rPr lang="nl-NL" sz="3600" dirty="0"/>
+              <a:t>Uniek</a:t>
+            </a:r>
+          </a:p>
+          <a:p>
+            <a:pPr marL="0" indent="0">
+              <a:lnSpc>
+                <a:spcPct val="200000"/>
+              </a:lnSpc>
+              <a:buNone/>
+            </a:pPr>
+            <a:r>
+              <a:rPr lang="nl-NL" sz="3600" dirty="0"/>
+              <a:t>Verificatie bij router</a:t>
+            </a:r>
+          </a:p>
+        </p:txBody>
+      </p:sp>
+      <p:sp>
+        <p:nvSpPr>
+          <p:cNvPr id="4" name="Tijdelijke aanduiding voor inhoud 3"/>
+          <p:cNvSpPr>
+            <a:spLocks noGrp="1"/>
+          </p:cNvSpPr>
+          <p:nvPr>
+            <p:ph sz="half" idx="2"/>
+          </p:nvPr>
+        </p:nvSpPr>
+        <p:spPr>
+          <a:xfrm>
+            <a:off x="5654493" y="2097367"/>
+            <a:ext cx="4396341" cy="4200245"/>
+          </a:xfrm>
+        </p:spPr>
+        <p:txBody>
+          <a:bodyPr anchor="ctr">
+            <a:normAutofit/>
+          </a:bodyPr>
+          <a:lstStyle/>
+          <a:p>
+            <a:pPr marL="0" indent="0">
+              <a:lnSpc>
+                <a:spcPct val="200000"/>
+              </a:lnSpc>
+              <a:buNone/>
+            </a:pPr>
+            <a:r>
+              <a:rPr lang="nl-NL" sz="3600" dirty="0"/>
+              <a:t>Basis</a:t>
+            </a:r>
+          </a:p>
+          <a:p>
+            <a:pPr marL="0" indent="0">
+              <a:lnSpc>
+                <a:spcPct val="200000"/>
+              </a:lnSpc>
+              <a:buNone/>
+            </a:pPr>
+            <a:r>
+              <a:rPr lang="nl-NL" sz="3600" dirty="0"/>
+              <a:t>86:83:BA:82:D7:63</a:t>
+            </a:r>
+          </a:p>
+        </p:txBody>
+      </p:sp>
+      <p:sp>
+        <p:nvSpPr>
+          <p:cNvPr id="9" name="Rechthoek 8">
+            <a:extLst>
+              <a:ext uri="{FF2B5EF4-FFF2-40B4-BE49-F238E27FC236}">
+                <a16:creationId xmlns:a16="http://schemas.microsoft.com/office/drawing/2014/main" id="{65F347BA-0DCD-4CD6-9504-4CA1585F651A}"/>
+              </a:ext>
+            </a:extLst>
+          </p:cNvPr>
+          <p:cNvSpPr/>
+          <p:nvPr/>
+        </p:nvSpPr>
+        <p:spPr>
+          <a:xfrm rot="5400000">
+            <a:off x="-837661" y="1122403"/>
+            <a:ext cx="2037348" cy="362035"/>
+          </a:xfrm>
+          <a:prstGeom prst="rect">
+            <a:avLst/>
+          </a:prstGeom>
+          <a:solidFill>
+            <a:srgbClr val="FFC000"/>
+          </a:solidFill>
+          <a:ln>
+            <a:solidFill>
+              <a:srgbClr val="FFC000"/>
+            </a:solidFill>
+          </a:ln>
+        </p:spPr>
+        <p:style>
+          <a:lnRef idx="2">
+            <a:schemeClr val="accent1">
+              <a:shade val="50000"/>
+            </a:schemeClr>
+          </a:lnRef>
+          <a:fillRef idx="1">
+            <a:schemeClr val="accent1"/>
+          </a:fillRef>
+          <a:effectRef idx="0">
+            <a:schemeClr val="accent1"/>
+          </a:effectRef>
+          <a:fontRef idx="minor">
+            <a:schemeClr val="lt1"/>
+          </a:fontRef>
+        </p:style>
+        <p:txBody>
+          <a:bodyPr rtlCol="0" anchor="ctr"/>
+          <a:lstStyle/>
+          <a:p>
+            <a:pPr algn="ctr"/>
+            <a:r>
+              <a:rPr lang="nl-NL" dirty="0"/>
+              <a:t>Studentenbedrijf</a:t>
+            </a:r>
+          </a:p>
+        </p:txBody>
+      </p:sp>
+    </p:spTree>
+    <p:extLst>
+      <p:ext uri="{BB962C8B-B14F-4D97-AF65-F5344CB8AC3E}">
+        <p14:creationId xmlns:p14="http://schemas.microsoft.com/office/powerpoint/2010/main" val="3039199256"/>
+      </p:ext>
+    </p:extLst>
+  </p:cSld>
+  <p:clrMapOvr>
+    <a:masterClrMapping/>
+  </p:clrMapOvr>
+  <p:transition spd="slow">
+    <p:wipe/>
+  </p:transition>
+  <p:timing>
+    <p:tnLst>
+      <p:par>
+        <p:cTn id="1" dur="indefinite" restart="never" nodeType="tmRoot">
+          <p:childTnLst>
+            <p:seq concurrent="1" nextAc="seek">
+              <p:cTn id="2" dur="indefinite" nodeType="mainSeq">
+                <p:childTnLst>
+                  <p:par>
+                    <p:cTn id="3" fill="hold">
+                      <p:stCondLst>
+                        <p:cond delay="indefinite"/>
+                      </p:stCondLst>
+                      <p:childTnLst>
+                        <p:par>
+                          <p:cTn id="4" fill="hold">
+                            <p:stCondLst>
+                              <p:cond delay="0"/>
+                            </p:stCondLst>
+                            <p:childTnLst>
+                              <p:par>
+                                <p:cTn id="5" presetID="10" presetClass="entr" presetSubtype="0" fill="hold" grpId="0" nodeType="clickEffect">
+                                  <p:stCondLst>
+                                    <p:cond delay="0"/>
+                                  </p:stCondLst>
+                                  <p:childTnLst>
+                                    <p:set>
+                                      <p:cBhvr>
+                                        <p:cTn id="6" dur="1" fill="hold">
+                                          <p:stCondLst>
+                                            <p:cond delay="0"/>
+                                          </p:stCondLst>
+                                        </p:cTn>
+                                        <p:tgtEl>
+                                          <p:spTgt spid="2"/>
+                                        </p:tgtEl>
+                                        <p:attrNameLst>
+                                          <p:attrName>style.visibility</p:attrName>
+                                        </p:attrNameLst>
+                                      </p:cBhvr>
+                                      <p:to>
+                                        <p:strVal val="visible"/>
+                                      </p:to>
+                                    </p:set>
+                                    <p:animEffect transition="in" filter="fade">
+                                      <p:cBhvr>
+                                        <p:cTn id="7" dur="500"/>
+                                        <p:tgtEl>
+                                          <p:spTgt spid="2"/>
+                                        </p:tgtEl>
+                                      </p:cBhvr>
+                                    </p:animEffect>
+                                  </p:childTnLst>
+                                </p:cTn>
+                              </p:par>
+                              <p:par>
+                                <p:cTn id="8" presetID="24" presetClass="emph" presetSubtype="0" fill="hold" grpId="1" nodeType="withEffect">
+                                  <p:stCondLst>
+                                    <p:cond delay="0"/>
+                                  </p:stCondLst>
+                                  <p:childTnLst>
+                                    <p:animClr clrSpc="hsl" dir="cw">
+                                      <p:cBhvr override="childStyle">
+                                        <p:cTn id="9" dur="1000" fill="hold"/>
+                                        <p:tgtEl>
+                                          <p:spTgt spid="2"/>
+                                        </p:tgtEl>
+                                        <p:attrNameLst>
+                                          <p:attrName>style.color</p:attrName>
+                                        </p:attrNameLst>
+                                      </p:cBhvr>
+                                      <p:by>
+                                        <p:hsl h="0" s="-12549" l="-25098"/>
+                                      </p:by>
+                                    </p:animClr>
+                                    <p:animClr clrSpc="hsl" dir="cw">
+                                      <p:cBhvr>
+                                        <p:cTn id="10" dur="1000" fill="hold"/>
+                                        <p:tgtEl>
+                                          <p:spTgt spid="2"/>
+                                        </p:tgtEl>
+                                        <p:attrNameLst>
+                                          <p:attrName>fillcolor</p:attrName>
+                                        </p:attrNameLst>
+                                      </p:cBhvr>
+                                      <p:by>
+                                        <p:hsl h="0" s="-12549" l="-25098"/>
+                                      </p:by>
+                                    </p:animClr>
+                                    <p:animClr clrSpc="hsl" dir="cw">
+                                      <p:cBhvr>
+                                        <p:cTn id="11" dur="1000" fill="hold"/>
+                                        <p:tgtEl>
+                                          <p:spTgt spid="2"/>
+                                        </p:tgtEl>
+                                        <p:attrNameLst>
+                                          <p:attrName>stroke.color</p:attrName>
+                                        </p:attrNameLst>
+                                      </p:cBhvr>
+                                      <p:by>
+                                        <p:hsl h="0" s="-12549" l="-25098"/>
+                                      </p:by>
+                                    </p:animClr>
+                                    <p:set>
+                                      <p:cBhvr>
+                                        <p:cTn id="12" dur="1000" fill="hold"/>
+                                        <p:tgtEl>
+                                          <p:spTgt spid="2"/>
+                                        </p:tgtEl>
+                                        <p:attrNameLst>
+                                          <p:attrName>fill.type</p:attrName>
+                                        </p:attrNameLst>
+                                      </p:cBhvr>
+                                      <p:to>
+                                        <p:strVal val="solid"/>
+                                      </p:to>
+                                    </p:set>
+                                  </p:childTnLst>
+                                  <p:subTnLst>
+                                    <p:animClr clrSpc="rgb" dir="cw">
+                                      <p:cBhvr override="childStyle">
+                                        <p:cTn dur="1" fill="hold" display="0" masterRel="nextClick" afterEffect="1"/>
+                                        <p:tgtEl>
+                                          <p:spTgt spid="2"/>
+                                        </p:tgtEl>
+                                        <p:attrNameLst>
+                                          <p:attrName>ppt_c</p:attrName>
+                                        </p:attrNameLst>
+                                      </p:cBhvr>
+                                      <p:to>
+                                        <a:schemeClr val="folHlink"/>
+                                      </p:to>
+                                    </p:animClr>
+                                  </p:subTnLst>
+                                </p:cTn>
+                              </p:par>
+                            </p:childTnLst>
+                          </p:cTn>
+                        </p:par>
+                      </p:childTnLst>
+                    </p:cTn>
+                  </p:par>
+                  <p:par>
+                    <p:cTn id="13" fill="hold">
+                      <p:stCondLst>
+                        <p:cond delay="indefinite"/>
+                      </p:stCondLst>
+                      <p:childTnLst>
+                        <p:par>
+                          <p:cTn id="14" fill="hold">
+                            <p:stCondLst>
+                              <p:cond delay="0"/>
+                            </p:stCondLst>
+                            <p:childTnLst>
+                              <p:par>
+                                <p:cTn id="15" presetID="10" presetClass="entr" presetSubtype="0" fill="hold" nodeType="clickEffect">
+                                  <p:stCondLst>
+                                    <p:cond delay="0"/>
+                                  </p:stCondLst>
+                                  <p:childTnLst>
+                                    <p:set>
+                                      <p:cBhvr>
+                                        <p:cTn id="16" dur="1" fill="hold">
+                                          <p:stCondLst>
+                                            <p:cond delay="0"/>
+                                          </p:stCondLst>
+                                        </p:cTn>
+                                        <p:tgtEl>
+                                          <p:spTgt spid="3">
+                                            <p:txEl>
+                                              <p:pRg st="0" end="0"/>
+                                            </p:txEl>
+                                          </p:spTgt>
+                                        </p:tgtEl>
+                                        <p:attrNameLst>
+                                          <p:attrName>style.visibility</p:attrName>
+                                        </p:attrNameLst>
+                                      </p:cBhvr>
+                                      <p:to>
+                                        <p:strVal val="visible"/>
+                                      </p:to>
+                                    </p:set>
+                                    <p:animEffect transition="in" filter="fade">
+                                      <p:cBhvr>
+                                        <p:cTn id="17" dur="500"/>
+                                        <p:tgtEl>
+                                          <p:spTgt spid="3">
+                                            <p:txEl>
+                                              <p:pRg st="0" end="0"/>
+                                            </p:txEl>
+                                          </p:spTgt>
+                                        </p:tgtEl>
+                                      </p:cBhvr>
+                                    </p:animEffect>
+                                  </p:childTnLst>
+                                </p:cTn>
+                              </p:par>
+                            </p:childTnLst>
+                          </p:cTn>
+                        </p:par>
+                      </p:childTnLst>
+                    </p:cTn>
+                  </p:par>
+                  <p:par>
+                    <p:cTn id="18" fill="hold">
+                      <p:stCondLst>
+                        <p:cond delay="indefinite"/>
+                      </p:stCondLst>
+                      <p:childTnLst>
+                        <p:par>
+                          <p:cTn id="19" fill="hold">
+                            <p:stCondLst>
+                              <p:cond delay="0"/>
+                            </p:stCondLst>
+                            <p:childTnLst>
+                              <p:par>
+                                <p:cTn id="20" presetID="10" presetClass="entr" presetSubtype="0" fill="hold" nodeType="clickEffect">
+                                  <p:stCondLst>
+                                    <p:cond delay="0"/>
+                                  </p:stCondLst>
+                                  <p:childTnLst>
+                                    <p:set>
+                                      <p:cBhvr>
+                                        <p:cTn id="21" dur="1" fill="hold">
+                                          <p:stCondLst>
+                                            <p:cond delay="0"/>
+                                          </p:stCondLst>
+                                        </p:cTn>
+                                        <p:tgtEl>
+                                          <p:spTgt spid="3">
+                                            <p:txEl>
+                                              <p:pRg st="1" end="1"/>
+                                            </p:txEl>
+                                          </p:spTgt>
+                                        </p:tgtEl>
+                                        <p:attrNameLst>
+                                          <p:attrName>style.visibility</p:attrName>
+                                        </p:attrNameLst>
+                                      </p:cBhvr>
+                                      <p:to>
+                                        <p:strVal val="visible"/>
+                                      </p:to>
+                                    </p:set>
+                                    <p:animEffect transition="in" filter="fade">
+                                      <p:cBhvr>
+                                        <p:cTn id="22" dur="500"/>
+                                        <p:tgtEl>
+                                          <p:spTgt spid="3">
+                                            <p:txEl>
+                                              <p:pRg st="1" end="1"/>
+                                            </p:txEl>
+                                          </p:spTgt>
+                                        </p:tgtEl>
+                                      </p:cBhvr>
+                                    </p:animEffect>
+                                  </p:childTnLst>
+                                </p:cTn>
+                              </p:par>
+                              <p:par>
+                                <p:cTn id="23" presetID="24" presetClass="emph" presetSubtype="0" fill="hold" nodeType="withEffect">
+                                  <p:stCondLst>
+                                    <p:cond delay="0"/>
+                                  </p:stCondLst>
+                                  <p:childTnLst>
+                                    <p:animClr clrSpc="hsl" dir="cw">
+                                      <p:cBhvr override="childStyle">
+                                        <p:cTn id="24" dur="500" fill="hold"/>
+                                        <p:tgtEl>
+                                          <p:spTgt spid="3">
+                                            <p:txEl>
+                                              <p:pRg st="0" end="0"/>
+                                            </p:txEl>
+                                          </p:spTgt>
+                                        </p:tgtEl>
+                                        <p:attrNameLst>
+                                          <p:attrName>style.color</p:attrName>
+                                        </p:attrNameLst>
+                                      </p:cBhvr>
+                                      <p:by>
+                                        <p:hsl h="0" s="-12549" l="-25098"/>
+                                      </p:by>
+                                    </p:animClr>
+                                    <p:animClr clrSpc="hsl" dir="cw">
+                                      <p:cBhvr>
+                                        <p:cTn id="25" dur="500" fill="hold"/>
+                                        <p:tgtEl>
+                                          <p:spTgt spid="3">
+                                            <p:txEl>
+                                              <p:pRg st="0" end="0"/>
+                                            </p:txEl>
+                                          </p:spTgt>
+                                        </p:tgtEl>
+                                        <p:attrNameLst>
+                                          <p:attrName>fillcolor</p:attrName>
+                                        </p:attrNameLst>
+                                      </p:cBhvr>
+                                      <p:by>
+                                        <p:hsl h="0" s="-12549" l="-25098"/>
+                                      </p:by>
+                                    </p:animClr>
+                                    <p:animClr clrSpc="hsl" dir="cw">
+                                      <p:cBhvr>
+                                        <p:cTn id="26" dur="500" fill="hold"/>
+                                        <p:tgtEl>
+                                          <p:spTgt spid="3">
+                                            <p:txEl>
+                                              <p:pRg st="0" end="0"/>
+                                            </p:txEl>
+                                          </p:spTgt>
+                                        </p:tgtEl>
+                                        <p:attrNameLst>
+                                          <p:attrName>stroke.color</p:attrName>
+                                        </p:attrNameLst>
+                                      </p:cBhvr>
+                                      <p:by>
+                                        <p:hsl h="0" s="-12549" l="-25098"/>
+                                      </p:by>
+                                    </p:animClr>
+                                    <p:set>
+                                      <p:cBhvr>
+                                        <p:cTn id="27" dur="500" fill="hold"/>
+                                        <p:tgtEl>
+                                          <p:spTgt spid="3">
+                                            <p:txEl>
+                                              <p:pRg st="0" end="0"/>
+                                            </p:txEl>
+                                          </p:spTgt>
+                                        </p:tgtEl>
+                                        <p:attrNameLst>
+                                          <p:attrName>fill.type</p:attrName>
+                                        </p:attrNameLst>
+                                      </p:cBhvr>
+                                      <p:to>
+                                        <p:strVal val="solid"/>
+                                      </p:to>
+                                    </p:set>
+                                  </p:childTnLst>
+                                </p:cTn>
+                              </p:par>
+                            </p:childTnLst>
+                          </p:cTn>
+                        </p:par>
+                      </p:childTnLst>
+                    </p:cTn>
+                  </p:par>
+                  <p:par>
+                    <p:cTn id="28" fill="hold">
+                      <p:stCondLst>
+                        <p:cond delay="indefinite"/>
+                      </p:stCondLst>
+                      <p:childTnLst>
+                        <p:par>
+                          <p:cTn id="29" fill="hold">
+                            <p:stCondLst>
+                              <p:cond delay="0"/>
+                            </p:stCondLst>
+                            <p:childTnLst>
+                              <p:par>
+                                <p:cTn id="30" presetID="10" presetClass="entr" presetSubtype="0" fill="hold" nodeType="clickEffect">
+                                  <p:stCondLst>
+                                    <p:cond delay="0"/>
+                                  </p:stCondLst>
+                                  <p:childTnLst>
+                                    <p:set>
+                                      <p:cBhvr>
+                                        <p:cTn id="31" dur="1" fill="hold">
+                                          <p:stCondLst>
+                                            <p:cond delay="0"/>
+                                          </p:stCondLst>
+                                        </p:cTn>
+                                        <p:tgtEl>
+                                          <p:spTgt spid="4">
+                                            <p:txEl>
+                                              <p:pRg st="0" end="0"/>
+                                            </p:txEl>
+                                          </p:spTgt>
+                                        </p:tgtEl>
+                                        <p:attrNameLst>
+                                          <p:attrName>style.visibility</p:attrName>
+                                        </p:attrNameLst>
+                                      </p:cBhvr>
+                                      <p:to>
+                                        <p:strVal val="visible"/>
+                                      </p:to>
+                                    </p:set>
+                                    <p:animEffect transition="in" filter="fade">
+                                      <p:cBhvr>
+                                        <p:cTn id="32" dur="500"/>
+                                        <p:tgtEl>
+                                          <p:spTgt spid="4">
+                                            <p:txEl>
+                                              <p:pRg st="0" end="0"/>
+                                            </p:txEl>
+                                          </p:spTgt>
+                                        </p:tgtEl>
+                                      </p:cBhvr>
+                                    </p:animEffect>
+                                  </p:childTnLst>
+                                </p:cTn>
+                              </p:par>
+                              <p:par>
+                                <p:cTn id="33" presetID="24" presetClass="emph" presetSubtype="0" fill="hold" nodeType="withEffect">
+                                  <p:stCondLst>
+                                    <p:cond delay="0"/>
+                                  </p:stCondLst>
+                                  <p:childTnLst>
+                                    <p:animClr clrSpc="hsl" dir="cw">
+                                      <p:cBhvr override="childStyle">
+                                        <p:cTn id="34" dur="500" fill="hold"/>
+                                        <p:tgtEl>
+                                          <p:spTgt spid="3">
+                                            <p:txEl>
+                                              <p:pRg st="1" end="1"/>
+                                            </p:txEl>
+                                          </p:spTgt>
+                                        </p:tgtEl>
+                                        <p:attrNameLst>
+                                          <p:attrName>style.color</p:attrName>
+                                        </p:attrNameLst>
+                                      </p:cBhvr>
+                                      <p:by>
+                                        <p:hsl h="0" s="-12549" l="-25098"/>
+                                      </p:by>
+                                    </p:animClr>
+                                    <p:animClr clrSpc="hsl" dir="cw">
+                                      <p:cBhvr>
+                                        <p:cTn id="35" dur="500" fill="hold"/>
+                                        <p:tgtEl>
+                                          <p:spTgt spid="3">
+                                            <p:txEl>
+                                              <p:pRg st="1" end="1"/>
+                                            </p:txEl>
+                                          </p:spTgt>
+                                        </p:tgtEl>
+                                        <p:attrNameLst>
+                                          <p:attrName>fillcolor</p:attrName>
+                                        </p:attrNameLst>
+                                      </p:cBhvr>
+                                      <p:by>
+                                        <p:hsl h="0" s="-12549" l="-25098"/>
+                                      </p:by>
+                                    </p:animClr>
+                                    <p:animClr clrSpc="hsl" dir="cw">
+                                      <p:cBhvr>
+                                        <p:cTn id="36" dur="500" fill="hold"/>
+                                        <p:tgtEl>
+                                          <p:spTgt spid="3">
+                                            <p:txEl>
+                                              <p:pRg st="1" end="1"/>
+                                            </p:txEl>
+                                          </p:spTgt>
+                                        </p:tgtEl>
+                                        <p:attrNameLst>
+                                          <p:attrName>stroke.color</p:attrName>
+                                        </p:attrNameLst>
+                                      </p:cBhvr>
+                                      <p:by>
+                                        <p:hsl h="0" s="-12549" l="-25098"/>
+                                      </p:by>
+                                    </p:animClr>
+                                    <p:set>
+                                      <p:cBhvr>
+                                        <p:cTn id="37" dur="500" fill="hold"/>
+                                        <p:tgtEl>
+                                          <p:spTgt spid="3">
+                                            <p:txEl>
+                                              <p:pRg st="1" end="1"/>
+                                            </p:txEl>
+                                          </p:spTgt>
+                                        </p:tgtEl>
+                                        <p:attrNameLst>
+                                          <p:attrName>fill.type</p:attrName>
+                                        </p:attrNameLst>
+                                      </p:cBhvr>
+                                      <p:to>
+                                        <p:strVal val="solid"/>
+                                      </p:to>
+                                    </p:set>
+                                  </p:childTnLst>
+                                </p:cTn>
+                              </p:par>
+                            </p:childTnLst>
+                          </p:cTn>
+                        </p:par>
+                      </p:childTnLst>
+                    </p:cTn>
+                  </p:par>
+                  <p:par>
+                    <p:cTn id="38" fill="hold">
+                      <p:stCondLst>
+                        <p:cond delay="indefinite"/>
+                      </p:stCondLst>
+                      <p:childTnLst>
+                        <p:par>
+                          <p:cTn id="39" fill="hold">
+                            <p:stCondLst>
+                              <p:cond delay="0"/>
+                            </p:stCondLst>
+                            <p:childTnLst>
+                              <p:par>
+                                <p:cTn id="40" presetID="10" presetClass="entr" presetSubtype="0" fill="hold" nodeType="clickEffect">
+                                  <p:stCondLst>
+                                    <p:cond delay="0"/>
+                                  </p:stCondLst>
+                                  <p:childTnLst>
+                                    <p:set>
+                                      <p:cBhvr>
+                                        <p:cTn id="41" dur="1" fill="hold">
+                                          <p:stCondLst>
+                                            <p:cond delay="0"/>
+                                          </p:stCondLst>
+                                        </p:cTn>
+                                        <p:tgtEl>
+                                          <p:spTgt spid="4">
+                                            <p:txEl>
+                                              <p:pRg st="1" end="1"/>
+                                            </p:txEl>
+                                          </p:spTgt>
+                                        </p:tgtEl>
+                                        <p:attrNameLst>
+                                          <p:attrName>style.visibility</p:attrName>
+                                        </p:attrNameLst>
+                                      </p:cBhvr>
+                                      <p:to>
+                                        <p:strVal val="visible"/>
+                                      </p:to>
+                                    </p:set>
+                                    <p:animEffect transition="in" filter="fade">
+                                      <p:cBhvr>
+                                        <p:cTn id="42" dur="500"/>
+                                        <p:tgtEl>
+                                          <p:spTgt spid="4">
+                                            <p:txEl>
+                                              <p:pRg st="1" end="1"/>
+                                            </p:txEl>
+                                          </p:spTgt>
+                                        </p:tgtEl>
+                                      </p:cBhvr>
+                                    </p:animEffect>
+                                  </p:childTnLst>
+                                </p:cTn>
+                              </p:par>
+                              <p:par>
+                                <p:cTn id="43" presetID="24" presetClass="emph" presetSubtype="0" fill="hold" nodeType="withEffect">
+                                  <p:stCondLst>
+                                    <p:cond delay="0"/>
+                                  </p:stCondLst>
+                                  <p:childTnLst>
+                                    <p:animClr clrSpc="hsl" dir="cw">
+                                      <p:cBhvr override="childStyle">
+                                        <p:cTn id="44" dur="500" fill="hold"/>
+                                        <p:tgtEl>
+                                          <p:spTgt spid="4">
+                                            <p:txEl>
+                                              <p:pRg st="0" end="0"/>
+                                            </p:txEl>
+                                          </p:spTgt>
+                                        </p:tgtEl>
+                                        <p:attrNameLst>
+                                          <p:attrName>style.color</p:attrName>
+                                        </p:attrNameLst>
+                                      </p:cBhvr>
+                                      <p:by>
+                                        <p:hsl h="0" s="-12549" l="-25098"/>
+                                      </p:by>
+                                    </p:animClr>
+                                    <p:animClr clrSpc="hsl" dir="cw">
+                                      <p:cBhvr>
+                                        <p:cTn id="45" dur="500" fill="hold"/>
+                                        <p:tgtEl>
+                                          <p:spTgt spid="4">
+                                            <p:txEl>
+                                              <p:pRg st="0" end="0"/>
+                                            </p:txEl>
+                                          </p:spTgt>
+                                        </p:tgtEl>
+                                        <p:attrNameLst>
+                                          <p:attrName>fillcolor</p:attrName>
+                                        </p:attrNameLst>
+                                      </p:cBhvr>
+                                      <p:by>
+                                        <p:hsl h="0" s="-12549" l="-25098"/>
+                                      </p:by>
+                                    </p:animClr>
+                                    <p:animClr clrSpc="hsl" dir="cw">
+                                      <p:cBhvr>
+                                        <p:cTn id="46" dur="500" fill="hold"/>
+                                        <p:tgtEl>
+                                          <p:spTgt spid="4">
+                                            <p:txEl>
+                                              <p:pRg st="0" end="0"/>
+                                            </p:txEl>
+                                          </p:spTgt>
+                                        </p:tgtEl>
+                                        <p:attrNameLst>
+                                          <p:attrName>stroke.color</p:attrName>
+                                        </p:attrNameLst>
+                                      </p:cBhvr>
+                                      <p:by>
+                                        <p:hsl h="0" s="-12549" l="-25098"/>
+                                      </p:by>
+                                    </p:animClr>
+                                    <p:set>
+                                      <p:cBhvr>
+                                        <p:cTn id="47" dur="500" fill="hold"/>
+                                        <p:tgtEl>
+                                          <p:spTgt spid="4">
+                                            <p:txEl>
+                                              <p:pRg st="0" end="0"/>
+                                            </p:txEl>
+                                          </p:spTgt>
+                                        </p:tgtEl>
+                                        <p:attrNameLst>
+                                          <p:attrName>fill.type</p:attrName>
+                                        </p:attrNameLst>
+                                      </p:cBhvr>
+                                      <p:to>
+                                        <p:strVal val="solid"/>
+                                      </p:to>
+                                    </p:set>
+                                  </p:childTnLst>
+                                </p:cTn>
+                              </p:par>
+                            </p:childTnLst>
+                          </p:cTn>
+                        </p:par>
+                      </p:childTnLst>
+                    </p:cTn>
+                  </p:par>
+                </p:childTnLst>
+              </p:cTn>
+              <p:prevCondLst>
+                <p:cond evt="onPrev" delay="0">
+                  <p:tgtEl>
+                    <p:sldTgt/>
+                  </p:tgtEl>
+                </p:cond>
+              </p:prevCondLst>
+              <p:nextCondLst>
+                <p:cond evt="onNext" delay="0">
+                  <p:tgtEl>
+                    <p:sldTgt/>
+                  </p:tgtEl>
+                </p:cond>
+              </p:nextCondLst>
+            </p:seq>
+          </p:childTnLst>
+        </p:cTn>
+      </p:par>
+    </p:tnLst>
+    <p:bldLst>
+      <p:bldP spid="2" grpId="0"/>
+      <p:bldP spid="2" grpId="1"/>
+    </p:bldLst>
+  </p:timing>
+</p:sld>
+</file>
+
+<file path=ppt/slides/slide5.xml><?xml version="1.0" encoding="utf-8"?>
+<p:sld xmlns:a="http://schemas.openxmlformats.org/drawingml/2006/main" xmlns:r="http://schemas.openxmlformats.org/officeDocument/2006/relationships" xmlns:p="http://schemas.openxmlformats.org/presentationml/2006/main">
+  <p:cSld>
+    <p:spTree>
+      <p:nvGrpSpPr>
+        <p:cNvPr id="1" name=""/>
+        <p:cNvGrpSpPr/>
+        <p:nvPr/>
+      </p:nvGrpSpPr>
+      <p:grpSpPr>
+        <a:xfrm>
+          <a:off x="0" y="0"/>
+          <a:ext cx="0" cy="0"/>
+          <a:chOff x="0" y="0"/>
+          <a:chExt cx="0" cy="0"/>
+        </a:xfrm>
+      </p:grpSpPr>
+      <p:sp>
+        <p:nvSpPr>
+          <p:cNvPr id="2" name="Titel 1"/>
+          <p:cNvSpPr>
+            <a:spLocks noGrp="1"/>
+          </p:cNvSpPr>
+          <p:nvPr>
+            <p:ph type="title"/>
+          </p:nvPr>
+        </p:nvSpPr>
+        <p:spPr/>
+        <p:txBody>
+          <a:bodyPr/>
+          <a:lstStyle/>
+          <a:p>
+            <a:r>
+              <a:rPr lang="nl-NL" sz="1800" dirty="0" err="1"/>
+              <a:t>Itissues</a:t>
+            </a:r>
+            <a:r>
+              <a:rPr lang="nl-NL" sz="1800" dirty="0"/>
+              <a:t>: Opstart</a:t>
+            </a:r>
+          </a:p>
+        </p:txBody>
+      </p:sp>
+      <p:sp>
+        <p:nvSpPr>
+          <p:cNvPr id="3" name="Tijdelijke aanduiding voor inhoud 2"/>
+          <p:cNvSpPr>
+            <a:spLocks noGrp="1"/>
+          </p:cNvSpPr>
+          <p:nvPr>
+            <p:ph sz="half" idx="1"/>
+          </p:nvPr>
+        </p:nvSpPr>
+        <p:spPr>
+          <a:xfrm>
+            <a:off x="976046" y="2060575"/>
+            <a:ext cx="4523606" cy="4195763"/>
+          </a:xfrm>
+        </p:spPr>
+        <p:txBody>
+          <a:bodyPr anchor="ctr">
+            <a:normAutofit/>
+          </a:bodyPr>
+          <a:lstStyle/>
+          <a:p>
+            <a:pPr marL="0" indent="0">
+              <a:lnSpc>
+                <a:spcPct val="200000"/>
+              </a:lnSpc>
+              <a:buNone/>
+            </a:pPr>
+            <a:r>
+              <a:rPr lang="nl-NL" sz="3600" dirty="0"/>
+              <a:t>Uniek</a:t>
+            </a:r>
+          </a:p>
+          <a:p>
+            <a:pPr marL="0" indent="0">
+              <a:lnSpc>
+                <a:spcPct val="200000"/>
+              </a:lnSpc>
+              <a:buNone/>
+            </a:pPr>
+            <a:r>
+              <a:rPr lang="nl-NL" sz="3600" dirty="0"/>
+              <a:t>Verificatie bij router</a:t>
+            </a:r>
+          </a:p>
+        </p:txBody>
+      </p:sp>
+      <p:sp>
+        <p:nvSpPr>
+          <p:cNvPr id="4" name="Tijdelijke aanduiding voor inhoud 3"/>
+          <p:cNvSpPr>
+            <a:spLocks noGrp="1"/>
+          </p:cNvSpPr>
+          <p:nvPr>
+            <p:ph sz="half" idx="2"/>
+          </p:nvPr>
+        </p:nvSpPr>
+        <p:spPr>
+          <a:xfrm>
+            <a:off x="5654493" y="2097367"/>
+            <a:ext cx="4396341" cy="4200245"/>
+          </a:xfrm>
+        </p:spPr>
+        <p:txBody>
+          <a:bodyPr anchor="ctr">
+            <a:normAutofit/>
+          </a:bodyPr>
+          <a:lstStyle/>
+          <a:p>
+            <a:pPr marL="0" indent="0">
+              <a:lnSpc>
+                <a:spcPct val="200000"/>
+              </a:lnSpc>
+              <a:buNone/>
+            </a:pPr>
+            <a:r>
+              <a:rPr lang="nl-NL" sz="3600" dirty="0"/>
+              <a:t>Basis</a:t>
+            </a:r>
+          </a:p>
+          <a:p>
+            <a:pPr marL="0" indent="0">
+              <a:lnSpc>
+                <a:spcPct val="200000"/>
+              </a:lnSpc>
+              <a:buNone/>
+            </a:pPr>
+            <a:r>
+              <a:rPr lang="nl-NL" sz="3600" dirty="0"/>
+              <a:t>86:83:BA:82:D7:63</a:t>
+            </a:r>
+          </a:p>
+        </p:txBody>
+      </p:sp>
+      <p:sp>
+        <p:nvSpPr>
+          <p:cNvPr id="9" name="Rechthoek 8">
+            <a:extLst>
+              <a:ext uri="{FF2B5EF4-FFF2-40B4-BE49-F238E27FC236}">
+                <a16:creationId xmlns:a16="http://schemas.microsoft.com/office/drawing/2014/main" id="{65F347BA-0DCD-4CD6-9504-4CA1585F651A}"/>
+              </a:ext>
+            </a:extLst>
+          </p:cNvPr>
+          <p:cNvSpPr/>
+          <p:nvPr/>
+        </p:nvSpPr>
+        <p:spPr>
+          <a:xfrm rot="5400000">
+            <a:off x="-837661" y="1122403"/>
+            <a:ext cx="2037348" cy="362035"/>
+          </a:xfrm>
+          <a:prstGeom prst="rect">
+            <a:avLst/>
+          </a:prstGeom>
+          <a:solidFill>
+            <a:srgbClr val="FFC000"/>
+          </a:solidFill>
+          <a:ln>
+            <a:solidFill>
+              <a:srgbClr val="FFC000"/>
+            </a:solidFill>
+          </a:ln>
+        </p:spPr>
+        <p:style>
+          <a:lnRef idx="2">
+            <a:schemeClr val="accent1">
+              <a:shade val="50000"/>
+            </a:schemeClr>
+          </a:lnRef>
+          <a:fillRef idx="1">
+            <a:schemeClr val="accent1"/>
+          </a:fillRef>
+          <a:effectRef idx="0">
+            <a:schemeClr val="accent1"/>
+          </a:effectRef>
+          <a:fontRef idx="minor">
+            <a:schemeClr val="lt1"/>
+          </a:fontRef>
+        </p:style>
+        <p:txBody>
+          <a:bodyPr rtlCol="0" anchor="ctr"/>
+          <a:lstStyle/>
+          <a:p>
+            <a:pPr algn="ctr"/>
+            <a:r>
+              <a:rPr lang="nl-NL" dirty="0"/>
+              <a:t>Studentenbedrijf</a:t>
+            </a:r>
+          </a:p>
+        </p:txBody>
+      </p:sp>
+    </p:spTree>
+    <p:extLst>
+      <p:ext uri="{BB962C8B-B14F-4D97-AF65-F5344CB8AC3E}">
+        <p14:creationId xmlns:p14="http://schemas.microsoft.com/office/powerpoint/2010/main" val="244289936"/>
+      </p:ext>
+    </p:extLst>
+  </p:cSld>
+  <p:clrMapOvr>
+    <a:masterClrMapping/>
+  </p:clrMapOvr>
+  <p:transition spd="slow">
+    <p:wipe/>
+  </p:transition>
+  <p:timing>
+    <p:tnLst>
+      <p:par>
+        <p:cTn id="1" dur="indefinite" restart="never" nodeType="tmRoot">
+          <p:childTnLst>
+            <p:seq concurrent="1" nextAc="seek">
+              <p:cTn id="2" dur="indefinite" nodeType="mainSeq">
+                <p:childTnLst>
+                  <p:par>
+                    <p:cTn id="3" fill="hold">
+                      <p:stCondLst>
+                        <p:cond delay="indefinite"/>
+                      </p:stCondLst>
+                      <p:childTnLst>
+                        <p:par>
+                          <p:cTn id="4" fill="hold">
+                            <p:stCondLst>
+                              <p:cond delay="0"/>
+                            </p:stCondLst>
+                            <p:childTnLst>
+                              <p:par>
+                                <p:cTn id="5" presetID="10" presetClass="entr" presetSubtype="0" fill="hold" grpId="0" nodeType="clickEffect">
+                                  <p:stCondLst>
+                                    <p:cond delay="0"/>
+                                  </p:stCondLst>
+                                  <p:childTnLst>
+                                    <p:set>
+                                      <p:cBhvr>
+                                        <p:cTn id="6" dur="1" fill="hold">
+                                          <p:stCondLst>
+                                            <p:cond delay="0"/>
+                                          </p:stCondLst>
+                                        </p:cTn>
+                                        <p:tgtEl>
+                                          <p:spTgt spid="2"/>
+                                        </p:tgtEl>
+                                        <p:attrNameLst>
+                                          <p:attrName>style.visibility</p:attrName>
+                                        </p:attrNameLst>
+                                      </p:cBhvr>
+                                      <p:to>
+                                        <p:strVal val="visible"/>
+                                      </p:to>
+                                    </p:set>
+                                    <p:animEffect transition="in" filter="fade">
+                                      <p:cBhvr>
+                                        <p:cTn id="7" dur="500"/>
+                                        <p:tgtEl>
+                                          <p:spTgt spid="2"/>
+                                        </p:tgtEl>
+                                      </p:cBhvr>
+                                    </p:animEffect>
+                                  </p:childTnLst>
+                                </p:cTn>
+                              </p:par>
+                              <p:par>
+                                <p:cTn id="8" presetID="24" presetClass="emph" presetSubtype="0" fill="hold" grpId="1" nodeType="withEffect">
+                                  <p:stCondLst>
+                                    <p:cond delay="0"/>
+                                  </p:stCondLst>
+                                  <p:childTnLst>
+                                    <p:animClr clrSpc="hsl" dir="cw">
+                                      <p:cBhvr override="childStyle">
+                                        <p:cTn id="9" dur="1000" fill="hold"/>
+                                        <p:tgtEl>
+                                          <p:spTgt spid="2"/>
+                                        </p:tgtEl>
+                                        <p:attrNameLst>
+                                          <p:attrName>style.color</p:attrName>
+                                        </p:attrNameLst>
+                                      </p:cBhvr>
+                                      <p:by>
+                                        <p:hsl h="0" s="-12549" l="-25098"/>
+                                      </p:by>
+                                    </p:animClr>
+                                    <p:animClr clrSpc="hsl" dir="cw">
+                                      <p:cBhvr>
+                                        <p:cTn id="10" dur="1000" fill="hold"/>
+                                        <p:tgtEl>
+                                          <p:spTgt spid="2"/>
+                                        </p:tgtEl>
+                                        <p:attrNameLst>
+                                          <p:attrName>fillcolor</p:attrName>
+                                        </p:attrNameLst>
+                                      </p:cBhvr>
+                                      <p:by>
+                                        <p:hsl h="0" s="-12549" l="-25098"/>
+                                      </p:by>
+                                    </p:animClr>
+                                    <p:animClr clrSpc="hsl" dir="cw">
+                                      <p:cBhvr>
+                                        <p:cTn id="11" dur="1000" fill="hold"/>
+                                        <p:tgtEl>
+                                          <p:spTgt spid="2"/>
+                                        </p:tgtEl>
+                                        <p:attrNameLst>
+                                          <p:attrName>stroke.color</p:attrName>
+                                        </p:attrNameLst>
+                                      </p:cBhvr>
+                                      <p:by>
+                                        <p:hsl h="0" s="-12549" l="-25098"/>
+                                      </p:by>
+                                    </p:animClr>
+                                    <p:set>
+                                      <p:cBhvr>
+                                        <p:cTn id="12" dur="1000" fill="hold"/>
+                                        <p:tgtEl>
+                                          <p:spTgt spid="2"/>
+                                        </p:tgtEl>
+                                        <p:attrNameLst>
+                                          <p:attrName>fill.type</p:attrName>
+                                        </p:attrNameLst>
+                                      </p:cBhvr>
+                                      <p:to>
+                                        <p:strVal val="solid"/>
+                                      </p:to>
+                                    </p:set>
+                                  </p:childTnLst>
+                                  <p:subTnLst>
+                                    <p:animClr clrSpc="rgb" dir="cw">
+                                      <p:cBhvr override="childStyle">
+                                        <p:cTn dur="1" fill="hold" display="0" masterRel="nextClick" afterEffect="1"/>
+                                        <p:tgtEl>
+                                          <p:spTgt spid="2"/>
+                                        </p:tgtEl>
+                                        <p:attrNameLst>
+                                          <p:attrName>ppt_c</p:attrName>
+                                        </p:attrNameLst>
+                                      </p:cBhvr>
+                                      <p:to>
+                                        <a:schemeClr val="folHlink"/>
+                                      </p:to>
+                                    </p:animClr>
+                                  </p:subTnLst>
+                                </p:cTn>
+                              </p:par>
+                            </p:childTnLst>
+                          </p:cTn>
+                        </p:par>
+                      </p:childTnLst>
+                    </p:cTn>
+                  </p:par>
+                  <p:par>
+                    <p:cTn id="13" fill="hold">
+                      <p:stCondLst>
+                        <p:cond delay="indefinite"/>
+                      </p:stCondLst>
+                      <p:childTnLst>
+                        <p:par>
+                          <p:cTn id="14" fill="hold">
+                            <p:stCondLst>
+                              <p:cond delay="0"/>
+                            </p:stCondLst>
+                            <p:childTnLst>
+                              <p:par>
+                                <p:cTn id="15" presetID="10" presetClass="entr" presetSubtype="0" fill="hold" nodeType="clickEffect">
+                                  <p:stCondLst>
+                                    <p:cond delay="0"/>
+                                  </p:stCondLst>
+                                  <p:childTnLst>
+                                    <p:set>
+                                      <p:cBhvr>
+                                        <p:cTn id="16" dur="1" fill="hold">
+                                          <p:stCondLst>
+                                            <p:cond delay="0"/>
+                                          </p:stCondLst>
+                                        </p:cTn>
+                                        <p:tgtEl>
+                                          <p:spTgt spid="3">
+                                            <p:txEl>
+                                              <p:pRg st="0" end="0"/>
+                                            </p:txEl>
+                                          </p:spTgt>
+                                        </p:tgtEl>
+                                        <p:attrNameLst>
+                                          <p:attrName>style.visibility</p:attrName>
+                                        </p:attrNameLst>
+                                      </p:cBhvr>
+                                      <p:to>
+                                        <p:strVal val="visible"/>
+                                      </p:to>
+                                    </p:set>
+                                    <p:animEffect transition="in" filter="fade">
+                                      <p:cBhvr>
+                                        <p:cTn id="17" dur="500"/>
+                                        <p:tgtEl>
+                                          <p:spTgt spid="3">
+                                            <p:txEl>
+                                              <p:pRg st="0" end="0"/>
+                                            </p:txEl>
+                                          </p:spTgt>
+                                        </p:tgtEl>
+                                      </p:cBhvr>
+                                    </p:animEffect>
+                                  </p:childTnLst>
+                                </p:cTn>
+                              </p:par>
+                            </p:childTnLst>
+                          </p:cTn>
+                        </p:par>
+                      </p:childTnLst>
+                    </p:cTn>
+                  </p:par>
+                  <p:par>
+                    <p:cTn id="18" fill="hold">
+                      <p:stCondLst>
+                        <p:cond delay="indefinite"/>
+                      </p:stCondLst>
+                      <p:childTnLst>
+                        <p:par>
+                          <p:cTn id="19" fill="hold">
+                            <p:stCondLst>
+                              <p:cond delay="0"/>
+                            </p:stCondLst>
+                            <p:childTnLst>
+                              <p:par>
+                                <p:cTn id="20" presetID="10" presetClass="entr" presetSubtype="0" fill="hold" nodeType="clickEffect">
+                                  <p:stCondLst>
+                                    <p:cond delay="0"/>
+                                  </p:stCondLst>
+                                  <p:childTnLst>
+                                    <p:set>
+                                      <p:cBhvr>
+                                        <p:cTn id="21" dur="1" fill="hold">
+                                          <p:stCondLst>
+                                            <p:cond delay="0"/>
+                                          </p:stCondLst>
+                                        </p:cTn>
+                                        <p:tgtEl>
+                                          <p:spTgt spid="3">
+                                            <p:txEl>
+                                              <p:pRg st="1" end="1"/>
+                                            </p:txEl>
+                                          </p:spTgt>
+                                        </p:tgtEl>
+                                        <p:attrNameLst>
+                                          <p:attrName>style.visibility</p:attrName>
+                                        </p:attrNameLst>
+                                      </p:cBhvr>
+                                      <p:to>
+                                        <p:strVal val="visible"/>
+                                      </p:to>
+                                    </p:set>
+                                    <p:animEffect transition="in" filter="fade">
+                                      <p:cBhvr>
+                                        <p:cTn id="22" dur="500"/>
+                                        <p:tgtEl>
+                                          <p:spTgt spid="3">
+                                            <p:txEl>
+                                              <p:pRg st="1" end="1"/>
+                                            </p:txEl>
+                                          </p:spTgt>
+                                        </p:tgtEl>
+                                      </p:cBhvr>
+                                    </p:animEffect>
+                                  </p:childTnLst>
+                                </p:cTn>
+                              </p:par>
+                              <p:par>
+                                <p:cTn id="23" presetID="24" presetClass="emph" presetSubtype="0" fill="hold" nodeType="withEffect">
+                                  <p:stCondLst>
+                                    <p:cond delay="0"/>
+                                  </p:stCondLst>
+                                  <p:childTnLst>
+                                    <p:animClr clrSpc="hsl" dir="cw">
+                                      <p:cBhvr override="childStyle">
+                                        <p:cTn id="24" dur="500" fill="hold"/>
+                                        <p:tgtEl>
+                                          <p:spTgt spid="3">
+                                            <p:txEl>
+                                              <p:pRg st="0" end="0"/>
+                                            </p:txEl>
+                                          </p:spTgt>
+                                        </p:tgtEl>
+                                        <p:attrNameLst>
+                                          <p:attrName>style.color</p:attrName>
+                                        </p:attrNameLst>
+                                      </p:cBhvr>
+                                      <p:by>
+                                        <p:hsl h="0" s="-12549" l="-25098"/>
+                                      </p:by>
+                                    </p:animClr>
+                                    <p:animClr clrSpc="hsl" dir="cw">
+                                      <p:cBhvr>
+                                        <p:cTn id="25" dur="500" fill="hold"/>
+                                        <p:tgtEl>
+                                          <p:spTgt spid="3">
+                                            <p:txEl>
+                                              <p:pRg st="0" end="0"/>
+                                            </p:txEl>
+                                          </p:spTgt>
+                                        </p:tgtEl>
+                                        <p:attrNameLst>
+                                          <p:attrName>fillcolor</p:attrName>
+                                        </p:attrNameLst>
+                                      </p:cBhvr>
+                                      <p:by>
+                                        <p:hsl h="0" s="-12549" l="-25098"/>
+                                      </p:by>
+                                    </p:animClr>
+                                    <p:animClr clrSpc="hsl" dir="cw">
+                                      <p:cBhvr>
+                                        <p:cTn id="26" dur="500" fill="hold"/>
+                                        <p:tgtEl>
+                                          <p:spTgt spid="3">
+                                            <p:txEl>
+                                              <p:pRg st="0" end="0"/>
+                                            </p:txEl>
+                                          </p:spTgt>
+                                        </p:tgtEl>
+                                        <p:attrNameLst>
+                                          <p:attrName>stroke.color</p:attrName>
+                                        </p:attrNameLst>
+                                      </p:cBhvr>
+                                      <p:by>
+                                        <p:hsl h="0" s="-12549" l="-25098"/>
+                                      </p:by>
+                                    </p:animClr>
+                                    <p:set>
+                                      <p:cBhvr>
+                                        <p:cTn id="27" dur="500" fill="hold"/>
+                                        <p:tgtEl>
+                                          <p:spTgt spid="3">
+                                            <p:txEl>
+                                              <p:pRg st="0" end="0"/>
+                                            </p:txEl>
+                                          </p:spTgt>
+                                        </p:tgtEl>
+                                        <p:attrNameLst>
+                                          <p:attrName>fill.type</p:attrName>
+                                        </p:attrNameLst>
+                                      </p:cBhvr>
+                                      <p:to>
+                                        <p:strVal val="solid"/>
+                                      </p:to>
+                                    </p:set>
+                                  </p:childTnLst>
+                                </p:cTn>
+                              </p:par>
+                            </p:childTnLst>
+                          </p:cTn>
+                        </p:par>
+                      </p:childTnLst>
+                    </p:cTn>
+                  </p:par>
+                  <p:par>
+                    <p:cTn id="28" fill="hold">
+                      <p:stCondLst>
+                        <p:cond delay="indefinite"/>
+                      </p:stCondLst>
+                      <p:childTnLst>
+                        <p:par>
+                          <p:cTn id="29" fill="hold">
+                            <p:stCondLst>
+                              <p:cond delay="0"/>
+                            </p:stCondLst>
+                            <p:childTnLst>
+                              <p:par>
+                                <p:cTn id="30" presetID="10" presetClass="entr" presetSubtype="0" fill="hold" nodeType="clickEffect">
+                                  <p:stCondLst>
+                                    <p:cond delay="0"/>
+                                  </p:stCondLst>
+                                  <p:childTnLst>
+                                    <p:set>
+                                      <p:cBhvr>
+                                        <p:cTn id="31" dur="1" fill="hold">
+                                          <p:stCondLst>
+                                            <p:cond delay="0"/>
+                                          </p:stCondLst>
+                                        </p:cTn>
+                                        <p:tgtEl>
+                                          <p:spTgt spid="4">
+                                            <p:txEl>
+                                              <p:pRg st="0" end="0"/>
+                                            </p:txEl>
+                                          </p:spTgt>
+                                        </p:tgtEl>
+                                        <p:attrNameLst>
+                                          <p:attrName>style.visibility</p:attrName>
+                                        </p:attrNameLst>
+                                      </p:cBhvr>
+                                      <p:to>
+                                        <p:strVal val="visible"/>
+                                      </p:to>
+                                    </p:set>
+                                    <p:animEffect transition="in" filter="fade">
+                                      <p:cBhvr>
+                                        <p:cTn id="32" dur="500"/>
+                                        <p:tgtEl>
+                                          <p:spTgt spid="4">
+                                            <p:txEl>
+                                              <p:pRg st="0" end="0"/>
+                                            </p:txEl>
+                                          </p:spTgt>
+                                        </p:tgtEl>
+                                      </p:cBhvr>
+                                    </p:animEffect>
+                                  </p:childTnLst>
+                                </p:cTn>
+                              </p:par>
+                              <p:par>
+                                <p:cTn id="33" presetID="24" presetClass="emph" presetSubtype="0" fill="hold" nodeType="withEffect">
+                                  <p:stCondLst>
+                                    <p:cond delay="0"/>
+                                  </p:stCondLst>
+                                  <p:childTnLst>
+                                    <p:animClr clrSpc="hsl" dir="cw">
+                                      <p:cBhvr override="childStyle">
+                                        <p:cTn id="34" dur="500" fill="hold"/>
+                                        <p:tgtEl>
+                                          <p:spTgt spid="3">
+                                            <p:txEl>
+                                              <p:pRg st="1" end="1"/>
+                                            </p:txEl>
+                                          </p:spTgt>
+                                        </p:tgtEl>
+                                        <p:attrNameLst>
+                                          <p:attrName>style.color</p:attrName>
+                                        </p:attrNameLst>
+                                      </p:cBhvr>
+                                      <p:by>
+                                        <p:hsl h="0" s="-12549" l="-25098"/>
+                                      </p:by>
+                                    </p:animClr>
+                                    <p:animClr clrSpc="hsl" dir="cw">
+                                      <p:cBhvr>
+                                        <p:cTn id="35" dur="500" fill="hold"/>
+                                        <p:tgtEl>
+                                          <p:spTgt spid="3">
+                                            <p:txEl>
+                                              <p:pRg st="1" end="1"/>
+                                            </p:txEl>
+                                          </p:spTgt>
+                                        </p:tgtEl>
+                                        <p:attrNameLst>
+                                          <p:attrName>fillcolor</p:attrName>
+                                        </p:attrNameLst>
+                                      </p:cBhvr>
+                                      <p:by>
+                                        <p:hsl h="0" s="-12549" l="-25098"/>
+                                      </p:by>
+                                    </p:animClr>
+                                    <p:animClr clrSpc="hsl" dir="cw">
+                                      <p:cBhvr>
+                                        <p:cTn id="36" dur="500" fill="hold"/>
+                                        <p:tgtEl>
+                                          <p:spTgt spid="3">
+                                            <p:txEl>
+                                              <p:pRg st="1" end="1"/>
+                                            </p:txEl>
+                                          </p:spTgt>
+                                        </p:tgtEl>
+                                        <p:attrNameLst>
+                                          <p:attrName>stroke.color</p:attrName>
+                                        </p:attrNameLst>
+                                      </p:cBhvr>
+                                      <p:by>
+                                        <p:hsl h="0" s="-12549" l="-25098"/>
+                                      </p:by>
+                                    </p:animClr>
+                                    <p:set>
+                                      <p:cBhvr>
+                                        <p:cTn id="37" dur="500" fill="hold"/>
+                                        <p:tgtEl>
+                                          <p:spTgt spid="3">
+                                            <p:txEl>
+                                              <p:pRg st="1" end="1"/>
+                                            </p:txEl>
+                                          </p:spTgt>
+                                        </p:tgtEl>
+                                        <p:attrNameLst>
+                                          <p:attrName>fill.type</p:attrName>
+                                        </p:attrNameLst>
+                                      </p:cBhvr>
+                                      <p:to>
+                                        <p:strVal val="solid"/>
+                                      </p:to>
+                                    </p:set>
+                                  </p:childTnLst>
+                                </p:cTn>
+                              </p:par>
+                            </p:childTnLst>
+                          </p:cTn>
+                        </p:par>
+                      </p:childTnLst>
+                    </p:cTn>
+                  </p:par>
+                  <p:par>
+                    <p:cTn id="38" fill="hold">
+                      <p:stCondLst>
+                        <p:cond delay="indefinite"/>
+                      </p:stCondLst>
+                      <p:childTnLst>
+                        <p:par>
+                          <p:cTn id="39" fill="hold">
+                            <p:stCondLst>
+                              <p:cond delay="0"/>
+                            </p:stCondLst>
+                            <p:childTnLst>
+                              <p:par>
+                                <p:cTn id="40" presetID="10" presetClass="entr" presetSubtype="0" fill="hold" nodeType="clickEffect">
+                                  <p:stCondLst>
+                                    <p:cond delay="0"/>
+                                  </p:stCondLst>
+                                  <p:childTnLst>
+                                    <p:set>
+                                      <p:cBhvr>
+                                        <p:cTn id="41" dur="1" fill="hold">
+                                          <p:stCondLst>
+                                            <p:cond delay="0"/>
+                                          </p:stCondLst>
+                                        </p:cTn>
+                                        <p:tgtEl>
+                                          <p:spTgt spid="4">
+                                            <p:txEl>
+                                              <p:pRg st="1" end="1"/>
+                                            </p:txEl>
+                                          </p:spTgt>
+                                        </p:tgtEl>
+                                        <p:attrNameLst>
+                                          <p:attrName>style.visibility</p:attrName>
+                                        </p:attrNameLst>
+                                      </p:cBhvr>
+                                      <p:to>
+                                        <p:strVal val="visible"/>
+                                      </p:to>
+                                    </p:set>
+                                    <p:animEffect transition="in" filter="fade">
+                                      <p:cBhvr>
+                                        <p:cTn id="42" dur="500"/>
+                                        <p:tgtEl>
+                                          <p:spTgt spid="4">
+                                            <p:txEl>
+                                              <p:pRg st="1" end="1"/>
+                                            </p:txEl>
+                                          </p:spTgt>
+                                        </p:tgtEl>
+                                      </p:cBhvr>
+                                    </p:animEffect>
+                                  </p:childTnLst>
+                                </p:cTn>
+                              </p:par>
+                              <p:par>
+                                <p:cTn id="43" presetID="24" presetClass="emph" presetSubtype="0" fill="hold" nodeType="withEffect">
+                                  <p:stCondLst>
+                                    <p:cond delay="0"/>
+                                  </p:stCondLst>
+                                  <p:childTnLst>
+                                    <p:animClr clrSpc="hsl" dir="cw">
+                                      <p:cBhvr override="childStyle">
+                                        <p:cTn id="44" dur="500" fill="hold"/>
+                                        <p:tgtEl>
+                                          <p:spTgt spid="4">
+                                            <p:txEl>
+                                              <p:pRg st="0" end="0"/>
+                                            </p:txEl>
+                                          </p:spTgt>
+                                        </p:tgtEl>
+                                        <p:attrNameLst>
+                                          <p:attrName>style.color</p:attrName>
+                                        </p:attrNameLst>
+                                      </p:cBhvr>
+                                      <p:by>
+                                        <p:hsl h="0" s="-12549" l="-25098"/>
+                                      </p:by>
+                                    </p:animClr>
+                                    <p:animClr clrSpc="hsl" dir="cw">
+                                      <p:cBhvr>
+                                        <p:cTn id="45" dur="500" fill="hold"/>
+                                        <p:tgtEl>
+                                          <p:spTgt spid="4">
+                                            <p:txEl>
+                                              <p:pRg st="0" end="0"/>
+                                            </p:txEl>
+                                          </p:spTgt>
+                                        </p:tgtEl>
+                                        <p:attrNameLst>
+                                          <p:attrName>fillcolor</p:attrName>
+                                        </p:attrNameLst>
+                                      </p:cBhvr>
+                                      <p:by>
+                                        <p:hsl h="0" s="-12549" l="-25098"/>
+                                      </p:by>
+                                    </p:animClr>
+                                    <p:animClr clrSpc="hsl" dir="cw">
+                                      <p:cBhvr>
+                                        <p:cTn id="46" dur="500" fill="hold"/>
+                                        <p:tgtEl>
+                                          <p:spTgt spid="4">
+                                            <p:txEl>
+                                              <p:pRg st="0" end="0"/>
+                                            </p:txEl>
+                                          </p:spTgt>
+                                        </p:tgtEl>
+                                        <p:attrNameLst>
+                                          <p:attrName>stroke.color</p:attrName>
+                                        </p:attrNameLst>
+                                      </p:cBhvr>
+                                      <p:by>
+                                        <p:hsl h="0" s="-12549" l="-25098"/>
+                                      </p:by>
+                                    </p:animClr>
+                                    <p:set>
+                                      <p:cBhvr>
+                                        <p:cTn id="47" dur="500" fill="hold"/>
+                                        <p:tgtEl>
+                                          <p:spTgt spid="4">
+                                            <p:txEl>
+                                              <p:pRg st="0" end="0"/>
+                                            </p:txEl>
+                                          </p:spTgt>
+                                        </p:tgtEl>
+                                        <p:attrNameLst>
+                                          <p:attrName>fill.type</p:attrName>
+                                        </p:attrNameLst>
+                                      </p:cBhvr>
+                                      <p:to>
+                                        <p:strVal val="solid"/>
+                                      </p:to>
+                                    </p:set>
+                                  </p:childTnLst>
+                                </p:cTn>
+                              </p:par>
+                            </p:childTnLst>
+                          </p:cTn>
+                        </p:par>
+                      </p:childTnLst>
+                    </p:cTn>
+                  </p:par>
+                </p:childTnLst>
+              </p:cTn>
+              <p:prevCondLst>
+                <p:cond evt="onPrev" delay="0">
+                  <p:tgtEl>
+                    <p:sldTgt/>
+                  </p:tgtEl>
+                </p:cond>
+              </p:prevCondLst>
+              <p:nextCondLst>
+                <p:cond evt="onNext" delay="0">
+                  <p:tgtEl>
+                    <p:sldTgt/>
+                  </p:tgtEl>
+                </p:cond>
+              </p:nextCondLst>
+            </p:seq>
+          </p:childTnLst>
+        </p:cTn>
+      </p:par>
+    </p:tnLst>
+    <p:bldLst>
+      <p:bldP spid="2" grpId="0"/>
+      <p:bldP spid="2" grpId="1"/>
+    </p:bldLst>
+  </p:timing>
+</p:sld>
+</file>
+
+<file path=ppt/slides/slide6.xml><?xml version="1.0" encoding="utf-8"?>
 <p:sld xmlns:a="http://schemas.openxmlformats.org/drawingml/2006/main" xmlns:r="http://schemas.openxmlformats.org/officeDocument/2006/relationships" xmlns:p="http://schemas.openxmlformats.org/presentationml/2006/main">
   <p:cSld>
     <p:spTree>
@@ -13910,7 +16720,7 @@
 </p:sld>
 </file>
 
-<file path=ppt/slides/slide5.xml><?xml version="1.0" encoding="utf-8"?>
+<file path=ppt/slides/slide7.xml><?xml version="1.0" encoding="utf-8"?>
 <p:sld xmlns:a="http://schemas.openxmlformats.org/drawingml/2006/main" xmlns:r="http://schemas.openxmlformats.org/officeDocument/2006/relationships" xmlns:p="http://schemas.openxmlformats.org/presentationml/2006/main">
   <p:cSld>
     <p:spTree>
@@ -15672,7 +18482,7 @@
 </p:sld>
 </file>
 
-<file path=ppt/slides/slide6.xml><?xml version="1.0" encoding="utf-8"?>
+<file path=ppt/slides/slide8.xml><?xml version="1.0" encoding="utf-8"?>
 <p:sld xmlns:a="http://schemas.openxmlformats.org/drawingml/2006/main" xmlns:r="http://schemas.openxmlformats.org/officeDocument/2006/relationships" xmlns:p="http://schemas.openxmlformats.org/presentationml/2006/main">
   <p:cSld>
     <p:spTree>
@@ -17468,7 +20278,7 @@
 </p:sld>
 </file>
 
-<file path=ppt/slides/slide7.xml><?xml version="1.0" encoding="utf-8"?>
+<file path=ppt/slides/slide9.xml><?xml version="1.0" encoding="utf-8"?>
 <p:sld xmlns:a="http://schemas.openxmlformats.org/drawingml/2006/main" xmlns:r="http://schemas.openxmlformats.org/officeDocument/2006/relationships" xmlns:p="http://schemas.openxmlformats.org/presentationml/2006/main">
   <p:cSld>
     <p:spTree>
@@ -18478,3763 +21288,6 @@
 </p:sld>
 </file>
 
-<file path=ppt/slides/slide8.xml><?xml version="1.0" encoding="utf-8"?>
-<p:sld xmlns:a="http://schemas.openxmlformats.org/drawingml/2006/main" xmlns:r="http://schemas.openxmlformats.org/officeDocument/2006/relationships" xmlns:p="http://schemas.openxmlformats.org/presentationml/2006/main">
-  <p:cSld>
-    <p:spTree>
-      <p:nvGrpSpPr>
-        <p:cNvPr id="1" name=""/>
-        <p:cNvGrpSpPr/>
-        <p:nvPr/>
-      </p:nvGrpSpPr>
-      <p:grpSpPr>
-        <a:xfrm>
-          <a:off x="0" y="0"/>
-          <a:ext cx="0" cy="0"/>
-          <a:chOff x="0" y="0"/>
-          <a:chExt cx="0" cy="0"/>
-        </a:xfrm>
-      </p:grpSpPr>
-      <p:sp>
-        <p:nvSpPr>
-          <p:cNvPr id="2" name="Titel 1"/>
-          <p:cNvSpPr>
-            <a:spLocks noGrp="1"/>
-          </p:cNvSpPr>
-          <p:nvPr>
-            <p:ph type="title"/>
-          </p:nvPr>
-        </p:nvSpPr>
-        <p:spPr/>
-        <p:txBody>
-          <a:bodyPr/>
-          <a:lstStyle/>
-          <a:p>
-            <a:r>
-              <a:rPr lang="nl-NL" sz="1800" dirty="0"/>
-              <a:t>ARP </a:t>
-            </a:r>
-            <a:r>
-              <a:rPr lang="nl-NL" sz="1800" dirty="0" err="1"/>
-              <a:t>Spoofing</a:t>
-            </a:r>
-            <a:r>
-              <a:rPr lang="nl-NL" sz="1800" dirty="0"/>
-              <a:t> Aanval</a:t>
-            </a:r>
-          </a:p>
-        </p:txBody>
-      </p:sp>
-      <p:grpSp>
-        <p:nvGrpSpPr>
-          <p:cNvPr id="10" name="Groep 9">
-            <a:extLst>
-              <a:ext uri="{FF2B5EF4-FFF2-40B4-BE49-F238E27FC236}">
-                <a16:creationId xmlns:a16="http://schemas.microsoft.com/office/drawing/2014/main" id="{EAD5C7D6-49CF-4405-A937-E8DEE996C2BF}"/>
-              </a:ext>
-            </a:extLst>
-          </p:cNvPr>
-          <p:cNvGrpSpPr/>
-          <p:nvPr/>
-        </p:nvGrpSpPr>
-        <p:grpSpPr>
-          <a:xfrm>
-            <a:off x="1147056" y="1078660"/>
-            <a:ext cx="2251836" cy="1400530"/>
-            <a:chOff x="2667000" y="1143000"/>
-            <a:chExt cx="6858000" cy="4572000"/>
-          </a:xfrm>
-        </p:grpSpPr>
-        <p:pic>
-          <p:nvPicPr>
-            <p:cNvPr id="11" name="Picture 2" descr="Afbeeldingsresultaat voor computer razerblade">
-              <a:extLst>
-                <a:ext uri="{FF2B5EF4-FFF2-40B4-BE49-F238E27FC236}">
-                  <a16:creationId xmlns:a16="http://schemas.microsoft.com/office/drawing/2014/main" id="{80D1997E-D198-47A4-AAF9-77BF94B67291}"/>
-                </a:ext>
-              </a:extLst>
-            </p:cNvPr>
-            <p:cNvPicPr>
-              <a:picLocks noChangeAspect="1" noChangeArrowheads="1"/>
-            </p:cNvPicPr>
-            <p:nvPr/>
-          </p:nvPicPr>
-          <p:blipFill>
-            <a:blip r:embed="rId3" cstate="print">
-              <a:duotone>
-                <a:prstClr val="black"/>
-                <a:srgbClr val="FF0000">
-                  <a:tint val="45000"/>
-                  <a:satMod val="400000"/>
-                </a:srgbClr>
-              </a:duotone>
-              <a:extLst>
-                <a:ext uri="{BEBA8EAE-BF5A-486C-A8C5-ECC9F3942E4B}">
-                  <a14:imgProps xmlns:a14="http://schemas.microsoft.com/office/drawing/2010/main">
-                    <a14:imgLayer r:embed="rId4">
-                      <a14:imgEffect>
-                        <a14:backgroundRemoval t="8958" b="90000" l="10000" r="90000">
-                          <a14:foregroundMark x1="28472" y1="50417" x2="15139" y2="88750"/>
-                          <a14:foregroundMark x1="15139" y1="88750" x2="37083" y2="91458"/>
-                          <a14:foregroundMark x1="37083" y1="91458" x2="51806" y2="88542"/>
-                          <a14:foregroundMark x1="51806" y1="88542" x2="77083" y2="90417"/>
-                          <a14:foregroundMark x1="77083" y1="90417" x2="84167" y2="88958"/>
-                          <a14:foregroundMark x1="84167" y1="88958" x2="84444" y2="77292"/>
-                          <a14:foregroundMark x1="84444" y1="77292" x2="79306" y2="67292"/>
-                          <a14:foregroundMark x1="79306" y1="67292" x2="74861" y2="27083"/>
-                          <a14:foregroundMark x1="74861" y1="27083" x2="74722" y2="16250"/>
-                          <a14:foregroundMark x1="74722" y1="16250" x2="68611" y2="11042"/>
-                          <a14:foregroundMark x1="68611" y1="11042" x2="61667" y2="8958"/>
-                          <a14:foregroundMark x1="61667" y1="8958" x2="39444" y2="12083"/>
-                          <a14:foregroundMark x1="39444" y1="12083" x2="29861" y2="10000"/>
-                        </a14:backgroundRemoval>
-                      </a14:imgEffect>
-                    </a14:imgLayer>
-                  </a14:imgProps>
-                </a:ext>
-                <a:ext uri="{28A0092B-C50C-407E-A947-70E740481C1C}">
-                  <a14:useLocalDpi xmlns:a14="http://schemas.microsoft.com/office/drawing/2010/main" val="0"/>
-                </a:ext>
-              </a:extLst>
-            </a:blip>
-            <a:srcRect/>
-            <a:stretch>
-              <a:fillRect/>
-            </a:stretch>
-          </p:blipFill>
-          <p:spPr bwMode="auto">
-            <a:xfrm>
-              <a:off x="2667000" y="1143000"/>
-              <a:ext cx="6858000" cy="4572000"/>
-            </a:xfrm>
-            <a:prstGeom prst="rect">
-              <a:avLst/>
-            </a:prstGeom>
-            <a:noFill/>
-            <a:extLst>
-              <a:ext uri="{909E8E84-426E-40DD-AFC4-6F175D3DCCD1}">
-                <a14:hiddenFill xmlns:a14="http://schemas.microsoft.com/office/drawing/2010/main">
-                  <a:solidFill>
-                    <a:srgbClr val="FFFFFF"/>
-                  </a:solidFill>
-                </a14:hiddenFill>
-              </a:ext>
-            </a:extLst>
-          </p:spPr>
-        </p:pic>
-        <p:sp>
-          <p:nvSpPr>
-            <p:cNvPr id="12" name="Rechthoek 11">
-              <a:extLst>
-                <a:ext uri="{FF2B5EF4-FFF2-40B4-BE49-F238E27FC236}">
-                  <a16:creationId xmlns:a16="http://schemas.microsoft.com/office/drawing/2014/main" id="{24092E85-DE01-4CCE-B1C8-980B2976CCF6}"/>
-                </a:ext>
-              </a:extLst>
-            </p:cNvPr>
-            <p:cNvSpPr/>
-            <p:nvPr/>
-          </p:nvSpPr>
-          <p:spPr>
-            <a:xfrm>
-              <a:off x="4109662" y="1530849"/>
-              <a:ext cx="4027471" cy="2393879"/>
-            </a:xfrm>
-            <a:prstGeom prst="rect">
-              <a:avLst/>
-            </a:prstGeom>
-          </p:spPr>
-          <p:style>
-            <a:lnRef idx="2">
-              <a:schemeClr val="dk1">
-                <a:shade val="50000"/>
-              </a:schemeClr>
-            </a:lnRef>
-            <a:fillRef idx="1">
-              <a:schemeClr val="dk1"/>
-            </a:fillRef>
-            <a:effectRef idx="0">
-              <a:schemeClr val="dk1"/>
-            </a:effectRef>
-            <a:fontRef idx="minor">
-              <a:schemeClr val="lt1"/>
-            </a:fontRef>
-          </p:style>
-          <p:txBody>
-            <a:bodyPr rtlCol="0" anchor="ctr"/>
-            <a:lstStyle/>
-            <a:p>
-              <a:pPr algn="ctr"/>
-              <a:r>
-                <a:rPr lang="nl-NL" sz="2000" b="1" dirty="0">
-                  <a:solidFill>
-                    <a:srgbClr val="FF0000"/>
-                  </a:solidFill>
-                </a:rPr>
-                <a:t>HACKER</a:t>
-              </a:r>
-            </a:p>
-          </p:txBody>
-        </p:sp>
-      </p:grpSp>
-      <p:grpSp>
-        <p:nvGrpSpPr>
-          <p:cNvPr id="13" name="Groep 12">
-            <a:extLst>
-              <a:ext uri="{FF2B5EF4-FFF2-40B4-BE49-F238E27FC236}">
-                <a16:creationId xmlns:a16="http://schemas.microsoft.com/office/drawing/2014/main" id="{14A33966-82D2-462D-A40F-1A06A747A281}"/>
-              </a:ext>
-            </a:extLst>
-          </p:cNvPr>
-          <p:cNvGrpSpPr/>
-          <p:nvPr/>
-        </p:nvGrpSpPr>
-        <p:grpSpPr>
-          <a:xfrm>
-            <a:off x="1002303" y="4982869"/>
-            <a:ext cx="2559333" cy="1233836"/>
-            <a:chOff x="5546977" y="2557328"/>
-            <a:chExt cx="3463459" cy="1877195"/>
-          </a:xfrm>
-        </p:grpSpPr>
-        <p:pic>
-          <p:nvPicPr>
-            <p:cNvPr id="14" name="Afbeelding 13">
-              <a:extLst>
-                <a:ext uri="{FF2B5EF4-FFF2-40B4-BE49-F238E27FC236}">
-                  <a16:creationId xmlns:a16="http://schemas.microsoft.com/office/drawing/2014/main" id="{7F8FB06A-32BD-4D1C-B7B1-7B881032AE42}"/>
-                </a:ext>
-              </a:extLst>
-            </p:cNvPr>
-            <p:cNvPicPr>
-              <a:picLocks noChangeAspect="1"/>
-            </p:cNvPicPr>
-            <p:nvPr/>
-          </p:nvPicPr>
-          <p:blipFill>
-            <a:blip r:embed="rId5">
-              <a:extLst>
-                <a:ext uri="{BEBA8EAE-BF5A-486C-A8C5-ECC9F3942E4B}">
-                  <a14:imgProps xmlns:a14="http://schemas.microsoft.com/office/drawing/2010/main">
-                    <a14:imgLayer r:embed="rId6">
-                      <a14:imgEffect>
-                        <a14:backgroundRemoval t="0" b="97048" l="3800" r="90000">
-                          <a14:foregroundMark x1="24600" y1="16605" x2="17600" y2="11439"/>
-                          <a14:foregroundMark x1="17600" y1="16974" x2="18400" y2="52399"/>
-                          <a14:foregroundMark x1="16800" y1="11439" x2="25800" y2="3690"/>
-                          <a14:foregroundMark x1="25800" y1="3690" x2="48600" y2="0"/>
-                          <a14:foregroundMark x1="48600" y1="0" x2="64600" y2="738"/>
-                          <a14:foregroundMark x1="64600" y1="738" x2="66600" y2="2952"/>
-                          <a14:foregroundMark x1="44200" y1="59041" x2="44200" y2="59041"/>
-                          <a14:foregroundMark x1="47000" y1="59410" x2="67800" y2="57565"/>
-                          <a14:foregroundMark x1="67800" y1="57565" x2="69600" y2="2583"/>
-                          <a14:foregroundMark x1="48400" y1="57565" x2="18600" y2="54613"/>
-                          <a14:foregroundMark x1="34600" y1="59041" x2="34600" y2="59041"/>
-                          <a14:foregroundMark x1="34200" y1="59779" x2="30200" y2="61255"/>
-                          <a14:foregroundMark x1="29600" y1="61255" x2="28200" y2="61255"/>
-                          <a14:foregroundMark x1="25800" y1="59779" x2="25800" y2="59779"/>
-                          <a14:foregroundMark x1="24400" y1="59779" x2="23800" y2="59779"/>
-                          <a14:foregroundMark x1="22800" y1="59041" x2="22000" y2="58303"/>
-                          <a14:foregroundMark x1="17400" y1="10701" x2="25200" y2="369"/>
-                          <a14:foregroundMark x1="34600" y1="57934" x2="44800" y2="58672"/>
-                          <a14:foregroundMark x1="44800" y1="58672" x2="46400" y2="58303"/>
-                          <a14:foregroundMark x1="69200" y1="26199" x2="68400" y2="59779"/>
-                          <a14:foregroundMark x1="12400" y1="90037" x2="22800" y2="92989"/>
-                          <a14:foregroundMark x1="22800" y1="92989" x2="45600" y2="86716"/>
-                          <a14:foregroundMark x1="45600" y1="86716" x2="56600" y2="86716"/>
-                          <a14:foregroundMark x1="56600" y1="86716" x2="66200" y2="84871"/>
-                          <a14:foregroundMark x1="22000" y1="85609" x2="10800" y2="91144"/>
-                          <a14:foregroundMark x1="12200" y1="90775" x2="17400" y2="85240"/>
-                          <a14:foregroundMark x1="12600" y1="90406" x2="9000" y2="83395"/>
-                          <a14:foregroundMark x1="10200" y1="82657" x2="10200" y2="82657"/>
-                          <a14:foregroundMark x1="10200" y1="82657" x2="11600" y2="82657"/>
-                          <a14:foregroundMark x1="13600" y1="83395" x2="13600" y2="83395"/>
-                          <a14:foregroundMark x1="15200" y1="83764" x2="15800" y2="83764"/>
-                          <a14:foregroundMark x1="16800" y1="83764" x2="16800" y2="83764"/>
-                          <a14:foregroundMark x1="17200" y1="83764" x2="17200" y2="83764"/>
-                          <a14:foregroundMark x1="17000" y1="82288" x2="15000" y2="82288"/>
-                          <a14:foregroundMark x1="7200" y1="88192" x2="7600" y2="90775"/>
-                          <a14:foregroundMark x1="8200" y1="93358" x2="8200" y2="93358"/>
-                          <a14:foregroundMark x1="8200" y1="93358" x2="8200" y2="93358"/>
-                          <a14:foregroundMark x1="7800" y1="93358" x2="8600" y2="92989"/>
-                          <a14:foregroundMark x1="42600" y1="97048" x2="42600" y2="97048"/>
-                          <a14:foregroundMark x1="40000" y1="96679" x2="40000" y2="96679"/>
-                          <a14:foregroundMark x1="34400" y1="97048" x2="30800" y2="97048"/>
-                          <a14:foregroundMark x1="7800" y1="96679" x2="7800" y2="96679"/>
-                          <a14:foregroundMark x1="11800" y1="94834" x2="21800" y2="95941"/>
-                          <a14:foregroundMark x1="21800" y1="95941" x2="28600" y2="95203"/>
-                          <a14:foregroundMark x1="5400" y1="94834" x2="3800" y2="96310"/>
-                        </a14:backgroundRemoval>
-                      </a14:imgEffect>
-                    </a14:imgLayer>
-                  </a14:imgProps>
-                </a:ext>
-              </a:extLst>
-            </a:blip>
-            <a:stretch>
-              <a:fillRect/>
-            </a:stretch>
-          </p:blipFill>
-          <p:spPr>
-            <a:xfrm>
-              <a:off x="5546977" y="2557328"/>
-              <a:ext cx="3463459" cy="1877195"/>
-            </a:xfrm>
-            <a:prstGeom prst="rect">
-              <a:avLst/>
-            </a:prstGeom>
-          </p:spPr>
-        </p:pic>
-        <p:sp>
-          <p:nvSpPr>
-            <p:cNvPr id="15" name="Rechthoek 14">
-              <a:extLst>
-                <a:ext uri="{FF2B5EF4-FFF2-40B4-BE49-F238E27FC236}">
-                  <a16:creationId xmlns:a16="http://schemas.microsoft.com/office/drawing/2014/main" id="{48E03DAC-848E-4F8F-997E-BD5D6E2735B6}"/>
-                </a:ext>
-              </a:extLst>
-            </p:cNvPr>
-            <p:cNvSpPr/>
-            <p:nvPr/>
-          </p:nvSpPr>
-          <p:spPr>
-            <a:xfrm>
-              <a:off x="6185043" y="2557330"/>
-              <a:ext cx="1743184" cy="1110546"/>
-            </a:xfrm>
-            <a:prstGeom prst="rect">
-              <a:avLst/>
-            </a:prstGeom>
-          </p:spPr>
-          <p:style>
-            <a:lnRef idx="2">
-              <a:schemeClr val="dk1">
-                <a:shade val="50000"/>
-              </a:schemeClr>
-            </a:lnRef>
-            <a:fillRef idx="1">
-              <a:schemeClr val="dk1"/>
-            </a:fillRef>
-            <a:effectRef idx="0">
-              <a:schemeClr val="dk1"/>
-            </a:effectRef>
-            <a:fontRef idx="minor">
-              <a:schemeClr val="lt1"/>
-            </a:fontRef>
-          </p:style>
-          <p:txBody>
-            <a:bodyPr rtlCol="0" anchor="ctr"/>
-            <a:lstStyle/>
-            <a:p>
-              <a:pPr algn="ctr"/>
-              <a:endParaRPr lang="nl-NL" sz="2400" b="1" dirty="0"/>
-            </a:p>
-          </p:txBody>
-        </p:sp>
-      </p:grpSp>
-      <p:pic>
-        <p:nvPicPr>
-          <p:cNvPr id="16" name="Afbeelding 15">
-            <a:extLst>
-              <a:ext uri="{FF2B5EF4-FFF2-40B4-BE49-F238E27FC236}">
-                <a16:creationId xmlns:a16="http://schemas.microsoft.com/office/drawing/2014/main" id="{943393C3-365B-4B72-92EE-4C66FE9F3AD4}"/>
-              </a:ext>
-            </a:extLst>
-          </p:cNvPr>
-          <p:cNvPicPr>
-            <a:picLocks noChangeAspect="1"/>
-          </p:cNvPicPr>
-          <p:nvPr/>
-        </p:nvPicPr>
-        <p:blipFill>
-          <a:blip r:embed="rId7">
-            <a:extLst>
-              <a:ext uri="{BEBA8EAE-BF5A-486C-A8C5-ECC9F3942E4B}">
-                <a14:imgProps xmlns:a14="http://schemas.microsoft.com/office/drawing/2010/main">
-                  <a14:imgLayer r:embed="rId8">
-                    <a14:imgEffect>
-                      <a14:backgroundRemoval t="3077" b="97179" l="5450" r="94313">
-                        <a14:foregroundMark x1="12559" y1="24103" x2="6635" y2="10000"/>
-                        <a14:foregroundMark x1="50000" y1="12564" x2="50000" y2="3077"/>
-                        <a14:foregroundMark x1="73697" y1="51538" x2="76540" y2="38462"/>
-                        <a14:foregroundMark x1="76540" y1="38462" x2="94313" y2="9231"/>
-                        <a14:foregroundMark x1="74645" y1="86410" x2="63033" y2="90256"/>
-                        <a14:foregroundMark x1="63033" y1="90256" x2="50474" y2="89744"/>
-                        <a14:foregroundMark x1="50474" y1="89744" x2="38389" y2="92564"/>
-                        <a14:foregroundMark x1="38389" y1="92564" x2="30095" y2="92051"/>
-                        <a14:foregroundMark x1="50711" y1="97179" x2="50711" y2="97179"/>
-                        <a14:foregroundMark x1="50474" y1="97179" x2="48578" y2="96923"/>
-                        <a14:foregroundMark x1="48578" y1="96923" x2="46445" y2="96410"/>
-                      </a14:backgroundRemoval>
-                    </a14:imgEffect>
-                  </a14:imgLayer>
-                </a14:imgProps>
-              </a:ext>
-            </a:extLst>
-          </a:blip>
-          <a:stretch>
-            <a:fillRect/>
-          </a:stretch>
-        </p:blipFill>
-        <p:spPr>
-          <a:xfrm>
-            <a:off x="8861500" y="912214"/>
-            <a:ext cx="1875652" cy="1733422"/>
-          </a:xfrm>
-          <a:prstGeom prst="rect">
-            <a:avLst/>
-          </a:prstGeom>
-        </p:spPr>
-      </p:pic>
-      <p:grpSp>
-        <p:nvGrpSpPr>
-          <p:cNvPr id="17" name="Groep 16">
-            <a:extLst>
-              <a:ext uri="{FF2B5EF4-FFF2-40B4-BE49-F238E27FC236}">
-                <a16:creationId xmlns:a16="http://schemas.microsoft.com/office/drawing/2014/main" id="{9B0015D3-C1D8-40D1-8FB1-C140277AE6A2}"/>
-              </a:ext>
-            </a:extLst>
-          </p:cNvPr>
-          <p:cNvGrpSpPr/>
-          <p:nvPr/>
-        </p:nvGrpSpPr>
-        <p:grpSpPr>
-          <a:xfrm>
-            <a:off x="4685689" y="4962692"/>
-            <a:ext cx="2559333" cy="1233836"/>
-            <a:chOff x="5546977" y="2557328"/>
-            <a:chExt cx="3463459" cy="1877195"/>
-          </a:xfrm>
-        </p:grpSpPr>
-        <p:pic>
-          <p:nvPicPr>
-            <p:cNvPr id="18" name="Afbeelding 17">
-              <a:extLst>
-                <a:ext uri="{FF2B5EF4-FFF2-40B4-BE49-F238E27FC236}">
-                  <a16:creationId xmlns:a16="http://schemas.microsoft.com/office/drawing/2014/main" id="{CF38D703-5911-4D2E-BF5C-58A9F4D312A7}"/>
-                </a:ext>
-              </a:extLst>
-            </p:cNvPr>
-            <p:cNvPicPr>
-              <a:picLocks noChangeAspect="1"/>
-            </p:cNvPicPr>
-            <p:nvPr/>
-          </p:nvPicPr>
-          <p:blipFill>
-            <a:blip r:embed="rId5">
-              <a:extLst>
-                <a:ext uri="{BEBA8EAE-BF5A-486C-A8C5-ECC9F3942E4B}">
-                  <a14:imgProps xmlns:a14="http://schemas.microsoft.com/office/drawing/2010/main">
-                    <a14:imgLayer r:embed="rId6">
-                      <a14:imgEffect>
-                        <a14:backgroundRemoval t="0" b="97048" l="3800" r="90000">
-                          <a14:foregroundMark x1="24600" y1="16605" x2="17600" y2="11439"/>
-                          <a14:foregroundMark x1="17600" y1="16974" x2="18400" y2="52399"/>
-                          <a14:foregroundMark x1="16800" y1="11439" x2="25800" y2="3690"/>
-                          <a14:foregroundMark x1="25800" y1="3690" x2="48600" y2="0"/>
-                          <a14:foregroundMark x1="48600" y1="0" x2="64600" y2="738"/>
-                          <a14:foregroundMark x1="64600" y1="738" x2="66600" y2="2952"/>
-                          <a14:foregroundMark x1="44200" y1="59041" x2="44200" y2="59041"/>
-                          <a14:foregroundMark x1="47000" y1="59410" x2="67800" y2="57565"/>
-                          <a14:foregroundMark x1="67800" y1="57565" x2="69600" y2="2583"/>
-                          <a14:foregroundMark x1="48400" y1="57565" x2="18600" y2="54613"/>
-                          <a14:foregroundMark x1="34600" y1="59041" x2="34600" y2="59041"/>
-                          <a14:foregroundMark x1="34200" y1="59779" x2="30200" y2="61255"/>
-                          <a14:foregroundMark x1="29600" y1="61255" x2="28200" y2="61255"/>
-                          <a14:foregroundMark x1="25800" y1="59779" x2="25800" y2="59779"/>
-                          <a14:foregroundMark x1="24400" y1="59779" x2="23800" y2="59779"/>
-                          <a14:foregroundMark x1="22800" y1="59041" x2="22000" y2="58303"/>
-                          <a14:foregroundMark x1="17400" y1="10701" x2="25200" y2="369"/>
-                          <a14:foregroundMark x1="34600" y1="57934" x2="44800" y2="58672"/>
-                          <a14:foregroundMark x1="44800" y1="58672" x2="46400" y2="58303"/>
-                          <a14:foregroundMark x1="69200" y1="26199" x2="68400" y2="59779"/>
-                          <a14:foregroundMark x1="12400" y1="90037" x2="22800" y2="92989"/>
-                          <a14:foregroundMark x1="22800" y1="92989" x2="45600" y2="86716"/>
-                          <a14:foregroundMark x1="45600" y1="86716" x2="56600" y2="86716"/>
-                          <a14:foregroundMark x1="56600" y1="86716" x2="66200" y2="84871"/>
-                          <a14:foregroundMark x1="22000" y1="85609" x2="10800" y2="91144"/>
-                          <a14:foregroundMark x1="12200" y1="90775" x2="17400" y2="85240"/>
-                          <a14:foregroundMark x1="12600" y1="90406" x2="9000" y2="83395"/>
-                          <a14:foregroundMark x1="10200" y1="82657" x2="10200" y2="82657"/>
-                          <a14:foregroundMark x1="10200" y1="82657" x2="11600" y2="82657"/>
-                          <a14:foregroundMark x1="13600" y1="83395" x2="13600" y2="83395"/>
-                          <a14:foregroundMark x1="15200" y1="83764" x2="15800" y2="83764"/>
-                          <a14:foregroundMark x1="16800" y1="83764" x2="16800" y2="83764"/>
-                          <a14:foregroundMark x1="17200" y1="83764" x2="17200" y2="83764"/>
-                          <a14:foregroundMark x1="17000" y1="82288" x2="15000" y2="82288"/>
-                          <a14:foregroundMark x1="7200" y1="88192" x2="7600" y2="90775"/>
-                          <a14:foregroundMark x1="8200" y1="93358" x2="8200" y2="93358"/>
-                          <a14:foregroundMark x1="8200" y1="93358" x2="8200" y2="93358"/>
-                          <a14:foregroundMark x1="7800" y1="93358" x2="8600" y2="92989"/>
-                          <a14:foregroundMark x1="42600" y1="97048" x2="42600" y2="97048"/>
-                          <a14:foregroundMark x1="40000" y1="96679" x2="40000" y2="96679"/>
-                          <a14:foregroundMark x1="34400" y1="97048" x2="30800" y2="97048"/>
-                          <a14:foregroundMark x1="7800" y1="96679" x2="7800" y2="96679"/>
-                          <a14:foregroundMark x1="11800" y1="94834" x2="21800" y2="95941"/>
-                          <a14:foregroundMark x1="21800" y1="95941" x2="28600" y2="95203"/>
-                          <a14:foregroundMark x1="5400" y1="94834" x2="3800" y2="96310"/>
-                        </a14:backgroundRemoval>
-                      </a14:imgEffect>
-                    </a14:imgLayer>
-                  </a14:imgProps>
-                </a:ext>
-              </a:extLst>
-            </a:blip>
-            <a:stretch>
-              <a:fillRect/>
-            </a:stretch>
-          </p:blipFill>
-          <p:spPr>
-            <a:xfrm>
-              <a:off x="5546977" y="2557328"/>
-              <a:ext cx="3463459" cy="1877195"/>
-            </a:xfrm>
-            <a:prstGeom prst="rect">
-              <a:avLst/>
-            </a:prstGeom>
-          </p:spPr>
-        </p:pic>
-        <p:sp>
-          <p:nvSpPr>
-            <p:cNvPr id="19" name="Rechthoek 18">
-              <a:extLst>
-                <a:ext uri="{FF2B5EF4-FFF2-40B4-BE49-F238E27FC236}">
-                  <a16:creationId xmlns:a16="http://schemas.microsoft.com/office/drawing/2014/main" id="{7E651628-2147-4C63-879F-19CF1267FCF5}"/>
-                </a:ext>
-              </a:extLst>
-            </p:cNvPr>
-            <p:cNvSpPr/>
-            <p:nvPr/>
-          </p:nvSpPr>
-          <p:spPr>
-            <a:xfrm>
-              <a:off x="6185043" y="2557329"/>
-              <a:ext cx="1743184" cy="1110546"/>
-            </a:xfrm>
-            <a:prstGeom prst="rect">
-              <a:avLst/>
-            </a:prstGeom>
-          </p:spPr>
-          <p:style>
-            <a:lnRef idx="2">
-              <a:schemeClr val="dk1">
-                <a:shade val="50000"/>
-              </a:schemeClr>
-            </a:lnRef>
-            <a:fillRef idx="1">
-              <a:schemeClr val="dk1"/>
-            </a:fillRef>
-            <a:effectRef idx="0">
-              <a:schemeClr val="dk1"/>
-            </a:effectRef>
-            <a:fontRef idx="minor">
-              <a:schemeClr val="lt1"/>
-            </a:fontRef>
-          </p:style>
-          <p:txBody>
-            <a:bodyPr rtlCol="0" anchor="ctr"/>
-            <a:lstStyle/>
-            <a:p>
-              <a:pPr algn="ctr"/>
-              <a:r>
-                <a:rPr lang="nl-NL" sz="2400" b="1" dirty="0"/>
-                <a:t>Doelwit</a:t>
-              </a:r>
-            </a:p>
-          </p:txBody>
-        </p:sp>
-      </p:grpSp>
-      <p:grpSp>
-        <p:nvGrpSpPr>
-          <p:cNvPr id="20" name="Groep 19">
-            <a:extLst>
-              <a:ext uri="{FF2B5EF4-FFF2-40B4-BE49-F238E27FC236}">
-                <a16:creationId xmlns:a16="http://schemas.microsoft.com/office/drawing/2014/main" id="{CE4BE184-74ED-4C81-A527-31C7033C01F7}"/>
-              </a:ext>
-            </a:extLst>
-          </p:cNvPr>
-          <p:cNvGrpSpPr/>
-          <p:nvPr/>
-        </p:nvGrpSpPr>
-        <p:grpSpPr>
-          <a:xfrm>
-            <a:off x="7910062" y="3595447"/>
-            <a:ext cx="2559333" cy="1233836"/>
-            <a:chOff x="5546977" y="2557328"/>
-            <a:chExt cx="3463459" cy="1877195"/>
-          </a:xfrm>
-        </p:grpSpPr>
-        <p:pic>
-          <p:nvPicPr>
-            <p:cNvPr id="21" name="Afbeelding 20">
-              <a:extLst>
-                <a:ext uri="{FF2B5EF4-FFF2-40B4-BE49-F238E27FC236}">
-                  <a16:creationId xmlns:a16="http://schemas.microsoft.com/office/drawing/2014/main" id="{E86CD1C4-28F2-43AC-9058-BE3E94B0F9E0}"/>
-                </a:ext>
-              </a:extLst>
-            </p:cNvPr>
-            <p:cNvPicPr>
-              <a:picLocks noChangeAspect="1"/>
-            </p:cNvPicPr>
-            <p:nvPr/>
-          </p:nvPicPr>
-          <p:blipFill>
-            <a:blip r:embed="rId5">
-              <a:extLst>
-                <a:ext uri="{BEBA8EAE-BF5A-486C-A8C5-ECC9F3942E4B}">
-                  <a14:imgProps xmlns:a14="http://schemas.microsoft.com/office/drawing/2010/main">
-                    <a14:imgLayer r:embed="rId6">
-                      <a14:imgEffect>
-                        <a14:backgroundRemoval t="0" b="97048" l="3800" r="90000">
-                          <a14:foregroundMark x1="24600" y1="16605" x2="17600" y2="11439"/>
-                          <a14:foregroundMark x1="17600" y1="16974" x2="18400" y2="52399"/>
-                          <a14:foregroundMark x1="16800" y1="11439" x2="25800" y2="3690"/>
-                          <a14:foregroundMark x1="25800" y1="3690" x2="48600" y2="0"/>
-                          <a14:foregroundMark x1="48600" y1="0" x2="64600" y2="738"/>
-                          <a14:foregroundMark x1="64600" y1="738" x2="66600" y2="2952"/>
-                          <a14:foregroundMark x1="44200" y1="59041" x2="44200" y2="59041"/>
-                          <a14:foregroundMark x1="47000" y1="59410" x2="67800" y2="57565"/>
-                          <a14:foregroundMark x1="67800" y1="57565" x2="69600" y2="2583"/>
-                          <a14:foregroundMark x1="48400" y1="57565" x2="18600" y2="54613"/>
-                          <a14:foregroundMark x1="34600" y1="59041" x2="34600" y2="59041"/>
-                          <a14:foregroundMark x1="34200" y1="59779" x2="30200" y2="61255"/>
-                          <a14:foregroundMark x1="29600" y1="61255" x2="28200" y2="61255"/>
-                          <a14:foregroundMark x1="25800" y1="59779" x2="25800" y2="59779"/>
-                          <a14:foregroundMark x1="24400" y1="59779" x2="23800" y2="59779"/>
-                          <a14:foregroundMark x1="22800" y1="59041" x2="22000" y2="58303"/>
-                          <a14:foregroundMark x1="17400" y1="10701" x2="25200" y2="369"/>
-                          <a14:foregroundMark x1="34600" y1="57934" x2="44800" y2="58672"/>
-                          <a14:foregroundMark x1="44800" y1="58672" x2="46400" y2="58303"/>
-                          <a14:foregroundMark x1="69200" y1="26199" x2="68400" y2="59779"/>
-                          <a14:foregroundMark x1="12400" y1="90037" x2="22800" y2="92989"/>
-                          <a14:foregroundMark x1="22800" y1="92989" x2="45600" y2="86716"/>
-                          <a14:foregroundMark x1="45600" y1="86716" x2="56600" y2="86716"/>
-                          <a14:foregroundMark x1="56600" y1="86716" x2="66200" y2="84871"/>
-                          <a14:foregroundMark x1="22000" y1="85609" x2="10800" y2="91144"/>
-                          <a14:foregroundMark x1="12200" y1="90775" x2="17400" y2="85240"/>
-                          <a14:foregroundMark x1="12600" y1="90406" x2="9000" y2="83395"/>
-                          <a14:foregroundMark x1="10200" y1="82657" x2="10200" y2="82657"/>
-                          <a14:foregroundMark x1="10200" y1="82657" x2="11600" y2="82657"/>
-                          <a14:foregroundMark x1="13600" y1="83395" x2="13600" y2="83395"/>
-                          <a14:foregroundMark x1="15200" y1="83764" x2="15800" y2="83764"/>
-                          <a14:foregroundMark x1="16800" y1="83764" x2="16800" y2="83764"/>
-                          <a14:foregroundMark x1="17200" y1="83764" x2="17200" y2="83764"/>
-                          <a14:foregroundMark x1="17000" y1="82288" x2="15000" y2="82288"/>
-                          <a14:foregroundMark x1="7200" y1="88192" x2="7600" y2="90775"/>
-                          <a14:foregroundMark x1="8200" y1="93358" x2="8200" y2="93358"/>
-                          <a14:foregroundMark x1="8200" y1="93358" x2="8200" y2="93358"/>
-                          <a14:foregroundMark x1="7800" y1="93358" x2="8600" y2="92989"/>
-                          <a14:foregroundMark x1="42600" y1="97048" x2="42600" y2="97048"/>
-                          <a14:foregroundMark x1="40000" y1="96679" x2="40000" y2="96679"/>
-                          <a14:foregroundMark x1="34400" y1="97048" x2="30800" y2="97048"/>
-                          <a14:foregroundMark x1="7800" y1="96679" x2="7800" y2="96679"/>
-                          <a14:foregroundMark x1="11800" y1="94834" x2="21800" y2="95941"/>
-                          <a14:foregroundMark x1="21800" y1="95941" x2="28600" y2="95203"/>
-                          <a14:foregroundMark x1="5400" y1="94834" x2="3800" y2="96310"/>
-                        </a14:backgroundRemoval>
-                      </a14:imgEffect>
-                    </a14:imgLayer>
-                  </a14:imgProps>
-                </a:ext>
-              </a:extLst>
-            </a:blip>
-            <a:stretch>
-              <a:fillRect/>
-            </a:stretch>
-          </p:blipFill>
-          <p:spPr>
-            <a:xfrm>
-              <a:off x="5546977" y="2557328"/>
-              <a:ext cx="3463459" cy="1877195"/>
-            </a:xfrm>
-            <a:prstGeom prst="rect">
-              <a:avLst/>
-            </a:prstGeom>
-          </p:spPr>
-        </p:pic>
-        <p:sp>
-          <p:nvSpPr>
-            <p:cNvPr id="22" name="Rechthoek 21">
-              <a:extLst>
-                <a:ext uri="{FF2B5EF4-FFF2-40B4-BE49-F238E27FC236}">
-                  <a16:creationId xmlns:a16="http://schemas.microsoft.com/office/drawing/2014/main" id="{D9E414DB-760C-4458-9988-2388AF50B116}"/>
-                </a:ext>
-              </a:extLst>
-            </p:cNvPr>
-            <p:cNvSpPr/>
-            <p:nvPr/>
-          </p:nvSpPr>
-          <p:spPr>
-            <a:xfrm>
-              <a:off x="6185043" y="2557329"/>
-              <a:ext cx="1743184" cy="1110546"/>
-            </a:xfrm>
-            <a:prstGeom prst="rect">
-              <a:avLst/>
-            </a:prstGeom>
-          </p:spPr>
-          <p:style>
-            <a:lnRef idx="2">
-              <a:schemeClr val="dk1">
-                <a:shade val="50000"/>
-              </a:schemeClr>
-            </a:lnRef>
-            <a:fillRef idx="1">
-              <a:schemeClr val="dk1"/>
-            </a:fillRef>
-            <a:effectRef idx="0">
-              <a:schemeClr val="dk1"/>
-            </a:effectRef>
-            <a:fontRef idx="minor">
-              <a:schemeClr val="lt1"/>
-            </a:fontRef>
-          </p:style>
-          <p:txBody>
-            <a:bodyPr rtlCol="0" anchor="ctr"/>
-            <a:lstStyle/>
-            <a:p>
-              <a:pPr algn="ctr"/>
-              <a:endParaRPr lang="nl-NL" sz="2400" b="1" dirty="0"/>
-            </a:p>
-          </p:txBody>
-        </p:sp>
-      </p:grpSp>
-      <p:sp>
-        <p:nvSpPr>
-          <p:cNvPr id="23" name="Tekstvak 22">
-            <a:extLst>
-              <a:ext uri="{FF2B5EF4-FFF2-40B4-BE49-F238E27FC236}">
-                <a16:creationId xmlns:a16="http://schemas.microsoft.com/office/drawing/2014/main" id="{4D23E9E6-0716-4D1A-86CD-73CAF54EE1DC}"/>
-              </a:ext>
-            </a:extLst>
-          </p:cNvPr>
-          <p:cNvSpPr txBox="1"/>
-          <p:nvPr/>
-        </p:nvSpPr>
-        <p:spPr>
-          <a:xfrm>
-            <a:off x="4833134" y="6148553"/>
-            <a:ext cx="3224373" cy="923330"/>
-          </a:xfrm>
-          <a:prstGeom prst="rect">
-            <a:avLst/>
-          </a:prstGeom>
-          <a:noFill/>
-        </p:spPr>
-        <p:txBody>
-          <a:bodyPr wrap="square" rtlCol="0">
-            <a:spAutoFit/>
-          </a:bodyPr>
-          <a:lstStyle/>
-          <a:p>
-            <a:r>
-              <a:rPr lang="nl-NL" dirty="0"/>
-              <a:t>IP: 192.168.1.4</a:t>
-            </a:r>
-          </a:p>
-          <a:p>
-            <a:r>
-              <a:rPr lang="nl-NL" dirty="0"/>
-              <a:t>MAC: 86:83:BA:82:D7:63</a:t>
-            </a:r>
-          </a:p>
-          <a:p>
-            <a:endParaRPr lang="nl-NL" dirty="0"/>
-          </a:p>
-        </p:txBody>
-      </p:sp>
-      <p:sp>
-        <p:nvSpPr>
-          <p:cNvPr id="25" name="Tekstvak 24">
-            <a:extLst>
-              <a:ext uri="{FF2B5EF4-FFF2-40B4-BE49-F238E27FC236}">
-                <a16:creationId xmlns:a16="http://schemas.microsoft.com/office/drawing/2014/main" id="{9E8D21CA-843E-426F-BEB2-488AC48BE94F}"/>
-              </a:ext>
-            </a:extLst>
-          </p:cNvPr>
-          <p:cNvSpPr txBox="1"/>
-          <p:nvPr/>
-        </p:nvSpPr>
-        <p:spPr>
-          <a:xfrm>
-            <a:off x="865597" y="6216705"/>
-            <a:ext cx="3224373" cy="923330"/>
-          </a:xfrm>
-          <a:prstGeom prst="rect">
-            <a:avLst/>
-          </a:prstGeom>
-          <a:noFill/>
-        </p:spPr>
-        <p:txBody>
-          <a:bodyPr wrap="square" rtlCol="0">
-            <a:spAutoFit/>
-          </a:bodyPr>
-          <a:lstStyle/>
-          <a:p>
-            <a:r>
-              <a:rPr lang="nl-NL" dirty="0"/>
-              <a:t>IP: 192.168.1.3</a:t>
-            </a:r>
-          </a:p>
-          <a:p>
-            <a:r>
-              <a:rPr lang="nl-NL" dirty="0"/>
-              <a:t>MAC: 86:43:BA:32:D7:65</a:t>
-            </a:r>
-          </a:p>
-          <a:p>
-            <a:endParaRPr lang="nl-NL" dirty="0"/>
-          </a:p>
-        </p:txBody>
-      </p:sp>
-      <p:sp>
-        <p:nvSpPr>
-          <p:cNvPr id="26" name="Tekstvak 25">
-            <a:extLst>
-              <a:ext uri="{FF2B5EF4-FFF2-40B4-BE49-F238E27FC236}">
-                <a16:creationId xmlns:a16="http://schemas.microsoft.com/office/drawing/2014/main" id="{3D3BB090-13AA-4AA8-896C-D3F834C814D9}"/>
-              </a:ext>
-            </a:extLst>
-          </p:cNvPr>
-          <p:cNvSpPr txBox="1"/>
-          <p:nvPr/>
-        </p:nvSpPr>
-        <p:spPr>
-          <a:xfrm>
-            <a:off x="8057507" y="4721324"/>
-            <a:ext cx="3224373" cy="923330"/>
-          </a:xfrm>
-          <a:prstGeom prst="rect">
-            <a:avLst/>
-          </a:prstGeom>
-          <a:noFill/>
-        </p:spPr>
-        <p:txBody>
-          <a:bodyPr wrap="square" rtlCol="0">
-            <a:spAutoFit/>
-          </a:bodyPr>
-          <a:lstStyle/>
-          <a:p>
-            <a:r>
-              <a:rPr lang="nl-NL" dirty="0"/>
-              <a:t>IP: 192.168.1.2</a:t>
-            </a:r>
-          </a:p>
-          <a:p>
-            <a:r>
-              <a:rPr lang="nl-NL" dirty="0"/>
-              <a:t>MAC: 86:83:BA:82:D7:FF</a:t>
-            </a:r>
-          </a:p>
-          <a:p>
-            <a:endParaRPr lang="nl-NL" dirty="0"/>
-          </a:p>
-        </p:txBody>
-      </p:sp>
-      <p:sp>
-        <p:nvSpPr>
-          <p:cNvPr id="27" name="Tekstvak 26">
-            <a:extLst>
-              <a:ext uri="{FF2B5EF4-FFF2-40B4-BE49-F238E27FC236}">
-                <a16:creationId xmlns:a16="http://schemas.microsoft.com/office/drawing/2014/main" id="{ADAD208D-F82F-4CE6-BFE2-75D02B8B7F6C}"/>
-              </a:ext>
-            </a:extLst>
-          </p:cNvPr>
-          <p:cNvSpPr txBox="1"/>
-          <p:nvPr/>
-        </p:nvSpPr>
-        <p:spPr>
-          <a:xfrm>
-            <a:off x="8766424" y="2658876"/>
-            <a:ext cx="3224373" cy="923330"/>
-          </a:xfrm>
-          <a:prstGeom prst="rect">
-            <a:avLst/>
-          </a:prstGeom>
-          <a:noFill/>
-        </p:spPr>
-        <p:txBody>
-          <a:bodyPr wrap="square" rtlCol="0">
-            <a:spAutoFit/>
-          </a:bodyPr>
-          <a:lstStyle/>
-          <a:p>
-            <a:r>
-              <a:rPr lang="nl-NL" dirty="0"/>
-              <a:t>IP: 192.168.1.1</a:t>
-            </a:r>
-          </a:p>
-          <a:p>
-            <a:r>
-              <a:rPr lang="nl-NL" dirty="0"/>
-              <a:t>MAC: 86:83:FF:82:D7:86</a:t>
-            </a:r>
-          </a:p>
-          <a:p>
-            <a:endParaRPr lang="nl-NL" dirty="0"/>
-          </a:p>
-        </p:txBody>
-      </p:sp>
-      <p:cxnSp>
-        <p:nvCxnSpPr>
-          <p:cNvPr id="24" name="Rechte verbindingslijn met pijl 23">
-            <a:extLst>
-              <a:ext uri="{FF2B5EF4-FFF2-40B4-BE49-F238E27FC236}">
-                <a16:creationId xmlns:a16="http://schemas.microsoft.com/office/drawing/2014/main" id="{F8BF6C17-6819-4FAA-876C-5EA9A93A10F3}"/>
-              </a:ext>
-            </a:extLst>
-          </p:cNvPr>
-          <p:cNvCxnSpPr>
-            <a:cxnSpLocks/>
-          </p:cNvCxnSpPr>
-          <p:nvPr/>
-        </p:nvCxnSpPr>
-        <p:spPr>
-          <a:xfrm>
-            <a:off x="2761935" y="2645636"/>
-            <a:ext cx="2724465" cy="1977735"/>
-          </a:xfrm>
-          <a:prstGeom prst="straightConnector1">
-            <a:avLst/>
-          </a:prstGeom>
-          <a:ln w="38100">
-            <a:solidFill>
-              <a:schemeClr val="tx1"/>
-            </a:solidFill>
-            <a:tailEnd type="triangle"/>
-          </a:ln>
-        </p:spPr>
-        <p:style>
-          <a:lnRef idx="1">
-            <a:schemeClr val="accent1"/>
-          </a:lnRef>
-          <a:fillRef idx="0">
-            <a:schemeClr val="accent1"/>
-          </a:fillRef>
-          <a:effectRef idx="0">
-            <a:schemeClr val="accent1"/>
-          </a:effectRef>
-          <a:fontRef idx="minor">
-            <a:schemeClr val="tx1"/>
-          </a:fontRef>
-        </p:style>
-      </p:cxnSp>
-      <p:cxnSp>
-        <p:nvCxnSpPr>
-          <p:cNvPr id="28" name="Rechte verbindingslijn met pijl 27">
-            <a:extLst>
-              <a:ext uri="{FF2B5EF4-FFF2-40B4-BE49-F238E27FC236}">
-                <a16:creationId xmlns:a16="http://schemas.microsoft.com/office/drawing/2014/main" id="{BF12E818-ADD7-41FC-B13A-94D3DECAA780}"/>
-              </a:ext>
-            </a:extLst>
-          </p:cNvPr>
-          <p:cNvCxnSpPr>
-            <a:cxnSpLocks/>
-          </p:cNvCxnSpPr>
-          <p:nvPr/>
-        </p:nvCxnSpPr>
-        <p:spPr>
-          <a:xfrm>
-            <a:off x="3398892" y="1853248"/>
-            <a:ext cx="5367532" cy="453067"/>
-          </a:xfrm>
-          <a:prstGeom prst="straightConnector1">
-            <a:avLst/>
-          </a:prstGeom>
-          <a:ln w="38100">
-            <a:tailEnd type="triangle"/>
-          </a:ln>
-        </p:spPr>
-        <p:style>
-          <a:lnRef idx="1">
-            <a:schemeClr val="accent1"/>
-          </a:lnRef>
-          <a:fillRef idx="0">
-            <a:schemeClr val="accent1"/>
-          </a:fillRef>
-          <a:effectRef idx="0">
-            <a:schemeClr val="accent1"/>
-          </a:effectRef>
-          <a:fontRef idx="minor">
-            <a:schemeClr val="tx1"/>
-          </a:fontRef>
-        </p:style>
-      </p:cxnSp>
-      <p:sp>
-        <p:nvSpPr>
-          <p:cNvPr id="29" name="Tekstvak 28">
-            <a:extLst>
-              <a:ext uri="{FF2B5EF4-FFF2-40B4-BE49-F238E27FC236}">
-                <a16:creationId xmlns:a16="http://schemas.microsoft.com/office/drawing/2014/main" id="{0DFD88C5-4AEE-45BD-A634-77AAE0CEFF9B}"/>
-              </a:ext>
-            </a:extLst>
-          </p:cNvPr>
-          <p:cNvSpPr txBox="1"/>
-          <p:nvPr/>
-        </p:nvSpPr>
-        <p:spPr>
-          <a:xfrm rot="2147447">
-            <a:off x="2842108" y="3646719"/>
-            <a:ext cx="4014652" cy="400110"/>
-          </a:xfrm>
-          <a:prstGeom prst="rect">
-            <a:avLst/>
-          </a:prstGeom>
-          <a:noFill/>
-        </p:spPr>
-        <p:txBody>
-          <a:bodyPr wrap="square" rtlCol="0">
-            <a:spAutoFit/>
-          </a:bodyPr>
-          <a:lstStyle/>
-          <a:p>
-            <a:r>
-              <a:rPr lang="nl-NL" sz="2000" b="1" dirty="0">
-                <a:solidFill>
-                  <a:srgbClr val="FF0000"/>
-                </a:solidFill>
-                <a:effectLst>
-                  <a:outerShdw blurRad="38100" dist="38100" dir="2700000" algn="tl">
-                    <a:srgbClr val="000000">
-                      <a:alpha val="43137"/>
-                    </a:srgbClr>
-                  </a:outerShdw>
-                </a:effectLst>
-              </a:rPr>
-              <a:t>Ik ben 192.168.1.1</a:t>
-            </a:r>
-          </a:p>
-        </p:txBody>
-      </p:sp>
-      <p:sp>
-        <p:nvSpPr>
-          <p:cNvPr id="30" name="Tekstvak 29">
-            <a:extLst>
-              <a:ext uri="{FF2B5EF4-FFF2-40B4-BE49-F238E27FC236}">
-                <a16:creationId xmlns:a16="http://schemas.microsoft.com/office/drawing/2014/main" id="{88F18706-1D07-4403-9439-B69621C1357C}"/>
-              </a:ext>
-            </a:extLst>
-          </p:cNvPr>
-          <p:cNvSpPr txBox="1"/>
-          <p:nvPr/>
-        </p:nvSpPr>
-        <p:spPr>
-          <a:xfrm rot="295633">
-            <a:off x="4587364" y="1680785"/>
-            <a:ext cx="4014652" cy="400110"/>
-          </a:xfrm>
-          <a:prstGeom prst="rect">
-            <a:avLst/>
-          </a:prstGeom>
-          <a:noFill/>
-          <a:ln>
-            <a:noFill/>
-          </a:ln>
-        </p:spPr>
-        <p:txBody>
-          <a:bodyPr wrap="square" rtlCol="0">
-            <a:spAutoFit/>
-          </a:bodyPr>
-          <a:lstStyle/>
-          <a:p>
-            <a:r>
-              <a:rPr lang="nl-NL" sz="2000" b="1" dirty="0">
-                <a:solidFill>
-                  <a:srgbClr val="FF0000"/>
-                </a:solidFill>
-                <a:effectLst>
-                  <a:outerShdw blurRad="38100" dist="38100" dir="2700000" algn="tl">
-                    <a:srgbClr val="000000">
-                      <a:alpha val="43137"/>
-                    </a:srgbClr>
-                  </a:outerShdw>
-                </a:effectLst>
-              </a:rPr>
-              <a:t>Ik ben 192.168.1.4</a:t>
-            </a:r>
-          </a:p>
-        </p:txBody>
-      </p:sp>
-      <p:grpSp>
-        <p:nvGrpSpPr>
-          <p:cNvPr id="31" name="Groep 30">
-            <a:extLst>
-              <a:ext uri="{FF2B5EF4-FFF2-40B4-BE49-F238E27FC236}">
-                <a16:creationId xmlns:a16="http://schemas.microsoft.com/office/drawing/2014/main" id="{AA277733-0238-4209-AB5E-C59B9E035B49}"/>
-              </a:ext>
-            </a:extLst>
-          </p:cNvPr>
-          <p:cNvGrpSpPr/>
-          <p:nvPr/>
-        </p:nvGrpSpPr>
-        <p:grpSpPr>
-          <a:xfrm>
-            <a:off x="1156051" y="1073378"/>
-            <a:ext cx="2251836" cy="1400530"/>
-            <a:chOff x="2667000" y="1143000"/>
-            <a:chExt cx="6858000" cy="4572000"/>
-          </a:xfrm>
-        </p:grpSpPr>
-        <p:pic>
-          <p:nvPicPr>
-            <p:cNvPr id="32" name="Picture 2" descr="Afbeeldingsresultaat voor computer razerblade">
-              <a:extLst>
-                <a:ext uri="{FF2B5EF4-FFF2-40B4-BE49-F238E27FC236}">
-                  <a16:creationId xmlns:a16="http://schemas.microsoft.com/office/drawing/2014/main" id="{15F95483-9C82-4946-AFDB-533D50711EB4}"/>
-                </a:ext>
-              </a:extLst>
-            </p:cNvPr>
-            <p:cNvPicPr>
-              <a:picLocks noChangeAspect="1" noChangeArrowheads="1"/>
-            </p:cNvPicPr>
-            <p:nvPr/>
-          </p:nvPicPr>
-          <p:blipFill>
-            <a:blip r:embed="rId3" cstate="print">
-              <a:extLst>
-                <a:ext uri="{BEBA8EAE-BF5A-486C-A8C5-ECC9F3942E4B}">
-                  <a14:imgProps xmlns:a14="http://schemas.microsoft.com/office/drawing/2010/main">
-                    <a14:imgLayer r:embed="rId4">
-                      <a14:imgEffect>
-                        <a14:backgroundRemoval t="8958" b="90000" l="10000" r="90000">
-                          <a14:foregroundMark x1="28472" y1="50417" x2="15139" y2="88750"/>
-                          <a14:foregroundMark x1="15139" y1="88750" x2="37083" y2="91458"/>
-                          <a14:foregroundMark x1="37083" y1="91458" x2="51806" y2="88542"/>
-                          <a14:foregroundMark x1="51806" y1="88542" x2="77083" y2="90417"/>
-                          <a14:foregroundMark x1="77083" y1="90417" x2="84167" y2="88958"/>
-                          <a14:foregroundMark x1="84167" y1="88958" x2="84444" y2="77292"/>
-                          <a14:foregroundMark x1="84444" y1="77292" x2="79306" y2="67292"/>
-                          <a14:foregroundMark x1="79306" y1="67292" x2="74861" y2="27083"/>
-                          <a14:foregroundMark x1="74861" y1="27083" x2="74722" y2="16250"/>
-                          <a14:foregroundMark x1="74722" y1="16250" x2="68611" y2="11042"/>
-                          <a14:foregroundMark x1="68611" y1="11042" x2="61667" y2="8958"/>
-                          <a14:foregroundMark x1="61667" y1="8958" x2="39444" y2="12083"/>
-                          <a14:foregroundMark x1="39444" y1="12083" x2="29861" y2="10000"/>
-                        </a14:backgroundRemoval>
-                      </a14:imgEffect>
-                    </a14:imgLayer>
-                  </a14:imgProps>
-                </a:ext>
-                <a:ext uri="{28A0092B-C50C-407E-A947-70E740481C1C}">
-                  <a14:useLocalDpi xmlns:a14="http://schemas.microsoft.com/office/drawing/2010/main" val="0"/>
-                </a:ext>
-              </a:extLst>
-            </a:blip>
-            <a:srcRect/>
-            <a:stretch>
-              <a:fillRect/>
-            </a:stretch>
-          </p:blipFill>
-          <p:spPr bwMode="auto">
-            <a:xfrm>
-              <a:off x="2667000" y="1143000"/>
-              <a:ext cx="6858000" cy="4572000"/>
-            </a:xfrm>
-            <a:prstGeom prst="rect">
-              <a:avLst/>
-            </a:prstGeom>
-            <a:noFill/>
-            <a:extLst>
-              <a:ext uri="{909E8E84-426E-40DD-AFC4-6F175D3DCCD1}">
-                <a14:hiddenFill xmlns:a14="http://schemas.microsoft.com/office/drawing/2010/main">
-                  <a:solidFill>
-                    <a:srgbClr val="FFFFFF"/>
-                  </a:solidFill>
-                </a14:hiddenFill>
-              </a:ext>
-            </a:extLst>
-          </p:spPr>
-        </p:pic>
-        <p:sp>
-          <p:nvSpPr>
-            <p:cNvPr id="33" name="Rechthoek 32">
-              <a:extLst>
-                <a:ext uri="{FF2B5EF4-FFF2-40B4-BE49-F238E27FC236}">
-                  <a16:creationId xmlns:a16="http://schemas.microsoft.com/office/drawing/2014/main" id="{749B4196-D7C9-4461-9241-E183BDA5B1E7}"/>
-                </a:ext>
-              </a:extLst>
-            </p:cNvPr>
-            <p:cNvSpPr/>
-            <p:nvPr/>
-          </p:nvSpPr>
-          <p:spPr>
-            <a:xfrm>
-              <a:off x="4109662" y="1530849"/>
-              <a:ext cx="4027471" cy="2393879"/>
-            </a:xfrm>
-            <a:prstGeom prst="rect">
-              <a:avLst/>
-            </a:prstGeom>
-          </p:spPr>
-          <p:style>
-            <a:lnRef idx="2">
-              <a:schemeClr val="dk1">
-                <a:shade val="50000"/>
-              </a:schemeClr>
-            </a:lnRef>
-            <a:fillRef idx="1">
-              <a:schemeClr val="dk1"/>
-            </a:fillRef>
-            <a:effectRef idx="0">
-              <a:schemeClr val="dk1"/>
-            </a:effectRef>
-            <a:fontRef idx="minor">
-              <a:schemeClr val="lt1"/>
-            </a:fontRef>
-          </p:style>
-          <p:txBody>
-            <a:bodyPr rtlCol="0" anchor="ctr"/>
-            <a:lstStyle/>
-            <a:p>
-              <a:pPr algn="ctr"/>
-              <a:r>
-                <a:rPr lang="nl-NL" sz="2000" b="1" dirty="0"/>
-                <a:t>HACKER</a:t>
-              </a:r>
-            </a:p>
-          </p:txBody>
-        </p:sp>
-      </p:grpSp>
-    </p:spTree>
-    <p:extLst>
-      <p:ext uri="{BB962C8B-B14F-4D97-AF65-F5344CB8AC3E}">
-        <p14:creationId xmlns:p14="http://schemas.microsoft.com/office/powerpoint/2010/main" val="789420725"/>
-      </p:ext>
-    </p:extLst>
-  </p:cSld>
-  <p:clrMapOvr>
-    <a:masterClrMapping/>
-  </p:clrMapOvr>
-  <p:transition spd="slow">
-    <p:wipe/>
-  </p:transition>
-  <p:timing>
-    <p:tnLst>
-      <p:par>
-        <p:cTn id="1" dur="indefinite" restart="never" nodeType="tmRoot">
-          <p:childTnLst>
-            <p:seq concurrent="1" nextAc="seek">
-              <p:cTn id="2" dur="indefinite" nodeType="mainSeq">
-                <p:childTnLst>
-                  <p:par>
-                    <p:cTn id="3" fill="hold">
-                      <p:stCondLst>
-                        <p:cond delay="indefinite"/>
-                      </p:stCondLst>
-                      <p:childTnLst>
-                        <p:par>
-                          <p:cTn id="4" fill="hold">
-                            <p:stCondLst>
-                              <p:cond delay="0"/>
-                            </p:stCondLst>
-                            <p:childTnLst>
-                              <p:par>
-                                <p:cTn id="5" presetID="10" presetClass="entr" presetSubtype="0" fill="hold" grpId="0" nodeType="clickEffect">
-                                  <p:stCondLst>
-                                    <p:cond delay="0"/>
-                                  </p:stCondLst>
-                                  <p:childTnLst>
-                                    <p:set>
-                                      <p:cBhvr>
-                                        <p:cTn id="6" dur="1" fill="hold">
-                                          <p:stCondLst>
-                                            <p:cond delay="0"/>
-                                          </p:stCondLst>
-                                        </p:cTn>
-                                        <p:tgtEl>
-                                          <p:spTgt spid="2"/>
-                                        </p:tgtEl>
-                                        <p:attrNameLst>
-                                          <p:attrName>style.visibility</p:attrName>
-                                        </p:attrNameLst>
-                                      </p:cBhvr>
-                                      <p:to>
-                                        <p:strVal val="visible"/>
-                                      </p:to>
-                                    </p:set>
-                                    <p:animEffect transition="in" filter="fade">
-                                      <p:cBhvr>
-                                        <p:cTn id="7" dur="500"/>
-                                        <p:tgtEl>
-                                          <p:spTgt spid="2"/>
-                                        </p:tgtEl>
-                                      </p:cBhvr>
-                                    </p:animEffect>
-                                  </p:childTnLst>
-                                </p:cTn>
-                              </p:par>
-                              <p:par>
-                                <p:cTn id="8" presetID="24" presetClass="emph" presetSubtype="0" fill="hold" grpId="1" nodeType="withEffect">
-                                  <p:stCondLst>
-                                    <p:cond delay="0"/>
-                                  </p:stCondLst>
-                                  <p:childTnLst>
-                                    <p:animClr clrSpc="hsl" dir="cw">
-                                      <p:cBhvr override="childStyle">
-                                        <p:cTn id="9" dur="1000" fill="hold"/>
-                                        <p:tgtEl>
-                                          <p:spTgt spid="2"/>
-                                        </p:tgtEl>
-                                        <p:attrNameLst>
-                                          <p:attrName>style.color</p:attrName>
-                                        </p:attrNameLst>
-                                      </p:cBhvr>
-                                      <p:by>
-                                        <p:hsl h="0" s="-12549" l="-25098"/>
-                                      </p:by>
-                                    </p:animClr>
-                                    <p:animClr clrSpc="hsl" dir="cw">
-                                      <p:cBhvr>
-                                        <p:cTn id="10" dur="1000" fill="hold"/>
-                                        <p:tgtEl>
-                                          <p:spTgt spid="2"/>
-                                        </p:tgtEl>
-                                        <p:attrNameLst>
-                                          <p:attrName>fillcolor</p:attrName>
-                                        </p:attrNameLst>
-                                      </p:cBhvr>
-                                      <p:by>
-                                        <p:hsl h="0" s="-12549" l="-25098"/>
-                                      </p:by>
-                                    </p:animClr>
-                                    <p:animClr clrSpc="hsl" dir="cw">
-                                      <p:cBhvr>
-                                        <p:cTn id="11" dur="1000" fill="hold"/>
-                                        <p:tgtEl>
-                                          <p:spTgt spid="2"/>
-                                        </p:tgtEl>
-                                        <p:attrNameLst>
-                                          <p:attrName>stroke.color</p:attrName>
-                                        </p:attrNameLst>
-                                      </p:cBhvr>
-                                      <p:by>
-                                        <p:hsl h="0" s="-12549" l="-25098"/>
-                                      </p:by>
-                                    </p:animClr>
-                                    <p:set>
-                                      <p:cBhvr>
-                                        <p:cTn id="12" dur="1000" fill="hold"/>
-                                        <p:tgtEl>
-                                          <p:spTgt spid="2"/>
-                                        </p:tgtEl>
-                                        <p:attrNameLst>
-                                          <p:attrName>fill.type</p:attrName>
-                                        </p:attrNameLst>
-                                      </p:cBhvr>
-                                      <p:to>
-                                        <p:strVal val="solid"/>
-                                      </p:to>
-                                    </p:set>
-                                  </p:childTnLst>
-                                  <p:subTnLst>
-                                    <p:animClr clrSpc="rgb" dir="cw">
-                                      <p:cBhvr override="childStyle">
-                                        <p:cTn dur="1" fill="hold" display="0" masterRel="nextClick" afterEffect="1"/>
-                                        <p:tgtEl>
-                                          <p:spTgt spid="2"/>
-                                        </p:tgtEl>
-                                        <p:attrNameLst>
-                                          <p:attrName>ppt_c</p:attrName>
-                                        </p:attrNameLst>
-                                      </p:cBhvr>
-                                      <p:to>
-                                        <a:schemeClr val="folHlink"/>
-                                      </p:to>
-                                    </p:animClr>
-                                  </p:subTnLst>
-                                </p:cTn>
-                              </p:par>
-                              <p:par>
-                                <p:cTn id="13" presetID="10" presetClass="entr" presetSubtype="0" fill="hold" nodeType="withEffect">
-                                  <p:stCondLst>
-                                    <p:cond delay="0"/>
-                                  </p:stCondLst>
-                                  <p:childTnLst>
-                                    <p:set>
-                                      <p:cBhvr>
-                                        <p:cTn id="14" dur="1" fill="hold">
-                                          <p:stCondLst>
-                                            <p:cond delay="0"/>
-                                          </p:stCondLst>
-                                        </p:cTn>
-                                        <p:tgtEl>
-                                          <p:spTgt spid="31"/>
-                                        </p:tgtEl>
-                                        <p:attrNameLst>
-                                          <p:attrName>style.visibility</p:attrName>
-                                        </p:attrNameLst>
-                                      </p:cBhvr>
-                                      <p:to>
-                                        <p:strVal val="visible"/>
-                                      </p:to>
-                                    </p:set>
-                                    <p:animEffect transition="in" filter="fade">
-                                      <p:cBhvr>
-                                        <p:cTn id="15" dur="500"/>
-                                        <p:tgtEl>
-                                          <p:spTgt spid="31"/>
-                                        </p:tgtEl>
-                                      </p:cBhvr>
-                                    </p:animEffect>
-                                  </p:childTnLst>
-                                </p:cTn>
-                              </p:par>
-                              <p:par>
-                                <p:cTn id="16" presetID="10" presetClass="entr" presetSubtype="0" fill="hold" nodeType="withEffect">
-                                  <p:stCondLst>
-                                    <p:cond delay="0"/>
-                                  </p:stCondLst>
-                                  <p:childTnLst>
-                                    <p:set>
-                                      <p:cBhvr>
-                                        <p:cTn id="17" dur="1" fill="hold">
-                                          <p:stCondLst>
-                                            <p:cond delay="0"/>
-                                          </p:stCondLst>
-                                        </p:cTn>
-                                        <p:tgtEl>
-                                          <p:spTgt spid="13"/>
-                                        </p:tgtEl>
-                                        <p:attrNameLst>
-                                          <p:attrName>style.visibility</p:attrName>
-                                        </p:attrNameLst>
-                                      </p:cBhvr>
-                                      <p:to>
-                                        <p:strVal val="visible"/>
-                                      </p:to>
-                                    </p:set>
-                                    <p:animEffect transition="in" filter="fade">
-                                      <p:cBhvr>
-                                        <p:cTn id="18" dur="500"/>
-                                        <p:tgtEl>
-                                          <p:spTgt spid="13"/>
-                                        </p:tgtEl>
-                                      </p:cBhvr>
-                                    </p:animEffect>
-                                  </p:childTnLst>
-                                </p:cTn>
-                              </p:par>
-                              <p:par>
-                                <p:cTn id="19" presetID="10" presetClass="entr" presetSubtype="0" fill="hold" grpId="0" nodeType="withEffect">
-                                  <p:stCondLst>
-                                    <p:cond delay="0"/>
-                                  </p:stCondLst>
-                                  <p:childTnLst>
-                                    <p:set>
-                                      <p:cBhvr>
-                                        <p:cTn id="20" dur="1" fill="hold">
-                                          <p:stCondLst>
-                                            <p:cond delay="0"/>
-                                          </p:stCondLst>
-                                        </p:cTn>
-                                        <p:tgtEl>
-                                          <p:spTgt spid="25"/>
-                                        </p:tgtEl>
-                                        <p:attrNameLst>
-                                          <p:attrName>style.visibility</p:attrName>
-                                        </p:attrNameLst>
-                                      </p:cBhvr>
-                                      <p:to>
-                                        <p:strVal val="visible"/>
-                                      </p:to>
-                                    </p:set>
-                                    <p:animEffect transition="in" filter="fade">
-                                      <p:cBhvr>
-                                        <p:cTn id="21" dur="500"/>
-                                        <p:tgtEl>
-                                          <p:spTgt spid="25"/>
-                                        </p:tgtEl>
-                                      </p:cBhvr>
-                                    </p:animEffect>
-                                  </p:childTnLst>
-                                </p:cTn>
-                              </p:par>
-                              <p:par>
-                                <p:cTn id="22" presetID="10" presetClass="entr" presetSubtype="0" fill="hold" nodeType="withEffect">
-                                  <p:stCondLst>
-                                    <p:cond delay="0"/>
-                                  </p:stCondLst>
-                                  <p:childTnLst>
-                                    <p:set>
-                                      <p:cBhvr>
-                                        <p:cTn id="23" dur="1" fill="hold">
-                                          <p:stCondLst>
-                                            <p:cond delay="0"/>
-                                          </p:stCondLst>
-                                        </p:cTn>
-                                        <p:tgtEl>
-                                          <p:spTgt spid="17"/>
-                                        </p:tgtEl>
-                                        <p:attrNameLst>
-                                          <p:attrName>style.visibility</p:attrName>
-                                        </p:attrNameLst>
-                                      </p:cBhvr>
-                                      <p:to>
-                                        <p:strVal val="visible"/>
-                                      </p:to>
-                                    </p:set>
-                                    <p:animEffect transition="in" filter="fade">
-                                      <p:cBhvr>
-                                        <p:cTn id="24" dur="500"/>
-                                        <p:tgtEl>
-                                          <p:spTgt spid="17"/>
-                                        </p:tgtEl>
-                                      </p:cBhvr>
-                                    </p:animEffect>
-                                  </p:childTnLst>
-                                </p:cTn>
-                              </p:par>
-                              <p:par>
-                                <p:cTn id="25" presetID="10" presetClass="entr" presetSubtype="0" fill="hold" grpId="0" nodeType="withEffect">
-                                  <p:stCondLst>
-                                    <p:cond delay="0"/>
-                                  </p:stCondLst>
-                                  <p:childTnLst>
-                                    <p:set>
-                                      <p:cBhvr>
-                                        <p:cTn id="26" dur="1" fill="hold">
-                                          <p:stCondLst>
-                                            <p:cond delay="0"/>
-                                          </p:stCondLst>
-                                        </p:cTn>
-                                        <p:tgtEl>
-                                          <p:spTgt spid="23"/>
-                                        </p:tgtEl>
-                                        <p:attrNameLst>
-                                          <p:attrName>style.visibility</p:attrName>
-                                        </p:attrNameLst>
-                                      </p:cBhvr>
-                                      <p:to>
-                                        <p:strVal val="visible"/>
-                                      </p:to>
-                                    </p:set>
-                                    <p:animEffect transition="in" filter="fade">
-                                      <p:cBhvr>
-                                        <p:cTn id="27" dur="500"/>
-                                        <p:tgtEl>
-                                          <p:spTgt spid="23"/>
-                                        </p:tgtEl>
-                                      </p:cBhvr>
-                                    </p:animEffect>
-                                  </p:childTnLst>
-                                </p:cTn>
-                              </p:par>
-                              <p:par>
-                                <p:cTn id="28" presetID="10" presetClass="entr" presetSubtype="0" fill="hold" nodeType="withEffect">
-                                  <p:stCondLst>
-                                    <p:cond delay="0"/>
-                                  </p:stCondLst>
-                                  <p:childTnLst>
-                                    <p:set>
-                                      <p:cBhvr>
-                                        <p:cTn id="29" dur="1" fill="hold">
-                                          <p:stCondLst>
-                                            <p:cond delay="0"/>
-                                          </p:stCondLst>
-                                        </p:cTn>
-                                        <p:tgtEl>
-                                          <p:spTgt spid="20"/>
-                                        </p:tgtEl>
-                                        <p:attrNameLst>
-                                          <p:attrName>style.visibility</p:attrName>
-                                        </p:attrNameLst>
-                                      </p:cBhvr>
-                                      <p:to>
-                                        <p:strVal val="visible"/>
-                                      </p:to>
-                                    </p:set>
-                                    <p:animEffect transition="in" filter="fade">
-                                      <p:cBhvr>
-                                        <p:cTn id="30" dur="500"/>
-                                        <p:tgtEl>
-                                          <p:spTgt spid="20"/>
-                                        </p:tgtEl>
-                                      </p:cBhvr>
-                                    </p:animEffect>
-                                  </p:childTnLst>
-                                </p:cTn>
-                              </p:par>
-                              <p:par>
-                                <p:cTn id="31" presetID="10" presetClass="entr" presetSubtype="0" fill="hold" grpId="0" nodeType="withEffect">
-                                  <p:stCondLst>
-                                    <p:cond delay="0"/>
-                                  </p:stCondLst>
-                                  <p:childTnLst>
-                                    <p:set>
-                                      <p:cBhvr>
-                                        <p:cTn id="32" dur="1" fill="hold">
-                                          <p:stCondLst>
-                                            <p:cond delay="0"/>
-                                          </p:stCondLst>
-                                        </p:cTn>
-                                        <p:tgtEl>
-                                          <p:spTgt spid="26"/>
-                                        </p:tgtEl>
-                                        <p:attrNameLst>
-                                          <p:attrName>style.visibility</p:attrName>
-                                        </p:attrNameLst>
-                                      </p:cBhvr>
-                                      <p:to>
-                                        <p:strVal val="visible"/>
-                                      </p:to>
-                                    </p:set>
-                                    <p:animEffect transition="in" filter="fade">
-                                      <p:cBhvr>
-                                        <p:cTn id="33" dur="500"/>
-                                        <p:tgtEl>
-                                          <p:spTgt spid="26"/>
-                                        </p:tgtEl>
-                                      </p:cBhvr>
-                                    </p:animEffect>
-                                  </p:childTnLst>
-                                </p:cTn>
-                              </p:par>
-                              <p:par>
-                                <p:cTn id="34" presetID="10" presetClass="entr" presetSubtype="0" fill="hold" nodeType="withEffect">
-                                  <p:stCondLst>
-                                    <p:cond delay="0"/>
-                                  </p:stCondLst>
-                                  <p:childTnLst>
-                                    <p:set>
-                                      <p:cBhvr>
-                                        <p:cTn id="35" dur="1" fill="hold">
-                                          <p:stCondLst>
-                                            <p:cond delay="0"/>
-                                          </p:stCondLst>
-                                        </p:cTn>
-                                        <p:tgtEl>
-                                          <p:spTgt spid="16"/>
-                                        </p:tgtEl>
-                                        <p:attrNameLst>
-                                          <p:attrName>style.visibility</p:attrName>
-                                        </p:attrNameLst>
-                                      </p:cBhvr>
-                                      <p:to>
-                                        <p:strVal val="visible"/>
-                                      </p:to>
-                                    </p:set>
-                                    <p:animEffect transition="in" filter="fade">
-                                      <p:cBhvr>
-                                        <p:cTn id="36" dur="500"/>
-                                        <p:tgtEl>
-                                          <p:spTgt spid="16"/>
-                                        </p:tgtEl>
-                                      </p:cBhvr>
-                                    </p:animEffect>
-                                  </p:childTnLst>
-                                </p:cTn>
-                              </p:par>
-                              <p:par>
-                                <p:cTn id="37" presetID="10" presetClass="entr" presetSubtype="0" fill="hold" grpId="0" nodeType="withEffect">
-                                  <p:stCondLst>
-                                    <p:cond delay="0"/>
-                                  </p:stCondLst>
-                                  <p:childTnLst>
-                                    <p:set>
-                                      <p:cBhvr>
-                                        <p:cTn id="38" dur="1" fill="hold">
-                                          <p:stCondLst>
-                                            <p:cond delay="0"/>
-                                          </p:stCondLst>
-                                        </p:cTn>
-                                        <p:tgtEl>
-                                          <p:spTgt spid="27"/>
-                                        </p:tgtEl>
-                                        <p:attrNameLst>
-                                          <p:attrName>style.visibility</p:attrName>
-                                        </p:attrNameLst>
-                                      </p:cBhvr>
-                                      <p:to>
-                                        <p:strVal val="visible"/>
-                                      </p:to>
-                                    </p:set>
-                                    <p:animEffect transition="in" filter="fade">
-                                      <p:cBhvr>
-                                        <p:cTn id="39" dur="500"/>
-                                        <p:tgtEl>
-                                          <p:spTgt spid="27"/>
-                                        </p:tgtEl>
-                                      </p:cBhvr>
-                                    </p:animEffect>
-                                  </p:childTnLst>
-                                </p:cTn>
-                              </p:par>
-                            </p:childTnLst>
-                          </p:cTn>
-                        </p:par>
-                      </p:childTnLst>
-                    </p:cTn>
-                  </p:par>
-                  <p:par>
-                    <p:cTn id="40" fill="hold">
-                      <p:stCondLst>
-                        <p:cond delay="indefinite"/>
-                      </p:stCondLst>
-                      <p:childTnLst>
-                        <p:par>
-                          <p:cTn id="41" fill="hold">
-                            <p:stCondLst>
-                              <p:cond delay="0"/>
-                            </p:stCondLst>
-                            <p:childTnLst>
-                              <p:par>
-                                <p:cTn id="42" presetID="10" presetClass="exit" presetSubtype="0" fill="hold" nodeType="clickEffect">
-                                  <p:stCondLst>
-                                    <p:cond delay="0"/>
-                                  </p:stCondLst>
-                                  <p:childTnLst>
-                                    <p:animEffect transition="out" filter="fade">
-                                      <p:cBhvr>
-                                        <p:cTn id="43" dur="500"/>
-                                        <p:tgtEl>
-                                          <p:spTgt spid="31"/>
-                                        </p:tgtEl>
-                                      </p:cBhvr>
-                                    </p:animEffect>
-                                    <p:set>
-                                      <p:cBhvr>
-                                        <p:cTn id="44" dur="1" fill="hold">
-                                          <p:stCondLst>
-                                            <p:cond delay="499"/>
-                                          </p:stCondLst>
-                                        </p:cTn>
-                                        <p:tgtEl>
-                                          <p:spTgt spid="31"/>
-                                        </p:tgtEl>
-                                        <p:attrNameLst>
-                                          <p:attrName>style.visibility</p:attrName>
-                                        </p:attrNameLst>
-                                      </p:cBhvr>
-                                      <p:to>
-                                        <p:strVal val="hidden"/>
-                                      </p:to>
-                                    </p:set>
-                                  </p:childTnLst>
-                                </p:cTn>
-                              </p:par>
-                              <p:par>
-                                <p:cTn id="45" presetID="10" presetClass="entr" presetSubtype="0" fill="hold" nodeType="withEffect">
-                                  <p:stCondLst>
-                                    <p:cond delay="0"/>
-                                  </p:stCondLst>
-                                  <p:childTnLst>
-                                    <p:set>
-                                      <p:cBhvr>
-                                        <p:cTn id="46" dur="1" fill="hold">
-                                          <p:stCondLst>
-                                            <p:cond delay="0"/>
-                                          </p:stCondLst>
-                                        </p:cTn>
-                                        <p:tgtEl>
-                                          <p:spTgt spid="10"/>
-                                        </p:tgtEl>
-                                        <p:attrNameLst>
-                                          <p:attrName>style.visibility</p:attrName>
-                                        </p:attrNameLst>
-                                      </p:cBhvr>
-                                      <p:to>
-                                        <p:strVal val="visible"/>
-                                      </p:to>
-                                    </p:set>
-                                    <p:animEffect transition="in" filter="fade">
-                                      <p:cBhvr>
-                                        <p:cTn id="47" dur="500"/>
-                                        <p:tgtEl>
-                                          <p:spTgt spid="10"/>
-                                        </p:tgtEl>
-                                      </p:cBhvr>
-                                    </p:animEffect>
-                                  </p:childTnLst>
-                                </p:cTn>
-                              </p:par>
-                            </p:childTnLst>
-                          </p:cTn>
-                        </p:par>
-                      </p:childTnLst>
-                    </p:cTn>
-                  </p:par>
-                  <p:par>
-                    <p:cTn id="48" fill="hold">
-                      <p:stCondLst>
-                        <p:cond delay="indefinite"/>
-                      </p:stCondLst>
-                      <p:childTnLst>
-                        <p:par>
-                          <p:cTn id="49" fill="hold">
-                            <p:stCondLst>
-                              <p:cond delay="0"/>
-                            </p:stCondLst>
-                            <p:childTnLst>
-                              <p:par>
-                                <p:cTn id="50" presetID="10" presetClass="entr" presetSubtype="0" fill="hold" nodeType="clickEffect">
-                                  <p:stCondLst>
-                                    <p:cond delay="0"/>
-                                  </p:stCondLst>
-                                  <p:childTnLst>
-                                    <p:set>
-                                      <p:cBhvr>
-                                        <p:cTn id="51" dur="1" fill="hold">
-                                          <p:stCondLst>
-                                            <p:cond delay="0"/>
-                                          </p:stCondLst>
-                                        </p:cTn>
-                                        <p:tgtEl>
-                                          <p:spTgt spid="24"/>
-                                        </p:tgtEl>
-                                        <p:attrNameLst>
-                                          <p:attrName>style.visibility</p:attrName>
-                                        </p:attrNameLst>
-                                      </p:cBhvr>
-                                      <p:to>
-                                        <p:strVal val="visible"/>
-                                      </p:to>
-                                    </p:set>
-                                    <p:animEffect transition="in" filter="fade">
-                                      <p:cBhvr>
-                                        <p:cTn id="52" dur="500"/>
-                                        <p:tgtEl>
-                                          <p:spTgt spid="24"/>
-                                        </p:tgtEl>
-                                      </p:cBhvr>
-                                    </p:animEffect>
-                                  </p:childTnLst>
-                                </p:cTn>
-                              </p:par>
-                              <p:par>
-                                <p:cTn id="53" presetID="10" presetClass="entr" presetSubtype="0" fill="hold" grpId="0" nodeType="withEffect">
-                                  <p:stCondLst>
-                                    <p:cond delay="0"/>
-                                  </p:stCondLst>
-                                  <p:childTnLst>
-                                    <p:set>
-                                      <p:cBhvr>
-                                        <p:cTn id="54" dur="1" fill="hold">
-                                          <p:stCondLst>
-                                            <p:cond delay="0"/>
-                                          </p:stCondLst>
-                                        </p:cTn>
-                                        <p:tgtEl>
-                                          <p:spTgt spid="29"/>
-                                        </p:tgtEl>
-                                        <p:attrNameLst>
-                                          <p:attrName>style.visibility</p:attrName>
-                                        </p:attrNameLst>
-                                      </p:cBhvr>
-                                      <p:to>
-                                        <p:strVal val="visible"/>
-                                      </p:to>
-                                    </p:set>
-                                    <p:animEffect transition="in" filter="fade">
-                                      <p:cBhvr>
-                                        <p:cTn id="55" dur="500"/>
-                                        <p:tgtEl>
-                                          <p:spTgt spid="29"/>
-                                        </p:tgtEl>
-                                      </p:cBhvr>
-                                    </p:animEffect>
-                                  </p:childTnLst>
-                                </p:cTn>
-                              </p:par>
-                              <p:par>
-                                <p:cTn id="56" presetID="10" presetClass="entr" presetSubtype="0" fill="hold" nodeType="withEffect">
-                                  <p:stCondLst>
-                                    <p:cond delay="0"/>
-                                  </p:stCondLst>
-                                  <p:childTnLst>
-                                    <p:set>
-                                      <p:cBhvr>
-                                        <p:cTn id="57" dur="1" fill="hold">
-                                          <p:stCondLst>
-                                            <p:cond delay="0"/>
-                                          </p:stCondLst>
-                                        </p:cTn>
-                                        <p:tgtEl>
-                                          <p:spTgt spid="28"/>
-                                        </p:tgtEl>
-                                        <p:attrNameLst>
-                                          <p:attrName>style.visibility</p:attrName>
-                                        </p:attrNameLst>
-                                      </p:cBhvr>
-                                      <p:to>
-                                        <p:strVal val="visible"/>
-                                      </p:to>
-                                    </p:set>
-                                    <p:animEffect transition="in" filter="fade">
-                                      <p:cBhvr>
-                                        <p:cTn id="58" dur="500"/>
-                                        <p:tgtEl>
-                                          <p:spTgt spid="28"/>
-                                        </p:tgtEl>
-                                      </p:cBhvr>
-                                    </p:animEffect>
-                                  </p:childTnLst>
-                                </p:cTn>
-                              </p:par>
-                              <p:par>
-                                <p:cTn id="59" presetID="10" presetClass="entr" presetSubtype="0" fill="hold" grpId="0" nodeType="withEffect">
-                                  <p:stCondLst>
-                                    <p:cond delay="0"/>
-                                  </p:stCondLst>
-                                  <p:childTnLst>
-                                    <p:set>
-                                      <p:cBhvr>
-                                        <p:cTn id="60" dur="1" fill="hold">
-                                          <p:stCondLst>
-                                            <p:cond delay="0"/>
-                                          </p:stCondLst>
-                                        </p:cTn>
-                                        <p:tgtEl>
-                                          <p:spTgt spid="30"/>
-                                        </p:tgtEl>
-                                        <p:attrNameLst>
-                                          <p:attrName>style.visibility</p:attrName>
-                                        </p:attrNameLst>
-                                      </p:cBhvr>
-                                      <p:to>
-                                        <p:strVal val="visible"/>
-                                      </p:to>
-                                    </p:set>
-                                    <p:animEffect transition="in" filter="fade">
-                                      <p:cBhvr>
-                                        <p:cTn id="61" dur="500"/>
-                                        <p:tgtEl>
-                                          <p:spTgt spid="30"/>
-                                        </p:tgtEl>
-                                      </p:cBhvr>
-                                    </p:animEffect>
-                                  </p:childTnLst>
-                                </p:cTn>
-                              </p:par>
-                            </p:childTnLst>
-                          </p:cTn>
-                        </p:par>
-                      </p:childTnLst>
-                    </p:cTn>
-                  </p:par>
-                </p:childTnLst>
-              </p:cTn>
-              <p:prevCondLst>
-                <p:cond evt="onPrev" delay="0">
-                  <p:tgtEl>
-                    <p:sldTgt/>
-                  </p:tgtEl>
-                </p:cond>
-              </p:prevCondLst>
-              <p:nextCondLst>
-                <p:cond evt="onNext" delay="0">
-                  <p:tgtEl>
-                    <p:sldTgt/>
-                  </p:tgtEl>
-                </p:cond>
-              </p:nextCondLst>
-            </p:seq>
-          </p:childTnLst>
-        </p:cTn>
-      </p:par>
-    </p:tnLst>
-    <p:bldLst>
-      <p:bldP spid="2" grpId="0"/>
-      <p:bldP spid="2" grpId="1"/>
-      <p:bldP spid="23" grpId="0"/>
-      <p:bldP spid="25" grpId="0"/>
-      <p:bldP spid="26" grpId="0"/>
-      <p:bldP spid="27" grpId="0"/>
-      <p:bldP spid="29" grpId="0"/>
-      <p:bldP spid="30" grpId="0"/>
-    </p:bldLst>
-  </p:timing>
-</p:sld>
-</file>
-
-<file path=ppt/slides/slide9.xml><?xml version="1.0" encoding="utf-8"?>
-<p:sld xmlns:a="http://schemas.openxmlformats.org/drawingml/2006/main" xmlns:r="http://schemas.openxmlformats.org/officeDocument/2006/relationships" xmlns:p="http://schemas.openxmlformats.org/presentationml/2006/main">
-  <p:cSld>
-    <p:spTree>
-      <p:nvGrpSpPr>
-        <p:cNvPr id="1" name=""/>
-        <p:cNvGrpSpPr/>
-        <p:nvPr/>
-      </p:nvGrpSpPr>
-      <p:grpSpPr>
-        <a:xfrm>
-          <a:off x="0" y="0"/>
-          <a:ext cx="0" cy="0"/>
-          <a:chOff x="0" y="0"/>
-          <a:chExt cx="0" cy="0"/>
-        </a:xfrm>
-      </p:grpSpPr>
-      <p:sp>
-        <p:nvSpPr>
-          <p:cNvPr id="2" name="Titel 1"/>
-          <p:cNvSpPr>
-            <a:spLocks noGrp="1"/>
-          </p:cNvSpPr>
-          <p:nvPr>
-            <p:ph type="title"/>
-          </p:nvPr>
-        </p:nvSpPr>
-        <p:spPr/>
-        <p:txBody>
-          <a:bodyPr/>
-          <a:lstStyle/>
-          <a:p>
-            <a:r>
-              <a:rPr lang="nl-NL" sz="1800" dirty="0"/>
-              <a:t>Arp </a:t>
-            </a:r>
-            <a:r>
-              <a:rPr lang="nl-NL" sz="1800" dirty="0" err="1"/>
-              <a:t>Spoofing</a:t>
-            </a:r>
-            <a:endParaRPr lang="nl-NL" sz="1800" dirty="0"/>
-          </a:p>
-        </p:txBody>
-      </p:sp>
-      <p:grpSp>
-        <p:nvGrpSpPr>
-          <p:cNvPr id="13" name="Groep 12">
-            <a:extLst>
-              <a:ext uri="{FF2B5EF4-FFF2-40B4-BE49-F238E27FC236}">
-                <a16:creationId xmlns:a16="http://schemas.microsoft.com/office/drawing/2014/main" id="{EF8FA028-9C3F-403C-8BB0-1E5E5D5629A6}"/>
-              </a:ext>
-            </a:extLst>
-          </p:cNvPr>
-          <p:cNvGrpSpPr/>
-          <p:nvPr/>
-        </p:nvGrpSpPr>
-        <p:grpSpPr>
-          <a:xfrm>
-            <a:off x="1693185" y="1174800"/>
-            <a:ext cx="2251836" cy="1400530"/>
-            <a:chOff x="2667000" y="1143000"/>
-            <a:chExt cx="6858000" cy="4572000"/>
-          </a:xfrm>
-        </p:grpSpPr>
-        <p:pic>
-          <p:nvPicPr>
-            <p:cNvPr id="1026" name="Picture 2" descr="Afbeeldingsresultaat voor computer razerblade">
-              <a:extLst>
-                <a:ext uri="{FF2B5EF4-FFF2-40B4-BE49-F238E27FC236}">
-                  <a16:creationId xmlns:a16="http://schemas.microsoft.com/office/drawing/2014/main" id="{A8BBE771-0BF0-4657-87DF-B46171A91763}"/>
-                </a:ext>
-              </a:extLst>
-            </p:cNvPr>
-            <p:cNvPicPr>
-              <a:picLocks noChangeAspect="1" noChangeArrowheads="1"/>
-            </p:cNvPicPr>
-            <p:nvPr/>
-          </p:nvPicPr>
-          <p:blipFill>
-            <a:blip r:embed="rId3" cstate="print">
-              <a:duotone>
-                <a:prstClr val="black"/>
-                <a:srgbClr val="FF0000">
-                  <a:tint val="45000"/>
-                  <a:satMod val="400000"/>
-                </a:srgbClr>
-              </a:duotone>
-              <a:extLst>
-                <a:ext uri="{BEBA8EAE-BF5A-486C-A8C5-ECC9F3942E4B}">
-                  <a14:imgProps xmlns:a14="http://schemas.microsoft.com/office/drawing/2010/main">
-                    <a14:imgLayer r:embed="rId4">
-                      <a14:imgEffect>
-                        <a14:backgroundRemoval t="8958" b="90000" l="10000" r="90000">
-                          <a14:foregroundMark x1="28472" y1="50417" x2="15139" y2="88750"/>
-                          <a14:foregroundMark x1="15139" y1="88750" x2="37083" y2="91458"/>
-                          <a14:foregroundMark x1="37083" y1="91458" x2="51806" y2="88542"/>
-                          <a14:foregroundMark x1="51806" y1="88542" x2="77083" y2="90417"/>
-                          <a14:foregroundMark x1="77083" y1="90417" x2="84167" y2="88958"/>
-                          <a14:foregroundMark x1="84167" y1="88958" x2="84444" y2="77292"/>
-                          <a14:foregroundMark x1="84444" y1="77292" x2="79306" y2="67292"/>
-                          <a14:foregroundMark x1="79306" y1="67292" x2="74861" y2="27083"/>
-                          <a14:foregroundMark x1="74861" y1="27083" x2="74722" y2="16250"/>
-                          <a14:foregroundMark x1="74722" y1="16250" x2="68611" y2="11042"/>
-                          <a14:foregroundMark x1="68611" y1="11042" x2="61667" y2="8958"/>
-                          <a14:foregroundMark x1="61667" y1="8958" x2="39444" y2="12083"/>
-                          <a14:foregroundMark x1="39444" y1="12083" x2="29861" y2="10000"/>
-                        </a14:backgroundRemoval>
-                      </a14:imgEffect>
-                    </a14:imgLayer>
-                  </a14:imgProps>
-                </a:ext>
-                <a:ext uri="{28A0092B-C50C-407E-A947-70E740481C1C}">
-                  <a14:useLocalDpi xmlns:a14="http://schemas.microsoft.com/office/drawing/2010/main" val="0"/>
-                </a:ext>
-              </a:extLst>
-            </a:blip>
-            <a:srcRect/>
-            <a:stretch>
-              <a:fillRect/>
-            </a:stretch>
-          </p:blipFill>
-          <p:spPr bwMode="auto">
-            <a:xfrm>
-              <a:off x="2667000" y="1143000"/>
-              <a:ext cx="6858000" cy="4572000"/>
-            </a:xfrm>
-            <a:prstGeom prst="rect">
-              <a:avLst/>
-            </a:prstGeom>
-            <a:noFill/>
-            <a:extLst>
-              <a:ext uri="{909E8E84-426E-40DD-AFC4-6F175D3DCCD1}">
-                <a14:hiddenFill xmlns:a14="http://schemas.microsoft.com/office/drawing/2010/main">
-                  <a:solidFill>
-                    <a:srgbClr val="FFFFFF"/>
-                  </a:solidFill>
-                </a14:hiddenFill>
-              </a:ext>
-            </a:extLst>
-          </p:spPr>
-        </p:pic>
-        <p:sp>
-          <p:nvSpPr>
-            <p:cNvPr id="12" name="Rechthoek 11">
-              <a:extLst>
-                <a:ext uri="{FF2B5EF4-FFF2-40B4-BE49-F238E27FC236}">
-                  <a16:creationId xmlns:a16="http://schemas.microsoft.com/office/drawing/2014/main" id="{E92C533C-2713-426B-933C-69C055F20E83}"/>
-                </a:ext>
-              </a:extLst>
-            </p:cNvPr>
-            <p:cNvSpPr/>
-            <p:nvPr/>
-          </p:nvSpPr>
-          <p:spPr>
-            <a:xfrm>
-              <a:off x="4109662" y="1530849"/>
-              <a:ext cx="4027471" cy="2393879"/>
-            </a:xfrm>
-            <a:prstGeom prst="rect">
-              <a:avLst/>
-            </a:prstGeom>
-          </p:spPr>
-          <p:style>
-            <a:lnRef idx="2">
-              <a:schemeClr val="dk1">
-                <a:shade val="50000"/>
-              </a:schemeClr>
-            </a:lnRef>
-            <a:fillRef idx="1">
-              <a:schemeClr val="dk1"/>
-            </a:fillRef>
-            <a:effectRef idx="0">
-              <a:schemeClr val="dk1"/>
-            </a:effectRef>
-            <a:fontRef idx="minor">
-              <a:schemeClr val="lt1"/>
-            </a:fontRef>
-          </p:style>
-          <p:txBody>
-            <a:bodyPr rtlCol="0" anchor="ctr"/>
-            <a:lstStyle/>
-            <a:p>
-              <a:pPr algn="ctr"/>
-              <a:r>
-                <a:rPr lang="nl-NL" sz="2000" b="1" dirty="0">
-                  <a:solidFill>
-                    <a:srgbClr val="FF0000"/>
-                  </a:solidFill>
-                </a:rPr>
-                <a:t>HACKER</a:t>
-              </a:r>
-            </a:p>
-          </p:txBody>
-        </p:sp>
-      </p:grpSp>
-      <p:grpSp>
-        <p:nvGrpSpPr>
-          <p:cNvPr id="16" name="Groep 15">
-            <a:extLst>
-              <a:ext uri="{FF2B5EF4-FFF2-40B4-BE49-F238E27FC236}">
-                <a16:creationId xmlns:a16="http://schemas.microsoft.com/office/drawing/2014/main" id="{A0751BA8-8259-43A6-9062-78FE902E1DE6}"/>
-              </a:ext>
-            </a:extLst>
-          </p:cNvPr>
-          <p:cNvGrpSpPr/>
-          <p:nvPr/>
-        </p:nvGrpSpPr>
-        <p:grpSpPr>
-          <a:xfrm>
-            <a:off x="1153090" y="4977992"/>
-            <a:ext cx="2559333" cy="1233836"/>
-            <a:chOff x="5546977" y="2557328"/>
-            <a:chExt cx="3463459" cy="1877195"/>
-          </a:xfrm>
-        </p:grpSpPr>
-        <p:pic>
-          <p:nvPicPr>
-            <p:cNvPr id="14" name="Afbeelding 13">
-              <a:extLst>
-                <a:ext uri="{FF2B5EF4-FFF2-40B4-BE49-F238E27FC236}">
-                  <a16:creationId xmlns:a16="http://schemas.microsoft.com/office/drawing/2014/main" id="{54884391-9763-4752-9596-B2017AB49B9F}"/>
-                </a:ext>
-              </a:extLst>
-            </p:cNvPr>
-            <p:cNvPicPr>
-              <a:picLocks noChangeAspect="1"/>
-            </p:cNvPicPr>
-            <p:nvPr/>
-          </p:nvPicPr>
-          <p:blipFill>
-            <a:blip r:embed="rId5">
-              <a:extLst>
-                <a:ext uri="{BEBA8EAE-BF5A-486C-A8C5-ECC9F3942E4B}">
-                  <a14:imgProps xmlns:a14="http://schemas.microsoft.com/office/drawing/2010/main">
-                    <a14:imgLayer r:embed="rId6">
-                      <a14:imgEffect>
-                        <a14:backgroundRemoval t="0" b="97048" l="3800" r="90000">
-                          <a14:foregroundMark x1="24600" y1="16605" x2="17600" y2="11439"/>
-                          <a14:foregroundMark x1="17600" y1="16974" x2="18400" y2="52399"/>
-                          <a14:foregroundMark x1="16800" y1="11439" x2="25800" y2="3690"/>
-                          <a14:foregroundMark x1="25800" y1="3690" x2="48600" y2="0"/>
-                          <a14:foregroundMark x1="48600" y1="0" x2="64600" y2="738"/>
-                          <a14:foregroundMark x1="64600" y1="738" x2="66600" y2="2952"/>
-                          <a14:foregroundMark x1="44200" y1="59041" x2="44200" y2="59041"/>
-                          <a14:foregroundMark x1="47000" y1="59410" x2="67800" y2="57565"/>
-                          <a14:foregroundMark x1="67800" y1="57565" x2="69600" y2="2583"/>
-                          <a14:foregroundMark x1="48400" y1="57565" x2="18600" y2="54613"/>
-                          <a14:foregroundMark x1="34600" y1="59041" x2="34600" y2="59041"/>
-                          <a14:foregroundMark x1="34200" y1="59779" x2="30200" y2="61255"/>
-                          <a14:foregroundMark x1="29600" y1="61255" x2="28200" y2="61255"/>
-                          <a14:foregroundMark x1="25800" y1="59779" x2="25800" y2="59779"/>
-                          <a14:foregroundMark x1="24400" y1="59779" x2="23800" y2="59779"/>
-                          <a14:foregroundMark x1="22800" y1="59041" x2="22000" y2="58303"/>
-                          <a14:foregroundMark x1="17400" y1="10701" x2="25200" y2="369"/>
-                          <a14:foregroundMark x1="34600" y1="57934" x2="44800" y2="58672"/>
-                          <a14:foregroundMark x1="44800" y1="58672" x2="46400" y2="58303"/>
-                          <a14:foregroundMark x1="69200" y1="26199" x2="68400" y2="59779"/>
-                          <a14:foregroundMark x1="12400" y1="90037" x2="22800" y2="92989"/>
-                          <a14:foregroundMark x1="22800" y1="92989" x2="45600" y2="86716"/>
-                          <a14:foregroundMark x1="45600" y1="86716" x2="56600" y2="86716"/>
-                          <a14:foregroundMark x1="56600" y1="86716" x2="66200" y2="84871"/>
-                          <a14:foregroundMark x1="22000" y1="85609" x2="10800" y2="91144"/>
-                          <a14:foregroundMark x1="12200" y1="90775" x2="17400" y2="85240"/>
-                          <a14:foregroundMark x1="12600" y1="90406" x2="9000" y2="83395"/>
-                          <a14:foregroundMark x1="10200" y1="82657" x2="10200" y2="82657"/>
-                          <a14:foregroundMark x1="10200" y1="82657" x2="11600" y2="82657"/>
-                          <a14:foregroundMark x1="13600" y1="83395" x2="13600" y2="83395"/>
-                          <a14:foregroundMark x1="15200" y1="83764" x2="15800" y2="83764"/>
-                          <a14:foregroundMark x1="16800" y1="83764" x2="16800" y2="83764"/>
-                          <a14:foregroundMark x1="17200" y1="83764" x2="17200" y2="83764"/>
-                          <a14:foregroundMark x1="17000" y1="82288" x2="15000" y2="82288"/>
-                          <a14:foregroundMark x1="7200" y1="88192" x2="7600" y2="90775"/>
-                          <a14:foregroundMark x1="8200" y1="93358" x2="8200" y2="93358"/>
-                          <a14:foregroundMark x1="8200" y1="93358" x2="8200" y2="93358"/>
-                          <a14:foregroundMark x1="7800" y1="93358" x2="8600" y2="92989"/>
-                          <a14:foregroundMark x1="42600" y1="97048" x2="42600" y2="97048"/>
-                          <a14:foregroundMark x1="40000" y1="96679" x2="40000" y2="96679"/>
-                          <a14:foregroundMark x1="34400" y1="97048" x2="30800" y2="97048"/>
-                          <a14:foregroundMark x1="7800" y1="96679" x2="7800" y2="96679"/>
-                          <a14:foregroundMark x1="11800" y1="94834" x2="21800" y2="95941"/>
-                          <a14:foregroundMark x1="21800" y1="95941" x2="28600" y2="95203"/>
-                          <a14:foregroundMark x1="5400" y1="94834" x2="3800" y2="96310"/>
-                        </a14:backgroundRemoval>
-                      </a14:imgEffect>
-                    </a14:imgLayer>
-                  </a14:imgProps>
-                </a:ext>
-              </a:extLst>
-            </a:blip>
-            <a:stretch>
-              <a:fillRect/>
-            </a:stretch>
-          </p:blipFill>
-          <p:spPr>
-            <a:xfrm>
-              <a:off x="5546977" y="2557328"/>
-              <a:ext cx="3463459" cy="1877195"/>
-            </a:xfrm>
-            <a:prstGeom prst="rect">
-              <a:avLst/>
-            </a:prstGeom>
-          </p:spPr>
-        </p:pic>
-        <p:sp>
-          <p:nvSpPr>
-            <p:cNvPr id="15" name="Rechthoek 14">
-              <a:extLst>
-                <a:ext uri="{FF2B5EF4-FFF2-40B4-BE49-F238E27FC236}">
-                  <a16:creationId xmlns:a16="http://schemas.microsoft.com/office/drawing/2014/main" id="{E42915D5-BA79-46A9-A908-D57DF97E86F8}"/>
-                </a:ext>
-              </a:extLst>
-            </p:cNvPr>
-            <p:cNvSpPr/>
-            <p:nvPr/>
-          </p:nvSpPr>
-          <p:spPr>
-            <a:xfrm>
-              <a:off x="6185043" y="2557329"/>
-              <a:ext cx="1743184" cy="1110546"/>
-            </a:xfrm>
-            <a:prstGeom prst="rect">
-              <a:avLst/>
-            </a:prstGeom>
-          </p:spPr>
-          <p:style>
-            <a:lnRef idx="2">
-              <a:schemeClr val="dk1">
-                <a:shade val="50000"/>
-              </a:schemeClr>
-            </a:lnRef>
-            <a:fillRef idx="1">
-              <a:schemeClr val="dk1"/>
-            </a:fillRef>
-            <a:effectRef idx="0">
-              <a:schemeClr val="dk1"/>
-            </a:effectRef>
-            <a:fontRef idx="minor">
-              <a:schemeClr val="lt1"/>
-            </a:fontRef>
-          </p:style>
-          <p:txBody>
-            <a:bodyPr rtlCol="0" anchor="ctr"/>
-            <a:lstStyle/>
-            <a:p>
-              <a:pPr algn="ctr"/>
-              <a:r>
-                <a:rPr lang="nl-NL" sz="2400" b="1" dirty="0"/>
-                <a:t>Doelwit</a:t>
-              </a:r>
-            </a:p>
-          </p:txBody>
-        </p:sp>
-      </p:grpSp>
-      <p:pic>
-        <p:nvPicPr>
-          <p:cNvPr id="17" name="Afbeelding 16">
-            <a:extLst>
-              <a:ext uri="{FF2B5EF4-FFF2-40B4-BE49-F238E27FC236}">
-                <a16:creationId xmlns:a16="http://schemas.microsoft.com/office/drawing/2014/main" id="{7D0B8662-4BC1-4E5B-91FA-1F844390027C}"/>
-              </a:ext>
-            </a:extLst>
-          </p:cNvPr>
-          <p:cNvPicPr>
-            <a:picLocks noChangeAspect="1"/>
-          </p:cNvPicPr>
-          <p:nvPr/>
-        </p:nvPicPr>
-        <p:blipFill>
-          <a:blip r:embed="rId7">
-            <a:extLst>
-              <a:ext uri="{BEBA8EAE-BF5A-486C-A8C5-ECC9F3942E4B}">
-                <a14:imgProps xmlns:a14="http://schemas.microsoft.com/office/drawing/2010/main">
-                  <a14:imgLayer r:embed="rId8">
-                    <a14:imgEffect>
-                      <a14:backgroundRemoval t="3077" b="97179" l="5450" r="94313">
-                        <a14:foregroundMark x1="12559" y1="24103" x2="6635" y2="10000"/>
-                        <a14:foregroundMark x1="50000" y1="12564" x2="50000" y2="3077"/>
-                        <a14:foregroundMark x1="73697" y1="51538" x2="76540" y2="38462"/>
-                        <a14:foregroundMark x1="76540" y1="38462" x2="94313" y2="9231"/>
-                        <a14:foregroundMark x1="74645" y1="86410" x2="63033" y2="90256"/>
-                        <a14:foregroundMark x1="63033" y1="90256" x2="50474" y2="89744"/>
-                        <a14:foregroundMark x1="50474" y1="89744" x2="38389" y2="92564"/>
-                        <a14:foregroundMark x1="38389" y1="92564" x2="30095" y2="92051"/>
-                        <a14:foregroundMark x1="50711" y1="97179" x2="50711" y2="97179"/>
-                        <a14:foregroundMark x1="50474" y1="97179" x2="48578" y2="96923"/>
-                        <a14:foregroundMark x1="48578" y1="96923" x2="46445" y2="96410"/>
-                      </a14:backgroundRemoval>
-                    </a14:imgEffect>
-                  </a14:imgLayer>
-                </a14:imgProps>
-              </a:ext>
-            </a:extLst>
-          </a:blip>
-          <a:stretch>
-            <a:fillRect/>
-          </a:stretch>
-        </p:blipFill>
-        <p:spPr>
-          <a:xfrm>
-            <a:off x="7213417" y="2174286"/>
-            <a:ext cx="1875652" cy="1733422"/>
-          </a:xfrm>
-          <a:prstGeom prst="rect">
-            <a:avLst/>
-          </a:prstGeom>
-        </p:spPr>
-      </p:pic>
-      <p:pic>
-        <p:nvPicPr>
-          <p:cNvPr id="18" name="Afbeelding 17">
-            <a:extLst>
-              <a:ext uri="{FF2B5EF4-FFF2-40B4-BE49-F238E27FC236}">
-                <a16:creationId xmlns:a16="http://schemas.microsoft.com/office/drawing/2014/main" id="{9567991A-A0CF-48D8-A804-0B8A7FEA6765}"/>
-              </a:ext>
-            </a:extLst>
-          </p:cNvPr>
-          <p:cNvPicPr>
-            <a:picLocks noChangeAspect="1"/>
-          </p:cNvPicPr>
-          <p:nvPr/>
-        </p:nvPicPr>
-        <p:blipFill>
-          <a:blip r:embed="rId9">
-            <a:extLst>
-              <a:ext uri="{BEBA8EAE-BF5A-486C-A8C5-ECC9F3942E4B}">
-                <a14:imgProps xmlns:a14="http://schemas.microsoft.com/office/drawing/2010/main">
-                  <a14:imgLayer r:embed="rId10">
-                    <a14:imgEffect>
-                      <a14:backgroundRemoval t="10000" b="90000" l="10000" r="90000">
-                        <a14:foregroundMark x1="10547" y1="36230" x2="10742" y2="28809"/>
-                        <a14:foregroundMark x1="10742" y1="28809" x2="15625" y2="23242"/>
-                        <a14:foregroundMark x1="15625" y1="23242" x2="21875" y2="19434"/>
-                        <a14:foregroundMark x1="21875" y1="19434" x2="25879" y2="18555"/>
-                        <a14:foregroundMark x1="24512" y1="19629" x2="21191" y2="16016"/>
-                        <a14:foregroundMark x1="25098" y1="18262" x2="25098" y2="17871"/>
-                      </a14:backgroundRemoval>
-                    </a14:imgEffect>
-                  </a14:imgLayer>
-                </a14:imgProps>
-              </a:ext>
-            </a:extLst>
-          </a:blip>
-          <a:stretch>
-            <a:fillRect/>
-          </a:stretch>
-        </p:blipFill>
-        <p:spPr>
-          <a:xfrm>
-            <a:off x="10845436" y="2082436"/>
-            <a:ext cx="2693128" cy="2693128"/>
-          </a:xfrm>
-          <a:prstGeom prst="rect">
-            <a:avLst/>
-          </a:prstGeom>
-        </p:spPr>
-      </p:pic>
-      <p:cxnSp>
-        <p:nvCxnSpPr>
-          <p:cNvPr id="8" name="Rechte verbindingslijn met pijl 7">
-            <a:extLst>
-              <a:ext uri="{FF2B5EF4-FFF2-40B4-BE49-F238E27FC236}">
-                <a16:creationId xmlns:a16="http://schemas.microsoft.com/office/drawing/2014/main" id="{D59D01F2-51A9-4BDE-9711-45D2F22DA41A}"/>
-              </a:ext>
-            </a:extLst>
-          </p:cNvPr>
-          <p:cNvCxnSpPr>
-            <a:endCxn id="18" idx="1"/>
-          </p:cNvCxnSpPr>
-          <p:nvPr/>
-        </p:nvCxnSpPr>
-        <p:spPr>
-          <a:xfrm>
-            <a:off x="9089069" y="3429000"/>
-            <a:ext cx="1756367" cy="0"/>
-          </a:xfrm>
-          <a:prstGeom prst="straightConnector1">
-            <a:avLst/>
-          </a:prstGeom>
-          <a:ln w="76200">
-            <a:solidFill>
-              <a:srgbClr val="0070C0"/>
-            </a:solidFill>
-            <a:headEnd type="triangle"/>
-            <a:tailEnd type="triangle"/>
-          </a:ln>
-        </p:spPr>
-        <p:style>
-          <a:lnRef idx="3">
-            <a:schemeClr val="dk1"/>
-          </a:lnRef>
-          <a:fillRef idx="0">
-            <a:schemeClr val="dk1"/>
-          </a:fillRef>
-          <a:effectRef idx="2">
-            <a:schemeClr val="dk1"/>
-          </a:effectRef>
-          <a:fontRef idx="minor">
-            <a:schemeClr val="tx1"/>
-          </a:fontRef>
-        </p:style>
-      </p:cxnSp>
-      <p:sp>
-        <p:nvSpPr>
-          <p:cNvPr id="26" name="Vrije vorm: vorm 25">
-            <a:extLst>
-              <a:ext uri="{FF2B5EF4-FFF2-40B4-BE49-F238E27FC236}">
-                <a16:creationId xmlns:a16="http://schemas.microsoft.com/office/drawing/2014/main" id="{18F3C64D-A28E-420D-AF14-0FCA32378C1C}"/>
-              </a:ext>
-            </a:extLst>
-          </p:cNvPr>
-          <p:cNvSpPr/>
-          <p:nvPr/>
-        </p:nvSpPr>
-        <p:spPr>
-          <a:xfrm>
-            <a:off x="4098876" y="2174286"/>
-            <a:ext cx="2897312" cy="924674"/>
-          </a:xfrm>
-          <a:custGeom>
-            <a:avLst/>
-            <a:gdLst>
-              <a:gd name="connsiteX0" fmla="*/ 2897312 w 2897312"/>
-              <a:gd name="connsiteY0" fmla="*/ 924674 h 924674"/>
-              <a:gd name="connsiteX1" fmla="*/ 1643865 w 2897312"/>
-              <a:gd name="connsiteY1" fmla="*/ 184935 h 924674"/>
-              <a:gd name="connsiteX2" fmla="*/ 0 w 2897312"/>
-              <a:gd name="connsiteY2" fmla="*/ 0 h 924674"/>
-            </a:gdLst>
-            <a:ahLst/>
-            <a:cxnLst>
-              <a:cxn ang="0">
-                <a:pos x="connsiteX0" y="connsiteY0"/>
-              </a:cxn>
-              <a:cxn ang="0">
-                <a:pos x="connsiteX1" y="connsiteY1"/>
-              </a:cxn>
-              <a:cxn ang="0">
-                <a:pos x="connsiteX2" y="connsiteY2"/>
-              </a:cxn>
-            </a:cxnLst>
-            <a:rect l="l" t="t" r="r" b="b"/>
-            <a:pathLst>
-              <a:path w="2897312" h="924674">
-                <a:moveTo>
-                  <a:pt x="2897312" y="924674"/>
-                </a:moveTo>
-                <a:cubicBezTo>
-                  <a:pt x="2512031" y="631860"/>
-                  <a:pt x="2126750" y="339047"/>
-                  <a:pt x="1643865" y="184935"/>
-                </a:cubicBezTo>
-                <a:cubicBezTo>
-                  <a:pt x="1160980" y="30823"/>
-                  <a:pt x="251717" y="27398"/>
-                  <a:pt x="0" y="0"/>
-                </a:cubicBezTo>
-              </a:path>
-            </a:pathLst>
-          </a:custGeom>
-          <a:noFill/>
-          <a:ln w="28575">
-            <a:solidFill>
-              <a:schemeClr val="tx1"/>
-            </a:solidFill>
-            <a:headEnd type="none" w="med" len="med"/>
-            <a:tailEnd type="arrow" w="med" len="med"/>
-          </a:ln>
-        </p:spPr>
-        <p:style>
-          <a:lnRef idx="2">
-            <a:schemeClr val="accent1">
-              <a:shade val="50000"/>
-            </a:schemeClr>
-          </a:lnRef>
-          <a:fillRef idx="1">
-            <a:schemeClr val="accent1"/>
-          </a:fillRef>
-          <a:effectRef idx="0">
-            <a:schemeClr val="accent1"/>
-          </a:effectRef>
-          <a:fontRef idx="minor">
-            <a:schemeClr val="lt1"/>
-          </a:fontRef>
-        </p:style>
-        <p:txBody>
-          <a:bodyPr rtlCol="0" anchor="ctr"/>
-          <a:lstStyle/>
-          <a:p>
-            <a:pPr algn="ctr"/>
-            <a:endParaRPr lang="nl-NL"/>
-          </a:p>
-        </p:txBody>
-      </p:sp>
-      <p:sp>
-        <p:nvSpPr>
-          <p:cNvPr id="28" name="Vrije vorm: vorm 27">
-            <a:extLst>
-              <a:ext uri="{FF2B5EF4-FFF2-40B4-BE49-F238E27FC236}">
-                <a16:creationId xmlns:a16="http://schemas.microsoft.com/office/drawing/2014/main" id="{68E98539-0C13-47FC-984D-9CB49D9B6EEF}"/>
-              </a:ext>
-            </a:extLst>
-          </p:cNvPr>
-          <p:cNvSpPr/>
-          <p:nvPr/>
-        </p:nvSpPr>
-        <p:spPr>
-          <a:xfrm rot="10800000">
-            <a:off x="4098876" y="2499575"/>
-            <a:ext cx="2897312" cy="924674"/>
-          </a:xfrm>
-          <a:custGeom>
-            <a:avLst/>
-            <a:gdLst>
-              <a:gd name="connsiteX0" fmla="*/ 2897312 w 2897312"/>
-              <a:gd name="connsiteY0" fmla="*/ 924674 h 924674"/>
-              <a:gd name="connsiteX1" fmla="*/ 1643865 w 2897312"/>
-              <a:gd name="connsiteY1" fmla="*/ 184935 h 924674"/>
-              <a:gd name="connsiteX2" fmla="*/ 0 w 2897312"/>
-              <a:gd name="connsiteY2" fmla="*/ 0 h 924674"/>
-              <a:gd name="connsiteX0" fmla="*/ 2897312 w 2897312"/>
-              <a:gd name="connsiteY0" fmla="*/ 924674 h 924674"/>
-              <a:gd name="connsiteX1" fmla="*/ 1613042 w 2897312"/>
-              <a:gd name="connsiteY1" fmla="*/ 297951 h 924674"/>
-              <a:gd name="connsiteX2" fmla="*/ 0 w 2897312"/>
-              <a:gd name="connsiteY2" fmla="*/ 0 h 924674"/>
-            </a:gdLst>
-            <a:ahLst/>
-            <a:cxnLst>
-              <a:cxn ang="0">
-                <a:pos x="connsiteX0" y="connsiteY0"/>
-              </a:cxn>
-              <a:cxn ang="0">
-                <a:pos x="connsiteX1" y="connsiteY1"/>
-              </a:cxn>
-              <a:cxn ang="0">
-                <a:pos x="connsiteX2" y="connsiteY2"/>
-              </a:cxn>
-            </a:cxnLst>
-            <a:rect l="l" t="t" r="r" b="b"/>
-            <a:pathLst>
-              <a:path w="2897312" h="924674">
-                <a:moveTo>
-                  <a:pt x="2897312" y="924674"/>
-                </a:moveTo>
-                <a:cubicBezTo>
-                  <a:pt x="2512031" y="631860"/>
-                  <a:pt x="2095927" y="452063"/>
-                  <a:pt x="1613042" y="297951"/>
-                </a:cubicBezTo>
-                <a:cubicBezTo>
-                  <a:pt x="1130157" y="143839"/>
-                  <a:pt x="251717" y="27398"/>
-                  <a:pt x="0" y="0"/>
-                </a:cubicBezTo>
-              </a:path>
-            </a:pathLst>
-          </a:custGeom>
-          <a:noFill/>
-          <a:ln w="28575">
-            <a:solidFill>
-              <a:schemeClr val="tx1"/>
-            </a:solidFill>
-            <a:headEnd type="none" w="med" len="med"/>
-            <a:tailEnd type="arrow" w="med" len="med"/>
-          </a:ln>
-        </p:spPr>
-        <p:style>
-          <a:lnRef idx="2">
-            <a:schemeClr val="accent1">
-              <a:shade val="50000"/>
-            </a:schemeClr>
-          </a:lnRef>
-          <a:fillRef idx="1">
-            <a:schemeClr val="accent1"/>
-          </a:fillRef>
-          <a:effectRef idx="0">
-            <a:schemeClr val="accent1"/>
-          </a:effectRef>
-          <a:fontRef idx="minor">
-            <a:schemeClr val="lt1"/>
-          </a:fontRef>
-        </p:style>
-        <p:txBody>
-          <a:bodyPr rtlCol="0" anchor="ctr"/>
-          <a:lstStyle/>
-          <a:p>
-            <a:pPr algn="ctr"/>
-            <a:endParaRPr lang="nl-NL"/>
-          </a:p>
-        </p:txBody>
-      </p:sp>
-      <p:sp>
-        <p:nvSpPr>
-          <p:cNvPr id="31" name="Vrije vorm: vorm 30">
-            <a:extLst>
-              <a:ext uri="{FF2B5EF4-FFF2-40B4-BE49-F238E27FC236}">
-                <a16:creationId xmlns:a16="http://schemas.microsoft.com/office/drawing/2014/main" id="{B7B74615-70DA-4A07-9FE4-22D7EB832CDC}"/>
-              </a:ext>
-            </a:extLst>
-          </p:cNvPr>
-          <p:cNvSpPr/>
-          <p:nvPr/>
-        </p:nvSpPr>
-        <p:spPr>
-          <a:xfrm rot="19292124" flipV="1">
-            <a:off x="2163366" y="2950808"/>
-            <a:ext cx="1619079" cy="1570768"/>
-          </a:xfrm>
-          <a:custGeom>
-            <a:avLst/>
-            <a:gdLst>
-              <a:gd name="connsiteX0" fmla="*/ 2897312 w 2897312"/>
-              <a:gd name="connsiteY0" fmla="*/ 924674 h 924674"/>
-              <a:gd name="connsiteX1" fmla="*/ 1643865 w 2897312"/>
-              <a:gd name="connsiteY1" fmla="*/ 184935 h 924674"/>
-              <a:gd name="connsiteX2" fmla="*/ 0 w 2897312"/>
-              <a:gd name="connsiteY2" fmla="*/ 0 h 924674"/>
-              <a:gd name="connsiteX0" fmla="*/ 2897312 w 2897312"/>
-              <a:gd name="connsiteY0" fmla="*/ 924674 h 924674"/>
-              <a:gd name="connsiteX1" fmla="*/ 1869193 w 2897312"/>
-              <a:gd name="connsiteY1" fmla="*/ 353534 h 924674"/>
-              <a:gd name="connsiteX2" fmla="*/ 0 w 2897312"/>
-              <a:gd name="connsiteY2" fmla="*/ 0 h 924674"/>
-              <a:gd name="connsiteX0" fmla="*/ 2727468 w 2727468"/>
-              <a:gd name="connsiteY0" fmla="*/ 881270 h 881270"/>
-              <a:gd name="connsiteX1" fmla="*/ 1699349 w 2727468"/>
-              <a:gd name="connsiteY1" fmla="*/ 310130 h 881270"/>
-              <a:gd name="connsiteX2" fmla="*/ 0 w 2727468"/>
-              <a:gd name="connsiteY2" fmla="*/ 0 h 881270"/>
-            </a:gdLst>
-            <a:ahLst/>
-            <a:cxnLst>
-              <a:cxn ang="0">
-                <a:pos x="connsiteX0" y="connsiteY0"/>
-              </a:cxn>
-              <a:cxn ang="0">
-                <a:pos x="connsiteX1" y="connsiteY1"/>
-              </a:cxn>
-              <a:cxn ang="0">
-                <a:pos x="connsiteX2" y="connsiteY2"/>
-              </a:cxn>
-            </a:cxnLst>
-            <a:rect l="l" t="t" r="r" b="b"/>
-            <a:pathLst>
-              <a:path w="2727468" h="881270">
-                <a:moveTo>
-                  <a:pt x="2727468" y="881270"/>
-                </a:moveTo>
-                <a:cubicBezTo>
-                  <a:pt x="2342187" y="588456"/>
-                  <a:pt x="2153927" y="457008"/>
-                  <a:pt x="1699349" y="310130"/>
-                </a:cubicBezTo>
-                <a:cubicBezTo>
-                  <a:pt x="1244771" y="163252"/>
-                  <a:pt x="251717" y="27398"/>
-                  <a:pt x="0" y="0"/>
-                </a:cubicBezTo>
-              </a:path>
-            </a:pathLst>
-          </a:custGeom>
-          <a:noFill/>
-          <a:ln w="28575">
-            <a:solidFill>
-              <a:schemeClr val="tx1"/>
-            </a:solidFill>
-            <a:headEnd type="none" w="med" len="med"/>
-            <a:tailEnd type="arrow" w="med" len="med"/>
-          </a:ln>
-        </p:spPr>
-        <p:style>
-          <a:lnRef idx="2">
-            <a:schemeClr val="accent1">
-              <a:shade val="50000"/>
-            </a:schemeClr>
-          </a:lnRef>
-          <a:fillRef idx="1">
-            <a:schemeClr val="accent1"/>
-          </a:fillRef>
-          <a:effectRef idx="0">
-            <a:schemeClr val="accent1"/>
-          </a:effectRef>
-          <a:fontRef idx="minor">
-            <a:schemeClr val="lt1"/>
-          </a:fontRef>
-        </p:style>
-        <p:txBody>
-          <a:bodyPr rtlCol="0" anchor="ctr"/>
-          <a:lstStyle/>
-          <a:p>
-            <a:pPr algn="ctr"/>
-            <a:endParaRPr lang="nl-NL"/>
-          </a:p>
-        </p:txBody>
-      </p:sp>
-      <p:sp>
-        <p:nvSpPr>
-          <p:cNvPr id="27" name="Tekstvak 26">
-            <a:extLst>
-              <a:ext uri="{FF2B5EF4-FFF2-40B4-BE49-F238E27FC236}">
-                <a16:creationId xmlns:a16="http://schemas.microsoft.com/office/drawing/2014/main" id="{27175844-C59F-45C6-A1AF-4CB47336CCFE}"/>
-              </a:ext>
-            </a:extLst>
-          </p:cNvPr>
-          <p:cNvSpPr txBox="1"/>
-          <p:nvPr/>
-        </p:nvSpPr>
-        <p:spPr>
-          <a:xfrm rot="1216658">
-            <a:off x="4664254" y="3117271"/>
-            <a:ext cx="1633591" cy="400110"/>
-          </a:xfrm>
-          <a:prstGeom prst="rect">
-            <a:avLst/>
-          </a:prstGeom>
-          <a:noFill/>
-        </p:spPr>
-        <p:txBody>
-          <a:bodyPr wrap="square" rtlCol="0">
-            <a:spAutoFit/>
-          </a:bodyPr>
-          <a:lstStyle/>
-          <a:p>
-            <a:r>
-              <a:rPr lang="nl-NL" sz="2000" b="1" dirty="0">
-                <a:solidFill>
-                  <a:srgbClr val="00B0F0"/>
-                </a:solidFill>
-                <a:effectLst>
-                  <a:outerShdw blurRad="38100" dist="38100" dir="2700000" algn="tl">
-                    <a:srgbClr val="000000">
-                      <a:alpha val="43137"/>
-                    </a:srgbClr>
-                  </a:outerShdw>
-                </a:effectLst>
-              </a:rPr>
-              <a:t>Verzoek</a:t>
-            </a:r>
-          </a:p>
-        </p:txBody>
-      </p:sp>
-      <p:sp>
-        <p:nvSpPr>
-          <p:cNvPr id="33" name="Tekstvak 32">
-            <a:extLst>
-              <a:ext uri="{FF2B5EF4-FFF2-40B4-BE49-F238E27FC236}">
-                <a16:creationId xmlns:a16="http://schemas.microsoft.com/office/drawing/2014/main" id="{D6B27B67-3C7E-43B0-9867-49C38FC1DA6D}"/>
-              </a:ext>
-            </a:extLst>
-          </p:cNvPr>
-          <p:cNvSpPr txBox="1"/>
-          <p:nvPr/>
-        </p:nvSpPr>
-        <p:spPr>
-          <a:xfrm rot="5400000">
-            <a:off x="1005506" y="3723824"/>
-            <a:ext cx="1633591" cy="400110"/>
-          </a:xfrm>
-          <a:prstGeom prst="rect">
-            <a:avLst/>
-          </a:prstGeom>
-          <a:noFill/>
-        </p:spPr>
-        <p:txBody>
-          <a:bodyPr wrap="square" rtlCol="0">
-            <a:spAutoFit/>
-          </a:bodyPr>
-          <a:lstStyle/>
-          <a:p>
-            <a:r>
-              <a:rPr lang="nl-NL" sz="2000" b="1" dirty="0">
-                <a:solidFill>
-                  <a:srgbClr val="00B0F0"/>
-                </a:solidFill>
-                <a:effectLst>
-                  <a:outerShdw blurRad="38100" dist="38100" dir="2700000" algn="tl">
-                    <a:srgbClr val="000000">
-                      <a:alpha val="43137"/>
-                    </a:srgbClr>
-                  </a:outerShdw>
-                </a:effectLst>
-              </a:rPr>
-              <a:t>Verzoek</a:t>
-            </a:r>
-          </a:p>
-        </p:txBody>
-      </p:sp>
-      <p:sp>
-        <p:nvSpPr>
-          <p:cNvPr id="34" name="Tekstvak 33">
-            <a:extLst>
-              <a:ext uri="{FF2B5EF4-FFF2-40B4-BE49-F238E27FC236}">
-                <a16:creationId xmlns:a16="http://schemas.microsoft.com/office/drawing/2014/main" id="{9A830D31-1DA9-46E4-BEA0-02FD1E9E2A3F}"/>
-              </a:ext>
-            </a:extLst>
-          </p:cNvPr>
-          <p:cNvSpPr txBox="1"/>
-          <p:nvPr/>
-        </p:nvSpPr>
-        <p:spPr>
-          <a:xfrm rot="5400000">
-            <a:off x="2680548" y="3635468"/>
-            <a:ext cx="1633591" cy="400110"/>
-          </a:xfrm>
-          <a:prstGeom prst="rect">
-            <a:avLst/>
-          </a:prstGeom>
-          <a:noFill/>
-        </p:spPr>
-        <p:txBody>
-          <a:bodyPr wrap="square" rtlCol="0">
-            <a:spAutoFit/>
-          </a:bodyPr>
-          <a:lstStyle/>
-          <a:p>
-            <a:r>
-              <a:rPr lang="nl-NL" sz="2000" b="1" dirty="0">
-                <a:solidFill>
-                  <a:srgbClr val="FFC000"/>
-                </a:solidFill>
-                <a:effectLst>
-                  <a:outerShdw blurRad="38100" dist="38100" dir="2700000" algn="tl">
-                    <a:srgbClr val="000000">
-                      <a:alpha val="43137"/>
-                    </a:srgbClr>
-                  </a:outerShdw>
-                </a:effectLst>
-              </a:rPr>
-              <a:t>Antwoord</a:t>
-            </a:r>
-          </a:p>
-        </p:txBody>
-      </p:sp>
-      <p:sp>
-        <p:nvSpPr>
-          <p:cNvPr id="35" name="Tekstvak 34">
-            <a:extLst>
-              <a:ext uri="{FF2B5EF4-FFF2-40B4-BE49-F238E27FC236}">
-                <a16:creationId xmlns:a16="http://schemas.microsoft.com/office/drawing/2014/main" id="{951EFBEE-2BCB-484A-B32D-3EEED844577C}"/>
-              </a:ext>
-            </a:extLst>
-          </p:cNvPr>
-          <p:cNvSpPr txBox="1"/>
-          <p:nvPr/>
-        </p:nvSpPr>
-        <p:spPr>
-          <a:xfrm rot="1002512">
-            <a:off x="5108365" y="2035410"/>
-            <a:ext cx="1633591" cy="400110"/>
-          </a:xfrm>
-          <a:prstGeom prst="rect">
-            <a:avLst/>
-          </a:prstGeom>
-          <a:noFill/>
-        </p:spPr>
-        <p:txBody>
-          <a:bodyPr wrap="square" rtlCol="0">
-            <a:spAutoFit/>
-          </a:bodyPr>
-          <a:lstStyle/>
-          <a:p>
-            <a:r>
-              <a:rPr lang="nl-NL" sz="2000" b="1" dirty="0">
-                <a:solidFill>
-                  <a:srgbClr val="FFC000"/>
-                </a:solidFill>
-                <a:effectLst>
-                  <a:outerShdw blurRad="38100" dist="38100" dir="2700000" algn="tl">
-                    <a:srgbClr val="000000">
-                      <a:alpha val="43137"/>
-                    </a:srgbClr>
-                  </a:outerShdw>
-                </a:effectLst>
-              </a:rPr>
-              <a:t>Antwoord</a:t>
-            </a:r>
-          </a:p>
-        </p:txBody>
-      </p:sp>
-      <p:sp>
-        <p:nvSpPr>
-          <p:cNvPr id="3" name="Vrije vorm: vorm 2">
-            <a:extLst>
-              <a:ext uri="{FF2B5EF4-FFF2-40B4-BE49-F238E27FC236}">
-                <a16:creationId xmlns:a16="http://schemas.microsoft.com/office/drawing/2014/main" id="{08760AC4-088A-49DC-8DB8-684C27E24F0D}"/>
-              </a:ext>
-            </a:extLst>
-          </p:cNvPr>
-          <p:cNvSpPr/>
-          <p:nvPr/>
-        </p:nvSpPr>
-        <p:spPr>
-          <a:xfrm>
-            <a:off x="2020099" y="2609636"/>
-            <a:ext cx="342957" cy="2188395"/>
-          </a:xfrm>
-          <a:custGeom>
-            <a:avLst/>
-            <a:gdLst>
-              <a:gd name="connsiteX0" fmla="*/ 188845 w 342957"/>
-              <a:gd name="connsiteY0" fmla="*/ 2188395 h 2188395"/>
-              <a:gd name="connsiteX1" fmla="*/ 3910 w 342957"/>
-              <a:gd name="connsiteY1" fmla="*/ 1047964 h 2188395"/>
-              <a:gd name="connsiteX2" fmla="*/ 342957 w 342957"/>
-              <a:gd name="connsiteY2" fmla="*/ 0 h 2188395"/>
-            </a:gdLst>
-            <a:ahLst/>
-            <a:cxnLst>
-              <a:cxn ang="0">
-                <a:pos x="connsiteX0" y="connsiteY0"/>
-              </a:cxn>
-              <a:cxn ang="0">
-                <a:pos x="connsiteX1" y="connsiteY1"/>
-              </a:cxn>
-              <a:cxn ang="0">
-                <a:pos x="connsiteX2" y="connsiteY2"/>
-              </a:cxn>
-            </a:cxnLst>
-            <a:rect l="l" t="t" r="r" b="b"/>
-            <a:pathLst>
-              <a:path w="342957" h="2188395">
-                <a:moveTo>
-                  <a:pt x="188845" y="2188395"/>
-                </a:moveTo>
-                <a:cubicBezTo>
-                  <a:pt x="83535" y="1800545"/>
-                  <a:pt x="-21775" y="1412696"/>
-                  <a:pt x="3910" y="1047964"/>
-                </a:cubicBezTo>
-                <a:cubicBezTo>
-                  <a:pt x="29595" y="683232"/>
-                  <a:pt x="277887" y="195209"/>
-                  <a:pt x="342957" y="0"/>
-                </a:cubicBezTo>
-              </a:path>
-            </a:pathLst>
-          </a:custGeom>
-          <a:noFill/>
-          <a:ln w="28575">
-            <a:solidFill>
-              <a:schemeClr val="tx1"/>
-            </a:solidFill>
-            <a:headEnd type="none" w="med" len="med"/>
-            <a:tailEnd type="arrow" w="med" len="med"/>
-          </a:ln>
-        </p:spPr>
-        <p:style>
-          <a:lnRef idx="2">
-            <a:schemeClr val="accent1">
-              <a:shade val="50000"/>
-            </a:schemeClr>
-          </a:lnRef>
-          <a:fillRef idx="1">
-            <a:schemeClr val="accent1"/>
-          </a:fillRef>
-          <a:effectRef idx="0">
-            <a:schemeClr val="accent1"/>
-          </a:effectRef>
-          <a:fontRef idx="minor">
-            <a:schemeClr val="lt1"/>
-          </a:fontRef>
-        </p:style>
-        <p:txBody>
-          <a:bodyPr rtlCol="0" anchor="ctr"/>
-          <a:lstStyle/>
-          <a:p>
-            <a:pPr algn="ctr"/>
-            <a:endParaRPr lang="nl-NL"/>
-          </a:p>
-        </p:txBody>
-      </p:sp>
-    </p:spTree>
-    <p:extLst>
-      <p:ext uri="{BB962C8B-B14F-4D97-AF65-F5344CB8AC3E}">
-        <p14:creationId xmlns:p14="http://schemas.microsoft.com/office/powerpoint/2010/main" val="2478428771"/>
-      </p:ext>
-    </p:extLst>
-  </p:cSld>
-  <p:clrMapOvr>
-    <a:masterClrMapping/>
-  </p:clrMapOvr>
-  <p:transition spd="slow">
-    <p:wipe/>
-  </p:transition>
-  <p:timing>
-    <p:tnLst>
-      <p:par>
-        <p:cTn id="1" dur="indefinite" restart="never" nodeType="tmRoot">
-          <p:childTnLst>
-            <p:seq concurrent="1" nextAc="seek">
-              <p:cTn id="2" dur="indefinite" nodeType="mainSeq">
-                <p:childTnLst>
-                  <p:par>
-                    <p:cTn id="3" fill="hold">
-                      <p:stCondLst>
-                        <p:cond delay="indefinite"/>
-                      </p:stCondLst>
-                      <p:childTnLst>
-                        <p:par>
-                          <p:cTn id="4" fill="hold">
-                            <p:stCondLst>
-                              <p:cond delay="0"/>
-                            </p:stCondLst>
-                            <p:childTnLst>
-                              <p:par>
-                                <p:cTn id="5" presetID="10" presetClass="entr" presetSubtype="0" fill="hold" grpId="0" nodeType="clickEffect">
-                                  <p:stCondLst>
-                                    <p:cond delay="0"/>
-                                  </p:stCondLst>
-                                  <p:childTnLst>
-                                    <p:set>
-                                      <p:cBhvr>
-                                        <p:cTn id="6" dur="1" fill="hold">
-                                          <p:stCondLst>
-                                            <p:cond delay="0"/>
-                                          </p:stCondLst>
-                                        </p:cTn>
-                                        <p:tgtEl>
-                                          <p:spTgt spid="2"/>
-                                        </p:tgtEl>
-                                        <p:attrNameLst>
-                                          <p:attrName>style.visibility</p:attrName>
-                                        </p:attrNameLst>
-                                      </p:cBhvr>
-                                      <p:to>
-                                        <p:strVal val="visible"/>
-                                      </p:to>
-                                    </p:set>
-                                    <p:animEffect transition="in" filter="fade">
-                                      <p:cBhvr>
-                                        <p:cTn id="7" dur="500"/>
-                                        <p:tgtEl>
-                                          <p:spTgt spid="2"/>
-                                        </p:tgtEl>
-                                      </p:cBhvr>
-                                    </p:animEffect>
-                                  </p:childTnLst>
-                                </p:cTn>
-                              </p:par>
-                              <p:par>
-                                <p:cTn id="8" presetID="24" presetClass="emph" presetSubtype="0" fill="hold" grpId="1" nodeType="withEffect">
-                                  <p:stCondLst>
-                                    <p:cond delay="0"/>
-                                  </p:stCondLst>
-                                  <p:childTnLst>
-                                    <p:animClr clrSpc="hsl" dir="cw">
-                                      <p:cBhvr override="childStyle">
-                                        <p:cTn id="9" dur="1000" fill="hold"/>
-                                        <p:tgtEl>
-                                          <p:spTgt spid="2"/>
-                                        </p:tgtEl>
-                                        <p:attrNameLst>
-                                          <p:attrName>style.color</p:attrName>
-                                        </p:attrNameLst>
-                                      </p:cBhvr>
-                                      <p:by>
-                                        <p:hsl h="0" s="-12549" l="-25098"/>
-                                      </p:by>
-                                    </p:animClr>
-                                    <p:animClr clrSpc="hsl" dir="cw">
-                                      <p:cBhvr>
-                                        <p:cTn id="10" dur="1000" fill="hold"/>
-                                        <p:tgtEl>
-                                          <p:spTgt spid="2"/>
-                                        </p:tgtEl>
-                                        <p:attrNameLst>
-                                          <p:attrName>fillcolor</p:attrName>
-                                        </p:attrNameLst>
-                                      </p:cBhvr>
-                                      <p:by>
-                                        <p:hsl h="0" s="-12549" l="-25098"/>
-                                      </p:by>
-                                    </p:animClr>
-                                    <p:animClr clrSpc="hsl" dir="cw">
-                                      <p:cBhvr>
-                                        <p:cTn id="11" dur="1000" fill="hold"/>
-                                        <p:tgtEl>
-                                          <p:spTgt spid="2"/>
-                                        </p:tgtEl>
-                                        <p:attrNameLst>
-                                          <p:attrName>stroke.color</p:attrName>
-                                        </p:attrNameLst>
-                                      </p:cBhvr>
-                                      <p:by>
-                                        <p:hsl h="0" s="-12549" l="-25098"/>
-                                      </p:by>
-                                    </p:animClr>
-                                    <p:set>
-                                      <p:cBhvr>
-                                        <p:cTn id="12" dur="1000" fill="hold"/>
-                                        <p:tgtEl>
-                                          <p:spTgt spid="2"/>
-                                        </p:tgtEl>
-                                        <p:attrNameLst>
-                                          <p:attrName>fill.type</p:attrName>
-                                        </p:attrNameLst>
-                                      </p:cBhvr>
-                                      <p:to>
-                                        <p:strVal val="solid"/>
-                                      </p:to>
-                                    </p:set>
-                                  </p:childTnLst>
-                                  <p:subTnLst>
-                                    <p:animClr clrSpc="rgb" dir="cw">
-                                      <p:cBhvr override="childStyle">
-                                        <p:cTn dur="1" fill="hold" display="0" masterRel="nextClick" afterEffect="1"/>
-                                        <p:tgtEl>
-                                          <p:spTgt spid="2"/>
-                                        </p:tgtEl>
-                                        <p:attrNameLst>
-                                          <p:attrName>ppt_c</p:attrName>
-                                        </p:attrNameLst>
-                                      </p:cBhvr>
-                                      <p:to>
-                                        <a:schemeClr val="folHlink"/>
-                                      </p:to>
-                                    </p:animClr>
-                                  </p:subTnLst>
-                                </p:cTn>
-                              </p:par>
-                              <p:par>
-                                <p:cTn id="13" presetID="10" presetClass="entr" presetSubtype="0" fill="hold" nodeType="withEffect">
-                                  <p:stCondLst>
-                                    <p:cond delay="0"/>
-                                  </p:stCondLst>
-                                  <p:childTnLst>
-                                    <p:set>
-                                      <p:cBhvr>
-                                        <p:cTn id="14" dur="1" fill="hold">
-                                          <p:stCondLst>
-                                            <p:cond delay="0"/>
-                                          </p:stCondLst>
-                                        </p:cTn>
-                                        <p:tgtEl>
-                                          <p:spTgt spid="17"/>
-                                        </p:tgtEl>
-                                        <p:attrNameLst>
-                                          <p:attrName>style.visibility</p:attrName>
-                                        </p:attrNameLst>
-                                      </p:cBhvr>
-                                      <p:to>
-                                        <p:strVal val="visible"/>
-                                      </p:to>
-                                    </p:set>
-                                    <p:animEffect transition="in" filter="fade">
-                                      <p:cBhvr>
-                                        <p:cTn id="15" dur="500"/>
-                                        <p:tgtEl>
-                                          <p:spTgt spid="17"/>
-                                        </p:tgtEl>
-                                      </p:cBhvr>
-                                    </p:animEffect>
-                                  </p:childTnLst>
-                                </p:cTn>
-                              </p:par>
-                              <p:par>
-                                <p:cTn id="16" presetID="10" presetClass="entr" presetSubtype="0" fill="hold" nodeType="withEffect">
-                                  <p:stCondLst>
-                                    <p:cond delay="0"/>
-                                  </p:stCondLst>
-                                  <p:childTnLst>
-                                    <p:set>
-                                      <p:cBhvr>
-                                        <p:cTn id="17" dur="1" fill="hold">
-                                          <p:stCondLst>
-                                            <p:cond delay="0"/>
-                                          </p:stCondLst>
-                                        </p:cTn>
-                                        <p:tgtEl>
-                                          <p:spTgt spid="13"/>
-                                        </p:tgtEl>
-                                        <p:attrNameLst>
-                                          <p:attrName>style.visibility</p:attrName>
-                                        </p:attrNameLst>
-                                      </p:cBhvr>
-                                      <p:to>
-                                        <p:strVal val="visible"/>
-                                      </p:to>
-                                    </p:set>
-                                    <p:animEffect transition="in" filter="fade">
-                                      <p:cBhvr>
-                                        <p:cTn id="18" dur="500"/>
-                                        <p:tgtEl>
-                                          <p:spTgt spid="13"/>
-                                        </p:tgtEl>
-                                      </p:cBhvr>
-                                    </p:animEffect>
-                                  </p:childTnLst>
-                                </p:cTn>
-                              </p:par>
-                              <p:par>
-                                <p:cTn id="19" presetID="10" presetClass="entr" presetSubtype="0" fill="hold" nodeType="withEffect">
-                                  <p:stCondLst>
-                                    <p:cond delay="0"/>
-                                  </p:stCondLst>
-                                  <p:childTnLst>
-                                    <p:set>
-                                      <p:cBhvr>
-                                        <p:cTn id="20" dur="1" fill="hold">
-                                          <p:stCondLst>
-                                            <p:cond delay="0"/>
-                                          </p:stCondLst>
-                                        </p:cTn>
-                                        <p:tgtEl>
-                                          <p:spTgt spid="16"/>
-                                        </p:tgtEl>
-                                        <p:attrNameLst>
-                                          <p:attrName>style.visibility</p:attrName>
-                                        </p:attrNameLst>
-                                      </p:cBhvr>
-                                      <p:to>
-                                        <p:strVal val="visible"/>
-                                      </p:to>
-                                    </p:set>
-                                    <p:animEffect transition="in" filter="fade">
-                                      <p:cBhvr>
-                                        <p:cTn id="21" dur="500"/>
-                                        <p:tgtEl>
-                                          <p:spTgt spid="16"/>
-                                        </p:tgtEl>
-                                      </p:cBhvr>
-                                    </p:animEffect>
-                                  </p:childTnLst>
-                                </p:cTn>
-                              </p:par>
-                              <p:par>
-                                <p:cTn id="22" presetID="10" presetClass="entr" presetSubtype="0" fill="hold" nodeType="withEffect">
-                                  <p:stCondLst>
-                                    <p:cond delay="0"/>
-                                  </p:stCondLst>
-                                  <p:childTnLst>
-                                    <p:set>
-                                      <p:cBhvr>
-                                        <p:cTn id="23" dur="1" fill="hold">
-                                          <p:stCondLst>
-                                            <p:cond delay="0"/>
-                                          </p:stCondLst>
-                                        </p:cTn>
-                                        <p:tgtEl>
-                                          <p:spTgt spid="18"/>
-                                        </p:tgtEl>
-                                        <p:attrNameLst>
-                                          <p:attrName>style.visibility</p:attrName>
-                                        </p:attrNameLst>
-                                      </p:cBhvr>
-                                      <p:to>
-                                        <p:strVal val="visible"/>
-                                      </p:to>
-                                    </p:set>
-                                    <p:animEffect transition="in" filter="fade">
-                                      <p:cBhvr>
-                                        <p:cTn id="24" dur="500"/>
-                                        <p:tgtEl>
-                                          <p:spTgt spid="18"/>
-                                        </p:tgtEl>
-                                      </p:cBhvr>
-                                    </p:animEffect>
-                                  </p:childTnLst>
-                                </p:cTn>
-                              </p:par>
-                              <p:par>
-                                <p:cTn id="25" presetID="10" presetClass="entr" presetSubtype="0" fill="hold" nodeType="withEffect">
-                                  <p:stCondLst>
-                                    <p:cond delay="0"/>
-                                  </p:stCondLst>
-                                  <p:childTnLst>
-                                    <p:set>
-                                      <p:cBhvr>
-                                        <p:cTn id="26" dur="1" fill="hold">
-                                          <p:stCondLst>
-                                            <p:cond delay="0"/>
-                                          </p:stCondLst>
-                                        </p:cTn>
-                                        <p:tgtEl>
-                                          <p:spTgt spid="8"/>
-                                        </p:tgtEl>
-                                        <p:attrNameLst>
-                                          <p:attrName>style.visibility</p:attrName>
-                                        </p:attrNameLst>
-                                      </p:cBhvr>
-                                      <p:to>
-                                        <p:strVal val="visible"/>
-                                      </p:to>
-                                    </p:set>
-                                    <p:animEffect transition="in" filter="fade">
-                                      <p:cBhvr>
-                                        <p:cTn id="27" dur="500"/>
-                                        <p:tgtEl>
-                                          <p:spTgt spid="8"/>
-                                        </p:tgtEl>
-                                      </p:cBhvr>
-                                    </p:animEffect>
-                                  </p:childTnLst>
-                                </p:cTn>
-                              </p:par>
-                            </p:childTnLst>
-                          </p:cTn>
-                        </p:par>
-                      </p:childTnLst>
-                    </p:cTn>
-                  </p:par>
-                  <p:par>
-                    <p:cTn id="28" fill="hold">
-                      <p:stCondLst>
-                        <p:cond delay="indefinite"/>
-                      </p:stCondLst>
-                      <p:childTnLst>
-                        <p:par>
-                          <p:cTn id="29" fill="hold">
-                            <p:stCondLst>
-                              <p:cond delay="0"/>
-                            </p:stCondLst>
-                            <p:childTnLst>
-                              <p:par>
-                                <p:cTn id="30" presetID="10" presetClass="entr" presetSubtype="0" fill="hold" grpId="0" nodeType="clickEffect">
-                                  <p:stCondLst>
-                                    <p:cond delay="0"/>
-                                  </p:stCondLst>
-                                  <p:childTnLst>
-                                    <p:set>
-                                      <p:cBhvr>
-                                        <p:cTn id="31" dur="1" fill="hold">
-                                          <p:stCondLst>
-                                            <p:cond delay="0"/>
-                                          </p:stCondLst>
-                                        </p:cTn>
-                                        <p:tgtEl>
-                                          <p:spTgt spid="3"/>
-                                        </p:tgtEl>
-                                        <p:attrNameLst>
-                                          <p:attrName>style.visibility</p:attrName>
-                                        </p:attrNameLst>
-                                      </p:cBhvr>
-                                      <p:to>
-                                        <p:strVal val="visible"/>
-                                      </p:to>
-                                    </p:set>
-                                    <p:animEffect transition="in" filter="fade">
-                                      <p:cBhvr>
-                                        <p:cTn id="32" dur="500"/>
-                                        <p:tgtEl>
-                                          <p:spTgt spid="3"/>
-                                        </p:tgtEl>
-                                      </p:cBhvr>
-                                    </p:animEffect>
-                                  </p:childTnLst>
-                                </p:cTn>
-                              </p:par>
-                              <p:par>
-                                <p:cTn id="33" presetID="10" presetClass="entr" presetSubtype="0" fill="hold" grpId="0" nodeType="withEffect">
-                                  <p:stCondLst>
-                                    <p:cond delay="0"/>
-                                  </p:stCondLst>
-                                  <p:childTnLst>
-                                    <p:set>
-                                      <p:cBhvr>
-                                        <p:cTn id="34" dur="1" fill="hold">
-                                          <p:stCondLst>
-                                            <p:cond delay="0"/>
-                                          </p:stCondLst>
-                                        </p:cTn>
-                                        <p:tgtEl>
-                                          <p:spTgt spid="33"/>
-                                        </p:tgtEl>
-                                        <p:attrNameLst>
-                                          <p:attrName>style.visibility</p:attrName>
-                                        </p:attrNameLst>
-                                      </p:cBhvr>
-                                      <p:to>
-                                        <p:strVal val="visible"/>
-                                      </p:to>
-                                    </p:set>
-                                    <p:animEffect transition="in" filter="fade">
-                                      <p:cBhvr>
-                                        <p:cTn id="35" dur="500"/>
-                                        <p:tgtEl>
-                                          <p:spTgt spid="33"/>
-                                        </p:tgtEl>
-                                      </p:cBhvr>
-                                    </p:animEffect>
-                                  </p:childTnLst>
-                                </p:cTn>
-                              </p:par>
-                            </p:childTnLst>
-                          </p:cTn>
-                        </p:par>
-                      </p:childTnLst>
-                    </p:cTn>
-                  </p:par>
-                  <p:par>
-                    <p:cTn id="36" fill="hold">
-                      <p:stCondLst>
-                        <p:cond delay="indefinite"/>
-                      </p:stCondLst>
-                      <p:childTnLst>
-                        <p:par>
-                          <p:cTn id="37" fill="hold">
-                            <p:stCondLst>
-                              <p:cond delay="0"/>
-                            </p:stCondLst>
-                            <p:childTnLst>
-                              <p:par>
-                                <p:cTn id="38" presetID="10" presetClass="entr" presetSubtype="0" fill="hold" grpId="0" nodeType="clickEffect">
-                                  <p:stCondLst>
-                                    <p:cond delay="0"/>
-                                  </p:stCondLst>
-                                  <p:childTnLst>
-                                    <p:set>
-                                      <p:cBhvr>
-                                        <p:cTn id="39" dur="1" fill="hold">
-                                          <p:stCondLst>
-                                            <p:cond delay="0"/>
-                                          </p:stCondLst>
-                                        </p:cTn>
-                                        <p:tgtEl>
-                                          <p:spTgt spid="27"/>
-                                        </p:tgtEl>
-                                        <p:attrNameLst>
-                                          <p:attrName>style.visibility</p:attrName>
-                                        </p:attrNameLst>
-                                      </p:cBhvr>
-                                      <p:to>
-                                        <p:strVal val="visible"/>
-                                      </p:to>
-                                    </p:set>
-                                    <p:animEffect transition="in" filter="fade">
-                                      <p:cBhvr>
-                                        <p:cTn id="40" dur="500"/>
-                                        <p:tgtEl>
-                                          <p:spTgt spid="27"/>
-                                        </p:tgtEl>
-                                      </p:cBhvr>
-                                    </p:animEffect>
-                                  </p:childTnLst>
-                                </p:cTn>
-                              </p:par>
-                              <p:par>
-                                <p:cTn id="41" presetID="10" presetClass="entr" presetSubtype="0" fill="hold" grpId="0" nodeType="withEffect">
-                                  <p:stCondLst>
-                                    <p:cond delay="0"/>
-                                  </p:stCondLst>
-                                  <p:childTnLst>
-                                    <p:set>
-                                      <p:cBhvr>
-                                        <p:cTn id="42" dur="1" fill="hold">
-                                          <p:stCondLst>
-                                            <p:cond delay="0"/>
-                                          </p:stCondLst>
-                                        </p:cTn>
-                                        <p:tgtEl>
-                                          <p:spTgt spid="28"/>
-                                        </p:tgtEl>
-                                        <p:attrNameLst>
-                                          <p:attrName>style.visibility</p:attrName>
-                                        </p:attrNameLst>
-                                      </p:cBhvr>
-                                      <p:to>
-                                        <p:strVal val="visible"/>
-                                      </p:to>
-                                    </p:set>
-                                    <p:animEffect transition="in" filter="fade">
-                                      <p:cBhvr>
-                                        <p:cTn id="43" dur="500"/>
-                                        <p:tgtEl>
-                                          <p:spTgt spid="28"/>
-                                        </p:tgtEl>
-                                      </p:cBhvr>
-                                    </p:animEffect>
-                                  </p:childTnLst>
-                                </p:cTn>
-                              </p:par>
-                            </p:childTnLst>
-                          </p:cTn>
-                        </p:par>
-                      </p:childTnLst>
-                    </p:cTn>
-                  </p:par>
-                  <p:par>
-                    <p:cTn id="44" fill="hold">
-                      <p:stCondLst>
-                        <p:cond delay="indefinite"/>
-                      </p:stCondLst>
-                      <p:childTnLst>
-                        <p:par>
-                          <p:cTn id="45" fill="hold">
-                            <p:stCondLst>
-                              <p:cond delay="0"/>
-                            </p:stCondLst>
-                            <p:childTnLst>
-                              <p:par>
-                                <p:cTn id="46" presetID="10" presetClass="entr" presetSubtype="0" fill="hold" grpId="0" nodeType="clickEffect">
-                                  <p:stCondLst>
-                                    <p:cond delay="0"/>
-                                  </p:stCondLst>
-                                  <p:childTnLst>
-                                    <p:set>
-                                      <p:cBhvr>
-                                        <p:cTn id="47" dur="1" fill="hold">
-                                          <p:stCondLst>
-                                            <p:cond delay="0"/>
-                                          </p:stCondLst>
-                                        </p:cTn>
-                                        <p:tgtEl>
-                                          <p:spTgt spid="26"/>
-                                        </p:tgtEl>
-                                        <p:attrNameLst>
-                                          <p:attrName>style.visibility</p:attrName>
-                                        </p:attrNameLst>
-                                      </p:cBhvr>
-                                      <p:to>
-                                        <p:strVal val="visible"/>
-                                      </p:to>
-                                    </p:set>
-                                    <p:animEffect transition="in" filter="fade">
-                                      <p:cBhvr>
-                                        <p:cTn id="48" dur="500"/>
-                                        <p:tgtEl>
-                                          <p:spTgt spid="26"/>
-                                        </p:tgtEl>
-                                      </p:cBhvr>
-                                    </p:animEffect>
-                                  </p:childTnLst>
-                                </p:cTn>
-                              </p:par>
-                              <p:par>
-                                <p:cTn id="49" presetID="10" presetClass="entr" presetSubtype="0" fill="hold" grpId="0" nodeType="withEffect">
-                                  <p:stCondLst>
-                                    <p:cond delay="0"/>
-                                  </p:stCondLst>
-                                  <p:childTnLst>
-                                    <p:set>
-                                      <p:cBhvr>
-                                        <p:cTn id="50" dur="1" fill="hold">
-                                          <p:stCondLst>
-                                            <p:cond delay="0"/>
-                                          </p:stCondLst>
-                                        </p:cTn>
-                                        <p:tgtEl>
-                                          <p:spTgt spid="35"/>
-                                        </p:tgtEl>
-                                        <p:attrNameLst>
-                                          <p:attrName>style.visibility</p:attrName>
-                                        </p:attrNameLst>
-                                      </p:cBhvr>
-                                      <p:to>
-                                        <p:strVal val="visible"/>
-                                      </p:to>
-                                    </p:set>
-                                    <p:animEffect transition="in" filter="fade">
-                                      <p:cBhvr>
-                                        <p:cTn id="51" dur="500"/>
-                                        <p:tgtEl>
-                                          <p:spTgt spid="35"/>
-                                        </p:tgtEl>
-                                      </p:cBhvr>
-                                    </p:animEffect>
-                                  </p:childTnLst>
-                                </p:cTn>
-                              </p:par>
-                            </p:childTnLst>
-                          </p:cTn>
-                        </p:par>
-                      </p:childTnLst>
-                    </p:cTn>
-                  </p:par>
-                  <p:par>
-                    <p:cTn id="52" fill="hold">
-                      <p:stCondLst>
-                        <p:cond delay="indefinite"/>
-                      </p:stCondLst>
-                      <p:childTnLst>
-                        <p:par>
-                          <p:cTn id="53" fill="hold">
-                            <p:stCondLst>
-                              <p:cond delay="0"/>
-                            </p:stCondLst>
-                            <p:childTnLst>
-                              <p:par>
-                                <p:cTn id="54" presetID="10" presetClass="entr" presetSubtype="0" fill="hold" grpId="0" nodeType="clickEffect">
-                                  <p:stCondLst>
-                                    <p:cond delay="0"/>
-                                  </p:stCondLst>
-                                  <p:childTnLst>
-                                    <p:set>
-                                      <p:cBhvr>
-                                        <p:cTn id="55" dur="1" fill="hold">
-                                          <p:stCondLst>
-                                            <p:cond delay="0"/>
-                                          </p:stCondLst>
-                                        </p:cTn>
-                                        <p:tgtEl>
-                                          <p:spTgt spid="31"/>
-                                        </p:tgtEl>
-                                        <p:attrNameLst>
-                                          <p:attrName>style.visibility</p:attrName>
-                                        </p:attrNameLst>
-                                      </p:cBhvr>
-                                      <p:to>
-                                        <p:strVal val="visible"/>
-                                      </p:to>
-                                    </p:set>
-                                    <p:animEffect transition="in" filter="fade">
-                                      <p:cBhvr>
-                                        <p:cTn id="56" dur="500"/>
-                                        <p:tgtEl>
-                                          <p:spTgt spid="31"/>
-                                        </p:tgtEl>
-                                      </p:cBhvr>
-                                    </p:animEffect>
-                                  </p:childTnLst>
-                                </p:cTn>
-                              </p:par>
-                              <p:par>
-                                <p:cTn id="57" presetID="10" presetClass="entr" presetSubtype="0" fill="hold" grpId="0" nodeType="withEffect">
-                                  <p:stCondLst>
-                                    <p:cond delay="0"/>
-                                  </p:stCondLst>
-                                  <p:childTnLst>
-                                    <p:set>
-                                      <p:cBhvr>
-                                        <p:cTn id="58" dur="1" fill="hold">
-                                          <p:stCondLst>
-                                            <p:cond delay="0"/>
-                                          </p:stCondLst>
-                                        </p:cTn>
-                                        <p:tgtEl>
-                                          <p:spTgt spid="34"/>
-                                        </p:tgtEl>
-                                        <p:attrNameLst>
-                                          <p:attrName>style.visibility</p:attrName>
-                                        </p:attrNameLst>
-                                      </p:cBhvr>
-                                      <p:to>
-                                        <p:strVal val="visible"/>
-                                      </p:to>
-                                    </p:set>
-                                    <p:animEffect transition="in" filter="fade">
-                                      <p:cBhvr>
-                                        <p:cTn id="59" dur="500"/>
-                                        <p:tgtEl>
-                                          <p:spTgt spid="34"/>
-                                        </p:tgtEl>
-                                      </p:cBhvr>
-                                    </p:animEffect>
-                                  </p:childTnLst>
-                                </p:cTn>
-                              </p:par>
-                            </p:childTnLst>
-                          </p:cTn>
-                        </p:par>
-                      </p:childTnLst>
-                    </p:cTn>
-                  </p:par>
-                </p:childTnLst>
-              </p:cTn>
-              <p:prevCondLst>
-                <p:cond evt="onPrev" delay="0">
-                  <p:tgtEl>
-                    <p:sldTgt/>
-                  </p:tgtEl>
-                </p:cond>
-              </p:prevCondLst>
-              <p:nextCondLst>
-                <p:cond evt="onNext" delay="0">
-                  <p:tgtEl>
-                    <p:sldTgt/>
-                  </p:tgtEl>
-                </p:cond>
-              </p:nextCondLst>
-            </p:seq>
-          </p:childTnLst>
-        </p:cTn>
-      </p:par>
-    </p:tnLst>
-    <p:bldLst>
-      <p:bldP spid="2" grpId="0"/>
-      <p:bldP spid="2" grpId="1"/>
-      <p:bldP spid="26" grpId="0" animBg="1"/>
-      <p:bldP spid="28" grpId="0" animBg="1"/>
-      <p:bldP spid="31" grpId="0" animBg="1"/>
-      <p:bldP spid="27" grpId="0"/>
-      <p:bldP spid="33" grpId="0"/>
-      <p:bldP spid="34" grpId="0"/>
-      <p:bldP spid="35" grpId="0"/>
-      <p:bldP spid="3" grpId="0" animBg="1"/>
-    </p:bldLst>
-  </p:timing>
-</p:sld>
-</file>
-
 <file path=ppt/theme/theme1.xml><?xml version="1.0" encoding="utf-8"?>
 <a:theme xmlns:a="http://schemas.openxmlformats.org/drawingml/2006/main" name="Ion">
   <a:themeElements>

--- a/_Administratie/Presentatie GIP.pptx
+++ b/_Administratie/Presentatie GIP.pptx
@@ -5,22 +5,23 @@
     <p:sldMasterId id="2147483695" r:id="rId1"/>
   </p:sldMasterIdLst>
   <p:notesMasterIdLst>
-    <p:notesMasterId r:id="rId15"/>
+    <p:notesMasterId r:id="rId16"/>
   </p:notesMasterIdLst>
   <p:sldIdLst>
     <p:sldId id="256" r:id="rId2"/>
     <p:sldId id="279" r:id="rId3"/>
-    <p:sldId id="270" r:id="rId4"/>
-    <p:sldId id="280" r:id="rId5"/>
-    <p:sldId id="281" r:id="rId6"/>
-    <p:sldId id="269" r:id="rId7"/>
-    <p:sldId id="271" r:id="rId8"/>
-    <p:sldId id="272" r:id="rId9"/>
-    <p:sldId id="275" r:id="rId10"/>
-    <p:sldId id="274" r:id="rId11"/>
-    <p:sldId id="273" r:id="rId12"/>
-    <p:sldId id="277" r:id="rId13"/>
-    <p:sldId id="278" r:id="rId14"/>
+    <p:sldId id="280" r:id="rId4"/>
+    <p:sldId id="281" r:id="rId5"/>
+    <p:sldId id="282" r:id="rId6"/>
+    <p:sldId id="283" r:id="rId7"/>
+    <p:sldId id="269" r:id="rId8"/>
+    <p:sldId id="271" r:id="rId9"/>
+    <p:sldId id="272" r:id="rId10"/>
+    <p:sldId id="275" r:id="rId11"/>
+    <p:sldId id="274" r:id="rId12"/>
+    <p:sldId id="273" r:id="rId13"/>
+    <p:sldId id="277" r:id="rId14"/>
+    <p:sldId id="278" r:id="rId15"/>
   </p:sldIdLst>
   <p:sldSz cx="12192000" cy="6858000"/>
   <p:notesSz cx="6858000" cy="9144000"/>
@@ -634,7 +635,7 @@
     </p:spTree>
     <p:extLst>
       <p:ext uri="{BB962C8B-B14F-4D97-AF65-F5344CB8AC3E}">
-        <p14:creationId xmlns:p14="http://schemas.microsoft.com/office/powerpoint/2010/main" val="1171436889"/>
+        <p14:creationId xmlns:p14="http://schemas.microsoft.com/office/powerpoint/2010/main" val="1862060894"/>
       </p:ext>
     </p:extLst>
   </p:cSld>
@@ -688,18 +689,7 @@
           <a:bodyPr/>
           <a:lstStyle/>
           <a:p>
-            <a:r>
-              <a:rPr lang="nl-NL" dirty="0"/>
-              <a:t>Accepteert antwoorden ook al is er geen </a:t>
-            </a:r>
-            <a:r>
-              <a:rPr lang="nl-NL" dirty="0" err="1"/>
-              <a:t>request</a:t>
-            </a:r>
-            <a:r>
-              <a:rPr lang="nl-NL" dirty="0"/>
-              <a:t> tot ARP gestuurd</a:t>
-            </a:r>
+            <a:endParaRPr lang="nl-NL" dirty="0"/>
           </a:p>
         </p:txBody>
       </p:sp>
@@ -729,7 +719,7 @@
     </p:spTree>
     <p:extLst>
       <p:ext uri="{BB962C8B-B14F-4D97-AF65-F5344CB8AC3E}">
-        <p14:creationId xmlns:p14="http://schemas.microsoft.com/office/powerpoint/2010/main" val="3110068714"/>
+        <p14:creationId xmlns:p14="http://schemas.microsoft.com/office/powerpoint/2010/main" val="1171436889"/>
       </p:ext>
     </p:extLst>
   </p:cSld>
@@ -785,41 +775,15 @@
           <a:p>
             <a:r>
               <a:rPr lang="nl-NL" dirty="0"/>
-              <a:t>Pakket filters in firewall</a:t>
-            </a:r>
-          </a:p>
-          <a:p>
-            <a:r>
-              <a:rPr lang="nl-NL" dirty="0"/>
-              <a:t>Arp scanner Detecteert duplicaten in </a:t>
+              <a:t>Accepteert antwoorden ook al is er geen </a:t>
             </a:r>
             <a:r>
               <a:rPr lang="nl-NL" dirty="0" err="1"/>
-              <a:t>mac</a:t>
+              <a:t>request</a:t>
             </a:r>
             <a:r>
               <a:rPr lang="nl-NL" dirty="0"/>
-              <a:t> adressen.</a:t>
-            </a:r>
-          </a:p>
-          <a:p>
-            <a:r>
-              <a:rPr lang="nl-NL" dirty="0"/>
-              <a:t>Wat is de fout in dit netwerk?</a:t>
-            </a:r>
-          </a:p>
-          <a:p>
-            <a:r>
-              <a:rPr lang="nl-NL" dirty="0"/>
-              <a:t>Zelfde </a:t>
-            </a:r>
-            <a:r>
-              <a:rPr lang="nl-NL" dirty="0" err="1"/>
-              <a:t>mac</a:t>
-            </a:r>
-            <a:r>
-              <a:rPr lang="nl-NL" dirty="0"/>
-              <a:t> adressen.</a:t>
+              <a:t> tot ARP gestuurd</a:t>
             </a:r>
           </a:p>
         </p:txBody>
@@ -850,7 +814,7 @@
     </p:spTree>
     <p:extLst>
       <p:ext uri="{BB962C8B-B14F-4D97-AF65-F5344CB8AC3E}">
-        <p14:creationId xmlns:p14="http://schemas.microsoft.com/office/powerpoint/2010/main" val="3166031325"/>
+        <p14:creationId xmlns:p14="http://schemas.microsoft.com/office/powerpoint/2010/main" val="3110068714"/>
       </p:ext>
     </p:extLst>
   </p:cSld>
@@ -904,7 +868,44 @@
           <a:bodyPr/>
           <a:lstStyle/>
           <a:p>
-            <a:endParaRPr lang="nl-NL" dirty="0"/>
+            <a:r>
+              <a:rPr lang="nl-NL" dirty="0"/>
+              <a:t>Pakket filters in firewall</a:t>
+            </a:r>
+          </a:p>
+          <a:p>
+            <a:r>
+              <a:rPr lang="nl-NL" dirty="0"/>
+              <a:t>Arp scanner Detecteert duplicaten in </a:t>
+            </a:r>
+            <a:r>
+              <a:rPr lang="nl-NL" dirty="0" err="1"/>
+              <a:t>mac</a:t>
+            </a:r>
+            <a:r>
+              <a:rPr lang="nl-NL" dirty="0"/>
+              <a:t> adressen.</a:t>
+            </a:r>
+          </a:p>
+          <a:p>
+            <a:r>
+              <a:rPr lang="nl-NL" dirty="0"/>
+              <a:t>Wat is de fout in dit netwerk?</a:t>
+            </a:r>
+          </a:p>
+          <a:p>
+            <a:r>
+              <a:rPr lang="nl-NL" dirty="0"/>
+              <a:t>Zelfde </a:t>
+            </a:r>
+            <a:r>
+              <a:rPr lang="nl-NL" dirty="0" err="1"/>
+              <a:t>mac</a:t>
+            </a:r>
+            <a:r>
+              <a:rPr lang="nl-NL" dirty="0"/>
+              <a:t> adressen.</a:t>
+            </a:r>
           </a:p>
         </p:txBody>
       </p:sp>
@@ -926,6 +927,90 @@
             <a:fld id="{B1914E6F-C347-4F2C-9B55-B862DB75823B}" type="slidenum">
               <a:rPr lang="nl-NL" smtClean="0"/>
               <a:t>13</a:t>
+            </a:fld>
+            <a:endParaRPr lang="nl-NL"/>
+          </a:p>
+        </p:txBody>
+      </p:sp>
+    </p:spTree>
+    <p:extLst>
+      <p:ext uri="{BB962C8B-B14F-4D97-AF65-F5344CB8AC3E}">
+        <p14:creationId xmlns:p14="http://schemas.microsoft.com/office/powerpoint/2010/main" val="3166031325"/>
+      </p:ext>
+    </p:extLst>
+  </p:cSld>
+  <p:clrMapOvr>
+    <a:masterClrMapping/>
+  </p:clrMapOvr>
+</p:notes>
+</file>
+
+<file path=ppt/notesSlides/notesSlide14.xml><?xml version="1.0" encoding="utf-8"?>
+<p:notes xmlns:a="http://schemas.openxmlformats.org/drawingml/2006/main" xmlns:r="http://schemas.openxmlformats.org/officeDocument/2006/relationships" xmlns:p="http://schemas.openxmlformats.org/presentationml/2006/main">
+  <p:cSld>
+    <p:spTree>
+      <p:nvGrpSpPr>
+        <p:cNvPr id="1" name=""/>
+        <p:cNvGrpSpPr/>
+        <p:nvPr/>
+      </p:nvGrpSpPr>
+      <p:grpSpPr>
+        <a:xfrm>
+          <a:off x="0" y="0"/>
+          <a:ext cx="0" cy="0"/>
+          <a:chOff x="0" y="0"/>
+          <a:chExt cx="0" cy="0"/>
+        </a:xfrm>
+      </p:grpSpPr>
+      <p:sp>
+        <p:nvSpPr>
+          <p:cNvPr id="2" name="Tijdelijke aanduiding voor dia-afbeelding 1"/>
+          <p:cNvSpPr>
+            <a:spLocks noGrp="1" noRot="1" noChangeAspect="1"/>
+          </p:cNvSpPr>
+          <p:nvPr>
+            <p:ph type="sldImg"/>
+          </p:nvPr>
+        </p:nvSpPr>
+        <p:spPr/>
+      </p:sp>
+      <p:sp>
+        <p:nvSpPr>
+          <p:cNvPr id="3" name="Tijdelijke aanduiding voor notities 2"/>
+          <p:cNvSpPr>
+            <a:spLocks noGrp="1"/>
+          </p:cNvSpPr>
+          <p:nvPr>
+            <p:ph type="body" idx="1"/>
+          </p:nvPr>
+        </p:nvSpPr>
+        <p:spPr/>
+        <p:txBody>
+          <a:bodyPr/>
+          <a:lstStyle/>
+          <a:p>
+            <a:endParaRPr lang="nl-NL" dirty="0"/>
+          </a:p>
+        </p:txBody>
+      </p:sp>
+      <p:sp>
+        <p:nvSpPr>
+          <p:cNvPr id="4" name="Tijdelijke aanduiding voor dianummer 3"/>
+          <p:cNvSpPr>
+            <a:spLocks noGrp="1"/>
+          </p:cNvSpPr>
+          <p:nvPr>
+            <p:ph type="sldNum" sz="quarter" idx="10"/>
+          </p:nvPr>
+        </p:nvSpPr>
+        <p:spPr/>
+        <p:txBody>
+          <a:bodyPr/>
+          <a:lstStyle/>
+          <a:p>
+            <a:fld id="{B1914E6F-C347-4F2C-9B55-B862DB75823B}" type="slidenum">
+              <a:rPr lang="nl-NL" smtClean="0"/>
+              <a:t>14</a:t>
             </a:fld>
             <a:endParaRPr lang="nl-NL"/>
           </a:p>
@@ -1102,7 +1187,7 @@
     </p:spTree>
     <p:extLst>
       <p:ext uri="{BB962C8B-B14F-4D97-AF65-F5344CB8AC3E}">
-        <p14:creationId xmlns:p14="http://schemas.microsoft.com/office/powerpoint/2010/main" val="3263480562"/>
+        <p14:creationId xmlns:p14="http://schemas.microsoft.com/office/powerpoint/2010/main" val="2583546034"/>
       </p:ext>
     </p:extLst>
   </p:cSld>
@@ -1186,7 +1271,7 @@
     </p:spTree>
     <p:extLst>
       <p:ext uri="{BB962C8B-B14F-4D97-AF65-F5344CB8AC3E}">
-        <p14:creationId xmlns:p14="http://schemas.microsoft.com/office/powerpoint/2010/main" val="2583546034"/>
+        <p14:creationId xmlns:p14="http://schemas.microsoft.com/office/powerpoint/2010/main" val="620973451"/>
       </p:ext>
     </p:extLst>
   </p:cSld>
@@ -1270,7 +1355,7 @@
     </p:spTree>
     <p:extLst>
       <p:ext uri="{BB962C8B-B14F-4D97-AF65-F5344CB8AC3E}">
-        <p14:creationId xmlns:p14="http://schemas.microsoft.com/office/powerpoint/2010/main" val="620973451"/>
+        <p14:creationId xmlns:p14="http://schemas.microsoft.com/office/powerpoint/2010/main" val="45868073"/>
       </p:ext>
     </p:extLst>
   </p:cSld>
@@ -1354,7 +1439,7 @@
     </p:spTree>
     <p:extLst>
       <p:ext uri="{BB962C8B-B14F-4D97-AF65-F5344CB8AC3E}">
-        <p14:creationId xmlns:p14="http://schemas.microsoft.com/office/powerpoint/2010/main" val="662189135"/>
+        <p14:creationId xmlns:p14="http://schemas.microsoft.com/office/powerpoint/2010/main" val="2706264433"/>
       </p:ext>
     </p:extLst>
   </p:cSld>
@@ -1408,10 +1493,7 @@
           <a:bodyPr/>
           <a:lstStyle/>
           <a:p>
-            <a:r>
-              <a:rPr lang="nl-NL" dirty="0"/>
-              <a:t>Eerst hacker PC</a:t>
-            </a:r>
+            <a:endParaRPr lang="nl-NL" dirty="0"/>
           </a:p>
         </p:txBody>
       </p:sp>
@@ -1441,7 +1523,7 @@
     </p:spTree>
     <p:extLst>
       <p:ext uri="{BB962C8B-B14F-4D97-AF65-F5344CB8AC3E}">
-        <p14:creationId xmlns:p14="http://schemas.microsoft.com/office/powerpoint/2010/main" val="3228311734"/>
+        <p14:creationId xmlns:p14="http://schemas.microsoft.com/office/powerpoint/2010/main" val="662189135"/>
       </p:ext>
     </p:extLst>
   </p:cSld>
@@ -1497,23 +1579,7 @@
           <a:p>
             <a:r>
               <a:rPr lang="nl-NL" dirty="0"/>
-              <a:t>ARP = </a:t>
-            </a:r>
-            <a:r>
-              <a:rPr lang="nl-NL" dirty="0" err="1"/>
-              <a:t>Adress</a:t>
-            </a:r>
-            <a:r>
-              <a:rPr lang="nl-NL" dirty="0"/>
-              <a:t> </a:t>
-            </a:r>
-            <a:r>
-              <a:rPr lang="nl-NL" dirty="0" err="1"/>
-              <a:t>Resolution</a:t>
-            </a:r>
-            <a:r>
-              <a:rPr lang="nl-NL" dirty="0"/>
-              <a:t> Protocol</a:t>
+              <a:t>Eerst hacker PC</a:t>
             </a:r>
           </a:p>
         </p:txBody>
@@ -1544,7 +1610,7 @@
     </p:spTree>
     <p:extLst>
       <p:ext uri="{BB962C8B-B14F-4D97-AF65-F5344CB8AC3E}">
-        <p14:creationId xmlns:p14="http://schemas.microsoft.com/office/powerpoint/2010/main" val="1341348444"/>
+        <p14:creationId xmlns:p14="http://schemas.microsoft.com/office/powerpoint/2010/main" val="3228311734"/>
       </p:ext>
     </p:extLst>
   </p:cSld>
@@ -1598,7 +1664,26 @@
           <a:bodyPr/>
           <a:lstStyle/>
           <a:p>
-            <a:endParaRPr lang="nl-NL" dirty="0"/>
+            <a:r>
+              <a:rPr lang="nl-NL" dirty="0"/>
+              <a:t>ARP = </a:t>
+            </a:r>
+            <a:r>
+              <a:rPr lang="nl-NL" dirty="0" err="1"/>
+              <a:t>Adress</a:t>
+            </a:r>
+            <a:r>
+              <a:rPr lang="nl-NL" dirty="0"/>
+              <a:t> </a:t>
+            </a:r>
+            <a:r>
+              <a:rPr lang="nl-NL" dirty="0" err="1"/>
+              <a:t>Resolution</a:t>
+            </a:r>
+            <a:r>
+              <a:rPr lang="nl-NL" dirty="0"/>
+              <a:t> Protocol</a:t>
+            </a:r>
           </a:p>
         </p:txBody>
       </p:sp>
@@ -1628,7 +1713,7 @@
     </p:spTree>
     <p:extLst>
       <p:ext uri="{BB962C8B-B14F-4D97-AF65-F5344CB8AC3E}">
-        <p14:creationId xmlns:p14="http://schemas.microsoft.com/office/powerpoint/2010/main" val="1862060894"/>
+        <p14:creationId xmlns:p14="http://schemas.microsoft.com/office/powerpoint/2010/main" val="1341348444"/>
       </p:ext>
     </p:extLst>
   </p:cSld>
@@ -7641,18 +7726,6 @@
           <a:lstStyle/>
           <a:p>
             <a:r>
-              <a:rPr lang="nl-NL" dirty="0" err="1">
-                <a:effectLst>
-                  <a:outerShdw blurRad="38100" dist="38100" dir="2700000" algn="tl">
-                    <a:srgbClr val="000000">
-                      <a:alpha val="43137"/>
-                    </a:srgbClr>
-                  </a:outerShdw>
-                </a:effectLst>
-              </a:rPr>
-              <a:t>Geintegreerde</a:t>
-            </a:r>
-            <a:r>
               <a:rPr lang="nl-NL" dirty="0">
                 <a:effectLst>
                   <a:outerShdw blurRad="38100" dist="38100" dir="2700000" algn="tl">
@@ -7662,7 +7735,7 @@
                   </a:outerShdw>
                 </a:effectLst>
               </a:rPr>
-              <a:t> proef</a:t>
+              <a:t>Geïntegreerde proef</a:t>
             </a:r>
           </a:p>
         </p:txBody>
@@ -7709,8 +7782,8 @@
         </p:nvSpPr>
         <p:spPr>
           <a:xfrm rot="5400000">
-            <a:off x="-837661" y="1122403"/>
-            <a:ext cx="2037348" cy="362035"/>
+            <a:off x="-588915" y="925802"/>
+            <a:ext cx="1432363" cy="254530"/>
           </a:xfrm>
           <a:prstGeom prst="rect">
             <a:avLst/>
@@ -7746,7 +7819,7 @@
           <a:p>
             <a:pPr algn="ctr"/>
             <a:r>
-              <a:rPr lang="nl-NL" dirty="0"/>
+              <a:rPr lang="nl-NL" sz="1200" dirty="0"/>
               <a:t>Studentenbedrijf</a:t>
             </a:r>
           </a:p>
@@ -7766,8 +7839,8 @@
         </p:nvSpPr>
         <p:spPr>
           <a:xfrm rot="5400000">
-            <a:off x="-831226" y="3342650"/>
-            <a:ext cx="2024476" cy="362036"/>
+            <a:off x="-584391" y="3147959"/>
+            <a:ext cx="1423311" cy="254530"/>
           </a:xfrm>
           <a:prstGeom prst="rect">
             <a:avLst/>
@@ -7803,7 +7876,7 @@
           <a:p>
             <a:pPr algn="ctr"/>
             <a:r>
-              <a:rPr lang="nl-NL" dirty="0"/>
+              <a:rPr lang="nl-NL" sz="1200" dirty="0"/>
               <a:t>Led kubus</a:t>
             </a:r>
           </a:p>
@@ -7823,8 +7896,8 @@
         </p:nvSpPr>
         <p:spPr>
           <a:xfrm rot="5400000">
-            <a:off x="-831226" y="5556461"/>
-            <a:ext cx="2024476" cy="362036"/>
+            <a:off x="-584391" y="5361770"/>
+            <a:ext cx="1423311" cy="254530"/>
           </a:xfrm>
           <a:prstGeom prst="rect">
             <a:avLst/>
@@ -7860,7 +7933,7 @@
           <a:p>
             <a:pPr algn="ctr"/>
             <a:r>
-              <a:rPr lang="nl-NL" dirty="0"/>
+              <a:rPr lang="nl-NL" sz="1200" dirty="0"/>
               <a:t>Stage</a:t>
             </a:r>
           </a:p>
@@ -7883,6 +7956,1016 @@
 </file>
 
 <file path=ppt/slides/slide10.xml><?xml version="1.0" encoding="utf-8"?>
+<p:sld xmlns:a="http://schemas.openxmlformats.org/drawingml/2006/main" xmlns:r="http://schemas.openxmlformats.org/officeDocument/2006/relationships" xmlns:p="http://schemas.openxmlformats.org/presentationml/2006/main">
+  <p:cSld>
+    <p:spTree>
+      <p:nvGrpSpPr>
+        <p:cNvPr id="1" name=""/>
+        <p:cNvGrpSpPr/>
+        <p:nvPr/>
+      </p:nvGrpSpPr>
+      <p:grpSpPr>
+        <a:xfrm>
+          <a:off x="0" y="0"/>
+          <a:ext cx="0" cy="0"/>
+          <a:chOff x="0" y="0"/>
+          <a:chExt cx="0" cy="0"/>
+        </a:xfrm>
+      </p:grpSpPr>
+      <p:sp>
+        <p:nvSpPr>
+          <p:cNvPr id="2" name="Titel 1"/>
+          <p:cNvSpPr>
+            <a:spLocks noGrp="1"/>
+          </p:cNvSpPr>
+          <p:nvPr>
+            <p:ph type="title"/>
+          </p:nvPr>
+        </p:nvSpPr>
+        <p:spPr/>
+        <p:txBody>
+          <a:bodyPr/>
+          <a:lstStyle/>
+          <a:p>
+            <a:r>
+              <a:rPr lang="nl-NL" sz="1800" dirty="0"/>
+              <a:t>ARP</a:t>
+            </a:r>
+          </a:p>
+        </p:txBody>
+      </p:sp>
+      <p:grpSp>
+        <p:nvGrpSpPr>
+          <p:cNvPr id="10" name="Groep 9">
+            <a:extLst>
+              <a:ext uri="{FF2B5EF4-FFF2-40B4-BE49-F238E27FC236}">
+                <a16:creationId xmlns:a16="http://schemas.microsoft.com/office/drawing/2014/main" id="{EAD5C7D6-49CF-4405-A937-E8DEE996C2BF}"/>
+              </a:ext>
+            </a:extLst>
+          </p:cNvPr>
+          <p:cNvGrpSpPr/>
+          <p:nvPr/>
+        </p:nvGrpSpPr>
+        <p:grpSpPr>
+          <a:xfrm>
+            <a:off x="1147056" y="1078660"/>
+            <a:ext cx="2251836" cy="1400530"/>
+            <a:chOff x="2667000" y="1143000"/>
+            <a:chExt cx="6858000" cy="4572000"/>
+          </a:xfrm>
+        </p:grpSpPr>
+        <p:pic>
+          <p:nvPicPr>
+            <p:cNvPr id="11" name="Picture 2" descr="Afbeeldingsresultaat voor computer razerblade">
+              <a:extLst>
+                <a:ext uri="{FF2B5EF4-FFF2-40B4-BE49-F238E27FC236}">
+                  <a16:creationId xmlns:a16="http://schemas.microsoft.com/office/drawing/2014/main" id="{80D1997E-D198-47A4-AAF9-77BF94B67291}"/>
+                </a:ext>
+              </a:extLst>
+            </p:cNvPr>
+            <p:cNvPicPr>
+              <a:picLocks noChangeAspect="1" noChangeArrowheads="1"/>
+            </p:cNvPicPr>
+            <p:nvPr/>
+          </p:nvPicPr>
+          <p:blipFill>
+            <a:blip r:embed="rId3" cstate="print">
+              <a:extLst>
+                <a:ext uri="{BEBA8EAE-BF5A-486C-A8C5-ECC9F3942E4B}">
+                  <a14:imgProps xmlns:a14="http://schemas.microsoft.com/office/drawing/2010/main">
+                    <a14:imgLayer r:embed="rId4">
+                      <a14:imgEffect>
+                        <a14:backgroundRemoval t="8958" b="90000" l="10000" r="90000">
+                          <a14:foregroundMark x1="28472" y1="50417" x2="15139" y2="88750"/>
+                          <a14:foregroundMark x1="15139" y1="88750" x2="37083" y2="91458"/>
+                          <a14:foregroundMark x1="37083" y1="91458" x2="51806" y2="88542"/>
+                          <a14:foregroundMark x1="51806" y1="88542" x2="77083" y2="90417"/>
+                          <a14:foregroundMark x1="77083" y1="90417" x2="84167" y2="88958"/>
+                          <a14:foregroundMark x1="84167" y1="88958" x2="84444" y2="77292"/>
+                          <a14:foregroundMark x1="84444" y1="77292" x2="79306" y2="67292"/>
+                          <a14:foregroundMark x1="79306" y1="67292" x2="74861" y2="27083"/>
+                          <a14:foregroundMark x1="74861" y1="27083" x2="74722" y2="16250"/>
+                          <a14:foregroundMark x1="74722" y1="16250" x2="68611" y2="11042"/>
+                          <a14:foregroundMark x1="68611" y1="11042" x2="61667" y2="8958"/>
+                          <a14:foregroundMark x1="61667" y1="8958" x2="39444" y2="12083"/>
+                          <a14:foregroundMark x1="39444" y1="12083" x2="29861" y2="10000"/>
+                        </a14:backgroundRemoval>
+                      </a14:imgEffect>
+                    </a14:imgLayer>
+                  </a14:imgProps>
+                </a:ext>
+                <a:ext uri="{28A0092B-C50C-407E-A947-70E740481C1C}">
+                  <a14:useLocalDpi xmlns:a14="http://schemas.microsoft.com/office/drawing/2010/main" val="0"/>
+                </a:ext>
+              </a:extLst>
+            </a:blip>
+            <a:srcRect/>
+            <a:stretch>
+              <a:fillRect/>
+            </a:stretch>
+          </p:blipFill>
+          <p:spPr bwMode="auto">
+            <a:xfrm>
+              <a:off x="2667000" y="1143000"/>
+              <a:ext cx="6858000" cy="4572000"/>
+            </a:xfrm>
+            <a:prstGeom prst="rect">
+              <a:avLst/>
+            </a:prstGeom>
+            <a:noFill/>
+            <a:extLst>
+              <a:ext uri="{909E8E84-426E-40DD-AFC4-6F175D3DCCD1}">
+                <a14:hiddenFill xmlns:a14="http://schemas.microsoft.com/office/drawing/2010/main">
+                  <a:solidFill>
+                    <a:srgbClr val="FFFFFF"/>
+                  </a:solidFill>
+                </a14:hiddenFill>
+              </a:ext>
+            </a:extLst>
+          </p:spPr>
+        </p:pic>
+        <p:sp>
+          <p:nvSpPr>
+            <p:cNvPr id="12" name="Rechthoek 11">
+              <a:extLst>
+                <a:ext uri="{FF2B5EF4-FFF2-40B4-BE49-F238E27FC236}">
+                  <a16:creationId xmlns:a16="http://schemas.microsoft.com/office/drawing/2014/main" id="{24092E85-DE01-4CCE-B1C8-980B2976CCF6}"/>
+                </a:ext>
+              </a:extLst>
+            </p:cNvPr>
+            <p:cNvSpPr/>
+            <p:nvPr/>
+          </p:nvSpPr>
+          <p:spPr>
+            <a:xfrm>
+              <a:off x="4109662" y="1530849"/>
+              <a:ext cx="4027471" cy="2393879"/>
+            </a:xfrm>
+            <a:prstGeom prst="rect">
+              <a:avLst/>
+            </a:prstGeom>
+          </p:spPr>
+          <p:style>
+            <a:lnRef idx="2">
+              <a:schemeClr val="dk1">
+                <a:shade val="50000"/>
+              </a:schemeClr>
+            </a:lnRef>
+            <a:fillRef idx="1">
+              <a:schemeClr val="dk1"/>
+            </a:fillRef>
+            <a:effectRef idx="0">
+              <a:schemeClr val="dk1"/>
+            </a:effectRef>
+            <a:fontRef idx="minor">
+              <a:schemeClr val="lt1"/>
+            </a:fontRef>
+          </p:style>
+          <p:txBody>
+            <a:bodyPr rtlCol="0" anchor="ctr"/>
+            <a:lstStyle/>
+            <a:p>
+              <a:pPr algn="ctr"/>
+              <a:r>
+                <a:rPr lang="nl-NL" sz="2000" b="1" dirty="0"/>
+                <a:t>HACKER</a:t>
+              </a:r>
+            </a:p>
+          </p:txBody>
+        </p:sp>
+      </p:grpSp>
+      <p:grpSp>
+        <p:nvGrpSpPr>
+          <p:cNvPr id="13" name="Groep 12">
+            <a:extLst>
+              <a:ext uri="{FF2B5EF4-FFF2-40B4-BE49-F238E27FC236}">
+                <a16:creationId xmlns:a16="http://schemas.microsoft.com/office/drawing/2014/main" id="{14A33966-82D2-462D-A40F-1A06A747A281}"/>
+              </a:ext>
+            </a:extLst>
+          </p:cNvPr>
+          <p:cNvGrpSpPr/>
+          <p:nvPr/>
+        </p:nvGrpSpPr>
+        <p:grpSpPr>
+          <a:xfrm>
+            <a:off x="1002303" y="4982869"/>
+            <a:ext cx="2559333" cy="1233836"/>
+            <a:chOff x="5546977" y="2557328"/>
+            <a:chExt cx="3463459" cy="1877195"/>
+          </a:xfrm>
+        </p:grpSpPr>
+        <p:pic>
+          <p:nvPicPr>
+            <p:cNvPr id="14" name="Afbeelding 13">
+              <a:extLst>
+                <a:ext uri="{FF2B5EF4-FFF2-40B4-BE49-F238E27FC236}">
+                  <a16:creationId xmlns:a16="http://schemas.microsoft.com/office/drawing/2014/main" id="{7F8FB06A-32BD-4D1C-B7B1-7B881032AE42}"/>
+                </a:ext>
+              </a:extLst>
+            </p:cNvPr>
+            <p:cNvPicPr>
+              <a:picLocks noChangeAspect="1"/>
+            </p:cNvPicPr>
+            <p:nvPr/>
+          </p:nvPicPr>
+          <p:blipFill>
+            <a:blip r:embed="rId5">
+              <a:extLst>
+                <a:ext uri="{BEBA8EAE-BF5A-486C-A8C5-ECC9F3942E4B}">
+                  <a14:imgProps xmlns:a14="http://schemas.microsoft.com/office/drawing/2010/main">
+                    <a14:imgLayer r:embed="rId6">
+                      <a14:imgEffect>
+                        <a14:backgroundRemoval t="0" b="97048" l="3800" r="90000">
+                          <a14:foregroundMark x1="24600" y1="16605" x2="17600" y2="11439"/>
+                          <a14:foregroundMark x1="17600" y1="16974" x2="18400" y2="52399"/>
+                          <a14:foregroundMark x1="16800" y1="11439" x2="25800" y2="3690"/>
+                          <a14:foregroundMark x1="25800" y1="3690" x2="48600" y2="0"/>
+                          <a14:foregroundMark x1="48600" y1="0" x2="64600" y2="738"/>
+                          <a14:foregroundMark x1="64600" y1="738" x2="66600" y2="2952"/>
+                          <a14:foregroundMark x1="44200" y1="59041" x2="44200" y2="59041"/>
+                          <a14:foregroundMark x1="47000" y1="59410" x2="67800" y2="57565"/>
+                          <a14:foregroundMark x1="67800" y1="57565" x2="69600" y2="2583"/>
+                          <a14:foregroundMark x1="48400" y1="57565" x2="18600" y2="54613"/>
+                          <a14:foregroundMark x1="34600" y1="59041" x2="34600" y2="59041"/>
+                          <a14:foregroundMark x1="34200" y1="59779" x2="30200" y2="61255"/>
+                          <a14:foregroundMark x1="29600" y1="61255" x2="28200" y2="61255"/>
+                          <a14:foregroundMark x1="25800" y1="59779" x2="25800" y2="59779"/>
+                          <a14:foregroundMark x1="24400" y1="59779" x2="23800" y2="59779"/>
+                          <a14:foregroundMark x1="22800" y1="59041" x2="22000" y2="58303"/>
+                          <a14:foregroundMark x1="17400" y1="10701" x2="25200" y2="369"/>
+                          <a14:foregroundMark x1="34600" y1="57934" x2="44800" y2="58672"/>
+                          <a14:foregroundMark x1="44800" y1="58672" x2="46400" y2="58303"/>
+                          <a14:foregroundMark x1="69200" y1="26199" x2="68400" y2="59779"/>
+                          <a14:foregroundMark x1="12400" y1="90037" x2="22800" y2="92989"/>
+                          <a14:foregroundMark x1="22800" y1="92989" x2="45600" y2="86716"/>
+                          <a14:foregroundMark x1="45600" y1="86716" x2="56600" y2="86716"/>
+                          <a14:foregroundMark x1="56600" y1="86716" x2="66200" y2="84871"/>
+                          <a14:foregroundMark x1="22000" y1="85609" x2="10800" y2="91144"/>
+                          <a14:foregroundMark x1="12200" y1="90775" x2="17400" y2="85240"/>
+                          <a14:foregroundMark x1="12600" y1="90406" x2="9000" y2="83395"/>
+                          <a14:foregroundMark x1="10200" y1="82657" x2="10200" y2="82657"/>
+                          <a14:foregroundMark x1="10200" y1="82657" x2="11600" y2="82657"/>
+                          <a14:foregroundMark x1="13600" y1="83395" x2="13600" y2="83395"/>
+                          <a14:foregroundMark x1="15200" y1="83764" x2="15800" y2="83764"/>
+                          <a14:foregroundMark x1="16800" y1="83764" x2="16800" y2="83764"/>
+                          <a14:foregroundMark x1="17200" y1="83764" x2="17200" y2="83764"/>
+                          <a14:foregroundMark x1="17000" y1="82288" x2="15000" y2="82288"/>
+                          <a14:foregroundMark x1="7200" y1="88192" x2="7600" y2="90775"/>
+                          <a14:foregroundMark x1="8200" y1="93358" x2="8200" y2="93358"/>
+                          <a14:foregroundMark x1="8200" y1="93358" x2="8200" y2="93358"/>
+                          <a14:foregroundMark x1="7800" y1="93358" x2="8600" y2="92989"/>
+                          <a14:foregroundMark x1="42600" y1="97048" x2="42600" y2="97048"/>
+                          <a14:foregroundMark x1="40000" y1="96679" x2="40000" y2="96679"/>
+                          <a14:foregroundMark x1="34400" y1="97048" x2="30800" y2="97048"/>
+                          <a14:foregroundMark x1="7800" y1="96679" x2="7800" y2="96679"/>
+                          <a14:foregroundMark x1="11800" y1="94834" x2="21800" y2="95941"/>
+                          <a14:foregroundMark x1="21800" y1="95941" x2="28600" y2="95203"/>
+                          <a14:foregroundMark x1="5400" y1="94834" x2="3800" y2="96310"/>
+                        </a14:backgroundRemoval>
+                      </a14:imgEffect>
+                    </a14:imgLayer>
+                  </a14:imgProps>
+                </a:ext>
+              </a:extLst>
+            </a:blip>
+            <a:stretch>
+              <a:fillRect/>
+            </a:stretch>
+          </p:blipFill>
+          <p:spPr>
+            <a:xfrm>
+              <a:off x="5546977" y="2557328"/>
+              <a:ext cx="3463459" cy="1877195"/>
+            </a:xfrm>
+            <a:prstGeom prst="rect">
+              <a:avLst/>
+            </a:prstGeom>
+          </p:spPr>
+        </p:pic>
+        <p:sp>
+          <p:nvSpPr>
+            <p:cNvPr id="15" name="Rechthoek 14">
+              <a:extLst>
+                <a:ext uri="{FF2B5EF4-FFF2-40B4-BE49-F238E27FC236}">
+                  <a16:creationId xmlns:a16="http://schemas.microsoft.com/office/drawing/2014/main" id="{48E03DAC-848E-4F8F-997E-BD5D6E2735B6}"/>
+                </a:ext>
+              </a:extLst>
+            </p:cNvPr>
+            <p:cNvSpPr/>
+            <p:nvPr/>
+          </p:nvSpPr>
+          <p:spPr>
+            <a:xfrm>
+              <a:off x="6185043" y="2557329"/>
+              <a:ext cx="1743184" cy="1110546"/>
+            </a:xfrm>
+            <a:prstGeom prst="rect">
+              <a:avLst/>
+            </a:prstGeom>
+          </p:spPr>
+          <p:style>
+            <a:lnRef idx="2">
+              <a:schemeClr val="dk1">
+                <a:shade val="50000"/>
+              </a:schemeClr>
+            </a:lnRef>
+            <a:fillRef idx="1">
+              <a:schemeClr val="dk1"/>
+            </a:fillRef>
+            <a:effectRef idx="0">
+              <a:schemeClr val="dk1"/>
+            </a:effectRef>
+            <a:fontRef idx="minor">
+              <a:schemeClr val="lt1"/>
+            </a:fontRef>
+          </p:style>
+          <p:txBody>
+            <a:bodyPr rtlCol="0" anchor="ctr"/>
+            <a:lstStyle/>
+            <a:p>
+              <a:pPr algn="ctr"/>
+              <a:endParaRPr lang="nl-NL" sz="2400" b="1" dirty="0"/>
+            </a:p>
+          </p:txBody>
+        </p:sp>
+      </p:grpSp>
+      <p:pic>
+        <p:nvPicPr>
+          <p:cNvPr id="16" name="Afbeelding 15">
+            <a:extLst>
+              <a:ext uri="{FF2B5EF4-FFF2-40B4-BE49-F238E27FC236}">
+                <a16:creationId xmlns:a16="http://schemas.microsoft.com/office/drawing/2014/main" id="{943393C3-365B-4B72-92EE-4C66FE9F3AD4}"/>
+              </a:ext>
+            </a:extLst>
+          </p:cNvPr>
+          <p:cNvPicPr>
+            <a:picLocks noChangeAspect="1"/>
+          </p:cNvPicPr>
+          <p:nvPr/>
+        </p:nvPicPr>
+        <p:blipFill>
+          <a:blip r:embed="rId7">
+            <a:extLst>
+              <a:ext uri="{BEBA8EAE-BF5A-486C-A8C5-ECC9F3942E4B}">
+                <a14:imgProps xmlns:a14="http://schemas.microsoft.com/office/drawing/2010/main">
+                  <a14:imgLayer r:embed="rId8">
+                    <a14:imgEffect>
+                      <a14:backgroundRemoval t="3077" b="97179" l="5450" r="94313">
+                        <a14:foregroundMark x1="12559" y1="24103" x2="6635" y2="10000"/>
+                        <a14:foregroundMark x1="50000" y1="12564" x2="50000" y2="3077"/>
+                        <a14:foregroundMark x1="73697" y1="51538" x2="76540" y2="38462"/>
+                        <a14:foregroundMark x1="76540" y1="38462" x2="94313" y2="9231"/>
+                        <a14:foregroundMark x1="74645" y1="86410" x2="63033" y2="90256"/>
+                        <a14:foregroundMark x1="63033" y1="90256" x2="50474" y2="89744"/>
+                        <a14:foregroundMark x1="50474" y1="89744" x2="38389" y2="92564"/>
+                        <a14:foregroundMark x1="38389" y1="92564" x2="30095" y2="92051"/>
+                        <a14:foregroundMark x1="50711" y1="97179" x2="50711" y2="97179"/>
+                        <a14:foregroundMark x1="50474" y1="97179" x2="48578" y2="96923"/>
+                        <a14:foregroundMark x1="48578" y1="96923" x2="46445" y2="96410"/>
+                      </a14:backgroundRemoval>
+                    </a14:imgEffect>
+                  </a14:imgLayer>
+                </a14:imgProps>
+              </a:ext>
+            </a:extLst>
+          </a:blip>
+          <a:stretch>
+            <a:fillRect/>
+          </a:stretch>
+        </p:blipFill>
+        <p:spPr>
+          <a:xfrm>
+            <a:off x="8861500" y="912214"/>
+            <a:ext cx="1875652" cy="1733422"/>
+          </a:xfrm>
+          <a:prstGeom prst="rect">
+            <a:avLst/>
+          </a:prstGeom>
+        </p:spPr>
+      </p:pic>
+      <p:grpSp>
+        <p:nvGrpSpPr>
+          <p:cNvPr id="17" name="Groep 16">
+            <a:extLst>
+              <a:ext uri="{FF2B5EF4-FFF2-40B4-BE49-F238E27FC236}">
+                <a16:creationId xmlns:a16="http://schemas.microsoft.com/office/drawing/2014/main" id="{9B0015D3-C1D8-40D1-8FB1-C140277AE6A2}"/>
+              </a:ext>
+            </a:extLst>
+          </p:cNvPr>
+          <p:cNvGrpSpPr/>
+          <p:nvPr/>
+        </p:nvGrpSpPr>
+        <p:grpSpPr>
+          <a:xfrm>
+            <a:off x="4685689" y="4962692"/>
+            <a:ext cx="2559333" cy="1233836"/>
+            <a:chOff x="5546977" y="2557328"/>
+            <a:chExt cx="3463459" cy="1877195"/>
+          </a:xfrm>
+        </p:grpSpPr>
+        <p:pic>
+          <p:nvPicPr>
+            <p:cNvPr id="18" name="Afbeelding 17">
+              <a:extLst>
+                <a:ext uri="{FF2B5EF4-FFF2-40B4-BE49-F238E27FC236}">
+                  <a16:creationId xmlns:a16="http://schemas.microsoft.com/office/drawing/2014/main" id="{CF38D703-5911-4D2E-BF5C-58A9F4D312A7}"/>
+                </a:ext>
+              </a:extLst>
+            </p:cNvPr>
+            <p:cNvPicPr>
+              <a:picLocks noChangeAspect="1"/>
+            </p:cNvPicPr>
+            <p:nvPr/>
+          </p:nvPicPr>
+          <p:blipFill>
+            <a:blip r:embed="rId5">
+              <a:extLst>
+                <a:ext uri="{BEBA8EAE-BF5A-486C-A8C5-ECC9F3942E4B}">
+                  <a14:imgProps xmlns:a14="http://schemas.microsoft.com/office/drawing/2010/main">
+                    <a14:imgLayer r:embed="rId6">
+                      <a14:imgEffect>
+                        <a14:backgroundRemoval t="0" b="97048" l="3800" r="90000">
+                          <a14:foregroundMark x1="24600" y1="16605" x2="17600" y2="11439"/>
+                          <a14:foregroundMark x1="17600" y1="16974" x2="18400" y2="52399"/>
+                          <a14:foregroundMark x1="16800" y1="11439" x2="25800" y2="3690"/>
+                          <a14:foregroundMark x1="25800" y1="3690" x2="48600" y2="0"/>
+                          <a14:foregroundMark x1="48600" y1="0" x2="64600" y2="738"/>
+                          <a14:foregroundMark x1="64600" y1="738" x2="66600" y2="2952"/>
+                          <a14:foregroundMark x1="44200" y1="59041" x2="44200" y2="59041"/>
+                          <a14:foregroundMark x1="47000" y1="59410" x2="67800" y2="57565"/>
+                          <a14:foregroundMark x1="67800" y1="57565" x2="69600" y2="2583"/>
+                          <a14:foregroundMark x1="48400" y1="57565" x2="18600" y2="54613"/>
+                          <a14:foregroundMark x1="34600" y1="59041" x2="34600" y2="59041"/>
+                          <a14:foregroundMark x1="34200" y1="59779" x2="30200" y2="61255"/>
+                          <a14:foregroundMark x1="29600" y1="61255" x2="28200" y2="61255"/>
+                          <a14:foregroundMark x1="25800" y1="59779" x2="25800" y2="59779"/>
+                          <a14:foregroundMark x1="24400" y1="59779" x2="23800" y2="59779"/>
+                          <a14:foregroundMark x1="22800" y1="59041" x2="22000" y2="58303"/>
+                          <a14:foregroundMark x1="17400" y1="10701" x2="25200" y2="369"/>
+                          <a14:foregroundMark x1="34600" y1="57934" x2="44800" y2="58672"/>
+                          <a14:foregroundMark x1="44800" y1="58672" x2="46400" y2="58303"/>
+                          <a14:foregroundMark x1="69200" y1="26199" x2="68400" y2="59779"/>
+                          <a14:foregroundMark x1="12400" y1="90037" x2="22800" y2="92989"/>
+                          <a14:foregroundMark x1="22800" y1="92989" x2="45600" y2="86716"/>
+                          <a14:foregroundMark x1="45600" y1="86716" x2="56600" y2="86716"/>
+                          <a14:foregroundMark x1="56600" y1="86716" x2="66200" y2="84871"/>
+                          <a14:foregroundMark x1="22000" y1="85609" x2="10800" y2="91144"/>
+                          <a14:foregroundMark x1="12200" y1="90775" x2="17400" y2="85240"/>
+                          <a14:foregroundMark x1="12600" y1="90406" x2="9000" y2="83395"/>
+                          <a14:foregroundMark x1="10200" y1="82657" x2="10200" y2="82657"/>
+                          <a14:foregroundMark x1="10200" y1="82657" x2="11600" y2="82657"/>
+                          <a14:foregroundMark x1="13600" y1="83395" x2="13600" y2="83395"/>
+                          <a14:foregroundMark x1="15200" y1="83764" x2="15800" y2="83764"/>
+                          <a14:foregroundMark x1="16800" y1="83764" x2="16800" y2="83764"/>
+                          <a14:foregroundMark x1="17200" y1="83764" x2="17200" y2="83764"/>
+                          <a14:foregroundMark x1="17000" y1="82288" x2="15000" y2="82288"/>
+                          <a14:foregroundMark x1="7200" y1="88192" x2="7600" y2="90775"/>
+                          <a14:foregroundMark x1="8200" y1="93358" x2="8200" y2="93358"/>
+                          <a14:foregroundMark x1="8200" y1="93358" x2="8200" y2="93358"/>
+                          <a14:foregroundMark x1="7800" y1="93358" x2="8600" y2="92989"/>
+                          <a14:foregroundMark x1="42600" y1="97048" x2="42600" y2="97048"/>
+                          <a14:foregroundMark x1="40000" y1="96679" x2="40000" y2="96679"/>
+                          <a14:foregroundMark x1="34400" y1="97048" x2="30800" y2="97048"/>
+                          <a14:foregroundMark x1="7800" y1="96679" x2="7800" y2="96679"/>
+                          <a14:foregroundMark x1="11800" y1="94834" x2="21800" y2="95941"/>
+                          <a14:foregroundMark x1="21800" y1="95941" x2="28600" y2="95203"/>
+                          <a14:foregroundMark x1="5400" y1="94834" x2="3800" y2="96310"/>
+                        </a14:backgroundRemoval>
+                      </a14:imgEffect>
+                    </a14:imgLayer>
+                  </a14:imgProps>
+                </a:ext>
+              </a:extLst>
+            </a:blip>
+            <a:stretch>
+              <a:fillRect/>
+            </a:stretch>
+          </p:blipFill>
+          <p:spPr>
+            <a:xfrm>
+              <a:off x="5546977" y="2557328"/>
+              <a:ext cx="3463459" cy="1877195"/>
+            </a:xfrm>
+            <a:prstGeom prst="rect">
+              <a:avLst/>
+            </a:prstGeom>
+          </p:spPr>
+        </p:pic>
+        <p:sp>
+          <p:nvSpPr>
+            <p:cNvPr id="19" name="Rechthoek 18">
+              <a:extLst>
+                <a:ext uri="{FF2B5EF4-FFF2-40B4-BE49-F238E27FC236}">
+                  <a16:creationId xmlns:a16="http://schemas.microsoft.com/office/drawing/2014/main" id="{7E651628-2147-4C63-879F-19CF1267FCF5}"/>
+                </a:ext>
+              </a:extLst>
+            </p:cNvPr>
+            <p:cNvSpPr/>
+            <p:nvPr/>
+          </p:nvSpPr>
+          <p:spPr>
+            <a:xfrm>
+              <a:off x="6185043" y="2557329"/>
+              <a:ext cx="1743184" cy="1110546"/>
+            </a:xfrm>
+            <a:prstGeom prst="rect">
+              <a:avLst/>
+            </a:prstGeom>
+          </p:spPr>
+          <p:style>
+            <a:lnRef idx="2">
+              <a:schemeClr val="dk1">
+                <a:shade val="50000"/>
+              </a:schemeClr>
+            </a:lnRef>
+            <a:fillRef idx="1">
+              <a:schemeClr val="dk1"/>
+            </a:fillRef>
+            <a:effectRef idx="0">
+              <a:schemeClr val="dk1"/>
+            </a:effectRef>
+            <a:fontRef idx="minor">
+              <a:schemeClr val="lt1"/>
+            </a:fontRef>
+          </p:style>
+          <p:txBody>
+            <a:bodyPr rtlCol="0" anchor="ctr"/>
+            <a:lstStyle/>
+            <a:p>
+              <a:pPr algn="ctr"/>
+              <a:r>
+                <a:rPr lang="nl-NL" sz="2400" b="1" dirty="0"/>
+                <a:t>Doelwit</a:t>
+              </a:r>
+            </a:p>
+          </p:txBody>
+        </p:sp>
+      </p:grpSp>
+      <p:grpSp>
+        <p:nvGrpSpPr>
+          <p:cNvPr id="20" name="Groep 19">
+            <a:extLst>
+              <a:ext uri="{FF2B5EF4-FFF2-40B4-BE49-F238E27FC236}">
+                <a16:creationId xmlns:a16="http://schemas.microsoft.com/office/drawing/2014/main" id="{CE4BE184-74ED-4C81-A527-31C7033C01F7}"/>
+              </a:ext>
+            </a:extLst>
+          </p:cNvPr>
+          <p:cNvGrpSpPr/>
+          <p:nvPr/>
+        </p:nvGrpSpPr>
+        <p:grpSpPr>
+          <a:xfrm>
+            <a:off x="7910062" y="3595447"/>
+            <a:ext cx="2559333" cy="1233836"/>
+            <a:chOff x="5546977" y="2557328"/>
+            <a:chExt cx="3463459" cy="1877195"/>
+          </a:xfrm>
+        </p:grpSpPr>
+        <p:pic>
+          <p:nvPicPr>
+            <p:cNvPr id="21" name="Afbeelding 20">
+              <a:extLst>
+                <a:ext uri="{FF2B5EF4-FFF2-40B4-BE49-F238E27FC236}">
+                  <a16:creationId xmlns:a16="http://schemas.microsoft.com/office/drawing/2014/main" id="{E86CD1C4-28F2-43AC-9058-BE3E94B0F9E0}"/>
+                </a:ext>
+              </a:extLst>
+            </p:cNvPr>
+            <p:cNvPicPr>
+              <a:picLocks noChangeAspect="1"/>
+            </p:cNvPicPr>
+            <p:nvPr/>
+          </p:nvPicPr>
+          <p:blipFill>
+            <a:blip r:embed="rId5">
+              <a:extLst>
+                <a:ext uri="{BEBA8EAE-BF5A-486C-A8C5-ECC9F3942E4B}">
+                  <a14:imgProps xmlns:a14="http://schemas.microsoft.com/office/drawing/2010/main">
+                    <a14:imgLayer r:embed="rId6">
+                      <a14:imgEffect>
+                        <a14:backgroundRemoval t="0" b="97048" l="3800" r="90000">
+                          <a14:foregroundMark x1="24600" y1="16605" x2="17600" y2="11439"/>
+                          <a14:foregroundMark x1="17600" y1="16974" x2="18400" y2="52399"/>
+                          <a14:foregroundMark x1="16800" y1="11439" x2="25800" y2="3690"/>
+                          <a14:foregroundMark x1="25800" y1="3690" x2="48600" y2="0"/>
+                          <a14:foregroundMark x1="48600" y1="0" x2="64600" y2="738"/>
+                          <a14:foregroundMark x1="64600" y1="738" x2="66600" y2="2952"/>
+                          <a14:foregroundMark x1="44200" y1="59041" x2="44200" y2="59041"/>
+                          <a14:foregroundMark x1="47000" y1="59410" x2="67800" y2="57565"/>
+                          <a14:foregroundMark x1="67800" y1="57565" x2="69600" y2="2583"/>
+                          <a14:foregroundMark x1="48400" y1="57565" x2="18600" y2="54613"/>
+                          <a14:foregroundMark x1="34600" y1="59041" x2="34600" y2="59041"/>
+                          <a14:foregroundMark x1="34200" y1="59779" x2="30200" y2="61255"/>
+                          <a14:foregroundMark x1="29600" y1="61255" x2="28200" y2="61255"/>
+                          <a14:foregroundMark x1="25800" y1="59779" x2="25800" y2="59779"/>
+                          <a14:foregroundMark x1="24400" y1="59779" x2="23800" y2="59779"/>
+                          <a14:foregroundMark x1="22800" y1="59041" x2="22000" y2="58303"/>
+                          <a14:foregroundMark x1="17400" y1="10701" x2="25200" y2="369"/>
+                          <a14:foregroundMark x1="34600" y1="57934" x2="44800" y2="58672"/>
+                          <a14:foregroundMark x1="44800" y1="58672" x2="46400" y2="58303"/>
+                          <a14:foregroundMark x1="69200" y1="26199" x2="68400" y2="59779"/>
+                          <a14:foregroundMark x1="12400" y1="90037" x2="22800" y2="92989"/>
+                          <a14:foregroundMark x1="22800" y1="92989" x2="45600" y2="86716"/>
+                          <a14:foregroundMark x1="45600" y1="86716" x2="56600" y2="86716"/>
+                          <a14:foregroundMark x1="56600" y1="86716" x2="66200" y2="84871"/>
+                          <a14:foregroundMark x1="22000" y1="85609" x2="10800" y2="91144"/>
+                          <a14:foregroundMark x1="12200" y1="90775" x2="17400" y2="85240"/>
+                          <a14:foregroundMark x1="12600" y1="90406" x2="9000" y2="83395"/>
+                          <a14:foregroundMark x1="10200" y1="82657" x2="10200" y2="82657"/>
+                          <a14:foregroundMark x1="10200" y1="82657" x2="11600" y2="82657"/>
+                          <a14:foregroundMark x1="13600" y1="83395" x2="13600" y2="83395"/>
+                          <a14:foregroundMark x1="15200" y1="83764" x2="15800" y2="83764"/>
+                          <a14:foregroundMark x1="16800" y1="83764" x2="16800" y2="83764"/>
+                          <a14:foregroundMark x1="17200" y1="83764" x2="17200" y2="83764"/>
+                          <a14:foregroundMark x1="17000" y1="82288" x2="15000" y2="82288"/>
+                          <a14:foregroundMark x1="7200" y1="88192" x2="7600" y2="90775"/>
+                          <a14:foregroundMark x1="8200" y1="93358" x2="8200" y2="93358"/>
+                          <a14:foregroundMark x1="8200" y1="93358" x2="8200" y2="93358"/>
+                          <a14:foregroundMark x1="7800" y1="93358" x2="8600" y2="92989"/>
+                          <a14:foregroundMark x1="42600" y1="97048" x2="42600" y2="97048"/>
+                          <a14:foregroundMark x1="40000" y1="96679" x2="40000" y2="96679"/>
+                          <a14:foregroundMark x1="34400" y1="97048" x2="30800" y2="97048"/>
+                          <a14:foregroundMark x1="7800" y1="96679" x2="7800" y2="96679"/>
+                          <a14:foregroundMark x1="11800" y1="94834" x2="21800" y2="95941"/>
+                          <a14:foregroundMark x1="21800" y1="95941" x2="28600" y2="95203"/>
+                          <a14:foregroundMark x1="5400" y1="94834" x2="3800" y2="96310"/>
+                        </a14:backgroundRemoval>
+                      </a14:imgEffect>
+                    </a14:imgLayer>
+                  </a14:imgProps>
+                </a:ext>
+              </a:extLst>
+            </a:blip>
+            <a:stretch>
+              <a:fillRect/>
+            </a:stretch>
+          </p:blipFill>
+          <p:spPr>
+            <a:xfrm>
+              <a:off x="5546977" y="2557328"/>
+              <a:ext cx="3463459" cy="1877195"/>
+            </a:xfrm>
+            <a:prstGeom prst="rect">
+              <a:avLst/>
+            </a:prstGeom>
+          </p:spPr>
+        </p:pic>
+        <p:sp>
+          <p:nvSpPr>
+            <p:cNvPr id="22" name="Rechthoek 21">
+              <a:extLst>
+                <a:ext uri="{FF2B5EF4-FFF2-40B4-BE49-F238E27FC236}">
+                  <a16:creationId xmlns:a16="http://schemas.microsoft.com/office/drawing/2014/main" id="{D9E414DB-760C-4458-9988-2388AF50B116}"/>
+                </a:ext>
+              </a:extLst>
+            </p:cNvPr>
+            <p:cNvSpPr/>
+            <p:nvPr/>
+          </p:nvSpPr>
+          <p:spPr>
+            <a:xfrm>
+              <a:off x="6185043" y="2557329"/>
+              <a:ext cx="1743184" cy="1110546"/>
+            </a:xfrm>
+            <a:prstGeom prst="rect">
+              <a:avLst/>
+            </a:prstGeom>
+          </p:spPr>
+          <p:style>
+            <a:lnRef idx="2">
+              <a:schemeClr val="dk1">
+                <a:shade val="50000"/>
+              </a:schemeClr>
+            </a:lnRef>
+            <a:fillRef idx="1">
+              <a:schemeClr val="dk1"/>
+            </a:fillRef>
+            <a:effectRef idx="0">
+              <a:schemeClr val="dk1"/>
+            </a:effectRef>
+            <a:fontRef idx="minor">
+              <a:schemeClr val="lt1"/>
+            </a:fontRef>
+          </p:style>
+          <p:txBody>
+            <a:bodyPr rtlCol="0" anchor="ctr"/>
+            <a:lstStyle/>
+            <a:p>
+              <a:pPr algn="ctr"/>
+              <a:endParaRPr lang="nl-NL" sz="2400" b="1" dirty="0"/>
+            </a:p>
+          </p:txBody>
+        </p:sp>
+      </p:grpSp>
+      <p:sp>
+        <p:nvSpPr>
+          <p:cNvPr id="23" name="Tekstvak 22">
+            <a:extLst>
+              <a:ext uri="{FF2B5EF4-FFF2-40B4-BE49-F238E27FC236}">
+                <a16:creationId xmlns:a16="http://schemas.microsoft.com/office/drawing/2014/main" id="{4D23E9E6-0716-4D1A-86CD-73CAF54EE1DC}"/>
+              </a:ext>
+            </a:extLst>
+          </p:cNvPr>
+          <p:cNvSpPr txBox="1"/>
+          <p:nvPr/>
+        </p:nvSpPr>
+        <p:spPr>
+          <a:xfrm>
+            <a:off x="4833134" y="6148553"/>
+            <a:ext cx="3224373" cy="923330"/>
+          </a:xfrm>
+          <a:prstGeom prst="rect">
+            <a:avLst/>
+          </a:prstGeom>
+          <a:noFill/>
+        </p:spPr>
+        <p:txBody>
+          <a:bodyPr wrap="square" rtlCol="0">
+            <a:spAutoFit/>
+          </a:bodyPr>
+          <a:lstStyle/>
+          <a:p>
+            <a:r>
+              <a:rPr lang="nl-NL" dirty="0"/>
+              <a:t>IP: 192.168.1.4</a:t>
+            </a:r>
+          </a:p>
+          <a:p>
+            <a:r>
+              <a:rPr lang="nl-NL" dirty="0"/>
+              <a:t>MAC: 86:83:BA:82:D7:63</a:t>
+            </a:r>
+          </a:p>
+          <a:p>
+            <a:endParaRPr lang="nl-NL" dirty="0"/>
+          </a:p>
+        </p:txBody>
+      </p:sp>
+      <p:sp>
+        <p:nvSpPr>
+          <p:cNvPr id="25" name="Tekstvak 24">
+            <a:extLst>
+              <a:ext uri="{FF2B5EF4-FFF2-40B4-BE49-F238E27FC236}">
+                <a16:creationId xmlns:a16="http://schemas.microsoft.com/office/drawing/2014/main" id="{9E8D21CA-843E-426F-BEB2-488AC48BE94F}"/>
+              </a:ext>
+            </a:extLst>
+          </p:cNvPr>
+          <p:cNvSpPr txBox="1"/>
+          <p:nvPr/>
+        </p:nvSpPr>
+        <p:spPr>
+          <a:xfrm>
+            <a:off x="865597" y="6216705"/>
+            <a:ext cx="3224373" cy="923330"/>
+          </a:xfrm>
+          <a:prstGeom prst="rect">
+            <a:avLst/>
+          </a:prstGeom>
+          <a:noFill/>
+        </p:spPr>
+        <p:txBody>
+          <a:bodyPr wrap="square" rtlCol="0">
+            <a:spAutoFit/>
+          </a:bodyPr>
+          <a:lstStyle/>
+          <a:p>
+            <a:r>
+              <a:rPr lang="nl-NL" dirty="0"/>
+              <a:t>IP: 192.168.1.3</a:t>
+            </a:r>
+          </a:p>
+          <a:p>
+            <a:r>
+              <a:rPr lang="nl-NL" dirty="0"/>
+              <a:t>MAC: 86:43:BA:32:D7:65</a:t>
+            </a:r>
+          </a:p>
+          <a:p>
+            <a:endParaRPr lang="nl-NL" dirty="0"/>
+          </a:p>
+        </p:txBody>
+      </p:sp>
+      <p:sp>
+        <p:nvSpPr>
+          <p:cNvPr id="26" name="Tekstvak 25">
+            <a:extLst>
+              <a:ext uri="{FF2B5EF4-FFF2-40B4-BE49-F238E27FC236}">
+                <a16:creationId xmlns:a16="http://schemas.microsoft.com/office/drawing/2014/main" id="{3D3BB090-13AA-4AA8-896C-D3F834C814D9}"/>
+              </a:ext>
+            </a:extLst>
+          </p:cNvPr>
+          <p:cNvSpPr txBox="1"/>
+          <p:nvPr/>
+        </p:nvSpPr>
+        <p:spPr>
+          <a:xfrm>
+            <a:off x="8057507" y="4721324"/>
+            <a:ext cx="3224373" cy="923330"/>
+          </a:xfrm>
+          <a:prstGeom prst="rect">
+            <a:avLst/>
+          </a:prstGeom>
+          <a:noFill/>
+        </p:spPr>
+        <p:txBody>
+          <a:bodyPr wrap="square" rtlCol="0">
+            <a:spAutoFit/>
+          </a:bodyPr>
+          <a:lstStyle/>
+          <a:p>
+            <a:r>
+              <a:rPr lang="nl-NL" dirty="0"/>
+              <a:t>IP: 192.168.1.2</a:t>
+            </a:r>
+          </a:p>
+          <a:p>
+            <a:r>
+              <a:rPr lang="nl-NL" dirty="0"/>
+              <a:t>MAC: 86:83:BA:82:D7:FF</a:t>
+            </a:r>
+          </a:p>
+          <a:p>
+            <a:endParaRPr lang="nl-NL" dirty="0"/>
+          </a:p>
+        </p:txBody>
+      </p:sp>
+      <p:sp>
+        <p:nvSpPr>
+          <p:cNvPr id="27" name="Tekstvak 26">
+            <a:extLst>
+              <a:ext uri="{FF2B5EF4-FFF2-40B4-BE49-F238E27FC236}">
+                <a16:creationId xmlns:a16="http://schemas.microsoft.com/office/drawing/2014/main" id="{ADAD208D-F82F-4CE6-BFE2-75D02B8B7F6C}"/>
+              </a:ext>
+            </a:extLst>
+          </p:cNvPr>
+          <p:cNvSpPr txBox="1"/>
+          <p:nvPr/>
+        </p:nvSpPr>
+        <p:spPr>
+          <a:xfrm>
+            <a:off x="8766424" y="2658876"/>
+            <a:ext cx="3224373" cy="923330"/>
+          </a:xfrm>
+          <a:prstGeom prst="rect">
+            <a:avLst/>
+          </a:prstGeom>
+          <a:noFill/>
+        </p:spPr>
+        <p:txBody>
+          <a:bodyPr wrap="square" rtlCol="0">
+            <a:spAutoFit/>
+          </a:bodyPr>
+          <a:lstStyle/>
+          <a:p>
+            <a:r>
+              <a:rPr lang="nl-NL" dirty="0"/>
+              <a:t>IP: 192.168.1.1</a:t>
+            </a:r>
+          </a:p>
+          <a:p>
+            <a:r>
+              <a:rPr lang="nl-NL" dirty="0"/>
+              <a:t>MAC: 86:83:FF:82:D7:86</a:t>
+            </a:r>
+          </a:p>
+          <a:p>
+            <a:endParaRPr lang="nl-NL" dirty="0"/>
+          </a:p>
+        </p:txBody>
+      </p:sp>
+      <p:cxnSp>
+        <p:nvCxnSpPr>
+          <p:cNvPr id="37" name="Rechte verbindingslijn met pijl 36">
+            <a:extLst>
+              <a:ext uri="{FF2B5EF4-FFF2-40B4-BE49-F238E27FC236}">
+                <a16:creationId xmlns:a16="http://schemas.microsoft.com/office/drawing/2014/main" id="{57909EFF-CA69-44E0-A959-120181DD82BE}"/>
+              </a:ext>
+            </a:extLst>
+          </p:cNvPr>
+          <p:cNvCxnSpPr>
+            <a:cxnSpLocks/>
+          </p:cNvCxnSpPr>
+          <p:nvPr/>
+        </p:nvCxnSpPr>
+        <p:spPr>
+          <a:xfrm flipH="1" flipV="1">
+            <a:off x="2909380" y="2526440"/>
+            <a:ext cx="2772229" cy="2194884"/>
+          </a:xfrm>
+          <a:prstGeom prst="straightConnector1">
+            <a:avLst/>
+          </a:prstGeom>
+          <a:ln w="38100">
+            <a:tailEnd type="triangle"/>
+          </a:ln>
+        </p:spPr>
+        <p:style>
+          <a:lnRef idx="1">
+            <a:schemeClr val="accent1"/>
+          </a:lnRef>
+          <a:fillRef idx="0">
+            <a:schemeClr val="accent1"/>
+          </a:fillRef>
+          <a:effectRef idx="0">
+            <a:schemeClr val="accent1"/>
+          </a:effectRef>
+          <a:fontRef idx="minor">
+            <a:schemeClr val="tx1"/>
+          </a:fontRef>
+        </p:style>
+      </p:cxnSp>
+      <p:sp>
+        <p:nvSpPr>
+          <p:cNvPr id="5" name="Tekstballon: ovaal 4">
+            <a:extLst>
+              <a:ext uri="{FF2B5EF4-FFF2-40B4-BE49-F238E27FC236}">
+                <a16:creationId xmlns:a16="http://schemas.microsoft.com/office/drawing/2014/main" id="{68EA3BCC-0DCD-442B-90FE-98E092FA1D77}"/>
+              </a:ext>
+            </a:extLst>
+          </p:cNvPr>
+          <p:cNvSpPr/>
+          <p:nvPr/>
+        </p:nvSpPr>
+        <p:spPr>
+          <a:xfrm rot="1938518">
+            <a:off x="3126241" y="2201989"/>
+            <a:ext cx="3770945" cy="1412179"/>
+          </a:xfrm>
+          <a:prstGeom prst="wedgeEllipseCallout">
+            <a:avLst>
+              <a:gd name="adj1" fmla="val 51339"/>
+              <a:gd name="adj2" fmla="val 78072"/>
+            </a:avLst>
+          </a:prstGeom>
+        </p:spPr>
+        <p:style>
+          <a:lnRef idx="2">
+            <a:schemeClr val="accent1">
+              <a:shade val="50000"/>
+            </a:schemeClr>
+          </a:lnRef>
+          <a:fillRef idx="1">
+            <a:schemeClr val="accent1"/>
+          </a:fillRef>
+          <a:effectRef idx="0">
+            <a:schemeClr val="accent1"/>
+          </a:effectRef>
+          <a:fontRef idx="minor">
+            <a:schemeClr val="lt1"/>
+          </a:fontRef>
+        </p:style>
+        <p:txBody>
+          <a:bodyPr rtlCol="0" anchor="ctr"/>
+          <a:lstStyle/>
+          <a:p>
+            <a:pPr algn="ctr"/>
+            <a:r>
+              <a:rPr lang="nl-NL" sz="1400" b="1" i="1" dirty="0">
+                <a:solidFill>
+                  <a:srgbClr val="00B0F0"/>
+                </a:solidFill>
+              </a:rPr>
+              <a:t>Ik ben 192.168.1.4</a:t>
+            </a:r>
+          </a:p>
+          <a:p>
+            <a:pPr algn="ctr"/>
+            <a:r>
+              <a:rPr lang="nl-NL" sz="1400" b="1" i="1" dirty="0">
+                <a:solidFill>
+                  <a:srgbClr val="00B0F0"/>
+                </a:solidFill>
+              </a:rPr>
+              <a:t>Met MAC: 86:83:BA:82:D7:63</a:t>
+            </a:r>
+          </a:p>
+        </p:txBody>
+      </p:sp>
+    </p:spTree>
+    <p:extLst>
+      <p:ext uri="{BB962C8B-B14F-4D97-AF65-F5344CB8AC3E}">
+        <p14:creationId xmlns:p14="http://schemas.microsoft.com/office/powerpoint/2010/main" val="2965631388"/>
+      </p:ext>
+    </p:extLst>
+  </p:cSld>
+  <p:clrMapOvr>
+    <a:masterClrMapping/>
+  </p:clrMapOvr>
+  <mc:AlternateContent xmlns:mc="http://schemas.openxmlformats.org/markup-compatibility/2006" xmlns:p14="http://schemas.microsoft.com/office/powerpoint/2010/main">
+    <mc:Choice Requires="p14">
+      <p:transition spd="med" p14:dur="700">
+        <p:fade/>
+      </p:transition>
+    </mc:Choice>
+    <mc:Fallback xmlns="">
+      <p:transition spd="med">
+        <p:fade/>
+      </p:transition>
+    </mc:Fallback>
+  </mc:AlternateContent>
+</p:sld>
+</file>
+
+<file path=ppt/slides/slide11.xml><?xml version="1.0" encoding="utf-8"?>
 <p:sld xmlns:a="http://schemas.openxmlformats.org/drawingml/2006/main" xmlns:r="http://schemas.openxmlformats.org/officeDocument/2006/relationships" xmlns:p="http://schemas.openxmlformats.org/presentationml/2006/main">
   <p:cSld>
     <p:spTree>
@@ -9672,7 +10755,7 @@
 </p:sld>
 </file>
 
-<file path=ppt/slides/slide11.xml><?xml version="1.0" encoding="utf-8"?>
+<file path=ppt/slides/slide12.xml><?xml version="1.0" encoding="utf-8"?>
 <p:sld xmlns:a="http://schemas.openxmlformats.org/drawingml/2006/main" xmlns:r="http://schemas.openxmlformats.org/officeDocument/2006/relationships" xmlns:p="http://schemas.openxmlformats.org/presentationml/2006/main">
   <p:cSld>
     <p:spTree>
@@ -10204,7 +11287,7 @@
 </p:sld>
 </file>
 
-<file path=ppt/slides/slide12.xml><?xml version="1.0" encoding="utf-8"?>
+<file path=ppt/slides/slide13.xml><?xml version="1.0" encoding="utf-8"?>
 <p:sld xmlns:a="http://schemas.openxmlformats.org/drawingml/2006/main" xmlns:r="http://schemas.openxmlformats.org/officeDocument/2006/relationships" xmlns:p="http://schemas.openxmlformats.org/presentationml/2006/main">
   <p:cSld>
     <p:spTree>
@@ -11376,7 +12459,7 @@
 </p:sld>
 </file>
 
-<file path=ppt/slides/slide13.xml><?xml version="1.0" encoding="utf-8"?>
+<file path=ppt/slides/slide14.xml><?xml version="1.0" encoding="utf-8"?>
 <p:sld xmlns:a="http://schemas.openxmlformats.org/drawingml/2006/main" xmlns:r="http://schemas.openxmlformats.org/officeDocument/2006/relationships" xmlns:p="http://schemas.openxmlformats.org/presentationml/2006/main">
   <p:cSld>
     <p:spTree>
@@ -12996,10 +14079,10 @@
       </p:pic>
       <p:sp>
         <p:nvSpPr>
-          <p:cNvPr id="12" name="Rechthoek 11">
+          <p:cNvPr id="7" name="Rechthoek 6">
             <a:extLst>
               <a:ext uri="{FF2B5EF4-FFF2-40B4-BE49-F238E27FC236}">
-                <a16:creationId xmlns:a16="http://schemas.microsoft.com/office/drawing/2014/main" id="{AE114414-50BF-46FE-BDB6-4FA0B19C835B}"/>
+                <a16:creationId xmlns:a16="http://schemas.microsoft.com/office/drawing/2014/main" id="{82E88A32-8F84-4A45-B75F-1C68409B8474}"/>
               </a:ext>
             </a:extLst>
           </p:cNvPr>
@@ -13008,8 +14091,8 @@
         </p:nvSpPr>
         <p:spPr>
           <a:xfrm rot="5400000">
-            <a:off x="-837661" y="1122403"/>
-            <a:ext cx="2037348" cy="362035"/>
+            <a:off x="-588915" y="925802"/>
+            <a:ext cx="1432363" cy="254530"/>
           </a:xfrm>
           <a:prstGeom prst="rect">
             <a:avLst/>
@@ -13045,7 +14128,7 @@
           <a:p>
             <a:pPr algn="ctr"/>
             <a:r>
-              <a:rPr lang="nl-NL" dirty="0"/>
+              <a:rPr lang="nl-NL" sz="1200" dirty="0"/>
               <a:t>Studentenbedrijf</a:t>
             </a:r>
           </a:p>
@@ -13119,15 +14202,103 @@
                                   </p:childTnLst>
                                 </p:cTn>
                               </p:par>
+                            </p:childTnLst>
+                          </p:cTn>
+                        </p:par>
+                      </p:childTnLst>
+                    </p:cTn>
+                  </p:par>
+                  <p:par>
+                    <p:cTn id="8" fill="hold">
+                      <p:stCondLst>
+                        <p:cond delay="indefinite"/>
+                      </p:stCondLst>
+                      <p:childTnLst>
+                        <p:par>
+                          <p:cTn id="9" fill="hold">
+                            <p:stCondLst>
+                              <p:cond delay="0"/>
+                            </p:stCondLst>
+                            <p:childTnLst>
                               <p:par>
-                                <p:cTn id="8" presetID="24" presetClass="emph" presetSubtype="0" fill="hold" grpId="1" nodeType="withEffect">
+                                <p:cTn id="10" presetID="10" presetClass="entr" presetSubtype="0" fill="hold" nodeType="clickEffect">
+                                  <p:stCondLst>
+                                    <p:cond delay="0"/>
+                                  </p:stCondLst>
+                                  <p:childTnLst>
+                                    <p:set>
+                                      <p:cBhvr>
+                                        <p:cTn id="11" dur="1" fill="hold">
+                                          <p:stCondLst>
+                                            <p:cond delay="0"/>
+                                          </p:stCondLst>
+                                        </p:cTn>
+                                        <p:tgtEl>
+                                          <p:spTgt spid="1026"/>
+                                        </p:tgtEl>
+                                        <p:attrNameLst>
+                                          <p:attrName>style.visibility</p:attrName>
+                                        </p:attrNameLst>
+                                      </p:cBhvr>
+                                      <p:to>
+                                        <p:strVal val="visible"/>
+                                      </p:to>
+                                    </p:set>
+                                    <p:animEffect transition="in" filter="fade">
+                                      <p:cBhvr>
+                                        <p:cTn id="12" dur="500"/>
+                                        <p:tgtEl>
+                                          <p:spTgt spid="1026"/>
+                                        </p:tgtEl>
+                                      </p:cBhvr>
+                                    </p:animEffect>
+                                  </p:childTnLst>
+                                </p:cTn>
+                              </p:par>
+                              <p:par>
+                                <p:cTn id="13" presetID="10" presetClass="entr" presetSubtype="0" fill="hold" nodeType="withEffect">
+                                  <p:stCondLst>
+                                    <p:cond delay="0"/>
+                                  </p:stCondLst>
+                                  <p:childTnLst>
+                                    <p:set>
+                                      <p:cBhvr>
+                                        <p:cTn id="14" dur="1" fill="hold">
+                                          <p:stCondLst>
+                                            <p:cond delay="0"/>
+                                          </p:stCondLst>
+                                        </p:cTn>
+                                        <p:tgtEl>
+                                          <p:spTgt spid="1026"/>
+                                        </p:tgtEl>
+                                        <p:attrNameLst>
+                                          <p:attrName>style.visibility</p:attrName>
+                                        </p:attrNameLst>
+                                      </p:cBhvr>
+                                      <p:to>
+                                        <p:strVal val="visible"/>
+                                      </p:to>
+                                    </p:set>
+                                    <p:animEffect transition="in" filter="fade">
+                                      <p:cBhvr>
+                                        <p:cTn id="15" dur="500"/>
+                                        <p:tgtEl>
+                                          <p:spTgt spid="1026"/>
+                                        </p:tgtEl>
+                                      </p:cBhvr>
+                                    </p:animEffect>
+                                  </p:childTnLst>
+                                </p:cTn>
+                              </p:par>
+                              <p:par>
+                                <p:cTn id="16" presetID="24" presetClass="emph" presetSubtype="0" fill="hold" grpId="1" nodeType="withEffect">
                                   <p:stCondLst>
                                     <p:cond delay="0"/>
                                   </p:stCondLst>
                                   <p:childTnLst>
                                     <p:animClr clrSpc="hsl" dir="cw">
                                       <p:cBhvr override="childStyle">
-                                        <p:cTn id="9" dur="1000" fill="hold"/>
+                                        <p:cTn id="17" dur="1000" fill="hold"/>
                                         <p:tgtEl>
                                           <p:spTgt spid="2"/>
                                         </p:tgtEl>
@@ -13141,7 +14312,7 @@
                                     </p:animClr>
                                     <p:animClr clrSpc="hsl" dir="cw">
                                       <p:cBhvr>
-                                        <p:cTn id="10" dur="1000" fill="hold"/>
+                                        <p:cTn id="18" dur="1000" fill="hold"/>
                                         <p:tgtEl>
                                           <p:spTgt spid="2"/>
                                         </p:tgtEl>
@@ -13155,7 +14326,7 @@
                                     </p:animClr>
                                     <p:animClr clrSpc="hsl" dir="cw">
                                       <p:cBhvr>
-                                        <p:cTn id="11" dur="1000" fill="hold"/>
+                                        <p:cTn id="19" dur="1000" fill="hold"/>
                                         <p:tgtEl>
                                           <p:spTgt spid="2"/>
                                         </p:tgtEl>
@@ -13169,7 +14340,7 @@
                                     </p:animClr>
                                     <p:set>
                                       <p:cBhvr>
-                                        <p:cTn id="12" dur="1000" fill="hold"/>
+                                        <p:cTn id="20" dur="1000" fill="hold"/>
                                         <p:tgtEl>
                                           <p:spTgt spid="2"/>
                                         </p:tgtEl>
@@ -13273,7 +14444,7 @@
             </a:r>
             <a:r>
               <a:rPr lang="nl-NL" sz="1800" dirty="0"/>
-              <a:t>: Voorbereiding</a:t>
+              <a:t>: Opstart</a:t>
             </a:r>
           </a:p>
         </p:txBody>
@@ -13308,7 +14479,7 @@
             </a:pPr>
             <a:r>
               <a:rPr lang="nl-NL" sz="3600" dirty="0"/>
-              <a:t>Uniek</a:t>
+              <a:t>Brainstorm</a:t>
             </a:r>
           </a:p>
           <a:p>
@@ -13320,7 +14491,7 @@
             </a:pPr>
             <a:r>
               <a:rPr lang="nl-NL" sz="3600" dirty="0"/>
-              <a:t>Verificatie bij router</a:t>
+              <a:t>KBO-aanvraag</a:t>
             </a:r>
           </a:p>
         </p:txBody>
@@ -13355,7 +14526,7 @@
             </a:pPr>
             <a:r>
               <a:rPr lang="nl-NL" sz="3600" dirty="0"/>
-              <a:t>Basis</a:t>
+              <a:t>Bankrekening</a:t>
             </a:r>
           </a:p>
           <a:p>
@@ -13367,17 +14538,17 @@
             </a:pPr>
             <a:r>
               <a:rPr lang="nl-NL" sz="3600" dirty="0"/>
-              <a:t>86:83:BA:82:D7:63</a:t>
+              <a:t>Sociale media</a:t>
             </a:r>
           </a:p>
         </p:txBody>
       </p:sp>
       <p:sp>
         <p:nvSpPr>
-          <p:cNvPr id="9" name="Rechthoek 8">
+          <p:cNvPr id="6" name="Rechthoek 5">
             <a:extLst>
               <a:ext uri="{FF2B5EF4-FFF2-40B4-BE49-F238E27FC236}">
-                <a16:creationId xmlns:a16="http://schemas.microsoft.com/office/drawing/2014/main" id="{65F347BA-0DCD-4CD6-9504-4CA1585F651A}"/>
+                <a16:creationId xmlns:a16="http://schemas.microsoft.com/office/drawing/2014/main" id="{F1A17FEA-9307-458A-9E25-1DB0760B09ED}"/>
               </a:ext>
             </a:extLst>
           </p:cNvPr>
@@ -13386,8 +14557,8 @@
         </p:nvSpPr>
         <p:spPr>
           <a:xfrm rot="5400000">
-            <a:off x="-837661" y="1122403"/>
-            <a:ext cx="2037348" cy="362035"/>
+            <a:off x="-588915" y="925802"/>
+            <a:ext cx="1432363" cy="254530"/>
           </a:xfrm>
           <a:prstGeom prst="rect">
             <a:avLst/>
@@ -13423,7 +14594,7 @@
           <a:p>
             <a:pPr algn="ctr"/>
             <a:r>
-              <a:rPr lang="nl-NL" dirty="0"/>
+              <a:rPr lang="nl-NL" sz="1200" dirty="0"/>
               <a:t>Studentenbedrijf</a:t>
             </a:r>
           </a:p>
@@ -13432,7 +14603,7 @@
     </p:spTree>
     <p:extLst>
       <p:ext uri="{BB962C8B-B14F-4D97-AF65-F5344CB8AC3E}">
-        <p14:creationId xmlns:p14="http://schemas.microsoft.com/office/powerpoint/2010/main" val="1493470723"/>
+        <p14:creationId xmlns:p14="http://schemas.microsoft.com/office/powerpoint/2010/main" val="3039199256"/>
       </p:ext>
     </p:extLst>
   </p:cSld>
@@ -13498,113 +14669,14 @@
                                 </p:cTn>
                               </p:par>
                               <p:par>
-                                <p:cTn id="8" presetID="24" presetClass="emph" presetSubtype="0" fill="hold" grpId="1" nodeType="withEffect">
-                                  <p:stCondLst>
-                                    <p:cond delay="0"/>
-                                  </p:stCondLst>
-                                  <p:childTnLst>
-                                    <p:animClr clrSpc="hsl" dir="cw">
-                                      <p:cBhvr override="childStyle">
-                                        <p:cTn id="9" dur="1000" fill="hold"/>
-                                        <p:tgtEl>
-                                          <p:spTgt spid="2"/>
-                                        </p:tgtEl>
-                                        <p:attrNameLst>
-                                          <p:attrName>style.color</p:attrName>
-                                        </p:attrNameLst>
-                                      </p:cBhvr>
-                                      <p:by>
-                                        <p:hsl h="0" s="-12549" l="-25098"/>
-                                      </p:by>
-                                    </p:animClr>
-                                    <p:animClr clrSpc="hsl" dir="cw">
-                                      <p:cBhvr>
-                                        <p:cTn id="10" dur="1000" fill="hold"/>
-                                        <p:tgtEl>
-                                          <p:spTgt spid="2"/>
-                                        </p:tgtEl>
-                                        <p:attrNameLst>
-                                          <p:attrName>fillcolor</p:attrName>
-                                        </p:attrNameLst>
-                                      </p:cBhvr>
-                                      <p:by>
-                                        <p:hsl h="0" s="-12549" l="-25098"/>
-                                      </p:by>
-                                    </p:animClr>
-                                    <p:animClr clrSpc="hsl" dir="cw">
-                                      <p:cBhvr>
-                                        <p:cTn id="11" dur="1000" fill="hold"/>
-                                        <p:tgtEl>
-                                          <p:spTgt spid="2"/>
-                                        </p:tgtEl>
-                                        <p:attrNameLst>
-                                          <p:attrName>stroke.color</p:attrName>
-                                        </p:attrNameLst>
-                                      </p:cBhvr>
-                                      <p:by>
-                                        <p:hsl h="0" s="-12549" l="-25098"/>
-                                      </p:by>
-                                    </p:animClr>
-                                    <p:set>
-                                      <p:cBhvr>
-                                        <p:cTn id="12" dur="1000" fill="hold"/>
-                                        <p:tgtEl>
-                                          <p:spTgt spid="2"/>
-                                        </p:tgtEl>
-                                        <p:attrNameLst>
-                                          <p:attrName>fill.type</p:attrName>
-                                        </p:attrNameLst>
-                                      </p:cBhvr>
-                                      <p:to>
-                                        <p:strVal val="solid"/>
-                                      </p:to>
-                                    </p:set>
-                                  </p:childTnLst>
-                                  <p:subTnLst>
-                                    <p:animClr clrSpc="rgb" dir="cw">
-                                      <p:cBhvr override="childStyle">
-                                        <p:cTn dur="1" fill="hold" display="0" masterRel="nextClick" afterEffect="1"/>
-                                        <p:tgtEl>
-                                          <p:spTgt spid="2"/>
-                                        </p:tgtEl>
-                                        <p:attrNameLst>
-                                          <p:attrName>ppt_c</p:attrName>
-                                        </p:attrNameLst>
-                                      </p:cBhvr>
-                                      <p:to>
-                                        <a:schemeClr val="folHlink"/>
-                                      </p:to>
-                                    </p:animClr>
-                                  </p:subTnLst>
-                                </p:cTn>
-                              </p:par>
-                            </p:childTnLst>
-                          </p:cTn>
-                        </p:par>
-                      </p:childTnLst>
-                    </p:cTn>
-                  </p:par>
-                  <p:par>
-                    <p:cTn id="13" fill="hold">
-                      <p:stCondLst>
-                        <p:cond delay="indefinite"/>
-                      </p:stCondLst>
-                      <p:childTnLst>
-                        <p:par>
-                          <p:cTn id="14" fill="hold">
-                            <p:stCondLst>
-                              <p:cond delay="0"/>
-                            </p:stCondLst>
-                            <p:childTnLst>
-                              <p:par>
-                                <p:cTn id="15" presetID="10" presetClass="entr" presetSubtype="0" fill="hold" nodeType="clickEffect">
+                                <p:cTn id="8" presetID="10" presetClass="entr" presetSubtype="0" fill="hold" nodeType="withEffect">
                                   <p:stCondLst>
                                     <p:cond delay="0"/>
                                   </p:stCondLst>
                                   <p:childTnLst>
                                     <p:set>
                                       <p:cBhvr>
-                                        <p:cTn id="16" dur="1" fill="hold">
+                                        <p:cTn id="9" dur="1" fill="hold">
                                           <p:stCondLst>
                                             <p:cond delay="0"/>
                                           </p:stCondLst>
@@ -13612,7 +14684,7 @@
                                         <p:tgtEl>
                                           <p:spTgt spid="3">
                                             <p:txEl>
-                                              <p:pRg st="0" end="0"/>
+                                              <p:pRg st="1" end="1"/>
                                             </p:txEl>
                                           </p:spTgt>
                                         </p:tgtEl>
@@ -13626,11 +14698,11 @@
                                     </p:set>
                                     <p:animEffect transition="in" filter="fade">
                                       <p:cBhvr>
-                                        <p:cTn id="17" dur="500"/>
+                                        <p:cTn id="10" dur="500"/>
                                         <p:tgtEl>
                                           <p:spTgt spid="3">
                                             <p:txEl>
-                                              <p:pRg st="0" end="0"/>
+                                              <p:pRg st="1" end="1"/>
                                             </p:txEl>
                                           </p:spTgt>
                                         </p:tgtEl>
@@ -13646,26 +14718,26 @@
                     </p:cTn>
                   </p:par>
                   <p:par>
-                    <p:cTn id="18" fill="hold">
+                    <p:cTn id="11" fill="hold">
                       <p:stCondLst>
                         <p:cond delay="indefinite"/>
                       </p:stCondLst>
                       <p:childTnLst>
                         <p:par>
-                          <p:cTn id="19" fill="hold">
+                          <p:cTn id="12" fill="hold">
                             <p:stCondLst>
                               <p:cond delay="0"/>
                             </p:stCondLst>
                             <p:childTnLst>
                               <p:par>
-                                <p:cTn id="20" presetID="10" presetClass="entr" presetSubtype="0" fill="hold" nodeType="clickEffect">
+                                <p:cTn id="13" presetID="10" presetClass="entr" presetSubtype="0" fill="hold" nodeType="clickEffect">
                                   <p:stCondLst>
                                     <p:cond delay="0"/>
                                   </p:stCondLst>
                                   <p:childTnLst>
                                     <p:set>
                                       <p:cBhvr>
-                                        <p:cTn id="21" dur="1" fill="hold">
+                                        <p:cTn id="14" dur="1" fill="hold">
                                           <p:stCondLst>
                                             <p:cond delay="0"/>
                                           </p:stCondLst>
@@ -13673,7 +14745,7 @@
                                         <p:tgtEl>
                                           <p:spTgt spid="3">
                                             <p:txEl>
-                                              <p:pRg st="1" end="1"/>
+                                              <p:pRg st="0" end="0"/>
                                             </p:txEl>
                                           </p:spTgt>
                                         </p:tgtEl>
@@ -13687,11 +14759,11 @@
                                     </p:set>
                                     <p:animEffect transition="in" filter="fade">
                                       <p:cBhvr>
-                                        <p:cTn id="22" dur="500"/>
+                                        <p:cTn id="15" dur="500"/>
                                         <p:tgtEl>
                                           <p:spTgt spid="3">
                                             <p:txEl>
-                                              <p:pRg st="1" end="1"/>
+                                              <p:pRg st="0" end="0"/>
                                             </p:txEl>
                                           </p:spTgt>
                                         </p:tgtEl>
@@ -13701,20 +14773,16 @@
                                 </p:cTn>
                               </p:par>
                               <p:par>
-                                <p:cTn id="23" presetID="24" presetClass="emph" presetSubtype="0" fill="hold" nodeType="withEffect">
+                                <p:cTn id="16" presetID="24" presetClass="emph" presetSubtype="0" fill="hold" grpId="1" nodeType="withEffect">
                                   <p:stCondLst>
                                     <p:cond delay="0"/>
                                   </p:stCondLst>
                                   <p:childTnLst>
                                     <p:animClr clrSpc="hsl" dir="cw">
                                       <p:cBhvr override="childStyle">
-                                        <p:cTn id="24" dur="500" fill="hold"/>
-                                        <p:tgtEl>
-                                          <p:spTgt spid="3">
-                                            <p:txEl>
-                                              <p:pRg st="0" end="0"/>
-                                            </p:txEl>
-                                          </p:spTgt>
+                                        <p:cTn id="17" dur="1000" fill="hold"/>
+                                        <p:tgtEl>
+                                          <p:spTgt spid="2"/>
                                         </p:tgtEl>
                                         <p:attrNameLst>
                                           <p:attrName>style.color</p:attrName>
@@ -13726,13 +14794,9 @@
                                     </p:animClr>
                                     <p:animClr clrSpc="hsl" dir="cw">
                                       <p:cBhvr>
-                                        <p:cTn id="25" dur="500" fill="hold"/>
-                                        <p:tgtEl>
-                                          <p:spTgt spid="3">
-                                            <p:txEl>
-                                              <p:pRg st="0" end="0"/>
-                                            </p:txEl>
-                                          </p:spTgt>
+                                        <p:cTn id="18" dur="1000" fill="hold"/>
+                                        <p:tgtEl>
+                                          <p:spTgt spid="2"/>
                                         </p:tgtEl>
                                         <p:attrNameLst>
                                           <p:attrName>fillcolor</p:attrName>
@@ -13744,13 +14808,9 @@
                                     </p:animClr>
                                     <p:animClr clrSpc="hsl" dir="cw">
                                       <p:cBhvr>
-                                        <p:cTn id="26" dur="500" fill="hold"/>
-                                        <p:tgtEl>
-                                          <p:spTgt spid="3">
-                                            <p:txEl>
-                                              <p:pRg st="0" end="0"/>
-                                            </p:txEl>
-                                          </p:spTgt>
+                                        <p:cTn id="19" dur="1000" fill="hold"/>
+                                        <p:tgtEl>
+                                          <p:spTgt spid="2"/>
                                         </p:tgtEl>
                                         <p:attrNameLst>
                                           <p:attrName>stroke.color</p:attrName>
@@ -13762,11 +14822,104 @@
                                     </p:animClr>
                                     <p:set>
                                       <p:cBhvr>
-                                        <p:cTn id="27" dur="500" fill="hold"/>
+                                        <p:cTn id="20" dur="1000" fill="hold"/>
+                                        <p:tgtEl>
+                                          <p:spTgt spid="2"/>
+                                        </p:tgtEl>
+                                        <p:attrNameLst>
+                                          <p:attrName>fill.type</p:attrName>
+                                        </p:attrNameLst>
+                                      </p:cBhvr>
+                                      <p:to>
+                                        <p:strVal val="solid"/>
+                                      </p:to>
+                                    </p:set>
+                                  </p:childTnLst>
+                                  <p:subTnLst>
+                                    <p:animClr clrSpc="rgb" dir="cw">
+                                      <p:cBhvr override="childStyle">
+                                        <p:cTn dur="1" fill="hold" display="0" masterRel="nextClick" afterEffect="1"/>
+                                        <p:tgtEl>
+                                          <p:spTgt spid="2"/>
+                                        </p:tgtEl>
+                                        <p:attrNameLst>
+                                          <p:attrName>ppt_c</p:attrName>
+                                        </p:attrNameLst>
+                                      </p:cBhvr>
+                                      <p:to>
+                                        <a:schemeClr val="folHlink"/>
+                                      </p:to>
+                                    </p:animClr>
+                                  </p:subTnLst>
+                                </p:cTn>
+                              </p:par>
+                              <p:par>
+                                <p:cTn id="21" presetID="24" presetClass="emph" presetSubtype="0" fill="hold" nodeType="withEffect">
+                                  <p:stCondLst>
+                                    <p:cond delay="0"/>
+                                  </p:stCondLst>
+                                  <p:childTnLst>
+                                    <p:animClr clrSpc="hsl" dir="cw">
+                                      <p:cBhvr override="childStyle">
+                                        <p:cTn id="22" dur="500" fill="hold"/>
                                         <p:tgtEl>
                                           <p:spTgt spid="3">
                                             <p:txEl>
-                                              <p:pRg st="0" end="0"/>
+                                              <p:pRg st="1" end="1"/>
+                                            </p:txEl>
+                                          </p:spTgt>
+                                        </p:tgtEl>
+                                        <p:attrNameLst>
+                                          <p:attrName>style.color</p:attrName>
+                                        </p:attrNameLst>
+                                      </p:cBhvr>
+                                      <p:by>
+                                        <p:hsl h="0" s="-12549" l="-25098"/>
+                                      </p:by>
+                                    </p:animClr>
+                                    <p:animClr clrSpc="hsl" dir="cw">
+                                      <p:cBhvr>
+                                        <p:cTn id="23" dur="500" fill="hold"/>
+                                        <p:tgtEl>
+                                          <p:spTgt spid="3">
+                                            <p:txEl>
+                                              <p:pRg st="1" end="1"/>
+                                            </p:txEl>
+                                          </p:spTgt>
+                                        </p:tgtEl>
+                                        <p:attrNameLst>
+                                          <p:attrName>fillcolor</p:attrName>
+                                        </p:attrNameLst>
+                                      </p:cBhvr>
+                                      <p:by>
+                                        <p:hsl h="0" s="-12549" l="-25098"/>
+                                      </p:by>
+                                    </p:animClr>
+                                    <p:animClr clrSpc="hsl" dir="cw">
+                                      <p:cBhvr>
+                                        <p:cTn id="24" dur="500" fill="hold"/>
+                                        <p:tgtEl>
+                                          <p:spTgt spid="3">
+                                            <p:txEl>
+                                              <p:pRg st="1" end="1"/>
+                                            </p:txEl>
+                                          </p:spTgt>
+                                        </p:tgtEl>
+                                        <p:attrNameLst>
+                                          <p:attrName>stroke.color</p:attrName>
+                                        </p:attrNameLst>
+                                      </p:cBhvr>
+                                      <p:by>
+                                        <p:hsl h="0" s="-12549" l="-25098"/>
+                                      </p:by>
+                                    </p:animClr>
+                                    <p:set>
+                                      <p:cBhvr>
+                                        <p:cTn id="25" dur="500" fill="hold"/>
+                                        <p:tgtEl>
+                                          <p:spTgt spid="3">
+                                            <p:txEl>
+                                              <p:pRg st="1" end="1"/>
                                             </p:txEl>
                                           </p:spTgt>
                                         </p:tgtEl>
@@ -13788,26 +14941,26 @@
                     </p:cTn>
                   </p:par>
                   <p:par>
-                    <p:cTn id="28" fill="hold">
+                    <p:cTn id="26" fill="hold">
                       <p:stCondLst>
                         <p:cond delay="indefinite"/>
                       </p:stCondLst>
                       <p:childTnLst>
                         <p:par>
-                          <p:cTn id="29" fill="hold">
+                          <p:cTn id="27" fill="hold">
                             <p:stCondLst>
                               <p:cond delay="0"/>
                             </p:stCondLst>
                             <p:childTnLst>
                               <p:par>
-                                <p:cTn id="30" presetID="10" presetClass="entr" presetSubtype="0" fill="hold" nodeType="clickEffect">
+                                <p:cTn id="28" presetID="10" presetClass="entr" presetSubtype="0" fill="hold" nodeType="clickEffect">
                                   <p:stCondLst>
                                     <p:cond delay="0"/>
                                   </p:stCondLst>
                                   <p:childTnLst>
                                     <p:set>
                                       <p:cBhvr>
-                                        <p:cTn id="31" dur="1" fill="hold">
+                                        <p:cTn id="29" dur="1" fill="hold">
                                           <p:stCondLst>
                                             <p:cond delay="0"/>
                                           </p:stCondLst>
@@ -13829,7 +14982,7 @@
                                     </p:set>
                                     <p:animEffect transition="in" filter="fade">
                                       <p:cBhvr>
-                                        <p:cTn id="32" dur="500"/>
+                                        <p:cTn id="30" dur="500"/>
                                         <p:tgtEl>
                                           <p:spTgt spid="4">
                                             <p:txEl>
@@ -13843,18 +14996,18 @@
                                 </p:cTn>
                               </p:par>
                               <p:par>
-                                <p:cTn id="33" presetID="24" presetClass="emph" presetSubtype="0" fill="hold" nodeType="withEffect">
+                                <p:cTn id="31" presetID="24" presetClass="emph" presetSubtype="0" fill="hold" nodeType="withEffect">
                                   <p:stCondLst>
                                     <p:cond delay="0"/>
                                   </p:stCondLst>
                                   <p:childTnLst>
                                     <p:animClr clrSpc="hsl" dir="cw">
                                       <p:cBhvr override="childStyle">
-                                        <p:cTn id="34" dur="500" fill="hold"/>
+                                        <p:cTn id="32" dur="500" fill="hold"/>
                                         <p:tgtEl>
                                           <p:spTgt spid="3">
                                             <p:txEl>
-                                              <p:pRg st="1" end="1"/>
+                                              <p:pRg st="0" end="0"/>
                                             </p:txEl>
                                           </p:spTgt>
                                         </p:tgtEl>
@@ -13868,11 +15021,11 @@
                                     </p:animClr>
                                     <p:animClr clrSpc="hsl" dir="cw">
                                       <p:cBhvr>
-                                        <p:cTn id="35" dur="500" fill="hold"/>
+                                        <p:cTn id="33" dur="500" fill="hold"/>
                                         <p:tgtEl>
                                           <p:spTgt spid="3">
                                             <p:txEl>
-                                              <p:pRg st="1" end="1"/>
+                                              <p:pRg st="0" end="0"/>
                                             </p:txEl>
                                           </p:spTgt>
                                         </p:tgtEl>
@@ -13886,11 +15039,11 @@
                                     </p:animClr>
                                     <p:animClr clrSpc="hsl" dir="cw">
                                       <p:cBhvr>
-                                        <p:cTn id="36" dur="500" fill="hold"/>
+                                        <p:cTn id="34" dur="500" fill="hold"/>
                                         <p:tgtEl>
                                           <p:spTgt spid="3">
                                             <p:txEl>
-                                              <p:pRg st="1" end="1"/>
+                                              <p:pRg st="0" end="0"/>
                                             </p:txEl>
                                           </p:spTgt>
                                         </p:tgtEl>
@@ -13904,11 +15057,11 @@
                                     </p:animClr>
                                     <p:set>
                                       <p:cBhvr>
-                                        <p:cTn id="37" dur="500" fill="hold"/>
+                                        <p:cTn id="35" dur="500" fill="hold"/>
                                         <p:tgtEl>
                                           <p:spTgt spid="3">
                                             <p:txEl>
-                                              <p:pRg st="1" end="1"/>
+                                              <p:pRg st="0" end="0"/>
                                             </p:txEl>
                                           </p:spTgt>
                                         </p:tgtEl>
@@ -13930,26 +15083,26 @@
                     </p:cTn>
                   </p:par>
                   <p:par>
-                    <p:cTn id="38" fill="hold">
+                    <p:cTn id="36" fill="hold">
                       <p:stCondLst>
                         <p:cond delay="indefinite"/>
                       </p:stCondLst>
                       <p:childTnLst>
                         <p:par>
-                          <p:cTn id="39" fill="hold">
+                          <p:cTn id="37" fill="hold">
                             <p:stCondLst>
                               <p:cond delay="0"/>
                             </p:stCondLst>
                             <p:childTnLst>
                               <p:par>
-                                <p:cTn id="40" presetID="10" presetClass="entr" presetSubtype="0" fill="hold" nodeType="clickEffect">
+                                <p:cTn id="38" presetID="10" presetClass="entr" presetSubtype="0" fill="hold" nodeType="clickEffect">
                                   <p:stCondLst>
                                     <p:cond delay="0"/>
                                   </p:stCondLst>
                                   <p:childTnLst>
                                     <p:set>
                                       <p:cBhvr>
-                                        <p:cTn id="41" dur="1" fill="hold">
+                                        <p:cTn id="39" dur="1" fill="hold">
                                           <p:stCondLst>
                                             <p:cond delay="0"/>
                                           </p:stCondLst>
@@ -13971,7 +15124,7 @@
                                     </p:set>
                                     <p:animEffect transition="in" filter="fade">
                                       <p:cBhvr>
-                                        <p:cTn id="42" dur="500"/>
+                                        <p:cTn id="40" dur="500"/>
                                         <p:tgtEl>
                                           <p:spTgt spid="4">
                                             <p:txEl>
@@ -13985,14 +15138,14 @@
                                 </p:cTn>
                               </p:par>
                               <p:par>
-                                <p:cTn id="43" presetID="24" presetClass="emph" presetSubtype="0" fill="hold" nodeType="withEffect">
+                                <p:cTn id="41" presetID="24" presetClass="emph" presetSubtype="0" fill="hold" nodeType="withEffect">
                                   <p:stCondLst>
                                     <p:cond delay="0"/>
                                   </p:stCondLst>
                                   <p:childTnLst>
                                     <p:animClr clrSpc="hsl" dir="cw">
                                       <p:cBhvr override="childStyle">
-                                        <p:cTn id="44" dur="500" fill="hold"/>
+                                        <p:cTn id="42" dur="500" fill="hold"/>
                                         <p:tgtEl>
                                           <p:spTgt spid="4">
                                             <p:txEl>
@@ -14010,7 +15163,7 @@
                                     </p:animClr>
                                     <p:animClr clrSpc="hsl" dir="cw">
                                       <p:cBhvr>
-                                        <p:cTn id="45" dur="500" fill="hold"/>
+                                        <p:cTn id="43" dur="500" fill="hold"/>
                                         <p:tgtEl>
                                           <p:spTgt spid="4">
                                             <p:txEl>
@@ -14028,7 +15181,7 @@
                                     </p:animClr>
                                     <p:animClr clrSpc="hsl" dir="cw">
                                       <p:cBhvr>
-                                        <p:cTn id="46" dur="500" fill="hold"/>
+                                        <p:cTn id="44" dur="500" fill="hold"/>
                                         <p:tgtEl>
                                           <p:spTgt spid="4">
                                             <p:txEl>
@@ -14046,7 +15199,7 @@
                                     </p:animClr>
                                     <p:set>
                                       <p:cBhvr>
-                                        <p:cTn id="47" dur="500" fill="hold"/>
+                                        <p:cTn id="45" dur="500" fill="hold"/>
                                         <p:tgtEl>
                                           <p:spTgt spid="4">
                                             <p:txEl>
@@ -14138,7 +15291,7 @@
             </a:r>
             <a:r>
               <a:rPr lang="nl-NL" sz="1800" dirty="0"/>
-              <a:t>: Opstart</a:t>
+              <a:t>: leiden</a:t>
             </a:r>
           </a:p>
         </p:txBody>
@@ -14173,7 +15326,7 @@
             </a:pPr>
             <a:r>
               <a:rPr lang="nl-NL" sz="3600" dirty="0"/>
-              <a:t>Uniek</a:t>
+              <a:t>Takenverdeling</a:t>
             </a:r>
           </a:p>
           <a:p>
@@ -14185,7 +15338,7 @@
             </a:pPr>
             <a:r>
               <a:rPr lang="nl-NL" sz="3600" dirty="0"/>
-              <a:t>Verificatie bij router</a:t>
+              <a:t>promotie</a:t>
             </a:r>
           </a:p>
         </p:txBody>
@@ -14203,7 +15356,7 @@
         <p:spPr>
           <a:xfrm>
             <a:off x="5654493" y="2097367"/>
-            <a:ext cx="4396341" cy="4200245"/>
+            <a:ext cx="4918914" cy="4200245"/>
           </a:xfrm>
         </p:spPr>
         <p:txBody>
@@ -14220,7 +15373,7 @@
             </a:pPr>
             <a:r>
               <a:rPr lang="nl-NL" sz="3600" dirty="0"/>
-              <a:t>Basis</a:t>
+              <a:t>administratie</a:t>
             </a:r>
           </a:p>
           <a:p>
@@ -14232,17 +15385,17 @@
             </a:pPr>
             <a:r>
               <a:rPr lang="nl-NL" sz="3600" dirty="0"/>
-              <a:t>86:83:BA:82:D7:63</a:t>
+              <a:t>Reparaties uitvoeren</a:t>
             </a:r>
           </a:p>
         </p:txBody>
       </p:sp>
       <p:sp>
         <p:nvSpPr>
-          <p:cNvPr id="9" name="Rechthoek 8">
+          <p:cNvPr id="6" name="Rechthoek 5">
             <a:extLst>
               <a:ext uri="{FF2B5EF4-FFF2-40B4-BE49-F238E27FC236}">
-                <a16:creationId xmlns:a16="http://schemas.microsoft.com/office/drawing/2014/main" id="{65F347BA-0DCD-4CD6-9504-4CA1585F651A}"/>
+                <a16:creationId xmlns:a16="http://schemas.microsoft.com/office/drawing/2014/main" id="{DF11D3FE-8764-44F4-8B28-BCAABC79A55A}"/>
               </a:ext>
             </a:extLst>
           </p:cNvPr>
@@ -14251,8 +15404,8 @@
         </p:nvSpPr>
         <p:spPr>
           <a:xfrm rot="5400000">
-            <a:off x="-837661" y="1122403"/>
-            <a:ext cx="2037348" cy="362035"/>
+            <a:off x="-588915" y="925802"/>
+            <a:ext cx="1432363" cy="254530"/>
           </a:xfrm>
           <a:prstGeom prst="rect">
             <a:avLst/>
@@ -14288,7 +15441,7 @@
           <a:p>
             <a:pPr algn="ctr"/>
             <a:r>
-              <a:rPr lang="nl-NL" dirty="0"/>
+              <a:rPr lang="nl-NL" sz="1200" dirty="0"/>
               <a:t>Studentenbedrijf</a:t>
             </a:r>
           </a:p>
@@ -14297,7 +15450,7 @@
     </p:spTree>
     <p:extLst>
       <p:ext uri="{BB962C8B-B14F-4D97-AF65-F5344CB8AC3E}">
-        <p14:creationId xmlns:p14="http://schemas.microsoft.com/office/powerpoint/2010/main" val="3039199256"/>
+        <p14:creationId xmlns:p14="http://schemas.microsoft.com/office/powerpoint/2010/main" val="244289936"/>
       </p:ext>
     </p:extLst>
   </p:cSld>
@@ -14363,113 +15516,14 @@
                                 </p:cTn>
                               </p:par>
                               <p:par>
-                                <p:cTn id="8" presetID="24" presetClass="emph" presetSubtype="0" fill="hold" grpId="1" nodeType="withEffect">
-                                  <p:stCondLst>
-                                    <p:cond delay="0"/>
-                                  </p:stCondLst>
-                                  <p:childTnLst>
-                                    <p:animClr clrSpc="hsl" dir="cw">
-                                      <p:cBhvr override="childStyle">
-                                        <p:cTn id="9" dur="1000" fill="hold"/>
-                                        <p:tgtEl>
-                                          <p:spTgt spid="2"/>
-                                        </p:tgtEl>
-                                        <p:attrNameLst>
-                                          <p:attrName>style.color</p:attrName>
-                                        </p:attrNameLst>
-                                      </p:cBhvr>
-                                      <p:by>
-                                        <p:hsl h="0" s="-12549" l="-25098"/>
-                                      </p:by>
-                                    </p:animClr>
-                                    <p:animClr clrSpc="hsl" dir="cw">
-                                      <p:cBhvr>
-                                        <p:cTn id="10" dur="1000" fill="hold"/>
-                                        <p:tgtEl>
-                                          <p:spTgt spid="2"/>
-                                        </p:tgtEl>
-                                        <p:attrNameLst>
-                                          <p:attrName>fillcolor</p:attrName>
-                                        </p:attrNameLst>
-                                      </p:cBhvr>
-                                      <p:by>
-                                        <p:hsl h="0" s="-12549" l="-25098"/>
-                                      </p:by>
-                                    </p:animClr>
-                                    <p:animClr clrSpc="hsl" dir="cw">
-                                      <p:cBhvr>
-                                        <p:cTn id="11" dur="1000" fill="hold"/>
-                                        <p:tgtEl>
-                                          <p:spTgt spid="2"/>
-                                        </p:tgtEl>
-                                        <p:attrNameLst>
-                                          <p:attrName>stroke.color</p:attrName>
-                                        </p:attrNameLst>
-                                      </p:cBhvr>
-                                      <p:by>
-                                        <p:hsl h="0" s="-12549" l="-25098"/>
-                                      </p:by>
-                                    </p:animClr>
-                                    <p:set>
-                                      <p:cBhvr>
-                                        <p:cTn id="12" dur="1000" fill="hold"/>
-                                        <p:tgtEl>
-                                          <p:spTgt spid="2"/>
-                                        </p:tgtEl>
-                                        <p:attrNameLst>
-                                          <p:attrName>fill.type</p:attrName>
-                                        </p:attrNameLst>
-                                      </p:cBhvr>
-                                      <p:to>
-                                        <p:strVal val="solid"/>
-                                      </p:to>
-                                    </p:set>
-                                  </p:childTnLst>
-                                  <p:subTnLst>
-                                    <p:animClr clrSpc="rgb" dir="cw">
-                                      <p:cBhvr override="childStyle">
-                                        <p:cTn dur="1" fill="hold" display="0" masterRel="nextClick" afterEffect="1"/>
-                                        <p:tgtEl>
-                                          <p:spTgt spid="2"/>
-                                        </p:tgtEl>
-                                        <p:attrNameLst>
-                                          <p:attrName>ppt_c</p:attrName>
-                                        </p:attrNameLst>
-                                      </p:cBhvr>
-                                      <p:to>
-                                        <a:schemeClr val="folHlink"/>
-                                      </p:to>
-                                    </p:animClr>
-                                  </p:subTnLst>
-                                </p:cTn>
-                              </p:par>
-                            </p:childTnLst>
-                          </p:cTn>
-                        </p:par>
-                      </p:childTnLst>
-                    </p:cTn>
-                  </p:par>
-                  <p:par>
-                    <p:cTn id="13" fill="hold">
-                      <p:stCondLst>
-                        <p:cond delay="indefinite"/>
-                      </p:stCondLst>
-                      <p:childTnLst>
-                        <p:par>
-                          <p:cTn id="14" fill="hold">
-                            <p:stCondLst>
-                              <p:cond delay="0"/>
-                            </p:stCondLst>
-                            <p:childTnLst>
-                              <p:par>
-                                <p:cTn id="15" presetID="10" presetClass="entr" presetSubtype="0" fill="hold" nodeType="clickEffect">
+                                <p:cTn id="8" presetID="10" presetClass="entr" presetSubtype="0" fill="hold" nodeType="withEffect">
                                   <p:stCondLst>
                                     <p:cond delay="0"/>
                                   </p:stCondLst>
                                   <p:childTnLst>
                                     <p:set>
                                       <p:cBhvr>
-                                        <p:cTn id="16" dur="1" fill="hold">
+                                        <p:cTn id="9" dur="1" fill="hold">
                                           <p:stCondLst>
                                             <p:cond delay="0"/>
                                           </p:stCondLst>
@@ -14477,7 +15531,7 @@
                                         <p:tgtEl>
                                           <p:spTgt spid="3">
                                             <p:txEl>
-                                              <p:pRg st="0" end="0"/>
+                                              <p:pRg st="1" end="1"/>
                                             </p:txEl>
                                           </p:spTgt>
                                         </p:tgtEl>
@@ -14491,11 +15545,11 @@
                                     </p:set>
                                     <p:animEffect transition="in" filter="fade">
                                       <p:cBhvr>
-                                        <p:cTn id="17" dur="500"/>
+                                        <p:cTn id="10" dur="500"/>
                                         <p:tgtEl>
                                           <p:spTgt spid="3">
                                             <p:txEl>
-                                              <p:pRg st="0" end="0"/>
+                                              <p:pRg st="1" end="1"/>
                                             </p:txEl>
                                           </p:spTgt>
                                         </p:tgtEl>
@@ -14511,26 +15565,26 @@
                     </p:cTn>
                   </p:par>
                   <p:par>
-                    <p:cTn id="18" fill="hold">
+                    <p:cTn id="11" fill="hold">
                       <p:stCondLst>
                         <p:cond delay="indefinite"/>
                       </p:stCondLst>
                       <p:childTnLst>
                         <p:par>
-                          <p:cTn id="19" fill="hold">
+                          <p:cTn id="12" fill="hold">
                             <p:stCondLst>
                               <p:cond delay="0"/>
                             </p:stCondLst>
                             <p:childTnLst>
                               <p:par>
-                                <p:cTn id="20" presetID="10" presetClass="entr" presetSubtype="0" fill="hold" nodeType="clickEffect">
+                                <p:cTn id="13" presetID="10" presetClass="entr" presetSubtype="0" fill="hold" nodeType="clickEffect">
                                   <p:stCondLst>
                                     <p:cond delay="0"/>
                                   </p:stCondLst>
                                   <p:childTnLst>
                                     <p:set>
                                       <p:cBhvr>
-                                        <p:cTn id="21" dur="1" fill="hold">
+                                        <p:cTn id="14" dur="1" fill="hold">
                                           <p:stCondLst>
                                             <p:cond delay="0"/>
                                           </p:stCondLst>
@@ -14538,7 +15592,7 @@
                                         <p:tgtEl>
                                           <p:spTgt spid="3">
                                             <p:txEl>
-                                              <p:pRg st="1" end="1"/>
+                                              <p:pRg st="0" end="0"/>
                                             </p:txEl>
                                           </p:spTgt>
                                         </p:tgtEl>
@@ -14552,11 +15606,11 @@
                                     </p:set>
                                     <p:animEffect transition="in" filter="fade">
                                       <p:cBhvr>
-                                        <p:cTn id="22" dur="500"/>
+                                        <p:cTn id="15" dur="500"/>
                                         <p:tgtEl>
                                           <p:spTgt spid="3">
                                             <p:txEl>
-                                              <p:pRg st="1" end="1"/>
+                                              <p:pRg st="0" end="0"/>
                                             </p:txEl>
                                           </p:spTgt>
                                         </p:tgtEl>
@@ -14566,20 +15620,16 @@
                                 </p:cTn>
                               </p:par>
                               <p:par>
-                                <p:cTn id="23" presetID="24" presetClass="emph" presetSubtype="0" fill="hold" nodeType="withEffect">
+                                <p:cTn id="16" presetID="24" presetClass="emph" presetSubtype="0" fill="hold" grpId="1" nodeType="withEffect">
                                   <p:stCondLst>
                                     <p:cond delay="0"/>
                                   </p:stCondLst>
                                   <p:childTnLst>
                                     <p:animClr clrSpc="hsl" dir="cw">
                                       <p:cBhvr override="childStyle">
-                                        <p:cTn id="24" dur="500" fill="hold"/>
-                                        <p:tgtEl>
-                                          <p:spTgt spid="3">
-                                            <p:txEl>
-                                              <p:pRg st="0" end="0"/>
-                                            </p:txEl>
-                                          </p:spTgt>
+                                        <p:cTn id="17" dur="1000" fill="hold"/>
+                                        <p:tgtEl>
+                                          <p:spTgt spid="2"/>
                                         </p:tgtEl>
                                         <p:attrNameLst>
                                           <p:attrName>style.color</p:attrName>
@@ -14591,13 +15641,9 @@
                                     </p:animClr>
                                     <p:animClr clrSpc="hsl" dir="cw">
                                       <p:cBhvr>
-                                        <p:cTn id="25" dur="500" fill="hold"/>
-                                        <p:tgtEl>
-                                          <p:spTgt spid="3">
-                                            <p:txEl>
-                                              <p:pRg st="0" end="0"/>
-                                            </p:txEl>
-                                          </p:spTgt>
+                                        <p:cTn id="18" dur="1000" fill="hold"/>
+                                        <p:tgtEl>
+                                          <p:spTgt spid="2"/>
                                         </p:tgtEl>
                                         <p:attrNameLst>
                                           <p:attrName>fillcolor</p:attrName>
@@ -14609,13 +15655,9 @@
                                     </p:animClr>
                                     <p:animClr clrSpc="hsl" dir="cw">
                                       <p:cBhvr>
-                                        <p:cTn id="26" dur="500" fill="hold"/>
-                                        <p:tgtEl>
-                                          <p:spTgt spid="3">
-                                            <p:txEl>
-                                              <p:pRg st="0" end="0"/>
-                                            </p:txEl>
-                                          </p:spTgt>
+                                        <p:cTn id="19" dur="1000" fill="hold"/>
+                                        <p:tgtEl>
+                                          <p:spTgt spid="2"/>
                                         </p:tgtEl>
                                         <p:attrNameLst>
                                           <p:attrName>stroke.color</p:attrName>
@@ -14627,11 +15669,104 @@
                                     </p:animClr>
                                     <p:set>
                                       <p:cBhvr>
-                                        <p:cTn id="27" dur="500" fill="hold"/>
+                                        <p:cTn id="20" dur="1000" fill="hold"/>
+                                        <p:tgtEl>
+                                          <p:spTgt spid="2"/>
+                                        </p:tgtEl>
+                                        <p:attrNameLst>
+                                          <p:attrName>fill.type</p:attrName>
+                                        </p:attrNameLst>
+                                      </p:cBhvr>
+                                      <p:to>
+                                        <p:strVal val="solid"/>
+                                      </p:to>
+                                    </p:set>
+                                  </p:childTnLst>
+                                  <p:subTnLst>
+                                    <p:animClr clrSpc="rgb" dir="cw">
+                                      <p:cBhvr override="childStyle">
+                                        <p:cTn dur="1" fill="hold" display="0" masterRel="nextClick" afterEffect="1"/>
+                                        <p:tgtEl>
+                                          <p:spTgt spid="2"/>
+                                        </p:tgtEl>
+                                        <p:attrNameLst>
+                                          <p:attrName>ppt_c</p:attrName>
+                                        </p:attrNameLst>
+                                      </p:cBhvr>
+                                      <p:to>
+                                        <a:schemeClr val="folHlink"/>
+                                      </p:to>
+                                    </p:animClr>
+                                  </p:subTnLst>
+                                </p:cTn>
+                              </p:par>
+                              <p:par>
+                                <p:cTn id="21" presetID="24" presetClass="emph" presetSubtype="0" fill="hold" nodeType="withEffect">
+                                  <p:stCondLst>
+                                    <p:cond delay="0"/>
+                                  </p:stCondLst>
+                                  <p:childTnLst>
+                                    <p:animClr clrSpc="hsl" dir="cw">
+                                      <p:cBhvr override="childStyle">
+                                        <p:cTn id="22" dur="500" fill="hold"/>
                                         <p:tgtEl>
                                           <p:spTgt spid="3">
                                             <p:txEl>
-                                              <p:pRg st="0" end="0"/>
+                                              <p:pRg st="1" end="1"/>
+                                            </p:txEl>
+                                          </p:spTgt>
+                                        </p:tgtEl>
+                                        <p:attrNameLst>
+                                          <p:attrName>style.color</p:attrName>
+                                        </p:attrNameLst>
+                                      </p:cBhvr>
+                                      <p:by>
+                                        <p:hsl h="0" s="-12549" l="-25098"/>
+                                      </p:by>
+                                    </p:animClr>
+                                    <p:animClr clrSpc="hsl" dir="cw">
+                                      <p:cBhvr>
+                                        <p:cTn id="23" dur="500" fill="hold"/>
+                                        <p:tgtEl>
+                                          <p:spTgt spid="3">
+                                            <p:txEl>
+                                              <p:pRg st="1" end="1"/>
+                                            </p:txEl>
+                                          </p:spTgt>
+                                        </p:tgtEl>
+                                        <p:attrNameLst>
+                                          <p:attrName>fillcolor</p:attrName>
+                                        </p:attrNameLst>
+                                      </p:cBhvr>
+                                      <p:by>
+                                        <p:hsl h="0" s="-12549" l="-25098"/>
+                                      </p:by>
+                                    </p:animClr>
+                                    <p:animClr clrSpc="hsl" dir="cw">
+                                      <p:cBhvr>
+                                        <p:cTn id="24" dur="500" fill="hold"/>
+                                        <p:tgtEl>
+                                          <p:spTgt spid="3">
+                                            <p:txEl>
+                                              <p:pRg st="1" end="1"/>
+                                            </p:txEl>
+                                          </p:spTgt>
+                                        </p:tgtEl>
+                                        <p:attrNameLst>
+                                          <p:attrName>stroke.color</p:attrName>
+                                        </p:attrNameLst>
+                                      </p:cBhvr>
+                                      <p:by>
+                                        <p:hsl h="0" s="-12549" l="-25098"/>
+                                      </p:by>
+                                    </p:animClr>
+                                    <p:set>
+                                      <p:cBhvr>
+                                        <p:cTn id="25" dur="500" fill="hold"/>
+                                        <p:tgtEl>
+                                          <p:spTgt spid="3">
+                                            <p:txEl>
+                                              <p:pRg st="1" end="1"/>
                                             </p:txEl>
                                           </p:spTgt>
                                         </p:tgtEl>
@@ -14653,26 +15788,26 @@
                     </p:cTn>
                   </p:par>
                   <p:par>
-                    <p:cTn id="28" fill="hold">
+                    <p:cTn id="26" fill="hold">
                       <p:stCondLst>
                         <p:cond delay="indefinite"/>
                       </p:stCondLst>
                       <p:childTnLst>
                         <p:par>
-                          <p:cTn id="29" fill="hold">
+                          <p:cTn id="27" fill="hold">
                             <p:stCondLst>
                               <p:cond delay="0"/>
                             </p:stCondLst>
                             <p:childTnLst>
                               <p:par>
-                                <p:cTn id="30" presetID="10" presetClass="entr" presetSubtype="0" fill="hold" nodeType="clickEffect">
+                                <p:cTn id="28" presetID="10" presetClass="entr" presetSubtype="0" fill="hold" nodeType="clickEffect">
                                   <p:stCondLst>
                                     <p:cond delay="0"/>
                                   </p:stCondLst>
                                   <p:childTnLst>
                                     <p:set>
                                       <p:cBhvr>
-                                        <p:cTn id="31" dur="1" fill="hold">
+                                        <p:cTn id="29" dur="1" fill="hold">
                                           <p:stCondLst>
                                             <p:cond delay="0"/>
                                           </p:stCondLst>
@@ -14694,7 +15829,7 @@
                                     </p:set>
                                     <p:animEffect transition="in" filter="fade">
                                       <p:cBhvr>
-                                        <p:cTn id="32" dur="500"/>
+                                        <p:cTn id="30" dur="500"/>
                                         <p:tgtEl>
                                           <p:spTgt spid="4">
                                             <p:txEl>
@@ -14708,18 +15843,18 @@
                                 </p:cTn>
                               </p:par>
                               <p:par>
-                                <p:cTn id="33" presetID="24" presetClass="emph" presetSubtype="0" fill="hold" nodeType="withEffect">
+                                <p:cTn id="31" presetID="24" presetClass="emph" presetSubtype="0" fill="hold" nodeType="withEffect">
                                   <p:stCondLst>
                                     <p:cond delay="0"/>
                                   </p:stCondLst>
                                   <p:childTnLst>
                                     <p:animClr clrSpc="hsl" dir="cw">
                                       <p:cBhvr override="childStyle">
-                                        <p:cTn id="34" dur="500" fill="hold"/>
+                                        <p:cTn id="32" dur="500" fill="hold"/>
                                         <p:tgtEl>
                                           <p:spTgt spid="3">
                                             <p:txEl>
-                                              <p:pRg st="1" end="1"/>
+                                              <p:pRg st="0" end="0"/>
                                             </p:txEl>
                                           </p:spTgt>
                                         </p:tgtEl>
@@ -14733,11 +15868,11 @@
                                     </p:animClr>
                                     <p:animClr clrSpc="hsl" dir="cw">
                                       <p:cBhvr>
-                                        <p:cTn id="35" dur="500" fill="hold"/>
+                                        <p:cTn id="33" dur="500" fill="hold"/>
                                         <p:tgtEl>
                                           <p:spTgt spid="3">
                                             <p:txEl>
-                                              <p:pRg st="1" end="1"/>
+                                              <p:pRg st="0" end="0"/>
                                             </p:txEl>
                                           </p:spTgt>
                                         </p:tgtEl>
@@ -14751,11 +15886,11 @@
                                     </p:animClr>
                                     <p:animClr clrSpc="hsl" dir="cw">
                                       <p:cBhvr>
-                                        <p:cTn id="36" dur="500" fill="hold"/>
+                                        <p:cTn id="34" dur="500" fill="hold"/>
                                         <p:tgtEl>
                                           <p:spTgt spid="3">
                                             <p:txEl>
-                                              <p:pRg st="1" end="1"/>
+                                              <p:pRg st="0" end="0"/>
                                             </p:txEl>
                                           </p:spTgt>
                                         </p:tgtEl>
@@ -14769,11 +15904,11 @@
                                     </p:animClr>
                                     <p:set>
                                       <p:cBhvr>
-                                        <p:cTn id="37" dur="500" fill="hold"/>
+                                        <p:cTn id="35" dur="500" fill="hold"/>
                                         <p:tgtEl>
                                           <p:spTgt spid="3">
                                             <p:txEl>
-                                              <p:pRg st="1" end="1"/>
+                                              <p:pRg st="0" end="0"/>
                                             </p:txEl>
                                           </p:spTgt>
                                         </p:tgtEl>
@@ -14795,26 +15930,26 @@
                     </p:cTn>
                   </p:par>
                   <p:par>
-                    <p:cTn id="38" fill="hold">
+                    <p:cTn id="36" fill="hold">
                       <p:stCondLst>
                         <p:cond delay="indefinite"/>
                       </p:stCondLst>
                       <p:childTnLst>
                         <p:par>
-                          <p:cTn id="39" fill="hold">
+                          <p:cTn id="37" fill="hold">
                             <p:stCondLst>
                               <p:cond delay="0"/>
                             </p:stCondLst>
                             <p:childTnLst>
                               <p:par>
-                                <p:cTn id="40" presetID="10" presetClass="entr" presetSubtype="0" fill="hold" nodeType="clickEffect">
+                                <p:cTn id="38" presetID="10" presetClass="entr" presetSubtype="0" fill="hold" nodeType="clickEffect">
                                   <p:stCondLst>
                                     <p:cond delay="0"/>
                                   </p:stCondLst>
                                   <p:childTnLst>
                                     <p:set>
                                       <p:cBhvr>
-                                        <p:cTn id="41" dur="1" fill="hold">
+                                        <p:cTn id="39" dur="1" fill="hold">
                                           <p:stCondLst>
                                             <p:cond delay="0"/>
                                           </p:stCondLst>
@@ -14836,7 +15971,7 @@
                                     </p:set>
                                     <p:animEffect transition="in" filter="fade">
                                       <p:cBhvr>
-                                        <p:cTn id="42" dur="500"/>
+                                        <p:cTn id="40" dur="500"/>
                                         <p:tgtEl>
                                           <p:spTgt spid="4">
                                             <p:txEl>
@@ -14850,14 +15985,14 @@
                                 </p:cTn>
                               </p:par>
                               <p:par>
-                                <p:cTn id="43" presetID="24" presetClass="emph" presetSubtype="0" fill="hold" nodeType="withEffect">
+                                <p:cTn id="41" presetID="24" presetClass="emph" presetSubtype="0" fill="hold" nodeType="withEffect">
                                   <p:stCondLst>
                                     <p:cond delay="0"/>
                                   </p:stCondLst>
                                   <p:childTnLst>
                                     <p:animClr clrSpc="hsl" dir="cw">
                                       <p:cBhvr override="childStyle">
-                                        <p:cTn id="44" dur="500" fill="hold"/>
+                                        <p:cTn id="42" dur="500" fill="hold"/>
                                         <p:tgtEl>
                                           <p:spTgt spid="4">
                                             <p:txEl>
@@ -14875,7 +16010,7 @@
                                     </p:animClr>
                                     <p:animClr clrSpc="hsl" dir="cw">
                                       <p:cBhvr>
-                                        <p:cTn id="45" dur="500" fill="hold"/>
+                                        <p:cTn id="43" dur="500" fill="hold"/>
                                         <p:tgtEl>
                                           <p:spTgt spid="4">
                                             <p:txEl>
@@ -14893,7 +16028,7 @@
                                     </p:animClr>
                                     <p:animClr clrSpc="hsl" dir="cw">
                                       <p:cBhvr>
-                                        <p:cTn id="46" dur="500" fill="hold"/>
+                                        <p:cTn id="44" dur="500" fill="hold"/>
                                         <p:tgtEl>
                                           <p:spTgt spid="4">
                                             <p:txEl>
@@ -14911,7 +16046,7 @@
                                     </p:animClr>
                                     <p:set>
                                       <p:cBhvr>
-                                        <p:cTn id="47" dur="500" fill="hold"/>
+                                        <p:cTn id="45" dur="500" fill="hold"/>
                                         <p:tgtEl>
                                           <p:spTgt spid="4">
                                             <p:txEl>
@@ -15003,7 +16138,7 @@
             </a:r>
             <a:r>
               <a:rPr lang="nl-NL" sz="1800" dirty="0"/>
-              <a:t>: Opstart</a:t>
+              <a:t>: functieomschrijving</a:t>
             </a:r>
           </a:p>
         </p:txBody>
@@ -15038,7 +16173,7 @@
             </a:pPr>
             <a:r>
               <a:rPr lang="nl-NL" sz="3600" dirty="0"/>
-              <a:t>Uniek</a:t>
+              <a:t>Technisch</a:t>
             </a:r>
           </a:p>
           <a:p>
@@ -15050,7 +16185,7 @@
             </a:pPr>
             <a:r>
               <a:rPr lang="nl-NL" sz="3600" dirty="0"/>
-              <a:t>Verificatie bij router</a:t>
+              <a:t>administratieve</a:t>
             </a:r>
           </a:p>
         </p:txBody>
@@ -15085,7 +16220,7 @@
             </a:pPr>
             <a:r>
               <a:rPr lang="nl-NL" sz="3600" dirty="0"/>
-              <a:t>Basis</a:t>
+              <a:t>Sociale media</a:t>
             </a:r>
           </a:p>
           <a:p>
@@ -15097,17 +16232,17 @@
             </a:pPr>
             <a:r>
               <a:rPr lang="nl-NL" sz="3600" dirty="0"/>
-              <a:t>86:83:BA:82:D7:63</a:t>
+              <a:t>Opvolgen team</a:t>
             </a:r>
           </a:p>
         </p:txBody>
       </p:sp>
       <p:sp>
         <p:nvSpPr>
-          <p:cNvPr id="9" name="Rechthoek 8">
+          <p:cNvPr id="6" name="Rechthoek 5">
             <a:extLst>
               <a:ext uri="{FF2B5EF4-FFF2-40B4-BE49-F238E27FC236}">
-                <a16:creationId xmlns:a16="http://schemas.microsoft.com/office/drawing/2014/main" id="{65F347BA-0DCD-4CD6-9504-4CA1585F651A}"/>
+                <a16:creationId xmlns:a16="http://schemas.microsoft.com/office/drawing/2014/main" id="{DF11D3FE-8764-44F4-8B28-BCAABC79A55A}"/>
               </a:ext>
             </a:extLst>
           </p:cNvPr>
@@ -15116,8 +16251,8 @@
         </p:nvSpPr>
         <p:spPr>
           <a:xfrm rot="5400000">
-            <a:off x="-837661" y="1122403"/>
-            <a:ext cx="2037348" cy="362035"/>
+            <a:off x="-588915" y="925802"/>
+            <a:ext cx="1432363" cy="254530"/>
           </a:xfrm>
           <a:prstGeom prst="rect">
             <a:avLst/>
@@ -15153,7 +16288,7 @@
           <a:p>
             <a:pPr algn="ctr"/>
             <a:r>
-              <a:rPr lang="nl-NL" dirty="0"/>
+              <a:rPr lang="nl-NL" sz="1200" dirty="0"/>
               <a:t>Studentenbedrijf</a:t>
             </a:r>
           </a:p>
@@ -15162,7 +16297,7 @@
     </p:spTree>
     <p:extLst>
       <p:ext uri="{BB962C8B-B14F-4D97-AF65-F5344CB8AC3E}">
-        <p14:creationId xmlns:p14="http://schemas.microsoft.com/office/powerpoint/2010/main" val="244289936"/>
+        <p14:creationId xmlns:p14="http://schemas.microsoft.com/office/powerpoint/2010/main" val="2947424057"/>
       </p:ext>
     </p:extLst>
   </p:cSld>
@@ -15863,8 +16998,873 @@
           <a:lstStyle/>
           <a:p>
             <a:r>
+              <a:rPr lang="nl-NL" sz="1800" dirty="0" err="1"/>
+              <a:t>Itissues</a:t>
+            </a:r>
+            <a:r>
               <a:rPr lang="nl-NL" sz="1800" dirty="0"/>
-              <a:t>Voorbereidend : Router</a:t>
+              <a:t>: besluit</a:t>
+            </a:r>
+          </a:p>
+        </p:txBody>
+      </p:sp>
+      <p:sp>
+        <p:nvSpPr>
+          <p:cNvPr id="3" name="Tijdelijke aanduiding voor inhoud 2"/>
+          <p:cNvSpPr>
+            <a:spLocks noGrp="1"/>
+          </p:cNvSpPr>
+          <p:nvPr>
+            <p:ph sz="half" idx="1"/>
+          </p:nvPr>
+        </p:nvSpPr>
+        <p:spPr>
+          <a:xfrm>
+            <a:off x="976046" y="2060575"/>
+            <a:ext cx="4523606" cy="4195763"/>
+          </a:xfrm>
+        </p:spPr>
+        <p:txBody>
+          <a:bodyPr anchor="ctr">
+            <a:normAutofit/>
+          </a:bodyPr>
+          <a:lstStyle/>
+          <a:p>
+            <a:pPr marL="0" indent="0">
+              <a:lnSpc>
+                <a:spcPct val="200000"/>
+              </a:lnSpc>
+              <a:buNone/>
+            </a:pPr>
+            <a:r>
+              <a:rPr lang="nl-NL" sz="3600" dirty="0"/>
+              <a:t>Uniek</a:t>
+            </a:r>
+          </a:p>
+          <a:p>
+            <a:pPr marL="0" indent="0">
+              <a:lnSpc>
+                <a:spcPct val="200000"/>
+              </a:lnSpc>
+              <a:buNone/>
+            </a:pPr>
+            <a:r>
+              <a:rPr lang="nl-NL" sz="3600" dirty="0"/>
+              <a:t>Verificatie bij router</a:t>
+            </a:r>
+          </a:p>
+        </p:txBody>
+      </p:sp>
+      <p:sp>
+        <p:nvSpPr>
+          <p:cNvPr id="4" name="Tijdelijke aanduiding voor inhoud 3"/>
+          <p:cNvSpPr>
+            <a:spLocks noGrp="1"/>
+          </p:cNvSpPr>
+          <p:nvPr>
+            <p:ph sz="half" idx="2"/>
+          </p:nvPr>
+        </p:nvSpPr>
+        <p:spPr>
+          <a:xfrm>
+            <a:off x="5654493" y="2097367"/>
+            <a:ext cx="4396341" cy="4200245"/>
+          </a:xfrm>
+        </p:spPr>
+        <p:txBody>
+          <a:bodyPr anchor="ctr">
+            <a:normAutofit/>
+          </a:bodyPr>
+          <a:lstStyle/>
+          <a:p>
+            <a:pPr marL="0" indent="0">
+              <a:lnSpc>
+                <a:spcPct val="200000"/>
+              </a:lnSpc>
+              <a:buNone/>
+            </a:pPr>
+            <a:r>
+              <a:rPr lang="nl-NL" sz="3600" dirty="0"/>
+              <a:t>Basis</a:t>
+            </a:r>
+          </a:p>
+          <a:p>
+            <a:pPr marL="0" indent="0">
+              <a:lnSpc>
+                <a:spcPct val="200000"/>
+              </a:lnSpc>
+              <a:buNone/>
+            </a:pPr>
+            <a:r>
+              <a:rPr lang="nl-NL" sz="3600" dirty="0"/>
+              <a:t>86:83:BA:82:D7:63</a:t>
+            </a:r>
+          </a:p>
+        </p:txBody>
+      </p:sp>
+      <p:sp>
+        <p:nvSpPr>
+          <p:cNvPr id="6" name="Rechthoek 5">
+            <a:extLst>
+              <a:ext uri="{FF2B5EF4-FFF2-40B4-BE49-F238E27FC236}">
+                <a16:creationId xmlns:a16="http://schemas.microsoft.com/office/drawing/2014/main" id="{DF11D3FE-8764-44F4-8B28-BCAABC79A55A}"/>
+              </a:ext>
+            </a:extLst>
+          </p:cNvPr>
+          <p:cNvSpPr/>
+          <p:nvPr/>
+        </p:nvSpPr>
+        <p:spPr>
+          <a:xfrm rot="5400000">
+            <a:off x="-588915" y="925802"/>
+            <a:ext cx="1432363" cy="254530"/>
+          </a:xfrm>
+          <a:prstGeom prst="rect">
+            <a:avLst/>
+          </a:prstGeom>
+          <a:solidFill>
+            <a:srgbClr val="FFC000"/>
+          </a:solidFill>
+          <a:ln>
+            <a:solidFill>
+              <a:srgbClr val="FFC000"/>
+            </a:solidFill>
+          </a:ln>
+        </p:spPr>
+        <p:style>
+          <a:lnRef idx="2">
+            <a:schemeClr val="accent1">
+              <a:shade val="50000"/>
+            </a:schemeClr>
+          </a:lnRef>
+          <a:fillRef idx="1">
+            <a:schemeClr val="accent1"/>
+          </a:fillRef>
+          <a:effectRef idx="0">
+            <a:schemeClr val="accent1"/>
+          </a:effectRef>
+          <a:fontRef idx="minor">
+            <a:schemeClr val="lt1"/>
+          </a:fontRef>
+        </p:style>
+        <p:txBody>
+          <a:bodyPr rtlCol="0" anchor="ctr"/>
+          <a:lstStyle/>
+          <a:p>
+            <a:pPr algn="ctr"/>
+            <a:r>
+              <a:rPr lang="nl-NL" sz="1200" dirty="0"/>
+              <a:t>Studentenbedrijf</a:t>
+            </a:r>
+          </a:p>
+        </p:txBody>
+      </p:sp>
+    </p:spTree>
+    <p:extLst>
+      <p:ext uri="{BB962C8B-B14F-4D97-AF65-F5344CB8AC3E}">
+        <p14:creationId xmlns:p14="http://schemas.microsoft.com/office/powerpoint/2010/main" val="1521612413"/>
+      </p:ext>
+    </p:extLst>
+  </p:cSld>
+  <p:clrMapOvr>
+    <a:masterClrMapping/>
+  </p:clrMapOvr>
+  <p:transition spd="slow">
+    <p:wipe/>
+  </p:transition>
+  <p:timing>
+    <p:tnLst>
+      <p:par>
+        <p:cTn id="1" dur="indefinite" restart="never" nodeType="tmRoot">
+          <p:childTnLst>
+            <p:seq concurrent="1" nextAc="seek">
+              <p:cTn id="2" dur="indefinite" nodeType="mainSeq">
+                <p:childTnLst>
+                  <p:par>
+                    <p:cTn id="3" fill="hold">
+                      <p:stCondLst>
+                        <p:cond delay="indefinite"/>
+                      </p:stCondLst>
+                      <p:childTnLst>
+                        <p:par>
+                          <p:cTn id="4" fill="hold">
+                            <p:stCondLst>
+                              <p:cond delay="0"/>
+                            </p:stCondLst>
+                            <p:childTnLst>
+                              <p:par>
+                                <p:cTn id="5" presetID="10" presetClass="entr" presetSubtype="0" fill="hold" grpId="0" nodeType="clickEffect">
+                                  <p:stCondLst>
+                                    <p:cond delay="0"/>
+                                  </p:stCondLst>
+                                  <p:childTnLst>
+                                    <p:set>
+                                      <p:cBhvr>
+                                        <p:cTn id="6" dur="1" fill="hold">
+                                          <p:stCondLst>
+                                            <p:cond delay="0"/>
+                                          </p:stCondLst>
+                                        </p:cTn>
+                                        <p:tgtEl>
+                                          <p:spTgt spid="2"/>
+                                        </p:tgtEl>
+                                        <p:attrNameLst>
+                                          <p:attrName>style.visibility</p:attrName>
+                                        </p:attrNameLst>
+                                      </p:cBhvr>
+                                      <p:to>
+                                        <p:strVal val="visible"/>
+                                      </p:to>
+                                    </p:set>
+                                    <p:animEffect transition="in" filter="fade">
+                                      <p:cBhvr>
+                                        <p:cTn id="7" dur="500"/>
+                                        <p:tgtEl>
+                                          <p:spTgt spid="2"/>
+                                        </p:tgtEl>
+                                      </p:cBhvr>
+                                    </p:animEffect>
+                                  </p:childTnLst>
+                                </p:cTn>
+                              </p:par>
+                              <p:par>
+                                <p:cTn id="8" presetID="24" presetClass="emph" presetSubtype="0" fill="hold" grpId="1" nodeType="withEffect">
+                                  <p:stCondLst>
+                                    <p:cond delay="0"/>
+                                  </p:stCondLst>
+                                  <p:childTnLst>
+                                    <p:animClr clrSpc="hsl" dir="cw">
+                                      <p:cBhvr override="childStyle">
+                                        <p:cTn id="9" dur="1000" fill="hold"/>
+                                        <p:tgtEl>
+                                          <p:spTgt spid="2"/>
+                                        </p:tgtEl>
+                                        <p:attrNameLst>
+                                          <p:attrName>style.color</p:attrName>
+                                        </p:attrNameLst>
+                                      </p:cBhvr>
+                                      <p:by>
+                                        <p:hsl h="0" s="-12549" l="-25098"/>
+                                      </p:by>
+                                    </p:animClr>
+                                    <p:animClr clrSpc="hsl" dir="cw">
+                                      <p:cBhvr>
+                                        <p:cTn id="10" dur="1000" fill="hold"/>
+                                        <p:tgtEl>
+                                          <p:spTgt spid="2"/>
+                                        </p:tgtEl>
+                                        <p:attrNameLst>
+                                          <p:attrName>fillcolor</p:attrName>
+                                        </p:attrNameLst>
+                                      </p:cBhvr>
+                                      <p:by>
+                                        <p:hsl h="0" s="-12549" l="-25098"/>
+                                      </p:by>
+                                    </p:animClr>
+                                    <p:animClr clrSpc="hsl" dir="cw">
+                                      <p:cBhvr>
+                                        <p:cTn id="11" dur="1000" fill="hold"/>
+                                        <p:tgtEl>
+                                          <p:spTgt spid="2"/>
+                                        </p:tgtEl>
+                                        <p:attrNameLst>
+                                          <p:attrName>stroke.color</p:attrName>
+                                        </p:attrNameLst>
+                                      </p:cBhvr>
+                                      <p:by>
+                                        <p:hsl h="0" s="-12549" l="-25098"/>
+                                      </p:by>
+                                    </p:animClr>
+                                    <p:set>
+                                      <p:cBhvr>
+                                        <p:cTn id="12" dur="1000" fill="hold"/>
+                                        <p:tgtEl>
+                                          <p:spTgt spid="2"/>
+                                        </p:tgtEl>
+                                        <p:attrNameLst>
+                                          <p:attrName>fill.type</p:attrName>
+                                        </p:attrNameLst>
+                                      </p:cBhvr>
+                                      <p:to>
+                                        <p:strVal val="solid"/>
+                                      </p:to>
+                                    </p:set>
+                                  </p:childTnLst>
+                                  <p:subTnLst>
+                                    <p:animClr clrSpc="rgb" dir="cw">
+                                      <p:cBhvr override="childStyle">
+                                        <p:cTn dur="1" fill="hold" display="0" masterRel="nextClick" afterEffect="1"/>
+                                        <p:tgtEl>
+                                          <p:spTgt spid="2"/>
+                                        </p:tgtEl>
+                                        <p:attrNameLst>
+                                          <p:attrName>ppt_c</p:attrName>
+                                        </p:attrNameLst>
+                                      </p:cBhvr>
+                                      <p:to>
+                                        <a:schemeClr val="folHlink"/>
+                                      </p:to>
+                                    </p:animClr>
+                                  </p:subTnLst>
+                                </p:cTn>
+                              </p:par>
+                            </p:childTnLst>
+                          </p:cTn>
+                        </p:par>
+                      </p:childTnLst>
+                    </p:cTn>
+                  </p:par>
+                  <p:par>
+                    <p:cTn id="13" fill="hold">
+                      <p:stCondLst>
+                        <p:cond delay="indefinite"/>
+                      </p:stCondLst>
+                      <p:childTnLst>
+                        <p:par>
+                          <p:cTn id="14" fill="hold">
+                            <p:stCondLst>
+                              <p:cond delay="0"/>
+                            </p:stCondLst>
+                            <p:childTnLst>
+                              <p:par>
+                                <p:cTn id="15" presetID="10" presetClass="entr" presetSubtype="0" fill="hold" nodeType="clickEffect">
+                                  <p:stCondLst>
+                                    <p:cond delay="0"/>
+                                  </p:stCondLst>
+                                  <p:childTnLst>
+                                    <p:set>
+                                      <p:cBhvr>
+                                        <p:cTn id="16" dur="1" fill="hold">
+                                          <p:stCondLst>
+                                            <p:cond delay="0"/>
+                                          </p:stCondLst>
+                                        </p:cTn>
+                                        <p:tgtEl>
+                                          <p:spTgt spid="3">
+                                            <p:txEl>
+                                              <p:pRg st="0" end="0"/>
+                                            </p:txEl>
+                                          </p:spTgt>
+                                        </p:tgtEl>
+                                        <p:attrNameLst>
+                                          <p:attrName>style.visibility</p:attrName>
+                                        </p:attrNameLst>
+                                      </p:cBhvr>
+                                      <p:to>
+                                        <p:strVal val="visible"/>
+                                      </p:to>
+                                    </p:set>
+                                    <p:animEffect transition="in" filter="fade">
+                                      <p:cBhvr>
+                                        <p:cTn id="17" dur="500"/>
+                                        <p:tgtEl>
+                                          <p:spTgt spid="3">
+                                            <p:txEl>
+                                              <p:pRg st="0" end="0"/>
+                                            </p:txEl>
+                                          </p:spTgt>
+                                        </p:tgtEl>
+                                      </p:cBhvr>
+                                    </p:animEffect>
+                                  </p:childTnLst>
+                                </p:cTn>
+                              </p:par>
+                            </p:childTnLst>
+                          </p:cTn>
+                        </p:par>
+                      </p:childTnLst>
+                    </p:cTn>
+                  </p:par>
+                  <p:par>
+                    <p:cTn id="18" fill="hold">
+                      <p:stCondLst>
+                        <p:cond delay="indefinite"/>
+                      </p:stCondLst>
+                      <p:childTnLst>
+                        <p:par>
+                          <p:cTn id="19" fill="hold">
+                            <p:stCondLst>
+                              <p:cond delay="0"/>
+                            </p:stCondLst>
+                            <p:childTnLst>
+                              <p:par>
+                                <p:cTn id="20" presetID="10" presetClass="entr" presetSubtype="0" fill="hold" nodeType="clickEffect">
+                                  <p:stCondLst>
+                                    <p:cond delay="0"/>
+                                  </p:stCondLst>
+                                  <p:childTnLst>
+                                    <p:set>
+                                      <p:cBhvr>
+                                        <p:cTn id="21" dur="1" fill="hold">
+                                          <p:stCondLst>
+                                            <p:cond delay="0"/>
+                                          </p:stCondLst>
+                                        </p:cTn>
+                                        <p:tgtEl>
+                                          <p:spTgt spid="3">
+                                            <p:txEl>
+                                              <p:pRg st="1" end="1"/>
+                                            </p:txEl>
+                                          </p:spTgt>
+                                        </p:tgtEl>
+                                        <p:attrNameLst>
+                                          <p:attrName>style.visibility</p:attrName>
+                                        </p:attrNameLst>
+                                      </p:cBhvr>
+                                      <p:to>
+                                        <p:strVal val="visible"/>
+                                      </p:to>
+                                    </p:set>
+                                    <p:animEffect transition="in" filter="fade">
+                                      <p:cBhvr>
+                                        <p:cTn id="22" dur="500"/>
+                                        <p:tgtEl>
+                                          <p:spTgt spid="3">
+                                            <p:txEl>
+                                              <p:pRg st="1" end="1"/>
+                                            </p:txEl>
+                                          </p:spTgt>
+                                        </p:tgtEl>
+                                      </p:cBhvr>
+                                    </p:animEffect>
+                                  </p:childTnLst>
+                                </p:cTn>
+                              </p:par>
+                              <p:par>
+                                <p:cTn id="23" presetID="24" presetClass="emph" presetSubtype="0" fill="hold" nodeType="withEffect">
+                                  <p:stCondLst>
+                                    <p:cond delay="0"/>
+                                  </p:stCondLst>
+                                  <p:childTnLst>
+                                    <p:animClr clrSpc="hsl" dir="cw">
+                                      <p:cBhvr override="childStyle">
+                                        <p:cTn id="24" dur="500" fill="hold"/>
+                                        <p:tgtEl>
+                                          <p:spTgt spid="3">
+                                            <p:txEl>
+                                              <p:pRg st="0" end="0"/>
+                                            </p:txEl>
+                                          </p:spTgt>
+                                        </p:tgtEl>
+                                        <p:attrNameLst>
+                                          <p:attrName>style.color</p:attrName>
+                                        </p:attrNameLst>
+                                      </p:cBhvr>
+                                      <p:by>
+                                        <p:hsl h="0" s="-12549" l="-25098"/>
+                                      </p:by>
+                                    </p:animClr>
+                                    <p:animClr clrSpc="hsl" dir="cw">
+                                      <p:cBhvr>
+                                        <p:cTn id="25" dur="500" fill="hold"/>
+                                        <p:tgtEl>
+                                          <p:spTgt spid="3">
+                                            <p:txEl>
+                                              <p:pRg st="0" end="0"/>
+                                            </p:txEl>
+                                          </p:spTgt>
+                                        </p:tgtEl>
+                                        <p:attrNameLst>
+                                          <p:attrName>fillcolor</p:attrName>
+                                        </p:attrNameLst>
+                                      </p:cBhvr>
+                                      <p:by>
+                                        <p:hsl h="0" s="-12549" l="-25098"/>
+                                      </p:by>
+                                    </p:animClr>
+                                    <p:animClr clrSpc="hsl" dir="cw">
+                                      <p:cBhvr>
+                                        <p:cTn id="26" dur="500" fill="hold"/>
+                                        <p:tgtEl>
+                                          <p:spTgt spid="3">
+                                            <p:txEl>
+                                              <p:pRg st="0" end="0"/>
+                                            </p:txEl>
+                                          </p:spTgt>
+                                        </p:tgtEl>
+                                        <p:attrNameLst>
+                                          <p:attrName>stroke.color</p:attrName>
+                                        </p:attrNameLst>
+                                      </p:cBhvr>
+                                      <p:by>
+                                        <p:hsl h="0" s="-12549" l="-25098"/>
+                                      </p:by>
+                                    </p:animClr>
+                                    <p:set>
+                                      <p:cBhvr>
+                                        <p:cTn id="27" dur="500" fill="hold"/>
+                                        <p:tgtEl>
+                                          <p:spTgt spid="3">
+                                            <p:txEl>
+                                              <p:pRg st="0" end="0"/>
+                                            </p:txEl>
+                                          </p:spTgt>
+                                        </p:tgtEl>
+                                        <p:attrNameLst>
+                                          <p:attrName>fill.type</p:attrName>
+                                        </p:attrNameLst>
+                                      </p:cBhvr>
+                                      <p:to>
+                                        <p:strVal val="solid"/>
+                                      </p:to>
+                                    </p:set>
+                                  </p:childTnLst>
+                                </p:cTn>
+                              </p:par>
+                            </p:childTnLst>
+                          </p:cTn>
+                        </p:par>
+                      </p:childTnLst>
+                    </p:cTn>
+                  </p:par>
+                  <p:par>
+                    <p:cTn id="28" fill="hold">
+                      <p:stCondLst>
+                        <p:cond delay="indefinite"/>
+                      </p:stCondLst>
+                      <p:childTnLst>
+                        <p:par>
+                          <p:cTn id="29" fill="hold">
+                            <p:stCondLst>
+                              <p:cond delay="0"/>
+                            </p:stCondLst>
+                            <p:childTnLst>
+                              <p:par>
+                                <p:cTn id="30" presetID="10" presetClass="entr" presetSubtype="0" fill="hold" nodeType="clickEffect">
+                                  <p:stCondLst>
+                                    <p:cond delay="0"/>
+                                  </p:stCondLst>
+                                  <p:childTnLst>
+                                    <p:set>
+                                      <p:cBhvr>
+                                        <p:cTn id="31" dur="1" fill="hold">
+                                          <p:stCondLst>
+                                            <p:cond delay="0"/>
+                                          </p:stCondLst>
+                                        </p:cTn>
+                                        <p:tgtEl>
+                                          <p:spTgt spid="4">
+                                            <p:txEl>
+                                              <p:pRg st="0" end="0"/>
+                                            </p:txEl>
+                                          </p:spTgt>
+                                        </p:tgtEl>
+                                        <p:attrNameLst>
+                                          <p:attrName>style.visibility</p:attrName>
+                                        </p:attrNameLst>
+                                      </p:cBhvr>
+                                      <p:to>
+                                        <p:strVal val="visible"/>
+                                      </p:to>
+                                    </p:set>
+                                    <p:animEffect transition="in" filter="fade">
+                                      <p:cBhvr>
+                                        <p:cTn id="32" dur="500"/>
+                                        <p:tgtEl>
+                                          <p:spTgt spid="4">
+                                            <p:txEl>
+                                              <p:pRg st="0" end="0"/>
+                                            </p:txEl>
+                                          </p:spTgt>
+                                        </p:tgtEl>
+                                      </p:cBhvr>
+                                    </p:animEffect>
+                                  </p:childTnLst>
+                                </p:cTn>
+                              </p:par>
+                              <p:par>
+                                <p:cTn id="33" presetID="24" presetClass="emph" presetSubtype="0" fill="hold" nodeType="withEffect">
+                                  <p:stCondLst>
+                                    <p:cond delay="0"/>
+                                  </p:stCondLst>
+                                  <p:childTnLst>
+                                    <p:animClr clrSpc="hsl" dir="cw">
+                                      <p:cBhvr override="childStyle">
+                                        <p:cTn id="34" dur="500" fill="hold"/>
+                                        <p:tgtEl>
+                                          <p:spTgt spid="3">
+                                            <p:txEl>
+                                              <p:pRg st="1" end="1"/>
+                                            </p:txEl>
+                                          </p:spTgt>
+                                        </p:tgtEl>
+                                        <p:attrNameLst>
+                                          <p:attrName>style.color</p:attrName>
+                                        </p:attrNameLst>
+                                      </p:cBhvr>
+                                      <p:by>
+                                        <p:hsl h="0" s="-12549" l="-25098"/>
+                                      </p:by>
+                                    </p:animClr>
+                                    <p:animClr clrSpc="hsl" dir="cw">
+                                      <p:cBhvr>
+                                        <p:cTn id="35" dur="500" fill="hold"/>
+                                        <p:tgtEl>
+                                          <p:spTgt spid="3">
+                                            <p:txEl>
+                                              <p:pRg st="1" end="1"/>
+                                            </p:txEl>
+                                          </p:spTgt>
+                                        </p:tgtEl>
+                                        <p:attrNameLst>
+                                          <p:attrName>fillcolor</p:attrName>
+                                        </p:attrNameLst>
+                                      </p:cBhvr>
+                                      <p:by>
+                                        <p:hsl h="0" s="-12549" l="-25098"/>
+                                      </p:by>
+                                    </p:animClr>
+                                    <p:animClr clrSpc="hsl" dir="cw">
+                                      <p:cBhvr>
+                                        <p:cTn id="36" dur="500" fill="hold"/>
+                                        <p:tgtEl>
+                                          <p:spTgt spid="3">
+                                            <p:txEl>
+                                              <p:pRg st="1" end="1"/>
+                                            </p:txEl>
+                                          </p:spTgt>
+                                        </p:tgtEl>
+                                        <p:attrNameLst>
+                                          <p:attrName>stroke.color</p:attrName>
+                                        </p:attrNameLst>
+                                      </p:cBhvr>
+                                      <p:by>
+                                        <p:hsl h="0" s="-12549" l="-25098"/>
+                                      </p:by>
+                                    </p:animClr>
+                                    <p:set>
+                                      <p:cBhvr>
+                                        <p:cTn id="37" dur="500" fill="hold"/>
+                                        <p:tgtEl>
+                                          <p:spTgt spid="3">
+                                            <p:txEl>
+                                              <p:pRg st="1" end="1"/>
+                                            </p:txEl>
+                                          </p:spTgt>
+                                        </p:tgtEl>
+                                        <p:attrNameLst>
+                                          <p:attrName>fill.type</p:attrName>
+                                        </p:attrNameLst>
+                                      </p:cBhvr>
+                                      <p:to>
+                                        <p:strVal val="solid"/>
+                                      </p:to>
+                                    </p:set>
+                                  </p:childTnLst>
+                                </p:cTn>
+                              </p:par>
+                            </p:childTnLst>
+                          </p:cTn>
+                        </p:par>
+                      </p:childTnLst>
+                    </p:cTn>
+                  </p:par>
+                  <p:par>
+                    <p:cTn id="38" fill="hold">
+                      <p:stCondLst>
+                        <p:cond delay="indefinite"/>
+                      </p:stCondLst>
+                      <p:childTnLst>
+                        <p:par>
+                          <p:cTn id="39" fill="hold">
+                            <p:stCondLst>
+                              <p:cond delay="0"/>
+                            </p:stCondLst>
+                            <p:childTnLst>
+                              <p:par>
+                                <p:cTn id="40" presetID="10" presetClass="entr" presetSubtype="0" fill="hold" nodeType="clickEffect">
+                                  <p:stCondLst>
+                                    <p:cond delay="0"/>
+                                  </p:stCondLst>
+                                  <p:childTnLst>
+                                    <p:set>
+                                      <p:cBhvr>
+                                        <p:cTn id="41" dur="1" fill="hold">
+                                          <p:stCondLst>
+                                            <p:cond delay="0"/>
+                                          </p:stCondLst>
+                                        </p:cTn>
+                                        <p:tgtEl>
+                                          <p:spTgt spid="4">
+                                            <p:txEl>
+                                              <p:pRg st="1" end="1"/>
+                                            </p:txEl>
+                                          </p:spTgt>
+                                        </p:tgtEl>
+                                        <p:attrNameLst>
+                                          <p:attrName>style.visibility</p:attrName>
+                                        </p:attrNameLst>
+                                      </p:cBhvr>
+                                      <p:to>
+                                        <p:strVal val="visible"/>
+                                      </p:to>
+                                    </p:set>
+                                    <p:animEffect transition="in" filter="fade">
+                                      <p:cBhvr>
+                                        <p:cTn id="42" dur="500"/>
+                                        <p:tgtEl>
+                                          <p:spTgt spid="4">
+                                            <p:txEl>
+                                              <p:pRg st="1" end="1"/>
+                                            </p:txEl>
+                                          </p:spTgt>
+                                        </p:tgtEl>
+                                      </p:cBhvr>
+                                    </p:animEffect>
+                                  </p:childTnLst>
+                                </p:cTn>
+                              </p:par>
+                              <p:par>
+                                <p:cTn id="43" presetID="24" presetClass="emph" presetSubtype="0" fill="hold" nodeType="withEffect">
+                                  <p:stCondLst>
+                                    <p:cond delay="0"/>
+                                  </p:stCondLst>
+                                  <p:childTnLst>
+                                    <p:animClr clrSpc="hsl" dir="cw">
+                                      <p:cBhvr override="childStyle">
+                                        <p:cTn id="44" dur="500" fill="hold"/>
+                                        <p:tgtEl>
+                                          <p:spTgt spid="4">
+                                            <p:txEl>
+                                              <p:pRg st="0" end="0"/>
+                                            </p:txEl>
+                                          </p:spTgt>
+                                        </p:tgtEl>
+                                        <p:attrNameLst>
+                                          <p:attrName>style.color</p:attrName>
+                                        </p:attrNameLst>
+                                      </p:cBhvr>
+                                      <p:by>
+                                        <p:hsl h="0" s="-12549" l="-25098"/>
+                                      </p:by>
+                                    </p:animClr>
+                                    <p:animClr clrSpc="hsl" dir="cw">
+                                      <p:cBhvr>
+                                        <p:cTn id="45" dur="500" fill="hold"/>
+                                        <p:tgtEl>
+                                          <p:spTgt spid="4">
+                                            <p:txEl>
+                                              <p:pRg st="0" end="0"/>
+                                            </p:txEl>
+                                          </p:spTgt>
+                                        </p:tgtEl>
+                                        <p:attrNameLst>
+                                          <p:attrName>fillcolor</p:attrName>
+                                        </p:attrNameLst>
+                                      </p:cBhvr>
+                                      <p:by>
+                                        <p:hsl h="0" s="-12549" l="-25098"/>
+                                      </p:by>
+                                    </p:animClr>
+                                    <p:animClr clrSpc="hsl" dir="cw">
+                                      <p:cBhvr>
+                                        <p:cTn id="46" dur="500" fill="hold"/>
+                                        <p:tgtEl>
+                                          <p:spTgt spid="4">
+                                            <p:txEl>
+                                              <p:pRg st="0" end="0"/>
+                                            </p:txEl>
+                                          </p:spTgt>
+                                        </p:tgtEl>
+                                        <p:attrNameLst>
+                                          <p:attrName>stroke.color</p:attrName>
+                                        </p:attrNameLst>
+                                      </p:cBhvr>
+                                      <p:by>
+                                        <p:hsl h="0" s="-12549" l="-25098"/>
+                                      </p:by>
+                                    </p:animClr>
+                                    <p:set>
+                                      <p:cBhvr>
+                                        <p:cTn id="47" dur="500" fill="hold"/>
+                                        <p:tgtEl>
+                                          <p:spTgt spid="4">
+                                            <p:txEl>
+                                              <p:pRg st="0" end="0"/>
+                                            </p:txEl>
+                                          </p:spTgt>
+                                        </p:tgtEl>
+                                        <p:attrNameLst>
+                                          <p:attrName>fill.type</p:attrName>
+                                        </p:attrNameLst>
+                                      </p:cBhvr>
+                                      <p:to>
+                                        <p:strVal val="solid"/>
+                                      </p:to>
+                                    </p:set>
+                                  </p:childTnLst>
+                                </p:cTn>
+                              </p:par>
+                            </p:childTnLst>
+                          </p:cTn>
+                        </p:par>
+                      </p:childTnLst>
+                    </p:cTn>
+                  </p:par>
+                </p:childTnLst>
+              </p:cTn>
+              <p:prevCondLst>
+                <p:cond evt="onPrev" delay="0">
+                  <p:tgtEl>
+                    <p:sldTgt/>
+                  </p:tgtEl>
+                </p:cond>
+              </p:prevCondLst>
+              <p:nextCondLst>
+                <p:cond evt="onNext" delay="0">
+                  <p:tgtEl>
+                    <p:sldTgt/>
+                  </p:tgtEl>
+                </p:cond>
+              </p:nextCondLst>
+            </p:seq>
+          </p:childTnLst>
+        </p:cTn>
+      </p:par>
+    </p:tnLst>
+    <p:bldLst>
+      <p:bldP spid="2" grpId="0"/>
+      <p:bldP spid="2" grpId="1"/>
+    </p:bldLst>
+  </p:timing>
+</p:sld>
+</file>
+
+<file path=ppt/slides/slide7.xml><?xml version="1.0" encoding="utf-8"?>
+<p:sld xmlns:a="http://schemas.openxmlformats.org/drawingml/2006/main" xmlns:r="http://schemas.openxmlformats.org/officeDocument/2006/relationships" xmlns:p="http://schemas.openxmlformats.org/presentationml/2006/main">
+  <p:cSld>
+    <p:spTree>
+      <p:nvGrpSpPr>
+        <p:cNvPr id="1" name=""/>
+        <p:cNvGrpSpPr/>
+        <p:nvPr/>
+      </p:nvGrpSpPr>
+      <p:grpSpPr>
+        <a:xfrm>
+          <a:off x="0" y="0"/>
+          <a:ext cx="0" cy="0"/>
+          <a:chOff x="0" y="0"/>
+          <a:chExt cx="0" cy="0"/>
+        </a:xfrm>
+      </p:grpSpPr>
+      <p:sp>
+        <p:nvSpPr>
+          <p:cNvPr id="2" name="Titel 1"/>
+          <p:cNvSpPr>
+            <a:spLocks noGrp="1"/>
+          </p:cNvSpPr>
+          <p:nvPr>
+            <p:ph type="title"/>
+          </p:nvPr>
+        </p:nvSpPr>
+        <p:spPr/>
+        <p:txBody>
+          <a:bodyPr/>
+          <a:lstStyle/>
+          <a:p>
+            <a:r>
+              <a:rPr lang="nl-NL" sz="1800" dirty="0"/>
+              <a:t>Led kubus</a:t>
             </a:r>
           </a:p>
         </p:txBody>
@@ -16014,6 +18014,63 @@
           </a:effectLst>
         </p:spPr>
       </p:pic>
+      <p:sp>
+        <p:nvSpPr>
+          <p:cNvPr id="6" name="Rechthoek 5">
+            <a:extLst>
+              <a:ext uri="{FF2B5EF4-FFF2-40B4-BE49-F238E27FC236}">
+                <a16:creationId xmlns:a16="http://schemas.microsoft.com/office/drawing/2014/main" id="{ADC435DB-0D79-4A8E-87B1-F5C4E4B820C0}"/>
+              </a:ext>
+            </a:extLst>
+          </p:cNvPr>
+          <p:cNvSpPr/>
+          <p:nvPr/>
+        </p:nvSpPr>
+        <p:spPr>
+          <a:xfrm rot="5400000">
+            <a:off x="-584391" y="3147959"/>
+            <a:ext cx="1423311" cy="254530"/>
+          </a:xfrm>
+          <a:prstGeom prst="rect">
+            <a:avLst/>
+          </a:prstGeom>
+          <a:solidFill>
+            <a:srgbClr val="00B0F0"/>
+          </a:solidFill>
+          <a:ln>
+            <a:solidFill>
+              <a:srgbClr val="00B0F0"/>
+            </a:solidFill>
+          </a:ln>
+        </p:spPr>
+        <p:style>
+          <a:lnRef idx="2">
+            <a:schemeClr val="accent1">
+              <a:shade val="50000"/>
+            </a:schemeClr>
+          </a:lnRef>
+          <a:fillRef idx="1">
+            <a:schemeClr val="accent1"/>
+          </a:fillRef>
+          <a:effectRef idx="0">
+            <a:schemeClr val="accent1"/>
+          </a:effectRef>
+          <a:fontRef idx="minor">
+            <a:schemeClr val="lt1"/>
+          </a:fontRef>
+        </p:style>
+        <p:txBody>
+          <a:bodyPr rtlCol="0" anchor="ctr"/>
+          <a:lstStyle/>
+          <a:p>
+            <a:pPr algn="ctr"/>
+            <a:r>
+              <a:rPr lang="nl-NL" sz="1200" dirty="0"/>
+              <a:t>Led kubus</a:t>
+            </a:r>
+          </a:p>
+        </p:txBody>
+      </p:sp>
     </p:spTree>
     <p:extLst>
       <p:ext uri="{BB962C8B-B14F-4D97-AF65-F5344CB8AC3E}">
@@ -16720,7 +18777,7 @@
 </p:sld>
 </file>
 
-<file path=ppt/slides/slide7.xml><?xml version="1.0" encoding="utf-8"?>
+<file path=ppt/slides/slide8.xml><?xml version="1.0" encoding="utf-8"?>
 <p:sld xmlns:a="http://schemas.openxmlformats.org/drawingml/2006/main" xmlns:r="http://schemas.openxmlformats.org/officeDocument/2006/relationships" xmlns:p="http://schemas.openxmlformats.org/presentationml/2006/main">
   <p:cSld>
     <p:spTree>
@@ -18482,7 +20539,7 @@
 </p:sld>
 </file>
 
-<file path=ppt/slides/slide8.xml><?xml version="1.0" encoding="utf-8"?>
+<file path=ppt/slides/slide9.xml><?xml version="1.0" encoding="utf-8"?>
 <p:sld xmlns:a="http://schemas.openxmlformats.org/drawingml/2006/main" xmlns:r="http://schemas.openxmlformats.org/officeDocument/2006/relationships" xmlns:p="http://schemas.openxmlformats.org/presentationml/2006/main">
   <p:cSld>
     <p:spTree>
@@ -20278,1016 +22335,6 @@
 </p:sld>
 </file>
 
-<file path=ppt/slides/slide9.xml><?xml version="1.0" encoding="utf-8"?>
-<p:sld xmlns:a="http://schemas.openxmlformats.org/drawingml/2006/main" xmlns:r="http://schemas.openxmlformats.org/officeDocument/2006/relationships" xmlns:p="http://schemas.openxmlformats.org/presentationml/2006/main">
-  <p:cSld>
-    <p:spTree>
-      <p:nvGrpSpPr>
-        <p:cNvPr id="1" name=""/>
-        <p:cNvGrpSpPr/>
-        <p:nvPr/>
-      </p:nvGrpSpPr>
-      <p:grpSpPr>
-        <a:xfrm>
-          <a:off x="0" y="0"/>
-          <a:ext cx="0" cy="0"/>
-          <a:chOff x="0" y="0"/>
-          <a:chExt cx="0" cy="0"/>
-        </a:xfrm>
-      </p:grpSpPr>
-      <p:sp>
-        <p:nvSpPr>
-          <p:cNvPr id="2" name="Titel 1"/>
-          <p:cNvSpPr>
-            <a:spLocks noGrp="1"/>
-          </p:cNvSpPr>
-          <p:nvPr>
-            <p:ph type="title"/>
-          </p:nvPr>
-        </p:nvSpPr>
-        <p:spPr/>
-        <p:txBody>
-          <a:bodyPr/>
-          <a:lstStyle/>
-          <a:p>
-            <a:r>
-              <a:rPr lang="nl-NL" sz="1800" dirty="0"/>
-              <a:t>ARP</a:t>
-            </a:r>
-          </a:p>
-        </p:txBody>
-      </p:sp>
-      <p:grpSp>
-        <p:nvGrpSpPr>
-          <p:cNvPr id="10" name="Groep 9">
-            <a:extLst>
-              <a:ext uri="{FF2B5EF4-FFF2-40B4-BE49-F238E27FC236}">
-                <a16:creationId xmlns:a16="http://schemas.microsoft.com/office/drawing/2014/main" id="{EAD5C7D6-49CF-4405-A937-E8DEE996C2BF}"/>
-              </a:ext>
-            </a:extLst>
-          </p:cNvPr>
-          <p:cNvGrpSpPr/>
-          <p:nvPr/>
-        </p:nvGrpSpPr>
-        <p:grpSpPr>
-          <a:xfrm>
-            <a:off x="1147056" y="1078660"/>
-            <a:ext cx="2251836" cy="1400530"/>
-            <a:chOff x="2667000" y="1143000"/>
-            <a:chExt cx="6858000" cy="4572000"/>
-          </a:xfrm>
-        </p:grpSpPr>
-        <p:pic>
-          <p:nvPicPr>
-            <p:cNvPr id="11" name="Picture 2" descr="Afbeeldingsresultaat voor computer razerblade">
-              <a:extLst>
-                <a:ext uri="{FF2B5EF4-FFF2-40B4-BE49-F238E27FC236}">
-                  <a16:creationId xmlns:a16="http://schemas.microsoft.com/office/drawing/2014/main" id="{80D1997E-D198-47A4-AAF9-77BF94B67291}"/>
-                </a:ext>
-              </a:extLst>
-            </p:cNvPr>
-            <p:cNvPicPr>
-              <a:picLocks noChangeAspect="1" noChangeArrowheads="1"/>
-            </p:cNvPicPr>
-            <p:nvPr/>
-          </p:nvPicPr>
-          <p:blipFill>
-            <a:blip r:embed="rId3" cstate="print">
-              <a:extLst>
-                <a:ext uri="{BEBA8EAE-BF5A-486C-A8C5-ECC9F3942E4B}">
-                  <a14:imgProps xmlns:a14="http://schemas.microsoft.com/office/drawing/2010/main">
-                    <a14:imgLayer r:embed="rId4">
-                      <a14:imgEffect>
-                        <a14:backgroundRemoval t="8958" b="90000" l="10000" r="90000">
-                          <a14:foregroundMark x1="28472" y1="50417" x2="15139" y2="88750"/>
-                          <a14:foregroundMark x1="15139" y1="88750" x2="37083" y2="91458"/>
-                          <a14:foregroundMark x1="37083" y1="91458" x2="51806" y2="88542"/>
-                          <a14:foregroundMark x1="51806" y1="88542" x2="77083" y2="90417"/>
-                          <a14:foregroundMark x1="77083" y1="90417" x2="84167" y2="88958"/>
-                          <a14:foregroundMark x1="84167" y1="88958" x2="84444" y2="77292"/>
-                          <a14:foregroundMark x1="84444" y1="77292" x2="79306" y2="67292"/>
-                          <a14:foregroundMark x1="79306" y1="67292" x2="74861" y2="27083"/>
-                          <a14:foregroundMark x1="74861" y1="27083" x2="74722" y2="16250"/>
-                          <a14:foregroundMark x1="74722" y1="16250" x2="68611" y2="11042"/>
-                          <a14:foregroundMark x1="68611" y1="11042" x2="61667" y2="8958"/>
-                          <a14:foregroundMark x1="61667" y1="8958" x2="39444" y2="12083"/>
-                          <a14:foregroundMark x1="39444" y1="12083" x2="29861" y2="10000"/>
-                        </a14:backgroundRemoval>
-                      </a14:imgEffect>
-                    </a14:imgLayer>
-                  </a14:imgProps>
-                </a:ext>
-                <a:ext uri="{28A0092B-C50C-407E-A947-70E740481C1C}">
-                  <a14:useLocalDpi xmlns:a14="http://schemas.microsoft.com/office/drawing/2010/main" val="0"/>
-                </a:ext>
-              </a:extLst>
-            </a:blip>
-            <a:srcRect/>
-            <a:stretch>
-              <a:fillRect/>
-            </a:stretch>
-          </p:blipFill>
-          <p:spPr bwMode="auto">
-            <a:xfrm>
-              <a:off x="2667000" y="1143000"/>
-              <a:ext cx="6858000" cy="4572000"/>
-            </a:xfrm>
-            <a:prstGeom prst="rect">
-              <a:avLst/>
-            </a:prstGeom>
-            <a:noFill/>
-            <a:extLst>
-              <a:ext uri="{909E8E84-426E-40DD-AFC4-6F175D3DCCD1}">
-                <a14:hiddenFill xmlns:a14="http://schemas.microsoft.com/office/drawing/2010/main">
-                  <a:solidFill>
-                    <a:srgbClr val="FFFFFF"/>
-                  </a:solidFill>
-                </a14:hiddenFill>
-              </a:ext>
-            </a:extLst>
-          </p:spPr>
-        </p:pic>
-        <p:sp>
-          <p:nvSpPr>
-            <p:cNvPr id="12" name="Rechthoek 11">
-              <a:extLst>
-                <a:ext uri="{FF2B5EF4-FFF2-40B4-BE49-F238E27FC236}">
-                  <a16:creationId xmlns:a16="http://schemas.microsoft.com/office/drawing/2014/main" id="{24092E85-DE01-4CCE-B1C8-980B2976CCF6}"/>
-                </a:ext>
-              </a:extLst>
-            </p:cNvPr>
-            <p:cNvSpPr/>
-            <p:nvPr/>
-          </p:nvSpPr>
-          <p:spPr>
-            <a:xfrm>
-              <a:off x="4109662" y="1530849"/>
-              <a:ext cx="4027471" cy="2393879"/>
-            </a:xfrm>
-            <a:prstGeom prst="rect">
-              <a:avLst/>
-            </a:prstGeom>
-          </p:spPr>
-          <p:style>
-            <a:lnRef idx="2">
-              <a:schemeClr val="dk1">
-                <a:shade val="50000"/>
-              </a:schemeClr>
-            </a:lnRef>
-            <a:fillRef idx="1">
-              <a:schemeClr val="dk1"/>
-            </a:fillRef>
-            <a:effectRef idx="0">
-              <a:schemeClr val="dk1"/>
-            </a:effectRef>
-            <a:fontRef idx="minor">
-              <a:schemeClr val="lt1"/>
-            </a:fontRef>
-          </p:style>
-          <p:txBody>
-            <a:bodyPr rtlCol="0" anchor="ctr"/>
-            <a:lstStyle/>
-            <a:p>
-              <a:pPr algn="ctr"/>
-              <a:r>
-                <a:rPr lang="nl-NL" sz="2000" b="1" dirty="0"/>
-                <a:t>HACKER</a:t>
-              </a:r>
-            </a:p>
-          </p:txBody>
-        </p:sp>
-      </p:grpSp>
-      <p:grpSp>
-        <p:nvGrpSpPr>
-          <p:cNvPr id="13" name="Groep 12">
-            <a:extLst>
-              <a:ext uri="{FF2B5EF4-FFF2-40B4-BE49-F238E27FC236}">
-                <a16:creationId xmlns:a16="http://schemas.microsoft.com/office/drawing/2014/main" id="{14A33966-82D2-462D-A40F-1A06A747A281}"/>
-              </a:ext>
-            </a:extLst>
-          </p:cNvPr>
-          <p:cNvGrpSpPr/>
-          <p:nvPr/>
-        </p:nvGrpSpPr>
-        <p:grpSpPr>
-          <a:xfrm>
-            <a:off x="1002303" y="4982869"/>
-            <a:ext cx="2559333" cy="1233836"/>
-            <a:chOff x="5546977" y="2557328"/>
-            <a:chExt cx="3463459" cy="1877195"/>
-          </a:xfrm>
-        </p:grpSpPr>
-        <p:pic>
-          <p:nvPicPr>
-            <p:cNvPr id="14" name="Afbeelding 13">
-              <a:extLst>
-                <a:ext uri="{FF2B5EF4-FFF2-40B4-BE49-F238E27FC236}">
-                  <a16:creationId xmlns:a16="http://schemas.microsoft.com/office/drawing/2014/main" id="{7F8FB06A-32BD-4D1C-B7B1-7B881032AE42}"/>
-                </a:ext>
-              </a:extLst>
-            </p:cNvPr>
-            <p:cNvPicPr>
-              <a:picLocks noChangeAspect="1"/>
-            </p:cNvPicPr>
-            <p:nvPr/>
-          </p:nvPicPr>
-          <p:blipFill>
-            <a:blip r:embed="rId5">
-              <a:extLst>
-                <a:ext uri="{BEBA8EAE-BF5A-486C-A8C5-ECC9F3942E4B}">
-                  <a14:imgProps xmlns:a14="http://schemas.microsoft.com/office/drawing/2010/main">
-                    <a14:imgLayer r:embed="rId6">
-                      <a14:imgEffect>
-                        <a14:backgroundRemoval t="0" b="97048" l="3800" r="90000">
-                          <a14:foregroundMark x1="24600" y1="16605" x2="17600" y2="11439"/>
-                          <a14:foregroundMark x1="17600" y1="16974" x2="18400" y2="52399"/>
-                          <a14:foregroundMark x1="16800" y1="11439" x2="25800" y2="3690"/>
-                          <a14:foregroundMark x1="25800" y1="3690" x2="48600" y2="0"/>
-                          <a14:foregroundMark x1="48600" y1="0" x2="64600" y2="738"/>
-                          <a14:foregroundMark x1="64600" y1="738" x2="66600" y2="2952"/>
-                          <a14:foregroundMark x1="44200" y1="59041" x2="44200" y2="59041"/>
-                          <a14:foregroundMark x1="47000" y1="59410" x2="67800" y2="57565"/>
-                          <a14:foregroundMark x1="67800" y1="57565" x2="69600" y2="2583"/>
-                          <a14:foregroundMark x1="48400" y1="57565" x2="18600" y2="54613"/>
-                          <a14:foregroundMark x1="34600" y1="59041" x2="34600" y2="59041"/>
-                          <a14:foregroundMark x1="34200" y1="59779" x2="30200" y2="61255"/>
-                          <a14:foregroundMark x1="29600" y1="61255" x2="28200" y2="61255"/>
-                          <a14:foregroundMark x1="25800" y1="59779" x2="25800" y2="59779"/>
-                          <a14:foregroundMark x1="24400" y1="59779" x2="23800" y2="59779"/>
-                          <a14:foregroundMark x1="22800" y1="59041" x2="22000" y2="58303"/>
-                          <a14:foregroundMark x1="17400" y1="10701" x2="25200" y2="369"/>
-                          <a14:foregroundMark x1="34600" y1="57934" x2="44800" y2="58672"/>
-                          <a14:foregroundMark x1="44800" y1="58672" x2="46400" y2="58303"/>
-                          <a14:foregroundMark x1="69200" y1="26199" x2="68400" y2="59779"/>
-                          <a14:foregroundMark x1="12400" y1="90037" x2="22800" y2="92989"/>
-                          <a14:foregroundMark x1="22800" y1="92989" x2="45600" y2="86716"/>
-                          <a14:foregroundMark x1="45600" y1="86716" x2="56600" y2="86716"/>
-                          <a14:foregroundMark x1="56600" y1="86716" x2="66200" y2="84871"/>
-                          <a14:foregroundMark x1="22000" y1="85609" x2="10800" y2="91144"/>
-                          <a14:foregroundMark x1="12200" y1="90775" x2="17400" y2="85240"/>
-                          <a14:foregroundMark x1="12600" y1="90406" x2="9000" y2="83395"/>
-                          <a14:foregroundMark x1="10200" y1="82657" x2="10200" y2="82657"/>
-                          <a14:foregroundMark x1="10200" y1="82657" x2="11600" y2="82657"/>
-                          <a14:foregroundMark x1="13600" y1="83395" x2="13600" y2="83395"/>
-                          <a14:foregroundMark x1="15200" y1="83764" x2="15800" y2="83764"/>
-                          <a14:foregroundMark x1="16800" y1="83764" x2="16800" y2="83764"/>
-                          <a14:foregroundMark x1="17200" y1="83764" x2="17200" y2="83764"/>
-                          <a14:foregroundMark x1="17000" y1="82288" x2="15000" y2="82288"/>
-                          <a14:foregroundMark x1="7200" y1="88192" x2="7600" y2="90775"/>
-                          <a14:foregroundMark x1="8200" y1="93358" x2="8200" y2="93358"/>
-                          <a14:foregroundMark x1="8200" y1="93358" x2="8200" y2="93358"/>
-                          <a14:foregroundMark x1="7800" y1="93358" x2="8600" y2="92989"/>
-                          <a14:foregroundMark x1="42600" y1="97048" x2="42600" y2="97048"/>
-                          <a14:foregroundMark x1="40000" y1="96679" x2="40000" y2="96679"/>
-                          <a14:foregroundMark x1="34400" y1="97048" x2="30800" y2="97048"/>
-                          <a14:foregroundMark x1="7800" y1="96679" x2="7800" y2="96679"/>
-                          <a14:foregroundMark x1="11800" y1="94834" x2="21800" y2="95941"/>
-                          <a14:foregroundMark x1="21800" y1="95941" x2="28600" y2="95203"/>
-                          <a14:foregroundMark x1="5400" y1="94834" x2="3800" y2="96310"/>
-                        </a14:backgroundRemoval>
-                      </a14:imgEffect>
-                    </a14:imgLayer>
-                  </a14:imgProps>
-                </a:ext>
-              </a:extLst>
-            </a:blip>
-            <a:stretch>
-              <a:fillRect/>
-            </a:stretch>
-          </p:blipFill>
-          <p:spPr>
-            <a:xfrm>
-              <a:off x="5546977" y="2557328"/>
-              <a:ext cx="3463459" cy="1877195"/>
-            </a:xfrm>
-            <a:prstGeom prst="rect">
-              <a:avLst/>
-            </a:prstGeom>
-          </p:spPr>
-        </p:pic>
-        <p:sp>
-          <p:nvSpPr>
-            <p:cNvPr id="15" name="Rechthoek 14">
-              <a:extLst>
-                <a:ext uri="{FF2B5EF4-FFF2-40B4-BE49-F238E27FC236}">
-                  <a16:creationId xmlns:a16="http://schemas.microsoft.com/office/drawing/2014/main" id="{48E03DAC-848E-4F8F-997E-BD5D6E2735B6}"/>
-                </a:ext>
-              </a:extLst>
-            </p:cNvPr>
-            <p:cNvSpPr/>
-            <p:nvPr/>
-          </p:nvSpPr>
-          <p:spPr>
-            <a:xfrm>
-              <a:off x="6185043" y="2557329"/>
-              <a:ext cx="1743184" cy="1110546"/>
-            </a:xfrm>
-            <a:prstGeom prst="rect">
-              <a:avLst/>
-            </a:prstGeom>
-          </p:spPr>
-          <p:style>
-            <a:lnRef idx="2">
-              <a:schemeClr val="dk1">
-                <a:shade val="50000"/>
-              </a:schemeClr>
-            </a:lnRef>
-            <a:fillRef idx="1">
-              <a:schemeClr val="dk1"/>
-            </a:fillRef>
-            <a:effectRef idx="0">
-              <a:schemeClr val="dk1"/>
-            </a:effectRef>
-            <a:fontRef idx="minor">
-              <a:schemeClr val="lt1"/>
-            </a:fontRef>
-          </p:style>
-          <p:txBody>
-            <a:bodyPr rtlCol="0" anchor="ctr"/>
-            <a:lstStyle/>
-            <a:p>
-              <a:pPr algn="ctr"/>
-              <a:endParaRPr lang="nl-NL" sz="2400" b="1" dirty="0"/>
-            </a:p>
-          </p:txBody>
-        </p:sp>
-      </p:grpSp>
-      <p:pic>
-        <p:nvPicPr>
-          <p:cNvPr id="16" name="Afbeelding 15">
-            <a:extLst>
-              <a:ext uri="{FF2B5EF4-FFF2-40B4-BE49-F238E27FC236}">
-                <a16:creationId xmlns:a16="http://schemas.microsoft.com/office/drawing/2014/main" id="{943393C3-365B-4B72-92EE-4C66FE9F3AD4}"/>
-              </a:ext>
-            </a:extLst>
-          </p:cNvPr>
-          <p:cNvPicPr>
-            <a:picLocks noChangeAspect="1"/>
-          </p:cNvPicPr>
-          <p:nvPr/>
-        </p:nvPicPr>
-        <p:blipFill>
-          <a:blip r:embed="rId7">
-            <a:extLst>
-              <a:ext uri="{BEBA8EAE-BF5A-486C-A8C5-ECC9F3942E4B}">
-                <a14:imgProps xmlns:a14="http://schemas.microsoft.com/office/drawing/2010/main">
-                  <a14:imgLayer r:embed="rId8">
-                    <a14:imgEffect>
-                      <a14:backgroundRemoval t="3077" b="97179" l="5450" r="94313">
-                        <a14:foregroundMark x1="12559" y1="24103" x2="6635" y2="10000"/>
-                        <a14:foregroundMark x1="50000" y1="12564" x2="50000" y2="3077"/>
-                        <a14:foregroundMark x1="73697" y1="51538" x2="76540" y2="38462"/>
-                        <a14:foregroundMark x1="76540" y1="38462" x2="94313" y2="9231"/>
-                        <a14:foregroundMark x1="74645" y1="86410" x2="63033" y2="90256"/>
-                        <a14:foregroundMark x1="63033" y1="90256" x2="50474" y2="89744"/>
-                        <a14:foregroundMark x1="50474" y1="89744" x2="38389" y2="92564"/>
-                        <a14:foregroundMark x1="38389" y1="92564" x2="30095" y2="92051"/>
-                        <a14:foregroundMark x1="50711" y1="97179" x2="50711" y2="97179"/>
-                        <a14:foregroundMark x1="50474" y1="97179" x2="48578" y2="96923"/>
-                        <a14:foregroundMark x1="48578" y1="96923" x2="46445" y2="96410"/>
-                      </a14:backgroundRemoval>
-                    </a14:imgEffect>
-                  </a14:imgLayer>
-                </a14:imgProps>
-              </a:ext>
-            </a:extLst>
-          </a:blip>
-          <a:stretch>
-            <a:fillRect/>
-          </a:stretch>
-        </p:blipFill>
-        <p:spPr>
-          <a:xfrm>
-            <a:off x="8861500" y="912214"/>
-            <a:ext cx="1875652" cy="1733422"/>
-          </a:xfrm>
-          <a:prstGeom prst="rect">
-            <a:avLst/>
-          </a:prstGeom>
-        </p:spPr>
-      </p:pic>
-      <p:grpSp>
-        <p:nvGrpSpPr>
-          <p:cNvPr id="17" name="Groep 16">
-            <a:extLst>
-              <a:ext uri="{FF2B5EF4-FFF2-40B4-BE49-F238E27FC236}">
-                <a16:creationId xmlns:a16="http://schemas.microsoft.com/office/drawing/2014/main" id="{9B0015D3-C1D8-40D1-8FB1-C140277AE6A2}"/>
-              </a:ext>
-            </a:extLst>
-          </p:cNvPr>
-          <p:cNvGrpSpPr/>
-          <p:nvPr/>
-        </p:nvGrpSpPr>
-        <p:grpSpPr>
-          <a:xfrm>
-            <a:off x="4685689" y="4962692"/>
-            <a:ext cx="2559333" cy="1233836"/>
-            <a:chOff x="5546977" y="2557328"/>
-            <a:chExt cx="3463459" cy="1877195"/>
-          </a:xfrm>
-        </p:grpSpPr>
-        <p:pic>
-          <p:nvPicPr>
-            <p:cNvPr id="18" name="Afbeelding 17">
-              <a:extLst>
-                <a:ext uri="{FF2B5EF4-FFF2-40B4-BE49-F238E27FC236}">
-                  <a16:creationId xmlns:a16="http://schemas.microsoft.com/office/drawing/2014/main" id="{CF38D703-5911-4D2E-BF5C-58A9F4D312A7}"/>
-                </a:ext>
-              </a:extLst>
-            </p:cNvPr>
-            <p:cNvPicPr>
-              <a:picLocks noChangeAspect="1"/>
-            </p:cNvPicPr>
-            <p:nvPr/>
-          </p:nvPicPr>
-          <p:blipFill>
-            <a:blip r:embed="rId5">
-              <a:extLst>
-                <a:ext uri="{BEBA8EAE-BF5A-486C-A8C5-ECC9F3942E4B}">
-                  <a14:imgProps xmlns:a14="http://schemas.microsoft.com/office/drawing/2010/main">
-                    <a14:imgLayer r:embed="rId6">
-                      <a14:imgEffect>
-                        <a14:backgroundRemoval t="0" b="97048" l="3800" r="90000">
-                          <a14:foregroundMark x1="24600" y1="16605" x2="17600" y2="11439"/>
-                          <a14:foregroundMark x1="17600" y1="16974" x2="18400" y2="52399"/>
-                          <a14:foregroundMark x1="16800" y1="11439" x2="25800" y2="3690"/>
-                          <a14:foregroundMark x1="25800" y1="3690" x2="48600" y2="0"/>
-                          <a14:foregroundMark x1="48600" y1="0" x2="64600" y2="738"/>
-                          <a14:foregroundMark x1="64600" y1="738" x2="66600" y2="2952"/>
-                          <a14:foregroundMark x1="44200" y1="59041" x2="44200" y2="59041"/>
-                          <a14:foregroundMark x1="47000" y1="59410" x2="67800" y2="57565"/>
-                          <a14:foregroundMark x1="67800" y1="57565" x2="69600" y2="2583"/>
-                          <a14:foregroundMark x1="48400" y1="57565" x2="18600" y2="54613"/>
-                          <a14:foregroundMark x1="34600" y1="59041" x2="34600" y2="59041"/>
-                          <a14:foregroundMark x1="34200" y1="59779" x2="30200" y2="61255"/>
-                          <a14:foregroundMark x1="29600" y1="61255" x2="28200" y2="61255"/>
-                          <a14:foregroundMark x1="25800" y1="59779" x2="25800" y2="59779"/>
-                          <a14:foregroundMark x1="24400" y1="59779" x2="23800" y2="59779"/>
-                          <a14:foregroundMark x1="22800" y1="59041" x2="22000" y2="58303"/>
-                          <a14:foregroundMark x1="17400" y1="10701" x2="25200" y2="369"/>
-                          <a14:foregroundMark x1="34600" y1="57934" x2="44800" y2="58672"/>
-                          <a14:foregroundMark x1="44800" y1="58672" x2="46400" y2="58303"/>
-                          <a14:foregroundMark x1="69200" y1="26199" x2="68400" y2="59779"/>
-                          <a14:foregroundMark x1="12400" y1="90037" x2="22800" y2="92989"/>
-                          <a14:foregroundMark x1="22800" y1="92989" x2="45600" y2="86716"/>
-                          <a14:foregroundMark x1="45600" y1="86716" x2="56600" y2="86716"/>
-                          <a14:foregroundMark x1="56600" y1="86716" x2="66200" y2="84871"/>
-                          <a14:foregroundMark x1="22000" y1="85609" x2="10800" y2="91144"/>
-                          <a14:foregroundMark x1="12200" y1="90775" x2="17400" y2="85240"/>
-                          <a14:foregroundMark x1="12600" y1="90406" x2="9000" y2="83395"/>
-                          <a14:foregroundMark x1="10200" y1="82657" x2="10200" y2="82657"/>
-                          <a14:foregroundMark x1="10200" y1="82657" x2="11600" y2="82657"/>
-                          <a14:foregroundMark x1="13600" y1="83395" x2="13600" y2="83395"/>
-                          <a14:foregroundMark x1="15200" y1="83764" x2="15800" y2="83764"/>
-                          <a14:foregroundMark x1="16800" y1="83764" x2="16800" y2="83764"/>
-                          <a14:foregroundMark x1="17200" y1="83764" x2="17200" y2="83764"/>
-                          <a14:foregroundMark x1="17000" y1="82288" x2="15000" y2="82288"/>
-                          <a14:foregroundMark x1="7200" y1="88192" x2="7600" y2="90775"/>
-                          <a14:foregroundMark x1="8200" y1="93358" x2="8200" y2="93358"/>
-                          <a14:foregroundMark x1="8200" y1="93358" x2="8200" y2="93358"/>
-                          <a14:foregroundMark x1="7800" y1="93358" x2="8600" y2="92989"/>
-                          <a14:foregroundMark x1="42600" y1="97048" x2="42600" y2="97048"/>
-                          <a14:foregroundMark x1="40000" y1="96679" x2="40000" y2="96679"/>
-                          <a14:foregroundMark x1="34400" y1="97048" x2="30800" y2="97048"/>
-                          <a14:foregroundMark x1="7800" y1="96679" x2="7800" y2="96679"/>
-                          <a14:foregroundMark x1="11800" y1="94834" x2="21800" y2="95941"/>
-                          <a14:foregroundMark x1="21800" y1="95941" x2="28600" y2="95203"/>
-                          <a14:foregroundMark x1="5400" y1="94834" x2="3800" y2="96310"/>
-                        </a14:backgroundRemoval>
-                      </a14:imgEffect>
-                    </a14:imgLayer>
-                  </a14:imgProps>
-                </a:ext>
-              </a:extLst>
-            </a:blip>
-            <a:stretch>
-              <a:fillRect/>
-            </a:stretch>
-          </p:blipFill>
-          <p:spPr>
-            <a:xfrm>
-              <a:off x="5546977" y="2557328"/>
-              <a:ext cx="3463459" cy="1877195"/>
-            </a:xfrm>
-            <a:prstGeom prst="rect">
-              <a:avLst/>
-            </a:prstGeom>
-          </p:spPr>
-        </p:pic>
-        <p:sp>
-          <p:nvSpPr>
-            <p:cNvPr id="19" name="Rechthoek 18">
-              <a:extLst>
-                <a:ext uri="{FF2B5EF4-FFF2-40B4-BE49-F238E27FC236}">
-                  <a16:creationId xmlns:a16="http://schemas.microsoft.com/office/drawing/2014/main" id="{7E651628-2147-4C63-879F-19CF1267FCF5}"/>
-                </a:ext>
-              </a:extLst>
-            </p:cNvPr>
-            <p:cNvSpPr/>
-            <p:nvPr/>
-          </p:nvSpPr>
-          <p:spPr>
-            <a:xfrm>
-              <a:off x="6185043" y="2557329"/>
-              <a:ext cx="1743184" cy="1110546"/>
-            </a:xfrm>
-            <a:prstGeom prst="rect">
-              <a:avLst/>
-            </a:prstGeom>
-          </p:spPr>
-          <p:style>
-            <a:lnRef idx="2">
-              <a:schemeClr val="dk1">
-                <a:shade val="50000"/>
-              </a:schemeClr>
-            </a:lnRef>
-            <a:fillRef idx="1">
-              <a:schemeClr val="dk1"/>
-            </a:fillRef>
-            <a:effectRef idx="0">
-              <a:schemeClr val="dk1"/>
-            </a:effectRef>
-            <a:fontRef idx="minor">
-              <a:schemeClr val="lt1"/>
-            </a:fontRef>
-          </p:style>
-          <p:txBody>
-            <a:bodyPr rtlCol="0" anchor="ctr"/>
-            <a:lstStyle/>
-            <a:p>
-              <a:pPr algn="ctr"/>
-              <a:r>
-                <a:rPr lang="nl-NL" sz="2400" b="1" dirty="0"/>
-                <a:t>Doelwit</a:t>
-              </a:r>
-            </a:p>
-          </p:txBody>
-        </p:sp>
-      </p:grpSp>
-      <p:grpSp>
-        <p:nvGrpSpPr>
-          <p:cNvPr id="20" name="Groep 19">
-            <a:extLst>
-              <a:ext uri="{FF2B5EF4-FFF2-40B4-BE49-F238E27FC236}">
-                <a16:creationId xmlns:a16="http://schemas.microsoft.com/office/drawing/2014/main" id="{CE4BE184-74ED-4C81-A527-31C7033C01F7}"/>
-              </a:ext>
-            </a:extLst>
-          </p:cNvPr>
-          <p:cNvGrpSpPr/>
-          <p:nvPr/>
-        </p:nvGrpSpPr>
-        <p:grpSpPr>
-          <a:xfrm>
-            <a:off x="7910062" y="3595447"/>
-            <a:ext cx="2559333" cy="1233836"/>
-            <a:chOff x="5546977" y="2557328"/>
-            <a:chExt cx="3463459" cy="1877195"/>
-          </a:xfrm>
-        </p:grpSpPr>
-        <p:pic>
-          <p:nvPicPr>
-            <p:cNvPr id="21" name="Afbeelding 20">
-              <a:extLst>
-                <a:ext uri="{FF2B5EF4-FFF2-40B4-BE49-F238E27FC236}">
-                  <a16:creationId xmlns:a16="http://schemas.microsoft.com/office/drawing/2014/main" id="{E86CD1C4-28F2-43AC-9058-BE3E94B0F9E0}"/>
-                </a:ext>
-              </a:extLst>
-            </p:cNvPr>
-            <p:cNvPicPr>
-              <a:picLocks noChangeAspect="1"/>
-            </p:cNvPicPr>
-            <p:nvPr/>
-          </p:nvPicPr>
-          <p:blipFill>
-            <a:blip r:embed="rId5">
-              <a:extLst>
-                <a:ext uri="{BEBA8EAE-BF5A-486C-A8C5-ECC9F3942E4B}">
-                  <a14:imgProps xmlns:a14="http://schemas.microsoft.com/office/drawing/2010/main">
-                    <a14:imgLayer r:embed="rId6">
-                      <a14:imgEffect>
-                        <a14:backgroundRemoval t="0" b="97048" l="3800" r="90000">
-                          <a14:foregroundMark x1="24600" y1="16605" x2="17600" y2="11439"/>
-                          <a14:foregroundMark x1="17600" y1="16974" x2="18400" y2="52399"/>
-                          <a14:foregroundMark x1="16800" y1="11439" x2="25800" y2="3690"/>
-                          <a14:foregroundMark x1="25800" y1="3690" x2="48600" y2="0"/>
-                          <a14:foregroundMark x1="48600" y1="0" x2="64600" y2="738"/>
-                          <a14:foregroundMark x1="64600" y1="738" x2="66600" y2="2952"/>
-                          <a14:foregroundMark x1="44200" y1="59041" x2="44200" y2="59041"/>
-                          <a14:foregroundMark x1="47000" y1="59410" x2="67800" y2="57565"/>
-                          <a14:foregroundMark x1="67800" y1="57565" x2="69600" y2="2583"/>
-                          <a14:foregroundMark x1="48400" y1="57565" x2="18600" y2="54613"/>
-                          <a14:foregroundMark x1="34600" y1="59041" x2="34600" y2="59041"/>
-                          <a14:foregroundMark x1="34200" y1="59779" x2="30200" y2="61255"/>
-                          <a14:foregroundMark x1="29600" y1="61255" x2="28200" y2="61255"/>
-                          <a14:foregroundMark x1="25800" y1="59779" x2="25800" y2="59779"/>
-                          <a14:foregroundMark x1="24400" y1="59779" x2="23800" y2="59779"/>
-                          <a14:foregroundMark x1="22800" y1="59041" x2="22000" y2="58303"/>
-                          <a14:foregroundMark x1="17400" y1="10701" x2="25200" y2="369"/>
-                          <a14:foregroundMark x1="34600" y1="57934" x2="44800" y2="58672"/>
-                          <a14:foregroundMark x1="44800" y1="58672" x2="46400" y2="58303"/>
-                          <a14:foregroundMark x1="69200" y1="26199" x2="68400" y2="59779"/>
-                          <a14:foregroundMark x1="12400" y1="90037" x2="22800" y2="92989"/>
-                          <a14:foregroundMark x1="22800" y1="92989" x2="45600" y2="86716"/>
-                          <a14:foregroundMark x1="45600" y1="86716" x2="56600" y2="86716"/>
-                          <a14:foregroundMark x1="56600" y1="86716" x2="66200" y2="84871"/>
-                          <a14:foregroundMark x1="22000" y1="85609" x2="10800" y2="91144"/>
-                          <a14:foregroundMark x1="12200" y1="90775" x2="17400" y2="85240"/>
-                          <a14:foregroundMark x1="12600" y1="90406" x2="9000" y2="83395"/>
-                          <a14:foregroundMark x1="10200" y1="82657" x2="10200" y2="82657"/>
-                          <a14:foregroundMark x1="10200" y1="82657" x2="11600" y2="82657"/>
-                          <a14:foregroundMark x1="13600" y1="83395" x2="13600" y2="83395"/>
-                          <a14:foregroundMark x1="15200" y1="83764" x2="15800" y2="83764"/>
-                          <a14:foregroundMark x1="16800" y1="83764" x2="16800" y2="83764"/>
-                          <a14:foregroundMark x1="17200" y1="83764" x2="17200" y2="83764"/>
-                          <a14:foregroundMark x1="17000" y1="82288" x2="15000" y2="82288"/>
-                          <a14:foregroundMark x1="7200" y1="88192" x2="7600" y2="90775"/>
-                          <a14:foregroundMark x1="8200" y1="93358" x2="8200" y2="93358"/>
-                          <a14:foregroundMark x1="8200" y1="93358" x2="8200" y2="93358"/>
-                          <a14:foregroundMark x1="7800" y1="93358" x2="8600" y2="92989"/>
-                          <a14:foregroundMark x1="42600" y1="97048" x2="42600" y2="97048"/>
-                          <a14:foregroundMark x1="40000" y1="96679" x2="40000" y2="96679"/>
-                          <a14:foregroundMark x1="34400" y1="97048" x2="30800" y2="97048"/>
-                          <a14:foregroundMark x1="7800" y1="96679" x2="7800" y2="96679"/>
-                          <a14:foregroundMark x1="11800" y1="94834" x2="21800" y2="95941"/>
-                          <a14:foregroundMark x1="21800" y1="95941" x2="28600" y2="95203"/>
-                          <a14:foregroundMark x1="5400" y1="94834" x2="3800" y2="96310"/>
-                        </a14:backgroundRemoval>
-                      </a14:imgEffect>
-                    </a14:imgLayer>
-                  </a14:imgProps>
-                </a:ext>
-              </a:extLst>
-            </a:blip>
-            <a:stretch>
-              <a:fillRect/>
-            </a:stretch>
-          </p:blipFill>
-          <p:spPr>
-            <a:xfrm>
-              <a:off x="5546977" y="2557328"/>
-              <a:ext cx="3463459" cy="1877195"/>
-            </a:xfrm>
-            <a:prstGeom prst="rect">
-              <a:avLst/>
-            </a:prstGeom>
-          </p:spPr>
-        </p:pic>
-        <p:sp>
-          <p:nvSpPr>
-            <p:cNvPr id="22" name="Rechthoek 21">
-              <a:extLst>
-                <a:ext uri="{FF2B5EF4-FFF2-40B4-BE49-F238E27FC236}">
-                  <a16:creationId xmlns:a16="http://schemas.microsoft.com/office/drawing/2014/main" id="{D9E414DB-760C-4458-9988-2388AF50B116}"/>
-                </a:ext>
-              </a:extLst>
-            </p:cNvPr>
-            <p:cNvSpPr/>
-            <p:nvPr/>
-          </p:nvSpPr>
-          <p:spPr>
-            <a:xfrm>
-              <a:off x="6185043" y="2557329"/>
-              <a:ext cx="1743184" cy="1110546"/>
-            </a:xfrm>
-            <a:prstGeom prst="rect">
-              <a:avLst/>
-            </a:prstGeom>
-          </p:spPr>
-          <p:style>
-            <a:lnRef idx="2">
-              <a:schemeClr val="dk1">
-                <a:shade val="50000"/>
-              </a:schemeClr>
-            </a:lnRef>
-            <a:fillRef idx="1">
-              <a:schemeClr val="dk1"/>
-            </a:fillRef>
-            <a:effectRef idx="0">
-              <a:schemeClr val="dk1"/>
-            </a:effectRef>
-            <a:fontRef idx="minor">
-              <a:schemeClr val="lt1"/>
-            </a:fontRef>
-          </p:style>
-          <p:txBody>
-            <a:bodyPr rtlCol="0" anchor="ctr"/>
-            <a:lstStyle/>
-            <a:p>
-              <a:pPr algn="ctr"/>
-              <a:endParaRPr lang="nl-NL" sz="2400" b="1" dirty="0"/>
-            </a:p>
-          </p:txBody>
-        </p:sp>
-      </p:grpSp>
-      <p:sp>
-        <p:nvSpPr>
-          <p:cNvPr id="23" name="Tekstvak 22">
-            <a:extLst>
-              <a:ext uri="{FF2B5EF4-FFF2-40B4-BE49-F238E27FC236}">
-                <a16:creationId xmlns:a16="http://schemas.microsoft.com/office/drawing/2014/main" id="{4D23E9E6-0716-4D1A-86CD-73CAF54EE1DC}"/>
-              </a:ext>
-            </a:extLst>
-          </p:cNvPr>
-          <p:cNvSpPr txBox="1"/>
-          <p:nvPr/>
-        </p:nvSpPr>
-        <p:spPr>
-          <a:xfrm>
-            <a:off x="4833134" y="6148553"/>
-            <a:ext cx="3224373" cy="923330"/>
-          </a:xfrm>
-          <a:prstGeom prst="rect">
-            <a:avLst/>
-          </a:prstGeom>
-          <a:noFill/>
-        </p:spPr>
-        <p:txBody>
-          <a:bodyPr wrap="square" rtlCol="0">
-            <a:spAutoFit/>
-          </a:bodyPr>
-          <a:lstStyle/>
-          <a:p>
-            <a:r>
-              <a:rPr lang="nl-NL" dirty="0"/>
-              <a:t>IP: 192.168.1.4</a:t>
-            </a:r>
-          </a:p>
-          <a:p>
-            <a:r>
-              <a:rPr lang="nl-NL" dirty="0"/>
-              <a:t>MAC: 86:83:BA:82:D7:63</a:t>
-            </a:r>
-          </a:p>
-          <a:p>
-            <a:endParaRPr lang="nl-NL" dirty="0"/>
-          </a:p>
-        </p:txBody>
-      </p:sp>
-      <p:sp>
-        <p:nvSpPr>
-          <p:cNvPr id="25" name="Tekstvak 24">
-            <a:extLst>
-              <a:ext uri="{FF2B5EF4-FFF2-40B4-BE49-F238E27FC236}">
-                <a16:creationId xmlns:a16="http://schemas.microsoft.com/office/drawing/2014/main" id="{9E8D21CA-843E-426F-BEB2-488AC48BE94F}"/>
-              </a:ext>
-            </a:extLst>
-          </p:cNvPr>
-          <p:cNvSpPr txBox="1"/>
-          <p:nvPr/>
-        </p:nvSpPr>
-        <p:spPr>
-          <a:xfrm>
-            <a:off x="865597" y="6216705"/>
-            <a:ext cx="3224373" cy="923330"/>
-          </a:xfrm>
-          <a:prstGeom prst="rect">
-            <a:avLst/>
-          </a:prstGeom>
-          <a:noFill/>
-        </p:spPr>
-        <p:txBody>
-          <a:bodyPr wrap="square" rtlCol="0">
-            <a:spAutoFit/>
-          </a:bodyPr>
-          <a:lstStyle/>
-          <a:p>
-            <a:r>
-              <a:rPr lang="nl-NL" dirty="0"/>
-              <a:t>IP: 192.168.1.3</a:t>
-            </a:r>
-          </a:p>
-          <a:p>
-            <a:r>
-              <a:rPr lang="nl-NL" dirty="0"/>
-              <a:t>MAC: 86:43:BA:32:D7:65</a:t>
-            </a:r>
-          </a:p>
-          <a:p>
-            <a:endParaRPr lang="nl-NL" dirty="0"/>
-          </a:p>
-        </p:txBody>
-      </p:sp>
-      <p:sp>
-        <p:nvSpPr>
-          <p:cNvPr id="26" name="Tekstvak 25">
-            <a:extLst>
-              <a:ext uri="{FF2B5EF4-FFF2-40B4-BE49-F238E27FC236}">
-                <a16:creationId xmlns:a16="http://schemas.microsoft.com/office/drawing/2014/main" id="{3D3BB090-13AA-4AA8-896C-D3F834C814D9}"/>
-              </a:ext>
-            </a:extLst>
-          </p:cNvPr>
-          <p:cNvSpPr txBox="1"/>
-          <p:nvPr/>
-        </p:nvSpPr>
-        <p:spPr>
-          <a:xfrm>
-            <a:off x="8057507" y="4721324"/>
-            <a:ext cx="3224373" cy="923330"/>
-          </a:xfrm>
-          <a:prstGeom prst="rect">
-            <a:avLst/>
-          </a:prstGeom>
-          <a:noFill/>
-        </p:spPr>
-        <p:txBody>
-          <a:bodyPr wrap="square" rtlCol="0">
-            <a:spAutoFit/>
-          </a:bodyPr>
-          <a:lstStyle/>
-          <a:p>
-            <a:r>
-              <a:rPr lang="nl-NL" dirty="0"/>
-              <a:t>IP: 192.168.1.2</a:t>
-            </a:r>
-          </a:p>
-          <a:p>
-            <a:r>
-              <a:rPr lang="nl-NL" dirty="0"/>
-              <a:t>MAC: 86:83:BA:82:D7:FF</a:t>
-            </a:r>
-          </a:p>
-          <a:p>
-            <a:endParaRPr lang="nl-NL" dirty="0"/>
-          </a:p>
-        </p:txBody>
-      </p:sp>
-      <p:sp>
-        <p:nvSpPr>
-          <p:cNvPr id="27" name="Tekstvak 26">
-            <a:extLst>
-              <a:ext uri="{FF2B5EF4-FFF2-40B4-BE49-F238E27FC236}">
-                <a16:creationId xmlns:a16="http://schemas.microsoft.com/office/drawing/2014/main" id="{ADAD208D-F82F-4CE6-BFE2-75D02B8B7F6C}"/>
-              </a:ext>
-            </a:extLst>
-          </p:cNvPr>
-          <p:cNvSpPr txBox="1"/>
-          <p:nvPr/>
-        </p:nvSpPr>
-        <p:spPr>
-          <a:xfrm>
-            <a:off x="8766424" y="2658876"/>
-            <a:ext cx="3224373" cy="923330"/>
-          </a:xfrm>
-          <a:prstGeom prst="rect">
-            <a:avLst/>
-          </a:prstGeom>
-          <a:noFill/>
-        </p:spPr>
-        <p:txBody>
-          <a:bodyPr wrap="square" rtlCol="0">
-            <a:spAutoFit/>
-          </a:bodyPr>
-          <a:lstStyle/>
-          <a:p>
-            <a:r>
-              <a:rPr lang="nl-NL" dirty="0"/>
-              <a:t>IP: 192.168.1.1</a:t>
-            </a:r>
-          </a:p>
-          <a:p>
-            <a:r>
-              <a:rPr lang="nl-NL" dirty="0"/>
-              <a:t>MAC: 86:83:FF:82:D7:86</a:t>
-            </a:r>
-          </a:p>
-          <a:p>
-            <a:endParaRPr lang="nl-NL" dirty="0"/>
-          </a:p>
-        </p:txBody>
-      </p:sp>
-      <p:cxnSp>
-        <p:nvCxnSpPr>
-          <p:cNvPr id="37" name="Rechte verbindingslijn met pijl 36">
-            <a:extLst>
-              <a:ext uri="{FF2B5EF4-FFF2-40B4-BE49-F238E27FC236}">
-                <a16:creationId xmlns:a16="http://schemas.microsoft.com/office/drawing/2014/main" id="{57909EFF-CA69-44E0-A959-120181DD82BE}"/>
-              </a:ext>
-            </a:extLst>
-          </p:cNvPr>
-          <p:cNvCxnSpPr>
-            <a:cxnSpLocks/>
-          </p:cNvCxnSpPr>
-          <p:nvPr/>
-        </p:nvCxnSpPr>
-        <p:spPr>
-          <a:xfrm flipH="1" flipV="1">
-            <a:off x="2909380" y="2526440"/>
-            <a:ext cx="2772229" cy="2194884"/>
-          </a:xfrm>
-          <a:prstGeom prst="straightConnector1">
-            <a:avLst/>
-          </a:prstGeom>
-          <a:ln w="38100">
-            <a:tailEnd type="triangle"/>
-          </a:ln>
-        </p:spPr>
-        <p:style>
-          <a:lnRef idx="1">
-            <a:schemeClr val="accent1"/>
-          </a:lnRef>
-          <a:fillRef idx="0">
-            <a:schemeClr val="accent1"/>
-          </a:fillRef>
-          <a:effectRef idx="0">
-            <a:schemeClr val="accent1"/>
-          </a:effectRef>
-          <a:fontRef idx="minor">
-            <a:schemeClr val="tx1"/>
-          </a:fontRef>
-        </p:style>
-      </p:cxnSp>
-      <p:sp>
-        <p:nvSpPr>
-          <p:cNvPr id="5" name="Tekstballon: ovaal 4">
-            <a:extLst>
-              <a:ext uri="{FF2B5EF4-FFF2-40B4-BE49-F238E27FC236}">
-                <a16:creationId xmlns:a16="http://schemas.microsoft.com/office/drawing/2014/main" id="{68EA3BCC-0DCD-442B-90FE-98E092FA1D77}"/>
-              </a:ext>
-            </a:extLst>
-          </p:cNvPr>
-          <p:cNvSpPr/>
-          <p:nvPr/>
-        </p:nvSpPr>
-        <p:spPr>
-          <a:xfrm rot="1938518">
-            <a:off x="3126241" y="2201989"/>
-            <a:ext cx="3770945" cy="1412179"/>
-          </a:xfrm>
-          <a:prstGeom prst="wedgeEllipseCallout">
-            <a:avLst>
-              <a:gd name="adj1" fmla="val 51339"/>
-              <a:gd name="adj2" fmla="val 78072"/>
-            </a:avLst>
-          </a:prstGeom>
-        </p:spPr>
-        <p:style>
-          <a:lnRef idx="2">
-            <a:schemeClr val="accent1">
-              <a:shade val="50000"/>
-            </a:schemeClr>
-          </a:lnRef>
-          <a:fillRef idx="1">
-            <a:schemeClr val="accent1"/>
-          </a:fillRef>
-          <a:effectRef idx="0">
-            <a:schemeClr val="accent1"/>
-          </a:effectRef>
-          <a:fontRef idx="minor">
-            <a:schemeClr val="lt1"/>
-          </a:fontRef>
-        </p:style>
-        <p:txBody>
-          <a:bodyPr rtlCol="0" anchor="ctr"/>
-          <a:lstStyle/>
-          <a:p>
-            <a:pPr algn="ctr"/>
-            <a:r>
-              <a:rPr lang="nl-NL" sz="1400" b="1" i="1" dirty="0">
-                <a:solidFill>
-                  <a:srgbClr val="00B0F0"/>
-                </a:solidFill>
-              </a:rPr>
-              <a:t>Ik ben 192.168.1.4</a:t>
-            </a:r>
-          </a:p>
-          <a:p>
-            <a:pPr algn="ctr"/>
-            <a:r>
-              <a:rPr lang="nl-NL" sz="1400" b="1" i="1" dirty="0">
-                <a:solidFill>
-                  <a:srgbClr val="00B0F0"/>
-                </a:solidFill>
-              </a:rPr>
-              <a:t>Met MAC: 86:83:BA:82:D7:63</a:t>
-            </a:r>
-          </a:p>
-        </p:txBody>
-      </p:sp>
-    </p:spTree>
-    <p:extLst>
-      <p:ext uri="{BB962C8B-B14F-4D97-AF65-F5344CB8AC3E}">
-        <p14:creationId xmlns:p14="http://schemas.microsoft.com/office/powerpoint/2010/main" val="2965631388"/>
-      </p:ext>
-    </p:extLst>
-  </p:cSld>
-  <p:clrMapOvr>
-    <a:masterClrMapping/>
-  </p:clrMapOvr>
-  <mc:AlternateContent xmlns:mc="http://schemas.openxmlformats.org/markup-compatibility/2006" xmlns:p14="http://schemas.microsoft.com/office/powerpoint/2010/main">
-    <mc:Choice Requires="p14">
-      <p:transition spd="med" p14:dur="700">
-        <p:fade/>
-      </p:transition>
-    </mc:Choice>
-    <mc:Fallback xmlns="">
-      <p:transition spd="med">
-        <p:fade/>
-      </p:transition>
-    </mc:Fallback>
-  </mc:AlternateContent>
-</p:sld>
-</file>
-
 <file path=ppt/theme/theme1.xml><?xml version="1.0" encoding="utf-8"?>
 <a:theme xmlns:a="http://schemas.openxmlformats.org/drawingml/2006/main" name="Ion">
   <a:themeElements>

--- a/_Administratie/Presentatie GIP.pptx
+++ b/_Administratie/Presentatie GIP.pptx
@@ -8464,7 +8464,7 @@
             </a:pPr>
             <a:r>
               <a:rPr lang="nl-NL" sz="3600" dirty="0"/>
-              <a:t>verbinding</a:t>
+              <a:t>Verbinding</a:t>
             </a:r>
           </a:p>
           <a:p>
@@ -11687,7 +11687,7 @@
             </a:pPr>
             <a:r>
               <a:rPr lang="nl-NL" sz="3600" dirty="0"/>
-              <a:t>tijdsgebrek</a:t>
+              <a:t>Tijdsgebrek</a:t>
             </a:r>
           </a:p>
         </p:txBody>
@@ -12368,13 +12368,8 @@
             </a:pPr>
             <a:r>
               <a:rPr lang="nl-NL" sz="3600" dirty="0"/>
-              <a:t>Marktleider </a:t>
+              <a:t>Marktleider Europa</a:t>
             </a:r>
-            <a:r>
-              <a:rPr lang="nl-NL" sz="3600" dirty="0" err="1"/>
-              <a:t>europa</a:t>
-            </a:r>
-            <a:endParaRPr lang="nl-NL" sz="3600" dirty="0"/>
           </a:p>
         </p:txBody>
       </p:sp>
@@ -12407,8 +12402,8 @@
         </p:blipFill>
         <p:spPr bwMode="auto">
           <a:xfrm>
-            <a:off x="6514903" y="2060575"/>
-            <a:ext cx="5080065" cy="2963371"/>
+            <a:off x="6928064" y="3032126"/>
+            <a:ext cx="4657379" cy="2716804"/>
           </a:xfrm>
           <a:prstGeom prst="rect">
             <a:avLst/>
@@ -13509,7 +13504,7 @@
             </a:pPr>
             <a:r>
               <a:rPr lang="nl-NL" sz="3600" dirty="0"/>
-              <a:t>Project sprankel</a:t>
+              <a:t>Project De Sprankel</a:t>
             </a:r>
           </a:p>
         </p:txBody>
@@ -14074,7 +14069,7 @@
             </a:pPr>
             <a:r>
               <a:rPr lang="nl-NL" sz="3600" dirty="0"/>
-              <a:t>Goed</a:t>
+              <a:t>Mooie feedback</a:t>
             </a:r>
           </a:p>
           <a:p>
@@ -14378,7 +14373,7 @@
                                         <p:tgtEl>
                                           <p:spTgt spid="3">
                                             <p:txEl>
-                                              <p:pRg st="0" end="0"/>
+                                              <p:pRg st="1" end="1"/>
                                             </p:txEl>
                                           </p:spTgt>
                                         </p:tgtEl>
@@ -14396,7 +14391,7 @@
                                         <p:tgtEl>
                                           <p:spTgt spid="3">
                                             <p:txEl>
-                                              <p:pRg st="0" end="0"/>
+                                              <p:pRg st="1" end="1"/>
                                             </p:txEl>
                                           </p:spTgt>
                                         </p:tgtEl>
@@ -14439,7 +14434,7 @@
                                         <p:tgtEl>
                                           <p:spTgt spid="3">
                                             <p:txEl>
-                                              <p:pRg st="1" end="1"/>
+                                              <p:pRg st="0" end="0"/>
                                             </p:txEl>
                                           </p:spTgt>
                                         </p:tgtEl>
@@ -14457,93 +14452,12 @@
                                         <p:tgtEl>
                                           <p:spTgt spid="3">
                                             <p:txEl>
-                                              <p:pRg st="1" end="1"/>
-                                            </p:txEl>
-                                          </p:spTgt>
-                                        </p:tgtEl>
-                                      </p:cBhvr>
-                                    </p:animEffect>
-                                  </p:childTnLst>
-                                </p:cTn>
-                              </p:par>
-                              <p:par>
-                                <p:cTn id="23" presetID="24" presetClass="emph" presetSubtype="0" fill="hold" nodeType="withEffect">
-                                  <p:stCondLst>
-                                    <p:cond delay="0"/>
-                                  </p:stCondLst>
-                                  <p:childTnLst>
-                                    <p:animClr clrSpc="hsl" dir="cw">
-                                      <p:cBhvr override="childStyle">
-                                        <p:cTn id="24" dur="500" fill="hold"/>
-                                        <p:tgtEl>
-                                          <p:spTgt spid="3">
-                                            <p:txEl>
                                               <p:pRg st="0" end="0"/>
                                             </p:txEl>
                                           </p:spTgt>
                                         </p:tgtEl>
-                                        <p:attrNameLst>
-                                          <p:attrName>style.color</p:attrName>
-                                        </p:attrNameLst>
-                                      </p:cBhvr>
-                                      <p:by>
-                                        <p:hsl h="0" s="-12549" l="-25098"/>
-                                      </p:by>
-                                    </p:animClr>
-                                    <p:animClr clrSpc="hsl" dir="cw">
-                                      <p:cBhvr>
-                                        <p:cTn id="25" dur="500" fill="hold"/>
-                                        <p:tgtEl>
-                                          <p:spTgt spid="3">
-                                            <p:txEl>
-                                              <p:pRg st="0" end="0"/>
-                                            </p:txEl>
-                                          </p:spTgt>
-                                        </p:tgtEl>
-                                        <p:attrNameLst>
-                                          <p:attrName>fillcolor</p:attrName>
-                                        </p:attrNameLst>
-                                      </p:cBhvr>
-                                      <p:by>
-                                        <p:hsl h="0" s="-12549" l="-25098"/>
-                                      </p:by>
-                                    </p:animClr>
-                                    <p:animClr clrSpc="hsl" dir="cw">
-                                      <p:cBhvr>
-                                        <p:cTn id="26" dur="500" fill="hold"/>
-                                        <p:tgtEl>
-                                          <p:spTgt spid="3">
-                                            <p:txEl>
-                                              <p:pRg st="0" end="0"/>
-                                            </p:txEl>
-                                          </p:spTgt>
-                                        </p:tgtEl>
-                                        <p:attrNameLst>
-                                          <p:attrName>stroke.color</p:attrName>
-                                        </p:attrNameLst>
-                                      </p:cBhvr>
-                                      <p:by>
-                                        <p:hsl h="0" s="-12549" l="-25098"/>
-                                      </p:by>
-                                    </p:animClr>
-                                    <p:set>
-                                      <p:cBhvr>
-                                        <p:cTn id="27" dur="500" fill="hold"/>
-                                        <p:tgtEl>
-                                          <p:spTgt spid="3">
-                                            <p:txEl>
-                                              <p:pRg st="0" end="0"/>
-                                            </p:txEl>
-                                          </p:spTgt>
-                                        </p:tgtEl>
-                                        <p:attrNameLst>
-                                          <p:attrName>fill.type</p:attrName>
-                                        </p:attrNameLst>
-                                      </p:cBhvr>
-                                      <p:to>
-                                        <p:strVal val="solid"/>
-                                      </p:to>
-                                    </p:set>
+                                      </p:cBhvr>
+                                    </p:animEffect>
                                   </p:childTnLst>
                                 </p:cTn>
                               </p:par>
@@ -16989,7 +16903,7 @@
             </a:pPr>
             <a:r>
               <a:rPr lang="nl-NL" sz="3600" dirty="0"/>
-              <a:t>promotie</a:t>
+              <a:t>Promotie</a:t>
             </a:r>
           </a:p>
         </p:txBody>
@@ -17024,7 +16938,7 @@
             </a:pPr>
             <a:r>
               <a:rPr lang="nl-NL" sz="3600" dirty="0"/>
-              <a:t>administratie</a:t>
+              <a:t>Administratie</a:t>
             </a:r>
           </a:p>
           <a:p>
@@ -17836,7 +17750,7 @@
             </a:pPr>
             <a:r>
               <a:rPr lang="nl-NL" sz="3600" dirty="0"/>
-              <a:t>administratieve</a:t>
+              <a:t>Administratie</a:t>
             </a:r>
           </a:p>
         </p:txBody>
@@ -18736,7 +18650,7 @@
             </a:pPr>
             <a:r>
               <a:rPr lang="nl-NL" sz="3600" dirty="0"/>
-              <a:t>Redelijk resultaat</a:t>
+              <a:t>Behoorlijk resultaat</a:t>
             </a:r>
           </a:p>
           <a:p>
@@ -18748,7 +18662,7 @@
             </a:pPr>
             <a:r>
               <a:rPr lang="nl-NL" sz="3600" dirty="0"/>
-              <a:t>Afsluit</a:t>
+              <a:t>Afsluiting</a:t>
             </a:r>
           </a:p>
         </p:txBody>

--- a/_Administratie/Presentatie GIP.pptx
+++ b/_Administratie/Presentatie GIP.pptx
@@ -216,7 +216,7 @@
           <a:p>
             <a:fld id="{301D66A4-ABC3-4C44-A698-86811F34C74C}" type="datetimeFigureOut">
               <a:rPr lang="nl-NL" smtClean="0"/>
-              <a:t>15-5-2019</a:t>
+              <a:t>16-5-2019</a:t>
             </a:fld>
             <a:endParaRPr lang="nl-NL"/>
           </a:p>
@@ -947,7 +947,18 @@
           <a:bodyPr/>
           <a:lstStyle/>
           <a:p>
-            <a:endParaRPr lang="nl-NL" dirty="0"/>
+            <a:r>
+              <a:rPr lang="nl-NL" dirty="0"/>
+              <a:t>SPI= </a:t>
+            </a:r>
+            <a:r>
+              <a:rPr lang="nl-NL" dirty="0" err="1"/>
+              <a:t>Serial</a:t>
+            </a:r>
+            <a:r>
+              <a:rPr lang="nl-NL" dirty="0"/>
+              <a:t> Port Interface</a:t>
+            </a:r>
           </a:p>
         </p:txBody>
       </p:sp>
@@ -2349,7 +2360,7 @@
           <a:p>
             <a:fld id="{12F0C58C-007D-453E-BDD8-6C2CB8665497}" type="datetimeFigureOut">
               <a:rPr lang="nl-NL" smtClean="0"/>
-              <a:t>15-5-2019</a:t>
+              <a:t>16-5-2019</a:t>
             </a:fld>
             <a:endParaRPr lang="nl-NL"/>
           </a:p>
@@ -2624,7 +2635,7 @@
           <a:p>
             <a:fld id="{12F0C58C-007D-453E-BDD8-6C2CB8665497}" type="datetimeFigureOut">
               <a:rPr lang="nl-NL" smtClean="0"/>
-              <a:t>15-5-2019</a:t>
+              <a:t>16-5-2019</a:t>
             </a:fld>
             <a:endParaRPr lang="nl-NL"/>
           </a:p>
@@ -2818,7 +2829,7 @@
           <a:p>
             <a:fld id="{12F0C58C-007D-453E-BDD8-6C2CB8665497}" type="datetimeFigureOut">
               <a:rPr lang="nl-NL" smtClean="0"/>
-              <a:t>15-5-2019</a:t>
+              <a:t>16-5-2019</a:t>
             </a:fld>
             <a:endParaRPr lang="nl-NL"/>
           </a:p>
@@ -3091,7 +3102,7 @@
           <a:p>
             <a:fld id="{12F0C58C-007D-453E-BDD8-6C2CB8665497}" type="datetimeFigureOut">
               <a:rPr lang="nl-NL" smtClean="0"/>
-              <a:t>15-5-2019</a:t>
+              <a:t>16-5-2019</a:t>
             </a:fld>
             <a:endParaRPr lang="nl-NL"/>
           </a:p>
@@ -3432,7 +3443,7 @@
           <a:p>
             <a:fld id="{12F0C58C-007D-453E-BDD8-6C2CB8665497}" type="datetimeFigureOut">
               <a:rPr lang="nl-NL" smtClean="0"/>
-              <a:t>15-5-2019</a:t>
+              <a:t>16-5-2019</a:t>
             </a:fld>
             <a:endParaRPr lang="nl-NL"/>
           </a:p>
@@ -4055,7 +4066,7 @@
           <a:p>
             <a:fld id="{12F0C58C-007D-453E-BDD8-6C2CB8665497}" type="datetimeFigureOut">
               <a:rPr lang="nl-NL" smtClean="0"/>
-              <a:t>15-5-2019</a:t>
+              <a:t>16-5-2019</a:t>
             </a:fld>
             <a:endParaRPr lang="nl-NL"/>
           </a:p>
@@ -4915,7 +4926,7 @@
           <a:p>
             <a:fld id="{12F0C58C-007D-453E-BDD8-6C2CB8665497}" type="datetimeFigureOut">
               <a:rPr lang="nl-NL" smtClean="0"/>
-              <a:t>15-5-2019</a:t>
+              <a:t>16-5-2019</a:t>
             </a:fld>
             <a:endParaRPr lang="nl-NL"/>
           </a:p>
@@ -5085,7 +5096,7 @@
           <a:p>
             <a:fld id="{12F0C58C-007D-453E-BDD8-6C2CB8665497}" type="datetimeFigureOut">
               <a:rPr lang="nl-NL" smtClean="0"/>
-              <a:t>15-5-2019</a:t>
+              <a:t>16-5-2019</a:t>
             </a:fld>
             <a:endParaRPr lang="nl-NL"/>
           </a:p>
@@ -5265,7 +5276,7 @@
           <a:p>
             <a:fld id="{12F0C58C-007D-453E-BDD8-6C2CB8665497}" type="datetimeFigureOut">
               <a:rPr lang="nl-NL" smtClean="0"/>
-              <a:t>15-5-2019</a:t>
+              <a:t>16-5-2019</a:t>
             </a:fld>
             <a:endParaRPr lang="nl-NL"/>
           </a:p>
@@ -5435,7 +5446,7 @@
           <a:p>
             <a:fld id="{12F0C58C-007D-453E-BDD8-6C2CB8665497}" type="datetimeFigureOut">
               <a:rPr lang="nl-NL" smtClean="0"/>
-              <a:t>15-5-2019</a:t>
+              <a:t>16-5-2019</a:t>
             </a:fld>
             <a:endParaRPr lang="nl-NL"/>
           </a:p>
@@ -5682,7 +5693,7 @@
           <a:p>
             <a:fld id="{12F0C58C-007D-453E-BDD8-6C2CB8665497}" type="datetimeFigureOut">
               <a:rPr lang="nl-NL" smtClean="0"/>
-              <a:t>15-5-2019</a:t>
+              <a:t>16-5-2019</a:t>
             </a:fld>
             <a:endParaRPr lang="nl-NL"/>
           </a:p>
@@ -5974,7 +5985,7 @@
           <a:p>
             <a:fld id="{12F0C58C-007D-453E-BDD8-6C2CB8665497}" type="datetimeFigureOut">
               <a:rPr lang="nl-NL" smtClean="0"/>
-              <a:t>15-5-2019</a:t>
+              <a:t>16-5-2019</a:t>
             </a:fld>
             <a:endParaRPr lang="nl-NL"/>
           </a:p>
@@ -6418,7 +6429,7 @@
           <a:p>
             <a:fld id="{12F0C58C-007D-453E-BDD8-6C2CB8665497}" type="datetimeFigureOut">
               <a:rPr lang="nl-NL" smtClean="0"/>
-              <a:t>15-5-2019</a:t>
+              <a:t>16-5-2019</a:t>
             </a:fld>
             <a:endParaRPr lang="nl-NL"/>
           </a:p>
@@ -6536,7 +6547,7 @@
           <a:p>
             <a:fld id="{12F0C58C-007D-453E-BDD8-6C2CB8665497}" type="datetimeFigureOut">
               <a:rPr lang="nl-NL" smtClean="0"/>
-              <a:t>15-5-2019</a:t>
+              <a:t>16-5-2019</a:t>
             </a:fld>
             <a:endParaRPr lang="nl-NL"/>
           </a:p>
@@ -6631,7 +6642,7 @@
           <a:p>
             <a:fld id="{12F0C58C-007D-453E-BDD8-6C2CB8665497}" type="datetimeFigureOut">
               <a:rPr lang="nl-NL" smtClean="0"/>
-              <a:t>15-5-2019</a:t>
+              <a:t>16-5-2019</a:t>
             </a:fld>
             <a:endParaRPr lang="nl-NL"/>
           </a:p>
@@ -6910,7 +6921,7 @@
           <a:p>
             <a:fld id="{12F0C58C-007D-453E-BDD8-6C2CB8665497}" type="datetimeFigureOut">
               <a:rPr lang="nl-NL" smtClean="0"/>
-              <a:t>15-5-2019</a:t>
+              <a:t>16-5-2019</a:t>
             </a:fld>
             <a:endParaRPr lang="nl-NL"/>
           </a:p>
@@ -7185,7 +7196,7 @@
           <a:p>
             <a:fld id="{12F0C58C-007D-453E-BDD8-6C2CB8665497}" type="datetimeFigureOut">
               <a:rPr lang="nl-NL" smtClean="0"/>
-              <a:t>15-5-2019</a:t>
+              <a:t>16-5-2019</a:t>
             </a:fld>
             <a:endParaRPr lang="nl-NL"/>
           </a:p>
@@ -7614,7 +7625,7 @@
           <a:p>
             <a:fld id="{12F0C58C-007D-453E-BDD8-6C2CB8665497}" type="datetimeFigureOut">
               <a:rPr lang="nl-NL" smtClean="0"/>
-              <a:t>15-5-2019</a:t>
+              <a:t>16-5-2019</a:t>
             </a:fld>
             <a:endParaRPr lang="nl-NL"/>
           </a:p>
@@ -10781,7 +10792,7 @@
             </a:pPr>
             <a:r>
               <a:rPr lang="nl-NL" sz="3600" dirty="0"/>
-              <a:t>10309</a:t>
+              <a:t>SPI Protocol</a:t>
             </a:r>
           </a:p>
         </p:txBody>
@@ -11217,6 +11228,87 @@
                                           <p:spTgt spid="3">
                                             <p:txEl>
                                               <p:pRg st="0" end="0"/>
+                                            </p:txEl>
+                                          </p:spTgt>
+                                        </p:tgtEl>
+                                        <p:attrNameLst>
+                                          <p:attrName>fill.type</p:attrName>
+                                        </p:attrNameLst>
+                                      </p:cBhvr>
+                                      <p:to>
+                                        <p:strVal val="solid"/>
+                                      </p:to>
+                                    </p:set>
+                                  </p:childTnLst>
+                                </p:cTn>
+                              </p:par>
+                              <p:par>
+                                <p:cTn id="28" presetID="24" presetClass="emph" presetSubtype="0" fill="hold" nodeType="withEffect">
+                                  <p:stCondLst>
+                                    <p:cond delay="0"/>
+                                  </p:stCondLst>
+                                  <p:childTnLst>
+                                    <p:animClr clrSpc="hsl" dir="cw">
+                                      <p:cBhvr override="childStyle">
+                                        <p:cTn id="29" dur="500" fill="hold"/>
+                                        <p:tgtEl>
+                                          <p:spTgt spid="3">
+                                            <p:txEl>
+                                              <p:pRg st="1" end="1"/>
+                                            </p:txEl>
+                                          </p:spTgt>
+                                        </p:tgtEl>
+                                        <p:attrNameLst>
+                                          <p:attrName>style.color</p:attrName>
+                                        </p:attrNameLst>
+                                      </p:cBhvr>
+                                      <p:by>
+                                        <p:hsl h="0" s="-12549" l="-25098"/>
+                                      </p:by>
+                                    </p:animClr>
+                                    <p:animClr clrSpc="hsl" dir="cw">
+                                      <p:cBhvr>
+                                        <p:cTn id="30" dur="500" fill="hold"/>
+                                        <p:tgtEl>
+                                          <p:spTgt spid="3">
+                                            <p:txEl>
+                                              <p:pRg st="1" end="1"/>
+                                            </p:txEl>
+                                          </p:spTgt>
+                                        </p:tgtEl>
+                                        <p:attrNameLst>
+                                          <p:attrName>fillcolor</p:attrName>
+                                        </p:attrNameLst>
+                                      </p:cBhvr>
+                                      <p:by>
+                                        <p:hsl h="0" s="-12549" l="-25098"/>
+                                      </p:by>
+                                    </p:animClr>
+                                    <p:animClr clrSpc="hsl" dir="cw">
+                                      <p:cBhvr>
+                                        <p:cTn id="31" dur="500" fill="hold"/>
+                                        <p:tgtEl>
+                                          <p:spTgt spid="3">
+                                            <p:txEl>
+                                              <p:pRg st="1" end="1"/>
+                                            </p:txEl>
+                                          </p:spTgt>
+                                        </p:tgtEl>
+                                        <p:attrNameLst>
+                                          <p:attrName>stroke.color</p:attrName>
+                                        </p:attrNameLst>
+                                      </p:cBhvr>
+                                      <p:by>
+                                        <p:hsl h="0" s="-12549" l="-25098"/>
+                                      </p:by>
+                                    </p:animClr>
+                                    <p:set>
+                                      <p:cBhvr>
+                                        <p:cTn id="32" dur="500" fill="hold"/>
+                                        <p:tgtEl>
+                                          <p:spTgt spid="3">
+                                            <p:txEl>
+                                              <p:pRg st="1" end="1"/>
                                             </p:txEl>
                                           </p:spTgt>
                                         </p:tgtEl>

--- a/_Administratie/Presentatie GIP.pptx
+++ b/_Administratie/Presentatie GIP.pptx
@@ -1042,7 +1042,10 @@
           <a:bodyPr/>
           <a:lstStyle/>
           <a:p>
-            <a:endParaRPr lang="nl-NL" dirty="0"/>
+            <a:r>
+              <a:rPr lang="nl-NL" dirty="0"/>
+              <a:t>DEMONSTARTIE HIERNA</a:t>
+            </a:r>
           </a:p>
         </p:txBody>
       </p:sp>
@@ -8616,6 +8619,9 @@
                     <p:cTn id="3" fill="hold">
                       <p:stCondLst>
                         <p:cond delay="indefinite"/>
+                        <p:cond evt="onBegin" delay="0">
+                          <p:tn val="2"/>
+                        </p:cond>
                       </p:stCondLst>
                       <p:childTnLst>
                         <p:par>
@@ -8625,7 +8631,7 @@
                             </p:stCondLst>
                             <p:childTnLst>
                               <p:par>
-                                <p:cTn id="5" presetID="10" presetClass="entr" presetSubtype="0" fill="hold" grpId="0" nodeType="clickEffect">
+                                <p:cTn id="5" presetID="10" presetClass="entr" presetSubtype="0" fill="hold" grpId="0" nodeType="withEffect">
                                   <p:stCondLst>
                                     <p:cond delay="0"/>
                                   </p:stCondLst>
@@ -8659,15 +8665,76 @@
                                   </p:childTnLst>
                                 </p:cTn>
                               </p:par>
+                            </p:childTnLst>
+                          </p:cTn>
+                        </p:par>
+                      </p:childTnLst>
+                    </p:cTn>
+                  </p:par>
+                  <p:par>
+                    <p:cTn id="8" fill="hold">
+                      <p:stCondLst>
+                        <p:cond delay="indefinite"/>
+                      </p:stCondLst>
+                      <p:childTnLst>
+                        <p:par>
+                          <p:cTn id="9" fill="hold">
+                            <p:stCondLst>
+                              <p:cond delay="0"/>
+                            </p:stCondLst>
+                            <p:childTnLst>
                               <p:par>
-                                <p:cTn id="8" presetID="24" presetClass="emph" presetSubtype="0" fill="hold" grpId="1" nodeType="withEffect">
+                                <p:cTn id="10" presetID="10" presetClass="entr" presetSubtype="0" fill="hold" nodeType="clickEffect">
+                                  <p:stCondLst>
+                                    <p:cond delay="0"/>
+                                  </p:stCondLst>
+                                  <p:childTnLst>
+                                    <p:set>
+                                      <p:cBhvr>
+                                        <p:cTn id="11" dur="1" fill="hold">
+                                          <p:stCondLst>
+                                            <p:cond delay="0"/>
+                                          </p:stCondLst>
+                                        </p:cTn>
+                                        <p:tgtEl>
+                                          <p:spTgt spid="3">
+                                            <p:txEl>
+                                              <p:pRg st="0" end="0"/>
+                                            </p:txEl>
+                                          </p:spTgt>
+                                        </p:tgtEl>
+                                        <p:attrNameLst>
+                                          <p:attrName>style.visibility</p:attrName>
+                                        </p:attrNameLst>
+                                      </p:cBhvr>
+                                      <p:to>
+                                        <p:strVal val="visible"/>
+                                      </p:to>
+                                    </p:set>
+                                    <p:animEffect transition="in" filter="fade">
+                                      <p:cBhvr>
+                                        <p:cTn id="12" dur="500"/>
+                                        <p:tgtEl>
+                                          <p:spTgt spid="3">
+                                            <p:txEl>
+                                              <p:pRg st="0" end="0"/>
+                                            </p:txEl>
+                                          </p:spTgt>
+                                        </p:tgtEl>
+                                      </p:cBhvr>
+                                    </p:animEffect>
+                                  </p:childTnLst>
+                                </p:cTn>
+                              </p:par>
+                              <p:par>
+                                <p:cTn id="13" presetID="24" presetClass="emph" presetSubtype="0" fill="hold" grpId="1" nodeType="withEffect">
                                   <p:stCondLst>
                                     <p:cond delay="0"/>
                                   </p:stCondLst>
                                   <p:childTnLst>
                                     <p:animClr clrSpc="hsl" dir="cw">
                                       <p:cBhvr override="childStyle">
-                                        <p:cTn id="9" dur="1000" fill="hold"/>
+                                        <p:cTn id="14" dur="1000" fill="hold"/>
                                         <p:tgtEl>
                                           <p:spTgt spid="2"/>
                                         </p:tgtEl>
@@ -8681,7 +8748,7 @@
                                     </p:animClr>
                                     <p:animClr clrSpc="hsl" dir="cw">
                                       <p:cBhvr>
-                                        <p:cTn id="10" dur="1000" fill="hold"/>
+                                        <p:cTn id="15" dur="1000" fill="hold"/>
                                         <p:tgtEl>
                                           <p:spTgt spid="2"/>
                                         </p:tgtEl>
@@ -8695,7 +8762,7 @@
                                     </p:animClr>
                                     <p:animClr clrSpc="hsl" dir="cw">
                                       <p:cBhvr>
-                                        <p:cTn id="11" dur="1000" fill="hold"/>
+                                        <p:cTn id="16" dur="1000" fill="hold"/>
                                         <p:tgtEl>
                                           <p:spTgt spid="2"/>
                                         </p:tgtEl>
@@ -8709,7 +8776,7 @@
                                     </p:animClr>
                                     <p:set>
                                       <p:cBhvr>
-                                        <p:cTn id="12" dur="1000" fill="hold"/>
+                                        <p:cTn id="17" dur="1000" fill="hold"/>
                                         <p:tgtEl>
                                           <p:spTgt spid="2"/>
                                         </p:tgtEl>
@@ -8738,67 +8805,6 @@
                                       </p:to>
                                     </p:animClr>
                                   </p:subTnLst>
-                                </p:cTn>
-                              </p:par>
-                            </p:childTnLst>
-                          </p:cTn>
-                        </p:par>
-                      </p:childTnLst>
-                    </p:cTn>
-                  </p:par>
-                  <p:par>
-                    <p:cTn id="13" fill="hold">
-                      <p:stCondLst>
-                        <p:cond delay="indefinite"/>
-                      </p:stCondLst>
-                      <p:childTnLst>
-                        <p:par>
-                          <p:cTn id="14" fill="hold">
-                            <p:stCondLst>
-                              <p:cond delay="0"/>
-                            </p:stCondLst>
-                            <p:childTnLst>
-                              <p:par>
-                                <p:cTn id="15" presetID="10" presetClass="entr" presetSubtype="0" fill="hold" nodeType="clickEffect">
-                                  <p:stCondLst>
-                                    <p:cond delay="0"/>
-                                  </p:stCondLst>
-                                  <p:childTnLst>
-                                    <p:set>
-                                      <p:cBhvr>
-                                        <p:cTn id="16" dur="1" fill="hold">
-                                          <p:stCondLst>
-                                            <p:cond delay="0"/>
-                                          </p:stCondLst>
-                                        </p:cTn>
-                                        <p:tgtEl>
-                                          <p:spTgt spid="3">
-                                            <p:txEl>
-                                              <p:pRg st="0" end="0"/>
-                                            </p:txEl>
-                                          </p:spTgt>
-                                        </p:tgtEl>
-                                        <p:attrNameLst>
-                                          <p:attrName>style.visibility</p:attrName>
-                                        </p:attrNameLst>
-                                      </p:cBhvr>
-                                      <p:to>
-                                        <p:strVal val="visible"/>
-                                      </p:to>
-                                    </p:set>
-                                    <p:animEffect transition="in" filter="fade">
-                                      <p:cBhvr>
-                                        <p:cTn id="17" dur="500"/>
-                                        <p:tgtEl>
-                                          <p:spTgt spid="3">
-                                            <p:txEl>
-                                              <p:pRg st="0" end="0"/>
-                                            </p:txEl>
-                                          </p:spTgt>
-                                        </p:tgtEl>
-                                      </p:cBhvr>
-                                    </p:animEffect>
-                                  </p:childTnLst>
                                 </p:cTn>
                               </p:par>
                             </p:childTnLst>
@@ -9188,6 +9194,9 @@
                     <p:cTn id="3" fill="hold">
                       <p:stCondLst>
                         <p:cond delay="indefinite"/>
+                        <p:cond evt="onBegin" delay="0">
+                          <p:tn val="2"/>
+                        </p:cond>
                       </p:stCondLst>
                       <p:childTnLst>
                         <p:par>
@@ -9197,7 +9206,7 @@
                             </p:stCondLst>
                             <p:childTnLst>
                               <p:par>
-                                <p:cTn id="5" presetID="10" presetClass="entr" presetSubtype="0" fill="hold" grpId="0" nodeType="clickEffect">
+                                <p:cTn id="5" presetID="10" presetClass="entr" presetSubtype="0" fill="hold" grpId="0" nodeType="withEffect">
                                   <p:stCondLst>
                                     <p:cond delay="0"/>
                                   </p:stCondLst>
@@ -9231,15 +9240,76 @@
                                   </p:childTnLst>
                                 </p:cTn>
                               </p:par>
+                            </p:childTnLst>
+                          </p:cTn>
+                        </p:par>
+                      </p:childTnLst>
+                    </p:cTn>
+                  </p:par>
+                  <p:par>
+                    <p:cTn id="8" fill="hold">
+                      <p:stCondLst>
+                        <p:cond delay="indefinite"/>
+                      </p:stCondLst>
+                      <p:childTnLst>
+                        <p:par>
+                          <p:cTn id="9" fill="hold">
+                            <p:stCondLst>
+                              <p:cond delay="0"/>
+                            </p:stCondLst>
+                            <p:childTnLst>
                               <p:par>
-                                <p:cTn id="8" presetID="24" presetClass="emph" presetSubtype="0" fill="hold" grpId="1" nodeType="withEffect">
+                                <p:cTn id="10" presetID="10" presetClass="entr" presetSubtype="0" fill="hold" nodeType="clickEffect">
+                                  <p:stCondLst>
+                                    <p:cond delay="0"/>
+                                  </p:stCondLst>
+                                  <p:childTnLst>
+                                    <p:set>
+                                      <p:cBhvr>
+                                        <p:cTn id="11" dur="1" fill="hold">
+                                          <p:stCondLst>
+                                            <p:cond delay="0"/>
+                                          </p:stCondLst>
+                                        </p:cTn>
+                                        <p:tgtEl>
+                                          <p:spTgt spid="3">
+                                            <p:txEl>
+                                              <p:pRg st="0" end="0"/>
+                                            </p:txEl>
+                                          </p:spTgt>
+                                        </p:tgtEl>
+                                        <p:attrNameLst>
+                                          <p:attrName>style.visibility</p:attrName>
+                                        </p:attrNameLst>
+                                      </p:cBhvr>
+                                      <p:to>
+                                        <p:strVal val="visible"/>
+                                      </p:to>
+                                    </p:set>
+                                    <p:animEffect transition="in" filter="fade">
+                                      <p:cBhvr>
+                                        <p:cTn id="12" dur="500"/>
+                                        <p:tgtEl>
+                                          <p:spTgt spid="3">
+                                            <p:txEl>
+                                              <p:pRg st="0" end="0"/>
+                                            </p:txEl>
+                                          </p:spTgt>
+                                        </p:tgtEl>
+                                      </p:cBhvr>
+                                    </p:animEffect>
+                                  </p:childTnLst>
+                                </p:cTn>
+                              </p:par>
+                              <p:par>
+                                <p:cTn id="13" presetID="24" presetClass="emph" presetSubtype="0" fill="hold" grpId="1" nodeType="withEffect">
                                   <p:stCondLst>
                                     <p:cond delay="0"/>
                                   </p:stCondLst>
                                   <p:childTnLst>
                                     <p:animClr clrSpc="hsl" dir="cw">
                                       <p:cBhvr override="childStyle">
-                                        <p:cTn id="9" dur="1000" fill="hold"/>
+                                        <p:cTn id="14" dur="1000" fill="hold"/>
                                         <p:tgtEl>
                                           <p:spTgt spid="2"/>
                                         </p:tgtEl>
@@ -9253,7 +9323,7 @@
                                     </p:animClr>
                                     <p:animClr clrSpc="hsl" dir="cw">
                                       <p:cBhvr>
-                                        <p:cTn id="10" dur="1000" fill="hold"/>
+                                        <p:cTn id="15" dur="1000" fill="hold"/>
                                         <p:tgtEl>
                                           <p:spTgt spid="2"/>
                                         </p:tgtEl>
@@ -9267,7 +9337,7 @@
                                     </p:animClr>
                                     <p:animClr clrSpc="hsl" dir="cw">
                                       <p:cBhvr>
-                                        <p:cTn id="11" dur="1000" fill="hold"/>
+                                        <p:cTn id="16" dur="1000" fill="hold"/>
                                         <p:tgtEl>
                                           <p:spTgt spid="2"/>
                                         </p:tgtEl>
@@ -9281,7 +9351,7 @@
                                     </p:animClr>
                                     <p:set>
                                       <p:cBhvr>
-                                        <p:cTn id="12" dur="1000" fill="hold"/>
+                                        <p:cTn id="17" dur="1000" fill="hold"/>
                                         <p:tgtEl>
                                           <p:spTgt spid="2"/>
                                         </p:tgtEl>
@@ -9310,67 +9380,6 @@
                                       </p:to>
                                     </p:animClr>
                                   </p:subTnLst>
-                                </p:cTn>
-                              </p:par>
-                            </p:childTnLst>
-                          </p:cTn>
-                        </p:par>
-                      </p:childTnLst>
-                    </p:cTn>
-                  </p:par>
-                  <p:par>
-                    <p:cTn id="13" fill="hold">
-                      <p:stCondLst>
-                        <p:cond delay="indefinite"/>
-                      </p:stCondLst>
-                      <p:childTnLst>
-                        <p:par>
-                          <p:cTn id="14" fill="hold">
-                            <p:stCondLst>
-                              <p:cond delay="0"/>
-                            </p:stCondLst>
-                            <p:childTnLst>
-                              <p:par>
-                                <p:cTn id="15" presetID="10" presetClass="entr" presetSubtype="0" fill="hold" nodeType="clickEffect">
-                                  <p:stCondLst>
-                                    <p:cond delay="0"/>
-                                  </p:stCondLst>
-                                  <p:childTnLst>
-                                    <p:set>
-                                      <p:cBhvr>
-                                        <p:cTn id="16" dur="1" fill="hold">
-                                          <p:stCondLst>
-                                            <p:cond delay="0"/>
-                                          </p:stCondLst>
-                                        </p:cTn>
-                                        <p:tgtEl>
-                                          <p:spTgt spid="3">
-                                            <p:txEl>
-                                              <p:pRg st="0" end="0"/>
-                                            </p:txEl>
-                                          </p:spTgt>
-                                        </p:tgtEl>
-                                        <p:attrNameLst>
-                                          <p:attrName>style.visibility</p:attrName>
-                                        </p:attrNameLst>
-                                      </p:cBhvr>
-                                      <p:to>
-                                        <p:strVal val="visible"/>
-                                      </p:to>
-                                    </p:set>
-                                    <p:animEffect transition="in" filter="fade">
-                                      <p:cBhvr>
-                                        <p:cTn id="17" dur="500"/>
-                                        <p:tgtEl>
-                                          <p:spTgt spid="3">
-                                            <p:txEl>
-                                              <p:pRg st="0" end="0"/>
-                                            </p:txEl>
-                                          </p:spTgt>
-                                        </p:tgtEl>
-                                      </p:cBhvr>
-                                    </p:animEffect>
-                                  </p:childTnLst>
                                 </p:cTn>
                               </p:par>
                             </p:childTnLst>
@@ -9766,6 +9775,9 @@
                     <p:cTn id="3" fill="hold">
                       <p:stCondLst>
                         <p:cond delay="indefinite"/>
+                        <p:cond evt="onBegin" delay="0">
+                          <p:tn val="2"/>
+                        </p:cond>
                       </p:stCondLst>
                       <p:childTnLst>
                         <p:par>
@@ -9775,7 +9787,7 @@
                             </p:stCondLst>
                             <p:childTnLst>
                               <p:par>
-                                <p:cTn id="5" presetID="10" presetClass="entr" presetSubtype="0" fill="hold" grpId="0" nodeType="clickEffect">
+                                <p:cTn id="5" presetID="10" presetClass="entr" presetSubtype="0" fill="hold" grpId="0" nodeType="withEffect">
                                   <p:stCondLst>
                                     <p:cond delay="0"/>
                                   </p:stCondLst>
@@ -9809,15 +9821,76 @@
                                   </p:childTnLst>
                                 </p:cTn>
                               </p:par>
+                            </p:childTnLst>
+                          </p:cTn>
+                        </p:par>
+                      </p:childTnLst>
+                    </p:cTn>
+                  </p:par>
+                  <p:par>
+                    <p:cTn id="8" fill="hold">
+                      <p:stCondLst>
+                        <p:cond delay="indefinite"/>
+                      </p:stCondLst>
+                      <p:childTnLst>
+                        <p:par>
+                          <p:cTn id="9" fill="hold">
+                            <p:stCondLst>
+                              <p:cond delay="0"/>
+                            </p:stCondLst>
+                            <p:childTnLst>
                               <p:par>
-                                <p:cTn id="8" presetID="24" presetClass="emph" presetSubtype="0" fill="hold" grpId="1" nodeType="withEffect">
+                                <p:cTn id="10" presetID="10" presetClass="entr" presetSubtype="0" fill="hold" nodeType="clickEffect">
+                                  <p:stCondLst>
+                                    <p:cond delay="0"/>
+                                  </p:stCondLst>
+                                  <p:childTnLst>
+                                    <p:set>
+                                      <p:cBhvr>
+                                        <p:cTn id="11" dur="1" fill="hold">
+                                          <p:stCondLst>
+                                            <p:cond delay="0"/>
+                                          </p:stCondLst>
+                                        </p:cTn>
+                                        <p:tgtEl>
+                                          <p:spTgt spid="3">
+                                            <p:txEl>
+                                              <p:pRg st="0" end="0"/>
+                                            </p:txEl>
+                                          </p:spTgt>
+                                        </p:tgtEl>
+                                        <p:attrNameLst>
+                                          <p:attrName>style.visibility</p:attrName>
+                                        </p:attrNameLst>
+                                      </p:cBhvr>
+                                      <p:to>
+                                        <p:strVal val="visible"/>
+                                      </p:to>
+                                    </p:set>
+                                    <p:animEffect transition="in" filter="fade">
+                                      <p:cBhvr>
+                                        <p:cTn id="12" dur="500"/>
+                                        <p:tgtEl>
+                                          <p:spTgt spid="3">
+                                            <p:txEl>
+                                              <p:pRg st="0" end="0"/>
+                                            </p:txEl>
+                                          </p:spTgt>
+                                        </p:tgtEl>
+                                      </p:cBhvr>
+                                    </p:animEffect>
+                                  </p:childTnLst>
+                                </p:cTn>
+                              </p:par>
+                              <p:par>
+                                <p:cTn id="13" presetID="24" presetClass="emph" presetSubtype="0" fill="hold" grpId="1" nodeType="withEffect">
                                   <p:stCondLst>
                                     <p:cond delay="0"/>
                                   </p:stCondLst>
                                   <p:childTnLst>
                                     <p:animClr clrSpc="hsl" dir="cw">
                                       <p:cBhvr override="childStyle">
-                                        <p:cTn id="9" dur="1000" fill="hold"/>
+                                        <p:cTn id="14" dur="1000" fill="hold"/>
                                         <p:tgtEl>
                                           <p:spTgt spid="2"/>
                                         </p:tgtEl>
@@ -9831,7 +9904,7 @@
                                     </p:animClr>
                                     <p:animClr clrSpc="hsl" dir="cw">
                                       <p:cBhvr>
-                                        <p:cTn id="10" dur="1000" fill="hold"/>
+                                        <p:cTn id="15" dur="1000" fill="hold"/>
                                         <p:tgtEl>
                                           <p:spTgt spid="2"/>
                                         </p:tgtEl>
@@ -9845,7 +9918,7 @@
                                     </p:animClr>
                                     <p:animClr clrSpc="hsl" dir="cw">
                                       <p:cBhvr>
-                                        <p:cTn id="11" dur="1000" fill="hold"/>
+                                        <p:cTn id="16" dur="1000" fill="hold"/>
                                         <p:tgtEl>
                                           <p:spTgt spid="2"/>
                                         </p:tgtEl>
@@ -9859,7 +9932,7 @@
                                     </p:animClr>
                                     <p:set>
                                       <p:cBhvr>
-                                        <p:cTn id="12" dur="1000" fill="hold"/>
+                                        <p:cTn id="17" dur="1000" fill="hold"/>
                                         <p:tgtEl>
                                           <p:spTgt spid="2"/>
                                         </p:tgtEl>
@@ -9888,67 +9961,6 @@
                                       </p:to>
                                     </p:animClr>
                                   </p:subTnLst>
-                                </p:cTn>
-                              </p:par>
-                            </p:childTnLst>
-                          </p:cTn>
-                        </p:par>
-                      </p:childTnLst>
-                    </p:cTn>
-                  </p:par>
-                  <p:par>
-                    <p:cTn id="13" fill="hold">
-                      <p:stCondLst>
-                        <p:cond delay="indefinite"/>
-                      </p:stCondLst>
-                      <p:childTnLst>
-                        <p:par>
-                          <p:cTn id="14" fill="hold">
-                            <p:stCondLst>
-                              <p:cond delay="0"/>
-                            </p:stCondLst>
-                            <p:childTnLst>
-                              <p:par>
-                                <p:cTn id="15" presetID="10" presetClass="entr" presetSubtype="0" fill="hold" nodeType="clickEffect">
-                                  <p:stCondLst>
-                                    <p:cond delay="0"/>
-                                  </p:stCondLst>
-                                  <p:childTnLst>
-                                    <p:set>
-                                      <p:cBhvr>
-                                        <p:cTn id="16" dur="1" fill="hold">
-                                          <p:stCondLst>
-                                            <p:cond delay="0"/>
-                                          </p:stCondLst>
-                                        </p:cTn>
-                                        <p:tgtEl>
-                                          <p:spTgt spid="3">
-                                            <p:txEl>
-                                              <p:pRg st="0" end="0"/>
-                                            </p:txEl>
-                                          </p:spTgt>
-                                        </p:tgtEl>
-                                        <p:attrNameLst>
-                                          <p:attrName>style.visibility</p:attrName>
-                                        </p:attrNameLst>
-                                      </p:cBhvr>
-                                      <p:to>
-                                        <p:strVal val="visible"/>
-                                      </p:to>
-                                    </p:set>
-                                    <p:animEffect transition="in" filter="fade">
-                                      <p:cBhvr>
-                                        <p:cTn id="17" dur="500"/>
-                                        <p:tgtEl>
-                                          <p:spTgt spid="3">
-                                            <p:txEl>
-                                              <p:pRg st="0" end="0"/>
-                                            </p:txEl>
-                                          </p:spTgt>
-                                        </p:tgtEl>
-                                      </p:cBhvr>
-                                    </p:animEffect>
-                                  </p:childTnLst>
                                 </p:cTn>
                               </p:par>
                             </p:childTnLst>
@@ -10349,6 +10361,9 @@
                     <p:cTn id="3" fill="hold">
                       <p:stCondLst>
                         <p:cond delay="indefinite"/>
+                        <p:cond evt="onBegin" delay="0">
+                          <p:tn val="2"/>
+                        </p:cond>
                       </p:stCondLst>
                       <p:childTnLst>
                         <p:par>
@@ -10358,7 +10373,7 @@
                             </p:stCondLst>
                             <p:childTnLst>
                               <p:par>
-                                <p:cTn id="5" presetID="10" presetClass="entr" presetSubtype="0" fill="hold" grpId="0" nodeType="clickEffect">
+                                <p:cTn id="5" presetID="10" presetClass="entr" presetSubtype="0" fill="hold" grpId="0" nodeType="withEffect">
                                   <p:stCondLst>
                                     <p:cond delay="0"/>
                                   </p:stCondLst>
@@ -10392,15 +10407,76 @@
                                   </p:childTnLst>
                                 </p:cTn>
                               </p:par>
+                            </p:childTnLst>
+                          </p:cTn>
+                        </p:par>
+                      </p:childTnLst>
+                    </p:cTn>
+                  </p:par>
+                  <p:par>
+                    <p:cTn id="8" fill="hold">
+                      <p:stCondLst>
+                        <p:cond delay="indefinite"/>
+                      </p:stCondLst>
+                      <p:childTnLst>
+                        <p:par>
+                          <p:cTn id="9" fill="hold">
+                            <p:stCondLst>
+                              <p:cond delay="0"/>
+                            </p:stCondLst>
+                            <p:childTnLst>
                               <p:par>
-                                <p:cTn id="8" presetID="24" presetClass="emph" presetSubtype="0" fill="hold" grpId="1" nodeType="withEffect">
+                                <p:cTn id="10" presetID="10" presetClass="entr" presetSubtype="0" fill="hold" nodeType="clickEffect">
+                                  <p:stCondLst>
+                                    <p:cond delay="0"/>
+                                  </p:stCondLst>
+                                  <p:childTnLst>
+                                    <p:set>
+                                      <p:cBhvr>
+                                        <p:cTn id="11" dur="1" fill="hold">
+                                          <p:stCondLst>
+                                            <p:cond delay="0"/>
+                                          </p:stCondLst>
+                                        </p:cTn>
+                                        <p:tgtEl>
+                                          <p:spTgt spid="3">
+                                            <p:txEl>
+                                              <p:pRg st="0" end="0"/>
+                                            </p:txEl>
+                                          </p:spTgt>
+                                        </p:tgtEl>
+                                        <p:attrNameLst>
+                                          <p:attrName>style.visibility</p:attrName>
+                                        </p:attrNameLst>
+                                      </p:cBhvr>
+                                      <p:to>
+                                        <p:strVal val="visible"/>
+                                      </p:to>
+                                    </p:set>
+                                    <p:animEffect transition="in" filter="fade">
+                                      <p:cBhvr>
+                                        <p:cTn id="12" dur="500"/>
+                                        <p:tgtEl>
+                                          <p:spTgt spid="3">
+                                            <p:txEl>
+                                              <p:pRg st="0" end="0"/>
+                                            </p:txEl>
+                                          </p:spTgt>
+                                        </p:tgtEl>
+                                      </p:cBhvr>
+                                    </p:animEffect>
+                                  </p:childTnLst>
+                                </p:cTn>
+                              </p:par>
+                              <p:par>
+                                <p:cTn id="13" presetID="24" presetClass="emph" presetSubtype="0" fill="hold" grpId="1" nodeType="withEffect">
                                   <p:stCondLst>
                                     <p:cond delay="0"/>
                                   </p:stCondLst>
                                   <p:childTnLst>
                                     <p:animClr clrSpc="hsl" dir="cw">
                                       <p:cBhvr override="childStyle">
-                                        <p:cTn id="9" dur="1000" fill="hold"/>
+                                        <p:cTn id="14" dur="1000" fill="hold"/>
                                         <p:tgtEl>
                                           <p:spTgt spid="2"/>
                                         </p:tgtEl>
@@ -10414,7 +10490,7 @@
                                     </p:animClr>
                                     <p:animClr clrSpc="hsl" dir="cw">
                                       <p:cBhvr>
-                                        <p:cTn id="10" dur="1000" fill="hold"/>
+                                        <p:cTn id="15" dur="1000" fill="hold"/>
                                         <p:tgtEl>
                                           <p:spTgt spid="2"/>
                                         </p:tgtEl>
@@ -10428,7 +10504,7 @@
                                     </p:animClr>
                                     <p:animClr clrSpc="hsl" dir="cw">
                                       <p:cBhvr>
-                                        <p:cTn id="11" dur="1000" fill="hold"/>
+                                        <p:cTn id="16" dur="1000" fill="hold"/>
                                         <p:tgtEl>
                                           <p:spTgt spid="2"/>
                                         </p:tgtEl>
@@ -10442,7 +10518,7 @@
                                     </p:animClr>
                                     <p:set>
                                       <p:cBhvr>
-                                        <p:cTn id="12" dur="1000" fill="hold"/>
+                                        <p:cTn id="17" dur="1000" fill="hold"/>
                                         <p:tgtEl>
                                           <p:spTgt spid="2"/>
                                         </p:tgtEl>
@@ -10471,67 +10547,6 @@
                                       </p:to>
                                     </p:animClr>
                                   </p:subTnLst>
-                                </p:cTn>
-                              </p:par>
-                            </p:childTnLst>
-                          </p:cTn>
-                        </p:par>
-                      </p:childTnLst>
-                    </p:cTn>
-                  </p:par>
-                  <p:par>
-                    <p:cTn id="13" fill="hold">
-                      <p:stCondLst>
-                        <p:cond delay="indefinite"/>
-                      </p:stCondLst>
-                      <p:childTnLst>
-                        <p:par>
-                          <p:cTn id="14" fill="hold">
-                            <p:stCondLst>
-                              <p:cond delay="0"/>
-                            </p:stCondLst>
-                            <p:childTnLst>
-                              <p:par>
-                                <p:cTn id="15" presetID="10" presetClass="entr" presetSubtype="0" fill="hold" nodeType="clickEffect">
-                                  <p:stCondLst>
-                                    <p:cond delay="0"/>
-                                  </p:stCondLst>
-                                  <p:childTnLst>
-                                    <p:set>
-                                      <p:cBhvr>
-                                        <p:cTn id="16" dur="1" fill="hold">
-                                          <p:stCondLst>
-                                            <p:cond delay="0"/>
-                                          </p:stCondLst>
-                                        </p:cTn>
-                                        <p:tgtEl>
-                                          <p:spTgt spid="3">
-                                            <p:txEl>
-                                              <p:pRg st="0" end="0"/>
-                                            </p:txEl>
-                                          </p:spTgt>
-                                        </p:tgtEl>
-                                        <p:attrNameLst>
-                                          <p:attrName>style.visibility</p:attrName>
-                                        </p:attrNameLst>
-                                      </p:cBhvr>
-                                      <p:to>
-                                        <p:strVal val="visible"/>
-                                      </p:to>
-                                    </p:set>
-                                    <p:animEffect transition="in" filter="fade">
-                                      <p:cBhvr>
-                                        <p:cTn id="17" dur="500"/>
-                                        <p:tgtEl>
-                                          <p:spTgt spid="3">
-                                            <p:txEl>
-                                              <p:pRg st="0" end="0"/>
-                                            </p:txEl>
-                                          </p:spTgt>
-                                        </p:tgtEl>
-                                      </p:cBhvr>
-                                    </p:animEffect>
-                                  </p:childTnLst>
                                 </p:cTn>
                               </p:par>
                             </p:childTnLst>
@@ -10915,6 +10930,9 @@
                     <p:cTn id="3" fill="hold">
                       <p:stCondLst>
                         <p:cond delay="indefinite"/>
+                        <p:cond evt="onBegin" delay="0">
+                          <p:tn val="2"/>
+                        </p:cond>
                       </p:stCondLst>
                       <p:childTnLst>
                         <p:par>
@@ -10924,7 +10942,7 @@
                             </p:stCondLst>
                             <p:childTnLst>
                               <p:par>
-                                <p:cTn id="5" presetID="10" presetClass="entr" presetSubtype="0" fill="hold" grpId="0" nodeType="clickEffect">
+                                <p:cTn id="5" presetID="10" presetClass="entr" presetSubtype="0" fill="hold" grpId="0" nodeType="withEffect">
                                   <p:stCondLst>
                                     <p:cond delay="0"/>
                                   </p:stCondLst>
@@ -10958,15 +10976,76 @@
                                   </p:childTnLst>
                                 </p:cTn>
                               </p:par>
+                            </p:childTnLst>
+                          </p:cTn>
+                        </p:par>
+                      </p:childTnLst>
+                    </p:cTn>
+                  </p:par>
+                  <p:par>
+                    <p:cTn id="8" fill="hold">
+                      <p:stCondLst>
+                        <p:cond delay="indefinite"/>
+                      </p:stCondLst>
+                      <p:childTnLst>
+                        <p:par>
+                          <p:cTn id="9" fill="hold">
+                            <p:stCondLst>
+                              <p:cond delay="0"/>
+                            </p:stCondLst>
+                            <p:childTnLst>
                               <p:par>
-                                <p:cTn id="8" presetID="24" presetClass="emph" presetSubtype="0" fill="hold" grpId="1" nodeType="withEffect">
+                                <p:cTn id="10" presetID="10" presetClass="entr" presetSubtype="0" fill="hold" nodeType="clickEffect">
+                                  <p:stCondLst>
+                                    <p:cond delay="0"/>
+                                  </p:stCondLst>
+                                  <p:childTnLst>
+                                    <p:set>
+                                      <p:cBhvr>
+                                        <p:cTn id="11" dur="1" fill="hold">
+                                          <p:stCondLst>
+                                            <p:cond delay="0"/>
+                                          </p:stCondLst>
+                                        </p:cTn>
+                                        <p:tgtEl>
+                                          <p:spTgt spid="3">
+                                            <p:txEl>
+                                              <p:pRg st="0" end="0"/>
+                                            </p:txEl>
+                                          </p:spTgt>
+                                        </p:tgtEl>
+                                        <p:attrNameLst>
+                                          <p:attrName>style.visibility</p:attrName>
+                                        </p:attrNameLst>
+                                      </p:cBhvr>
+                                      <p:to>
+                                        <p:strVal val="visible"/>
+                                      </p:to>
+                                    </p:set>
+                                    <p:animEffect transition="in" filter="fade">
+                                      <p:cBhvr>
+                                        <p:cTn id="12" dur="500"/>
+                                        <p:tgtEl>
+                                          <p:spTgt spid="3">
+                                            <p:txEl>
+                                              <p:pRg st="0" end="0"/>
+                                            </p:txEl>
+                                          </p:spTgt>
+                                        </p:tgtEl>
+                                      </p:cBhvr>
+                                    </p:animEffect>
+                                  </p:childTnLst>
+                                </p:cTn>
+                              </p:par>
+                              <p:par>
+                                <p:cTn id="13" presetID="24" presetClass="emph" presetSubtype="0" fill="hold" grpId="1" nodeType="withEffect">
                                   <p:stCondLst>
                                     <p:cond delay="0"/>
                                   </p:stCondLst>
                                   <p:childTnLst>
                                     <p:animClr clrSpc="hsl" dir="cw">
                                       <p:cBhvr override="childStyle">
-                                        <p:cTn id="9" dur="1000" fill="hold"/>
+                                        <p:cTn id="14" dur="1000" fill="hold"/>
                                         <p:tgtEl>
                                           <p:spTgt spid="2"/>
                                         </p:tgtEl>
@@ -10980,7 +11059,7 @@
                                     </p:animClr>
                                     <p:animClr clrSpc="hsl" dir="cw">
                                       <p:cBhvr>
-                                        <p:cTn id="10" dur="1000" fill="hold"/>
+                                        <p:cTn id="15" dur="1000" fill="hold"/>
                                         <p:tgtEl>
                                           <p:spTgt spid="2"/>
                                         </p:tgtEl>
@@ -10994,7 +11073,7 @@
                                     </p:animClr>
                                     <p:animClr clrSpc="hsl" dir="cw">
                                       <p:cBhvr>
-                                        <p:cTn id="11" dur="1000" fill="hold"/>
+                                        <p:cTn id="16" dur="1000" fill="hold"/>
                                         <p:tgtEl>
                                           <p:spTgt spid="2"/>
                                         </p:tgtEl>
@@ -11008,7 +11087,7 @@
                                     </p:animClr>
                                     <p:set>
                                       <p:cBhvr>
-                                        <p:cTn id="12" dur="1000" fill="hold"/>
+                                        <p:cTn id="17" dur="1000" fill="hold"/>
                                         <p:tgtEl>
                                           <p:spTgt spid="2"/>
                                         </p:tgtEl>
@@ -11037,67 +11116,6 @@
                                       </p:to>
                                     </p:animClr>
                                   </p:subTnLst>
-                                </p:cTn>
-                              </p:par>
-                            </p:childTnLst>
-                          </p:cTn>
-                        </p:par>
-                      </p:childTnLst>
-                    </p:cTn>
-                  </p:par>
-                  <p:par>
-                    <p:cTn id="13" fill="hold">
-                      <p:stCondLst>
-                        <p:cond delay="indefinite"/>
-                      </p:stCondLst>
-                      <p:childTnLst>
-                        <p:par>
-                          <p:cTn id="14" fill="hold">
-                            <p:stCondLst>
-                              <p:cond delay="0"/>
-                            </p:stCondLst>
-                            <p:childTnLst>
-                              <p:par>
-                                <p:cTn id="15" presetID="10" presetClass="entr" presetSubtype="0" fill="hold" nodeType="clickEffect">
-                                  <p:stCondLst>
-                                    <p:cond delay="0"/>
-                                  </p:stCondLst>
-                                  <p:childTnLst>
-                                    <p:set>
-                                      <p:cBhvr>
-                                        <p:cTn id="16" dur="1" fill="hold">
-                                          <p:stCondLst>
-                                            <p:cond delay="0"/>
-                                          </p:stCondLst>
-                                        </p:cTn>
-                                        <p:tgtEl>
-                                          <p:spTgt spid="3">
-                                            <p:txEl>
-                                              <p:pRg st="0" end="0"/>
-                                            </p:txEl>
-                                          </p:spTgt>
-                                        </p:tgtEl>
-                                        <p:attrNameLst>
-                                          <p:attrName>style.visibility</p:attrName>
-                                        </p:attrNameLst>
-                                      </p:cBhvr>
-                                      <p:to>
-                                        <p:strVal val="visible"/>
-                                      </p:to>
-                                    </p:set>
-                                    <p:animEffect transition="in" filter="fade">
-                                      <p:cBhvr>
-                                        <p:cTn id="17" dur="500"/>
-                                        <p:tgtEl>
-                                          <p:spTgt spid="3">
-                                            <p:txEl>
-                                              <p:pRg st="0" end="0"/>
-                                            </p:txEl>
-                                          </p:spTgt>
-                                        </p:tgtEl>
-                                      </p:cBhvr>
-                                    </p:animEffect>
-                                  </p:childTnLst>
                                 </p:cTn>
                               </p:par>
                             </p:childTnLst>
@@ -11228,87 +11246,6 @@
                                           <p:spTgt spid="3">
                                             <p:txEl>
                                               <p:pRg st="0" end="0"/>
-                                            </p:txEl>
-                                          </p:spTgt>
-                                        </p:tgtEl>
-                                        <p:attrNameLst>
-                                          <p:attrName>fill.type</p:attrName>
-                                        </p:attrNameLst>
-                                      </p:cBhvr>
-                                      <p:to>
-                                        <p:strVal val="solid"/>
-                                      </p:to>
-                                    </p:set>
-                                  </p:childTnLst>
-                                </p:cTn>
-                              </p:par>
-                              <p:par>
-                                <p:cTn id="28" presetID="24" presetClass="emph" presetSubtype="0" fill="hold" nodeType="withEffect">
-                                  <p:stCondLst>
-                                    <p:cond delay="0"/>
-                                  </p:stCondLst>
-                                  <p:childTnLst>
-                                    <p:animClr clrSpc="hsl" dir="cw">
-                                      <p:cBhvr override="childStyle">
-                                        <p:cTn id="29" dur="500" fill="hold"/>
-                                        <p:tgtEl>
-                                          <p:spTgt spid="3">
-                                            <p:txEl>
-                                              <p:pRg st="1" end="1"/>
-                                            </p:txEl>
-                                          </p:spTgt>
-                                        </p:tgtEl>
-                                        <p:attrNameLst>
-                                          <p:attrName>style.color</p:attrName>
-                                        </p:attrNameLst>
-                                      </p:cBhvr>
-                                      <p:by>
-                                        <p:hsl h="0" s="-12549" l="-25098"/>
-                                      </p:by>
-                                    </p:animClr>
-                                    <p:animClr clrSpc="hsl" dir="cw">
-                                      <p:cBhvr>
-                                        <p:cTn id="30" dur="500" fill="hold"/>
-                                        <p:tgtEl>
-                                          <p:spTgt spid="3">
-                                            <p:txEl>
-                                              <p:pRg st="1" end="1"/>
-                                            </p:txEl>
-                                          </p:spTgt>
-                                        </p:tgtEl>
-                                        <p:attrNameLst>
-                                          <p:attrName>fillcolor</p:attrName>
-                                        </p:attrNameLst>
-                                      </p:cBhvr>
-                                      <p:by>
-                                        <p:hsl h="0" s="-12549" l="-25098"/>
-                                      </p:by>
-                                    </p:animClr>
-                                    <p:animClr clrSpc="hsl" dir="cw">
-                                      <p:cBhvr>
-                                        <p:cTn id="31" dur="500" fill="hold"/>
-                                        <p:tgtEl>
-                                          <p:spTgt spid="3">
-                                            <p:txEl>
-                                              <p:pRg st="1" end="1"/>
-                                            </p:txEl>
-                                          </p:spTgt>
-                                        </p:tgtEl>
-                                        <p:attrNameLst>
-                                          <p:attrName>stroke.color</p:attrName>
-                                        </p:attrNameLst>
-                                      </p:cBhvr>
-                                      <p:by>
-                                        <p:hsl h="0" s="-12549" l="-25098"/>
-                                      </p:by>
-                                    </p:animClr>
-                                    <p:set>
-                                      <p:cBhvr>
-                                        <p:cTn id="32" dur="500" fill="hold"/>
-                                        <p:tgtEl>
-                                          <p:spTgt spid="3">
-                                            <p:txEl>
-                                              <p:pRg st="1" end="1"/>
                                             </p:txEl>
                                           </p:spTgt>
                                         </p:tgtEl>
@@ -11426,10 +11363,9 @@
               <a:buNone/>
             </a:pPr>
             <a:r>
-              <a:rPr lang="nl-NL" sz="3600" dirty="0" err="1"/>
-              <a:t>Genuino</a:t>
+              <a:rPr lang="nl-NL" sz="3600" dirty="0"/>
+              <a:t>Geheugen</a:t>
             </a:r>
-            <a:endParaRPr lang="nl-NL" sz="3600" dirty="0"/>
           </a:p>
           <a:p>
             <a:pPr marL="0" indent="0">
@@ -11809,6 +11745,9 @@
                     <p:cTn id="3" fill="hold">
                       <p:stCondLst>
                         <p:cond delay="indefinite"/>
+                        <p:cond evt="onBegin" delay="0">
+                          <p:tn val="2"/>
+                        </p:cond>
                       </p:stCondLst>
                       <p:childTnLst>
                         <p:par>
@@ -11818,7 +11757,7 @@
                             </p:stCondLst>
                             <p:childTnLst>
                               <p:par>
-                                <p:cTn id="5" presetID="10" presetClass="entr" presetSubtype="0" fill="hold" grpId="0" nodeType="clickEffect">
+                                <p:cTn id="5" presetID="10" presetClass="entr" presetSubtype="0" fill="hold" grpId="0" nodeType="withEffect">
                                   <p:stCondLst>
                                     <p:cond delay="0"/>
                                   </p:stCondLst>
@@ -11852,15 +11791,76 @@
                                   </p:childTnLst>
                                 </p:cTn>
                               </p:par>
+                            </p:childTnLst>
+                          </p:cTn>
+                        </p:par>
+                      </p:childTnLst>
+                    </p:cTn>
+                  </p:par>
+                  <p:par>
+                    <p:cTn id="8" fill="hold">
+                      <p:stCondLst>
+                        <p:cond delay="indefinite"/>
+                      </p:stCondLst>
+                      <p:childTnLst>
+                        <p:par>
+                          <p:cTn id="9" fill="hold">
+                            <p:stCondLst>
+                              <p:cond delay="0"/>
+                            </p:stCondLst>
+                            <p:childTnLst>
                               <p:par>
-                                <p:cTn id="8" presetID="24" presetClass="emph" presetSubtype="0" fill="hold" grpId="1" nodeType="withEffect">
+                                <p:cTn id="10" presetID="10" presetClass="entr" presetSubtype="0" fill="hold" nodeType="clickEffect">
+                                  <p:stCondLst>
+                                    <p:cond delay="0"/>
+                                  </p:stCondLst>
+                                  <p:childTnLst>
+                                    <p:set>
+                                      <p:cBhvr>
+                                        <p:cTn id="11" dur="1" fill="hold">
+                                          <p:stCondLst>
+                                            <p:cond delay="0"/>
+                                          </p:stCondLst>
+                                        </p:cTn>
+                                        <p:tgtEl>
+                                          <p:spTgt spid="3">
+                                            <p:txEl>
+                                              <p:pRg st="0" end="0"/>
+                                            </p:txEl>
+                                          </p:spTgt>
+                                        </p:tgtEl>
+                                        <p:attrNameLst>
+                                          <p:attrName>style.visibility</p:attrName>
+                                        </p:attrNameLst>
+                                      </p:cBhvr>
+                                      <p:to>
+                                        <p:strVal val="visible"/>
+                                      </p:to>
+                                    </p:set>
+                                    <p:animEffect transition="in" filter="fade">
+                                      <p:cBhvr>
+                                        <p:cTn id="12" dur="500"/>
+                                        <p:tgtEl>
+                                          <p:spTgt spid="3">
+                                            <p:txEl>
+                                              <p:pRg st="0" end="0"/>
+                                            </p:txEl>
+                                          </p:spTgt>
+                                        </p:tgtEl>
+                                      </p:cBhvr>
+                                    </p:animEffect>
+                                  </p:childTnLst>
+                                </p:cTn>
+                              </p:par>
+                              <p:par>
+                                <p:cTn id="13" presetID="24" presetClass="emph" presetSubtype="0" fill="hold" grpId="1" nodeType="withEffect">
                                   <p:stCondLst>
                                     <p:cond delay="0"/>
                                   </p:stCondLst>
                                   <p:childTnLst>
                                     <p:animClr clrSpc="hsl" dir="cw">
                                       <p:cBhvr override="childStyle">
-                                        <p:cTn id="9" dur="1000" fill="hold"/>
+                                        <p:cTn id="14" dur="1000" fill="hold"/>
                                         <p:tgtEl>
                                           <p:spTgt spid="2"/>
                                         </p:tgtEl>
@@ -11874,7 +11874,7 @@
                                     </p:animClr>
                                     <p:animClr clrSpc="hsl" dir="cw">
                                       <p:cBhvr>
-                                        <p:cTn id="10" dur="1000" fill="hold"/>
+                                        <p:cTn id="15" dur="1000" fill="hold"/>
                                         <p:tgtEl>
                                           <p:spTgt spid="2"/>
                                         </p:tgtEl>
@@ -11888,7 +11888,7 @@
                                     </p:animClr>
                                     <p:animClr clrSpc="hsl" dir="cw">
                                       <p:cBhvr>
-                                        <p:cTn id="11" dur="1000" fill="hold"/>
+                                        <p:cTn id="16" dur="1000" fill="hold"/>
                                         <p:tgtEl>
                                           <p:spTgt spid="2"/>
                                         </p:tgtEl>
@@ -11902,7 +11902,7 @@
                                     </p:animClr>
                                     <p:set>
                                       <p:cBhvr>
-                                        <p:cTn id="12" dur="1000" fill="hold"/>
+                                        <p:cTn id="17" dur="1000" fill="hold"/>
                                         <p:tgtEl>
                                           <p:spTgt spid="2"/>
                                         </p:tgtEl>
@@ -11931,67 +11931,6 @@
                                       </p:to>
                                     </p:animClr>
                                   </p:subTnLst>
-                                </p:cTn>
-                              </p:par>
-                            </p:childTnLst>
-                          </p:cTn>
-                        </p:par>
-                      </p:childTnLst>
-                    </p:cTn>
-                  </p:par>
-                  <p:par>
-                    <p:cTn id="13" fill="hold">
-                      <p:stCondLst>
-                        <p:cond delay="indefinite"/>
-                      </p:stCondLst>
-                      <p:childTnLst>
-                        <p:par>
-                          <p:cTn id="14" fill="hold">
-                            <p:stCondLst>
-                              <p:cond delay="0"/>
-                            </p:stCondLst>
-                            <p:childTnLst>
-                              <p:par>
-                                <p:cTn id="15" presetID="10" presetClass="entr" presetSubtype="0" fill="hold" nodeType="clickEffect">
-                                  <p:stCondLst>
-                                    <p:cond delay="0"/>
-                                  </p:stCondLst>
-                                  <p:childTnLst>
-                                    <p:set>
-                                      <p:cBhvr>
-                                        <p:cTn id="16" dur="1" fill="hold">
-                                          <p:stCondLst>
-                                            <p:cond delay="0"/>
-                                          </p:stCondLst>
-                                        </p:cTn>
-                                        <p:tgtEl>
-                                          <p:spTgt spid="3">
-                                            <p:txEl>
-                                              <p:pRg st="0" end="0"/>
-                                            </p:txEl>
-                                          </p:spTgt>
-                                        </p:tgtEl>
-                                        <p:attrNameLst>
-                                          <p:attrName>style.visibility</p:attrName>
-                                        </p:attrNameLst>
-                                      </p:cBhvr>
-                                      <p:to>
-                                        <p:strVal val="visible"/>
-                                      </p:to>
-                                    </p:set>
-                                    <p:animEffect transition="in" filter="fade">
-                                      <p:cBhvr>
-                                        <p:cTn id="17" dur="500"/>
-                                        <p:tgtEl>
-                                          <p:spTgt spid="3">
-                                            <p:txEl>
-                                              <p:pRg st="0" end="0"/>
-                                            </p:txEl>
-                                          </p:spTgt>
-                                        </p:tgtEl>
-                                      </p:cBhvr>
-                                    </p:animEffect>
-                                  </p:childTnLst>
                                 </p:cTn>
                               </p:par>
                             </p:childTnLst>
@@ -12197,6 +12136,87 @@
                                   </p:childTnLst>
                                 </p:cTn>
                               </p:par>
+                              <p:par>
+                                <p:cTn id="33" presetID="24" presetClass="emph" presetSubtype="0" fill="hold" nodeType="withEffect">
+                                  <p:stCondLst>
+                                    <p:cond delay="0"/>
+                                  </p:stCondLst>
+                                  <p:childTnLst>
+                                    <p:animClr clrSpc="hsl" dir="cw">
+                                      <p:cBhvr override="childStyle">
+                                        <p:cTn id="34" dur="500" fill="hold"/>
+                                        <p:tgtEl>
+                                          <p:spTgt spid="3">
+                                            <p:txEl>
+                                              <p:pRg st="1" end="1"/>
+                                            </p:txEl>
+                                          </p:spTgt>
+                                        </p:tgtEl>
+                                        <p:attrNameLst>
+                                          <p:attrName>style.color</p:attrName>
+                                        </p:attrNameLst>
+                                      </p:cBhvr>
+                                      <p:by>
+                                        <p:hsl h="0" s="-12549" l="-25098"/>
+                                      </p:by>
+                                    </p:animClr>
+                                    <p:animClr clrSpc="hsl" dir="cw">
+                                      <p:cBhvr>
+                                        <p:cTn id="35" dur="500" fill="hold"/>
+                                        <p:tgtEl>
+                                          <p:spTgt spid="3">
+                                            <p:txEl>
+                                              <p:pRg st="1" end="1"/>
+                                            </p:txEl>
+                                          </p:spTgt>
+                                        </p:tgtEl>
+                                        <p:attrNameLst>
+                                          <p:attrName>fillcolor</p:attrName>
+                                        </p:attrNameLst>
+                                      </p:cBhvr>
+                                      <p:by>
+                                        <p:hsl h="0" s="-12549" l="-25098"/>
+                                      </p:by>
+                                    </p:animClr>
+                                    <p:animClr clrSpc="hsl" dir="cw">
+                                      <p:cBhvr>
+                                        <p:cTn id="36" dur="500" fill="hold"/>
+                                        <p:tgtEl>
+                                          <p:spTgt spid="3">
+                                            <p:txEl>
+                                              <p:pRg st="1" end="1"/>
+                                            </p:txEl>
+                                          </p:spTgt>
+                                        </p:tgtEl>
+                                        <p:attrNameLst>
+                                          <p:attrName>stroke.color</p:attrName>
+                                        </p:attrNameLst>
+                                      </p:cBhvr>
+                                      <p:by>
+                                        <p:hsl h="0" s="-12549" l="-25098"/>
+                                      </p:by>
+                                    </p:animClr>
+                                    <p:set>
+                                      <p:cBhvr>
+                                        <p:cTn id="37" dur="500" fill="hold"/>
+                                        <p:tgtEl>
+                                          <p:spTgt spid="3">
+                                            <p:txEl>
+                                              <p:pRg st="1" end="1"/>
+                                            </p:txEl>
+                                          </p:spTgt>
+                                        </p:tgtEl>
+                                        <p:attrNameLst>
+                                          <p:attrName>fill.type</p:attrName>
+                                        </p:attrNameLst>
+                                      </p:cBhvr>
+                                      <p:to>
+                                        <p:strVal val="solid"/>
+                                      </p:to>
+                                    </p:set>
+                                  </p:childTnLst>
+                                </p:cTn>
+                              </p:par>
                             </p:childTnLst>
                           </p:cTn>
                         </p:par>
@@ -12204,26 +12224,26 @@
                     </p:cTn>
                   </p:par>
                   <p:par>
-                    <p:cTn id="33" fill="hold">
+                    <p:cTn id="38" fill="hold">
                       <p:stCondLst>
                         <p:cond delay="indefinite"/>
                       </p:stCondLst>
                       <p:childTnLst>
                         <p:par>
-                          <p:cTn id="34" fill="hold">
+                          <p:cTn id="39" fill="hold">
                             <p:stCondLst>
                               <p:cond delay="0"/>
                             </p:stCondLst>
                             <p:childTnLst>
                               <p:par>
-                                <p:cTn id="35" presetID="10" presetClass="entr" presetSubtype="0" fill="hold" nodeType="clickEffect">
+                                <p:cTn id="40" presetID="10" presetClass="entr" presetSubtype="0" fill="hold" nodeType="clickEffect">
                                   <p:stCondLst>
                                     <p:cond delay="0"/>
                                   </p:stCondLst>
                                   <p:childTnLst>
                                     <p:set>
                                       <p:cBhvr>
-                                        <p:cTn id="36" dur="1" fill="hold">
+                                        <p:cTn id="41" dur="1" fill="hold">
                                           <p:stCondLst>
                                             <p:cond delay="0"/>
                                           </p:stCondLst>
@@ -12245,7 +12265,7 @@
                                     </p:set>
                                     <p:animEffect transition="in" filter="fade">
                                       <p:cBhvr>
-                                        <p:cTn id="37" dur="500"/>
+                                        <p:cTn id="42" dur="500"/>
                                         <p:tgtEl>
                                           <p:spTgt spid="6">
                                             <p:txEl>
@@ -12259,14 +12279,14 @@
                                 </p:cTn>
                               </p:par>
                               <p:par>
-                                <p:cTn id="38" presetID="24" presetClass="emph" presetSubtype="0" fill="hold" nodeType="withEffect">
+                                <p:cTn id="43" presetID="24" presetClass="emph" presetSubtype="0" fill="hold" nodeType="withEffect">
                                   <p:stCondLst>
                                     <p:cond delay="0"/>
                                   </p:stCondLst>
                                   <p:childTnLst>
                                     <p:animClr clrSpc="hsl" dir="cw">
                                       <p:cBhvr override="childStyle">
-                                        <p:cTn id="39" dur="500" fill="hold"/>
+                                        <p:cTn id="44" dur="500" fill="hold"/>
                                         <p:tgtEl>
                                           <p:spTgt spid="6">
                                             <p:txEl>
@@ -12284,7 +12304,7 @@
                                     </p:animClr>
                                     <p:animClr clrSpc="hsl" dir="cw">
                                       <p:cBhvr>
-                                        <p:cTn id="40" dur="500" fill="hold"/>
+                                        <p:cTn id="45" dur="500" fill="hold"/>
                                         <p:tgtEl>
                                           <p:spTgt spid="6">
                                             <p:txEl>
@@ -12302,7 +12322,7 @@
                                     </p:animClr>
                                     <p:animClr clrSpc="hsl" dir="cw">
                                       <p:cBhvr>
-                                        <p:cTn id="41" dur="500" fill="hold"/>
+                                        <p:cTn id="46" dur="500" fill="hold"/>
                                         <p:tgtEl>
                                           <p:spTgt spid="6">
                                             <p:txEl>
@@ -12320,7 +12340,7 @@
                                     </p:animClr>
                                     <p:set>
                                       <p:cBhvr>
-                                        <p:cTn id="42" dur="500" fill="hold"/>
+                                        <p:cTn id="47" dur="500" fill="hold"/>
                                         <p:tgtEl>
                                           <p:spTgt spid="6">
                                             <p:txEl>
@@ -12594,6 +12614,9 @@
                     <p:cTn id="3" fill="hold">
                       <p:stCondLst>
                         <p:cond delay="indefinite"/>
+                        <p:cond evt="onBegin" delay="0">
+                          <p:tn val="2"/>
+                        </p:cond>
                       </p:stCondLst>
                       <p:childTnLst>
                         <p:par>
@@ -12603,7 +12626,7 @@
                             </p:stCondLst>
                             <p:childTnLst>
                               <p:par>
-                                <p:cTn id="5" presetID="10" presetClass="entr" presetSubtype="0" fill="hold" grpId="0" nodeType="clickEffect">
+                                <p:cTn id="5" presetID="10" presetClass="entr" presetSubtype="0" fill="hold" grpId="0" nodeType="withEffect">
                                   <p:stCondLst>
                                     <p:cond delay="0"/>
                                   </p:stCondLst>
@@ -12637,15 +12660,76 @@
                                   </p:childTnLst>
                                 </p:cTn>
                               </p:par>
+                            </p:childTnLst>
+                          </p:cTn>
+                        </p:par>
+                      </p:childTnLst>
+                    </p:cTn>
+                  </p:par>
+                  <p:par>
+                    <p:cTn id="8" fill="hold">
+                      <p:stCondLst>
+                        <p:cond delay="indefinite"/>
+                      </p:stCondLst>
+                      <p:childTnLst>
+                        <p:par>
+                          <p:cTn id="9" fill="hold">
+                            <p:stCondLst>
+                              <p:cond delay="0"/>
+                            </p:stCondLst>
+                            <p:childTnLst>
                               <p:par>
-                                <p:cTn id="8" presetID="24" presetClass="emph" presetSubtype="0" fill="hold" grpId="1" nodeType="withEffect">
+                                <p:cTn id="10" presetID="10" presetClass="entr" presetSubtype="0" fill="hold" nodeType="clickEffect">
+                                  <p:stCondLst>
+                                    <p:cond delay="0"/>
+                                  </p:stCondLst>
+                                  <p:childTnLst>
+                                    <p:set>
+                                      <p:cBhvr>
+                                        <p:cTn id="11" dur="1" fill="hold">
+                                          <p:stCondLst>
+                                            <p:cond delay="0"/>
+                                          </p:stCondLst>
+                                        </p:cTn>
+                                        <p:tgtEl>
+                                          <p:spTgt spid="3">
+                                            <p:txEl>
+                                              <p:pRg st="0" end="0"/>
+                                            </p:txEl>
+                                          </p:spTgt>
+                                        </p:tgtEl>
+                                        <p:attrNameLst>
+                                          <p:attrName>style.visibility</p:attrName>
+                                        </p:attrNameLst>
+                                      </p:cBhvr>
+                                      <p:to>
+                                        <p:strVal val="visible"/>
+                                      </p:to>
+                                    </p:set>
+                                    <p:animEffect transition="in" filter="fade">
+                                      <p:cBhvr>
+                                        <p:cTn id="12" dur="500"/>
+                                        <p:tgtEl>
+                                          <p:spTgt spid="3">
+                                            <p:txEl>
+                                              <p:pRg st="0" end="0"/>
+                                            </p:txEl>
+                                          </p:spTgt>
+                                        </p:tgtEl>
+                                      </p:cBhvr>
+                                    </p:animEffect>
+                                  </p:childTnLst>
+                                </p:cTn>
+                              </p:par>
+                              <p:par>
+                                <p:cTn id="13" presetID="24" presetClass="emph" presetSubtype="0" fill="hold" grpId="1" nodeType="withEffect">
                                   <p:stCondLst>
                                     <p:cond delay="0"/>
                                   </p:stCondLst>
                                   <p:childTnLst>
                                     <p:animClr clrSpc="hsl" dir="cw">
                                       <p:cBhvr override="childStyle">
-                                        <p:cTn id="9" dur="1000" fill="hold"/>
+                                        <p:cTn id="14" dur="1000" fill="hold"/>
                                         <p:tgtEl>
                                           <p:spTgt spid="2"/>
                                         </p:tgtEl>
@@ -12659,7 +12743,7 @@
                                     </p:animClr>
                                     <p:animClr clrSpc="hsl" dir="cw">
                                       <p:cBhvr>
-                                        <p:cTn id="10" dur="1000" fill="hold"/>
+                                        <p:cTn id="15" dur="1000" fill="hold"/>
                                         <p:tgtEl>
                                           <p:spTgt spid="2"/>
                                         </p:tgtEl>
@@ -12673,7 +12757,7 @@
                                     </p:animClr>
                                     <p:animClr clrSpc="hsl" dir="cw">
                                       <p:cBhvr>
-                                        <p:cTn id="11" dur="1000" fill="hold"/>
+                                        <p:cTn id="16" dur="1000" fill="hold"/>
                                         <p:tgtEl>
                                           <p:spTgt spid="2"/>
                                         </p:tgtEl>
@@ -12687,7 +12771,7 @@
                                     </p:animClr>
                                     <p:set>
                                       <p:cBhvr>
-                                        <p:cTn id="12" dur="1000" fill="hold"/>
+                                        <p:cTn id="17" dur="1000" fill="hold"/>
                                         <p:tgtEl>
                                           <p:spTgt spid="2"/>
                                         </p:tgtEl>
@@ -12716,67 +12800,6 @@
                                       </p:to>
                                     </p:animClr>
                                   </p:subTnLst>
-                                </p:cTn>
-                              </p:par>
-                            </p:childTnLst>
-                          </p:cTn>
-                        </p:par>
-                      </p:childTnLst>
-                    </p:cTn>
-                  </p:par>
-                  <p:par>
-                    <p:cTn id="13" fill="hold">
-                      <p:stCondLst>
-                        <p:cond delay="indefinite"/>
-                      </p:stCondLst>
-                      <p:childTnLst>
-                        <p:par>
-                          <p:cTn id="14" fill="hold">
-                            <p:stCondLst>
-                              <p:cond delay="0"/>
-                            </p:stCondLst>
-                            <p:childTnLst>
-                              <p:par>
-                                <p:cTn id="15" presetID="10" presetClass="entr" presetSubtype="0" fill="hold" nodeType="clickEffect">
-                                  <p:stCondLst>
-                                    <p:cond delay="0"/>
-                                  </p:stCondLst>
-                                  <p:childTnLst>
-                                    <p:set>
-                                      <p:cBhvr>
-                                        <p:cTn id="16" dur="1" fill="hold">
-                                          <p:stCondLst>
-                                            <p:cond delay="0"/>
-                                          </p:stCondLst>
-                                        </p:cTn>
-                                        <p:tgtEl>
-                                          <p:spTgt spid="3">
-                                            <p:txEl>
-                                              <p:pRg st="0" end="0"/>
-                                            </p:txEl>
-                                          </p:spTgt>
-                                        </p:tgtEl>
-                                        <p:attrNameLst>
-                                          <p:attrName>style.visibility</p:attrName>
-                                        </p:attrNameLst>
-                                      </p:cBhvr>
-                                      <p:to>
-                                        <p:strVal val="visible"/>
-                                      </p:to>
-                                    </p:set>
-                                    <p:animEffect transition="in" filter="fade">
-                                      <p:cBhvr>
-                                        <p:cTn id="17" dur="500"/>
-                                        <p:tgtEl>
-                                          <p:spTgt spid="3">
-                                            <p:txEl>
-                                              <p:pRg st="0" end="0"/>
-                                            </p:txEl>
-                                          </p:spTgt>
-                                        </p:tgtEl>
-                                      </p:cBhvr>
-                                    </p:animEffect>
-                                  </p:childTnLst>
                                 </p:cTn>
                               </p:par>
                             </p:childTnLst>
@@ -13153,6 +13176,9 @@
                     <p:cTn id="3" fill="hold">
                       <p:stCondLst>
                         <p:cond delay="indefinite"/>
+                        <p:cond evt="onBegin" delay="0">
+                          <p:tn val="2"/>
+                        </p:cond>
                       </p:stCondLst>
                       <p:childTnLst>
                         <p:par>
@@ -13162,7 +13188,7 @@
                             </p:stCondLst>
                             <p:childTnLst>
                               <p:par>
-                                <p:cTn id="5" presetID="10" presetClass="entr" presetSubtype="0" fill="hold" grpId="0" nodeType="clickEffect">
+                                <p:cTn id="5" presetID="10" presetClass="entr" presetSubtype="0" fill="hold" grpId="0" nodeType="withEffect">
                                   <p:stCondLst>
                                     <p:cond delay="0"/>
                                   </p:stCondLst>
@@ -13196,15 +13222,76 @@
                                   </p:childTnLst>
                                 </p:cTn>
                               </p:par>
+                            </p:childTnLst>
+                          </p:cTn>
+                        </p:par>
+                      </p:childTnLst>
+                    </p:cTn>
+                  </p:par>
+                  <p:par>
+                    <p:cTn id="8" fill="hold">
+                      <p:stCondLst>
+                        <p:cond delay="indefinite"/>
+                      </p:stCondLst>
+                      <p:childTnLst>
+                        <p:par>
+                          <p:cTn id="9" fill="hold">
+                            <p:stCondLst>
+                              <p:cond delay="0"/>
+                            </p:stCondLst>
+                            <p:childTnLst>
                               <p:par>
-                                <p:cTn id="8" presetID="24" presetClass="emph" presetSubtype="0" fill="hold" grpId="1" nodeType="withEffect">
+                                <p:cTn id="10" presetID="10" presetClass="entr" presetSubtype="0" fill="hold" nodeType="clickEffect">
+                                  <p:stCondLst>
+                                    <p:cond delay="0"/>
+                                  </p:stCondLst>
+                                  <p:childTnLst>
+                                    <p:set>
+                                      <p:cBhvr>
+                                        <p:cTn id="11" dur="1" fill="hold">
+                                          <p:stCondLst>
+                                            <p:cond delay="0"/>
+                                          </p:stCondLst>
+                                        </p:cTn>
+                                        <p:tgtEl>
+                                          <p:spTgt spid="3">
+                                            <p:txEl>
+                                              <p:pRg st="0" end="0"/>
+                                            </p:txEl>
+                                          </p:spTgt>
+                                        </p:tgtEl>
+                                        <p:attrNameLst>
+                                          <p:attrName>style.visibility</p:attrName>
+                                        </p:attrNameLst>
+                                      </p:cBhvr>
+                                      <p:to>
+                                        <p:strVal val="visible"/>
+                                      </p:to>
+                                    </p:set>
+                                    <p:animEffect transition="in" filter="fade">
+                                      <p:cBhvr>
+                                        <p:cTn id="12" dur="500"/>
+                                        <p:tgtEl>
+                                          <p:spTgt spid="3">
+                                            <p:txEl>
+                                              <p:pRg st="0" end="0"/>
+                                            </p:txEl>
+                                          </p:spTgt>
+                                        </p:tgtEl>
+                                      </p:cBhvr>
+                                    </p:animEffect>
+                                  </p:childTnLst>
+                                </p:cTn>
+                              </p:par>
+                              <p:par>
+                                <p:cTn id="13" presetID="24" presetClass="emph" presetSubtype="0" fill="hold" grpId="1" nodeType="withEffect">
                                   <p:stCondLst>
                                     <p:cond delay="0"/>
                                   </p:stCondLst>
                                   <p:childTnLst>
                                     <p:animClr clrSpc="hsl" dir="cw">
                                       <p:cBhvr override="childStyle">
-                                        <p:cTn id="9" dur="1000" fill="hold"/>
+                                        <p:cTn id="14" dur="1000" fill="hold"/>
                                         <p:tgtEl>
                                           <p:spTgt spid="2"/>
                                         </p:tgtEl>
@@ -13218,7 +13305,7 @@
                                     </p:animClr>
                                     <p:animClr clrSpc="hsl" dir="cw">
                                       <p:cBhvr>
-                                        <p:cTn id="10" dur="1000" fill="hold"/>
+                                        <p:cTn id="15" dur="1000" fill="hold"/>
                                         <p:tgtEl>
                                           <p:spTgt spid="2"/>
                                         </p:tgtEl>
@@ -13232,7 +13319,7 @@
                                     </p:animClr>
                                     <p:animClr clrSpc="hsl" dir="cw">
                                       <p:cBhvr>
-                                        <p:cTn id="11" dur="1000" fill="hold"/>
+                                        <p:cTn id="16" dur="1000" fill="hold"/>
                                         <p:tgtEl>
                                           <p:spTgt spid="2"/>
                                         </p:tgtEl>
@@ -13246,7 +13333,7 @@
                                     </p:animClr>
                                     <p:set>
                                       <p:cBhvr>
-                                        <p:cTn id="12" dur="1000" fill="hold"/>
+                                        <p:cTn id="17" dur="1000" fill="hold"/>
                                         <p:tgtEl>
                                           <p:spTgt spid="2"/>
                                         </p:tgtEl>
@@ -13275,67 +13362,6 @@
                                       </p:to>
                                     </p:animClr>
                                   </p:subTnLst>
-                                </p:cTn>
-                              </p:par>
-                            </p:childTnLst>
-                          </p:cTn>
-                        </p:par>
-                      </p:childTnLst>
-                    </p:cTn>
-                  </p:par>
-                  <p:par>
-                    <p:cTn id="13" fill="hold">
-                      <p:stCondLst>
-                        <p:cond delay="indefinite"/>
-                      </p:stCondLst>
-                      <p:childTnLst>
-                        <p:par>
-                          <p:cTn id="14" fill="hold">
-                            <p:stCondLst>
-                              <p:cond delay="0"/>
-                            </p:stCondLst>
-                            <p:childTnLst>
-                              <p:par>
-                                <p:cTn id="15" presetID="10" presetClass="entr" presetSubtype="0" fill="hold" nodeType="clickEffect">
-                                  <p:stCondLst>
-                                    <p:cond delay="0"/>
-                                  </p:stCondLst>
-                                  <p:childTnLst>
-                                    <p:set>
-                                      <p:cBhvr>
-                                        <p:cTn id="16" dur="1" fill="hold">
-                                          <p:stCondLst>
-                                            <p:cond delay="0"/>
-                                          </p:stCondLst>
-                                        </p:cTn>
-                                        <p:tgtEl>
-                                          <p:spTgt spid="3">
-                                            <p:txEl>
-                                              <p:pRg st="0" end="0"/>
-                                            </p:txEl>
-                                          </p:spTgt>
-                                        </p:tgtEl>
-                                        <p:attrNameLst>
-                                          <p:attrName>style.visibility</p:attrName>
-                                        </p:attrNameLst>
-                                      </p:cBhvr>
-                                      <p:to>
-                                        <p:strVal val="visible"/>
-                                      </p:to>
-                                    </p:set>
-                                    <p:animEffect transition="in" filter="fade">
-                                      <p:cBhvr>
-                                        <p:cTn id="17" dur="500"/>
-                                        <p:tgtEl>
-                                          <p:spTgt spid="3">
-                                            <p:txEl>
-                                              <p:pRg st="0" end="0"/>
-                                            </p:txEl>
-                                          </p:spTgt>
-                                        </p:tgtEl>
-                                      </p:cBhvr>
-                                    </p:animEffect>
-                                  </p:childTnLst>
                                 </p:cTn>
                               </p:par>
                             </p:childTnLst>
@@ -13730,6 +13756,9 @@
                     <p:cTn id="3" fill="hold">
                       <p:stCondLst>
                         <p:cond delay="indefinite"/>
+                        <p:cond evt="onBegin" delay="0">
+                          <p:tn val="2"/>
+                        </p:cond>
                       </p:stCondLst>
                       <p:childTnLst>
                         <p:par>
@@ -13739,7 +13768,7 @@
                             </p:stCondLst>
                             <p:childTnLst>
                               <p:par>
-                                <p:cTn id="5" presetID="10" presetClass="entr" presetSubtype="0" fill="hold" grpId="0" nodeType="clickEffect">
+                                <p:cTn id="5" presetID="10" presetClass="entr" presetSubtype="0" fill="hold" grpId="0" nodeType="withEffect">
                                   <p:stCondLst>
                                     <p:cond delay="0"/>
                                   </p:stCondLst>
@@ -13773,15 +13802,76 @@
                                   </p:childTnLst>
                                 </p:cTn>
                               </p:par>
+                            </p:childTnLst>
+                          </p:cTn>
+                        </p:par>
+                      </p:childTnLst>
+                    </p:cTn>
+                  </p:par>
+                  <p:par>
+                    <p:cTn id="8" fill="hold">
+                      <p:stCondLst>
+                        <p:cond delay="indefinite"/>
+                      </p:stCondLst>
+                      <p:childTnLst>
+                        <p:par>
+                          <p:cTn id="9" fill="hold">
+                            <p:stCondLst>
+                              <p:cond delay="0"/>
+                            </p:stCondLst>
+                            <p:childTnLst>
                               <p:par>
-                                <p:cTn id="8" presetID="24" presetClass="emph" presetSubtype="0" fill="hold" grpId="1" nodeType="withEffect">
+                                <p:cTn id="10" presetID="10" presetClass="entr" presetSubtype="0" fill="hold" nodeType="clickEffect">
+                                  <p:stCondLst>
+                                    <p:cond delay="0"/>
+                                  </p:stCondLst>
+                                  <p:childTnLst>
+                                    <p:set>
+                                      <p:cBhvr>
+                                        <p:cTn id="11" dur="1" fill="hold">
+                                          <p:stCondLst>
+                                            <p:cond delay="0"/>
+                                          </p:stCondLst>
+                                        </p:cTn>
+                                        <p:tgtEl>
+                                          <p:spTgt spid="3">
+                                            <p:txEl>
+                                              <p:pRg st="0" end="0"/>
+                                            </p:txEl>
+                                          </p:spTgt>
+                                        </p:tgtEl>
+                                        <p:attrNameLst>
+                                          <p:attrName>style.visibility</p:attrName>
+                                        </p:attrNameLst>
+                                      </p:cBhvr>
+                                      <p:to>
+                                        <p:strVal val="visible"/>
+                                      </p:to>
+                                    </p:set>
+                                    <p:animEffect transition="in" filter="fade">
+                                      <p:cBhvr>
+                                        <p:cTn id="12" dur="500"/>
+                                        <p:tgtEl>
+                                          <p:spTgt spid="3">
+                                            <p:txEl>
+                                              <p:pRg st="0" end="0"/>
+                                            </p:txEl>
+                                          </p:spTgt>
+                                        </p:tgtEl>
+                                      </p:cBhvr>
+                                    </p:animEffect>
+                                  </p:childTnLst>
+                                </p:cTn>
+                              </p:par>
+                              <p:par>
+                                <p:cTn id="13" presetID="24" presetClass="emph" presetSubtype="0" fill="hold" grpId="1" nodeType="withEffect">
                                   <p:stCondLst>
                                     <p:cond delay="0"/>
                                   </p:stCondLst>
                                   <p:childTnLst>
                                     <p:animClr clrSpc="hsl" dir="cw">
                                       <p:cBhvr override="childStyle">
-                                        <p:cTn id="9" dur="1000" fill="hold"/>
+                                        <p:cTn id="14" dur="1000" fill="hold"/>
                                         <p:tgtEl>
                                           <p:spTgt spid="2"/>
                                         </p:tgtEl>
@@ -13795,7 +13885,7 @@
                                     </p:animClr>
                                     <p:animClr clrSpc="hsl" dir="cw">
                                       <p:cBhvr>
-                                        <p:cTn id="10" dur="1000" fill="hold"/>
+                                        <p:cTn id="15" dur="1000" fill="hold"/>
                                         <p:tgtEl>
                                           <p:spTgt spid="2"/>
                                         </p:tgtEl>
@@ -13809,7 +13899,7 @@
                                     </p:animClr>
                                     <p:animClr clrSpc="hsl" dir="cw">
                                       <p:cBhvr>
-                                        <p:cTn id="11" dur="1000" fill="hold"/>
+                                        <p:cTn id="16" dur="1000" fill="hold"/>
                                         <p:tgtEl>
                                           <p:spTgt spid="2"/>
                                         </p:tgtEl>
@@ -13823,7 +13913,7 @@
                                     </p:animClr>
                                     <p:set>
                                       <p:cBhvr>
-                                        <p:cTn id="12" dur="1000" fill="hold"/>
+                                        <p:cTn id="17" dur="1000" fill="hold"/>
                                         <p:tgtEl>
                                           <p:spTgt spid="2"/>
                                         </p:tgtEl>
@@ -13852,67 +13942,6 @@
                                       </p:to>
                                     </p:animClr>
                                   </p:subTnLst>
-                                </p:cTn>
-                              </p:par>
-                            </p:childTnLst>
-                          </p:cTn>
-                        </p:par>
-                      </p:childTnLst>
-                    </p:cTn>
-                  </p:par>
-                  <p:par>
-                    <p:cTn id="13" fill="hold">
-                      <p:stCondLst>
-                        <p:cond delay="indefinite"/>
-                      </p:stCondLst>
-                      <p:childTnLst>
-                        <p:par>
-                          <p:cTn id="14" fill="hold">
-                            <p:stCondLst>
-                              <p:cond delay="0"/>
-                            </p:stCondLst>
-                            <p:childTnLst>
-                              <p:par>
-                                <p:cTn id="15" presetID="10" presetClass="entr" presetSubtype="0" fill="hold" nodeType="clickEffect">
-                                  <p:stCondLst>
-                                    <p:cond delay="0"/>
-                                  </p:stCondLst>
-                                  <p:childTnLst>
-                                    <p:set>
-                                      <p:cBhvr>
-                                        <p:cTn id="16" dur="1" fill="hold">
-                                          <p:stCondLst>
-                                            <p:cond delay="0"/>
-                                          </p:stCondLst>
-                                        </p:cTn>
-                                        <p:tgtEl>
-                                          <p:spTgt spid="3">
-                                            <p:txEl>
-                                              <p:pRg st="0" end="0"/>
-                                            </p:txEl>
-                                          </p:spTgt>
-                                        </p:tgtEl>
-                                        <p:attrNameLst>
-                                          <p:attrName>style.visibility</p:attrName>
-                                        </p:attrNameLst>
-                                      </p:cBhvr>
-                                      <p:to>
-                                        <p:strVal val="visible"/>
-                                      </p:to>
-                                    </p:set>
-                                    <p:animEffect transition="in" filter="fade">
-                                      <p:cBhvr>
-                                        <p:cTn id="17" dur="500"/>
-                                        <p:tgtEl>
-                                          <p:spTgt spid="3">
-                                            <p:txEl>
-                                              <p:pRg st="0" end="0"/>
-                                            </p:txEl>
-                                          </p:spTgt>
-                                        </p:tgtEl>
-                                      </p:cBhvr>
-                                    </p:animEffect>
-                                  </p:childTnLst>
                                 </p:cTn>
                               </p:par>
                             </p:childTnLst>
@@ -14307,6 +14336,9 @@
                     <p:cTn id="3" fill="hold">
                       <p:stCondLst>
                         <p:cond delay="indefinite"/>
+                        <p:cond evt="onBegin" delay="0">
+                          <p:tn val="2"/>
+                        </p:cond>
                       </p:stCondLst>
                       <p:childTnLst>
                         <p:par>
@@ -14316,7 +14348,7 @@
                             </p:stCondLst>
                             <p:childTnLst>
                               <p:par>
-                                <p:cTn id="5" presetID="10" presetClass="entr" presetSubtype="0" fill="hold" grpId="0" nodeType="clickEffect">
+                                <p:cTn id="5" presetID="10" presetClass="entr" presetSubtype="0" fill="hold" grpId="0" nodeType="withEffect">
                                   <p:stCondLst>
                                     <p:cond delay="0"/>
                                   </p:stCondLst>
@@ -14350,15 +14382,76 @@
                                   </p:childTnLst>
                                 </p:cTn>
                               </p:par>
+                            </p:childTnLst>
+                          </p:cTn>
+                        </p:par>
+                      </p:childTnLst>
+                    </p:cTn>
+                  </p:par>
+                  <p:par>
+                    <p:cTn id="8" fill="hold">
+                      <p:stCondLst>
+                        <p:cond delay="indefinite"/>
+                      </p:stCondLst>
+                      <p:childTnLst>
+                        <p:par>
+                          <p:cTn id="9" fill="hold">
+                            <p:stCondLst>
+                              <p:cond delay="0"/>
+                            </p:stCondLst>
+                            <p:childTnLst>
                               <p:par>
-                                <p:cTn id="8" presetID="24" presetClass="emph" presetSubtype="0" fill="hold" grpId="1" nodeType="withEffect">
+                                <p:cTn id="10" presetID="10" presetClass="entr" presetSubtype="0" fill="hold" nodeType="clickEffect">
+                                  <p:stCondLst>
+                                    <p:cond delay="0"/>
+                                  </p:stCondLst>
+                                  <p:childTnLst>
+                                    <p:set>
+                                      <p:cBhvr>
+                                        <p:cTn id="11" dur="1" fill="hold">
+                                          <p:stCondLst>
+                                            <p:cond delay="0"/>
+                                          </p:stCondLst>
+                                        </p:cTn>
+                                        <p:tgtEl>
+                                          <p:spTgt spid="3">
+                                            <p:txEl>
+                                              <p:pRg st="0" end="0"/>
+                                            </p:txEl>
+                                          </p:spTgt>
+                                        </p:tgtEl>
+                                        <p:attrNameLst>
+                                          <p:attrName>style.visibility</p:attrName>
+                                        </p:attrNameLst>
+                                      </p:cBhvr>
+                                      <p:to>
+                                        <p:strVal val="visible"/>
+                                      </p:to>
+                                    </p:set>
+                                    <p:animEffect transition="in" filter="fade">
+                                      <p:cBhvr>
+                                        <p:cTn id="12" dur="500"/>
+                                        <p:tgtEl>
+                                          <p:spTgt spid="3">
+                                            <p:txEl>
+                                              <p:pRg st="0" end="0"/>
+                                            </p:txEl>
+                                          </p:spTgt>
+                                        </p:tgtEl>
+                                      </p:cBhvr>
+                                    </p:animEffect>
+                                  </p:childTnLst>
+                                </p:cTn>
+                              </p:par>
+                              <p:par>
+                                <p:cTn id="13" presetID="24" presetClass="emph" presetSubtype="0" fill="hold" grpId="1" nodeType="withEffect">
                                   <p:stCondLst>
                                     <p:cond delay="0"/>
                                   </p:stCondLst>
                                   <p:childTnLst>
                                     <p:animClr clrSpc="hsl" dir="cw">
                                       <p:cBhvr override="childStyle">
-                                        <p:cTn id="9" dur="1000" fill="hold"/>
+                                        <p:cTn id="14" dur="1000" fill="hold"/>
                                         <p:tgtEl>
                                           <p:spTgt spid="2"/>
                                         </p:tgtEl>
@@ -14372,7 +14465,7 @@
                                     </p:animClr>
                                     <p:animClr clrSpc="hsl" dir="cw">
                                       <p:cBhvr>
-                                        <p:cTn id="10" dur="1000" fill="hold"/>
+                                        <p:cTn id="15" dur="1000" fill="hold"/>
                                         <p:tgtEl>
                                           <p:spTgt spid="2"/>
                                         </p:tgtEl>
@@ -14386,7 +14479,7 @@
                                     </p:animClr>
                                     <p:animClr clrSpc="hsl" dir="cw">
                                       <p:cBhvr>
-                                        <p:cTn id="11" dur="1000" fill="hold"/>
+                                        <p:cTn id="16" dur="1000" fill="hold"/>
                                         <p:tgtEl>
                                           <p:spTgt spid="2"/>
                                         </p:tgtEl>
@@ -14400,7 +14493,7 @@
                                     </p:animClr>
                                     <p:set>
                                       <p:cBhvr>
-                                        <p:cTn id="12" dur="1000" fill="hold"/>
+                                        <p:cTn id="17" dur="1000" fill="hold"/>
                                         <p:tgtEl>
                                           <p:spTgt spid="2"/>
                                         </p:tgtEl>
@@ -14429,67 +14522,6 @@
                                       </p:to>
                                     </p:animClr>
                                   </p:subTnLst>
-                                </p:cTn>
-                              </p:par>
-                            </p:childTnLst>
-                          </p:cTn>
-                        </p:par>
-                      </p:childTnLst>
-                    </p:cTn>
-                  </p:par>
-                  <p:par>
-                    <p:cTn id="13" fill="hold">
-                      <p:stCondLst>
-                        <p:cond delay="indefinite"/>
-                      </p:stCondLst>
-                      <p:childTnLst>
-                        <p:par>
-                          <p:cTn id="14" fill="hold">
-                            <p:stCondLst>
-                              <p:cond delay="0"/>
-                            </p:stCondLst>
-                            <p:childTnLst>
-                              <p:par>
-                                <p:cTn id="15" presetID="10" presetClass="entr" presetSubtype="0" fill="hold" nodeType="clickEffect">
-                                  <p:stCondLst>
-                                    <p:cond delay="0"/>
-                                  </p:stCondLst>
-                                  <p:childTnLst>
-                                    <p:set>
-                                      <p:cBhvr>
-                                        <p:cTn id="16" dur="1" fill="hold">
-                                          <p:stCondLst>
-                                            <p:cond delay="0"/>
-                                          </p:stCondLst>
-                                        </p:cTn>
-                                        <p:tgtEl>
-                                          <p:spTgt spid="3">
-                                            <p:txEl>
-                                              <p:pRg st="1" end="1"/>
-                                            </p:txEl>
-                                          </p:spTgt>
-                                        </p:tgtEl>
-                                        <p:attrNameLst>
-                                          <p:attrName>style.visibility</p:attrName>
-                                        </p:attrNameLst>
-                                      </p:cBhvr>
-                                      <p:to>
-                                        <p:strVal val="visible"/>
-                                      </p:to>
-                                    </p:set>
-                                    <p:animEffect transition="in" filter="fade">
-                                      <p:cBhvr>
-                                        <p:cTn id="17" dur="500"/>
-                                        <p:tgtEl>
-                                          <p:spTgt spid="3">
-                                            <p:txEl>
-                                              <p:pRg st="1" end="1"/>
-                                            </p:txEl>
-                                          </p:spTgt>
-                                        </p:tgtEl>
-                                      </p:cBhvr>
-                                    </p:animEffect>
-                                  </p:childTnLst>
                                 </p:cTn>
                               </p:par>
                             </p:childTnLst>
@@ -14526,7 +14558,7 @@
                                         <p:tgtEl>
                                           <p:spTgt spid="3">
                                             <p:txEl>
-                                              <p:pRg st="0" end="0"/>
+                                              <p:pRg st="1" end="1"/>
                                             </p:txEl>
                                           </p:spTgt>
                                         </p:tgtEl>
@@ -14544,12 +14576,93 @@
                                         <p:tgtEl>
                                           <p:spTgt spid="3">
                                             <p:txEl>
+                                              <p:pRg st="1" end="1"/>
+                                            </p:txEl>
+                                          </p:spTgt>
+                                        </p:tgtEl>
+                                      </p:cBhvr>
+                                    </p:animEffect>
+                                  </p:childTnLst>
+                                </p:cTn>
+                              </p:par>
+                              <p:par>
+                                <p:cTn id="23" presetID="24" presetClass="emph" presetSubtype="0" fill="hold" nodeType="withEffect">
+                                  <p:stCondLst>
+                                    <p:cond delay="0"/>
+                                  </p:stCondLst>
+                                  <p:childTnLst>
+                                    <p:animClr clrSpc="hsl" dir="cw">
+                                      <p:cBhvr override="childStyle">
+                                        <p:cTn id="24" dur="500" fill="hold"/>
+                                        <p:tgtEl>
+                                          <p:spTgt spid="3">
+                                            <p:txEl>
                                               <p:pRg st="0" end="0"/>
                                             </p:txEl>
                                           </p:spTgt>
                                         </p:tgtEl>
-                                      </p:cBhvr>
-                                    </p:animEffect>
+                                        <p:attrNameLst>
+                                          <p:attrName>style.color</p:attrName>
+                                        </p:attrNameLst>
+                                      </p:cBhvr>
+                                      <p:by>
+                                        <p:hsl h="0" s="-12549" l="-25098"/>
+                                      </p:by>
+                                    </p:animClr>
+                                    <p:animClr clrSpc="hsl" dir="cw">
+                                      <p:cBhvr>
+                                        <p:cTn id="25" dur="500" fill="hold"/>
+                                        <p:tgtEl>
+                                          <p:spTgt spid="3">
+                                            <p:txEl>
+                                              <p:pRg st="0" end="0"/>
+                                            </p:txEl>
+                                          </p:spTgt>
+                                        </p:tgtEl>
+                                        <p:attrNameLst>
+                                          <p:attrName>fillcolor</p:attrName>
+                                        </p:attrNameLst>
+                                      </p:cBhvr>
+                                      <p:by>
+                                        <p:hsl h="0" s="-12549" l="-25098"/>
+                                      </p:by>
+                                    </p:animClr>
+                                    <p:animClr clrSpc="hsl" dir="cw">
+                                      <p:cBhvr>
+                                        <p:cTn id="26" dur="500" fill="hold"/>
+                                        <p:tgtEl>
+                                          <p:spTgt spid="3">
+                                            <p:txEl>
+                                              <p:pRg st="0" end="0"/>
+                                            </p:txEl>
+                                          </p:spTgt>
+                                        </p:tgtEl>
+                                        <p:attrNameLst>
+                                          <p:attrName>stroke.color</p:attrName>
+                                        </p:attrNameLst>
+                                      </p:cBhvr>
+                                      <p:by>
+                                        <p:hsl h="0" s="-12549" l="-25098"/>
+                                      </p:by>
+                                    </p:animClr>
+                                    <p:set>
+                                      <p:cBhvr>
+                                        <p:cTn id="27" dur="500" fill="hold"/>
+                                        <p:tgtEl>
+                                          <p:spTgt spid="3">
+                                            <p:txEl>
+                                              <p:pRg st="0" end="0"/>
+                                            </p:txEl>
+                                          </p:spTgt>
+                                        </p:tgtEl>
+                                        <p:attrNameLst>
+                                          <p:attrName>fill.type</p:attrName>
+                                        </p:attrNameLst>
+                                      </p:cBhvr>
+                                      <p:to>
+                                        <p:strVal val="solid"/>
+                                      </p:to>
+                                    </p:set>
                                   </p:childTnLst>
                                 </p:cTn>
                               </p:par>
@@ -14792,6 +14905,9 @@
                     <p:cTn id="3" fill="hold">
                       <p:stCondLst>
                         <p:cond delay="indefinite"/>
+                        <p:cond evt="onBegin" delay="0">
+                          <p:tn val="2"/>
+                        </p:cond>
                       </p:stCondLst>
                       <p:childTnLst>
                         <p:par>
@@ -14801,7 +14917,7 @@
                             </p:stCondLst>
                             <p:childTnLst>
                               <p:par>
-                                <p:cTn id="5" presetID="10" presetClass="entr" presetSubtype="0" fill="hold" grpId="0" nodeType="clickEffect">
+                                <p:cTn id="5" presetID="10" presetClass="entr" presetSubtype="0" fill="hold" grpId="0" nodeType="withEffect">
                                   <p:stCondLst>
                                     <p:cond delay="0"/>
                                   </p:stCondLst>
@@ -14902,7 +15018,7 @@
                                           </p:stCondLst>
                                         </p:cTn>
                                         <p:tgtEl>
-                                          <p:spTgt spid="1026"/>
+                                          <p:spTgt spid="6"/>
                                         </p:tgtEl>
                                         <p:attrNameLst>
                                           <p:attrName>style.visibility</p:attrName>
@@ -14916,7 +15032,7 @@
                                       <p:cBhvr>
                                         <p:cTn id="15" dur="500"/>
                                         <p:tgtEl>
-                                          <p:spTgt spid="1026"/>
+                                          <p:spTgt spid="6"/>
                                         </p:tgtEl>
                                       </p:cBhvr>
                                     </p:animEffect>
@@ -15498,6 +15614,9 @@
                     <p:cTn id="3" fill="hold">
                       <p:stCondLst>
                         <p:cond delay="indefinite"/>
+                        <p:cond evt="onBegin" delay="0">
+                          <p:tn val="2"/>
+                        </p:cond>
                       </p:stCondLst>
                       <p:childTnLst>
                         <p:par>
@@ -15507,7 +15626,7 @@
                             </p:stCondLst>
                             <p:childTnLst>
                               <p:par>
-                                <p:cTn id="5" presetID="10" presetClass="entr" presetSubtype="0" fill="hold" grpId="0" nodeType="clickEffect">
+                                <p:cTn id="5" presetID="10" presetClass="entr" presetSubtype="0" fill="hold" grpId="0" nodeType="withEffect">
                                   <p:stCondLst>
                                     <p:cond delay="0"/>
                                   </p:stCondLst>
@@ -15541,15 +15660,76 @@
                                   </p:childTnLst>
                                 </p:cTn>
                               </p:par>
+                            </p:childTnLst>
+                          </p:cTn>
+                        </p:par>
+                      </p:childTnLst>
+                    </p:cTn>
+                  </p:par>
+                  <p:par>
+                    <p:cTn id="8" fill="hold">
+                      <p:stCondLst>
+                        <p:cond delay="indefinite"/>
+                      </p:stCondLst>
+                      <p:childTnLst>
+                        <p:par>
+                          <p:cTn id="9" fill="hold">
+                            <p:stCondLst>
+                              <p:cond delay="0"/>
+                            </p:stCondLst>
+                            <p:childTnLst>
                               <p:par>
-                                <p:cTn id="8" presetID="24" presetClass="emph" presetSubtype="0" fill="hold" grpId="1" nodeType="withEffect">
+                                <p:cTn id="10" presetID="10" presetClass="entr" presetSubtype="0" fill="hold" nodeType="clickEffect">
+                                  <p:stCondLst>
+                                    <p:cond delay="0"/>
+                                  </p:stCondLst>
+                                  <p:childTnLst>
+                                    <p:set>
+                                      <p:cBhvr>
+                                        <p:cTn id="11" dur="1" fill="hold">
+                                          <p:stCondLst>
+                                            <p:cond delay="0"/>
+                                          </p:stCondLst>
+                                        </p:cTn>
+                                        <p:tgtEl>
+                                          <p:spTgt spid="3">
+                                            <p:txEl>
+                                              <p:pRg st="0" end="0"/>
+                                            </p:txEl>
+                                          </p:spTgt>
+                                        </p:tgtEl>
+                                        <p:attrNameLst>
+                                          <p:attrName>style.visibility</p:attrName>
+                                        </p:attrNameLst>
+                                      </p:cBhvr>
+                                      <p:to>
+                                        <p:strVal val="visible"/>
+                                      </p:to>
+                                    </p:set>
+                                    <p:animEffect transition="in" filter="fade">
+                                      <p:cBhvr>
+                                        <p:cTn id="12" dur="500"/>
+                                        <p:tgtEl>
+                                          <p:spTgt spid="3">
+                                            <p:txEl>
+                                              <p:pRg st="0" end="0"/>
+                                            </p:txEl>
+                                          </p:spTgt>
+                                        </p:tgtEl>
+                                      </p:cBhvr>
+                                    </p:animEffect>
+                                  </p:childTnLst>
+                                </p:cTn>
+                              </p:par>
+                              <p:par>
+                                <p:cTn id="13" presetID="24" presetClass="emph" presetSubtype="0" fill="hold" grpId="1" nodeType="withEffect">
                                   <p:stCondLst>
                                     <p:cond delay="0"/>
                                   </p:stCondLst>
                                   <p:childTnLst>
                                     <p:animClr clrSpc="hsl" dir="cw">
                                       <p:cBhvr override="childStyle">
-                                        <p:cTn id="9" dur="1000" fill="hold"/>
+                                        <p:cTn id="14" dur="1000" fill="hold"/>
                                         <p:tgtEl>
                                           <p:spTgt spid="2"/>
                                         </p:tgtEl>
@@ -15563,7 +15743,7 @@
                                     </p:animClr>
                                     <p:animClr clrSpc="hsl" dir="cw">
                                       <p:cBhvr>
-                                        <p:cTn id="10" dur="1000" fill="hold"/>
+                                        <p:cTn id="15" dur="1000" fill="hold"/>
                                         <p:tgtEl>
                                           <p:spTgt spid="2"/>
                                         </p:tgtEl>
@@ -15577,7 +15757,7 @@
                                     </p:animClr>
                                     <p:animClr clrSpc="hsl" dir="cw">
                                       <p:cBhvr>
-                                        <p:cTn id="11" dur="1000" fill="hold"/>
+                                        <p:cTn id="16" dur="1000" fill="hold"/>
                                         <p:tgtEl>
                                           <p:spTgt spid="2"/>
                                         </p:tgtEl>
@@ -15591,7 +15771,7 @@
                                     </p:animClr>
                                     <p:set>
                                       <p:cBhvr>
-                                        <p:cTn id="12" dur="1000" fill="hold"/>
+                                        <p:cTn id="17" dur="1000" fill="hold"/>
                                         <p:tgtEl>
                                           <p:spTgt spid="2"/>
                                         </p:tgtEl>
@@ -15620,67 +15800,6 @@
                                       </p:to>
                                     </p:animClr>
                                   </p:subTnLst>
-                                </p:cTn>
-                              </p:par>
-                            </p:childTnLst>
-                          </p:cTn>
-                        </p:par>
-                      </p:childTnLst>
-                    </p:cTn>
-                  </p:par>
-                  <p:par>
-                    <p:cTn id="13" fill="hold">
-                      <p:stCondLst>
-                        <p:cond delay="indefinite"/>
-                      </p:stCondLst>
-                      <p:childTnLst>
-                        <p:par>
-                          <p:cTn id="14" fill="hold">
-                            <p:stCondLst>
-                              <p:cond delay="0"/>
-                            </p:stCondLst>
-                            <p:childTnLst>
-                              <p:par>
-                                <p:cTn id="15" presetID="10" presetClass="entr" presetSubtype="0" fill="hold" nodeType="clickEffect">
-                                  <p:stCondLst>
-                                    <p:cond delay="0"/>
-                                  </p:stCondLst>
-                                  <p:childTnLst>
-                                    <p:set>
-                                      <p:cBhvr>
-                                        <p:cTn id="16" dur="1" fill="hold">
-                                          <p:stCondLst>
-                                            <p:cond delay="0"/>
-                                          </p:stCondLst>
-                                        </p:cTn>
-                                        <p:tgtEl>
-                                          <p:spTgt spid="3">
-                                            <p:txEl>
-                                              <p:pRg st="0" end="0"/>
-                                            </p:txEl>
-                                          </p:spTgt>
-                                        </p:tgtEl>
-                                        <p:attrNameLst>
-                                          <p:attrName>style.visibility</p:attrName>
-                                        </p:attrNameLst>
-                                      </p:cBhvr>
-                                      <p:to>
-                                        <p:strVal val="visible"/>
-                                      </p:to>
-                                    </p:set>
-                                    <p:animEffect transition="in" filter="fade">
-                                      <p:cBhvr>
-                                        <p:cTn id="17" dur="500"/>
-                                        <p:tgtEl>
-                                          <p:spTgt spid="3">
-                                            <p:txEl>
-                                              <p:pRg st="0" end="0"/>
-                                            </p:txEl>
-                                          </p:spTgt>
-                                        </p:tgtEl>
-                                      </p:cBhvr>
-                                    </p:animEffect>
-                                  </p:childTnLst>
                                 </p:cTn>
                               </p:par>
                             </p:childTnLst>
@@ -15886,6 +16005,87 @@
                                   </p:childTnLst>
                                 </p:cTn>
                               </p:par>
+                              <p:par>
+                                <p:cTn id="33" presetID="24" presetClass="emph" presetSubtype="0" fill="hold" nodeType="withEffect">
+                                  <p:stCondLst>
+                                    <p:cond delay="0"/>
+                                  </p:stCondLst>
+                                  <p:childTnLst>
+                                    <p:animClr clrSpc="hsl" dir="cw">
+                                      <p:cBhvr override="childStyle">
+                                        <p:cTn id="34" dur="500" fill="hold"/>
+                                        <p:tgtEl>
+                                          <p:spTgt spid="3">
+                                            <p:txEl>
+                                              <p:pRg st="1" end="1"/>
+                                            </p:txEl>
+                                          </p:spTgt>
+                                        </p:tgtEl>
+                                        <p:attrNameLst>
+                                          <p:attrName>style.color</p:attrName>
+                                        </p:attrNameLst>
+                                      </p:cBhvr>
+                                      <p:by>
+                                        <p:hsl h="0" s="-12549" l="-25098"/>
+                                      </p:by>
+                                    </p:animClr>
+                                    <p:animClr clrSpc="hsl" dir="cw">
+                                      <p:cBhvr>
+                                        <p:cTn id="35" dur="500" fill="hold"/>
+                                        <p:tgtEl>
+                                          <p:spTgt spid="3">
+                                            <p:txEl>
+                                              <p:pRg st="1" end="1"/>
+                                            </p:txEl>
+                                          </p:spTgt>
+                                        </p:tgtEl>
+                                        <p:attrNameLst>
+                                          <p:attrName>fillcolor</p:attrName>
+                                        </p:attrNameLst>
+                                      </p:cBhvr>
+                                      <p:by>
+                                        <p:hsl h="0" s="-12549" l="-25098"/>
+                                      </p:by>
+                                    </p:animClr>
+                                    <p:animClr clrSpc="hsl" dir="cw">
+                                      <p:cBhvr>
+                                        <p:cTn id="36" dur="500" fill="hold"/>
+                                        <p:tgtEl>
+                                          <p:spTgt spid="3">
+                                            <p:txEl>
+                                              <p:pRg st="1" end="1"/>
+                                            </p:txEl>
+                                          </p:spTgt>
+                                        </p:tgtEl>
+                                        <p:attrNameLst>
+                                          <p:attrName>stroke.color</p:attrName>
+                                        </p:attrNameLst>
+                                      </p:cBhvr>
+                                      <p:by>
+                                        <p:hsl h="0" s="-12549" l="-25098"/>
+                                      </p:by>
+                                    </p:animClr>
+                                    <p:set>
+                                      <p:cBhvr>
+                                        <p:cTn id="37" dur="500" fill="hold"/>
+                                        <p:tgtEl>
+                                          <p:spTgt spid="3">
+                                            <p:txEl>
+                                              <p:pRg st="1" end="1"/>
+                                            </p:txEl>
+                                          </p:spTgt>
+                                        </p:tgtEl>
+                                        <p:attrNameLst>
+                                          <p:attrName>fill.type</p:attrName>
+                                        </p:attrNameLst>
+                                      </p:cBhvr>
+                                      <p:to>
+                                        <p:strVal val="solid"/>
+                                      </p:to>
+                                    </p:set>
+                                  </p:childTnLst>
+                                </p:cTn>
+                              </p:par>
                             </p:childTnLst>
                           </p:cTn>
                         </p:par>
@@ -15893,26 +16093,26 @@
                     </p:cTn>
                   </p:par>
                   <p:par>
-                    <p:cTn id="33" fill="hold">
+                    <p:cTn id="38" fill="hold">
                       <p:stCondLst>
                         <p:cond delay="indefinite"/>
                       </p:stCondLst>
                       <p:childTnLst>
                         <p:par>
-                          <p:cTn id="34" fill="hold">
+                          <p:cTn id="39" fill="hold">
                             <p:stCondLst>
                               <p:cond delay="0"/>
                             </p:stCondLst>
                             <p:childTnLst>
                               <p:par>
-                                <p:cTn id="35" presetID="10" presetClass="entr" presetSubtype="0" fill="hold" nodeType="clickEffect">
+                                <p:cTn id="40" presetID="10" presetClass="entr" presetSubtype="0" fill="hold" nodeType="clickEffect">
                                   <p:stCondLst>
                                     <p:cond delay="0"/>
                                   </p:stCondLst>
                                   <p:childTnLst>
                                     <p:set>
                                       <p:cBhvr>
-                                        <p:cTn id="36" dur="1" fill="hold">
+                                        <p:cTn id="41" dur="1" fill="hold">
                                           <p:stCondLst>
                                             <p:cond delay="0"/>
                                           </p:stCondLst>
@@ -15934,7 +16134,7 @@
                                     </p:set>
                                     <p:animEffect transition="in" filter="fade">
                                       <p:cBhvr>
-                                        <p:cTn id="37" dur="500"/>
+                                        <p:cTn id="42" dur="500"/>
                                         <p:tgtEl>
                                           <p:spTgt spid="7">
                                             <p:txEl>
@@ -15948,14 +16148,14 @@
                                 </p:cTn>
                               </p:par>
                               <p:par>
-                                <p:cTn id="38" presetID="24" presetClass="emph" presetSubtype="0" fill="hold" nodeType="withEffect">
+                                <p:cTn id="43" presetID="24" presetClass="emph" presetSubtype="0" fill="hold" nodeType="withEffect">
                                   <p:stCondLst>
                                     <p:cond delay="0"/>
                                   </p:stCondLst>
                                   <p:childTnLst>
                                     <p:animClr clrSpc="hsl" dir="cw">
                                       <p:cBhvr override="childStyle">
-                                        <p:cTn id="39" dur="500" fill="hold"/>
+                                        <p:cTn id="44" dur="500" fill="hold"/>
                                         <p:tgtEl>
                                           <p:spTgt spid="7">
                                             <p:txEl>
@@ -15973,7 +16173,7 @@
                                     </p:animClr>
                                     <p:animClr clrSpc="hsl" dir="cw">
                                       <p:cBhvr>
-                                        <p:cTn id="40" dur="500" fill="hold"/>
+                                        <p:cTn id="45" dur="500" fill="hold"/>
                                         <p:tgtEl>
                                           <p:spTgt spid="7">
                                             <p:txEl>
@@ -15991,7 +16191,7 @@
                                     </p:animClr>
                                     <p:animClr clrSpc="hsl" dir="cw">
                                       <p:cBhvr>
-                                        <p:cTn id="41" dur="500" fill="hold"/>
+                                        <p:cTn id="46" dur="500" fill="hold"/>
                                         <p:tgtEl>
                                           <p:spTgt spid="7">
                                             <p:txEl>
@@ -16009,7 +16209,7 @@
                                     </p:animClr>
                                     <p:set>
                                       <p:cBhvr>
-                                        <p:cTn id="42" dur="500" fill="hold"/>
+                                        <p:cTn id="47" dur="500" fill="hold"/>
                                         <p:tgtEl>
                                           <p:spTgt spid="7">
                                             <p:txEl>
@@ -16282,6 +16482,9 @@
                     <p:cTn id="3" fill="hold">
                       <p:stCondLst>
                         <p:cond delay="indefinite"/>
+                        <p:cond evt="onBegin" delay="0">
+                          <p:tn val="2"/>
+                        </p:cond>
                       </p:stCondLst>
                       <p:childTnLst>
                         <p:par>
@@ -16291,7 +16494,7 @@
                             </p:stCondLst>
                             <p:childTnLst>
                               <p:par>
-                                <p:cTn id="5" presetID="10" presetClass="entr" presetSubtype="0" fill="hold" grpId="0" nodeType="clickEffect">
+                                <p:cTn id="5" presetID="10" presetClass="entr" presetSubtype="0" fill="hold" grpId="0" nodeType="withEffect">
                                   <p:stCondLst>
                                     <p:cond delay="0"/>
                                   </p:stCondLst>
@@ -16319,49 +16522,6 @@
                                         <p:cTn id="7" dur="500"/>
                                         <p:tgtEl>
                                           <p:spTgt spid="2"/>
-                                        </p:tgtEl>
-                                      </p:cBhvr>
-                                    </p:animEffect>
-                                  </p:childTnLst>
-                                </p:cTn>
-                              </p:par>
-                              <p:par>
-                                <p:cTn id="8" presetID="10" presetClass="entr" presetSubtype="0" fill="hold" nodeType="withEffect">
-                                  <p:stCondLst>
-                                    <p:cond delay="0"/>
-                                  </p:stCondLst>
-                                  <p:childTnLst>
-                                    <p:set>
-                                      <p:cBhvr>
-                                        <p:cTn id="9" dur="1" fill="hold">
-                                          <p:stCondLst>
-                                            <p:cond delay="0"/>
-                                          </p:stCondLst>
-                                        </p:cTn>
-                                        <p:tgtEl>
-                                          <p:spTgt spid="3">
-                                            <p:txEl>
-                                              <p:pRg st="1" end="1"/>
-                                            </p:txEl>
-                                          </p:spTgt>
-                                        </p:tgtEl>
-                                        <p:attrNameLst>
-                                          <p:attrName>style.visibility</p:attrName>
-                                        </p:attrNameLst>
-                                      </p:cBhvr>
-                                      <p:to>
-                                        <p:strVal val="visible"/>
-                                      </p:to>
-                                    </p:set>
-                                    <p:animEffect transition="in" filter="fade">
-                                      <p:cBhvr>
-                                        <p:cTn id="10" dur="500"/>
-                                        <p:tgtEl>
-                                          <p:spTgt spid="3">
-                                            <p:txEl>
-                                              <p:pRg st="1" end="1"/>
-                                            </p:txEl>
-                                          </p:spTgt>
                                         </p:tgtEl>
                                       </p:cBhvr>
                                     </p:animEffect>
@@ -16375,26 +16535,26 @@
                     </p:cTn>
                   </p:par>
                   <p:par>
-                    <p:cTn id="11" fill="hold">
+                    <p:cTn id="8" fill="hold">
                       <p:stCondLst>
                         <p:cond delay="indefinite"/>
                       </p:stCondLst>
                       <p:childTnLst>
                         <p:par>
-                          <p:cTn id="12" fill="hold">
+                          <p:cTn id="9" fill="hold">
                             <p:stCondLst>
                               <p:cond delay="0"/>
                             </p:stCondLst>
                             <p:childTnLst>
                               <p:par>
-                                <p:cTn id="13" presetID="10" presetClass="entr" presetSubtype="0" fill="hold" nodeType="clickEffect">
+                                <p:cTn id="10" presetID="10" presetClass="entr" presetSubtype="0" fill="hold" nodeType="clickEffect">
                                   <p:stCondLst>
                                     <p:cond delay="0"/>
                                   </p:stCondLst>
                                   <p:childTnLst>
                                     <p:set>
                                       <p:cBhvr>
-                                        <p:cTn id="14" dur="1" fill="hold">
+                                        <p:cTn id="11" dur="1" fill="hold">
                                           <p:stCondLst>
                                             <p:cond delay="0"/>
                                           </p:stCondLst>
@@ -16416,7 +16576,7 @@
                                     </p:set>
                                     <p:animEffect transition="in" filter="fade">
                                       <p:cBhvr>
-                                        <p:cTn id="15" dur="500"/>
+                                        <p:cTn id="12" dur="500"/>
                                         <p:tgtEl>
                                           <p:spTgt spid="3">
                                             <p:txEl>
@@ -16430,14 +16590,14 @@
                                 </p:cTn>
                               </p:par>
                               <p:par>
-                                <p:cTn id="16" presetID="24" presetClass="emph" presetSubtype="0" fill="hold" grpId="1" nodeType="withEffect">
+                                <p:cTn id="13" presetID="24" presetClass="emph" presetSubtype="0" fill="hold" grpId="1" nodeType="withEffect">
                                   <p:stCondLst>
                                     <p:cond delay="0"/>
                                   </p:stCondLst>
                                   <p:childTnLst>
                                     <p:animClr clrSpc="hsl" dir="cw">
                                       <p:cBhvr override="childStyle">
-                                        <p:cTn id="17" dur="1000" fill="hold"/>
+                                        <p:cTn id="14" dur="1000" fill="hold"/>
                                         <p:tgtEl>
                                           <p:spTgt spid="2"/>
                                         </p:tgtEl>
@@ -16451,7 +16611,7 @@
                                     </p:animClr>
                                     <p:animClr clrSpc="hsl" dir="cw">
                                       <p:cBhvr>
-                                        <p:cTn id="18" dur="1000" fill="hold"/>
+                                        <p:cTn id="15" dur="1000" fill="hold"/>
                                         <p:tgtEl>
                                           <p:spTgt spid="2"/>
                                         </p:tgtEl>
@@ -16465,7 +16625,7 @@
                                     </p:animClr>
                                     <p:animClr clrSpc="hsl" dir="cw">
                                       <p:cBhvr>
-                                        <p:cTn id="19" dur="1000" fill="hold"/>
+                                        <p:cTn id="16" dur="1000" fill="hold"/>
                                         <p:tgtEl>
                                           <p:spTgt spid="2"/>
                                         </p:tgtEl>
@@ -16479,7 +16639,7 @@
                                     </p:animClr>
                                     <p:set>
                                       <p:cBhvr>
-                                        <p:cTn id="20" dur="1000" fill="hold"/>
+                                        <p:cTn id="17" dur="1000" fill="hold"/>
                                         <p:tgtEl>
                                           <p:spTgt spid="2"/>
                                         </p:tgtEl>
@@ -16510,19 +16670,80 @@
                                   </p:subTnLst>
                                 </p:cTn>
                               </p:par>
+                            </p:childTnLst>
+                          </p:cTn>
+                        </p:par>
+                      </p:childTnLst>
+                    </p:cTn>
+                  </p:par>
+                  <p:par>
+                    <p:cTn id="18" fill="hold">
+                      <p:stCondLst>
+                        <p:cond delay="indefinite"/>
+                      </p:stCondLst>
+                      <p:childTnLst>
+                        <p:par>
+                          <p:cTn id="19" fill="hold">
+                            <p:stCondLst>
+                              <p:cond delay="0"/>
+                            </p:stCondLst>
+                            <p:childTnLst>
                               <p:par>
-                                <p:cTn id="21" presetID="24" presetClass="emph" presetSubtype="0" fill="hold" nodeType="withEffect">
+                                <p:cTn id="20" presetID="10" presetClass="entr" presetSubtype="0" fill="hold" nodeType="clickEffect">
+                                  <p:stCondLst>
+                                    <p:cond delay="0"/>
+                                  </p:stCondLst>
+                                  <p:childTnLst>
+                                    <p:set>
+                                      <p:cBhvr>
+                                        <p:cTn id="21" dur="1" fill="hold">
+                                          <p:stCondLst>
+                                            <p:cond delay="0"/>
+                                          </p:stCondLst>
+                                        </p:cTn>
+                                        <p:tgtEl>
+                                          <p:spTgt spid="3">
+                                            <p:txEl>
+                                              <p:pRg st="1" end="1"/>
+                                            </p:txEl>
+                                          </p:spTgt>
+                                        </p:tgtEl>
+                                        <p:attrNameLst>
+                                          <p:attrName>style.visibility</p:attrName>
+                                        </p:attrNameLst>
+                                      </p:cBhvr>
+                                      <p:to>
+                                        <p:strVal val="visible"/>
+                                      </p:to>
+                                    </p:set>
+                                    <p:animEffect transition="in" filter="fade">
+                                      <p:cBhvr>
+                                        <p:cTn id="22" dur="500"/>
+                                        <p:tgtEl>
+                                          <p:spTgt spid="3">
+                                            <p:txEl>
+                                              <p:pRg st="1" end="1"/>
+                                            </p:txEl>
+                                          </p:spTgt>
+                                        </p:tgtEl>
+                                      </p:cBhvr>
+                                    </p:animEffect>
+                                  </p:childTnLst>
+                                </p:cTn>
+                              </p:par>
+                              <p:par>
+                                <p:cTn id="23" presetID="24" presetClass="emph" presetSubtype="0" fill="hold" nodeType="withEffect">
                                   <p:stCondLst>
                                     <p:cond delay="0"/>
                                   </p:stCondLst>
                                   <p:childTnLst>
                                     <p:animClr clrSpc="hsl" dir="cw">
                                       <p:cBhvr override="childStyle">
-                                        <p:cTn id="22" dur="500" fill="hold"/>
+                                        <p:cTn id="24" dur="500" fill="hold"/>
                                         <p:tgtEl>
                                           <p:spTgt spid="3">
                                             <p:txEl>
-                                              <p:pRg st="1" end="1"/>
+                                              <p:pRg st="0" end="0"/>
                                             </p:txEl>
                                           </p:spTgt>
                                         </p:tgtEl>
@@ -16536,11 +16757,11 @@
                                     </p:animClr>
                                     <p:animClr clrSpc="hsl" dir="cw">
                                       <p:cBhvr>
-                                        <p:cTn id="23" dur="500" fill="hold"/>
+                                        <p:cTn id="25" dur="500" fill="hold"/>
                                         <p:tgtEl>
                                           <p:spTgt spid="3">
                                             <p:txEl>
-                                              <p:pRg st="1" end="1"/>
+                                              <p:pRg st="0" end="0"/>
                                             </p:txEl>
                                           </p:spTgt>
                                         </p:tgtEl>
@@ -16554,11 +16775,11 @@
                                     </p:animClr>
                                     <p:animClr clrSpc="hsl" dir="cw">
                                       <p:cBhvr>
-                                        <p:cTn id="24" dur="500" fill="hold"/>
+                                        <p:cTn id="26" dur="500" fill="hold"/>
                                         <p:tgtEl>
                                           <p:spTgt spid="3">
                                             <p:txEl>
-                                              <p:pRg st="1" end="1"/>
+                                              <p:pRg st="0" end="0"/>
                                             </p:txEl>
                                           </p:spTgt>
                                         </p:tgtEl>
@@ -16572,11 +16793,11 @@
                                     </p:animClr>
                                     <p:set>
                                       <p:cBhvr>
-                                        <p:cTn id="25" dur="500" fill="hold"/>
+                                        <p:cTn id="27" dur="500" fill="hold"/>
                                         <p:tgtEl>
                                           <p:spTgt spid="3">
                                             <p:txEl>
-                                              <p:pRg st="1" end="1"/>
+                                              <p:pRg st="0" end="0"/>
                                             </p:txEl>
                                           </p:spTgt>
                                         </p:tgtEl>
@@ -16598,26 +16819,26 @@
                     </p:cTn>
                   </p:par>
                   <p:par>
-                    <p:cTn id="26" fill="hold">
+                    <p:cTn id="28" fill="hold">
                       <p:stCondLst>
                         <p:cond delay="indefinite"/>
                       </p:stCondLst>
                       <p:childTnLst>
                         <p:par>
-                          <p:cTn id="27" fill="hold">
+                          <p:cTn id="29" fill="hold">
                             <p:stCondLst>
                               <p:cond delay="0"/>
                             </p:stCondLst>
                             <p:childTnLst>
                               <p:par>
-                                <p:cTn id="28" presetID="10" presetClass="entr" presetSubtype="0" fill="hold" nodeType="clickEffect">
+                                <p:cTn id="30" presetID="10" presetClass="entr" presetSubtype="0" fill="hold" nodeType="clickEffect">
                                   <p:stCondLst>
                                     <p:cond delay="0"/>
                                   </p:stCondLst>
                                   <p:childTnLst>
                                     <p:set>
                                       <p:cBhvr>
-                                        <p:cTn id="29" dur="1" fill="hold">
+                                        <p:cTn id="31" dur="1" fill="hold">
                                           <p:stCondLst>
                                             <p:cond delay="0"/>
                                           </p:stCondLst>
@@ -16639,7 +16860,7 @@
                                     </p:set>
                                     <p:animEffect transition="in" filter="fade">
                                       <p:cBhvr>
-                                        <p:cTn id="30" dur="500"/>
+                                        <p:cTn id="32" dur="500"/>
                                         <p:tgtEl>
                                           <p:spTgt spid="4">
                                             <p:txEl>
@@ -16653,18 +16874,18 @@
                                 </p:cTn>
                               </p:par>
                               <p:par>
-                                <p:cTn id="31" presetID="24" presetClass="emph" presetSubtype="0" fill="hold" nodeType="withEffect">
+                                <p:cTn id="33" presetID="24" presetClass="emph" presetSubtype="0" fill="hold" nodeType="withEffect">
                                   <p:stCondLst>
                                     <p:cond delay="0"/>
                                   </p:stCondLst>
                                   <p:childTnLst>
                                     <p:animClr clrSpc="hsl" dir="cw">
                                       <p:cBhvr override="childStyle">
-                                        <p:cTn id="32" dur="500" fill="hold"/>
+                                        <p:cTn id="34" dur="500" fill="hold"/>
                                         <p:tgtEl>
                                           <p:spTgt spid="3">
                                             <p:txEl>
-                                              <p:pRg st="0" end="0"/>
+                                              <p:pRg st="1" end="1"/>
                                             </p:txEl>
                                           </p:spTgt>
                                         </p:tgtEl>
@@ -16678,11 +16899,11 @@
                                     </p:animClr>
                                     <p:animClr clrSpc="hsl" dir="cw">
                                       <p:cBhvr>
-                                        <p:cTn id="33" dur="500" fill="hold"/>
+                                        <p:cTn id="35" dur="500" fill="hold"/>
                                         <p:tgtEl>
                                           <p:spTgt spid="3">
                                             <p:txEl>
-                                              <p:pRg st="0" end="0"/>
+                                              <p:pRg st="1" end="1"/>
                                             </p:txEl>
                                           </p:spTgt>
                                         </p:tgtEl>
@@ -16696,11 +16917,11 @@
                                     </p:animClr>
                                     <p:animClr clrSpc="hsl" dir="cw">
                                       <p:cBhvr>
-                                        <p:cTn id="34" dur="500" fill="hold"/>
+                                        <p:cTn id="36" dur="500" fill="hold"/>
                                         <p:tgtEl>
                                           <p:spTgt spid="3">
                                             <p:txEl>
-                                              <p:pRg st="0" end="0"/>
+                                              <p:pRg st="1" end="1"/>
                                             </p:txEl>
                                           </p:spTgt>
                                         </p:tgtEl>
@@ -16714,11 +16935,11 @@
                                     </p:animClr>
                                     <p:set>
                                       <p:cBhvr>
-                                        <p:cTn id="35" dur="500" fill="hold"/>
+                                        <p:cTn id="37" dur="500" fill="hold"/>
                                         <p:tgtEl>
                                           <p:spTgt spid="3">
                                             <p:txEl>
-                                              <p:pRg st="0" end="0"/>
+                                              <p:pRg st="1" end="1"/>
                                             </p:txEl>
                                           </p:spTgt>
                                         </p:tgtEl>
@@ -16740,26 +16961,26 @@
                     </p:cTn>
                   </p:par>
                   <p:par>
-                    <p:cTn id="36" fill="hold">
+                    <p:cTn id="38" fill="hold">
                       <p:stCondLst>
                         <p:cond delay="indefinite"/>
                       </p:stCondLst>
                       <p:childTnLst>
                         <p:par>
-                          <p:cTn id="37" fill="hold">
+                          <p:cTn id="39" fill="hold">
                             <p:stCondLst>
                               <p:cond delay="0"/>
                             </p:stCondLst>
                             <p:childTnLst>
                               <p:par>
-                                <p:cTn id="38" presetID="10" presetClass="entr" presetSubtype="0" fill="hold" nodeType="clickEffect">
+                                <p:cTn id="40" presetID="10" presetClass="entr" presetSubtype="0" fill="hold" nodeType="clickEffect">
                                   <p:stCondLst>
                                     <p:cond delay="0"/>
                                   </p:stCondLst>
                                   <p:childTnLst>
                                     <p:set>
                                       <p:cBhvr>
-                                        <p:cTn id="39" dur="1" fill="hold">
+                                        <p:cTn id="41" dur="1" fill="hold">
                                           <p:stCondLst>
                                             <p:cond delay="0"/>
                                           </p:stCondLst>
@@ -16781,7 +17002,7 @@
                                     </p:set>
                                     <p:animEffect transition="in" filter="fade">
                                       <p:cBhvr>
-                                        <p:cTn id="40" dur="500"/>
+                                        <p:cTn id="42" dur="500"/>
                                         <p:tgtEl>
                                           <p:spTgt spid="4">
                                             <p:txEl>
@@ -16795,14 +17016,14 @@
                                 </p:cTn>
                               </p:par>
                               <p:par>
-                                <p:cTn id="41" presetID="24" presetClass="emph" presetSubtype="0" fill="hold" nodeType="withEffect">
+                                <p:cTn id="43" presetID="24" presetClass="emph" presetSubtype="0" fill="hold" nodeType="withEffect">
                                   <p:stCondLst>
                                     <p:cond delay="0"/>
                                   </p:stCondLst>
                                   <p:childTnLst>
                                     <p:animClr clrSpc="hsl" dir="cw">
                                       <p:cBhvr override="childStyle">
-                                        <p:cTn id="42" dur="500" fill="hold"/>
+                                        <p:cTn id="44" dur="500" fill="hold"/>
                                         <p:tgtEl>
                                           <p:spTgt spid="4">
                                             <p:txEl>
@@ -16820,7 +17041,7 @@
                                     </p:animClr>
                                     <p:animClr clrSpc="hsl" dir="cw">
                                       <p:cBhvr>
-                                        <p:cTn id="43" dur="500" fill="hold"/>
+                                        <p:cTn id="45" dur="500" fill="hold"/>
                                         <p:tgtEl>
                                           <p:spTgt spid="4">
                                             <p:txEl>
@@ -16838,7 +17059,7 @@
                                     </p:animClr>
                                     <p:animClr clrSpc="hsl" dir="cw">
                                       <p:cBhvr>
-                                        <p:cTn id="44" dur="500" fill="hold"/>
+                                        <p:cTn id="46" dur="500" fill="hold"/>
                                         <p:tgtEl>
                                           <p:spTgt spid="4">
                                             <p:txEl>
@@ -16856,7 +17077,7 @@
                                     </p:animClr>
                                     <p:set>
                                       <p:cBhvr>
-                                        <p:cTn id="45" dur="500" fill="hold"/>
+                                        <p:cTn id="47" dur="500" fill="hold"/>
                                         <p:tgtEl>
                                           <p:spTgt spid="4">
                                             <p:txEl>
@@ -17129,6 +17350,9 @@
                     <p:cTn id="3" fill="hold">
                       <p:stCondLst>
                         <p:cond delay="indefinite"/>
+                        <p:cond evt="onBegin" delay="0">
+                          <p:tn val="2"/>
+                        </p:cond>
                       </p:stCondLst>
                       <p:childTnLst>
                         <p:par>
@@ -17138,7 +17362,7 @@
                             </p:stCondLst>
                             <p:childTnLst>
                               <p:par>
-                                <p:cTn id="5" presetID="10" presetClass="entr" presetSubtype="0" fill="hold" grpId="0" nodeType="clickEffect">
+                                <p:cTn id="5" presetID="10" presetClass="entr" presetSubtype="0" fill="hold" grpId="0" nodeType="withEffect">
                                   <p:stCondLst>
                                     <p:cond delay="0"/>
                                   </p:stCondLst>
@@ -17166,49 +17390,6 @@
                                         <p:cTn id="7" dur="500"/>
                                         <p:tgtEl>
                                           <p:spTgt spid="2"/>
-                                        </p:tgtEl>
-                                      </p:cBhvr>
-                                    </p:animEffect>
-                                  </p:childTnLst>
-                                </p:cTn>
-                              </p:par>
-                              <p:par>
-                                <p:cTn id="8" presetID="10" presetClass="entr" presetSubtype="0" fill="hold" nodeType="withEffect">
-                                  <p:stCondLst>
-                                    <p:cond delay="0"/>
-                                  </p:stCondLst>
-                                  <p:childTnLst>
-                                    <p:set>
-                                      <p:cBhvr>
-                                        <p:cTn id="9" dur="1" fill="hold">
-                                          <p:stCondLst>
-                                            <p:cond delay="0"/>
-                                          </p:stCondLst>
-                                        </p:cTn>
-                                        <p:tgtEl>
-                                          <p:spTgt spid="3">
-                                            <p:txEl>
-                                              <p:pRg st="1" end="1"/>
-                                            </p:txEl>
-                                          </p:spTgt>
-                                        </p:tgtEl>
-                                        <p:attrNameLst>
-                                          <p:attrName>style.visibility</p:attrName>
-                                        </p:attrNameLst>
-                                      </p:cBhvr>
-                                      <p:to>
-                                        <p:strVal val="visible"/>
-                                      </p:to>
-                                    </p:set>
-                                    <p:animEffect transition="in" filter="fade">
-                                      <p:cBhvr>
-                                        <p:cTn id="10" dur="500"/>
-                                        <p:tgtEl>
-                                          <p:spTgt spid="3">
-                                            <p:txEl>
-                                              <p:pRg st="1" end="1"/>
-                                            </p:txEl>
-                                          </p:spTgt>
                                         </p:tgtEl>
                                       </p:cBhvr>
                                     </p:animEffect>
@@ -17222,26 +17403,26 @@
                     </p:cTn>
                   </p:par>
                   <p:par>
-                    <p:cTn id="11" fill="hold">
+                    <p:cTn id="8" fill="hold">
                       <p:stCondLst>
                         <p:cond delay="indefinite"/>
                       </p:stCondLst>
                       <p:childTnLst>
                         <p:par>
-                          <p:cTn id="12" fill="hold">
+                          <p:cTn id="9" fill="hold">
                             <p:stCondLst>
                               <p:cond delay="0"/>
                             </p:stCondLst>
                             <p:childTnLst>
                               <p:par>
-                                <p:cTn id="13" presetID="10" presetClass="entr" presetSubtype="0" fill="hold" nodeType="clickEffect">
+                                <p:cTn id="10" presetID="10" presetClass="entr" presetSubtype="0" fill="hold" nodeType="clickEffect">
                                   <p:stCondLst>
                                     <p:cond delay="0"/>
                                   </p:stCondLst>
                                   <p:childTnLst>
                                     <p:set>
                                       <p:cBhvr>
-                                        <p:cTn id="14" dur="1" fill="hold">
+                                        <p:cTn id="11" dur="1" fill="hold">
                                           <p:stCondLst>
                                             <p:cond delay="0"/>
                                           </p:stCondLst>
@@ -17263,7 +17444,7 @@
                                     </p:set>
                                     <p:animEffect transition="in" filter="fade">
                                       <p:cBhvr>
-                                        <p:cTn id="15" dur="500"/>
+                                        <p:cTn id="12" dur="500"/>
                                         <p:tgtEl>
                                           <p:spTgt spid="3">
                                             <p:txEl>
@@ -17277,14 +17458,14 @@
                                 </p:cTn>
                               </p:par>
                               <p:par>
-                                <p:cTn id="16" presetID="24" presetClass="emph" presetSubtype="0" fill="hold" grpId="1" nodeType="withEffect">
+                                <p:cTn id="13" presetID="24" presetClass="emph" presetSubtype="0" fill="hold" grpId="1" nodeType="withEffect">
                                   <p:stCondLst>
                                     <p:cond delay="0"/>
                                   </p:stCondLst>
                                   <p:childTnLst>
                                     <p:animClr clrSpc="hsl" dir="cw">
                                       <p:cBhvr override="childStyle">
-                                        <p:cTn id="17" dur="1000" fill="hold"/>
+                                        <p:cTn id="14" dur="1000" fill="hold"/>
                                         <p:tgtEl>
                                           <p:spTgt spid="2"/>
                                         </p:tgtEl>
@@ -17298,7 +17479,7 @@
                                     </p:animClr>
                                     <p:animClr clrSpc="hsl" dir="cw">
                                       <p:cBhvr>
-                                        <p:cTn id="18" dur="1000" fill="hold"/>
+                                        <p:cTn id="15" dur="1000" fill="hold"/>
                                         <p:tgtEl>
                                           <p:spTgt spid="2"/>
                                         </p:tgtEl>
@@ -17312,7 +17493,7 @@
                                     </p:animClr>
                                     <p:animClr clrSpc="hsl" dir="cw">
                                       <p:cBhvr>
-                                        <p:cTn id="19" dur="1000" fill="hold"/>
+                                        <p:cTn id="16" dur="1000" fill="hold"/>
                                         <p:tgtEl>
                                           <p:spTgt spid="2"/>
                                         </p:tgtEl>
@@ -17326,7 +17507,7 @@
                                     </p:animClr>
                                     <p:set>
                                       <p:cBhvr>
-                                        <p:cTn id="20" dur="1000" fill="hold"/>
+                                        <p:cTn id="17" dur="1000" fill="hold"/>
                                         <p:tgtEl>
                                           <p:spTgt spid="2"/>
                                         </p:tgtEl>
@@ -17357,19 +17538,80 @@
                                   </p:subTnLst>
                                 </p:cTn>
                               </p:par>
+                            </p:childTnLst>
+                          </p:cTn>
+                        </p:par>
+                      </p:childTnLst>
+                    </p:cTn>
+                  </p:par>
+                  <p:par>
+                    <p:cTn id="18" fill="hold">
+                      <p:stCondLst>
+                        <p:cond delay="indefinite"/>
+                      </p:stCondLst>
+                      <p:childTnLst>
+                        <p:par>
+                          <p:cTn id="19" fill="hold">
+                            <p:stCondLst>
+                              <p:cond delay="0"/>
+                            </p:stCondLst>
+                            <p:childTnLst>
                               <p:par>
-                                <p:cTn id="21" presetID="24" presetClass="emph" presetSubtype="0" fill="hold" nodeType="withEffect">
+                                <p:cTn id="20" presetID="10" presetClass="entr" presetSubtype="0" fill="hold" nodeType="clickEffect">
+                                  <p:stCondLst>
+                                    <p:cond delay="0"/>
+                                  </p:stCondLst>
+                                  <p:childTnLst>
+                                    <p:set>
+                                      <p:cBhvr>
+                                        <p:cTn id="21" dur="1" fill="hold">
+                                          <p:stCondLst>
+                                            <p:cond delay="0"/>
+                                          </p:stCondLst>
+                                        </p:cTn>
+                                        <p:tgtEl>
+                                          <p:spTgt spid="3">
+                                            <p:txEl>
+                                              <p:pRg st="1" end="1"/>
+                                            </p:txEl>
+                                          </p:spTgt>
+                                        </p:tgtEl>
+                                        <p:attrNameLst>
+                                          <p:attrName>style.visibility</p:attrName>
+                                        </p:attrNameLst>
+                                      </p:cBhvr>
+                                      <p:to>
+                                        <p:strVal val="visible"/>
+                                      </p:to>
+                                    </p:set>
+                                    <p:animEffect transition="in" filter="fade">
+                                      <p:cBhvr>
+                                        <p:cTn id="22" dur="500"/>
+                                        <p:tgtEl>
+                                          <p:spTgt spid="3">
+                                            <p:txEl>
+                                              <p:pRg st="1" end="1"/>
+                                            </p:txEl>
+                                          </p:spTgt>
+                                        </p:tgtEl>
+                                      </p:cBhvr>
+                                    </p:animEffect>
+                                  </p:childTnLst>
+                                </p:cTn>
+                              </p:par>
+                              <p:par>
+                                <p:cTn id="23" presetID="24" presetClass="emph" presetSubtype="0" fill="hold" nodeType="withEffect">
                                   <p:stCondLst>
                                     <p:cond delay="0"/>
                                   </p:stCondLst>
                                   <p:childTnLst>
                                     <p:animClr clrSpc="hsl" dir="cw">
                                       <p:cBhvr override="childStyle">
-                                        <p:cTn id="22" dur="500" fill="hold"/>
+                                        <p:cTn id="24" dur="500" fill="hold"/>
                                         <p:tgtEl>
                                           <p:spTgt spid="3">
                                             <p:txEl>
-                                              <p:pRg st="1" end="1"/>
+                                              <p:pRg st="0" end="0"/>
                                             </p:txEl>
                                           </p:spTgt>
                                         </p:tgtEl>
@@ -17383,11 +17625,11 @@
                                     </p:animClr>
                                     <p:animClr clrSpc="hsl" dir="cw">
                                       <p:cBhvr>
-                                        <p:cTn id="23" dur="500" fill="hold"/>
+                                        <p:cTn id="25" dur="500" fill="hold"/>
                                         <p:tgtEl>
                                           <p:spTgt spid="3">
                                             <p:txEl>
-                                              <p:pRg st="1" end="1"/>
+                                              <p:pRg st="0" end="0"/>
                                             </p:txEl>
                                           </p:spTgt>
                                         </p:tgtEl>
@@ -17401,11 +17643,11 @@
                                     </p:animClr>
                                     <p:animClr clrSpc="hsl" dir="cw">
                                       <p:cBhvr>
-                                        <p:cTn id="24" dur="500" fill="hold"/>
+                                        <p:cTn id="26" dur="500" fill="hold"/>
                                         <p:tgtEl>
                                           <p:spTgt spid="3">
                                             <p:txEl>
-                                              <p:pRg st="1" end="1"/>
+                                              <p:pRg st="0" end="0"/>
                                             </p:txEl>
                                           </p:spTgt>
                                         </p:tgtEl>
@@ -17419,11 +17661,11 @@
                                     </p:animClr>
                                     <p:set>
                                       <p:cBhvr>
-                                        <p:cTn id="25" dur="500" fill="hold"/>
+                                        <p:cTn id="27" dur="500" fill="hold"/>
                                         <p:tgtEl>
                                           <p:spTgt spid="3">
                                             <p:txEl>
-                                              <p:pRg st="1" end="1"/>
+                                              <p:pRg st="0" end="0"/>
                                             </p:txEl>
                                           </p:spTgt>
                                         </p:tgtEl>
@@ -17445,26 +17687,26 @@
                     </p:cTn>
                   </p:par>
                   <p:par>
-                    <p:cTn id="26" fill="hold">
+                    <p:cTn id="28" fill="hold">
                       <p:stCondLst>
                         <p:cond delay="indefinite"/>
                       </p:stCondLst>
                       <p:childTnLst>
                         <p:par>
-                          <p:cTn id="27" fill="hold">
+                          <p:cTn id="29" fill="hold">
                             <p:stCondLst>
                               <p:cond delay="0"/>
                             </p:stCondLst>
                             <p:childTnLst>
                               <p:par>
-                                <p:cTn id="28" presetID="10" presetClass="entr" presetSubtype="0" fill="hold" nodeType="clickEffect">
+                                <p:cTn id="30" presetID="10" presetClass="entr" presetSubtype="0" fill="hold" nodeType="clickEffect">
                                   <p:stCondLst>
                                     <p:cond delay="0"/>
                                   </p:stCondLst>
                                   <p:childTnLst>
                                     <p:set>
                                       <p:cBhvr>
-                                        <p:cTn id="29" dur="1" fill="hold">
+                                        <p:cTn id="31" dur="1" fill="hold">
                                           <p:stCondLst>
                                             <p:cond delay="0"/>
                                           </p:stCondLst>
@@ -17486,7 +17728,7 @@
                                     </p:set>
                                     <p:animEffect transition="in" filter="fade">
                                       <p:cBhvr>
-                                        <p:cTn id="30" dur="500"/>
+                                        <p:cTn id="32" dur="500"/>
                                         <p:tgtEl>
                                           <p:spTgt spid="4">
                                             <p:txEl>
@@ -17500,18 +17742,18 @@
                                 </p:cTn>
                               </p:par>
                               <p:par>
-                                <p:cTn id="31" presetID="24" presetClass="emph" presetSubtype="0" fill="hold" nodeType="withEffect">
+                                <p:cTn id="33" presetID="24" presetClass="emph" presetSubtype="0" fill="hold" nodeType="withEffect">
                                   <p:stCondLst>
                                     <p:cond delay="0"/>
                                   </p:stCondLst>
                                   <p:childTnLst>
                                     <p:animClr clrSpc="hsl" dir="cw">
                                       <p:cBhvr override="childStyle">
-                                        <p:cTn id="32" dur="500" fill="hold"/>
+                                        <p:cTn id="34" dur="500" fill="hold"/>
                                         <p:tgtEl>
                                           <p:spTgt spid="3">
                                             <p:txEl>
-                                              <p:pRg st="0" end="0"/>
+                                              <p:pRg st="1" end="1"/>
                                             </p:txEl>
                                           </p:spTgt>
                                         </p:tgtEl>
@@ -17525,11 +17767,11 @@
                                     </p:animClr>
                                     <p:animClr clrSpc="hsl" dir="cw">
                                       <p:cBhvr>
-                                        <p:cTn id="33" dur="500" fill="hold"/>
+                                        <p:cTn id="35" dur="500" fill="hold"/>
                                         <p:tgtEl>
                                           <p:spTgt spid="3">
                                             <p:txEl>
-                                              <p:pRg st="0" end="0"/>
+                                              <p:pRg st="1" end="1"/>
                                             </p:txEl>
                                           </p:spTgt>
                                         </p:tgtEl>
@@ -17543,11 +17785,11 @@
                                     </p:animClr>
                                     <p:animClr clrSpc="hsl" dir="cw">
                                       <p:cBhvr>
-                                        <p:cTn id="34" dur="500" fill="hold"/>
+                                        <p:cTn id="36" dur="500" fill="hold"/>
                                         <p:tgtEl>
                                           <p:spTgt spid="3">
                                             <p:txEl>
-                                              <p:pRg st="0" end="0"/>
+                                              <p:pRg st="1" end="1"/>
                                             </p:txEl>
                                           </p:spTgt>
                                         </p:tgtEl>
@@ -17561,11 +17803,11 @@
                                     </p:animClr>
                                     <p:set>
                                       <p:cBhvr>
-                                        <p:cTn id="35" dur="500" fill="hold"/>
+                                        <p:cTn id="37" dur="500" fill="hold"/>
                                         <p:tgtEl>
                                           <p:spTgt spid="3">
                                             <p:txEl>
-                                              <p:pRg st="0" end="0"/>
+                                              <p:pRg st="1" end="1"/>
                                             </p:txEl>
                                           </p:spTgt>
                                         </p:tgtEl>
@@ -17587,26 +17829,26 @@
                     </p:cTn>
                   </p:par>
                   <p:par>
-                    <p:cTn id="36" fill="hold">
+                    <p:cTn id="38" fill="hold">
                       <p:stCondLst>
                         <p:cond delay="indefinite"/>
                       </p:stCondLst>
                       <p:childTnLst>
                         <p:par>
-                          <p:cTn id="37" fill="hold">
+                          <p:cTn id="39" fill="hold">
                             <p:stCondLst>
                               <p:cond delay="0"/>
                             </p:stCondLst>
                             <p:childTnLst>
                               <p:par>
-                                <p:cTn id="38" presetID="10" presetClass="entr" presetSubtype="0" fill="hold" nodeType="clickEffect">
+                                <p:cTn id="40" presetID="10" presetClass="entr" presetSubtype="0" fill="hold" nodeType="clickEffect">
                                   <p:stCondLst>
                                     <p:cond delay="0"/>
                                   </p:stCondLst>
                                   <p:childTnLst>
                                     <p:set>
                                       <p:cBhvr>
-                                        <p:cTn id="39" dur="1" fill="hold">
+                                        <p:cTn id="41" dur="1" fill="hold">
                                           <p:stCondLst>
                                             <p:cond delay="0"/>
                                           </p:stCondLst>
@@ -17628,7 +17870,7 @@
                                     </p:set>
                                     <p:animEffect transition="in" filter="fade">
                                       <p:cBhvr>
-                                        <p:cTn id="40" dur="500"/>
+                                        <p:cTn id="42" dur="500"/>
                                         <p:tgtEl>
                                           <p:spTgt spid="4">
                                             <p:txEl>
@@ -17642,14 +17884,14 @@
                                 </p:cTn>
                               </p:par>
                               <p:par>
-                                <p:cTn id="41" presetID="24" presetClass="emph" presetSubtype="0" fill="hold" nodeType="withEffect">
+                                <p:cTn id="43" presetID="24" presetClass="emph" presetSubtype="0" fill="hold" nodeType="withEffect">
                                   <p:stCondLst>
                                     <p:cond delay="0"/>
                                   </p:stCondLst>
                                   <p:childTnLst>
                                     <p:animClr clrSpc="hsl" dir="cw">
                                       <p:cBhvr override="childStyle">
-                                        <p:cTn id="42" dur="500" fill="hold"/>
+                                        <p:cTn id="44" dur="500" fill="hold"/>
                                         <p:tgtEl>
                                           <p:spTgt spid="4">
                                             <p:txEl>
@@ -17667,7 +17909,7 @@
                                     </p:animClr>
                                     <p:animClr clrSpc="hsl" dir="cw">
                                       <p:cBhvr>
-                                        <p:cTn id="43" dur="500" fill="hold"/>
+                                        <p:cTn id="45" dur="500" fill="hold"/>
                                         <p:tgtEl>
                                           <p:spTgt spid="4">
                                             <p:txEl>
@@ -17685,7 +17927,7 @@
                                     </p:animClr>
                                     <p:animClr clrSpc="hsl" dir="cw">
                                       <p:cBhvr>
-                                        <p:cTn id="44" dur="500" fill="hold"/>
+                                        <p:cTn id="46" dur="500" fill="hold"/>
                                         <p:tgtEl>
                                           <p:spTgt spid="4">
                                             <p:txEl>
@@ -17703,7 +17945,7 @@
                                     </p:animClr>
                                     <p:set>
                                       <p:cBhvr>
-                                        <p:cTn id="45" dur="500" fill="hold"/>
+                                        <p:cTn id="47" dur="500" fill="hold"/>
                                         <p:tgtEl>
                                           <p:spTgt spid="4">
                                             <p:txEl>
@@ -17976,6 +18218,9 @@
                     <p:cTn id="3" fill="hold">
                       <p:stCondLst>
                         <p:cond delay="indefinite"/>
+                        <p:cond evt="onBegin" delay="0">
+                          <p:tn val="2"/>
+                        </p:cond>
                       </p:stCondLst>
                       <p:childTnLst>
                         <p:par>
@@ -17985,7 +18230,7 @@
                             </p:stCondLst>
                             <p:childTnLst>
                               <p:par>
-                                <p:cTn id="5" presetID="10" presetClass="entr" presetSubtype="0" fill="hold" grpId="0" nodeType="clickEffect">
+                                <p:cTn id="5" presetID="10" presetClass="entr" presetSubtype="0" fill="hold" grpId="0" nodeType="withEffect">
                                   <p:stCondLst>
                                     <p:cond delay="0"/>
                                   </p:stCondLst>
@@ -18019,15 +18264,76 @@
                                   </p:childTnLst>
                                 </p:cTn>
                               </p:par>
+                            </p:childTnLst>
+                          </p:cTn>
+                        </p:par>
+                      </p:childTnLst>
+                    </p:cTn>
+                  </p:par>
+                  <p:par>
+                    <p:cTn id="8" fill="hold">
+                      <p:stCondLst>
+                        <p:cond delay="indefinite"/>
+                      </p:stCondLst>
+                      <p:childTnLst>
+                        <p:par>
+                          <p:cTn id="9" fill="hold">
+                            <p:stCondLst>
+                              <p:cond delay="0"/>
+                            </p:stCondLst>
+                            <p:childTnLst>
                               <p:par>
-                                <p:cTn id="8" presetID="24" presetClass="emph" presetSubtype="0" fill="hold" grpId="1" nodeType="withEffect">
+                                <p:cTn id="10" presetID="10" presetClass="entr" presetSubtype="0" fill="hold" nodeType="clickEffect">
+                                  <p:stCondLst>
+                                    <p:cond delay="0"/>
+                                  </p:stCondLst>
+                                  <p:childTnLst>
+                                    <p:set>
+                                      <p:cBhvr>
+                                        <p:cTn id="11" dur="1" fill="hold">
+                                          <p:stCondLst>
+                                            <p:cond delay="0"/>
+                                          </p:stCondLst>
+                                        </p:cTn>
+                                        <p:tgtEl>
+                                          <p:spTgt spid="3">
+                                            <p:txEl>
+                                              <p:pRg st="0" end="0"/>
+                                            </p:txEl>
+                                          </p:spTgt>
+                                        </p:tgtEl>
+                                        <p:attrNameLst>
+                                          <p:attrName>style.visibility</p:attrName>
+                                        </p:attrNameLst>
+                                      </p:cBhvr>
+                                      <p:to>
+                                        <p:strVal val="visible"/>
+                                      </p:to>
+                                    </p:set>
+                                    <p:animEffect transition="in" filter="fade">
+                                      <p:cBhvr>
+                                        <p:cTn id="12" dur="500"/>
+                                        <p:tgtEl>
+                                          <p:spTgt spid="3">
+                                            <p:txEl>
+                                              <p:pRg st="0" end="0"/>
+                                            </p:txEl>
+                                          </p:spTgt>
+                                        </p:tgtEl>
+                                      </p:cBhvr>
+                                    </p:animEffect>
+                                  </p:childTnLst>
+                                </p:cTn>
+                              </p:par>
+                              <p:par>
+                                <p:cTn id="13" presetID="24" presetClass="emph" presetSubtype="0" fill="hold" grpId="1" nodeType="withEffect">
                                   <p:stCondLst>
                                     <p:cond delay="0"/>
                                   </p:stCondLst>
                                   <p:childTnLst>
                                     <p:animClr clrSpc="hsl" dir="cw">
                                       <p:cBhvr override="childStyle">
-                                        <p:cTn id="9" dur="1000" fill="hold"/>
+                                        <p:cTn id="14" dur="1000" fill="hold"/>
                                         <p:tgtEl>
                                           <p:spTgt spid="2"/>
                                         </p:tgtEl>
@@ -18041,7 +18347,7 @@
                                     </p:animClr>
                                     <p:animClr clrSpc="hsl" dir="cw">
                                       <p:cBhvr>
-                                        <p:cTn id="10" dur="1000" fill="hold"/>
+                                        <p:cTn id="15" dur="1000" fill="hold"/>
                                         <p:tgtEl>
                                           <p:spTgt spid="2"/>
                                         </p:tgtEl>
@@ -18055,7 +18361,7 @@
                                     </p:animClr>
                                     <p:animClr clrSpc="hsl" dir="cw">
                                       <p:cBhvr>
-                                        <p:cTn id="11" dur="1000" fill="hold"/>
+                                        <p:cTn id="16" dur="1000" fill="hold"/>
                                         <p:tgtEl>
                                           <p:spTgt spid="2"/>
                                         </p:tgtEl>
@@ -18069,7 +18375,7 @@
                                     </p:animClr>
                                     <p:set>
                                       <p:cBhvr>
-                                        <p:cTn id="12" dur="1000" fill="hold"/>
+                                        <p:cTn id="17" dur="1000" fill="hold"/>
                                         <p:tgtEl>
                                           <p:spTgt spid="2"/>
                                         </p:tgtEl>
@@ -18098,67 +18404,6 @@
                                       </p:to>
                                     </p:animClr>
                                   </p:subTnLst>
-                                </p:cTn>
-                              </p:par>
-                            </p:childTnLst>
-                          </p:cTn>
-                        </p:par>
-                      </p:childTnLst>
-                    </p:cTn>
-                  </p:par>
-                  <p:par>
-                    <p:cTn id="13" fill="hold">
-                      <p:stCondLst>
-                        <p:cond delay="indefinite"/>
-                      </p:stCondLst>
-                      <p:childTnLst>
-                        <p:par>
-                          <p:cTn id="14" fill="hold">
-                            <p:stCondLst>
-                              <p:cond delay="0"/>
-                            </p:stCondLst>
-                            <p:childTnLst>
-                              <p:par>
-                                <p:cTn id="15" presetID="10" presetClass="entr" presetSubtype="0" fill="hold" nodeType="clickEffect">
-                                  <p:stCondLst>
-                                    <p:cond delay="0"/>
-                                  </p:stCondLst>
-                                  <p:childTnLst>
-                                    <p:set>
-                                      <p:cBhvr>
-                                        <p:cTn id="16" dur="1" fill="hold">
-                                          <p:stCondLst>
-                                            <p:cond delay="0"/>
-                                          </p:stCondLst>
-                                        </p:cTn>
-                                        <p:tgtEl>
-                                          <p:spTgt spid="3">
-                                            <p:txEl>
-                                              <p:pRg st="0" end="0"/>
-                                            </p:txEl>
-                                          </p:spTgt>
-                                        </p:tgtEl>
-                                        <p:attrNameLst>
-                                          <p:attrName>style.visibility</p:attrName>
-                                        </p:attrNameLst>
-                                      </p:cBhvr>
-                                      <p:to>
-                                        <p:strVal val="visible"/>
-                                      </p:to>
-                                    </p:set>
-                                    <p:animEffect transition="in" filter="fade">
-                                      <p:cBhvr>
-                                        <p:cTn id="17" dur="500"/>
-                                        <p:tgtEl>
-                                          <p:spTgt spid="3">
-                                            <p:txEl>
-                                              <p:pRg st="0" end="0"/>
-                                            </p:txEl>
-                                          </p:spTgt>
-                                        </p:tgtEl>
-                                      </p:cBhvr>
-                                    </p:animEffect>
-                                  </p:childTnLst>
                                 </p:cTn>
                               </p:par>
                             </p:childTnLst>
@@ -18841,6 +19086,9 @@
                     <p:cTn id="3" fill="hold">
                       <p:stCondLst>
                         <p:cond delay="indefinite"/>
+                        <p:cond evt="onBegin" delay="0">
+                          <p:tn val="2"/>
+                        </p:cond>
                       </p:stCondLst>
                       <p:childTnLst>
                         <p:par>
@@ -18850,7 +19098,7 @@
                             </p:stCondLst>
                             <p:childTnLst>
                               <p:par>
-                                <p:cTn id="5" presetID="10" presetClass="entr" presetSubtype="0" fill="hold" grpId="0" nodeType="clickEffect">
+                                <p:cTn id="5" presetID="10" presetClass="entr" presetSubtype="0" fill="hold" grpId="0" nodeType="withEffect">
                                   <p:stCondLst>
                                     <p:cond delay="0"/>
                                   </p:stCondLst>
@@ -18884,15 +19132,76 @@
                                   </p:childTnLst>
                                 </p:cTn>
                               </p:par>
+                            </p:childTnLst>
+                          </p:cTn>
+                        </p:par>
+                      </p:childTnLst>
+                    </p:cTn>
+                  </p:par>
+                  <p:par>
+                    <p:cTn id="8" fill="hold">
+                      <p:stCondLst>
+                        <p:cond delay="indefinite"/>
+                      </p:stCondLst>
+                      <p:childTnLst>
+                        <p:par>
+                          <p:cTn id="9" fill="hold">
+                            <p:stCondLst>
+                              <p:cond delay="0"/>
+                            </p:stCondLst>
+                            <p:childTnLst>
                               <p:par>
-                                <p:cTn id="8" presetID="24" presetClass="emph" presetSubtype="0" fill="hold" grpId="1" nodeType="withEffect">
+                                <p:cTn id="10" presetID="10" presetClass="entr" presetSubtype="0" fill="hold" nodeType="clickEffect">
+                                  <p:stCondLst>
+                                    <p:cond delay="0"/>
+                                  </p:stCondLst>
+                                  <p:childTnLst>
+                                    <p:set>
+                                      <p:cBhvr>
+                                        <p:cTn id="11" dur="1" fill="hold">
+                                          <p:stCondLst>
+                                            <p:cond delay="0"/>
+                                          </p:stCondLst>
+                                        </p:cTn>
+                                        <p:tgtEl>
+                                          <p:spTgt spid="3">
+                                            <p:txEl>
+                                              <p:pRg st="0" end="0"/>
+                                            </p:txEl>
+                                          </p:spTgt>
+                                        </p:tgtEl>
+                                        <p:attrNameLst>
+                                          <p:attrName>style.visibility</p:attrName>
+                                        </p:attrNameLst>
+                                      </p:cBhvr>
+                                      <p:to>
+                                        <p:strVal val="visible"/>
+                                      </p:to>
+                                    </p:set>
+                                    <p:animEffect transition="in" filter="fade">
+                                      <p:cBhvr>
+                                        <p:cTn id="12" dur="500"/>
+                                        <p:tgtEl>
+                                          <p:spTgt spid="3">
+                                            <p:txEl>
+                                              <p:pRg st="0" end="0"/>
+                                            </p:txEl>
+                                          </p:spTgt>
+                                        </p:tgtEl>
+                                      </p:cBhvr>
+                                    </p:animEffect>
+                                  </p:childTnLst>
+                                </p:cTn>
+                              </p:par>
+                              <p:par>
+                                <p:cTn id="13" presetID="24" presetClass="emph" presetSubtype="0" fill="hold" grpId="1" nodeType="withEffect">
                                   <p:stCondLst>
                                     <p:cond delay="0"/>
                                   </p:stCondLst>
                                   <p:childTnLst>
                                     <p:animClr clrSpc="hsl" dir="cw">
                                       <p:cBhvr override="childStyle">
-                                        <p:cTn id="9" dur="1000" fill="hold"/>
+                                        <p:cTn id="14" dur="1000" fill="hold"/>
                                         <p:tgtEl>
                                           <p:spTgt spid="2"/>
                                         </p:tgtEl>
@@ -18906,7 +19215,7 @@
                                     </p:animClr>
                                     <p:animClr clrSpc="hsl" dir="cw">
                                       <p:cBhvr>
-                                        <p:cTn id="10" dur="1000" fill="hold"/>
+                                        <p:cTn id="15" dur="1000" fill="hold"/>
                                         <p:tgtEl>
                                           <p:spTgt spid="2"/>
                                         </p:tgtEl>
@@ -18920,7 +19229,7 @@
                                     </p:animClr>
                                     <p:animClr clrSpc="hsl" dir="cw">
                                       <p:cBhvr>
-                                        <p:cTn id="11" dur="1000" fill="hold"/>
+                                        <p:cTn id="16" dur="1000" fill="hold"/>
                                         <p:tgtEl>
                                           <p:spTgt spid="2"/>
                                         </p:tgtEl>
@@ -18934,7 +19243,7 @@
                                     </p:animClr>
                                     <p:set>
                                       <p:cBhvr>
-                                        <p:cTn id="12" dur="1000" fill="hold"/>
+                                        <p:cTn id="17" dur="1000" fill="hold"/>
                                         <p:tgtEl>
                                           <p:spTgt spid="2"/>
                                         </p:tgtEl>
@@ -18963,67 +19272,6 @@
                                       </p:to>
                                     </p:animClr>
                                   </p:subTnLst>
-                                </p:cTn>
-                              </p:par>
-                            </p:childTnLst>
-                          </p:cTn>
-                        </p:par>
-                      </p:childTnLst>
-                    </p:cTn>
-                  </p:par>
-                  <p:par>
-                    <p:cTn id="13" fill="hold">
-                      <p:stCondLst>
-                        <p:cond delay="indefinite"/>
-                      </p:stCondLst>
-                      <p:childTnLst>
-                        <p:par>
-                          <p:cTn id="14" fill="hold">
-                            <p:stCondLst>
-                              <p:cond delay="0"/>
-                            </p:stCondLst>
-                            <p:childTnLst>
-                              <p:par>
-                                <p:cTn id="15" presetID="10" presetClass="entr" presetSubtype="0" fill="hold" nodeType="clickEffect">
-                                  <p:stCondLst>
-                                    <p:cond delay="0"/>
-                                  </p:stCondLst>
-                                  <p:childTnLst>
-                                    <p:set>
-                                      <p:cBhvr>
-                                        <p:cTn id="16" dur="1" fill="hold">
-                                          <p:stCondLst>
-                                            <p:cond delay="0"/>
-                                          </p:stCondLst>
-                                        </p:cTn>
-                                        <p:tgtEl>
-                                          <p:spTgt spid="3">
-                                            <p:txEl>
-                                              <p:pRg st="0" end="0"/>
-                                            </p:txEl>
-                                          </p:spTgt>
-                                        </p:tgtEl>
-                                        <p:attrNameLst>
-                                          <p:attrName>style.visibility</p:attrName>
-                                        </p:attrNameLst>
-                                      </p:cBhvr>
-                                      <p:to>
-                                        <p:strVal val="visible"/>
-                                      </p:to>
-                                    </p:set>
-                                    <p:animEffect transition="in" filter="fade">
-                                      <p:cBhvr>
-                                        <p:cTn id="17" dur="500"/>
-                                        <p:tgtEl>
-                                          <p:spTgt spid="3">
-                                            <p:txEl>
-                                              <p:pRg st="0" end="0"/>
-                                            </p:txEl>
-                                          </p:spTgt>
-                                        </p:tgtEl>
-                                      </p:cBhvr>
-                                    </p:animEffect>
-                                  </p:childTnLst>
                                 </p:cTn>
                               </p:par>
                             </p:childTnLst>
@@ -19697,6 +19945,9 @@
                     <p:cTn id="3" fill="hold">
                       <p:stCondLst>
                         <p:cond delay="indefinite"/>
+                        <p:cond evt="onBegin" delay="0">
+                          <p:tn val="2"/>
+                        </p:cond>
                       </p:stCondLst>
                       <p:childTnLst>
                         <p:par>
@@ -19706,7 +19957,7 @@
                             </p:stCondLst>
                             <p:childTnLst>
                               <p:par>
-                                <p:cTn id="5" presetID="10" presetClass="entr" presetSubtype="0" fill="hold" grpId="0" nodeType="clickEffect">
+                                <p:cTn id="5" presetID="10" presetClass="entr" presetSubtype="0" fill="hold" grpId="0" nodeType="withEffect">
                                   <p:stCondLst>
                                     <p:cond delay="0"/>
                                   </p:stCondLst>
@@ -19740,15 +19991,76 @@
                                   </p:childTnLst>
                                 </p:cTn>
                               </p:par>
+                            </p:childTnLst>
+                          </p:cTn>
+                        </p:par>
+                      </p:childTnLst>
+                    </p:cTn>
+                  </p:par>
+                  <p:par>
+                    <p:cTn id="8" fill="hold">
+                      <p:stCondLst>
+                        <p:cond delay="indefinite"/>
+                      </p:stCondLst>
+                      <p:childTnLst>
+                        <p:par>
+                          <p:cTn id="9" fill="hold">
+                            <p:stCondLst>
+                              <p:cond delay="0"/>
+                            </p:stCondLst>
+                            <p:childTnLst>
                               <p:par>
-                                <p:cTn id="8" presetID="24" presetClass="emph" presetSubtype="0" fill="hold" grpId="1" nodeType="withEffect">
+                                <p:cTn id="10" presetID="10" presetClass="entr" presetSubtype="0" fill="hold" nodeType="clickEffect">
+                                  <p:stCondLst>
+                                    <p:cond delay="0"/>
+                                  </p:stCondLst>
+                                  <p:childTnLst>
+                                    <p:set>
+                                      <p:cBhvr>
+                                        <p:cTn id="11" dur="1" fill="hold">
+                                          <p:stCondLst>
+                                            <p:cond delay="0"/>
+                                          </p:stCondLst>
+                                        </p:cTn>
+                                        <p:tgtEl>
+                                          <p:spTgt spid="3">
+                                            <p:txEl>
+                                              <p:pRg st="0" end="0"/>
+                                            </p:txEl>
+                                          </p:spTgt>
+                                        </p:tgtEl>
+                                        <p:attrNameLst>
+                                          <p:attrName>style.visibility</p:attrName>
+                                        </p:attrNameLst>
+                                      </p:cBhvr>
+                                      <p:to>
+                                        <p:strVal val="visible"/>
+                                      </p:to>
+                                    </p:set>
+                                    <p:animEffect transition="in" filter="fade">
+                                      <p:cBhvr>
+                                        <p:cTn id="12" dur="500"/>
+                                        <p:tgtEl>
+                                          <p:spTgt spid="3">
+                                            <p:txEl>
+                                              <p:pRg st="0" end="0"/>
+                                            </p:txEl>
+                                          </p:spTgt>
+                                        </p:tgtEl>
+                                      </p:cBhvr>
+                                    </p:animEffect>
+                                  </p:childTnLst>
+                                </p:cTn>
+                              </p:par>
+                              <p:par>
+                                <p:cTn id="13" presetID="24" presetClass="emph" presetSubtype="0" fill="hold" grpId="1" nodeType="withEffect">
                                   <p:stCondLst>
                                     <p:cond delay="0"/>
                                   </p:stCondLst>
                                   <p:childTnLst>
                                     <p:animClr clrSpc="hsl" dir="cw">
                                       <p:cBhvr override="childStyle">
-                                        <p:cTn id="9" dur="1000" fill="hold"/>
+                                        <p:cTn id="14" dur="1000" fill="hold"/>
                                         <p:tgtEl>
                                           <p:spTgt spid="2"/>
                                         </p:tgtEl>
@@ -19762,7 +20074,7 @@
                                     </p:animClr>
                                     <p:animClr clrSpc="hsl" dir="cw">
                                       <p:cBhvr>
-                                        <p:cTn id="10" dur="1000" fill="hold"/>
+                                        <p:cTn id="15" dur="1000" fill="hold"/>
                                         <p:tgtEl>
                                           <p:spTgt spid="2"/>
                                         </p:tgtEl>
@@ -19776,7 +20088,7 @@
                                     </p:animClr>
                                     <p:animClr clrSpc="hsl" dir="cw">
                                       <p:cBhvr>
-                                        <p:cTn id="11" dur="1000" fill="hold"/>
+                                        <p:cTn id="16" dur="1000" fill="hold"/>
                                         <p:tgtEl>
                                           <p:spTgt spid="2"/>
                                         </p:tgtEl>
@@ -19790,7 +20102,7 @@
                                     </p:animClr>
                                     <p:set>
                                       <p:cBhvr>
-                                        <p:cTn id="12" dur="1000" fill="hold"/>
+                                        <p:cTn id="17" dur="1000" fill="hold"/>
                                         <p:tgtEl>
                                           <p:spTgt spid="2"/>
                                         </p:tgtEl>
@@ -19819,67 +20131,6 @@
                                       </p:to>
                                     </p:animClr>
                                   </p:subTnLst>
-                                </p:cTn>
-                              </p:par>
-                            </p:childTnLst>
-                          </p:cTn>
-                        </p:par>
-                      </p:childTnLst>
-                    </p:cTn>
-                  </p:par>
-                  <p:par>
-                    <p:cTn id="13" fill="hold">
-                      <p:stCondLst>
-                        <p:cond delay="indefinite"/>
-                      </p:stCondLst>
-                      <p:childTnLst>
-                        <p:par>
-                          <p:cTn id="14" fill="hold">
-                            <p:stCondLst>
-                              <p:cond delay="0"/>
-                            </p:stCondLst>
-                            <p:childTnLst>
-                              <p:par>
-                                <p:cTn id="15" presetID="10" presetClass="entr" presetSubtype="0" fill="hold" nodeType="clickEffect">
-                                  <p:stCondLst>
-                                    <p:cond delay="0"/>
-                                  </p:stCondLst>
-                                  <p:childTnLst>
-                                    <p:set>
-                                      <p:cBhvr>
-                                        <p:cTn id="16" dur="1" fill="hold">
-                                          <p:stCondLst>
-                                            <p:cond delay="0"/>
-                                          </p:stCondLst>
-                                        </p:cTn>
-                                        <p:tgtEl>
-                                          <p:spTgt spid="3">
-                                            <p:txEl>
-                                              <p:pRg st="0" end="0"/>
-                                            </p:txEl>
-                                          </p:spTgt>
-                                        </p:tgtEl>
-                                        <p:attrNameLst>
-                                          <p:attrName>style.visibility</p:attrName>
-                                        </p:attrNameLst>
-                                      </p:cBhvr>
-                                      <p:to>
-                                        <p:strVal val="visible"/>
-                                      </p:to>
-                                    </p:set>
-                                    <p:animEffect transition="in" filter="fade">
-                                      <p:cBhvr>
-                                        <p:cTn id="17" dur="500"/>
-                                        <p:tgtEl>
-                                          <p:spTgt spid="3">
-                                            <p:txEl>
-                                              <p:pRg st="0" end="0"/>
-                                            </p:txEl>
-                                          </p:spTgt>
-                                        </p:tgtEl>
-                                      </p:cBhvr>
-                                    </p:animEffect>
-                                  </p:childTnLst>
                                 </p:cTn>
                               </p:par>
                             </p:childTnLst>
@@ -20269,6 +20520,9 @@
                     <p:cTn id="3" fill="hold">
                       <p:stCondLst>
                         <p:cond delay="indefinite"/>
+                        <p:cond evt="onBegin" delay="0">
+                          <p:tn val="2"/>
+                        </p:cond>
                       </p:stCondLst>
                       <p:childTnLst>
                         <p:par>
@@ -20278,7 +20532,7 @@
                             </p:stCondLst>
                             <p:childTnLst>
                               <p:par>
-                                <p:cTn id="5" presetID="10" presetClass="entr" presetSubtype="0" fill="hold" grpId="0" nodeType="clickEffect">
+                                <p:cTn id="5" presetID="10" presetClass="entr" presetSubtype="0" fill="hold" grpId="0" nodeType="withEffect">
                                   <p:stCondLst>
                                     <p:cond delay="0"/>
                                   </p:stCondLst>
@@ -20312,15 +20566,76 @@
                                   </p:childTnLst>
                                 </p:cTn>
                               </p:par>
+                            </p:childTnLst>
+                          </p:cTn>
+                        </p:par>
+                      </p:childTnLst>
+                    </p:cTn>
+                  </p:par>
+                  <p:par>
+                    <p:cTn id="8" fill="hold">
+                      <p:stCondLst>
+                        <p:cond delay="indefinite"/>
+                      </p:stCondLst>
+                      <p:childTnLst>
+                        <p:par>
+                          <p:cTn id="9" fill="hold">
+                            <p:stCondLst>
+                              <p:cond delay="0"/>
+                            </p:stCondLst>
+                            <p:childTnLst>
                               <p:par>
-                                <p:cTn id="8" presetID="24" presetClass="emph" presetSubtype="0" fill="hold" grpId="1" nodeType="withEffect">
+                                <p:cTn id="10" presetID="10" presetClass="entr" presetSubtype="0" fill="hold" nodeType="clickEffect">
+                                  <p:stCondLst>
+                                    <p:cond delay="0"/>
+                                  </p:stCondLst>
+                                  <p:childTnLst>
+                                    <p:set>
+                                      <p:cBhvr>
+                                        <p:cTn id="11" dur="1" fill="hold">
+                                          <p:stCondLst>
+                                            <p:cond delay="0"/>
+                                          </p:stCondLst>
+                                        </p:cTn>
+                                        <p:tgtEl>
+                                          <p:spTgt spid="3">
+                                            <p:txEl>
+                                              <p:pRg st="0" end="0"/>
+                                            </p:txEl>
+                                          </p:spTgt>
+                                        </p:tgtEl>
+                                        <p:attrNameLst>
+                                          <p:attrName>style.visibility</p:attrName>
+                                        </p:attrNameLst>
+                                      </p:cBhvr>
+                                      <p:to>
+                                        <p:strVal val="visible"/>
+                                      </p:to>
+                                    </p:set>
+                                    <p:animEffect transition="in" filter="fade">
+                                      <p:cBhvr>
+                                        <p:cTn id="12" dur="500"/>
+                                        <p:tgtEl>
+                                          <p:spTgt spid="3">
+                                            <p:txEl>
+                                              <p:pRg st="0" end="0"/>
+                                            </p:txEl>
+                                          </p:spTgt>
+                                        </p:tgtEl>
+                                      </p:cBhvr>
+                                    </p:animEffect>
+                                  </p:childTnLst>
+                                </p:cTn>
+                              </p:par>
+                              <p:par>
+                                <p:cTn id="13" presetID="24" presetClass="emph" presetSubtype="0" fill="hold" grpId="1" nodeType="withEffect">
                                   <p:stCondLst>
                                     <p:cond delay="0"/>
                                   </p:stCondLst>
                                   <p:childTnLst>
                                     <p:animClr clrSpc="hsl" dir="cw">
                                       <p:cBhvr override="childStyle">
-                                        <p:cTn id="9" dur="1000" fill="hold"/>
+                                        <p:cTn id="14" dur="1000" fill="hold"/>
                                         <p:tgtEl>
                                           <p:spTgt spid="2"/>
                                         </p:tgtEl>
@@ -20334,7 +20649,7 @@
                                     </p:animClr>
                                     <p:animClr clrSpc="hsl" dir="cw">
                                       <p:cBhvr>
-                                        <p:cTn id="10" dur="1000" fill="hold"/>
+                                        <p:cTn id="15" dur="1000" fill="hold"/>
                                         <p:tgtEl>
                                           <p:spTgt spid="2"/>
                                         </p:tgtEl>
@@ -20348,7 +20663,7 @@
                                     </p:animClr>
                                     <p:animClr clrSpc="hsl" dir="cw">
                                       <p:cBhvr>
-                                        <p:cTn id="11" dur="1000" fill="hold"/>
+                                        <p:cTn id="16" dur="1000" fill="hold"/>
                                         <p:tgtEl>
                                           <p:spTgt spid="2"/>
                                         </p:tgtEl>
@@ -20362,7 +20677,7 @@
                                     </p:animClr>
                                     <p:set>
                                       <p:cBhvr>
-                                        <p:cTn id="12" dur="1000" fill="hold"/>
+                                        <p:cTn id="17" dur="1000" fill="hold"/>
                                         <p:tgtEl>
                                           <p:spTgt spid="2"/>
                                         </p:tgtEl>
@@ -20391,67 +20706,6 @@
                                       </p:to>
                                     </p:animClr>
                                   </p:subTnLst>
-                                </p:cTn>
-                              </p:par>
-                            </p:childTnLst>
-                          </p:cTn>
-                        </p:par>
-                      </p:childTnLst>
-                    </p:cTn>
-                  </p:par>
-                  <p:par>
-                    <p:cTn id="13" fill="hold">
-                      <p:stCondLst>
-                        <p:cond delay="indefinite"/>
-                      </p:stCondLst>
-                      <p:childTnLst>
-                        <p:par>
-                          <p:cTn id="14" fill="hold">
-                            <p:stCondLst>
-                              <p:cond delay="0"/>
-                            </p:stCondLst>
-                            <p:childTnLst>
-                              <p:par>
-                                <p:cTn id="15" presetID="10" presetClass="entr" presetSubtype="0" fill="hold" nodeType="clickEffect">
-                                  <p:stCondLst>
-                                    <p:cond delay="0"/>
-                                  </p:stCondLst>
-                                  <p:childTnLst>
-                                    <p:set>
-                                      <p:cBhvr>
-                                        <p:cTn id="16" dur="1" fill="hold">
-                                          <p:stCondLst>
-                                            <p:cond delay="0"/>
-                                          </p:stCondLst>
-                                        </p:cTn>
-                                        <p:tgtEl>
-                                          <p:spTgt spid="3">
-                                            <p:txEl>
-                                              <p:pRg st="0" end="0"/>
-                                            </p:txEl>
-                                          </p:spTgt>
-                                        </p:tgtEl>
-                                        <p:attrNameLst>
-                                          <p:attrName>style.visibility</p:attrName>
-                                        </p:attrNameLst>
-                                      </p:cBhvr>
-                                      <p:to>
-                                        <p:strVal val="visible"/>
-                                      </p:to>
-                                    </p:set>
-                                    <p:animEffect transition="in" filter="fade">
-                                      <p:cBhvr>
-                                        <p:cTn id="17" dur="500"/>
-                                        <p:tgtEl>
-                                          <p:spTgt spid="3">
-                                            <p:txEl>
-                                              <p:pRg st="0" end="0"/>
-                                            </p:txEl>
-                                          </p:spTgt>
-                                        </p:tgtEl>
-                                      </p:cBhvr>
-                                    </p:animEffect>
-                                  </p:childTnLst>
                                 </p:cTn>
                               </p:par>
                             </p:childTnLst>
@@ -20841,6 +21095,9 @@
                     <p:cTn id="3" fill="hold">
                       <p:stCondLst>
                         <p:cond delay="indefinite"/>
+                        <p:cond evt="onBegin" delay="0">
+                          <p:tn val="2"/>
+                        </p:cond>
                       </p:stCondLst>
                       <p:childTnLst>
                         <p:par>
@@ -20850,7 +21107,7 @@
                             </p:stCondLst>
                             <p:childTnLst>
                               <p:par>
-                                <p:cTn id="5" presetID="10" presetClass="entr" presetSubtype="0" fill="hold" grpId="0" nodeType="clickEffect">
+                                <p:cTn id="5" presetID="10" presetClass="entr" presetSubtype="0" fill="hold" grpId="0" nodeType="withEffect">
                                   <p:stCondLst>
                                     <p:cond delay="0"/>
                                   </p:stCondLst>
@@ -20884,15 +21141,76 @@
                                   </p:childTnLst>
                                 </p:cTn>
                               </p:par>
+                            </p:childTnLst>
+                          </p:cTn>
+                        </p:par>
+                      </p:childTnLst>
+                    </p:cTn>
+                  </p:par>
+                  <p:par>
+                    <p:cTn id="8" fill="hold">
+                      <p:stCondLst>
+                        <p:cond delay="indefinite"/>
+                      </p:stCondLst>
+                      <p:childTnLst>
+                        <p:par>
+                          <p:cTn id="9" fill="hold">
+                            <p:stCondLst>
+                              <p:cond delay="0"/>
+                            </p:stCondLst>
+                            <p:childTnLst>
                               <p:par>
-                                <p:cTn id="8" presetID="24" presetClass="emph" presetSubtype="0" fill="hold" grpId="1" nodeType="withEffect">
+                                <p:cTn id="10" presetID="10" presetClass="entr" presetSubtype="0" fill="hold" nodeType="clickEffect">
+                                  <p:stCondLst>
+                                    <p:cond delay="0"/>
+                                  </p:stCondLst>
+                                  <p:childTnLst>
+                                    <p:set>
+                                      <p:cBhvr>
+                                        <p:cTn id="11" dur="1" fill="hold">
+                                          <p:stCondLst>
+                                            <p:cond delay="0"/>
+                                          </p:stCondLst>
+                                        </p:cTn>
+                                        <p:tgtEl>
+                                          <p:spTgt spid="3">
+                                            <p:txEl>
+                                              <p:pRg st="0" end="0"/>
+                                            </p:txEl>
+                                          </p:spTgt>
+                                        </p:tgtEl>
+                                        <p:attrNameLst>
+                                          <p:attrName>style.visibility</p:attrName>
+                                        </p:attrNameLst>
+                                      </p:cBhvr>
+                                      <p:to>
+                                        <p:strVal val="visible"/>
+                                      </p:to>
+                                    </p:set>
+                                    <p:animEffect transition="in" filter="fade">
+                                      <p:cBhvr>
+                                        <p:cTn id="12" dur="500"/>
+                                        <p:tgtEl>
+                                          <p:spTgt spid="3">
+                                            <p:txEl>
+                                              <p:pRg st="0" end="0"/>
+                                            </p:txEl>
+                                          </p:spTgt>
+                                        </p:tgtEl>
+                                      </p:cBhvr>
+                                    </p:animEffect>
+                                  </p:childTnLst>
+                                </p:cTn>
+                              </p:par>
+                              <p:par>
+                                <p:cTn id="13" presetID="24" presetClass="emph" presetSubtype="0" fill="hold" grpId="1" nodeType="withEffect">
                                   <p:stCondLst>
                                     <p:cond delay="0"/>
                                   </p:stCondLst>
                                   <p:childTnLst>
                                     <p:animClr clrSpc="hsl" dir="cw">
                                       <p:cBhvr override="childStyle">
-                                        <p:cTn id="9" dur="1000" fill="hold"/>
+                                        <p:cTn id="14" dur="1000" fill="hold"/>
                                         <p:tgtEl>
                                           <p:spTgt spid="2"/>
                                         </p:tgtEl>
@@ -20906,7 +21224,7 @@
                                     </p:animClr>
                                     <p:animClr clrSpc="hsl" dir="cw">
                                       <p:cBhvr>
-                                        <p:cTn id="10" dur="1000" fill="hold"/>
+                                        <p:cTn id="15" dur="1000" fill="hold"/>
                                         <p:tgtEl>
                                           <p:spTgt spid="2"/>
                                         </p:tgtEl>
@@ -20920,7 +21238,7 @@
                                     </p:animClr>
                                     <p:animClr clrSpc="hsl" dir="cw">
                                       <p:cBhvr>
-                                        <p:cTn id="11" dur="1000" fill="hold"/>
+                                        <p:cTn id="16" dur="1000" fill="hold"/>
                                         <p:tgtEl>
                                           <p:spTgt spid="2"/>
                                         </p:tgtEl>
@@ -20934,7 +21252,7 @@
                                     </p:animClr>
                                     <p:set>
                                       <p:cBhvr>
-                                        <p:cTn id="12" dur="1000" fill="hold"/>
+                                        <p:cTn id="17" dur="1000" fill="hold"/>
                                         <p:tgtEl>
                                           <p:spTgt spid="2"/>
                                         </p:tgtEl>
@@ -20963,67 +21281,6 @@
                                       </p:to>
                                     </p:animClr>
                                   </p:subTnLst>
-                                </p:cTn>
-                              </p:par>
-                            </p:childTnLst>
-                          </p:cTn>
-                        </p:par>
-                      </p:childTnLst>
-                    </p:cTn>
-                  </p:par>
-                  <p:par>
-                    <p:cTn id="13" fill="hold">
-                      <p:stCondLst>
-                        <p:cond delay="indefinite"/>
-                      </p:stCondLst>
-                      <p:childTnLst>
-                        <p:par>
-                          <p:cTn id="14" fill="hold">
-                            <p:stCondLst>
-                              <p:cond delay="0"/>
-                            </p:stCondLst>
-                            <p:childTnLst>
-                              <p:par>
-                                <p:cTn id="15" presetID="10" presetClass="entr" presetSubtype="0" fill="hold" nodeType="clickEffect">
-                                  <p:stCondLst>
-                                    <p:cond delay="0"/>
-                                  </p:stCondLst>
-                                  <p:childTnLst>
-                                    <p:set>
-                                      <p:cBhvr>
-                                        <p:cTn id="16" dur="1" fill="hold">
-                                          <p:stCondLst>
-                                            <p:cond delay="0"/>
-                                          </p:stCondLst>
-                                        </p:cTn>
-                                        <p:tgtEl>
-                                          <p:spTgt spid="3">
-                                            <p:txEl>
-                                              <p:pRg st="0" end="0"/>
-                                            </p:txEl>
-                                          </p:spTgt>
-                                        </p:tgtEl>
-                                        <p:attrNameLst>
-                                          <p:attrName>style.visibility</p:attrName>
-                                        </p:attrNameLst>
-                                      </p:cBhvr>
-                                      <p:to>
-                                        <p:strVal val="visible"/>
-                                      </p:to>
-                                    </p:set>
-                                    <p:animEffect transition="in" filter="fade">
-                                      <p:cBhvr>
-                                        <p:cTn id="17" dur="500"/>
-                                        <p:tgtEl>
-                                          <p:spTgt spid="3">
-                                            <p:txEl>
-                                              <p:pRg st="0" end="0"/>
-                                            </p:txEl>
-                                          </p:spTgt>
-                                        </p:tgtEl>
-                                      </p:cBhvr>
-                                    </p:animEffect>
-                                  </p:childTnLst>
                                 </p:cTn>
                               </p:par>
                             </p:childTnLst>

--- a/_Administratie/Presentatie GIP.pptx
+++ b/_Administratie/Presentatie GIP.pptx
@@ -9704,10 +9704,10 @@
       </p:sp>
       <p:pic>
         <p:nvPicPr>
-          <p:cNvPr id="6" name="Afbeelding 5">
+          <p:cNvPr id="8" name="Afbeelding 7">
             <a:extLst>
               <a:ext uri="{FF2B5EF4-FFF2-40B4-BE49-F238E27FC236}">
-                <a16:creationId xmlns:a16="http://schemas.microsoft.com/office/drawing/2014/main" id="{57ECB3B9-6F2A-4637-AA05-4A033F1D5EB8}"/>
+                <a16:creationId xmlns:a16="http://schemas.microsoft.com/office/drawing/2014/main" id="{52F4CBE4-6F7E-462F-AEDD-77F30BF7AF06}"/>
               </a:ext>
             </a:extLst>
           </p:cNvPr>
@@ -9721,7 +9721,7 @@
                 <a14:imgProps xmlns:a14="http://schemas.microsoft.com/office/drawing/2010/main">
                   <a14:imgLayer r:embed="rId4">
                     <a14:imgEffect>
-                      <a14:brightnessContrast bright="-20000"/>
+                      <a14:brightnessContrast contrast="-40000"/>
                     </a14:imgEffect>
                   </a14:imgLayer>
                 </a14:imgProps>
@@ -9738,8 +9738,8 @@
         </p:blipFill>
         <p:spPr bwMode="auto">
           <a:xfrm>
-            <a:off x="6096000" y="794068"/>
-            <a:ext cx="5756910" cy="5462270"/>
+            <a:off x="6565399" y="586308"/>
+            <a:ext cx="4883028" cy="5612946"/>
           </a:xfrm>
           <a:prstGeom prst="rect">
             <a:avLst/>
@@ -15224,7 +15224,7 @@
             </a:pPr>
             <a:r>
               <a:rPr lang="nl-NL" sz="3600" dirty="0" err="1"/>
-              <a:t>PascalE</a:t>
+              <a:t>Pascale</a:t>
             </a:r>
             <a:r>
               <a:rPr lang="nl-NL" sz="3600" dirty="0"/>
